--- a/mail these/first/FYP First.pptx
+++ b/mail these/first/FYP First.pptx
@@ -2,35 +2,40 @@
 <file path=ppt/presentation.xml><?xml version="1.0" encoding="utf-8"?>
 <p:presentation xmlns:a="http://schemas.openxmlformats.org/drawingml/2006/main" xmlns:r="http://schemas.openxmlformats.org/officeDocument/2006/relationships" xmlns:mc="http://schemas.openxmlformats.org/markup-compatibility/2006" xmlns:mv="urn:schemas-microsoft-com:mac:vml" xmlns:p="http://schemas.openxmlformats.org/presentationml/2006/main" xmlns:c="http://schemas.openxmlformats.org/drawingml/2006/chart" xmlns:dgm="http://schemas.openxmlformats.org/drawingml/2006/diagram" xmlns:o="urn:schemas-microsoft-com:office:office" xmlns:v="urn:schemas-microsoft-com:vml" xmlns:pvml="urn:schemas-microsoft-com:office:powerpoint" xmlns:com="http://schemas.openxmlformats.org/drawingml/2006/compatibility" xmlns:p14="http://schemas.microsoft.com/office/powerpoint/2010/main" xmlns:p15="http://schemas.microsoft.com/office/powerpoint/2012/main" autoCompressPictures="0" strictFirstAndLastChars="0" saveSubsetFonts="1">
   <p:sldMasterIdLst>
-    <p:sldMasterId id="2147483659" r:id="rId4"/>
+    <p:sldMasterId id="2147483659" r:id="rId5"/>
   </p:sldMasterIdLst>
   <p:notesMasterIdLst>
-    <p:notesMasterId r:id="rId5"/>
+    <p:notesMasterId r:id="rId6"/>
   </p:notesMasterIdLst>
   <p:sldIdLst>
-    <p:sldId id="256" r:id="rId6"/>
-    <p:sldId id="257" r:id="rId7"/>
-    <p:sldId id="258" r:id="rId8"/>
-    <p:sldId id="259" r:id="rId9"/>
-    <p:sldId id="260" r:id="rId10"/>
-    <p:sldId id="261" r:id="rId11"/>
-    <p:sldId id="262" r:id="rId12"/>
-    <p:sldId id="263" r:id="rId13"/>
-    <p:sldId id="264" r:id="rId14"/>
-    <p:sldId id="265" r:id="rId15"/>
-    <p:sldId id="266" r:id="rId16"/>
-    <p:sldId id="267" r:id="rId17"/>
-    <p:sldId id="268" r:id="rId18"/>
-    <p:sldId id="269" r:id="rId19"/>
-    <p:sldId id="270" r:id="rId20"/>
-    <p:sldId id="271" r:id="rId21"/>
-    <p:sldId id="272" r:id="rId22"/>
-    <p:sldId id="273" r:id="rId23"/>
-    <p:sldId id="274" r:id="rId24"/>
-    <p:sldId id="275" r:id="rId25"/>
-    <p:sldId id="276" r:id="rId26"/>
-    <p:sldId id="277" r:id="rId27"/>
-    <p:sldId id="278" r:id="rId28"/>
+    <p:sldId id="256" r:id="rId7"/>
+    <p:sldId id="257" r:id="rId8"/>
+    <p:sldId id="258" r:id="rId9"/>
+    <p:sldId id="259" r:id="rId10"/>
+    <p:sldId id="260" r:id="rId11"/>
+    <p:sldId id="261" r:id="rId12"/>
+    <p:sldId id="262" r:id="rId13"/>
+    <p:sldId id="263" r:id="rId14"/>
+    <p:sldId id="264" r:id="rId15"/>
+    <p:sldId id="265" r:id="rId16"/>
+    <p:sldId id="266" r:id="rId17"/>
+    <p:sldId id="267" r:id="rId18"/>
+    <p:sldId id="268" r:id="rId19"/>
+    <p:sldId id="269" r:id="rId20"/>
+    <p:sldId id="270" r:id="rId21"/>
+    <p:sldId id="271" r:id="rId22"/>
+    <p:sldId id="272" r:id="rId23"/>
+    <p:sldId id="273" r:id="rId24"/>
+    <p:sldId id="274" r:id="rId25"/>
+    <p:sldId id="275" r:id="rId26"/>
+    <p:sldId id="276" r:id="rId27"/>
+    <p:sldId id="277" r:id="rId28"/>
+    <p:sldId id="278" r:id="rId29"/>
+    <p:sldId id="279" r:id="rId30"/>
+    <p:sldId id="280" r:id="rId31"/>
+    <p:sldId id="281" r:id="rId32"/>
+    <p:sldId id="282" r:id="rId33"/>
+    <p:sldId id="283" r:id="rId34"/>
   </p:sldIdLst>
   <p:sldSz cy="5143500" cx="9144000"/>
   <p:notesSz cx="6858000" cy="9144000"/>
@@ -826,7 +831,7 @@
       </p:grpSpPr>
       <p:sp>
         <p:nvSpPr>
-          <p:cNvPr id="106" name="Google Shape;106;g5ff9bbdfc0_0_13:notes"/>
+          <p:cNvPr id="106" name="Google Shape;106;g5ff9bbdfc0_0_35:notes"/>
           <p:cNvSpPr/>
           <p:nvPr>
             <p:ph idx="2" type="sldImg"/>
@@ -861,7 +866,7 @@
       </p:sp>
       <p:sp>
         <p:nvSpPr>
-          <p:cNvPr id="107" name="Google Shape;107;g5ff9bbdfc0_0_13:notes"/>
+          <p:cNvPr id="107" name="Google Shape;107;g5ff9bbdfc0_0_35:notes"/>
           <p:cNvSpPr txBox="1"/>
           <p:nvPr>
             <p:ph idx="1" type="body"/>
@@ -925,7 +930,7 @@
       </p:grpSpPr>
       <p:sp>
         <p:nvSpPr>
-          <p:cNvPr id="112" name="Google Shape;112;g64565aa07b_0_1:notes"/>
+          <p:cNvPr id="112" name="Google Shape;112;g5ff9bbdfc0_0_13:notes"/>
           <p:cNvSpPr/>
           <p:nvPr>
             <p:ph idx="2" type="sldImg"/>
@@ -960,7 +965,7 @@
       </p:sp>
       <p:sp>
         <p:nvSpPr>
-          <p:cNvPr id="113" name="Google Shape;113;g64565aa07b_0_1:notes"/>
+          <p:cNvPr id="113" name="Google Shape;113;g5ff9bbdfc0_0_13:notes"/>
           <p:cNvSpPr txBox="1"/>
           <p:nvPr>
             <p:ph idx="1" type="body"/>
@@ -1024,7 +1029,7 @@
       </p:grpSpPr>
       <p:sp>
         <p:nvSpPr>
-          <p:cNvPr id="118" name="Google Shape;118;g7bef34b28b_0_24:notes"/>
+          <p:cNvPr id="118" name="Google Shape;118;g64565aa07b_0_1:notes"/>
           <p:cNvSpPr/>
           <p:nvPr>
             <p:ph idx="2" type="sldImg"/>
@@ -1059,7 +1064,7 @@
       </p:sp>
       <p:sp>
         <p:nvSpPr>
-          <p:cNvPr id="119" name="Google Shape;119;g7bef34b28b_0_24:notes"/>
+          <p:cNvPr id="119" name="Google Shape;119;g64565aa07b_0_1:notes"/>
           <p:cNvSpPr txBox="1"/>
           <p:nvPr>
             <p:ph idx="1" type="body"/>
@@ -1123,7 +1128,7 @@
       </p:grpSpPr>
       <p:sp>
         <p:nvSpPr>
-          <p:cNvPr id="124" name="Google Shape;124;g7bef34b28b_0_31:notes"/>
+          <p:cNvPr id="124" name="Google Shape;124;g6d23d0a28a_0_33:notes"/>
           <p:cNvSpPr/>
           <p:nvPr>
             <p:ph idx="2" type="sldImg"/>
@@ -1158,7 +1163,7 @@
       </p:sp>
       <p:sp>
         <p:nvSpPr>
-          <p:cNvPr id="125" name="Google Shape;125;g7bef34b28b_0_31:notes"/>
+          <p:cNvPr id="125" name="Google Shape;125;g6d23d0a28a_0_33:notes"/>
           <p:cNvSpPr txBox="1"/>
           <p:nvPr>
             <p:ph idx="1" type="body"/>
@@ -1208,7 +1213,7 @@
   <p:cSld>
     <p:spTree>
       <p:nvGrpSpPr>
-        <p:cNvPr id="129" name="Shape 129"/>
+        <p:cNvPr id="128" name="Shape 128"/>
         <p:cNvGrpSpPr/>
         <p:nvPr/>
       </p:nvGrpSpPr>
@@ -1222,7 +1227,7 @@
       </p:grpSpPr>
       <p:sp>
         <p:nvSpPr>
-          <p:cNvPr id="130" name="Google Shape;130;g7bef34b28b_0_38:notes"/>
+          <p:cNvPr id="129" name="Google Shape;129;g6d23d0a28a_0_41:notes"/>
           <p:cNvSpPr/>
           <p:nvPr>
             <p:ph idx="2" type="sldImg"/>
@@ -1257,7 +1262,7 @@
       </p:sp>
       <p:sp>
         <p:nvSpPr>
-          <p:cNvPr id="131" name="Google Shape;131;g7bef34b28b_0_38:notes"/>
+          <p:cNvPr id="130" name="Google Shape;130;g6d23d0a28a_0_41:notes"/>
           <p:cNvSpPr txBox="1"/>
           <p:nvPr>
             <p:ph idx="1" type="body"/>
@@ -1307,7 +1312,7 @@
   <p:cSld>
     <p:spTree>
       <p:nvGrpSpPr>
-        <p:cNvPr id="136" name="Shape 136"/>
+        <p:cNvPr id="133" name="Shape 133"/>
         <p:cNvGrpSpPr/>
         <p:nvPr/>
       </p:nvGrpSpPr>
@@ -1321,7 +1326,7 @@
       </p:grpSpPr>
       <p:sp>
         <p:nvSpPr>
-          <p:cNvPr id="137" name="Google Shape;137;g7bef34b28b_0_46:notes"/>
+          <p:cNvPr id="134" name="Google Shape;134;g6d23d0a28a_0_46:notes"/>
           <p:cNvSpPr/>
           <p:nvPr>
             <p:ph idx="2" type="sldImg"/>
@@ -1356,7 +1361,7 @@
       </p:sp>
       <p:sp>
         <p:nvSpPr>
-          <p:cNvPr id="138" name="Google Shape;138;g7bef34b28b_0_46:notes"/>
+          <p:cNvPr id="135" name="Google Shape;135;g6d23d0a28a_0_46:notes"/>
           <p:cNvSpPr txBox="1"/>
           <p:nvPr>
             <p:ph idx="1" type="body"/>
@@ -1406,7 +1411,7 @@
   <p:cSld>
     <p:spTree>
       <p:nvGrpSpPr>
-        <p:cNvPr id="142" name="Shape 142"/>
+        <p:cNvPr id="138" name="Shape 138"/>
         <p:cNvGrpSpPr/>
         <p:nvPr/>
       </p:nvGrpSpPr>
@@ -1420,7 +1425,7 @@
       </p:grpSpPr>
       <p:sp>
         <p:nvSpPr>
-          <p:cNvPr id="143" name="Google Shape;143;g7bef34b28b_0_55:notes"/>
+          <p:cNvPr id="139" name="Google Shape;139;g6d23d0a28a_0_23:notes"/>
           <p:cNvSpPr/>
           <p:nvPr>
             <p:ph idx="2" type="sldImg"/>
@@ -1455,7 +1460,7 @@
       </p:sp>
       <p:sp>
         <p:nvSpPr>
-          <p:cNvPr id="144" name="Google Shape;144;g7bef34b28b_0_55:notes"/>
+          <p:cNvPr id="140" name="Google Shape;140;g6d23d0a28a_0_23:notes"/>
           <p:cNvSpPr txBox="1"/>
           <p:nvPr>
             <p:ph idx="1" type="body"/>
@@ -1505,7 +1510,7 @@
   <p:cSld>
     <p:spTree>
       <p:nvGrpSpPr>
-        <p:cNvPr id="148" name="Shape 148"/>
+        <p:cNvPr id="145" name="Shape 145"/>
         <p:cNvGrpSpPr/>
         <p:nvPr/>
       </p:nvGrpSpPr>
@@ -1519,7 +1524,7 @@
       </p:grpSpPr>
       <p:sp>
         <p:nvSpPr>
-          <p:cNvPr id="149" name="Google Shape;149;g7bef34b28b_0_62:notes"/>
+          <p:cNvPr id="146" name="Google Shape;146;g7bef34b28b_0_24:notes"/>
           <p:cNvSpPr/>
           <p:nvPr>
             <p:ph idx="2" type="sldImg"/>
@@ -1554,7 +1559,7 @@
       </p:sp>
       <p:sp>
         <p:nvSpPr>
-          <p:cNvPr id="150" name="Google Shape;150;g7bef34b28b_0_62:notes"/>
+          <p:cNvPr id="147" name="Google Shape;147;g7bef34b28b_0_24:notes"/>
           <p:cNvSpPr txBox="1"/>
           <p:nvPr>
             <p:ph idx="1" type="body"/>
@@ -1604,7 +1609,7 @@
   <p:cSld>
     <p:spTree>
       <p:nvGrpSpPr>
-        <p:cNvPr id="154" name="Shape 154"/>
+        <p:cNvPr id="151" name="Shape 151"/>
         <p:cNvGrpSpPr/>
         <p:nvPr/>
       </p:nvGrpSpPr>
@@ -1618,7 +1623,7 @@
       </p:grpSpPr>
       <p:sp>
         <p:nvSpPr>
-          <p:cNvPr id="155" name="Google Shape;155;g7bef34b28b_0_69:notes"/>
+          <p:cNvPr id="152" name="Google Shape;152;g7bef34b28b_0_31:notes"/>
           <p:cNvSpPr/>
           <p:nvPr>
             <p:ph idx="2" type="sldImg"/>
@@ -1653,7 +1658,7 @@
       </p:sp>
       <p:sp>
         <p:nvSpPr>
-          <p:cNvPr id="156" name="Google Shape;156;g7bef34b28b_0_69:notes"/>
+          <p:cNvPr id="153" name="Google Shape;153;g7bef34b28b_0_31:notes"/>
           <p:cNvSpPr txBox="1"/>
           <p:nvPr>
             <p:ph idx="1" type="body"/>
@@ -1703,7 +1708,7 @@
   <p:cSld>
     <p:spTree>
       <p:nvGrpSpPr>
-        <p:cNvPr id="160" name="Shape 160"/>
+        <p:cNvPr id="157" name="Shape 157"/>
         <p:cNvGrpSpPr/>
         <p:nvPr/>
       </p:nvGrpSpPr>
@@ -1717,7 +1722,7 @@
       </p:grpSpPr>
       <p:sp>
         <p:nvSpPr>
-          <p:cNvPr id="161" name="Google Shape;161;g7bef34b28b_0_76:notes"/>
+          <p:cNvPr id="158" name="Google Shape;158;g7bef34b28b_0_38:notes"/>
           <p:cNvSpPr/>
           <p:nvPr>
             <p:ph idx="2" type="sldImg"/>
@@ -1752,7 +1757,7 @@
       </p:sp>
       <p:sp>
         <p:nvSpPr>
-          <p:cNvPr id="162" name="Google Shape;162;g7bef34b28b_0_76:notes"/>
+          <p:cNvPr id="159" name="Google Shape;159;g7bef34b28b_0_38:notes"/>
           <p:cNvSpPr txBox="1"/>
           <p:nvPr>
             <p:ph idx="1" type="body"/>
@@ -1901,7 +1906,7 @@
   <p:cSld>
     <p:spTree>
       <p:nvGrpSpPr>
-        <p:cNvPr id="166" name="Shape 166"/>
+        <p:cNvPr id="164" name="Shape 164"/>
         <p:cNvGrpSpPr/>
         <p:nvPr/>
       </p:nvGrpSpPr>
@@ -1915,7 +1920,7 @@
       </p:grpSpPr>
       <p:sp>
         <p:nvSpPr>
-          <p:cNvPr id="167" name="Google Shape;167;g7bef34b28b_0_83:notes"/>
+          <p:cNvPr id="165" name="Google Shape;165;g7bef34b28b_0_46:notes"/>
           <p:cNvSpPr/>
           <p:nvPr>
             <p:ph idx="2" type="sldImg"/>
@@ -1950,7 +1955,7 @@
       </p:sp>
       <p:sp>
         <p:nvSpPr>
-          <p:cNvPr id="168" name="Google Shape;168;g7bef34b28b_0_83:notes"/>
+          <p:cNvPr id="166" name="Google Shape;166;g7bef34b28b_0_46:notes"/>
           <p:cNvSpPr txBox="1"/>
           <p:nvPr>
             <p:ph idx="1" type="body"/>
@@ -2000,7 +2005,7 @@
   <p:cSld>
     <p:spTree>
       <p:nvGrpSpPr>
-        <p:cNvPr id="172" name="Shape 172"/>
+        <p:cNvPr id="170" name="Shape 170"/>
         <p:cNvGrpSpPr/>
         <p:nvPr/>
       </p:nvGrpSpPr>
@@ -2014,7 +2019,7 @@
       </p:grpSpPr>
       <p:sp>
         <p:nvSpPr>
-          <p:cNvPr id="173" name="Google Shape;173;g7bef34b28b_0_88:notes"/>
+          <p:cNvPr id="171" name="Google Shape;171;g7bef34b28b_0_55:notes"/>
           <p:cNvSpPr/>
           <p:nvPr>
             <p:ph idx="2" type="sldImg"/>
@@ -2049,7 +2054,7 @@
       </p:sp>
       <p:sp>
         <p:nvSpPr>
-          <p:cNvPr id="174" name="Google Shape;174;g7bef34b28b_0_88:notes"/>
+          <p:cNvPr id="172" name="Google Shape;172;g7bef34b28b_0_55:notes"/>
           <p:cNvSpPr txBox="1"/>
           <p:nvPr>
             <p:ph idx="1" type="body"/>
@@ -2099,7 +2104,7 @@
   <p:cSld>
     <p:spTree>
       <p:nvGrpSpPr>
-        <p:cNvPr id="178" name="Shape 178"/>
+        <p:cNvPr id="176" name="Shape 176"/>
         <p:cNvGrpSpPr/>
         <p:nvPr/>
       </p:nvGrpSpPr>
@@ -2113,7 +2118,7 @@
       </p:grpSpPr>
       <p:sp>
         <p:nvSpPr>
-          <p:cNvPr id="179" name="Google Shape;179;g7bef34b28b_0_96:notes"/>
+          <p:cNvPr id="177" name="Google Shape;177;g7bef34b28b_0_62:notes"/>
           <p:cNvSpPr/>
           <p:nvPr>
             <p:ph idx="2" type="sldImg"/>
@@ -2148,7 +2153,7 @@
       </p:sp>
       <p:sp>
         <p:nvSpPr>
-          <p:cNvPr id="180" name="Google Shape;180;g7bef34b28b_0_96:notes"/>
+          <p:cNvPr id="178" name="Google Shape;178;g7bef34b28b_0_62:notes"/>
           <p:cNvSpPr txBox="1"/>
           <p:nvPr>
             <p:ph idx="1" type="body"/>
@@ -2198,7 +2203,7 @@
   <p:cSld>
     <p:spTree>
       <p:nvGrpSpPr>
-        <p:cNvPr id="184" name="Shape 184"/>
+        <p:cNvPr id="182" name="Shape 182"/>
         <p:cNvGrpSpPr/>
         <p:nvPr/>
       </p:nvGrpSpPr>
@@ -2212,7 +2217,7 @@
       </p:grpSpPr>
       <p:sp>
         <p:nvSpPr>
-          <p:cNvPr id="185" name="Google Shape;185;g5ff9bbdfc0_0_19:notes"/>
+          <p:cNvPr id="183" name="Google Shape;183;g7bef34b28b_0_69:notes"/>
           <p:cNvSpPr/>
           <p:nvPr>
             <p:ph idx="2" type="sldImg"/>
@@ -2247,7 +2252,502 @@
       </p:sp>
       <p:sp>
         <p:nvSpPr>
-          <p:cNvPr id="186" name="Google Shape;186;g5ff9bbdfc0_0_19:notes"/>
+          <p:cNvPr id="184" name="Google Shape;184;g7bef34b28b_0_69:notes"/>
+          <p:cNvSpPr txBox="1"/>
+          <p:nvPr>
+            <p:ph idx="1" type="body"/>
+          </p:nvPr>
+        </p:nvSpPr>
+        <p:spPr>
+          <a:xfrm>
+            <a:off x="685800" y="4343400"/>
+            <a:ext cx="5486400" cy="4114800"/>
+          </a:xfrm>
+          <a:prstGeom prst="rect">
+            <a:avLst/>
+          </a:prstGeom>
+        </p:spPr>
+        <p:txBody>
+          <a:bodyPr anchorCtr="0" anchor="t" bIns="91425" lIns="91425" spcFirstLastPara="1" rIns="91425" wrap="square" tIns="91425">
+            <a:noAutofit/>
+          </a:bodyPr>
+          <a:lstStyle/>
+          <a:p>
+            <a:pPr indent="0" lvl="0" marL="0" rtl="0" algn="l">
+              <a:spcBef>
+                <a:spcPts val="0"/>
+              </a:spcBef>
+              <a:spcAft>
+                <a:spcPts val="0"/>
+              </a:spcAft>
+              <a:buNone/>
+            </a:pPr>
+            <a:r>
+              <a:t/>
+            </a:r>
+            <a:endParaRPr/>
+          </a:p>
+        </p:txBody>
+      </p:sp>
+    </p:spTree>
+  </p:cSld>
+  <p:clrMapOvr>
+    <a:masterClrMapping/>
+  </p:clrMapOvr>
+</p:notes>
+</file>
+
+<file path=ppt/notesSlides/notesSlide24.xml><?xml version="1.0" encoding="utf-8"?>
+<p:notes xmlns:a="http://schemas.openxmlformats.org/drawingml/2006/main" xmlns:r="http://schemas.openxmlformats.org/officeDocument/2006/relationships" xmlns:mc="http://schemas.openxmlformats.org/markup-compatibility/2006" xmlns:mv="urn:schemas-microsoft-com:mac:vml" xmlns:p="http://schemas.openxmlformats.org/presentationml/2006/main" xmlns:c="http://schemas.openxmlformats.org/drawingml/2006/chart" xmlns:dgm="http://schemas.openxmlformats.org/drawingml/2006/diagram" xmlns:o="urn:schemas-microsoft-com:office:office" xmlns:v="urn:schemas-microsoft-com:vml" xmlns:pvml="urn:schemas-microsoft-com:office:powerpoint" xmlns:com="http://schemas.openxmlformats.org/drawingml/2006/compatibility" xmlns:p14="http://schemas.microsoft.com/office/powerpoint/2010/main" xmlns:p15="http://schemas.microsoft.com/office/powerpoint/2012/main" showMasterPhAnim="0" showMasterSp="0">
+  <p:cSld>
+    <p:spTree>
+      <p:nvGrpSpPr>
+        <p:cNvPr id="188" name="Shape 188"/>
+        <p:cNvGrpSpPr/>
+        <p:nvPr/>
+      </p:nvGrpSpPr>
+      <p:grpSpPr>
+        <a:xfrm>
+          <a:off x="0" y="0"/>
+          <a:ext cx="0" cy="0"/>
+          <a:chOff x="0" y="0"/>
+          <a:chExt cx="0" cy="0"/>
+        </a:xfrm>
+      </p:grpSpPr>
+      <p:sp>
+        <p:nvSpPr>
+          <p:cNvPr id="189" name="Google Shape;189;g7bef34b28b_0_76:notes"/>
+          <p:cNvSpPr/>
+          <p:nvPr>
+            <p:ph idx="2" type="sldImg"/>
+          </p:nvPr>
+        </p:nvSpPr>
+        <p:spPr>
+          <a:xfrm>
+            <a:off x="381300" y="685800"/>
+            <a:ext cx="6096000" cy="3429000"/>
+          </a:xfrm>
+          <a:custGeom>
+            <a:rect b="b" l="l" r="r" t="t"/>
+            <a:pathLst>
+              <a:path extrusionOk="0" h="120000" w="120000">
+                <a:moveTo>
+                  <a:pt x="0" y="0"/>
+                </a:moveTo>
+                <a:lnTo>
+                  <a:pt x="120000" y="0"/>
+                </a:lnTo>
+                <a:lnTo>
+                  <a:pt x="120000" y="120000"/>
+                </a:lnTo>
+                <a:lnTo>
+                  <a:pt x="0" y="120000"/>
+                </a:lnTo>
+                <a:close/>
+              </a:path>
+            </a:pathLst>
+          </a:custGeom>
+        </p:spPr>
+      </p:sp>
+      <p:sp>
+        <p:nvSpPr>
+          <p:cNvPr id="190" name="Google Shape;190;g7bef34b28b_0_76:notes"/>
+          <p:cNvSpPr txBox="1"/>
+          <p:nvPr>
+            <p:ph idx="1" type="body"/>
+          </p:nvPr>
+        </p:nvSpPr>
+        <p:spPr>
+          <a:xfrm>
+            <a:off x="685800" y="4343400"/>
+            <a:ext cx="5486400" cy="4114800"/>
+          </a:xfrm>
+          <a:prstGeom prst="rect">
+            <a:avLst/>
+          </a:prstGeom>
+        </p:spPr>
+        <p:txBody>
+          <a:bodyPr anchorCtr="0" anchor="t" bIns="91425" lIns="91425" spcFirstLastPara="1" rIns="91425" wrap="square" tIns="91425">
+            <a:noAutofit/>
+          </a:bodyPr>
+          <a:lstStyle/>
+          <a:p>
+            <a:pPr indent="0" lvl="0" marL="0" rtl="0" algn="l">
+              <a:spcBef>
+                <a:spcPts val="0"/>
+              </a:spcBef>
+              <a:spcAft>
+                <a:spcPts val="0"/>
+              </a:spcAft>
+              <a:buNone/>
+            </a:pPr>
+            <a:r>
+              <a:t/>
+            </a:r>
+            <a:endParaRPr/>
+          </a:p>
+        </p:txBody>
+      </p:sp>
+    </p:spTree>
+  </p:cSld>
+  <p:clrMapOvr>
+    <a:masterClrMapping/>
+  </p:clrMapOvr>
+</p:notes>
+</file>
+
+<file path=ppt/notesSlides/notesSlide25.xml><?xml version="1.0" encoding="utf-8"?>
+<p:notes xmlns:a="http://schemas.openxmlformats.org/drawingml/2006/main" xmlns:r="http://schemas.openxmlformats.org/officeDocument/2006/relationships" xmlns:mc="http://schemas.openxmlformats.org/markup-compatibility/2006" xmlns:mv="urn:schemas-microsoft-com:mac:vml" xmlns:p="http://schemas.openxmlformats.org/presentationml/2006/main" xmlns:c="http://schemas.openxmlformats.org/drawingml/2006/chart" xmlns:dgm="http://schemas.openxmlformats.org/drawingml/2006/diagram" xmlns:o="urn:schemas-microsoft-com:office:office" xmlns:v="urn:schemas-microsoft-com:vml" xmlns:pvml="urn:schemas-microsoft-com:office:powerpoint" xmlns:com="http://schemas.openxmlformats.org/drawingml/2006/compatibility" xmlns:p14="http://schemas.microsoft.com/office/powerpoint/2010/main" xmlns:p15="http://schemas.microsoft.com/office/powerpoint/2012/main" showMasterPhAnim="0" showMasterSp="0">
+  <p:cSld>
+    <p:spTree>
+      <p:nvGrpSpPr>
+        <p:cNvPr id="194" name="Shape 194"/>
+        <p:cNvGrpSpPr/>
+        <p:nvPr/>
+      </p:nvGrpSpPr>
+      <p:grpSpPr>
+        <a:xfrm>
+          <a:off x="0" y="0"/>
+          <a:ext cx="0" cy="0"/>
+          <a:chOff x="0" y="0"/>
+          <a:chExt cx="0" cy="0"/>
+        </a:xfrm>
+      </p:grpSpPr>
+      <p:sp>
+        <p:nvSpPr>
+          <p:cNvPr id="195" name="Google Shape;195;g7bef34b28b_0_83:notes"/>
+          <p:cNvSpPr/>
+          <p:nvPr>
+            <p:ph idx="2" type="sldImg"/>
+          </p:nvPr>
+        </p:nvSpPr>
+        <p:spPr>
+          <a:xfrm>
+            <a:off x="381300" y="685800"/>
+            <a:ext cx="6096000" cy="3429000"/>
+          </a:xfrm>
+          <a:custGeom>
+            <a:rect b="b" l="l" r="r" t="t"/>
+            <a:pathLst>
+              <a:path extrusionOk="0" h="120000" w="120000">
+                <a:moveTo>
+                  <a:pt x="0" y="0"/>
+                </a:moveTo>
+                <a:lnTo>
+                  <a:pt x="120000" y="0"/>
+                </a:lnTo>
+                <a:lnTo>
+                  <a:pt x="120000" y="120000"/>
+                </a:lnTo>
+                <a:lnTo>
+                  <a:pt x="0" y="120000"/>
+                </a:lnTo>
+                <a:close/>
+              </a:path>
+            </a:pathLst>
+          </a:custGeom>
+        </p:spPr>
+      </p:sp>
+      <p:sp>
+        <p:nvSpPr>
+          <p:cNvPr id="196" name="Google Shape;196;g7bef34b28b_0_83:notes"/>
+          <p:cNvSpPr txBox="1"/>
+          <p:nvPr>
+            <p:ph idx="1" type="body"/>
+          </p:nvPr>
+        </p:nvSpPr>
+        <p:spPr>
+          <a:xfrm>
+            <a:off x="685800" y="4343400"/>
+            <a:ext cx="5486400" cy="4114800"/>
+          </a:xfrm>
+          <a:prstGeom prst="rect">
+            <a:avLst/>
+          </a:prstGeom>
+        </p:spPr>
+        <p:txBody>
+          <a:bodyPr anchorCtr="0" anchor="t" bIns="91425" lIns="91425" spcFirstLastPara="1" rIns="91425" wrap="square" tIns="91425">
+            <a:noAutofit/>
+          </a:bodyPr>
+          <a:lstStyle/>
+          <a:p>
+            <a:pPr indent="0" lvl="0" marL="0" rtl="0" algn="l">
+              <a:spcBef>
+                <a:spcPts val="0"/>
+              </a:spcBef>
+              <a:spcAft>
+                <a:spcPts val="0"/>
+              </a:spcAft>
+              <a:buNone/>
+            </a:pPr>
+            <a:r>
+              <a:t/>
+            </a:r>
+            <a:endParaRPr/>
+          </a:p>
+        </p:txBody>
+      </p:sp>
+    </p:spTree>
+  </p:cSld>
+  <p:clrMapOvr>
+    <a:masterClrMapping/>
+  </p:clrMapOvr>
+</p:notes>
+</file>
+
+<file path=ppt/notesSlides/notesSlide26.xml><?xml version="1.0" encoding="utf-8"?>
+<p:notes xmlns:a="http://schemas.openxmlformats.org/drawingml/2006/main" xmlns:r="http://schemas.openxmlformats.org/officeDocument/2006/relationships" xmlns:mc="http://schemas.openxmlformats.org/markup-compatibility/2006" xmlns:mv="urn:schemas-microsoft-com:mac:vml" xmlns:p="http://schemas.openxmlformats.org/presentationml/2006/main" xmlns:c="http://schemas.openxmlformats.org/drawingml/2006/chart" xmlns:dgm="http://schemas.openxmlformats.org/drawingml/2006/diagram" xmlns:o="urn:schemas-microsoft-com:office:office" xmlns:v="urn:schemas-microsoft-com:vml" xmlns:pvml="urn:schemas-microsoft-com:office:powerpoint" xmlns:com="http://schemas.openxmlformats.org/drawingml/2006/compatibility" xmlns:p14="http://schemas.microsoft.com/office/powerpoint/2010/main" xmlns:p15="http://schemas.microsoft.com/office/powerpoint/2012/main" showMasterPhAnim="0" showMasterSp="0">
+  <p:cSld>
+    <p:spTree>
+      <p:nvGrpSpPr>
+        <p:cNvPr id="200" name="Shape 200"/>
+        <p:cNvGrpSpPr/>
+        <p:nvPr/>
+      </p:nvGrpSpPr>
+      <p:grpSpPr>
+        <a:xfrm>
+          <a:off x="0" y="0"/>
+          <a:ext cx="0" cy="0"/>
+          <a:chOff x="0" y="0"/>
+          <a:chExt cx="0" cy="0"/>
+        </a:xfrm>
+      </p:grpSpPr>
+      <p:sp>
+        <p:nvSpPr>
+          <p:cNvPr id="201" name="Google Shape;201;g7bef34b28b_0_88:notes"/>
+          <p:cNvSpPr/>
+          <p:nvPr>
+            <p:ph idx="2" type="sldImg"/>
+          </p:nvPr>
+        </p:nvSpPr>
+        <p:spPr>
+          <a:xfrm>
+            <a:off x="381300" y="685800"/>
+            <a:ext cx="6096000" cy="3429000"/>
+          </a:xfrm>
+          <a:custGeom>
+            <a:rect b="b" l="l" r="r" t="t"/>
+            <a:pathLst>
+              <a:path extrusionOk="0" h="120000" w="120000">
+                <a:moveTo>
+                  <a:pt x="0" y="0"/>
+                </a:moveTo>
+                <a:lnTo>
+                  <a:pt x="120000" y="0"/>
+                </a:lnTo>
+                <a:lnTo>
+                  <a:pt x="120000" y="120000"/>
+                </a:lnTo>
+                <a:lnTo>
+                  <a:pt x="0" y="120000"/>
+                </a:lnTo>
+                <a:close/>
+              </a:path>
+            </a:pathLst>
+          </a:custGeom>
+        </p:spPr>
+      </p:sp>
+      <p:sp>
+        <p:nvSpPr>
+          <p:cNvPr id="202" name="Google Shape;202;g7bef34b28b_0_88:notes"/>
+          <p:cNvSpPr txBox="1"/>
+          <p:nvPr>
+            <p:ph idx="1" type="body"/>
+          </p:nvPr>
+        </p:nvSpPr>
+        <p:spPr>
+          <a:xfrm>
+            <a:off x="685800" y="4343400"/>
+            <a:ext cx="5486400" cy="4114800"/>
+          </a:xfrm>
+          <a:prstGeom prst="rect">
+            <a:avLst/>
+          </a:prstGeom>
+        </p:spPr>
+        <p:txBody>
+          <a:bodyPr anchorCtr="0" anchor="t" bIns="91425" lIns="91425" spcFirstLastPara="1" rIns="91425" wrap="square" tIns="91425">
+            <a:noAutofit/>
+          </a:bodyPr>
+          <a:lstStyle/>
+          <a:p>
+            <a:pPr indent="0" lvl="0" marL="0" rtl="0" algn="l">
+              <a:spcBef>
+                <a:spcPts val="0"/>
+              </a:spcBef>
+              <a:spcAft>
+                <a:spcPts val="0"/>
+              </a:spcAft>
+              <a:buNone/>
+            </a:pPr>
+            <a:r>
+              <a:t/>
+            </a:r>
+            <a:endParaRPr/>
+          </a:p>
+        </p:txBody>
+      </p:sp>
+    </p:spTree>
+  </p:cSld>
+  <p:clrMapOvr>
+    <a:masterClrMapping/>
+  </p:clrMapOvr>
+</p:notes>
+</file>
+
+<file path=ppt/notesSlides/notesSlide27.xml><?xml version="1.0" encoding="utf-8"?>
+<p:notes xmlns:a="http://schemas.openxmlformats.org/drawingml/2006/main" xmlns:r="http://schemas.openxmlformats.org/officeDocument/2006/relationships" xmlns:mc="http://schemas.openxmlformats.org/markup-compatibility/2006" xmlns:mv="urn:schemas-microsoft-com:mac:vml" xmlns:p="http://schemas.openxmlformats.org/presentationml/2006/main" xmlns:c="http://schemas.openxmlformats.org/drawingml/2006/chart" xmlns:dgm="http://schemas.openxmlformats.org/drawingml/2006/diagram" xmlns:o="urn:schemas-microsoft-com:office:office" xmlns:v="urn:schemas-microsoft-com:vml" xmlns:pvml="urn:schemas-microsoft-com:office:powerpoint" xmlns:com="http://schemas.openxmlformats.org/drawingml/2006/compatibility" xmlns:p14="http://schemas.microsoft.com/office/powerpoint/2010/main" xmlns:p15="http://schemas.microsoft.com/office/powerpoint/2012/main" showMasterPhAnim="0" showMasterSp="0">
+  <p:cSld>
+    <p:spTree>
+      <p:nvGrpSpPr>
+        <p:cNvPr id="206" name="Shape 206"/>
+        <p:cNvGrpSpPr/>
+        <p:nvPr/>
+      </p:nvGrpSpPr>
+      <p:grpSpPr>
+        <a:xfrm>
+          <a:off x="0" y="0"/>
+          <a:ext cx="0" cy="0"/>
+          <a:chOff x="0" y="0"/>
+          <a:chExt cx="0" cy="0"/>
+        </a:xfrm>
+      </p:grpSpPr>
+      <p:sp>
+        <p:nvSpPr>
+          <p:cNvPr id="207" name="Google Shape;207;g7bef34b28b_0_96:notes"/>
+          <p:cNvSpPr/>
+          <p:nvPr>
+            <p:ph idx="2" type="sldImg"/>
+          </p:nvPr>
+        </p:nvSpPr>
+        <p:spPr>
+          <a:xfrm>
+            <a:off x="381300" y="685800"/>
+            <a:ext cx="6096000" cy="3429000"/>
+          </a:xfrm>
+          <a:custGeom>
+            <a:rect b="b" l="l" r="r" t="t"/>
+            <a:pathLst>
+              <a:path extrusionOk="0" h="120000" w="120000">
+                <a:moveTo>
+                  <a:pt x="0" y="0"/>
+                </a:moveTo>
+                <a:lnTo>
+                  <a:pt x="120000" y="0"/>
+                </a:lnTo>
+                <a:lnTo>
+                  <a:pt x="120000" y="120000"/>
+                </a:lnTo>
+                <a:lnTo>
+                  <a:pt x="0" y="120000"/>
+                </a:lnTo>
+                <a:close/>
+              </a:path>
+            </a:pathLst>
+          </a:custGeom>
+        </p:spPr>
+      </p:sp>
+      <p:sp>
+        <p:nvSpPr>
+          <p:cNvPr id="208" name="Google Shape;208;g7bef34b28b_0_96:notes"/>
+          <p:cNvSpPr txBox="1"/>
+          <p:nvPr>
+            <p:ph idx="1" type="body"/>
+          </p:nvPr>
+        </p:nvSpPr>
+        <p:spPr>
+          <a:xfrm>
+            <a:off x="685800" y="4343400"/>
+            <a:ext cx="5486400" cy="4114800"/>
+          </a:xfrm>
+          <a:prstGeom prst="rect">
+            <a:avLst/>
+          </a:prstGeom>
+        </p:spPr>
+        <p:txBody>
+          <a:bodyPr anchorCtr="0" anchor="t" bIns="91425" lIns="91425" spcFirstLastPara="1" rIns="91425" wrap="square" tIns="91425">
+            <a:noAutofit/>
+          </a:bodyPr>
+          <a:lstStyle/>
+          <a:p>
+            <a:pPr indent="0" lvl="0" marL="0" rtl="0" algn="l">
+              <a:spcBef>
+                <a:spcPts val="0"/>
+              </a:spcBef>
+              <a:spcAft>
+                <a:spcPts val="0"/>
+              </a:spcAft>
+              <a:buNone/>
+            </a:pPr>
+            <a:r>
+              <a:t/>
+            </a:r>
+            <a:endParaRPr/>
+          </a:p>
+        </p:txBody>
+      </p:sp>
+    </p:spTree>
+  </p:cSld>
+  <p:clrMapOvr>
+    <a:masterClrMapping/>
+  </p:clrMapOvr>
+</p:notes>
+</file>
+
+<file path=ppt/notesSlides/notesSlide28.xml><?xml version="1.0" encoding="utf-8"?>
+<p:notes xmlns:a="http://schemas.openxmlformats.org/drawingml/2006/main" xmlns:r="http://schemas.openxmlformats.org/officeDocument/2006/relationships" xmlns:mc="http://schemas.openxmlformats.org/markup-compatibility/2006" xmlns:mv="urn:schemas-microsoft-com:mac:vml" xmlns:p="http://schemas.openxmlformats.org/presentationml/2006/main" xmlns:c="http://schemas.openxmlformats.org/drawingml/2006/chart" xmlns:dgm="http://schemas.openxmlformats.org/drawingml/2006/diagram" xmlns:o="urn:schemas-microsoft-com:office:office" xmlns:v="urn:schemas-microsoft-com:vml" xmlns:pvml="urn:schemas-microsoft-com:office:powerpoint" xmlns:com="http://schemas.openxmlformats.org/drawingml/2006/compatibility" xmlns:p14="http://schemas.microsoft.com/office/powerpoint/2010/main" xmlns:p15="http://schemas.microsoft.com/office/powerpoint/2012/main" showMasterPhAnim="0" showMasterSp="0">
+  <p:cSld>
+    <p:spTree>
+      <p:nvGrpSpPr>
+        <p:cNvPr id="212" name="Shape 212"/>
+        <p:cNvGrpSpPr/>
+        <p:nvPr/>
+      </p:nvGrpSpPr>
+      <p:grpSpPr>
+        <a:xfrm>
+          <a:off x="0" y="0"/>
+          <a:ext cx="0" cy="0"/>
+          <a:chOff x="0" y="0"/>
+          <a:chExt cx="0" cy="0"/>
+        </a:xfrm>
+      </p:grpSpPr>
+      <p:sp>
+        <p:nvSpPr>
+          <p:cNvPr id="213" name="Google Shape;213;g5ff9bbdfc0_0_19:notes"/>
+          <p:cNvSpPr/>
+          <p:nvPr>
+            <p:ph idx="2" type="sldImg"/>
+          </p:nvPr>
+        </p:nvSpPr>
+        <p:spPr>
+          <a:xfrm>
+            <a:off x="381300" y="685800"/>
+            <a:ext cx="6096000" cy="3429000"/>
+          </a:xfrm>
+          <a:custGeom>
+            <a:rect b="b" l="l" r="r" t="t"/>
+            <a:pathLst>
+              <a:path extrusionOk="0" h="120000" w="120000">
+                <a:moveTo>
+                  <a:pt x="0" y="0"/>
+                </a:moveTo>
+                <a:lnTo>
+                  <a:pt x="120000" y="0"/>
+                </a:lnTo>
+                <a:lnTo>
+                  <a:pt x="120000" y="120000"/>
+                </a:lnTo>
+                <a:lnTo>
+                  <a:pt x="0" y="120000"/>
+                </a:lnTo>
+                <a:close/>
+              </a:path>
+            </a:pathLst>
+          </a:custGeom>
+        </p:spPr>
+      </p:sp>
+      <p:sp>
+        <p:nvSpPr>
+          <p:cNvPr id="214" name="Google Shape;214;g5ff9bbdfc0_0_19:notes"/>
           <p:cNvSpPr txBox="1"/>
           <p:nvPr>
             <p:ph idx="1" type="body"/>
@@ -2806,7 +3306,7 @@
       </p:grpSpPr>
       <p:sp>
         <p:nvSpPr>
-          <p:cNvPr id="94" name="Google Shape;94;g7bef34b28b_0_15:notes"/>
+          <p:cNvPr id="94" name="Google Shape;94;g6d23d0a28a_0_14:notes"/>
           <p:cNvSpPr/>
           <p:nvPr>
             <p:ph idx="2" type="sldImg"/>
@@ -2841,7 +3341,7 @@
       </p:sp>
       <p:sp>
         <p:nvSpPr>
-          <p:cNvPr id="95" name="Google Shape;95;g7bef34b28b_0_15:notes"/>
+          <p:cNvPr id="95" name="Google Shape;95;g6d23d0a28a_0_14:notes"/>
           <p:cNvSpPr txBox="1"/>
           <p:nvPr>
             <p:ph idx="1" type="body"/>
@@ -2905,7 +3405,7 @@
       </p:grpSpPr>
       <p:sp>
         <p:nvSpPr>
-          <p:cNvPr id="100" name="Google Shape;100;g5ff9bbdfc0_0_35:notes"/>
+          <p:cNvPr id="100" name="Google Shape;100;g7bef34b28b_0_15:notes"/>
           <p:cNvSpPr/>
           <p:nvPr>
             <p:ph idx="2" type="sldImg"/>
@@ -2940,7 +3440,7 @@
       </p:sp>
       <p:sp>
         <p:nvSpPr>
-          <p:cNvPr id="101" name="Google Shape;101;g5ff9bbdfc0_0_35:notes"/>
+          <p:cNvPr id="101" name="Google Shape;101;g7bef34b28b_0_15:notes"/>
           <p:cNvSpPr txBox="1"/>
           <p:nvPr>
             <p:ph idx="1" type="body"/>
@@ -8300,7 +8800,7 @@
                   <a:srgbClr val="FFFFFF"/>
                 </a:solidFill>
               </a:rPr>
-              <a:t>SYSTEM ARCHITECTURE</a:t>
+              <a:t>PROPOSED SYSTEM</a:t>
             </a:r>
             <a:endParaRPr sz="3000">
               <a:solidFill>
@@ -8310,34 +8810,185 @@
           </a:p>
         </p:txBody>
       </p:sp>
-      <p:pic>
-        <p:nvPicPr>
+      <p:sp>
+        <p:nvSpPr>
           <p:cNvPr id="110" name="Google Shape;110;p22"/>
-          <p:cNvPicPr preferRelativeResize="0"/>
-          <p:nvPr/>
-        </p:nvPicPr>
-        <p:blipFill>
-          <a:blip r:embed="rId3">
-            <a:alphaModFix/>
-          </a:blip>
-          <a:stretch>
-            <a:fillRect/>
-          </a:stretch>
-        </p:blipFill>
+          <p:cNvSpPr txBox="1"/>
+          <p:nvPr>
+            <p:ph idx="1" type="subTitle"/>
+          </p:nvPr>
+        </p:nvSpPr>
         <p:spPr>
           <a:xfrm>
-            <a:off x="762000" y="1394100"/>
-            <a:ext cx="7343775" cy="3248025"/>
+            <a:off x="2695825" y="1749050"/>
+            <a:ext cx="4055100" cy="1955700"/>
           </a:xfrm>
           <a:prstGeom prst="rect">
             <a:avLst/>
           </a:prstGeom>
-          <a:noFill/>
-          <a:ln>
-            <a:noFill/>
-          </a:ln>
         </p:spPr>
-      </p:pic>
+        <p:txBody>
+          <a:bodyPr anchorCtr="0" anchor="t" bIns="91425" lIns="91425" spcFirstLastPara="1" rIns="91425" wrap="square" tIns="91425">
+            <a:noAutofit/>
+          </a:bodyPr>
+          <a:lstStyle/>
+          <a:p>
+            <a:pPr indent="-342900" lvl="0" marL="457200" rtl="0" algn="just">
+              <a:lnSpc>
+                <a:spcPct val="115000"/>
+              </a:lnSpc>
+              <a:spcBef>
+                <a:spcPts val="0"/>
+              </a:spcBef>
+              <a:spcAft>
+                <a:spcPts val="0"/>
+              </a:spcAft>
+              <a:buClr>
+                <a:srgbClr val="FFFFFF"/>
+              </a:buClr>
+              <a:buSzPts val="1800"/>
+              <a:buChar char="●"/>
+            </a:pPr>
+            <a:r>
+              <a:rPr lang="en" sz="1800">
+                <a:solidFill>
+                  <a:srgbClr val="FFFFFF"/>
+                </a:solidFill>
+              </a:rPr>
+              <a:t>Platform independent</a:t>
+            </a:r>
+            <a:endParaRPr sz="1800">
+              <a:solidFill>
+                <a:srgbClr val="FFFFFF"/>
+              </a:solidFill>
+            </a:endParaRPr>
+          </a:p>
+          <a:p>
+            <a:pPr indent="-342900" lvl="0" marL="457200" rtl="0" algn="just">
+              <a:lnSpc>
+                <a:spcPct val="115000"/>
+              </a:lnSpc>
+              <a:spcBef>
+                <a:spcPts val="0"/>
+              </a:spcBef>
+              <a:spcAft>
+                <a:spcPts val="0"/>
+              </a:spcAft>
+              <a:buClr>
+                <a:srgbClr val="FFFFFF"/>
+              </a:buClr>
+              <a:buSzPts val="1800"/>
+              <a:buChar char="●"/>
+            </a:pPr>
+            <a:r>
+              <a:rPr lang="en" sz="1800">
+                <a:solidFill>
+                  <a:srgbClr val="FFFFFF"/>
+                </a:solidFill>
+              </a:rPr>
+              <a:t>Browser add-on</a:t>
+            </a:r>
+            <a:endParaRPr sz="1800">
+              <a:solidFill>
+                <a:srgbClr val="FFFFFF"/>
+              </a:solidFill>
+            </a:endParaRPr>
+          </a:p>
+          <a:p>
+            <a:pPr indent="-342900" lvl="0" marL="457200" rtl="0" algn="just">
+              <a:lnSpc>
+                <a:spcPct val="115000"/>
+              </a:lnSpc>
+              <a:spcBef>
+                <a:spcPts val="0"/>
+              </a:spcBef>
+              <a:spcAft>
+                <a:spcPts val="0"/>
+              </a:spcAft>
+              <a:buClr>
+                <a:srgbClr val="FFFFFF"/>
+              </a:buClr>
+              <a:buSzPts val="1800"/>
+              <a:buChar char="●"/>
+            </a:pPr>
+            <a:r>
+              <a:rPr lang="en" sz="1800">
+                <a:solidFill>
+                  <a:srgbClr val="FFFFFF"/>
+                </a:solidFill>
+              </a:rPr>
+              <a:t>Reduce false warnings</a:t>
+            </a:r>
+            <a:endParaRPr sz="1800">
+              <a:solidFill>
+                <a:srgbClr val="FFFFFF"/>
+              </a:solidFill>
+            </a:endParaRPr>
+          </a:p>
+          <a:p>
+            <a:pPr indent="-342900" lvl="0" marL="457200" rtl="0" algn="just">
+              <a:lnSpc>
+                <a:spcPct val="115000"/>
+              </a:lnSpc>
+              <a:spcBef>
+                <a:spcPts val="0"/>
+              </a:spcBef>
+              <a:spcAft>
+                <a:spcPts val="0"/>
+              </a:spcAft>
+              <a:buClr>
+                <a:srgbClr val="FFFFFF"/>
+              </a:buClr>
+              <a:buSzPts val="1800"/>
+              <a:buChar char="●"/>
+            </a:pPr>
+            <a:r>
+              <a:rPr lang="en" sz="1800">
+                <a:solidFill>
+                  <a:srgbClr val="FFFFFF"/>
+                </a:solidFill>
+              </a:rPr>
+              <a:t>Context independent detection</a:t>
+            </a:r>
+            <a:endParaRPr sz="1800">
+              <a:solidFill>
+                <a:srgbClr val="FFFFFF"/>
+              </a:solidFill>
+            </a:endParaRPr>
+          </a:p>
+          <a:p>
+            <a:pPr indent="-342900" lvl="0" marL="457200" rtl="0" algn="just">
+              <a:lnSpc>
+                <a:spcPct val="115000"/>
+              </a:lnSpc>
+              <a:spcBef>
+                <a:spcPts val="0"/>
+              </a:spcBef>
+              <a:spcAft>
+                <a:spcPts val="0"/>
+              </a:spcAft>
+              <a:buClr>
+                <a:srgbClr val="FFFFFF"/>
+              </a:buClr>
+              <a:buSzPts val="1800"/>
+              <a:buChar char="●"/>
+            </a:pPr>
+            <a:r>
+              <a:rPr lang="en" sz="1800">
+                <a:solidFill>
+                  <a:srgbClr val="FFFFFF"/>
+                </a:solidFill>
+              </a:rPr>
+              <a:t>Static observations</a:t>
+            </a:r>
+            <a:endParaRPr sz="1800">
+              <a:solidFill>
+                <a:srgbClr val="FFFFFF"/>
+              </a:solidFill>
+            </a:endParaRPr>
+          </a:p>
+        </p:txBody>
+      </p:sp>
     </p:spTree>
   </p:cSld>
   <p:clrMapOvr>
@@ -8373,8 +9024,8 @@
         </p:nvSpPr>
         <p:spPr>
           <a:xfrm>
-            <a:off x="200800" y="726950"/>
-            <a:ext cx="4884600" cy="1844700"/>
+            <a:off x="2052475" y="685800"/>
+            <a:ext cx="4884600" cy="860700"/>
           </a:xfrm>
           <a:prstGeom prst="rect">
             <a:avLst/>
@@ -8404,34 +9055,7 @@
                   <a:srgbClr val="FFFFFF"/>
                 </a:solidFill>
               </a:rPr>
-              <a:t>HIGH LEVEL </a:t>
-            </a:r>
-            <a:endParaRPr b="1" sz="3000">
-              <a:solidFill>
-                <a:srgbClr val="FFFFFF"/>
-              </a:solidFill>
-            </a:endParaRPr>
-          </a:p>
-          <a:p>
-            <a:pPr indent="0" lvl="0" marL="0" rtl="0" algn="ctr">
-              <a:lnSpc>
-                <a:spcPct val="115000"/>
-              </a:lnSpc>
-              <a:spcBef>
-                <a:spcPts val="0"/>
-              </a:spcBef>
-              <a:spcAft>
-                <a:spcPts val="0"/>
-              </a:spcAft>
-              <a:buNone/>
-            </a:pPr>
-            <a:r>
-              <a:rPr b="1" lang="en" sz="3000">
-                <a:solidFill>
-                  <a:srgbClr val="FFFFFF"/>
-                </a:solidFill>
-              </a:rPr>
-              <a:t>BLOCK DIAGRAM</a:t>
+              <a:t>SYSTEM ARCHITECTURE</a:t>
             </a:r>
             <a:endParaRPr sz="3000">
               <a:solidFill>
@@ -8457,8 +9081,8 @@
         </p:blipFill>
         <p:spPr>
           <a:xfrm>
-            <a:off x="5513825" y="152400"/>
-            <a:ext cx="3477774" cy="5883224"/>
+            <a:off x="762000" y="1394100"/>
+            <a:ext cx="7343775" cy="3248025"/>
           </a:xfrm>
           <a:prstGeom prst="rect">
             <a:avLst/>
@@ -8504,8 +9128,8 @@
         </p:nvSpPr>
         <p:spPr>
           <a:xfrm>
-            <a:off x="2060275" y="382325"/>
-            <a:ext cx="4884600" cy="860700"/>
+            <a:off x="200800" y="726950"/>
+            <a:ext cx="4884600" cy="1844700"/>
           </a:xfrm>
           <a:prstGeom prst="rect">
             <a:avLst/>
@@ -8535,7 +9159,34 @@
                   <a:srgbClr val="FFFFFF"/>
                 </a:solidFill>
               </a:rPr>
-              <a:t>BACKGROUND SCRIPT</a:t>
+              <a:t>HIGH LEVEL </a:t>
+            </a:r>
+            <a:endParaRPr b="1" sz="3000">
+              <a:solidFill>
+                <a:srgbClr val="FFFFFF"/>
+              </a:solidFill>
+            </a:endParaRPr>
+          </a:p>
+          <a:p>
+            <a:pPr indent="0" lvl="0" marL="0" rtl="0" algn="ctr">
+              <a:lnSpc>
+                <a:spcPct val="115000"/>
+              </a:lnSpc>
+              <a:spcBef>
+                <a:spcPts val="0"/>
+              </a:spcBef>
+              <a:spcAft>
+                <a:spcPts val="0"/>
+              </a:spcAft>
+              <a:buNone/>
+            </a:pPr>
+            <a:r>
+              <a:rPr b="1" lang="en" sz="3000">
+                <a:solidFill>
+                  <a:srgbClr val="FFFFFF"/>
+                </a:solidFill>
+              </a:rPr>
+              <a:t>BLOCK DIAGRAM</a:t>
             </a:r>
             <a:endParaRPr sz="3000">
               <a:solidFill>
@@ -8545,290 +9196,34 @@
           </a:p>
         </p:txBody>
       </p:sp>
-      <p:sp>
-        <p:nvSpPr>
+      <p:pic>
+        <p:nvPicPr>
           <p:cNvPr id="122" name="Google Shape;122;p24"/>
-          <p:cNvSpPr txBox="1"/>
-          <p:nvPr>
-            <p:ph idx="1" type="subTitle"/>
-          </p:nvPr>
-        </p:nvSpPr>
+          <p:cNvPicPr preferRelativeResize="0"/>
+          <p:nvPr/>
+        </p:nvPicPr>
+        <p:blipFill>
+          <a:blip r:embed="rId3">
+            <a:alphaModFix/>
+          </a:blip>
+          <a:stretch>
+            <a:fillRect/>
+          </a:stretch>
+        </p:blipFill>
         <p:spPr>
           <a:xfrm>
-            <a:off x="1027500" y="1367525"/>
-            <a:ext cx="7089000" cy="3259500"/>
+            <a:off x="5513825" y="152400"/>
+            <a:ext cx="3477774" cy="5883224"/>
           </a:xfrm>
           <a:prstGeom prst="rect">
             <a:avLst/>
           </a:prstGeom>
+          <a:noFill/>
+          <a:ln>
+            <a:noFill/>
+          </a:ln>
         </p:spPr>
-        <p:txBody>
-          <a:bodyPr anchorCtr="0" anchor="t" bIns="91425" lIns="91425" spcFirstLastPara="1" rIns="91425" wrap="square" tIns="91425">
-            <a:noAutofit/>
-          </a:bodyPr>
-          <a:lstStyle/>
-          <a:p>
-            <a:pPr indent="0" lvl="0" marL="457200" rtl="0" algn="just">
-              <a:lnSpc>
-                <a:spcPct val="115000"/>
-              </a:lnSpc>
-              <a:spcBef>
-                <a:spcPts val="0"/>
-              </a:spcBef>
-              <a:spcAft>
-                <a:spcPts val="0"/>
-              </a:spcAft>
-              <a:buNone/>
-            </a:pPr>
-            <a:r>
-              <a:rPr i="1" lang="en" sz="1800">
-                <a:solidFill>
-                  <a:srgbClr val="FFFFFF"/>
-                </a:solidFill>
-              </a:rPr>
-              <a:t>Begin</a:t>
-            </a:r>
-            <a:endParaRPr i="1" sz="1800">
-              <a:solidFill>
-                <a:srgbClr val="FFFFFF"/>
-              </a:solidFill>
-            </a:endParaRPr>
-          </a:p>
-          <a:p>
-            <a:pPr indent="457200" lvl="0" marL="457200" rtl="0" algn="just">
-              <a:lnSpc>
-                <a:spcPct val="115000"/>
-              </a:lnSpc>
-              <a:spcBef>
-                <a:spcPts val="0"/>
-              </a:spcBef>
-              <a:spcAft>
-                <a:spcPts val="0"/>
-              </a:spcAft>
-              <a:buNone/>
-            </a:pPr>
-            <a:r>
-              <a:rPr i="1" lang="en" sz="1800">
-                <a:solidFill>
-                  <a:srgbClr val="FFFFFF"/>
-                </a:solidFill>
-              </a:rPr>
-              <a:t>For each page load redirect</a:t>
-            </a:r>
-            <a:endParaRPr i="1" sz="1800">
-              <a:solidFill>
-                <a:srgbClr val="FFFFFF"/>
-              </a:solidFill>
-            </a:endParaRPr>
-          </a:p>
-          <a:p>
-            <a:pPr indent="457200" lvl="0" marL="914400" rtl="0" algn="just">
-              <a:lnSpc>
-                <a:spcPct val="115000"/>
-              </a:lnSpc>
-              <a:spcBef>
-                <a:spcPts val="0"/>
-              </a:spcBef>
-              <a:spcAft>
-                <a:spcPts val="0"/>
-              </a:spcAft>
-              <a:buNone/>
-            </a:pPr>
-            <a:r>
-              <a:rPr i="1" lang="en" sz="1800">
-                <a:solidFill>
-                  <a:srgbClr val="FFFFFF"/>
-                </a:solidFill>
-              </a:rPr>
-              <a:t>Add listener to that event</a:t>
-            </a:r>
-            <a:endParaRPr i="1" sz="1800">
-              <a:solidFill>
-                <a:srgbClr val="FFFFFF"/>
-              </a:solidFill>
-            </a:endParaRPr>
-          </a:p>
-          <a:p>
-            <a:pPr indent="457200" lvl="0" marL="914400" rtl="0" algn="just">
-              <a:lnSpc>
-                <a:spcPct val="115000"/>
-              </a:lnSpc>
-              <a:spcBef>
-                <a:spcPts val="0"/>
-              </a:spcBef>
-              <a:spcAft>
-                <a:spcPts val="0"/>
-              </a:spcAft>
-              <a:buNone/>
-            </a:pPr>
-            <a:r>
-              <a:rPr i="1" lang="en" sz="1800">
-                <a:solidFill>
-                  <a:srgbClr val="FFFFFF"/>
-                </a:solidFill>
-              </a:rPr>
-              <a:t>Get the list of redirects from listener</a:t>
-            </a:r>
-            <a:endParaRPr i="1" sz="1800">
-              <a:solidFill>
-                <a:srgbClr val="FFFFFF"/>
-              </a:solidFill>
-            </a:endParaRPr>
-          </a:p>
-          <a:p>
-            <a:pPr indent="457200" lvl="0" marL="914400" rtl="0" algn="just">
-              <a:lnSpc>
-                <a:spcPct val="115000"/>
-              </a:lnSpc>
-              <a:spcBef>
-                <a:spcPts val="0"/>
-              </a:spcBef>
-              <a:spcAft>
-                <a:spcPts val="0"/>
-              </a:spcAft>
-              <a:buNone/>
-            </a:pPr>
-            <a:r>
-              <a:rPr i="1" lang="en" sz="1800">
-                <a:solidFill>
-                  <a:srgbClr val="FFFFFF"/>
-                </a:solidFill>
-              </a:rPr>
-              <a:t>If page is fully loaded </a:t>
-            </a:r>
-            <a:endParaRPr i="1" sz="1800">
-              <a:solidFill>
-                <a:srgbClr val="FFFFFF"/>
-              </a:solidFill>
-            </a:endParaRPr>
-          </a:p>
-          <a:p>
-            <a:pPr indent="0" lvl="0" marL="457200" rtl="0" algn="just">
-              <a:lnSpc>
-                <a:spcPct val="115000"/>
-              </a:lnSpc>
-              <a:spcBef>
-                <a:spcPts val="0"/>
-              </a:spcBef>
-              <a:spcAft>
-                <a:spcPts val="0"/>
-              </a:spcAft>
-              <a:buNone/>
-            </a:pPr>
-            <a:r>
-              <a:rPr i="1" lang="en" sz="1800">
-                <a:solidFill>
-                  <a:srgbClr val="FFFFFF"/>
-                </a:solidFill>
-              </a:rPr>
-              <a:t>			Send the list of redirects to content script</a:t>
-            </a:r>
-            <a:endParaRPr i="1" sz="1800">
-              <a:solidFill>
-                <a:srgbClr val="FFFFFF"/>
-              </a:solidFill>
-            </a:endParaRPr>
-          </a:p>
-          <a:p>
-            <a:pPr indent="457200" lvl="0" marL="457200" rtl="0" algn="just">
-              <a:lnSpc>
-                <a:spcPct val="115000"/>
-              </a:lnSpc>
-              <a:spcBef>
-                <a:spcPts val="0"/>
-              </a:spcBef>
-              <a:spcAft>
-                <a:spcPts val="0"/>
-              </a:spcAft>
-              <a:buNone/>
-            </a:pPr>
-            <a:r>
-              <a:rPr i="1" lang="en" sz="1800">
-                <a:solidFill>
-                  <a:srgbClr val="FFFFFF"/>
-                </a:solidFill>
-              </a:rPr>
-              <a:t>Done</a:t>
-            </a:r>
-            <a:endParaRPr i="1" sz="1800">
-              <a:solidFill>
-                <a:srgbClr val="FFFFFF"/>
-              </a:solidFill>
-            </a:endParaRPr>
-          </a:p>
-          <a:p>
-            <a:pPr indent="0" lvl="0" marL="457200" rtl="0" algn="just">
-              <a:lnSpc>
-                <a:spcPct val="115000"/>
-              </a:lnSpc>
-              <a:spcBef>
-                <a:spcPts val="0"/>
-              </a:spcBef>
-              <a:spcAft>
-                <a:spcPts val="0"/>
-              </a:spcAft>
-              <a:buNone/>
-            </a:pPr>
-            <a:r>
-              <a:rPr i="1" lang="en" sz="1800">
-                <a:solidFill>
-                  <a:srgbClr val="FFFFFF"/>
-                </a:solidFill>
-              </a:rPr>
-              <a:t>End</a:t>
-            </a:r>
-            <a:endParaRPr i="1" sz="1800">
-              <a:solidFill>
-                <a:srgbClr val="FFFFFF"/>
-              </a:solidFill>
-            </a:endParaRPr>
-          </a:p>
-          <a:p>
-            <a:pPr indent="0" lvl="0" marL="457200" rtl="0" algn="just">
-              <a:lnSpc>
-                <a:spcPct val="115000"/>
-              </a:lnSpc>
-              <a:spcBef>
-                <a:spcPts val="0"/>
-              </a:spcBef>
-              <a:spcAft>
-                <a:spcPts val="0"/>
-              </a:spcAft>
-              <a:buNone/>
-            </a:pPr>
-            <a:r>
-              <a:t/>
-            </a:r>
-            <a:endParaRPr i="1" sz="1800">
-              <a:solidFill>
-                <a:srgbClr val="FFFFFF"/>
-              </a:solidFill>
-            </a:endParaRPr>
-          </a:p>
-          <a:p>
-            <a:pPr indent="0" lvl="0" marL="457200" rtl="0" algn="just">
-              <a:lnSpc>
-                <a:spcPct val="115000"/>
-              </a:lnSpc>
-              <a:spcBef>
-                <a:spcPts val="0"/>
-              </a:spcBef>
-              <a:spcAft>
-                <a:spcPts val="0"/>
-              </a:spcAft>
-              <a:buNone/>
-            </a:pPr>
-            <a:r>
-              <a:t/>
-            </a:r>
-            <a:endParaRPr i="1" sz="1800">
-              <a:solidFill>
-                <a:srgbClr val="FFFFFF"/>
-              </a:solidFill>
-            </a:endParaRPr>
-          </a:p>
-        </p:txBody>
-      </p:sp>
+      </p:pic>
     </p:spTree>
   </p:cSld>
   <p:clrMapOvr>
@@ -8854,9 +9249,601 @@
           <a:chExt cx="0" cy="0"/>
         </a:xfrm>
       </p:grpSpPr>
+      <p:pic>
+        <p:nvPicPr>
+          <p:cNvPr id="127" name="Google Shape;127;p25"/>
+          <p:cNvPicPr preferRelativeResize="0"/>
+          <p:nvPr/>
+        </p:nvPicPr>
+        <p:blipFill>
+          <a:blip r:embed="rId3">
+            <a:alphaModFix/>
+          </a:blip>
+          <a:stretch>
+            <a:fillRect/>
+          </a:stretch>
+        </p:blipFill>
+        <p:spPr>
+          <a:xfrm>
+            <a:off x="987875" y="782388"/>
+            <a:ext cx="7168250" cy="3578725"/>
+          </a:xfrm>
+          <a:prstGeom prst="rect">
+            <a:avLst/>
+          </a:prstGeom>
+          <a:noFill/>
+          <a:ln>
+            <a:noFill/>
+          </a:ln>
+        </p:spPr>
+      </p:pic>
+    </p:spTree>
+  </p:cSld>
+  <p:clrMapOvr>
+    <a:masterClrMapping/>
+  </p:clrMapOvr>
+</p:sld>
+</file>
+
+<file path=ppt/slides/slide14.xml><?xml version="1.0" encoding="utf-8"?>
+<p:sld xmlns:a="http://schemas.openxmlformats.org/drawingml/2006/main" xmlns:r="http://schemas.openxmlformats.org/officeDocument/2006/relationships" xmlns:mc="http://schemas.openxmlformats.org/markup-compatibility/2006" xmlns:mv="urn:schemas-microsoft-com:mac:vml" xmlns:p="http://schemas.openxmlformats.org/presentationml/2006/main" xmlns:c="http://schemas.openxmlformats.org/drawingml/2006/chart" xmlns:dgm="http://schemas.openxmlformats.org/drawingml/2006/diagram" xmlns:o="urn:schemas-microsoft-com:office:office" xmlns:v="urn:schemas-microsoft-com:vml" xmlns:pvml="urn:schemas-microsoft-com:office:powerpoint" xmlns:com="http://schemas.openxmlformats.org/drawingml/2006/compatibility" xmlns:p14="http://schemas.microsoft.com/office/powerpoint/2010/main" xmlns:p15="http://schemas.microsoft.com/office/powerpoint/2012/main">
+  <p:cSld>
+    <p:spTree>
+      <p:nvGrpSpPr>
+        <p:cNvPr id="131" name="Shape 131"/>
+        <p:cNvGrpSpPr/>
+        <p:nvPr/>
+      </p:nvGrpSpPr>
+      <p:grpSpPr>
+        <a:xfrm>
+          <a:off x="0" y="0"/>
+          <a:ext cx="0" cy="0"/>
+          <a:chOff x="0" y="0"/>
+          <a:chExt cx="0" cy="0"/>
+        </a:xfrm>
+      </p:grpSpPr>
+      <p:pic>
+        <p:nvPicPr>
+          <p:cNvPr id="132" name="Google Shape;132;p26"/>
+          <p:cNvPicPr preferRelativeResize="0"/>
+          <p:nvPr/>
+        </p:nvPicPr>
+        <p:blipFill>
+          <a:blip r:embed="rId3">
+            <a:alphaModFix/>
+          </a:blip>
+          <a:stretch>
+            <a:fillRect/>
+          </a:stretch>
+        </p:blipFill>
+        <p:spPr>
+          <a:xfrm>
+            <a:off x="450050" y="976338"/>
+            <a:ext cx="8243901" cy="3190825"/>
+          </a:xfrm>
+          <a:prstGeom prst="rect">
+            <a:avLst/>
+          </a:prstGeom>
+          <a:noFill/>
+          <a:ln>
+            <a:noFill/>
+          </a:ln>
+        </p:spPr>
+      </p:pic>
+    </p:spTree>
+  </p:cSld>
+  <p:clrMapOvr>
+    <a:masterClrMapping/>
+  </p:clrMapOvr>
+</p:sld>
+</file>
+
+<file path=ppt/slides/slide15.xml><?xml version="1.0" encoding="utf-8"?>
+<p:sld xmlns:a="http://schemas.openxmlformats.org/drawingml/2006/main" xmlns:r="http://schemas.openxmlformats.org/officeDocument/2006/relationships" xmlns:mc="http://schemas.openxmlformats.org/markup-compatibility/2006" xmlns:mv="urn:schemas-microsoft-com:mac:vml" xmlns:p="http://schemas.openxmlformats.org/presentationml/2006/main" xmlns:c="http://schemas.openxmlformats.org/drawingml/2006/chart" xmlns:dgm="http://schemas.openxmlformats.org/drawingml/2006/diagram" xmlns:o="urn:schemas-microsoft-com:office:office" xmlns:v="urn:schemas-microsoft-com:vml" xmlns:pvml="urn:schemas-microsoft-com:office:powerpoint" xmlns:com="http://schemas.openxmlformats.org/drawingml/2006/compatibility" xmlns:p14="http://schemas.microsoft.com/office/powerpoint/2010/main" xmlns:p15="http://schemas.microsoft.com/office/powerpoint/2012/main">
+  <p:cSld>
+    <p:spTree>
+      <p:nvGrpSpPr>
+        <p:cNvPr id="136" name="Shape 136"/>
+        <p:cNvGrpSpPr/>
+        <p:nvPr/>
+      </p:nvGrpSpPr>
+      <p:grpSpPr>
+        <a:xfrm>
+          <a:off x="0" y="0"/>
+          <a:ext cx="0" cy="0"/>
+          <a:chOff x="0" y="0"/>
+          <a:chExt cx="0" cy="0"/>
+        </a:xfrm>
+      </p:grpSpPr>
+      <p:pic>
+        <p:nvPicPr>
+          <p:cNvPr id="137" name="Google Shape;137;p27"/>
+          <p:cNvPicPr preferRelativeResize="0"/>
+          <p:nvPr/>
+        </p:nvPicPr>
+        <p:blipFill rotWithShape="1">
+          <a:blip r:embed="rId3">
+            <a:alphaModFix/>
+          </a:blip>
+          <a:srcRect b="22488" l="0" r="0" t="21679"/>
+          <a:stretch/>
+        </p:blipFill>
+        <p:spPr>
+          <a:xfrm>
+            <a:off x="1715300" y="348488"/>
+            <a:ext cx="5713400" cy="4446526"/>
+          </a:xfrm>
+          <a:prstGeom prst="rect">
+            <a:avLst/>
+          </a:prstGeom>
+          <a:noFill/>
+          <a:ln>
+            <a:noFill/>
+          </a:ln>
+        </p:spPr>
+      </p:pic>
+    </p:spTree>
+  </p:cSld>
+  <p:clrMapOvr>
+    <a:masterClrMapping/>
+  </p:clrMapOvr>
+</p:sld>
+</file>
+
+<file path=ppt/slides/slide16.xml><?xml version="1.0" encoding="utf-8"?>
+<p:sld xmlns:a="http://schemas.openxmlformats.org/drawingml/2006/main" xmlns:r="http://schemas.openxmlformats.org/officeDocument/2006/relationships" xmlns:mc="http://schemas.openxmlformats.org/markup-compatibility/2006" xmlns:mv="urn:schemas-microsoft-com:mac:vml" xmlns:p="http://schemas.openxmlformats.org/presentationml/2006/main" xmlns:c="http://schemas.openxmlformats.org/drawingml/2006/chart" xmlns:dgm="http://schemas.openxmlformats.org/drawingml/2006/diagram" xmlns:o="urn:schemas-microsoft-com:office:office" xmlns:v="urn:schemas-microsoft-com:vml" xmlns:pvml="urn:schemas-microsoft-com:office:powerpoint" xmlns:com="http://schemas.openxmlformats.org/drawingml/2006/compatibility" xmlns:p14="http://schemas.microsoft.com/office/powerpoint/2010/main" xmlns:p15="http://schemas.microsoft.com/office/powerpoint/2012/main">
+  <p:cSld>
+    <p:spTree>
+      <p:nvGrpSpPr>
+        <p:cNvPr id="141" name="Shape 141"/>
+        <p:cNvGrpSpPr/>
+        <p:nvPr/>
+      </p:nvGrpSpPr>
+      <p:grpSpPr>
+        <a:xfrm>
+          <a:off x="0" y="0"/>
+          <a:ext cx="0" cy="0"/>
+          <a:chOff x="0" y="0"/>
+          <a:chExt cx="0" cy="0"/>
+        </a:xfrm>
+      </p:grpSpPr>
       <p:sp>
         <p:nvSpPr>
-          <p:cNvPr id="127" name="Google Shape;127;p25"/>
+          <p:cNvPr id="142" name="Google Shape;142;p28"/>
+          <p:cNvSpPr txBox="1"/>
+          <p:nvPr>
+            <p:ph type="ctrTitle"/>
+          </p:nvPr>
+        </p:nvSpPr>
+        <p:spPr>
+          <a:xfrm>
+            <a:off x="217025" y="471300"/>
+            <a:ext cx="8544900" cy="705000"/>
+          </a:xfrm>
+          <a:prstGeom prst="rect">
+            <a:avLst/>
+          </a:prstGeom>
+        </p:spPr>
+        <p:txBody>
+          <a:bodyPr anchorCtr="0" anchor="b" bIns="91425" lIns="91425" spcFirstLastPara="1" rIns="91425" wrap="square" tIns="91425">
+            <a:noAutofit/>
+          </a:bodyPr>
+          <a:lstStyle/>
+          <a:p>
+            <a:pPr indent="0" lvl="0" marL="0" rtl="0" algn="ctr">
+              <a:lnSpc>
+                <a:spcPct val="115000"/>
+              </a:lnSpc>
+              <a:spcBef>
+                <a:spcPts val="0"/>
+              </a:spcBef>
+              <a:spcAft>
+                <a:spcPts val="0"/>
+              </a:spcAft>
+              <a:buNone/>
+            </a:pPr>
+            <a:r>
+              <a:rPr b="1" lang="en" sz="3000">
+                <a:solidFill>
+                  <a:srgbClr val="FFFFFF"/>
+                </a:solidFill>
+              </a:rPr>
+              <a:t>MODULE LIST</a:t>
+            </a:r>
+            <a:endParaRPr sz="3000">
+              <a:solidFill>
+                <a:srgbClr val="FFFFFF"/>
+              </a:solidFill>
+            </a:endParaRPr>
+          </a:p>
+        </p:txBody>
+      </p:sp>
+      <p:sp>
+        <p:nvSpPr>
+          <p:cNvPr id="143" name="Google Shape;143;p28"/>
+          <p:cNvSpPr txBox="1"/>
+          <p:nvPr>
+            <p:ph idx="1" type="subTitle"/>
+          </p:nvPr>
+        </p:nvSpPr>
+        <p:spPr>
+          <a:xfrm>
+            <a:off x="1627050" y="1343425"/>
+            <a:ext cx="4068300" cy="1955700"/>
+          </a:xfrm>
+          <a:prstGeom prst="rect">
+            <a:avLst/>
+          </a:prstGeom>
+        </p:spPr>
+        <p:txBody>
+          <a:bodyPr anchorCtr="0" anchor="t" bIns="91425" lIns="91425" spcFirstLastPara="1" rIns="91425" wrap="square" tIns="91425">
+            <a:noAutofit/>
+          </a:bodyPr>
+          <a:lstStyle/>
+          <a:p>
+            <a:pPr indent="-342900" lvl="0" marL="457200" rtl="0" algn="just">
+              <a:lnSpc>
+                <a:spcPct val="115000"/>
+              </a:lnSpc>
+              <a:spcBef>
+                <a:spcPts val="1100"/>
+              </a:spcBef>
+              <a:spcAft>
+                <a:spcPts val="0"/>
+              </a:spcAft>
+              <a:buClr>
+                <a:schemeClr val="dk1"/>
+              </a:buClr>
+              <a:buSzPts val="1800"/>
+              <a:buChar char="●"/>
+            </a:pPr>
+            <a:r>
+              <a:rPr lang="en" sz="1800">
+                <a:solidFill>
+                  <a:schemeClr val="dk1"/>
+                </a:solidFill>
+              </a:rPr>
+              <a:t>Add on</a:t>
+            </a:r>
+            <a:endParaRPr sz="1800">
+              <a:solidFill>
+                <a:schemeClr val="dk1"/>
+              </a:solidFill>
+            </a:endParaRPr>
+          </a:p>
+          <a:p>
+            <a:pPr indent="-342900" lvl="0" marL="914400" rtl="0" algn="just">
+              <a:lnSpc>
+                <a:spcPct val="115000"/>
+              </a:lnSpc>
+              <a:spcBef>
+                <a:spcPts val="0"/>
+              </a:spcBef>
+              <a:spcAft>
+                <a:spcPts val="0"/>
+              </a:spcAft>
+              <a:buClr>
+                <a:schemeClr val="dk1"/>
+              </a:buClr>
+              <a:buSzPts val="1800"/>
+              <a:buAutoNum type="alphaLcPeriod"/>
+            </a:pPr>
+            <a:r>
+              <a:rPr lang="en" sz="1800">
+                <a:solidFill>
+                  <a:schemeClr val="dk1"/>
+                </a:solidFill>
+              </a:rPr>
+              <a:t>Background script</a:t>
+            </a:r>
+            <a:endParaRPr sz="1800">
+              <a:solidFill>
+                <a:schemeClr val="dk1"/>
+              </a:solidFill>
+            </a:endParaRPr>
+          </a:p>
+          <a:p>
+            <a:pPr indent="-342900" lvl="0" marL="914400" rtl="0" algn="just">
+              <a:lnSpc>
+                <a:spcPct val="115000"/>
+              </a:lnSpc>
+              <a:spcBef>
+                <a:spcPts val="0"/>
+              </a:spcBef>
+              <a:spcAft>
+                <a:spcPts val="0"/>
+              </a:spcAft>
+              <a:buClr>
+                <a:schemeClr val="dk1"/>
+              </a:buClr>
+              <a:buSzPts val="1800"/>
+              <a:buAutoNum type="alphaLcPeriod"/>
+            </a:pPr>
+            <a:r>
+              <a:rPr lang="en" sz="1800">
+                <a:solidFill>
+                  <a:schemeClr val="dk1"/>
+                </a:solidFill>
+              </a:rPr>
+              <a:t>Content script</a:t>
+            </a:r>
+            <a:endParaRPr sz="1800">
+              <a:solidFill>
+                <a:schemeClr val="dk1"/>
+              </a:solidFill>
+            </a:endParaRPr>
+          </a:p>
+          <a:p>
+            <a:pPr indent="-342900" lvl="0" marL="457200" rtl="0" algn="just">
+              <a:lnSpc>
+                <a:spcPct val="115000"/>
+              </a:lnSpc>
+              <a:spcBef>
+                <a:spcPts val="0"/>
+              </a:spcBef>
+              <a:spcAft>
+                <a:spcPts val="0"/>
+              </a:spcAft>
+              <a:buClr>
+                <a:schemeClr val="dk1"/>
+              </a:buClr>
+              <a:buSzPts val="1800"/>
+              <a:buChar char="●"/>
+            </a:pPr>
+            <a:r>
+              <a:rPr lang="en" sz="1800">
+                <a:solidFill>
+                  <a:schemeClr val="dk1"/>
+                </a:solidFill>
+              </a:rPr>
+              <a:t>Background process</a:t>
+            </a:r>
+            <a:endParaRPr sz="1800">
+              <a:solidFill>
+                <a:schemeClr val="dk1"/>
+              </a:solidFill>
+            </a:endParaRPr>
+          </a:p>
+          <a:p>
+            <a:pPr indent="-342900" lvl="0" marL="914400" rtl="0" algn="just">
+              <a:lnSpc>
+                <a:spcPct val="115000"/>
+              </a:lnSpc>
+              <a:spcBef>
+                <a:spcPts val="0"/>
+              </a:spcBef>
+              <a:spcAft>
+                <a:spcPts val="0"/>
+              </a:spcAft>
+              <a:buClr>
+                <a:schemeClr val="dk1"/>
+              </a:buClr>
+              <a:buSzPts val="1800"/>
+              <a:buAutoNum type="alphaLcPeriod"/>
+            </a:pPr>
+            <a:r>
+              <a:rPr lang="en" sz="1800">
+                <a:solidFill>
+                  <a:schemeClr val="dk1"/>
+                </a:solidFill>
+              </a:rPr>
+              <a:t>Dispatcher</a:t>
+            </a:r>
+            <a:endParaRPr sz="1800">
+              <a:solidFill>
+                <a:schemeClr val="dk1"/>
+              </a:solidFill>
+            </a:endParaRPr>
+          </a:p>
+          <a:p>
+            <a:pPr indent="-342900" lvl="0" marL="914400" rtl="0" algn="just">
+              <a:lnSpc>
+                <a:spcPct val="115000"/>
+              </a:lnSpc>
+              <a:spcBef>
+                <a:spcPts val="0"/>
+              </a:spcBef>
+              <a:spcAft>
+                <a:spcPts val="0"/>
+              </a:spcAft>
+              <a:buClr>
+                <a:schemeClr val="dk1"/>
+              </a:buClr>
+              <a:buSzPts val="1800"/>
+              <a:buAutoNum type="alphaLcPeriod"/>
+            </a:pPr>
+            <a:r>
+              <a:rPr lang="en" sz="1800">
+                <a:solidFill>
+                  <a:schemeClr val="dk1"/>
+                </a:solidFill>
+              </a:rPr>
+              <a:t>Phish Detector</a:t>
+            </a:r>
+            <a:endParaRPr sz="1800">
+              <a:solidFill>
+                <a:schemeClr val="dk1"/>
+              </a:solidFill>
+            </a:endParaRPr>
+          </a:p>
+          <a:p>
+            <a:pPr indent="-342900" lvl="0" marL="914400" rtl="0" algn="just">
+              <a:lnSpc>
+                <a:spcPct val="115000"/>
+              </a:lnSpc>
+              <a:spcBef>
+                <a:spcPts val="0"/>
+              </a:spcBef>
+              <a:spcAft>
+                <a:spcPts val="0"/>
+              </a:spcAft>
+              <a:buClr>
+                <a:schemeClr val="dk1"/>
+              </a:buClr>
+              <a:buSzPts val="1800"/>
+              <a:buAutoNum type="alphaLcPeriod"/>
+            </a:pPr>
+            <a:r>
+              <a:rPr lang="en" sz="1800">
+                <a:solidFill>
+                  <a:schemeClr val="dk1"/>
+                </a:solidFill>
+              </a:rPr>
+              <a:t>Target Identifier</a:t>
+            </a:r>
+            <a:endParaRPr sz="1800">
+              <a:solidFill>
+                <a:schemeClr val="dk1"/>
+              </a:solidFill>
+            </a:endParaRPr>
+          </a:p>
+        </p:txBody>
+      </p:sp>
+      <p:sp>
+        <p:nvSpPr>
+          <p:cNvPr id="144" name="Google Shape;144;p28"/>
+          <p:cNvSpPr txBox="1"/>
+          <p:nvPr>
+            <p:ph idx="1" type="subTitle"/>
+          </p:nvPr>
+        </p:nvSpPr>
+        <p:spPr>
+          <a:xfrm>
+            <a:off x="4847825" y="1343425"/>
+            <a:ext cx="4068300" cy="1955700"/>
+          </a:xfrm>
+          <a:prstGeom prst="rect">
+            <a:avLst/>
+          </a:prstGeom>
+        </p:spPr>
+        <p:txBody>
+          <a:bodyPr anchorCtr="0" anchor="t" bIns="91425" lIns="91425" spcFirstLastPara="1" rIns="91425" wrap="square" tIns="91425">
+            <a:noAutofit/>
+          </a:bodyPr>
+          <a:lstStyle/>
+          <a:p>
+            <a:pPr indent="-342900" lvl="0" marL="457200" rtl="0" algn="just">
+              <a:lnSpc>
+                <a:spcPct val="115000"/>
+              </a:lnSpc>
+              <a:spcBef>
+                <a:spcPts val="1100"/>
+              </a:spcBef>
+              <a:spcAft>
+                <a:spcPts val="0"/>
+              </a:spcAft>
+              <a:buClr>
+                <a:schemeClr val="dk1"/>
+              </a:buClr>
+              <a:buSzPts val="1800"/>
+              <a:buChar char="●"/>
+            </a:pPr>
+            <a:r>
+              <a:rPr lang="en" sz="1800">
+                <a:solidFill>
+                  <a:schemeClr val="dk1"/>
+                </a:solidFill>
+              </a:rPr>
+              <a:t>Web Browser</a:t>
+            </a:r>
+            <a:endParaRPr sz="1800">
+              <a:solidFill>
+                <a:schemeClr val="dk1"/>
+              </a:solidFill>
+            </a:endParaRPr>
+          </a:p>
+          <a:p>
+            <a:pPr indent="-342900" lvl="0" marL="914400" rtl="0" algn="just">
+              <a:lnSpc>
+                <a:spcPct val="115000"/>
+              </a:lnSpc>
+              <a:spcBef>
+                <a:spcPts val="0"/>
+              </a:spcBef>
+              <a:spcAft>
+                <a:spcPts val="0"/>
+              </a:spcAft>
+              <a:buClr>
+                <a:schemeClr val="dk1"/>
+              </a:buClr>
+              <a:buSzPts val="1800"/>
+              <a:buAutoNum type="alphaLcPeriod"/>
+            </a:pPr>
+            <a:r>
+              <a:rPr lang="en" sz="1800">
+                <a:solidFill>
+                  <a:schemeClr val="dk1"/>
+                </a:solidFill>
+              </a:rPr>
+              <a:t>HTML content</a:t>
+            </a:r>
+            <a:endParaRPr sz="1800">
+              <a:solidFill>
+                <a:schemeClr val="dk1"/>
+              </a:solidFill>
+            </a:endParaRPr>
+          </a:p>
+          <a:p>
+            <a:pPr indent="-342900" lvl="0" marL="914400" rtl="0" algn="just">
+              <a:lnSpc>
+                <a:spcPct val="115000"/>
+              </a:lnSpc>
+              <a:spcBef>
+                <a:spcPts val="0"/>
+              </a:spcBef>
+              <a:spcAft>
+                <a:spcPts val="0"/>
+              </a:spcAft>
+              <a:buClr>
+                <a:schemeClr val="dk1"/>
+              </a:buClr>
+              <a:buSzPts val="1800"/>
+              <a:buAutoNum type="alphaLcPeriod"/>
+            </a:pPr>
+            <a:r>
+              <a:rPr lang="en" sz="1800">
+                <a:solidFill>
+                  <a:schemeClr val="dk1"/>
+                </a:solidFill>
+              </a:rPr>
+              <a:t>Output UI</a:t>
+            </a:r>
+            <a:endParaRPr sz="1800">
+              <a:solidFill>
+                <a:schemeClr val="dk1"/>
+              </a:solidFill>
+            </a:endParaRPr>
+          </a:p>
+        </p:txBody>
+      </p:sp>
+    </p:spTree>
+  </p:cSld>
+  <p:clrMapOvr>
+    <a:masterClrMapping/>
+  </p:clrMapOvr>
+</p:sld>
+</file>
+
+<file path=ppt/slides/slide17.xml><?xml version="1.0" encoding="utf-8"?>
+<p:sld xmlns:a="http://schemas.openxmlformats.org/drawingml/2006/main" xmlns:r="http://schemas.openxmlformats.org/officeDocument/2006/relationships" xmlns:mc="http://schemas.openxmlformats.org/markup-compatibility/2006" xmlns:mv="urn:schemas-microsoft-com:mac:vml" xmlns:p="http://schemas.openxmlformats.org/presentationml/2006/main" xmlns:c="http://schemas.openxmlformats.org/drawingml/2006/chart" xmlns:dgm="http://schemas.openxmlformats.org/drawingml/2006/diagram" xmlns:o="urn:schemas-microsoft-com:office:office" xmlns:v="urn:schemas-microsoft-com:vml" xmlns:pvml="urn:schemas-microsoft-com:office:powerpoint" xmlns:com="http://schemas.openxmlformats.org/drawingml/2006/compatibility" xmlns:p14="http://schemas.microsoft.com/office/powerpoint/2010/main" xmlns:p15="http://schemas.microsoft.com/office/powerpoint/2012/main">
+  <p:cSld>
+    <p:spTree>
+      <p:nvGrpSpPr>
+        <p:cNvPr id="148" name="Shape 148"/>
+        <p:cNvGrpSpPr/>
+        <p:nvPr/>
+      </p:nvGrpSpPr>
+      <p:grpSpPr>
+        <a:xfrm>
+          <a:off x="0" y="0"/>
+          <a:ext cx="0" cy="0"/>
+          <a:chOff x="0" y="0"/>
+          <a:chExt cx="0" cy="0"/>
+        </a:xfrm>
+      </p:grpSpPr>
+      <p:sp>
+        <p:nvSpPr>
+          <p:cNvPr id="149" name="Google Shape;149;p29"/>
           <p:cNvSpPr txBox="1"/>
           <p:nvPr>
             <p:ph type="ctrTitle"/>
@@ -8895,7 +9882,7 @@
                   <a:srgbClr val="FFFFFF"/>
                 </a:solidFill>
               </a:rPr>
-              <a:t>CONTENT SCRIPT</a:t>
+              <a:t>BACKGROUND SCRIPT</a:t>
             </a:r>
             <a:endParaRPr sz="3000">
               <a:solidFill>
@@ -8907,7 +9894,7 @@
       </p:sp>
       <p:sp>
         <p:nvSpPr>
-          <p:cNvPr id="128" name="Google Shape;128;p25"/>
+          <p:cNvPr id="150" name="Google Shape;150;p29"/>
           <p:cNvSpPr txBox="1"/>
           <p:nvPr>
             <p:ph idx="1" type="subTitle"/>
@@ -8955,7 +9942,7 @@
             </a:endParaRPr>
           </a:p>
           <a:p>
-            <a:pPr indent="0" lvl="0" marL="914400" rtl="0" algn="just">
+            <a:pPr indent="457200" lvl="0" marL="457200" rtl="0" algn="just">
               <a:lnSpc>
                 <a:spcPct val="115000"/>
               </a:lnSpc>
@@ -8982,7 +9969,61 @@
             </a:endParaRPr>
           </a:p>
           <a:p>
-            <a:pPr indent="0" lvl="0" marL="1371600" rtl="0" algn="just">
+            <a:pPr indent="457200" lvl="0" marL="914400" rtl="0" algn="just">
+              <a:lnSpc>
+                <a:spcPct val="115000"/>
+              </a:lnSpc>
+              <a:spcBef>
+                <a:spcPts val="0"/>
+              </a:spcBef>
+              <a:spcAft>
+                <a:spcPts val="0"/>
+              </a:spcAft>
+              <a:buNone/>
+            </a:pPr>
+            <a:r>
+              <a:rPr i="1" lang="en" sz="1800">
+                <a:solidFill>
+                  <a:srgbClr val="FFFFFF"/>
+                </a:solidFill>
+              </a:rPr>
+              <a:t>Add listener to that event</a:t>
+            </a:r>
+            <a:endParaRPr i="1" sz="1800">
+              <a:solidFill>
+                <a:srgbClr val="FFFFFF"/>
+              </a:solidFill>
+            </a:endParaRPr>
+          </a:p>
+          <a:p>
+            <a:pPr indent="457200" lvl="0" marL="914400" rtl="0" algn="just">
+              <a:lnSpc>
+                <a:spcPct val="115000"/>
+              </a:lnSpc>
+              <a:spcBef>
+                <a:spcPts val="0"/>
+              </a:spcBef>
+              <a:spcAft>
+                <a:spcPts val="0"/>
+              </a:spcAft>
+              <a:buNone/>
+            </a:pPr>
+            <a:r>
+              <a:rPr i="1" lang="en" sz="1800">
+                <a:solidFill>
+                  <a:srgbClr val="FFFFFF"/>
+                </a:solidFill>
+              </a:rPr>
+              <a:t>Get the list of redirects from listener</a:t>
+            </a:r>
+            <a:endParaRPr i="1" sz="1800">
+              <a:solidFill>
+                <a:srgbClr val="FFFFFF"/>
+              </a:solidFill>
+            </a:endParaRPr>
+          </a:p>
+          <a:p>
+            <a:pPr indent="457200" lvl="0" marL="914400" rtl="0" algn="just">
               <a:lnSpc>
                 <a:spcPct val="115000"/>
               </a:lnSpc>
@@ -9009,7 +10050,7 @@
             </a:endParaRPr>
           </a:p>
           <a:p>
-            <a:pPr indent="0" lvl="0" marL="1371600" rtl="0" algn="just">
+            <a:pPr indent="0" lvl="0" marL="457200" rtl="0" algn="just">
               <a:lnSpc>
                 <a:spcPct val="115000"/>
               </a:lnSpc>
@@ -9027,7 +10068,7 @@
                   <a:srgbClr val="FFFFFF"/>
                 </a:solidFill>
               </a:rPr>
-              <a:t>	Get the URL from the tab</a:t>
+              <a:t>			Send the list of redirects to content script</a:t>
             </a:r>
             <a:endParaRPr i="1" sz="1800">
               <a:solidFill>
@@ -9036,88 +10077,7 @@
             </a:endParaRPr>
           </a:p>
           <a:p>
-            <a:pPr indent="0" lvl="0" marL="1371600" rtl="0" algn="just">
-              <a:lnSpc>
-                <a:spcPct val="115000"/>
-              </a:lnSpc>
-              <a:spcBef>
-                <a:spcPts val="0"/>
-              </a:spcBef>
-              <a:spcAft>
-                <a:spcPts val="0"/>
-              </a:spcAft>
-              <a:buNone/>
-            </a:pPr>
-            <a:r>
-              <a:rPr i="1" lang="en" sz="1800">
-                <a:solidFill>
-                  <a:srgbClr val="FFFFFF"/>
-                </a:solidFill>
-              </a:rPr>
-              <a:t>	Get the HTML content from innerHTML tag</a:t>
-            </a:r>
-            <a:endParaRPr i="1" sz="1800">
-              <a:solidFill>
-                <a:srgbClr val="FFFFFF"/>
-              </a:solidFill>
-            </a:endParaRPr>
-          </a:p>
-          <a:p>
-            <a:pPr indent="0" lvl="0" marL="1371600" rtl="0" algn="just">
-              <a:lnSpc>
-                <a:spcPct val="115000"/>
-              </a:lnSpc>
-              <a:spcBef>
-                <a:spcPts val="0"/>
-              </a:spcBef>
-              <a:spcAft>
-                <a:spcPts val="0"/>
-              </a:spcAft>
-              <a:buNone/>
-            </a:pPr>
-            <a:r>
-              <a:rPr i="1" lang="en" sz="1800">
-                <a:solidFill>
-                  <a:srgbClr val="FFFFFF"/>
-                </a:solidFill>
-              </a:rPr>
-              <a:t>	Get redirection list from background script</a:t>
-            </a:r>
-            <a:endParaRPr i="1" sz="1800">
-              <a:solidFill>
-                <a:srgbClr val="FFFFFF"/>
-              </a:solidFill>
-            </a:endParaRPr>
-          </a:p>
-          <a:p>
-            <a:pPr indent="0" lvl="0" marL="1371600" rtl="0" algn="just">
-              <a:lnSpc>
-                <a:spcPct val="115000"/>
-              </a:lnSpc>
-              <a:spcBef>
-                <a:spcPts val="0"/>
-              </a:spcBef>
-              <a:spcAft>
-                <a:spcPts val="0"/>
-              </a:spcAft>
-              <a:buNone/>
-            </a:pPr>
-            <a:r>
-              <a:rPr i="1" lang="en" sz="1800">
-                <a:solidFill>
-                  <a:srgbClr val="FFFFFF"/>
-                </a:solidFill>
-              </a:rPr>
-              <a:t>Send them to the background process</a:t>
-            </a:r>
-            <a:endParaRPr i="1" sz="1800">
-              <a:solidFill>
-                <a:srgbClr val="FFFFFF"/>
-              </a:solidFill>
-            </a:endParaRPr>
-          </a:p>
-          <a:p>
-            <a:pPr indent="0" lvl="0" marL="914400" rtl="0" algn="just">
+            <a:pPr indent="457200" lvl="0" marL="457200" rtl="0" algn="just">
               <a:lnSpc>
                 <a:spcPct val="115000"/>
               </a:lnSpc>
@@ -9163,6 +10123,50 @@
                 </a:solidFill>
               </a:rPr>
               <a:t>End</a:t>
+            </a:r>
+            <a:endParaRPr i="1" sz="1800">
+              <a:solidFill>
+                <a:srgbClr val="FFFFFF"/>
+              </a:solidFill>
+            </a:endParaRPr>
+          </a:p>
+          <a:p>
+            <a:pPr indent="0" lvl="0" marL="457200" rtl="0" algn="just">
+              <a:lnSpc>
+                <a:spcPct val="115000"/>
+              </a:lnSpc>
+              <a:spcBef>
+                <a:spcPts val="0"/>
+              </a:spcBef>
+              <a:spcAft>
+                <a:spcPts val="0"/>
+              </a:spcAft>
+              <a:buNone/>
+            </a:pPr>
+            <a:r>
+              <a:t/>
+            </a:r>
+            <a:endParaRPr i="1" sz="1800">
+              <a:solidFill>
+                <a:srgbClr val="FFFFFF"/>
+              </a:solidFill>
+            </a:endParaRPr>
+          </a:p>
+          <a:p>
+            <a:pPr indent="0" lvl="0" marL="457200" rtl="0" algn="just">
+              <a:lnSpc>
+                <a:spcPct val="115000"/>
+              </a:lnSpc>
+              <a:spcBef>
+                <a:spcPts val="0"/>
+              </a:spcBef>
+              <a:spcAft>
+                <a:spcPts val="0"/>
+              </a:spcAft>
+              <a:buNone/>
+            </a:pPr>
+            <a:r>
+              <a:t/>
             </a:r>
             <a:endParaRPr i="1" sz="1800">
               <a:solidFill>
@@ -9180,12 +10184,12 @@
 </p:sld>
 </file>
 
-<file path=ppt/slides/slide14.xml><?xml version="1.0" encoding="utf-8"?>
+<file path=ppt/slides/slide18.xml><?xml version="1.0" encoding="utf-8"?>
 <p:sld xmlns:a="http://schemas.openxmlformats.org/drawingml/2006/main" xmlns:r="http://schemas.openxmlformats.org/officeDocument/2006/relationships" xmlns:mc="http://schemas.openxmlformats.org/markup-compatibility/2006" xmlns:mv="urn:schemas-microsoft-com:mac:vml" xmlns:p="http://schemas.openxmlformats.org/presentationml/2006/main" xmlns:c="http://schemas.openxmlformats.org/drawingml/2006/chart" xmlns:dgm="http://schemas.openxmlformats.org/drawingml/2006/diagram" xmlns:o="urn:schemas-microsoft-com:office:office" xmlns:v="urn:schemas-microsoft-com:vml" xmlns:pvml="urn:schemas-microsoft-com:office:powerpoint" xmlns:com="http://schemas.openxmlformats.org/drawingml/2006/compatibility" xmlns:p14="http://schemas.microsoft.com/office/powerpoint/2010/main" xmlns:p15="http://schemas.microsoft.com/office/powerpoint/2012/main">
   <p:cSld>
     <p:spTree>
       <p:nvGrpSpPr>
-        <p:cNvPr id="132" name="Shape 132"/>
+        <p:cNvPr id="154" name="Shape 154"/>
         <p:cNvGrpSpPr/>
         <p:nvPr/>
       </p:nvGrpSpPr>
@@ -9199,7 +10203,7 @@
       </p:grpSpPr>
       <p:sp>
         <p:nvSpPr>
-          <p:cNvPr id="133" name="Google Shape;133;p26"/>
+          <p:cNvPr id="155" name="Google Shape;155;p30"/>
           <p:cNvSpPr txBox="1"/>
           <p:nvPr>
             <p:ph type="ctrTitle"/>
@@ -9238,7 +10242,7 @@
                   <a:srgbClr val="FFFFFF"/>
                 </a:solidFill>
               </a:rPr>
-              <a:t>DISPATCHER</a:t>
+              <a:t>CONTENT SCRIPT</a:t>
             </a:r>
             <a:endParaRPr sz="3000">
               <a:solidFill>
@@ -9250,7 +10254,350 @@
       </p:sp>
       <p:sp>
         <p:nvSpPr>
-          <p:cNvPr id="134" name="Google Shape;134;p26"/>
+          <p:cNvPr id="156" name="Google Shape;156;p30"/>
+          <p:cNvSpPr txBox="1"/>
+          <p:nvPr>
+            <p:ph idx="1" type="subTitle"/>
+          </p:nvPr>
+        </p:nvSpPr>
+        <p:spPr>
+          <a:xfrm>
+            <a:off x="1027500" y="1367525"/>
+            <a:ext cx="7089000" cy="3259500"/>
+          </a:xfrm>
+          <a:prstGeom prst="rect">
+            <a:avLst/>
+          </a:prstGeom>
+        </p:spPr>
+        <p:txBody>
+          <a:bodyPr anchorCtr="0" anchor="t" bIns="91425" lIns="91425" spcFirstLastPara="1" rIns="91425" wrap="square" tIns="91425">
+            <a:noAutofit/>
+          </a:bodyPr>
+          <a:lstStyle/>
+          <a:p>
+            <a:pPr indent="0" lvl="0" marL="457200" rtl="0" algn="just">
+              <a:lnSpc>
+                <a:spcPct val="115000"/>
+              </a:lnSpc>
+              <a:spcBef>
+                <a:spcPts val="0"/>
+              </a:spcBef>
+              <a:spcAft>
+                <a:spcPts val="0"/>
+              </a:spcAft>
+              <a:buNone/>
+            </a:pPr>
+            <a:r>
+              <a:rPr i="1" lang="en" sz="1800">
+                <a:solidFill>
+                  <a:srgbClr val="FFFFFF"/>
+                </a:solidFill>
+              </a:rPr>
+              <a:t>Begin</a:t>
+            </a:r>
+            <a:endParaRPr i="1" sz="1800">
+              <a:solidFill>
+                <a:srgbClr val="FFFFFF"/>
+              </a:solidFill>
+            </a:endParaRPr>
+          </a:p>
+          <a:p>
+            <a:pPr indent="0" lvl="0" marL="914400" rtl="0" algn="just">
+              <a:lnSpc>
+                <a:spcPct val="115000"/>
+              </a:lnSpc>
+              <a:spcBef>
+                <a:spcPts val="0"/>
+              </a:spcBef>
+              <a:spcAft>
+                <a:spcPts val="0"/>
+              </a:spcAft>
+              <a:buNone/>
+            </a:pPr>
+            <a:r>
+              <a:rPr i="1" lang="en" sz="1800">
+                <a:solidFill>
+                  <a:srgbClr val="FFFFFF"/>
+                </a:solidFill>
+              </a:rPr>
+              <a:t>For each page load redirect</a:t>
+            </a:r>
+            <a:endParaRPr i="1" sz="1800">
+              <a:solidFill>
+                <a:srgbClr val="FFFFFF"/>
+              </a:solidFill>
+            </a:endParaRPr>
+          </a:p>
+          <a:p>
+            <a:pPr indent="0" lvl="0" marL="1371600" rtl="0" algn="just">
+              <a:lnSpc>
+                <a:spcPct val="115000"/>
+              </a:lnSpc>
+              <a:spcBef>
+                <a:spcPts val="0"/>
+              </a:spcBef>
+              <a:spcAft>
+                <a:spcPts val="0"/>
+              </a:spcAft>
+              <a:buNone/>
+            </a:pPr>
+            <a:r>
+              <a:rPr i="1" lang="en" sz="1800">
+                <a:solidFill>
+                  <a:srgbClr val="FFFFFF"/>
+                </a:solidFill>
+              </a:rPr>
+              <a:t>If page is fully loaded </a:t>
+            </a:r>
+            <a:endParaRPr i="1" sz="1800">
+              <a:solidFill>
+                <a:srgbClr val="FFFFFF"/>
+              </a:solidFill>
+            </a:endParaRPr>
+          </a:p>
+          <a:p>
+            <a:pPr indent="0" lvl="0" marL="1371600" rtl="0" algn="just">
+              <a:lnSpc>
+                <a:spcPct val="115000"/>
+              </a:lnSpc>
+              <a:spcBef>
+                <a:spcPts val="0"/>
+              </a:spcBef>
+              <a:spcAft>
+                <a:spcPts val="0"/>
+              </a:spcAft>
+              <a:buNone/>
+            </a:pPr>
+            <a:r>
+              <a:rPr i="1" lang="en" sz="1800">
+                <a:solidFill>
+                  <a:srgbClr val="FFFFFF"/>
+                </a:solidFill>
+              </a:rPr>
+              <a:t>	Get the URL from the tab</a:t>
+            </a:r>
+            <a:endParaRPr i="1" sz="1800">
+              <a:solidFill>
+                <a:srgbClr val="FFFFFF"/>
+              </a:solidFill>
+            </a:endParaRPr>
+          </a:p>
+          <a:p>
+            <a:pPr indent="0" lvl="0" marL="1371600" rtl="0" algn="just">
+              <a:lnSpc>
+                <a:spcPct val="115000"/>
+              </a:lnSpc>
+              <a:spcBef>
+                <a:spcPts val="0"/>
+              </a:spcBef>
+              <a:spcAft>
+                <a:spcPts val="0"/>
+              </a:spcAft>
+              <a:buNone/>
+            </a:pPr>
+            <a:r>
+              <a:rPr i="1" lang="en" sz="1800">
+                <a:solidFill>
+                  <a:srgbClr val="FFFFFF"/>
+                </a:solidFill>
+              </a:rPr>
+              <a:t>	Get the HTML content from innerHTML tag</a:t>
+            </a:r>
+            <a:endParaRPr i="1" sz="1800">
+              <a:solidFill>
+                <a:srgbClr val="FFFFFF"/>
+              </a:solidFill>
+            </a:endParaRPr>
+          </a:p>
+          <a:p>
+            <a:pPr indent="0" lvl="0" marL="1371600" rtl="0" algn="just">
+              <a:lnSpc>
+                <a:spcPct val="115000"/>
+              </a:lnSpc>
+              <a:spcBef>
+                <a:spcPts val="0"/>
+              </a:spcBef>
+              <a:spcAft>
+                <a:spcPts val="0"/>
+              </a:spcAft>
+              <a:buNone/>
+            </a:pPr>
+            <a:r>
+              <a:rPr i="1" lang="en" sz="1800">
+                <a:solidFill>
+                  <a:srgbClr val="FFFFFF"/>
+                </a:solidFill>
+              </a:rPr>
+              <a:t>	Get redirection list from background script</a:t>
+            </a:r>
+            <a:endParaRPr i="1" sz="1800">
+              <a:solidFill>
+                <a:srgbClr val="FFFFFF"/>
+              </a:solidFill>
+            </a:endParaRPr>
+          </a:p>
+          <a:p>
+            <a:pPr indent="0" lvl="0" marL="1371600" rtl="0" algn="just">
+              <a:lnSpc>
+                <a:spcPct val="115000"/>
+              </a:lnSpc>
+              <a:spcBef>
+                <a:spcPts val="0"/>
+              </a:spcBef>
+              <a:spcAft>
+                <a:spcPts val="0"/>
+              </a:spcAft>
+              <a:buNone/>
+            </a:pPr>
+            <a:r>
+              <a:rPr i="1" lang="en" sz="1800">
+                <a:solidFill>
+                  <a:srgbClr val="FFFFFF"/>
+                </a:solidFill>
+              </a:rPr>
+              <a:t>Send them to the background process</a:t>
+            </a:r>
+            <a:endParaRPr i="1" sz="1800">
+              <a:solidFill>
+                <a:srgbClr val="FFFFFF"/>
+              </a:solidFill>
+            </a:endParaRPr>
+          </a:p>
+          <a:p>
+            <a:pPr indent="0" lvl="0" marL="914400" rtl="0" algn="just">
+              <a:lnSpc>
+                <a:spcPct val="115000"/>
+              </a:lnSpc>
+              <a:spcBef>
+                <a:spcPts val="0"/>
+              </a:spcBef>
+              <a:spcAft>
+                <a:spcPts val="0"/>
+              </a:spcAft>
+              <a:buNone/>
+            </a:pPr>
+            <a:r>
+              <a:rPr i="1" lang="en" sz="1800">
+                <a:solidFill>
+                  <a:srgbClr val="FFFFFF"/>
+                </a:solidFill>
+              </a:rPr>
+              <a:t>Done</a:t>
+            </a:r>
+            <a:endParaRPr i="1" sz="1800">
+              <a:solidFill>
+                <a:srgbClr val="FFFFFF"/>
+              </a:solidFill>
+            </a:endParaRPr>
+          </a:p>
+          <a:p>
+            <a:pPr indent="0" lvl="0" marL="457200" rtl="0" algn="just">
+              <a:lnSpc>
+                <a:spcPct val="115000"/>
+              </a:lnSpc>
+              <a:spcBef>
+                <a:spcPts val="0"/>
+              </a:spcBef>
+              <a:spcAft>
+                <a:spcPts val="0"/>
+              </a:spcAft>
+              <a:buNone/>
+            </a:pPr>
+            <a:r>
+              <a:rPr i="1" lang="en" sz="1800">
+                <a:solidFill>
+                  <a:srgbClr val="FFFFFF"/>
+                </a:solidFill>
+              </a:rPr>
+              <a:t>End</a:t>
+            </a:r>
+            <a:endParaRPr i="1" sz="1800">
+              <a:solidFill>
+                <a:srgbClr val="FFFFFF"/>
+              </a:solidFill>
+            </a:endParaRPr>
+          </a:p>
+        </p:txBody>
+      </p:sp>
+    </p:spTree>
+  </p:cSld>
+  <p:clrMapOvr>
+    <a:masterClrMapping/>
+  </p:clrMapOvr>
+</p:sld>
+</file>
+
+<file path=ppt/slides/slide19.xml><?xml version="1.0" encoding="utf-8"?>
+<p:sld xmlns:a="http://schemas.openxmlformats.org/drawingml/2006/main" xmlns:r="http://schemas.openxmlformats.org/officeDocument/2006/relationships" xmlns:mc="http://schemas.openxmlformats.org/markup-compatibility/2006" xmlns:mv="urn:schemas-microsoft-com:mac:vml" xmlns:p="http://schemas.openxmlformats.org/presentationml/2006/main" xmlns:c="http://schemas.openxmlformats.org/drawingml/2006/chart" xmlns:dgm="http://schemas.openxmlformats.org/drawingml/2006/diagram" xmlns:o="urn:schemas-microsoft-com:office:office" xmlns:v="urn:schemas-microsoft-com:vml" xmlns:pvml="urn:schemas-microsoft-com:office:powerpoint" xmlns:com="http://schemas.openxmlformats.org/drawingml/2006/compatibility" xmlns:p14="http://schemas.microsoft.com/office/powerpoint/2010/main" xmlns:p15="http://schemas.microsoft.com/office/powerpoint/2012/main">
+  <p:cSld>
+    <p:spTree>
+      <p:nvGrpSpPr>
+        <p:cNvPr id="160" name="Shape 160"/>
+        <p:cNvGrpSpPr/>
+        <p:nvPr/>
+      </p:nvGrpSpPr>
+      <p:grpSpPr>
+        <a:xfrm>
+          <a:off x="0" y="0"/>
+          <a:ext cx="0" cy="0"/>
+          <a:chOff x="0" y="0"/>
+          <a:chExt cx="0" cy="0"/>
+        </a:xfrm>
+      </p:grpSpPr>
+      <p:sp>
+        <p:nvSpPr>
+          <p:cNvPr id="161" name="Google Shape;161;p31"/>
+          <p:cNvSpPr txBox="1"/>
+          <p:nvPr>
+            <p:ph type="ctrTitle"/>
+          </p:nvPr>
+        </p:nvSpPr>
+        <p:spPr>
+          <a:xfrm>
+            <a:off x="2060275" y="382325"/>
+            <a:ext cx="4884600" cy="860700"/>
+          </a:xfrm>
+          <a:prstGeom prst="rect">
+            <a:avLst/>
+          </a:prstGeom>
+        </p:spPr>
+        <p:txBody>
+          <a:bodyPr anchorCtr="0" anchor="b" bIns="91425" lIns="91425" spcFirstLastPara="1" rIns="91425" wrap="square" tIns="91425">
+            <a:noAutofit/>
+          </a:bodyPr>
+          <a:lstStyle/>
+          <a:p>
+            <a:pPr indent="0" lvl="0" marL="0" rtl="0" algn="ctr">
+              <a:lnSpc>
+                <a:spcPct val="115000"/>
+              </a:lnSpc>
+              <a:spcBef>
+                <a:spcPts val="0"/>
+              </a:spcBef>
+              <a:spcAft>
+                <a:spcPts val="0"/>
+              </a:spcAft>
+              <a:buNone/>
+            </a:pPr>
+            <a:r>
+              <a:rPr b="1" lang="en" sz="3000">
+                <a:solidFill>
+                  <a:srgbClr val="FFFFFF"/>
+                </a:solidFill>
+              </a:rPr>
+              <a:t>DISPATCHER</a:t>
+            </a:r>
+            <a:endParaRPr sz="3000">
+              <a:solidFill>
+                <a:srgbClr val="FFFFFF"/>
+              </a:solidFill>
+            </a:endParaRPr>
+          </a:p>
+        </p:txBody>
+      </p:sp>
+      <p:sp>
+        <p:nvSpPr>
+          <p:cNvPr id="162" name="Google Shape;162;p31"/>
           <p:cNvSpPr txBox="1"/>
           <p:nvPr>
             <p:ph idx="1" type="subTitle"/>
@@ -9512,7 +10859,7 @@
       </p:sp>
       <p:sp>
         <p:nvSpPr>
-          <p:cNvPr id="135" name="Google Shape;135;p26"/>
+          <p:cNvPr id="163" name="Google Shape;163;p31"/>
           <p:cNvSpPr txBox="1"/>
           <p:nvPr>
             <p:ph idx="1" type="subTitle"/>
@@ -9785,1134 +11132,6 @@
             </a:pPr>
             <a:r>
               <a:t/>
-            </a:r>
-            <a:endParaRPr i="1" sz="1800">
-              <a:solidFill>
-                <a:srgbClr val="FFFFFF"/>
-              </a:solidFill>
-            </a:endParaRPr>
-          </a:p>
-        </p:txBody>
-      </p:sp>
-    </p:spTree>
-  </p:cSld>
-  <p:clrMapOvr>
-    <a:masterClrMapping/>
-  </p:clrMapOvr>
-</p:sld>
-</file>
-
-<file path=ppt/slides/slide15.xml><?xml version="1.0" encoding="utf-8"?>
-<p:sld xmlns:a="http://schemas.openxmlformats.org/drawingml/2006/main" xmlns:r="http://schemas.openxmlformats.org/officeDocument/2006/relationships" xmlns:mc="http://schemas.openxmlformats.org/markup-compatibility/2006" xmlns:mv="urn:schemas-microsoft-com:mac:vml" xmlns:p="http://schemas.openxmlformats.org/presentationml/2006/main" xmlns:c="http://schemas.openxmlformats.org/drawingml/2006/chart" xmlns:dgm="http://schemas.openxmlformats.org/drawingml/2006/diagram" xmlns:o="urn:schemas-microsoft-com:office:office" xmlns:v="urn:schemas-microsoft-com:vml" xmlns:pvml="urn:schemas-microsoft-com:office:powerpoint" xmlns:com="http://schemas.openxmlformats.org/drawingml/2006/compatibility" xmlns:p14="http://schemas.microsoft.com/office/powerpoint/2010/main" xmlns:p15="http://schemas.microsoft.com/office/powerpoint/2012/main">
-  <p:cSld>
-    <p:spTree>
-      <p:nvGrpSpPr>
-        <p:cNvPr id="139" name="Shape 139"/>
-        <p:cNvGrpSpPr/>
-        <p:nvPr/>
-      </p:nvGrpSpPr>
-      <p:grpSpPr>
-        <a:xfrm>
-          <a:off x="0" y="0"/>
-          <a:ext cx="0" cy="0"/>
-          <a:chOff x="0" y="0"/>
-          <a:chExt cx="0" cy="0"/>
-        </a:xfrm>
-      </p:grpSpPr>
-      <p:sp>
-        <p:nvSpPr>
-          <p:cNvPr id="140" name="Google Shape;140;p27"/>
-          <p:cNvSpPr txBox="1"/>
-          <p:nvPr>
-            <p:ph type="ctrTitle"/>
-          </p:nvPr>
-        </p:nvSpPr>
-        <p:spPr>
-          <a:xfrm>
-            <a:off x="2060275" y="382325"/>
-            <a:ext cx="4884600" cy="860700"/>
-          </a:xfrm>
-          <a:prstGeom prst="rect">
-            <a:avLst/>
-          </a:prstGeom>
-        </p:spPr>
-        <p:txBody>
-          <a:bodyPr anchorCtr="0" anchor="b" bIns="91425" lIns="91425" spcFirstLastPara="1" rIns="91425" wrap="square" tIns="91425">
-            <a:noAutofit/>
-          </a:bodyPr>
-          <a:lstStyle/>
-          <a:p>
-            <a:pPr indent="0" lvl="0" marL="0" rtl="0" algn="ctr">
-              <a:lnSpc>
-                <a:spcPct val="115000"/>
-              </a:lnSpc>
-              <a:spcBef>
-                <a:spcPts val="0"/>
-              </a:spcBef>
-              <a:spcAft>
-                <a:spcPts val="0"/>
-              </a:spcAft>
-              <a:buNone/>
-            </a:pPr>
-            <a:r>
-              <a:rPr b="1" lang="en" sz="3000">
-                <a:solidFill>
-                  <a:srgbClr val="FFFFFF"/>
-                </a:solidFill>
-              </a:rPr>
-              <a:t>PHISH DETECTOR</a:t>
-            </a:r>
-            <a:endParaRPr sz="3000">
-              <a:solidFill>
-                <a:srgbClr val="FFFFFF"/>
-              </a:solidFill>
-            </a:endParaRPr>
-          </a:p>
-        </p:txBody>
-      </p:sp>
-      <p:sp>
-        <p:nvSpPr>
-          <p:cNvPr id="141" name="Google Shape;141;p27"/>
-          <p:cNvSpPr txBox="1"/>
-          <p:nvPr>
-            <p:ph idx="1" type="subTitle"/>
-          </p:nvPr>
-        </p:nvSpPr>
-        <p:spPr>
-          <a:xfrm>
-            <a:off x="1027500" y="1367525"/>
-            <a:ext cx="7089000" cy="3259500"/>
-          </a:xfrm>
-          <a:prstGeom prst="rect">
-            <a:avLst/>
-          </a:prstGeom>
-        </p:spPr>
-        <p:txBody>
-          <a:bodyPr anchorCtr="0" anchor="t" bIns="91425" lIns="91425" spcFirstLastPara="1" rIns="91425" wrap="square" tIns="91425">
-            <a:noAutofit/>
-          </a:bodyPr>
-          <a:lstStyle/>
-          <a:p>
-            <a:pPr indent="0" lvl="0" marL="457200" rtl="0" algn="just">
-              <a:lnSpc>
-                <a:spcPct val="115000"/>
-              </a:lnSpc>
-              <a:spcBef>
-                <a:spcPts val="0"/>
-              </a:spcBef>
-              <a:spcAft>
-                <a:spcPts val="0"/>
-              </a:spcAft>
-              <a:buNone/>
-            </a:pPr>
-            <a:r>
-              <a:rPr i="1" lang="en" sz="1800">
-                <a:solidFill>
-                  <a:srgbClr val="FFFFFF"/>
-                </a:solidFill>
-              </a:rPr>
-              <a:t>Begin</a:t>
-            </a:r>
-            <a:endParaRPr i="1" sz="1800">
-              <a:solidFill>
-                <a:srgbClr val="FFFFFF"/>
-              </a:solidFill>
-            </a:endParaRPr>
-          </a:p>
-          <a:p>
-            <a:pPr indent="0" lvl="0" marL="914400" rtl="0" algn="just">
-              <a:lnSpc>
-                <a:spcPct val="115000"/>
-              </a:lnSpc>
-              <a:spcBef>
-                <a:spcPts val="0"/>
-              </a:spcBef>
-              <a:spcAft>
-                <a:spcPts val="0"/>
-              </a:spcAft>
-              <a:buNone/>
-            </a:pPr>
-            <a:r>
-              <a:rPr i="1" lang="en" sz="1800">
-                <a:solidFill>
-                  <a:srgbClr val="FFFFFF"/>
-                </a:solidFill>
-              </a:rPr>
-              <a:t>For each page URL</a:t>
-            </a:r>
-            <a:endParaRPr i="1" sz="1800">
-              <a:solidFill>
-                <a:srgbClr val="FFFFFF"/>
-              </a:solidFill>
-            </a:endParaRPr>
-          </a:p>
-          <a:p>
-            <a:pPr indent="0" lvl="0" marL="914400" rtl="0" algn="just">
-              <a:lnSpc>
-                <a:spcPct val="115000"/>
-              </a:lnSpc>
-              <a:spcBef>
-                <a:spcPts val="0"/>
-              </a:spcBef>
-              <a:spcAft>
-                <a:spcPts val="0"/>
-              </a:spcAft>
-              <a:buNone/>
-            </a:pPr>
-            <a:r>
-              <a:rPr i="1" lang="en" sz="1800">
-                <a:solidFill>
-                  <a:srgbClr val="FFFFFF"/>
-                </a:solidFill>
-              </a:rPr>
-              <a:t>	Get the feature values for the URL</a:t>
-            </a:r>
-            <a:endParaRPr i="1" sz="1800">
-              <a:solidFill>
-                <a:srgbClr val="FFFFFF"/>
-              </a:solidFill>
-            </a:endParaRPr>
-          </a:p>
-          <a:p>
-            <a:pPr indent="0" lvl="0" marL="914400" rtl="0" algn="just">
-              <a:lnSpc>
-                <a:spcPct val="115000"/>
-              </a:lnSpc>
-              <a:spcBef>
-                <a:spcPts val="0"/>
-              </a:spcBef>
-              <a:spcAft>
-                <a:spcPts val="0"/>
-              </a:spcAft>
-              <a:buNone/>
-            </a:pPr>
-            <a:r>
-              <a:rPr i="1" lang="en" sz="1800">
-                <a:solidFill>
-                  <a:srgbClr val="FFFFFF"/>
-                </a:solidFill>
-              </a:rPr>
-              <a:t>	Load the saved model</a:t>
-            </a:r>
-            <a:endParaRPr i="1" sz="1800">
-              <a:solidFill>
-                <a:srgbClr val="FFFFFF"/>
-              </a:solidFill>
-            </a:endParaRPr>
-          </a:p>
-          <a:p>
-            <a:pPr indent="0" lvl="0" marL="914400" rtl="0" algn="just">
-              <a:lnSpc>
-                <a:spcPct val="115000"/>
-              </a:lnSpc>
-              <a:spcBef>
-                <a:spcPts val="0"/>
-              </a:spcBef>
-              <a:spcAft>
-                <a:spcPts val="0"/>
-              </a:spcAft>
-              <a:buNone/>
-            </a:pPr>
-            <a:r>
-              <a:rPr i="1" lang="en" sz="1800">
-                <a:solidFill>
-                  <a:srgbClr val="FFFFFF"/>
-                </a:solidFill>
-              </a:rPr>
-              <a:t>	Publish the result</a:t>
-            </a:r>
-            <a:endParaRPr i="1" sz="1800">
-              <a:solidFill>
-                <a:srgbClr val="FFFFFF"/>
-              </a:solidFill>
-            </a:endParaRPr>
-          </a:p>
-          <a:p>
-            <a:pPr indent="0" lvl="0" marL="914400" rtl="0" algn="just">
-              <a:lnSpc>
-                <a:spcPct val="115000"/>
-              </a:lnSpc>
-              <a:spcBef>
-                <a:spcPts val="0"/>
-              </a:spcBef>
-              <a:spcAft>
-                <a:spcPts val="0"/>
-              </a:spcAft>
-              <a:buNone/>
-            </a:pPr>
-            <a:r>
-              <a:rPr i="1" lang="en" sz="1800">
-                <a:solidFill>
-                  <a:srgbClr val="FFFFFF"/>
-                </a:solidFill>
-              </a:rPr>
-              <a:t>Done</a:t>
-            </a:r>
-            <a:endParaRPr i="1" sz="1800">
-              <a:solidFill>
-                <a:srgbClr val="FFFFFF"/>
-              </a:solidFill>
-            </a:endParaRPr>
-          </a:p>
-          <a:p>
-            <a:pPr indent="0" lvl="0" marL="457200" rtl="0" algn="just">
-              <a:lnSpc>
-                <a:spcPct val="115000"/>
-              </a:lnSpc>
-              <a:spcBef>
-                <a:spcPts val="0"/>
-              </a:spcBef>
-              <a:spcAft>
-                <a:spcPts val="0"/>
-              </a:spcAft>
-              <a:buNone/>
-            </a:pPr>
-            <a:r>
-              <a:rPr i="1" lang="en" sz="1800">
-                <a:solidFill>
-                  <a:srgbClr val="FFFFFF"/>
-                </a:solidFill>
-              </a:rPr>
-              <a:t>End</a:t>
-            </a:r>
-            <a:endParaRPr i="1" sz="1800">
-              <a:solidFill>
-                <a:srgbClr val="FFFFFF"/>
-              </a:solidFill>
-            </a:endParaRPr>
-          </a:p>
-        </p:txBody>
-      </p:sp>
-    </p:spTree>
-  </p:cSld>
-  <p:clrMapOvr>
-    <a:masterClrMapping/>
-  </p:clrMapOvr>
-</p:sld>
-</file>
-
-<file path=ppt/slides/slide16.xml><?xml version="1.0" encoding="utf-8"?>
-<p:sld xmlns:a="http://schemas.openxmlformats.org/drawingml/2006/main" xmlns:r="http://schemas.openxmlformats.org/officeDocument/2006/relationships" xmlns:mc="http://schemas.openxmlformats.org/markup-compatibility/2006" xmlns:mv="urn:schemas-microsoft-com:mac:vml" xmlns:p="http://schemas.openxmlformats.org/presentationml/2006/main" xmlns:c="http://schemas.openxmlformats.org/drawingml/2006/chart" xmlns:dgm="http://schemas.openxmlformats.org/drawingml/2006/diagram" xmlns:o="urn:schemas-microsoft-com:office:office" xmlns:v="urn:schemas-microsoft-com:vml" xmlns:pvml="urn:schemas-microsoft-com:office:powerpoint" xmlns:com="http://schemas.openxmlformats.org/drawingml/2006/compatibility" xmlns:p14="http://schemas.microsoft.com/office/powerpoint/2010/main" xmlns:p15="http://schemas.microsoft.com/office/powerpoint/2012/main">
-  <p:cSld>
-    <p:spTree>
-      <p:nvGrpSpPr>
-        <p:cNvPr id="145" name="Shape 145"/>
-        <p:cNvGrpSpPr/>
-        <p:nvPr/>
-      </p:nvGrpSpPr>
-      <p:grpSpPr>
-        <a:xfrm>
-          <a:off x="0" y="0"/>
-          <a:ext cx="0" cy="0"/>
-          <a:chOff x="0" y="0"/>
-          <a:chExt cx="0" cy="0"/>
-        </a:xfrm>
-      </p:grpSpPr>
-      <p:sp>
-        <p:nvSpPr>
-          <p:cNvPr id="146" name="Google Shape;146;p28"/>
-          <p:cNvSpPr txBox="1"/>
-          <p:nvPr>
-            <p:ph type="ctrTitle"/>
-          </p:nvPr>
-        </p:nvSpPr>
-        <p:spPr>
-          <a:xfrm>
-            <a:off x="2060275" y="382325"/>
-            <a:ext cx="4884600" cy="860700"/>
-          </a:xfrm>
-          <a:prstGeom prst="rect">
-            <a:avLst/>
-          </a:prstGeom>
-        </p:spPr>
-        <p:txBody>
-          <a:bodyPr anchorCtr="0" anchor="b" bIns="91425" lIns="91425" spcFirstLastPara="1" rIns="91425" wrap="square" tIns="91425">
-            <a:noAutofit/>
-          </a:bodyPr>
-          <a:lstStyle/>
-          <a:p>
-            <a:pPr indent="0" lvl="0" marL="0" rtl="0" algn="ctr">
-              <a:lnSpc>
-                <a:spcPct val="115000"/>
-              </a:lnSpc>
-              <a:spcBef>
-                <a:spcPts val="0"/>
-              </a:spcBef>
-              <a:spcAft>
-                <a:spcPts val="0"/>
-              </a:spcAft>
-              <a:buNone/>
-            </a:pPr>
-            <a:r>
-              <a:rPr b="1" lang="en" sz="3000">
-                <a:solidFill>
-                  <a:srgbClr val="FFFFFF"/>
-                </a:solidFill>
-              </a:rPr>
-              <a:t>TARGET IDENTIFIER</a:t>
-            </a:r>
-            <a:endParaRPr sz="3000">
-              <a:solidFill>
-                <a:srgbClr val="FFFFFF"/>
-              </a:solidFill>
-            </a:endParaRPr>
-          </a:p>
-        </p:txBody>
-      </p:sp>
-      <p:sp>
-        <p:nvSpPr>
-          <p:cNvPr id="147" name="Google Shape;147;p28"/>
-          <p:cNvSpPr txBox="1"/>
-          <p:nvPr>
-            <p:ph idx="1" type="subTitle"/>
-          </p:nvPr>
-        </p:nvSpPr>
-        <p:spPr>
-          <a:xfrm>
-            <a:off x="1027500" y="1367525"/>
-            <a:ext cx="7089000" cy="3259500"/>
-          </a:xfrm>
-          <a:prstGeom prst="rect">
-            <a:avLst/>
-          </a:prstGeom>
-        </p:spPr>
-        <p:txBody>
-          <a:bodyPr anchorCtr="0" anchor="t" bIns="91425" lIns="91425" spcFirstLastPara="1" rIns="91425" wrap="square" tIns="91425">
-            <a:noAutofit/>
-          </a:bodyPr>
-          <a:lstStyle/>
-          <a:p>
-            <a:pPr indent="0" lvl="0" marL="457200" rtl="0" algn="just">
-              <a:lnSpc>
-                <a:spcPct val="115000"/>
-              </a:lnSpc>
-              <a:spcBef>
-                <a:spcPts val="0"/>
-              </a:spcBef>
-              <a:spcAft>
-                <a:spcPts val="0"/>
-              </a:spcAft>
-              <a:buNone/>
-            </a:pPr>
-            <a:r>
-              <a:rPr i="1" lang="en" sz="1800">
-                <a:solidFill>
-                  <a:srgbClr val="FFFFFF"/>
-                </a:solidFill>
-              </a:rPr>
-              <a:t>Begin</a:t>
-            </a:r>
-            <a:endParaRPr i="1" sz="1800">
-              <a:solidFill>
-                <a:srgbClr val="FFFFFF"/>
-              </a:solidFill>
-            </a:endParaRPr>
-          </a:p>
-          <a:p>
-            <a:pPr indent="0" lvl="0" marL="457200" rtl="0" algn="just">
-              <a:lnSpc>
-                <a:spcPct val="115000"/>
-              </a:lnSpc>
-              <a:spcBef>
-                <a:spcPts val="0"/>
-              </a:spcBef>
-              <a:spcAft>
-                <a:spcPts val="0"/>
-              </a:spcAft>
-              <a:buNone/>
-            </a:pPr>
-            <a:r>
-              <a:rPr i="1" lang="en" sz="1800">
-                <a:solidFill>
-                  <a:srgbClr val="FFFFFF"/>
-                </a:solidFill>
-              </a:rPr>
-              <a:t>	Get the hash value for page content </a:t>
-            </a:r>
-            <a:endParaRPr i="1" sz="1800">
-              <a:solidFill>
-                <a:srgbClr val="FFFFFF"/>
-              </a:solidFill>
-            </a:endParaRPr>
-          </a:p>
-          <a:p>
-            <a:pPr indent="0" lvl="0" marL="457200" rtl="0" algn="just">
-              <a:lnSpc>
-                <a:spcPct val="115000"/>
-              </a:lnSpc>
-              <a:spcBef>
-                <a:spcPts val="0"/>
-              </a:spcBef>
-              <a:spcAft>
-                <a:spcPts val="0"/>
-              </a:spcAft>
-              <a:buNone/>
-            </a:pPr>
-            <a:r>
-              <a:rPr i="1" lang="en" sz="1800">
-                <a:solidFill>
-                  <a:srgbClr val="FFFFFF"/>
-                </a:solidFill>
-              </a:rPr>
-              <a:t>	Compare with values in hash list</a:t>
-            </a:r>
-            <a:endParaRPr i="1" sz="1800">
-              <a:solidFill>
-                <a:srgbClr val="FFFFFF"/>
-              </a:solidFill>
-            </a:endParaRPr>
-          </a:p>
-          <a:p>
-            <a:pPr indent="0" lvl="0" marL="457200" rtl="0" algn="just">
-              <a:lnSpc>
-                <a:spcPct val="115000"/>
-              </a:lnSpc>
-              <a:spcBef>
-                <a:spcPts val="0"/>
-              </a:spcBef>
-              <a:spcAft>
-                <a:spcPts val="0"/>
-              </a:spcAft>
-              <a:buNone/>
-            </a:pPr>
-            <a:r>
-              <a:rPr i="1" lang="en" sz="1800">
-                <a:solidFill>
-                  <a:srgbClr val="FFFFFF"/>
-                </a:solidFill>
-              </a:rPr>
-              <a:t>	If match</a:t>
-            </a:r>
-            <a:endParaRPr i="1" sz="1800">
-              <a:solidFill>
-                <a:srgbClr val="FFFFFF"/>
-              </a:solidFill>
-            </a:endParaRPr>
-          </a:p>
-          <a:p>
-            <a:pPr indent="0" lvl="0" marL="457200" rtl="0" algn="just">
-              <a:lnSpc>
-                <a:spcPct val="115000"/>
-              </a:lnSpc>
-              <a:spcBef>
-                <a:spcPts val="0"/>
-              </a:spcBef>
-              <a:spcAft>
-                <a:spcPts val="0"/>
-              </a:spcAft>
-              <a:buNone/>
-            </a:pPr>
-            <a:r>
-              <a:rPr i="1" lang="en" sz="1800">
-                <a:solidFill>
-                  <a:srgbClr val="FFFFFF"/>
-                </a:solidFill>
-              </a:rPr>
-              <a:t>		Display target</a:t>
-            </a:r>
-            <a:endParaRPr i="1" sz="1800">
-              <a:solidFill>
-                <a:srgbClr val="FFFFFF"/>
-              </a:solidFill>
-            </a:endParaRPr>
-          </a:p>
-          <a:p>
-            <a:pPr indent="0" lvl="0" marL="457200" rtl="0" algn="just">
-              <a:lnSpc>
-                <a:spcPct val="115000"/>
-              </a:lnSpc>
-              <a:spcBef>
-                <a:spcPts val="0"/>
-              </a:spcBef>
-              <a:spcAft>
-                <a:spcPts val="0"/>
-              </a:spcAft>
-              <a:buNone/>
-            </a:pPr>
-            <a:r>
-              <a:rPr i="1" lang="en" sz="1800">
-                <a:solidFill>
-                  <a:srgbClr val="FFFFFF"/>
-                </a:solidFill>
-              </a:rPr>
-              <a:t>	Else</a:t>
-            </a:r>
-            <a:endParaRPr i="1" sz="1800">
-              <a:solidFill>
-                <a:srgbClr val="FFFFFF"/>
-              </a:solidFill>
-            </a:endParaRPr>
-          </a:p>
-          <a:p>
-            <a:pPr indent="0" lvl="0" marL="457200" rtl="0" algn="just">
-              <a:lnSpc>
-                <a:spcPct val="115000"/>
-              </a:lnSpc>
-              <a:spcBef>
-                <a:spcPts val="0"/>
-              </a:spcBef>
-              <a:spcAft>
-                <a:spcPts val="0"/>
-              </a:spcAft>
-              <a:buNone/>
-            </a:pPr>
-            <a:r>
-              <a:rPr i="1" lang="en" sz="1800">
-                <a:solidFill>
-                  <a:srgbClr val="FFFFFF"/>
-                </a:solidFill>
-              </a:rPr>
-              <a:t>		No target found</a:t>
-            </a:r>
-            <a:endParaRPr i="1" sz="1800">
-              <a:solidFill>
-                <a:srgbClr val="FFFFFF"/>
-              </a:solidFill>
-            </a:endParaRPr>
-          </a:p>
-          <a:p>
-            <a:pPr indent="0" lvl="0" marL="457200" rtl="0" algn="just">
-              <a:lnSpc>
-                <a:spcPct val="115000"/>
-              </a:lnSpc>
-              <a:spcBef>
-                <a:spcPts val="0"/>
-              </a:spcBef>
-              <a:spcAft>
-                <a:spcPts val="0"/>
-              </a:spcAft>
-              <a:buNone/>
-            </a:pPr>
-            <a:r>
-              <a:rPr i="1" lang="en" sz="1800">
-                <a:solidFill>
-                  <a:srgbClr val="FFFFFF"/>
-                </a:solidFill>
-              </a:rPr>
-              <a:t>End</a:t>
-            </a:r>
-            <a:endParaRPr i="1" sz="1800">
-              <a:solidFill>
-                <a:srgbClr val="FFFFFF"/>
-              </a:solidFill>
-            </a:endParaRPr>
-          </a:p>
-        </p:txBody>
-      </p:sp>
-    </p:spTree>
-  </p:cSld>
-  <p:clrMapOvr>
-    <a:masterClrMapping/>
-  </p:clrMapOvr>
-</p:sld>
-</file>
-
-<file path=ppt/slides/slide17.xml><?xml version="1.0" encoding="utf-8"?>
-<p:sld xmlns:a="http://schemas.openxmlformats.org/drawingml/2006/main" xmlns:r="http://schemas.openxmlformats.org/officeDocument/2006/relationships" xmlns:mc="http://schemas.openxmlformats.org/markup-compatibility/2006" xmlns:mv="urn:schemas-microsoft-com:mac:vml" xmlns:p="http://schemas.openxmlformats.org/presentationml/2006/main" xmlns:c="http://schemas.openxmlformats.org/drawingml/2006/chart" xmlns:dgm="http://schemas.openxmlformats.org/drawingml/2006/diagram" xmlns:o="urn:schemas-microsoft-com:office:office" xmlns:v="urn:schemas-microsoft-com:vml" xmlns:pvml="urn:schemas-microsoft-com:office:powerpoint" xmlns:com="http://schemas.openxmlformats.org/drawingml/2006/compatibility" xmlns:p14="http://schemas.microsoft.com/office/powerpoint/2010/main" xmlns:p15="http://schemas.microsoft.com/office/powerpoint/2012/main">
-  <p:cSld>
-    <p:spTree>
-      <p:nvGrpSpPr>
-        <p:cNvPr id="151" name="Shape 151"/>
-        <p:cNvGrpSpPr/>
-        <p:nvPr/>
-      </p:nvGrpSpPr>
-      <p:grpSpPr>
-        <a:xfrm>
-          <a:off x="0" y="0"/>
-          <a:ext cx="0" cy="0"/>
-          <a:chOff x="0" y="0"/>
-          <a:chExt cx="0" cy="0"/>
-        </a:xfrm>
-      </p:grpSpPr>
-      <p:sp>
-        <p:nvSpPr>
-          <p:cNvPr id="152" name="Google Shape;152;p29"/>
-          <p:cNvSpPr txBox="1"/>
-          <p:nvPr>
-            <p:ph type="ctrTitle"/>
-          </p:nvPr>
-        </p:nvSpPr>
-        <p:spPr>
-          <a:xfrm>
-            <a:off x="2052475" y="685800"/>
-            <a:ext cx="4884600" cy="860700"/>
-          </a:xfrm>
-          <a:prstGeom prst="rect">
-            <a:avLst/>
-          </a:prstGeom>
-        </p:spPr>
-        <p:txBody>
-          <a:bodyPr anchorCtr="0" anchor="b" bIns="91425" lIns="91425" spcFirstLastPara="1" rIns="91425" wrap="square" tIns="91425">
-            <a:noAutofit/>
-          </a:bodyPr>
-          <a:lstStyle/>
-          <a:p>
-            <a:pPr indent="0" lvl="0" marL="0" rtl="0" algn="ctr">
-              <a:lnSpc>
-                <a:spcPct val="115000"/>
-              </a:lnSpc>
-              <a:spcBef>
-                <a:spcPts val="0"/>
-              </a:spcBef>
-              <a:spcAft>
-                <a:spcPts val="0"/>
-              </a:spcAft>
-              <a:buNone/>
-            </a:pPr>
-            <a:r>
-              <a:rPr b="1" lang="en" sz="3000">
-                <a:solidFill>
-                  <a:srgbClr val="FFFFFF"/>
-                </a:solidFill>
-              </a:rPr>
-              <a:t>IMPLEMENTATION</a:t>
-            </a:r>
-            <a:endParaRPr sz="3000">
-              <a:solidFill>
-                <a:srgbClr val="FFFFFF"/>
-              </a:solidFill>
-            </a:endParaRPr>
-          </a:p>
-        </p:txBody>
-      </p:sp>
-      <p:sp>
-        <p:nvSpPr>
-          <p:cNvPr id="153" name="Google Shape;153;p29"/>
-          <p:cNvSpPr txBox="1"/>
-          <p:nvPr>
-            <p:ph idx="1" type="subTitle"/>
-          </p:nvPr>
-        </p:nvSpPr>
-        <p:spPr>
-          <a:xfrm>
-            <a:off x="2478775" y="1853875"/>
-            <a:ext cx="4032000" cy="1142700"/>
-          </a:xfrm>
-          <a:prstGeom prst="rect">
-            <a:avLst/>
-          </a:prstGeom>
-        </p:spPr>
-        <p:txBody>
-          <a:bodyPr anchorCtr="0" anchor="t" bIns="91425" lIns="91425" spcFirstLastPara="1" rIns="91425" wrap="square" tIns="91425">
-            <a:noAutofit/>
-          </a:bodyPr>
-          <a:lstStyle/>
-          <a:p>
-            <a:pPr indent="-342900" lvl="0" marL="457200" rtl="0" algn="just">
-              <a:lnSpc>
-                <a:spcPct val="115000"/>
-              </a:lnSpc>
-              <a:spcBef>
-                <a:spcPts val="0"/>
-              </a:spcBef>
-              <a:spcAft>
-                <a:spcPts val="0"/>
-              </a:spcAft>
-              <a:buClr>
-                <a:srgbClr val="FFFFFF"/>
-              </a:buClr>
-              <a:buSzPts val="1800"/>
-              <a:buChar char="●"/>
-            </a:pPr>
-            <a:r>
-              <a:rPr lang="en" sz="1800">
-                <a:solidFill>
-                  <a:srgbClr val="FFFFFF"/>
-                </a:solidFill>
-              </a:rPr>
-              <a:t>CONTENT SCRIPT</a:t>
-            </a:r>
-            <a:endParaRPr sz="1800">
-              <a:solidFill>
-                <a:srgbClr val="FFFFFF"/>
-              </a:solidFill>
-            </a:endParaRPr>
-          </a:p>
-          <a:p>
-            <a:pPr indent="-342900" lvl="0" marL="457200" rtl="0" algn="just">
-              <a:lnSpc>
-                <a:spcPct val="115000"/>
-              </a:lnSpc>
-              <a:spcBef>
-                <a:spcPts val="0"/>
-              </a:spcBef>
-              <a:spcAft>
-                <a:spcPts val="0"/>
-              </a:spcAft>
-              <a:buClr>
-                <a:srgbClr val="FFFFFF"/>
-              </a:buClr>
-              <a:buSzPts val="1800"/>
-              <a:buChar char="●"/>
-            </a:pPr>
-            <a:r>
-              <a:rPr lang="en" sz="1800">
-                <a:solidFill>
-                  <a:srgbClr val="FFFFFF"/>
-                </a:solidFill>
-              </a:rPr>
-              <a:t>BACKGROUND SCRIPT</a:t>
-            </a:r>
-            <a:endParaRPr sz="1800">
-              <a:solidFill>
-                <a:srgbClr val="FFFFFF"/>
-              </a:solidFill>
-            </a:endParaRPr>
-          </a:p>
-        </p:txBody>
-      </p:sp>
-    </p:spTree>
-  </p:cSld>
-  <p:clrMapOvr>
-    <a:masterClrMapping/>
-  </p:clrMapOvr>
-</p:sld>
-</file>
-
-<file path=ppt/slides/slide18.xml><?xml version="1.0" encoding="utf-8"?>
-<p:sld xmlns:a="http://schemas.openxmlformats.org/drawingml/2006/main" xmlns:r="http://schemas.openxmlformats.org/officeDocument/2006/relationships" xmlns:mc="http://schemas.openxmlformats.org/markup-compatibility/2006" xmlns:mv="urn:schemas-microsoft-com:mac:vml" xmlns:p="http://schemas.openxmlformats.org/presentationml/2006/main" xmlns:c="http://schemas.openxmlformats.org/drawingml/2006/chart" xmlns:dgm="http://schemas.openxmlformats.org/drawingml/2006/diagram" xmlns:o="urn:schemas-microsoft-com:office:office" xmlns:v="urn:schemas-microsoft-com:vml" xmlns:pvml="urn:schemas-microsoft-com:office:powerpoint" xmlns:com="http://schemas.openxmlformats.org/drawingml/2006/compatibility" xmlns:p14="http://schemas.microsoft.com/office/powerpoint/2010/main" xmlns:p15="http://schemas.microsoft.com/office/powerpoint/2012/main">
-  <p:cSld>
-    <p:spTree>
-      <p:nvGrpSpPr>
-        <p:cNvPr id="157" name="Shape 157"/>
-        <p:cNvGrpSpPr/>
-        <p:nvPr/>
-      </p:nvGrpSpPr>
-      <p:grpSpPr>
-        <a:xfrm>
-          <a:off x="0" y="0"/>
-          <a:ext cx="0" cy="0"/>
-          <a:chOff x="0" y="0"/>
-          <a:chExt cx="0" cy="0"/>
-        </a:xfrm>
-      </p:grpSpPr>
-      <p:sp>
-        <p:nvSpPr>
-          <p:cNvPr id="158" name="Google Shape;158;p30"/>
-          <p:cNvSpPr txBox="1"/>
-          <p:nvPr>
-            <p:ph type="ctrTitle"/>
-          </p:nvPr>
-        </p:nvSpPr>
-        <p:spPr>
-          <a:xfrm>
-            <a:off x="2070500" y="208400"/>
-            <a:ext cx="4884600" cy="860700"/>
-          </a:xfrm>
-          <a:prstGeom prst="rect">
-            <a:avLst/>
-          </a:prstGeom>
-        </p:spPr>
-        <p:txBody>
-          <a:bodyPr anchorCtr="0" anchor="b" bIns="91425" lIns="91425" spcFirstLastPara="1" rIns="91425" wrap="square" tIns="91425">
-            <a:noAutofit/>
-          </a:bodyPr>
-          <a:lstStyle/>
-          <a:p>
-            <a:pPr indent="0" lvl="0" marL="0" rtl="0" algn="ctr">
-              <a:lnSpc>
-                <a:spcPct val="115000"/>
-              </a:lnSpc>
-              <a:spcBef>
-                <a:spcPts val="0"/>
-              </a:spcBef>
-              <a:spcAft>
-                <a:spcPts val="0"/>
-              </a:spcAft>
-              <a:buNone/>
-            </a:pPr>
-            <a:r>
-              <a:rPr b="1" lang="en" sz="3000">
-                <a:solidFill>
-                  <a:srgbClr val="FFFFFF"/>
-                </a:solidFill>
-              </a:rPr>
-              <a:t>CONTENT SCRIPT</a:t>
-            </a:r>
-            <a:endParaRPr sz="3000">
-              <a:solidFill>
-                <a:srgbClr val="FFFFFF"/>
-              </a:solidFill>
-            </a:endParaRPr>
-          </a:p>
-        </p:txBody>
-      </p:sp>
-      <p:pic>
-        <p:nvPicPr>
-          <p:cNvPr id="159" name="Google Shape;159;p30"/>
-          <p:cNvPicPr preferRelativeResize="0"/>
-          <p:nvPr/>
-        </p:nvPicPr>
-        <p:blipFill>
-          <a:blip r:embed="rId3">
-            <a:alphaModFix/>
-          </a:blip>
-          <a:stretch>
-            <a:fillRect/>
-          </a:stretch>
-        </p:blipFill>
-        <p:spPr>
-          <a:xfrm>
-            <a:off x="1434875" y="1069100"/>
-            <a:ext cx="6155851" cy="3846249"/>
-          </a:xfrm>
-          <a:prstGeom prst="rect">
-            <a:avLst/>
-          </a:prstGeom>
-          <a:noFill/>
-          <a:ln>
-            <a:noFill/>
-          </a:ln>
-        </p:spPr>
-      </p:pic>
-    </p:spTree>
-  </p:cSld>
-  <p:clrMapOvr>
-    <a:masterClrMapping/>
-  </p:clrMapOvr>
-</p:sld>
-</file>
-
-<file path=ppt/slides/slide19.xml><?xml version="1.0" encoding="utf-8"?>
-<p:sld xmlns:a="http://schemas.openxmlformats.org/drawingml/2006/main" xmlns:r="http://schemas.openxmlformats.org/officeDocument/2006/relationships" xmlns:mc="http://schemas.openxmlformats.org/markup-compatibility/2006" xmlns:mv="urn:schemas-microsoft-com:mac:vml" xmlns:p="http://schemas.openxmlformats.org/presentationml/2006/main" xmlns:c="http://schemas.openxmlformats.org/drawingml/2006/chart" xmlns:dgm="http://schemas.openxmlformats.org/drawingml/2006/diagram" xmlns:o="urn:schemas-microsoft-com:office:office" xmlns:v="urn:schemas-microsoft-com:vml" xmlns:pvml="urn:schemas-microsoft-com:office:powerpoint" xmlns:com="http://schemas.openxmlformats.org/drawingml/2006/compatibility" xmlns:p14="http://schemas.microsoft.com/office/powerpoint/2010/main" xmlns:p15="http://schemas.microsoft.com/office/powerpoint/2012/main">
-  <p:cSld>
-    <p:spTree>
-      <p:nvGrpSpPr>
-        <p:cNvPr id="163" name="Shape 163"/>
-        <p:cNvGrpSpPr/>
-        <p:nvPr/>
-      </p:nvGrpSpPr>
-      <p:grpSpPr>
-        <a:xfrm>
-          <a:off x="0" y="0"/>
-          <a:ext cx="0" cy="0"/>
-          <a:chOff x="0" y="0"/>
-          <a:chExt cx="0" cy="0"/>
-        </a:xfrm>
-      </p:grpSpPr>
-      <p:sp>
-        <p:nvSpPr>
-          <p:cNvPr id="164" name="Google Shape;164;p31"/>
-          <p:cNvSpPr txBox="1"/>
-          <p:nvPr>
-            <p:ph type="ctrTitle"/>
-          </p:nvPr>
-        </p:nvSpPr>
-        <p:spPr>
-          <a:xfrm>
-            <a:off x="2070500" y="208400"/>
-            <a:ext cx="4884600" cy="860700"/>
-          </a:xfrm>
-          <a:prstGeom prst="rect">
-            <a:avLst/>
-          </a:prstGeom>
-        </p:spPr>
-        <p:txBody>
-          <a:bodyPr anchorCtr="0" anchor="b" bIns="91425" lIns="91425" spcFirstLastPara="1" rIns="91425" wrap="square" tIns="91425">
-            <a:noAutofit/>
-          </a:bodyPr>
-          <a:lstStyle/>
-          <a:p>
-            <a:pPr indent="0" lvl="0" marL="0" rtl="0" algn="ctr">
-              <a:lnSpc>
-                <a:spcPct val="115000"/>
-              </a:lnSpc>
-              <a:spcBef>
-                <a:spcPts val="0"/>
-              </a:spcBef>
-              <a:spcAft>
-                <a:spcPts val="0"/>
-              </a:spcAft>
-              <a:buNone/>
-            </a:pPr>
-            <a:r>
-              <a:rPr b="1" lang="en" sz="3000">
-                <a:solidFill>
-                  <a:srgbClr val="FFFFFF"/>
-                </a:solidFill>
-              </a:rPr>
-              <a:t>CONTENT SCRIPT</a:t>
-            </a:r>
-            <a:endParaRPr sz="3000">
-              <a:solidFill>
-                <a:srgbClr val="FFFFFF"/>
-              </a:solidFill>
-            </a:endParaRPr>
-          </a:p>
-        </p:txBody>
-      </p:sp>
-      <p:sp>
-        <p:nvSpPr>
-          <p:cNvPr id="165" name="Google Shape;165;p31"/>
-          <p:cNvSpPr txBox="1"/>
-          <p:nvPr>
-            <p:ph idx="1" type="subTitle"/>
-          </p:nvPr>
-        </p:nvSpPr>
-        <p:spPr>
-          <a:xfrm>
-            <a:off x="1027500" y="1367525"/>
-            <a:ext cx="7089000" cy="3259500"/>
-          </a:xfrm>
-          <a:prstGeom prst="rect">
-            <a:avLst/>
-          </a:prstGeom>
-        </p:spPr>
-        <p:txBody>
-          <a:bodyPr anchorCtr="0" anchor="t" bIns="91425" lIns="91425" spcFirstLastPara="1" rIns="91425" wrap="square" tIns="91425">
-            <a:noAutofit/>
-          </a:bodyPr>
-          <a:lstStyle/>
-          <a:p>
-            <a:pPr indent="0" lvl="0" marL="457200" rtl="0" algn="just">
-              <a:lnSpc>
-                <a:spcPct val="115000"/>
-              </a:lnSpc>
-              <a:spcBef>
-                <a:spcPts val="0"/>
-              </a:spcBef>
-              <a:spcAft>
-                <a:spcPts val="0"/>
-              </a:spcAft>
-              <a:buNone/>
-            </a:pPr>
-            <a:r>
-              <a:rPr i="1" lang="en" sz="1800">
-                <a:solidFill>
-                  <a:srgbClr val="FFFFFF"/>
-                </a:solidFill>
-              </a:rPr>
-              <a:t>//Retrieve URL JS</a:t>
-            </a:r>
-            <a:endParaRPr i="1" sz="1800">
-              <a:solidFill>
-                <a:srgbClr val="FFFFFF"/>
-              </a:solidFill>
-            </a:endParaRPr>
-          </a:p>
-          <a:p>
-            <a:pPr indent="0" lvl="0" marL="457200" rtl="0" algn="just">
-              <a:lnSpc>
-                <a:spcPct val="115000"/>
-              </a:lnSpc>
-              <a:spcBef>
-                <a:spcPts val="0"/>
-              </a:spcBef>
-              <a:spcAft>
-                <a:spcPts val="0"/>
-              </a:spcAft>
-              <a:buNone/>
-            </a:pPr>
-            <a:r>
-              <a:rPr i="1" lang="en" sz="1800">
-                <a:solidFill>
-                  <a:srgbClr val="FFFFFF"/>
-                </a:solidFill>
-              </a:rPr>
-              <a:t>tablink = tab.url;</a:t>
-            </a:r>
-            <a:endParaRPr i="1" sz="1800">
-              <a:solidFill>
-                <a:srgbClr val="FFFFFF"/>
-              </a:solidFill>
-            </a:endParaRPr>
-          </a:p>
-          <a:p>
-            <a:pPr indent="0" lvl="0" marL="457200" rtl="0" algn="just">
-              <a:lnSpc>
-                <a:spcPct val="115000"/>
-              </a:lnSpc>
-              <a:spcBef>
-                <a:spcPts val="0"/>
-              </a:spcBef>
-              <a:spcAft>
-                <a:spcPts val="0"/>
-              </a:spcAft>
-              <a:buNone/>
-            </a:pPr>
-            <a:r>
-              <a:t/>
-            </a:r>
-            <a:endParaRPr i="1" sz="1800">
-              <a:solidFill>
-                <a:srgbClr val="FFFFFF"/>
-              </a:solidFill>
-            </a:endParaRPr>
-          </a:p>
-          <a:p>
-            <a:pPr indent="0" lvl="0" marL="457200" rtl="0" algn="just">
-              <a:lnSpc>
-                <a:spcPct val="115000"/>
-              </a:lnSpc>
-              <a:spcBef>
-                <a:spcPts val="0"/>
-              </a:spcBef>
-              <a:spcAft>
-                <a:spcPts val="0"/>
-              </a:spcAft>
-              <a:buNone/>
-            </a:pPr>
-            <a:r>
-              <a:rPr i="1" lang="en" sz="1800">
-                <a:solidFill>
-                  <a:srgbClr val="FFFFFF"/>
-                </a:solidFill>
-              </a:rPr>
-              <a:t>//Retrieve Page content PHP</a:t>
-            </a:r>
-            <a:endParaRPr i="1" sz="1800">
-              <a:solidFill>
-                <a:srgbClr val="FFFFFF"/>
-              </a:solidFill>
-            </a:endParaRPr>
-          </a:p>
-          <a:p>
-            <a:pPr indent="0" lvl="0" marL="457200" rtl="0" algn="just">
-              <a:lnSpc>
-                <a:spcPct val="115000"/>
-              </a:lnSpc>
-              <a:spcBef>
-                <a:spcPts val="0"/>
-              </a:spcBef>
-              <a:spcAft>
-                <a:spcPts val="0"/>
-              </a:spcAft>
-              <a:buNone/>
-            </a:pPr>
-            <a:r>
-              <a:rPr i="1" lang="en" sz="1800">
-                <a:solidFill>
-                  <a:srgbClr val="FFFFFF"/>
-                </a:solidFill>
-              </a:rPr>
-              <a:t>$site=$_POST['url'];</a:t>
-            </a:r>
-            <a:endParaRPr i="1" sz="1800">
-              <a:solidFill>
-                <a:srgbClr val="FFFFFF"/>
-              </a:solidFill>
-            </a:endParaRPr>
-          </a:p>
-          <a:p>
-            <a:pPr indent="0" lvl="0" marL="457200" rtl="0" algn="just">
-              <a:lnSpc>
-                <a:spcPct val="115000"/>
-              </a:lnSpc>
-              <a:spcBef>
-                <a:spcPts val="0"/>
-              </a:spcBef>
-              <a:spcAft>
-                <a:spcPts val="0"/>
-              </a:spcAft>
-              <a:buNone/>
-            </a:pPr>
-            <a:r>
-              <a:rPr i="1" lang="en" sz="1800">
-                <a:solidFill>
-                  <a:srgbClr val="FFFFFF"/>
-                </a:solidFill>
-              </a:rPr>
-              <a:t>$html = file_get_contents($site);</a:t>
             </a:r>
             <a:endParaRPr i="1" sz="1800">
               <a:solidFill>
@@ -11283,7 +11502,7 @@
   <p:cSld>
     <p:spTree>
       <p:nvGrpSpPr>
-        <p:cNvPr id="169" name="Shape 169"/>
+        <p:cNvPr id="167" name="Shape 167"/>
         <p:cNvGrpSpPr/>
         <p:nvPr/>
       </p:nvGrpSpPr>
@@ -11297,7 +11516,774 @@
       </p:grpSpPr>
       <p:sp>
         <p:nvSpPr>
-          <p:cNvPr id="170" name="Google Shape;170;p32"/>
+          <p:cNvPr id="168" name="Google Shape;168;p32"/>
+          <p:cNvSpPr txBox="1"/>
+          <p:nvPr>
+            <p:ph type="ctrTitle"/>
+          </p:nvPr>
+        </p:nvSpPr>
+        <p:spPr>
+          <a:xfrm>
+            <a:off x="2060275" y="382325"/>
+            <a:ext cx="4884600" cy="860700"/>
+          </a:xfrm>
+          <a:prstGeom prst="rect">
+            <a:avLst/>
+          </a:prstGeom>
+        </p:spPr>
+        <p:txBody>
+          <a:bodyPr anchorCtr="0" anchor="b" bIns="91425" lIns="91425" spcFirstLastPara="1" rIns="91425" wrap="square" tIns="91425">
+            <a:noAutofit/>
+          </a:bodyPr>
+          <a:lstStyle/>
+          <a:p>
+            <a:pPr indent="0" lvl="0" marL="0" rtl="0" algn="ctr">
+              <a:lnSpc>
+                <a:spcPct val="115000"/>
+              </a:lnSpc>
+              <a:spcBef>
+                <a:spcPts val="0"/>
+              </a:spcBef>
+              <a:spcAft>
+                <a:spcPts val="0"/>
+              </a:spcAft>
+              <a:buNone/>
+            </a:pPr>
+            <a:r>
+              <a:rPr b="1" lang="en" sz="3000">
+                <a:solidFill>
+                  <a:srgbClr val="FFFFFF"/>
+                </a:solidFill>
+              </a:rPr>
+              <a:t>PHISH DETECTOR</a:t>
+            </a:r>
+            <a:endParaRPr sz="3000">
+              <a:solidFill>
+                <a:srgbClr val="FFFFFF"/>
+              </a:solidFill>
+            </a:endParaRPr>
+          </a:p>
+        </p:txBody>
+      </p:sp>
+      <p:sp>
+        <p:nvSpPr>
+          <p:cNvPr id="169" name="Google Shape;169;p32"/>
+          <p:cNvSpPr txBox="1"/>
+          <p:nvPr>
+            <p:ph idx="1" type="subTitle"/>
+          </p:nvPr>
+        </p:nvSpPr>
+        <p:spPr>
+          <a:xfrm>
+            <a:off x="1027500" y="1367525"/>
+            <a:ext cx="7089000" cy="3259500"/>
+          </a:xfrm>
+          <a:prstGeom prst="rect">
+            <a:avLst/>
+          </a:prstGeom>
+        </p:spPr>
+        <p:txBody>
+          <a:bodyPr anchorCtr="0" anchor="t" bIns="91425" lIns="91425" spcFirstLastPara="1" rIns="91425" wrap="square" tIns="91425">
+            <a:noAutofit/>
+          </a:bodyPr>
+          <a:lstStyle/>
+          <a:p>
+            <a:pPr indent="0" lvl="0" marL="457200" rtl="0" algn="just">
+              <a:lnSpc>
+                <a:spcPct val="115000"/>
+              </a:lnSpc>
+              <a:spcBef>
+                <a:spcPts val="0"/>
+              </a:spcBef>
+              <a:spcAft>
+                <a:spcPts val="0"/>
+              </a:spcAft>
+              <a:buNone/>
+            </a:pPr>
+            <a:r>
+              <a:rPr i="1" lang="en" sz="1800">
+                <a:solidFill>
+                  <a:srgbClr val="FFFFFF"/>
+                </a:solidFill>
+              </a:rPr>
+              <a:t>Begin</a:t>
+            </a:r>
+            <a:endParaRPr i="1" sz="1800">
+              <a:solidFill>
+                <a:srgbClr val="FFFFFF"/>
+              </a:solidFill>
+            </a:endParaRPr>
+          </a:p>
+          <a:p>
+            <a:pPr indent="0" lvl="0" marL="914400" rtl="0" algn="just">
+              <a:lnSpc>
+                <a:spcPct val="115000"/>
+              </a:lnSpc>
+              <a:spcBef>
+                <a:spcPts val="0"/>
+              </a:spcBef>
+              <a:spcAft>
+                <a:spcPts val="0"/>
+              </a:spcAft>
+              <a:buNone/>
+            </a:pPr>
+            <a:r>
+              <a:rPr i="1" lang="en" sz="1800">
+                <a:solidFill>
+                  <a:srgbClr val="FFFFFF"/>
+                </a:solidFill>
+              </a:rPr>
+              <a:t>For each page URL</a:t>
+            </a:r>
+            <a:endParaRPr i="1" sz="1800">
+              <a:solidFill>
+                <a:srgbClr val="FFFFFF"/>
+              </a:solidFill>
+            </a:endParaRPr>
+          </a:p>
+          <a:p>
+            <a:pPr indent="0" lvl="0" marL="914400" rtl="0" algn="just">
+              <a:lnSpc>
+                <a:spcPct val="115000"/>
+              </a:lnSpc>
+              <a:spcBef>
+                <a:spcPts val="0"/>
+              </a:spcBef>
+              <a:spcAft>
+                <a:spcPts val="0"/>
+              </a:spcAft>
+              <a:buNone/>
+            </a:pPr>
+            <a:r>
+              <a:rPr i="1" lang="en" sz="1800">
+                <a:solidFill>
+                  <a:srgbClr val="FFFFFF"/>
+                </a:solidFill>
+              </a:rPr>
+              <a:t>	Get the feature values for the URL</a:t>
+            </a:r>
+            <a:endParaRPr i="1" sz="1800">
+              <a:solidFill>
+                <a:srgbClr val="FFFFFF"/>
+              </a:solidFill>
+            </a:endParaRPr>
+          </a:p>
+          <a:p>
+            <a:pPr indent="0" lvl="0" marL="914400" rtl="0" algn="just">
+              <a:lnSpc>
+                <a:spcPct val="115000"/>
+              </a:lnSpc>
+              <a:spcBef>
+                <a:spcPts val="0"/>
+              </a:spcBef>
+              <a:spcAft>
+                <a:spcPts val="0"/>
+              </a:spcAft>
+              <a:buNone/>
+            </a:pPr>
+            <a:r>
+              <a:rPr i="1" lang="en" sz="1800">
+                <a:solidFill>
+                  <a:srgbClr val="FFFFFF"/>
+                </a:solidFill>
+              </a:rPr>
+              <a:t>	Load the saved model</a:t>
+            </a:r>
+            <a:endParaRPr i="1" sz="1800">
+              <a:solidFill>
+                <a:srgbClr val="FFFFFF"/>
+              </a:solidFill>
+            </a:endParaRPr>
+          </a:p>
+          <a:p>
+            <a:pPr indent="0" lvl="0" marL="914400" rtl="0" algn="just">
+              <a:lnSpc>
+                <a:spcPct val="115000"/>
+              </a:lnSpc>
+              <a:spcBef>
+                <a:spcPts val="0"/>
+              </a:spcBef>
+              <a:spcAft>
+                <a:spcPts val="0"/>
+              </a:spcAft>
+              <a:buNone/>
+            </a:pPr>
+            <a:r>
+              <a:rPr i="1" lang="en" sz="1800">
+                <a:solidFill>
+                  <a:srgbClr val="FFFFFF"/>
+                </a:solidFill>
+              </a:rPr>
+              <a:t>	Publish the result</a:t>
+            </a:r>
+            <a:endParaRPr i="1" sz="1800">
+              <a:solidFill>
+                <a:srgbClr val="FFFFFF"/>
+              </a:solidFill>
+            </a:endParaRPr>
+          </a:p>
+          <a:p>
+            <a:pPr indent="0" lvl="0" marL="914400" rtl="0" algn="just">
+              <a:lnSpc>
+                <a:spcPct val="115000"/>
+              </a:lnSpc>
+              <a:spcBef>
+                <a:spcPts val="0"/>
+              </a:spcBef>
+              <a:spcAft>
+                <a:spcPts val="0"/>
+              </a:spcAft>
+              <a:buNone/>
+            </a:pPr>
+            <a:r>
+              <a:rPr i="1" lang="en" sz="1800">
+                <a:solidFill>
+                  <a:srgbClr val="FFFFFF"/>
+                </a:solidFill>
+              </a:rPr>
+              <a:t>Done</a:t>
+            </a:r>
+            <a:endParaRPr i="1" sz="1800">
+              <a:solidFill>
+                <a:srgbClr val="FFFFFF"/>
+              </a:solidFill>
+            </a:endParaRPr>
+          </a:p>
+          <a:p>
+            <a:pPr indent="0" lvl="0" marL="457200" rtl="0" algn="just">
+              <a:lnSpc>
+                <a:spcPct val="115000"/>
+              </a:lnSpc>
+              <a:spcBef>
+                <a:spcPts val="0"/>
+              </a:spcBef>
+              <a:spcAft>
+                <a:spcPts val="0"/>
+              </a:spcAft>
+              <a:buNone/>
+            </a:pPr>
+            <a:r>
+              <a:rPr i="1" lang="en" sz="1800">
+                <a:solidFill>
+                  <a:srgbClr val="FFFFFF"/>
+                </a:solidFill>
+              </a:rPr>
+              <a:t>End</a:t>
+            </a:r>
+            <a:endParaRPr i="1" sz="1800">
+              <a:solidFill>
+                <a:srgbClr val="FFFFFF"/>
+              </a:solidFill>
+            </a:endParaRPr>
+          </a:p>
+        </p:txBody>
+      </p:sp>
+    </p:spTree>
+  </p:cSld>
+  <p:clrMapOvr>
+    <a:masterClrMapping/>
+  </p:clrMapOvr>
+</p:sld>
+</file>
+
+<file path=ppt/slides/slide21.xml><?xml version="1.0" encoding="utf-8"?>
+<p:sld xmlns:a="http://schemas.openxmlformats.org/drawingml/2006/main" xmlns:r="http://schemas.openxmlformats.org/officeDocument/2006/relationships" xmlns:mc="http://schemas.openxmlformats.org/markup-compatibility/2006" xmlns:mv="urn:schemas-microsoft-com:mac:vml" xmlns:p="http://schemas.openxmlformats.org/presentationml/2006/main" xmlns:c="http://schemas.openxmlformats.org/drawingml/2006/chart" xmlns:dgm="http://schemas.openxmlformats.org/drawingml/2006/diagram" xmlns:o="urn:schemas-microsoft-com:office:office" xmlns:v="urn:schemas-microsoft-com:vml" xmlns:pvml="urn:schemas-microsoft-com:office:powerpoint" xmlns:com="http://schemas.openxmlformats.org/drawingml/2006/compatibility" xmlns:p14="http://schemas.microsoft.com/office/powerpoint/2010/main" xmlns:p15="http://schemas.microsoft.com/office/powerpoint/2012/main">
+  <p:cSld>
+    <p:spTree>
+      <p:nvGrpSpPr>
+        <p:cNvPr id="173" name="Shape 173"/>
+        <p:cNvGrpSpPr/>
+        <p:nvPr/>
+      </p:nvGrpSpPr>
+      <p:grpSpPr>
+        <a:xfrm>
+          <a:off x="0" y="0"/>
+          <a:ext cx="0" cy="0"/>
+          <a:chOff x="0" y="0"/>
+          <a:chExt cx="0" cy="0"/>
+        </a:xfrm>
+      </p:grpSpPr>
+      <p:sp>
+        <p:nvSpPr>
+          <p:cNvPr id="174" name="Google Shape;174;p33"/>
+          <p:cNvSpPr txBox="1"/>
+          <p:nvPr>
+            <p:ph type="ctrTitle"/>
+          </p:nvPr>
+        </p:nvSpPr>
+        <p:spPr>
+          <a:xfrm>
+            <a:off x="2060275" y="382325"/>
+            <a:ext cx="4884600" cy="860700"/>
+          </a:xfrm>
+          <a:prstGeom prst="rect">
+            <a:avLst/>
+          </a:prstGeom>
+        </p:spPr>
+        <p:txBody>
+          <a:bodyPr anchorCtr="0" anchor="b" bIns="91425" lIns="91425" spcFirstLastPara="1" rIns="91425" wrap="square" tIns="91425">
+            <a:noAutofit/>
+          </a:bodyPr>
+          <a:lstStyle/>
+          <a:p>
+            <a:pPr indent="0" lvl="0" marL="0" rtl="0" algn="ctr">
+              <a:lnSpc>
+                <a:spcPct val="115000"/>
+              </a:lnSpc>
+              <a:spcBef>
+                <a:spcPts val="0"/>
+              </a:spcBef>
+              <a:spcAft>
+                <a:spcPts val="0"/>
+              </a:spcAft>
+              <a:buNone/>
+            </a:pPr>
+            <a:r>
+              <a:rPr b="1" lang="en" sz="3000">
+                <a:solidFill>
+                  <a:srgbClr val="FFFFFF"/>
+                </a:solidFill>
+              </a:rPr>
+              <a:t>TARGET IDENTIFIER</a:t>
+            </a:r>
+            <a:endParaRPr sz="3000">
+              <a:solidFill>
+                <a:srgbClr val="FFFFFF"/>
+              </a:solidFill>
+            </a:endParaRPr>
+          </a:p>
+        </p:txBody>
+      </p:sp>
+      <p:sp>
+        <p:nvSpPr>
+          <p:cNvPr id="175" name="Google Shape;175;p33"/>
+          <p:cNvSpPr txBox="1"/>
+          <p:nvPr>
+            <p:ph idx="1" type="subTitle"/>
+          </p:nvPr>
+        </p:nvSpPr>
+        <p:spPr>
+          <a:xfrm>
+            <a:off x="1027500" y="1367525"/>
+            <a:ext cx="7089000" cy="3259500"/>
+          </a:xfrm>
+          <a:prstGeom prst="rect">
+            <a:avLst/>
+          </a:prstGeom>
+        </p:spPr>
+        <p:txBody>
+          <a:bodyPr anchorCtr="0" anchor="t" bIns="91425" lIns="91425" spcFirstLastPara="1" rIns="91425" wrap="square" tIns="91425">
+            <a:noAutofit/>
+          </a:bodyPr>
+          <a:lstStyle/>
+          <a:p>
+            <a:pPr indent="0" lvl="0" marL="457200" rtl="0" algn="just">
+              <a:lnSpc>
+                <a:spcPct val="115000"/>
+              </a:lnSpc>
+              <a:spcBef>
+                <a:spcPts val="0"/>
+              </a:spcBef>
+              <a:spcAft>
+                <a:spcPts val="0"/>
+              </a:spcAft>
+              <a:buNone/>
+            </a:pPr>
+            <a:r>
+              <a:rPr i="1" lang="en" sz="1800">
+                <a:solidFill>
+                  <a:srgbClr val="FFFFFF"/>
+                </a:solidFill>
+              </a:rPr>
+              <a:t>Begin</a:t>
+            </a:r>
+            <a:endParaRPr i="1" sz="1800">
+              <a:solidFill>
+                <a:srgbClr val="FFFFFF"/>
+              </a:solidFill>
+            </a:endParaRPr>
+          </a:p>
+          <a:p>
+            <a:pPr indent="0" lvl="0" marL="457200" rtl="0" algn="just">
+              <a:lnSpc>
+                <a:spcPct val="115000"/>
+              </a:lnSpc>
+              <a:spcBef>
+                <a:spcPts val="0"/>
+              </a:spcBef>
+              <a:spcAft>
+                <a:spcPts val="0"/>
+              </a:spcAft>
+              <a:buNone/>
+            </a:pPr>
+            <a:r>
+              <a:rPr i="1" lang="en" sz="1800">
+                <a:solidFill>
+                  <a:srgbClr val="FFFFFF"/>
+                </a:solidFill>
+              </a:rPr>
+              <a:t>	Get the hash value for page content </a:t>
+            </a:r>
+            <a:endParaRPr i="1" sz="1800">
+              <a:solidFill>
+                <a:srgbClr val="FFFFFF"/>
+              </a:solidFill>
+            </a:endParaRPr>
+          </a:p>
+          <a:p>
+            <a:pPr indent="0" lvl="0" marL="457200" rtl="0" algn="just">
+              <a:lnSpc>
+                <a:spcPct val="115000"/>
+              </a:lnSpc>
+              <a:spcBef>
+                <a:spcPts val="0"/>
+              </a:spcBef>
+              <a:spcAft>
+                <a:spcPts val="0"/>
+              </a:spcAft>
+              <a:buNone/>
+            </a:pPr>
+            <a:r>
+              <a:rPr i="1" lang="en" sz="1800">
+                <a:solidFill>
+                  <a:srgbClr val="FFFFFF"/>
+                </a:solidFill>
+              </a:rPr>
+              <a:t>	Compare with values in hash list</a:t>
+            </a:r>
+            <a:endParaRPr i="1" sz="1800">
+              <a:solidFill>
+                <a:srgbClr val="FFFFFF"/>
+              </a:solidFill>
+            </a:endParaRPr>
+          </a:p>
+          <a:p>
+            <a:pPr indent="0" lvl="0" marL="457200" rtl="0" algn="just">
+              <a:lnSpc>
+                <a:spcPct val="115000"/>
+              </a:lnSpc>
+              <a:spcBef>
+                <a:spcPts val="0"/>
+              </a:spcBef>
+              <a:spcAft>
+                <a:spcPts val="0"/>
+              </a:spcAft>
+              <a:buNone/>
+            </a:pPr>
+            <a:r>
+              <a:rPr i="1" lang="en" sz="1800">
+                <a:solidFill>
+                  <a:srgbClr val="FFFFFF"/>
+                </a:solidFill>
+              </a:rPr>
+              <a:t>	If match</a:t>
+            </a:r>
+            <a:endParaRPr i="1" sz="1800">
+              <a:solidFill>
+                <a:srgbClr val="FFFFFF"/>
+              </a:solidFill>
+            </a:endParaRPr>
+          </a:p>
+          <a:p>
+            <a:pPr indent="0" lvl="0" marL="457200" rtl="0" algn="just">
+              <a:lnSpc>
+                <a:spcPct val="115000"/>
+              </a:lnSpc>
+              <a:spcBef>
+                <a:spcPts val="0"/>
+              </a:spcBef>
+              <a:spcAft>
+                <a:spcPts val="0"/>
+              </a:spcAft>
+              <a:buNone/>
+            </a:pPr>
+            <a:r>
+              <a:rPr i="1" lang="en" sz="1800">
+                <a:solidFill>
+                  <a:srgbClr val="FFFFFF"/>
+                </a:solidFill>
+              </a:rPr>
+              <a:t>		Display target</a:t>
+            </a:r>
+            <a:endParaRPr i="1" sz="1800">
+              <a:solidFill>
+                <a:srgbClr val="FFFFFF"/>
+              </a:solidFill>
+            </a:endParaRPr>
+          </a:p>
+          <a:p>
+            <a:pPr indent="0" lvl="0" marL="457200" rtl="0" algn="just">
+              <a:lnSpc>
+                <a:spcPct val="115000"/>
+              </a:lnSpc>
+              <a:spcBef>
+                <a:spcPts val="0"/>
+              </a:spcBef>
+              <a:spcAft>
+                <a:spcPts val="0"/>
+              </a:spcAft>
+              <a:buNone/>
+            </a:pPr>
+            <a:r>
+              <a:rPr i="1" lang="en" sz="1800">
+                <a:solidFill>
+                  <a:srgbClr val="FFFFFF"/>
+                </a:solidFill>
+              </a:rPr>
+              <a:t>	Else</a:t>
+            </a:r>
+            <a:endParaRPr i="1" sz="1800">
+              <a:solidFill>
+                <a:srgbClr val="FFFFFF"/>
+              </a:solidFill>
+            </a:endParaRPr>
+          </a:p>
+          <a:p>
+            <a:pPr indent="0" lvl="0" marL="457200" rtl="0" algn="just">
+              <a:lnSpc>
+                <a:spcPct val="115000"/>
+              </a:lnSpc>
+              <a:spcBef>
+                <a:spcPts val="0"/>
+              </a:spcBef>
+              <a:spcAft>
+                <a:spcPts val="0"/>
+              </a:spcAft>
+              <a:buNone/>
+            </a:pPr>
+            <a:r>
+              <a:rPr i="1" lang="en" sz="1800">
+                <a:solidFill>
+                  <a:srgbClr val="FFFFFF"/>
+                </a:solidFill>
+              </a:rPr>
+              <a:t>		No target found</a:t>
+            </a:r>
+            <a:endParaRPr i="1" sz="1800">
+              <a:solidFill>
+                <a:srgbClr val="FFFFFF"/>
+              </a:solidFill>
+            </a:endParaRPr>
+          </a:p>
+          <a:p>
+            <a:pPr indent="0" lvl="0" marL="457200" rtl="0" algn="just">
+              <a:lnSpc>
+                <a:spcPct val="115000"/>
+              </a:lnSpc>
+              <a:spcBef>
+                <a:spcPts val="0"/>
+              </a:spcBef>
+              <a:spcAft>
+                <a:spcPts val="0"/>
+              </a:spcAft>
+              <a:buNone/>
+            </a:pPr>
+            <a:r>
+              <a:rPr i="1" lang="en" sz="1800">
+                <a:solidFill>
+                  <a:srgbClr val="FFFFFF"/>
+                </a:solidFill>
+              </a:rPr>
+              <a:t>End</a:t>
+            </a:r>
+            <a:endParaRPr i="1" sz="1800">
+              <a:solidFill>
+                <a:srgbClr val="FFFFFF"/>
+              </a:solidFill>
+            </a:endParaRPr>
+          </a:p>
+        </p:txBody>
+      </p:sp>
+    </p:spTree>
+  </p:cSld>
+  <p:clrMapOvr>
+    <a:masterClrMapping/>
+  </p:clrMapOvr>
+</p:sld>
+</file>
+
+<file path=ppt/slides/slide22.xml><?xml version="1.0" encoding="utf-8"?>
+<p:sld xmlns:a="http://schemas.openxmlformats.org/drawingml/2006/main" xmlns:r="http://schemas.openxmlformats.org/officeDocument/2006/relationships" xmlns:mc="http://schemas.openxmlformats.org/markup-compatibility/2006" xmlns:mv="urn:schemas-microsoft-com:mac:vml" xmlns:p="http://schemas.openxmlformats.org/presentationml/2006/main" xmlns:c="http://schemas.openxmlformats.org/drawingml/2006/chart" xmlns:dgm="http://schemas.openxmlformats.org/drawingml/2006/diagram" xmlns:o="urn:schemas-microsoft-com:office:office" xmlns:v="urn:schemas-microsoft-com:vml" xmlns:pvml="urn:schemas-microsoft-com:office:powerpoint" xmlns:com="http://schemas.openxmlformats.org/drawingml/2006/compatibility" xmlns:p14="http://schemas.microsoft.com/office/powerpoint/2010/main" xmlns:p15="http://schemas.microsoft.com/office/powerpoint/2012/main">
+  <p:cSld>
+    <p:spTree>
+      <p:nvGrpSpPr>
+        <p:cNvPr id="179" name="Shape 179"/>
+        <p:cNvGrpSpPr/>
+        <p:nvPr/>
+      </p:nvGrpSpPr>
+      <p:grpSpPr>
+        <a:xfrm>
+          <a:off x="0" y="0"/>
+          <a:ext cx="0" cy="0"/>
+          <a:chOff x="0" y="0"/>
+          <a:chExt cx="0" cy="0"/>
+        </a:xfrm>
+      </p:grpSpPr>
+      <p:sp>
+        <p:nvSpPr>
+          <p:cNvPr id="180" name="Google Shape;180;p34"/>
+          <p:cNvSpPr txBox="1"/>
+          <p:nvPr>
+            <p:ph type="ctrTitle"/>
+          </p:nvPr>
+        </p:nvSpPr>
+        <p:spPr>
+          <a:xfrm>
+            <a:off x="2052475" y="685800"/>
+            <a:ext cx="4884600" cy="860700"/>
+          </a:xfrm>
+          <a:prstGeom prst="rect">
+            <a:avLst/>
+          </a:prstGeom>
+        </p:spPr>
+        <p:txBody>
+          <a:bodyPr anchorCtr="0" anchor="b" bIns="91425" lIns="91425" spcFirstLastPara="1" rIns="91425" wrap="square" tIns="91425">
+            <a:noAutofit/>
+          </a:bodyPr>
+          <a:lstStyle/>
+          <a:p>
+            <a:pPr indent="0" lvl="0" marL="0" rtl="0" algn="ctr">
+              <a:lnSpc>
+                <a:spcPct val="115000"/>
+              </a:lnSpc>
+              <a:spcBef>
+                <a:spcPts val="0"/>
+              </a:spcBef>
+              <a:spcAft>
+                <a:spcPts val="0"/>
+              </a:spcAft>
+              <a:buNone/>
+            </a:pPr>
+            <a:r>
+              <a:rPr b="1" lang="en" sz="3000">
+                <a:solidFill>
+                  <a:srgbClr val="FFFFFF"/>
+                </a:solidFill>
+              </a:rPr>
+              <a:t>IMPLEMENTATION</a:t>
+            </a:r>
+            <a:endParaRPr sz="3000">
+              <a:solidFill>
+                <a:srgbClr val="FFFFFF"/>
+              </a:solidFill>
+            </a:endParaRPr>
+          </a:p>
+        </p:txBody>
+      </p:sp>
+      <p:sp>
+        <p:nvSpPr>
+          <p:cNvPr id="181" name="Google Shape;181;p34"/>
+          <p:cNvSpPr txBox="1"/>
+          <p:nvPr>
+            <p:ph idx="1" type="subTitle"/>
+          </p:nvPr>
+        </p:nvSpPr>
+        <p:spPr>
+          <a:xfrm>
+            <a:off x="2478775" y="1853875"/>
+            <a:ext cx="4032000" cy="1142700"/>
+          </a:xfrm>
+          <a:prstGeom prst="rect">
+            <a:avLst/>
+          </a:prstGeom>
+        </p:spPr>
+        <p:txBody>
+          <a:bodyPr anchorCtr="0" anchor="t" bIns="91425" lIns="91425" spcFirstLastPara="1" rIns="91425" wrap="square" tIns="91425">
+            <a:noAutofit/>
+          </a:bodyPr>
+          <a:lstStyle/>
+          <a:p>
+            <a:pPr indent="-342900" lvl="0" marL="457200" rtl="0" algn="just">
+              <a:lnSpc>
+                <a:spcPct val="115000"/>
+              </a:lnSpc>
+              <a:spcBef>
+                <a:spcPts val="0"/>
+              </a:spcBef>
+              <a:spcAft>
+                <a:spcPts val="0"/>
+              </a:spcAft>
+              <a:buClr>
+                <a:srgbClr val="FFFFFF"/>
+              </a:buClr>
+              <a:buSzPts val="1800"/>
+              <a:buChar char="●"/>
+            </a:pPr>
+            <a:r>
+              <a:rPr lang="en" sz="1800">
+                <a:solidFill>
+                  <a:srgbClr val="FFFFFF"/>
+                </a:solidFill>
+              </a:rPr>
+              <a:t>CONTENT SCRIPT</a:t>
+            </a:r>
+            <a:endParaRPr sz="1800">
+              <a:solidFill>
+                <a:srgbClr val="FFFFFF"/>
+              </a:solidFill>
+            </a:endParaRPr>
+          </a:p>
+          <a:p>
+            <a:pPr indent="-342900" lvl="0" marL="457200" rtl="0" algn="just">
+              <a:lnSpc>
+                <a:spcPct val="115000"/>
+              </a:lnSpc>
+              <a:spcBef>
+                <a:spcPts val="0"/>
+              </a:spcBef>
+              <a:spcAft>
+                <a:spcPts val="0"/>
+              </a:spcAft>
+              <a:buClr>
+                <a:srgbClr val="FFFFFF"/>
+              </a:buClr>
+              <a:buSzPts val="1800"/>
+              <a:buChar char="●"/>
+            </a:pPr>
+            <a:r>
+              <a:rPr lang="en" sz="1800">
+                <a:solidFill>
+                  <a:srgbClr val="FFFFFF"/>
+                </a:solidFill>
+              </a:rPr>
+              <a:t>BACKGROUND SCRIPT</a:t>
+            </a:r>
+            <a:endParaRPr sz="1800">
+              <a:solidFill>
+                <a:srgbClr val="FFFFFF"/>
+              </a:solidFill>
+            </a:endParaRPr>
+          </a:p>
+        </p:txBody>
+      </p:sp>
+    </p:spTree>
+  </p:cSld>
+  <p:clrMapOvr>
+    <a:masterClrMapping/>
+  </p:clrMapOvr>
+</p:sld>
+</file>
+
+<file path=ppt/slides/slide23.xml><?xml version="1.0" encoding="utf-8"?>
+<p:sld xmlns:a="http://schemas.openxmlformats.org/drawingml/2006/main" xmlns:r="http://schemas.openxmlformats.org/officeDocument/2006/relationships" xmlns:mc="http://schemas.openxmlformats.org/markup-compatibility/2006" xmlns:mv="urn:schemas-microsoft-com:mac:vml" xmlns:p="http://schemas.openxmlformats.org/presentationml/2006/main" xmlns:c="http://schemas.openxmlformats.org/drawingml/2006/chart" xmlns:dgm="http://schemas.openxmlformats.org/drawingml/2006/diagram" xmlns:o="urn:schemas-microsoft-com:office:office" xmlns:v="urn:schemas-microsoft-com:vml" xmlns:pvml="urn:schemas-microsoft-com:office:powerpoint" xmlns:com="http://schemas.openxmlformats.org/drawingml/2006/compatibility" xmlns:p14="http://schemas.microsoft.com/office/powerpoint/2010/main" xmlns:p15="http://schemas.microsoft.com/office/powerpoint/2012/main">
+  <p:cSld>
+    <p:spTree>
+      <p:nvGrpSpPr>
+        <p:cNvPr id="185" name="Shape 185"/>
+        <p:cNvGrpSpPr/>
+        <p:nvPr/>
+      </p:nvGrpSpPr>
+      <p:grpSpPr>
+        <a:xfrm>
+          <a:off x="0" y="0"/>
+          <a:ext cx="0" cy="0"/>
+          <a:chOff x="0" y="0"/>
+          <a:chExt cx="0" cy="0"/>
+        </a:xfrm>
+      </p:grpSpPr>
+      <p:sp>
+        <p:nvSpPr>
+          <p:cNvPr id="186" name="Google Shape;186;p35"/>
           <p:cNvSpPr txBox="1"/>
           <p:nvPr>
             <p:ph type="ctrTitle"/>
@@ -11336,15 +12322,7 @@
                   <a:srgbClr val="FFFFFF"/>
                 </a:solidFill>
               </a:rPr>
-              <a:t>BACKGROUND</a:t>
-            </a:r>
-            <a:r>
-              <a:rPr b="1" lang="en" sz="3000">
-                <a:solidFill>
-                  <a:srgbClr val="FFFFFF"/>
-                </a:solidFill>
-              </a:rPr>
-              <a:t> SCRIPT</a:t>
+              <a:t>CONTENT SCRIPT</a:t>
             </a:r>
             <a:endParaRPr sz="3000">
               <a:solidFill>
@@ -11356,7 +12334,376 @@
       </p:sp>
       <p:pic>
         <p:nvPicPr>
-          <p:cNvPr id="171" name="Google Shape;171;p32"/>
+          <p:cNvPr id="187" name="Google Shape;187;p35"/>
+          <p:cNvPicPr preferRelativeResize="0"/>
+          <p:nvPr/>
+        </p:nvPicPr>
+        <p:blipFill>
+          <a:blip r:embed="rId3">
+            <a:alphaModFix/>
+          </a:blip>
+          <a:stretch>
+            <a:fillRect/>
+          </a:stretch>
+        </p:blipFill>
+        <p:spPr>
+          <a:xfrm>
+            <a:off x="1434875" y="1069100"/>
+            <a:ext cx="6155851" cy="3846249"/>
+          </a:xfrm>
+          <a:prstGeom prst="rect">
+            <a:avLst/>
+          </a:prstGeom>
+          <a:noFill/>
+          <a:ln>
+            <a:noFill/>
+          </a:ln>
+        </p:spPr>
+      </p:pic>
+    </p:spTree>
+  </p:cSld>
+  <p:clrMapOvr>
+    <a:masterClrMapping/>
+  </p:clrMapOvr>
+</p:sld>
+</file>
+
+<file path=ppt/slides/slide24.xml><?xml version="1.0" encoding="utf-8"?>
+<p:sld xmlns:a="http://schemas.openxmlformats.org/drawingml/2006/main" xmlns:r="http://schemas.openxmlformats.org/officeDocument/2006/relationships" xmlns:mc="http://schemas.openxmlformats.org/markup-compatibility/2006" xmlns:mv="urn:schemas-microsoft-com:mac:vml" xmlns:p="http://schemas.openxmlformats.org/presentationml/2006/main" xmlns:c="http://schemas.openxmlformats.org/drawingml/2006/chart" xmlns:dgm="http://schemas.openxmlformats.org/drawingml/2006/diagram" xmlns:o="urn:schemas-microsoft-com:office:office" xmlns:v="urn:schemas-microsoft-com:vml" xmlns:pvml="urn:schemas-microsoft-com:office:powerpoint" xmlns:com="http://schemas.openxmlformats.org/drawingml/2006/compatibility" xmlns:p14="http://schemas.microsoft.com/office/powerpoint/2010/main" xmlns:p15="http://schemas.microsoft.com/office/powerpoint/2012/main">
+  <p:cSld>
+    <p:spTree>
+      <p:nvGrpSpPr>
+        <p:cNvPr id="191" name="Shape 191"/>
+        <p:cNvGrpSpPr/>
+        <p:nvPr/>
+      </p:nvGrpSpPr>
+      <p:grpSpPr>
+        <a:xfrm>
+          <a:off x="0" y="0"/>
+          <a:ext cx="0" cy="0"/>
+          <a:chOff x="0" y="0"/>
+          <a:chExt cx="0" cy="0"/>
+        </a:xfrm>
+      </p:grpSpPr>
+      <p:sp>
+        <p:nvSpPr>
+          <p:cNvPr id="192" name="Google Shape;192;p36"/>
+          <p:cNvSpPr txBox="1"/>
+          <p:nvPr>
+            <p:ph type="ctrTitle"/>
+          </p:nvPr>
+        </p:nvSpPr>
+        <p:spPr>
+          <a:xfrm>
+            <a:off x="2070500" y="208400"/>
+            <a:ext cx="4884600" cy="860700"/>
+          </a:xfrm>
+          <a:prstGeom prst="rect">
+            <a:avLst/>
+          </a:prstGeom>
+        </p:spPr>
+        <p:txBody>
+          <a:bodyPr anchorCtr="0" anchor="b" bIns="91425" lIns="91425" spcFirstLastPara="1" rIns="91425" wrap="square" tIns="91425">
+            <a:noAutofit/>
+          </a:bodyPr>
+          <a:lstStyle/>
+          <a:p>
+            <a:pPr indent="0" lvl="0" marL="0" rtl="0" algn="ctr">
+              <a:lnSpc>
+                <a:spcPct val="115000"/>
+              </a:lnSpc>
+              <a:spcBef>
+                <a:spcPts val="0"/>
+              </a:spcBef>
+              <a:spcAft>
+                <a:spcPts val="0"/>
+              </a:spcAft>
+              <a:buNone/>
+            </a:pPr>
+            <a:r>
+              <a:rPr b="1" lang="en" sz="3000">
+                <a:solidFill>
+                  <a:srgbClr val="FFFFFF"/>
+                </a:solidFill>
+              </a:rPr>
+              <a:t>CONTENT SCRIPT</a:t>
+            </a:r>
+            <a:endParaRPr sz="3000">
+              <a:solidFill>
+                <a:srgbClr val="FFFFFF"/>
+              </a:solidFill>
+            </a:endParaRPr>
+          </a:p>
+        </p:txBody>
+      </p:sp>
+      <p:sp>
+        <p:nvSpPr>
+          <p:cNvPr id="193" name="Google Shape;193;p36"/>
+          <p:cNvSpPr txBox="1"/>
+          <p:nvPr>
+            <p:ph idx="1" type="subTitle"/>
+          </p:nvPr>
+        </p:nvSpPr>
+        <p:spPr>
+          <a:xfrm>
+            <a:off x="1027500" y="1367525"/>
+            <a:ext cx="7089000" cy="3259500"/>
+          </a:xfrm>
+          <a:prstGeom prst="rect">
+            <a:avLst/>
+          </a:prstGeom>
+        </p:spPr>
+        <p:txBody>
+          <a:bodyPr anchorCtr="0" anchor="t" bIns="91425" lIns="91425" spcFirstLastPara="1" rIns="91425" wrap="square" tIns="91425">
+            <a:noAutofit/>
+          </a:bodyPr>
+          <a:lstStyle/>
+          <a:p>
+            <a:pPr indent="0" lvl="0" marL="457200" rtl="0" algn="just">
+              <a:lnSpc>
+                <a:spcPct val="115000"/>
+              </a:lnSpc>
+              <a:spcBef>
+                <a:spcPts val="0"/>
+              </a:spcBef>
+              <a:spcAft>
+                <a:spcPts val="0"/>
+              </a:spcAft>
+              <a:buNone/>
+            </a:pPr>
+            <a:r>
+              <a:rPr i="1" lang="en" sz="1800">
+                <a:solidFill>
+                  <a:srgbClr val="FFFFFF"/>
+                </a:solidFill>
+              </a:rPr>
+              <a:t>//Retrieve URL JS</a:t>
+            </a:r>
+            <a:endParaRPr i="1" sz="1800">
+              <a:solidFill>
+                <a:srgbClr val="FFFFFF"/>
+              </a:solidFill>
+            </a:endParaRPr>
+          </a:p>
+          <a:p>
+            <a:pPr indent="0" lvl="0" marL="457200" rtl="0" algn="just">
+              <a:lnSpc>
+                <a:spcPct val="115000"/>
+              </a:lnSpc>
+              <a:spcBef>
+                <a:spcPts val="0"/>
+              </a:spcBef>
+              <a:spcAft>
+                <a:spcPts val="0"/>
+              </a:spcAft>
+              <a:buNone/>
+            </a:pPr>
+            <a:r>
+              <a:rPr i="1" lang="en" sz="1800">
+                <a:solidFill>
+                  <a:srgbClr val="FFFFFF"/>
+                </a:solidFill>
+              </a:rPr>
+              <a:t>tablink = tab.url;</a:t>
+            </a:r>
+            <a:endParaRPr i="1" sz="1800">
+              <a:solidFill>
+                <a:srgbClr val="FFFFFF"/>
+              </a:solidFill>
+            </a:endParaRPr>
+          </a:p>
+          <a:p>
+            <a:pPr indent="0" lvl="0" marL="457200" rtl="0" algn="just">
+              <a:lnSpc>
+                <a:spcPct val="115000"/>
+              </a:lnSpc>
+              <a:spcBef>
+                <a:spcPts val="0"/>
+              </a:spcBef>
+              <a:spcAft>
+                <a:spcPts val="0"/>
+              </a:spcAft>
+              <a:buNone/>
+            </a:pPr>
+            <a:r>
+              <a:t/>
+            </a:r>
+            <a:endParaRPr i="1" sz="1800">
+              <a:solidFill>
+                <a:srgbClr val="FFFFFF"/>
+              </a:solidFill>
+            </a:endParaRPr>
+          </a:p>
+          <a:p>
+            <a:pPr indent="0" lvl="0" marL="457200" rtl="0" algn="just">
+              <a:lnSpc>
+                <a:spcPct val="115000"/>
+              </a:lnSpc>
+              <a:spcBef>
+                <a:spcPts val="0"/>
+              </a:spcBef>
+              <a:spcAft>
+                <a:spcPts val="0"/>
+              </a:spcAft>
+              <a:buNone/>
+            </a:pPr>
+            <a:r>
+              <a:rPr i="1" lang="en" sz="1800">
+                <a:solidFill>
+                  <a:srgbClr val="FFFFFF"/>
+                </a:solidFill>
+              </a:rPr>
+              <a:t>//Retrieve Page content PHP</a:t>
+            </a:r>
+            <a:endParaRPr i="1" sz="1800">
+              <a:solidFill>
+                <a:srgbClr val="FFFFFF"/>
+              </a:solidFill>
+            </a:endParaRPr>
+          </a:p>
+          <a:p>
+            <a:pPr indent="0" lvl="0" marL="457200" rtl="0" algn="just">
+              <a:lnSpc>
+                <a:spcPct val="115000"/>
+              </a:lnSpc>
+              <a:spcBef>
+                <a:spcPts val="0"/>
+              </a:spcBef>
+              <a:spcAft>
+                <a:spcPts val="0"/>
+              </a:spcAft>
+              <a:buNone/>
+            </a:pPr>
+            <a:r>
+              <a:rPr i="1" lang="en" sz="1800">
+                <a:solidFill>
+                  <a:srgbClr val="FFFFFF"/>
+                </a:solidFill>
+              </a:rPr>
+              <a:t>$site=$_POST['url'];</a:t>
+            </a:r>
+            <a:endParaRPr i="1" sz="1800">
+              <a:solidFill>
+                <a:srgbClr val="FFFFFF"/>
+              </a:solidFill>
+            </a:endParaRPr>
+          </a:p>
+          <a:p>
+            <a:pPr indent="0" lvl="0" marL="457200" rtl="0" algn="just">
+              <a:lnSpc>
+                <a:spcPct val="115000"/>
+              </a:lnSpc>
+              <a:spcBef>
+                <a:spcPts val="0"/>
+              </a:spcBef>
+              <a:spcAft>
+                <a:spcPts val="0"/>
+              </a:spcAft>
+              <a:buNone/>
+            </a:pPr>
+            <a:r>
+              <a:rPr i="1" lang="en" sz="1800">
+                <a:solidFill>
+                  <a:srgbClr val="FFFFFF"/>
+                </a:solidFill>
+              </a:rPr>
+              <a:t>$html = file_get_contents($site);</a:t>
+            </a:r>
+            <a:endParaRPr i="1" sz="1800">
+              <a:solidFill>
+                <a:srgbClr val="FFFFFF"/>
+              </a:solidFill>
+            </a:endParaRPr>
+          </a:p>
+        </p:txBody>
+      </p:sp>
+    </p:spTree>
+  </p:cSld>
+  <p:clrMapOvr>
+    <a:masterClrMapping/>
+  </p:clrMapOvr>
+</p:sld>
+</file>
+
+<file path=ppt/slides/slide25.xml><?xml version="1.0" encoding="utf-8"?>
+<p:sld xmlns:a="http://schemas.openxmlformats.org/drawingml/2006/main" xmlns:r="http://schemas.openxmlformats.org/officeDocument/2006/relationships" xmlns:mc="http://schemas.openxmlformats.org/markup-compatibility/2006" xmlns:mv="urn:schemas-microsoft-com:mac:vml" xmlns:p="http://schemas.openxmlformats.org/presentationml/2006/main" xmlns:c="http://schemas.openxmlformats.org/drawingml/2006/chart" xmlns:dgm="http://schemas.openxmlformats.org/drawingml/2006/diagram" xmlns:o="urn:schemas-microsoft-com:office:office" xmlns:v="urn:schemas-microsoft-com:vml" xmlns:pvml="urn:schemas-microsoft-com:office:powerpoint" xmlns:com="http://schemas.openxmlformats.org/drawingml/2006/compatibility" xmlns:p14="http://schemas.microsoft.com/office/powerpoint/2010/main" xmlns:p15="http://schemas.microsoft.com/office/powerpoint/2012/main">
+  <p:cSld>
+    <p:spTree>
+      <p:nvGrpSpPr>
+        <p:cNvPr id="197" name="Shape 197"/>
+        <p:cNvGrpSpPr/>
+        <p:nvPr/>
+      </p:nvGrpSpPr>
+      <p:grpSpPr>
+        <a:xfrm>
+          <a:off x="0" y="0"/>
+          <a:ext cx="0" cy="0"/>
+          <a:chOff x="0" y="0"/>
+          <a:chExt cx="0" cy="0"/>
+        </a:xfrm>
+      </p:grpSpPr>
+      <p:sp>
+        <p:nvSpPr>
+          <p:cNvPr id="198" name="Google Shape;198;p37"/>
+          <p:cNvSpPr txBox="1"/>
+          <p:nvPr>
+            <p:ph type="ctrTitle"/>
+          </p:nvPr>
+        </p:nvSpPr>
+        <p:spPr>
+          <a:xfrm>
+            <a:off x="2070500" y="208400"/>
+            <a:ext cx="4884600" cy="860700"/>
+          </a:xfrm>
+          <a:prstGeom prst="rect">
+            <a:avLst/>
+          </a:prstGeom>
+        </p:spPr>
+        <p:txBody>
+          <a:bodyPr anchorCtr="0" anchor="b" bIns="91425" lIns="91425" spcFirstLastPara="1" rIns="91425" wrap="square" tIns="91425">
+            <a:noAutofit/>
+          </a:bodyPr>
+          <a:lstStyle/>
+          <a:p>
+            <a:pPr indent="0" lvl="0" marL="0" rtl="0" algn="ctr">
+              <a:lnSpc>
+                <a:spcPct val="115000"/>
+              </a:lnSpc>
+              <a:spcBef>
+                <a:spcPts val="0"/>
+              </a:spcBef>
+              <a:spcAft>
+                <a:spcPts val="0"/>
+              </a:spcAft>
+              <a:buNone/>
+            </a:pPr>
+            <a:r>
+              <a:rPr b="1" lang="en" sz="3000">
+                <a:solidFill>
+                  <a:srgbClr val="FFFFFF"/>
+                </a:solidFill>
+              </a:rPr>
+              <a:t>BACKGROUND</a:t>
+            </a:r>
+            <a:r>
+              <a:rPr b="1" lang="en" sz="3000">
+                <a:solidFill>
+                  <a:srgbClr val="FFFFFF"/>
+                </a:solidFill>
+              </a:rPr>
+              <a:t> SCRIPT</a:t>
+            </a:r>
+            <a:endParaRPr sz="3000">
+              <a:solidFill>
+                <a:srgbClr val="FFFFFF"/>
+              </a:solidFill>
+            </a:endParaRPr>
+          </a:p>
+        </p:txBody>
+      </p:sp>
+      <p:pic>
+        <p:nvPicPr>
+          <p:cNvPr id="199" name="Google Shape;199;p37"/>
           <p:cNvPicPr preferRelativeResize="0"/>
           <p:nvPr/>
         </p:nvPicPr>
@@ -11389,12 +12736,12 @@
 </p:sld>
 </file>
 
-<file path=ppt/slides/slide21.xml><?xml version="1.0" encoding="utf-8"?>
+<file path=ppt/slides/slide26.xml><?xml version="1.0" encoding="utf-8"?>
 <p:sld xmlns:a="http://schemas.openxmlformats.org/drawingml/2006/main" xmlns:r="http://schemas.openxmlformats.org/officeDocument/2006/relationships" xmlns:mc="http://schemas.openxmlformats.org/markup-compatibility/2006" xmlns:mv="urn:schemas-microsoft-com:mac:vml" xmlns:p="http://schemas.openxmlformats.org/presentationml/2006/main" xmlns:c="http://schemas.openxmlformats.org/drawingml/2006/chart" xmlns:dgm="http://schemas.openxmlformats.org/drawingml/2006/diagram" xmlns:o="urn:schemas-microsoft-com:office:office" xmlns:v="urn:schemas-microsoft-com:vml" xmlns:pvml="urn:schemas-microsoft-com:office:powerpoint" xmlns:com="http://schemas.openxmlformats.org/drawingml/2006/compatibility" xmlns:p14="http://schemas.microsoft.com/office/powerpoint/2010/main" xmlns:p15="http://schemas.microsoft.com/office/powerpoint/2012/main">
   <p:cSld>
     <p:spTree>
       <p:nvGrpSpPr>
-        <p:cNvPr id="175" name="Shape 175"/>
+        <p:cNvPr id="203" name="Shape 203"/>
         <p:cNvGrpSpPr/>
         <p:nvPr/>
       </p:nvGrpSpPr>
@@ -11408,7 +12755,7 @@
       </p:grpSpPr>
       <p:sp>
         <p:nvSpPr>
-          <p:cNvPr id="176" name="Google Shape;176;p33"/>
+          <p:cNvPr id="204" name="Google Shape;204;p38"/>
           <p:cNvSpPr txBox="1"/>
           <p:nvPr>
             <p:ph type="ctrTitle"/>
@@ -11467,7 +12814,7 @@
       </p:sp>
       <p:sp>
         <p:nvSpPr>
-          <p:cNvPr id="177" name="Google Shape;177;p33"/>
+          <p:cNvPr id="205" name="Google Shape;205;p38"/>
           <p:cNvSpPr txBox="1"/>
           <p:nvPr>
             <p:ph idx="1" type="subTitle"/>
@@ -11659,12 +13006,12 @@
 </p:sld>
 </file>
 
-<file path=ppt/slides/slide22.xml><?xml version="1.0" encoding="utf-8"?>
+<file path=ppt/slides/slide27.xml><?xml version="1.0" encoding="utf-8"?>
 <p:sld xmlns:a="http://schemas.openxmlformats.org/drawingml/2006/main" xmlns:r="http://schemas.openxmlformats.org/officeDocument/2006/relationships" xmlns:mc="http://schemas.openxmlformats.org/markup-compatibility/2006" xmlns:mv="urn:schemas-microsoft-com:mac:vml" xmlns:p="http://schemas.openxmlformats.org/presentationml/2006/main" xmlns:c="http://schemas.openxmlformats.org/drawingml/2006/chart" xmlns:dgm="http://schemas.openxmlformats.org/drawingml/2006/diagram" xmlns:o="urn:schemas-microsoft-com:office:office" xmlns:v="urn:schemas-microsoft-com:vml" xmlns:pvml="urn:schemas-microsoft-com:office:powerpoint" xmlns:com="http://schemas.openxmlformats.org/drawingml/2006/compatibility" xmlns:p14="http://schemas.microsoft.com/office/powerpoint/2010/main" xmlns:p15="http://schemas.microsoft.com/office/powerpoint/2012/main">
   <p:cSld>
     <p:spTree>
       <p:nvGrpSpPr>
-        <p:cNvPr id="181" name="Shape 181"/>
+        <p:cNvPr id="209" name="Shape 209"/>
         <p:cNvGrpSpPr/>
         <p:nvPr/>
       </p:nvGrpSpPr>
@@ -11678,7 +13025,7 @@
       </p:grpSpPr>
       <p:sp>
         <p:nvSpPr>
-          <p:cNvPr id="182" name="Google Shape;182;p34"/>
+          <p:cNvPr id="210" name="Google Shape;210;p39"/>
           <p:cNvSpPr txBox="1"/>
           <p:nvPr>
             <p:ph type="ctrTitle"/>
@@ -11729,7 +13076,7 @@
       </p:sp>
       <p:sp>
         <p:nvSpPr>
-          <p:cNvPr id="183" name="Google Shape;183;p34"/>
+          <p:cNvPr id="211" name="Google Shape;211;p39"/>
           <p:cNvSpPr txBox="1"/>
           <p:nvPr>
             <p:ph idx="1" type="subTitle"/>
@@ -11737,8 +13084,8 @@
         </p:nvSpPr>
         <p:spPr>
           <a:xfrm>
-            <a:off x="2879100" y="1479500"/>
-            <a:ext cx="3385800" cy="2217900"/>
+            <a:off x="2409300" y="1462800"/>
+            <a:ext cx="4325400" cy="2217900"/>
           </a:xfrm>
           <a:prstGeom prst="rect">
             <a:avLst/>
@@ -11834,7 +13181,7 @@
                   <a:srgbClr val="FFFFFF"/>
                 </a:solidFill>
               </a:rPr>
-              <a:t>Memory usage</a:t>
+              <a:t>Memory usage profiling</a:t>
             </a:r>
             <a:endParaRPr sz="1800">
               <a:solidFill>
@@ -11865,7 +13212,7 @@
                   <a:srgbClr val="FFFFFF"/>
                 </a:solidFill>
               </a:rPr>
-              <a:t>Addon stability</a:t>
+              <a:t>Addon rendering time</a:t>
             </a:r>
             <a:endParaRPr sz="1800">
               <a:solidFill>
@@ -11896,38 +13243,7 @@
                   <a:srgbClr val="FFFFFF"/>
                 </a:solidFill>
               </a:rPr>
-              <a:t>Ease of use</a:t>
-            </a:r>
-            <a:endParaRPr sz="1800">
-              <a:solidFill>
-                <a:srgbClr val="FFFFFF"/>
-              </a:solidFill>
-            </a:endParaRPr>
-          </a:p>
-          <a:p>
-            <a:pPr indent="-342900" lvl="0" marL="457200" rtl="0" algn="just">
-              <a:lnSpc>
-                <a:spcPct val="115000"/>
-              </a:lnSpc>
-              <a:spcBef>
-                <a:spcPts val="0"/>
-              </a:spcBef>
-              <a:spcAft>
-                <a:spcPts val="0"/>
-              </a:spcAft>
-              <a:buClr>
-                <a:srgbClr val="FFFFFF"/>
-              </a:buClr>
-              <a:buSzPts val="1800"/>
-              <a:buAutoNum type="arabicPeriod"/>
-            </a:pPr>
-            <a:r>
-              <a:rPr lang="en" sz="1800">
-                <a:solidFill>
-                  <a:srgbClr val="FFFFFF"/>
-                </a:solidFill>
-              </a:rPr>
-              <a:t>Temporal resilience</a:t>
+              <a:t>Temporal resilience accuracy</a:t>
             </a:r>
             <a:endParaRPr sz="1800">
               <a:solidFill>
@@ -11945,12 +13261,12 @@
 </p:sld>
 </file>
 
-<file path=ppt/slides/slide23.xml><?xml version="1.0" encoding="utf-8"?>
+<file path=ppt/slides/slide28.xml><?xml version="1.0" encoding="utf-8"?>
 <p:sld xmlns:a="http://schemas.openxmlformats.org/drawingml/2006/main" xmlns:r="http://schemas.openxmlformats.org/officeDocument/2006/relationships" xmlns:mc="http://schemas.openxmlformats.org/markup-compatibility/2006" xmlns:mv="urn:schemas-microsoft-com:mac:vml" xmlns:p="http://schemas.openxmlformats.org/presentationml/2006/main" xmlns:c="http://schemas.openxmlformats.org/drawingml/2006/chart" xmlns:dgm="http://schemas.openxmlformats.org/drawingml/2006/diagram" xmlns:o="urn:schemas-microsoft-com:office:office" xmlns:v="urn:schemas-microsoft-com:vml" xmlns:pvml="urn:schemas-microsoft-com:office:powerpoint" xmlns:com="http://schemas.openxmlformats.org/drawingml/2006/compatibility" xmlns:p14="http://schemas.microsoft.com/office/powerpoint/2010/main" xmlns:p15="http://schemas.microsoft.com/office/powerpoint/2012/main">
   <p:cSld>
     <p:spTree>
       <p:nvGrpSpPr>
-        <p:cNvPr id="187" name="Shape 187"/>
+        <p:cNvPr id="215" name="Shape 215"/>
         <p:cNvGrpSpPr/>
         <p:nvPr/>
       </p:nvGrpSpPr>
@@ -11964,7 +13280,7 @@
       </p:grpSpPr>
       <p:sp>
         <p:nvSpPr>
-          <p:cNvPr id="188" name="Google Shape;188;p35"/>
+          <p:cNvPr id="216" name="Google Shape;216;p40"/>
           <p:cNvSpPr txBox="1"/>
           <p:nvPr>
             <p:ph type="ctrTitle"/>
@@ -12015,7 +13331,7 @@
       </p:sp>
       <p:sp>
         <p:nvSpPr>
-          <p:cNvPr id="189" name="Google Shape;189;p35"/>
+          <p:cNvPr id="217" name="Google Shape;217;p40"/>
           <p:cNvSpPr txBox="1"/>
           <p:nvPr>
             <p:ph idx="1" type="subTitle"/>
@@ -13109,29 +14425,38 @@
                   <a:srgbClr val="FFFFFF"/>
                 </a:solidFill>
               </a:rPr>
+              <a:t>Proc. Netw. Distrib. Syst. Security Symp., 2010</a:t>
+            </a:r>
+            <a:endParaRPr sz="1800">
+              <a:solidFill>
+                <a:srgbClr val="FFFFFF"/>
+              </a:solidFill>
+            </a:endParaRPr>
+          </a:p>
+          <a:p>
+            <a:pPr indent="-342900" lvl="0" marL="457200" rtl="0" algn="just">
+              <a:lnSpc>
+                <a:spcPct val="115000"/>
+              </a:lnSpc>
+              <a:spcBef>
+                <a:spcPts val="0"/>
+              </a:spcBef>
+              <a:spcAft>
+                <a:spcPts val="0"/>
+              </a:spcAft>
+              <a:buClr>
+                <a:srgbClr val="FFFFFF"/>
+              </a:buClr>
+              <a:buSzPts val="1800"/>
+              <a:buChar char="●"/>
+            </a:pPr>
+            <a:r>
+              <a:rPr lang="en" sz="1800">
+                <a:solidFill>
+                  <a:srgbClr val="FFFFFF"/>
+                </a:solidFill>
+              </a:rPr>
               <a:t>Features used</a:t>
-            </a:r>
-            <a:endParaRPr sz="1800">
-              <a:solidFill>
-                <a:srgbClr val="FFFFFF"/>
-              </a:solidFill>
-            </a:endParaRPr>
-          </a:p>
-          <a:p>
-            <a:pPr indent="0" lvl="0" marL="457200" rtl="0" algn="just">
-              <a:lnSpc>
-                <a:spcPct val="115000"/>
-              </a:lnSpc>
-              <a:spcBef>
-                <a:spcPts val="0"/>
-              </a:spcBef>
-              <a:spcAft>
-                <a:spcPts val="0"/>
-              </a:spcAft>
-              <a:buNone/>
-            </a:pPr>
-            <a:r>
-              <a:t/>
             </a:r>
             <a:endParaRPr sz="1800">
               <a:solidFill>
@@ -13225,6 +14550,37 @@
                 </a:solidFill>
               </a:rPr>
               <a:t>The host server details</a:t>
+            </a:r>
+            <a:endParaRPr sz="1800">
+              <a:solidFill>
+                <a:srgbClr val="FFFFFF"/>
+              </a:solidFill>
+            </a:endParaRPr>
+          </a:p>
+          <a:p>
+            <a:pPr indent="-342900" lvl="0" marL="457200" rtl="0" algn="just">
+              <a:lnSpc>
+                <a:spcPct val="115000"/>
+              </a:lnSpc>
+              <a:spcBef>
+                <a:spcPts val="0"/>
+              </a:spcBef>
+              <a:spcAft>
+                <a:spcPts val="0"/>
+              </a:spcAft>
+              <a:buClr>
+                <a:schemeClr val="dk1"/>
+              </a:buClr>
+              <a:buSzPts val="1800"/>
+              <a:buChar char="●"/>
+            </a:pPr>
+            <a:r>
+              <a:rPr lang="en" sz="1800">
+                <a:solidFill>
+                  <a:schemeClr val="dk1"/>
+                </a:solidFill>
+              </a:rPr>
+              <a:t>Needs blacklist updating.</a:t>
             </a:r>
             <a:endParaRPr sz="1800">
               <a:solidFill>
@@ -13386,6 +14742,37 @@
                   <a:srgbClr val="FFFFFF"/>
                 </a:solidFill>
               </a:rPr>
+              <a:t>ACM Trans. Inf. Syst. Secur., 2011</a:t>
+            </a:r>
+            <a:endParaRPr sz="1800">
+              <a:solidFill>
+                <a:srgbClr val="FFFFFF"/>
+              </a:solidFill>
+            </a:endParaRPr>
+          </a:p>
+          <a:p>
+            <a:pPr indent="-342900" lvl="0" marL="457200" rtl="0" algn="just">
+              <a:lnSpc>
+                <a:spcPct val="115000"/>
+              </a:lnSpc>
+              <a:spcBef>
+                <a:spcPts val="0"/>
+              </a:spcBef>
+              <a:spcAft>
+                <a:spcPts val="0"/>
+              </a:spcAft>
+              <a:buClr>
+                <a:srgbClr val="FFFFFF"/>
+              </a:buClr>
+              <a:buSzPts val="1800"/>
+              <a:buChar char="●"/>
+            </a:pPr>
+            <a:r>
+              <a:rPr lang="en" sz="1800">
+                <a:solidFill>
+                  <a:srgbClr val="FFFFFF"/>
+                </a:solidFill>
+              </a:rPr>
               <a:t>Page similarity</a:t>
             </a:r>
             <a:endParaRPr sz="1800">
@@ -13641,15 +15028,7 @@
                   <a:srgbClr val="FFFFFF"/>
                 </a:solidFill>
               </a:rPr>
-              <a:t>W</a:t>
-            </a:r>
-            <a:r>
-              <a:rPr lang="en" sz="1800">
-                <a:solidFill>
-                  <a:srgbClr val="FFFFFF"/>
-                </a:solidFill>
-              </a:rPr>
-              <a:t>hitelist</a:t>
+              <a:t>EURASIP J. Inf. Secur., vol. 2016, no. 1, Dec. 2016</a:t>
             </a:r>
             <a:endParaRPr sz="1800">
               <a:solidFill>
@@ -13658,29 +15037,7 @@
             </a:endParaRPr>
           </a:p>
           <a:p>
-            <a:pPr indent="0" lvl="0" marL="0" rtl="0" algn="just">
-              <a:lnSpc>
-                <a:spcPct val="115000"/>
-              </a:lnSpc>
-              <a:spcBef>
-                <a:spcPts val="0"/>
-              </a:spcBef>
-              <a:spcAft>
-                <a:spcPts val="0"/>
-              </a:spcAft>
-              <a:buNone/>
-            </a:pPr>
-            <a:r>
-              <a:t/>
-            </a:r>
-            <a:endParaRPr sz="1800">
-              <a:solidFill>
-                <a:srgbClr val="FFFFFF"/>
-              </a:solidFill>
-            </a:endParaRPr>
-          </a:p>
-          <a:p>
-            <a:pPr indent="-342900" lvl="0" marL="1371600" rtl="0" algn="just">
+            <a:pPr indent="-342900" lvl="0" marL="457200" rtl="0" algn="just">
               <a:lnSpc>
                 <a:spcPct val="115000"/>
               </a:lnSpc>
@@ -13692,95 +15049,6 @@
               </a:spcAft>
               <a:buClr>
                 <a:srgbClr val="FFFFFF"/>
-              </a:buClr>
-              <a:buSzPts val="1800"/>
-              <a:buAutoNum type="arabicPeriod"/>
-            </a:pPr>
-            <a:r>
-              <a:rPr lang="en" sz="1800">
-                <a:solidFill>
-                  <a:srgbClr val="FFFFFF"/>
-                </a:solidFill>
-              </a:rPr>
-              <a:t>the domain name </a:t>
-            </a:r>
-            <a:endParaRPr sz="1800">
-              <a:solidFill>
-                <a:srgbClr val="FFFFFF"/>
-              </a:solidFill>
-            </a:endParaRPr>
-          </a:p>
-          <a:p>
-            <a:pPr indent="-342900" lvl="0" marL="1371600" rtl="0" algn="just">
-              <a:lnSpc>
-                <a:spcPct val="115000"/>
-              </a:lnSpc>
-              <a:spcBef>
-                <a:spcPts val="0"/>
-              </a:spcBef>
-              <a:spcAft>
-                <a:spcPts val="0"/>
-              </a:spcAft>
-              <a:buClr>
-                <a:srgbClr val="FFFFFF"/>
-              </a:buClr>
-              <a:buSzPts val="1800"/>
-              <a:buAutoNum type="arabicPeriod"/>
-            </a:pPr>
-            <a:r>
-              <a:rPr lang="en" sz="1800">
-                <a:solidFill>
-                  <a:srgbClr val="FFFFFF"/>
-                </a:solidFill>
-              </a:rPr>
-              <a:t>the IP address </a:t>
-            </a:r>
-            <a:endParaRPr sz="1800">
-              <a:solidFill>
-                <a:srgbClr val="FFFFFF"/>
-              </a:solidFill>
-            </a:endParaRPr>
-          </a:p>
-          <a:p>
-            <a:pPr indent="0" lvl="0" marL="0" rtl="0" algn="just">
-              <a:lnSpc>
-                <a:spcPct val="115000"/>
-              </a:lnSpc>
-              <a:spcBef>
-                <a:spcPts val="0"/>
-              </a:spcBef>
-              <a:spcAft>
-                <a:spcPts val="0"/>
-              </a:spcAft>
-              <a:buNone/>
-            </a:pPr>
-            <a:r>
-              <a:rPr lang="en" sz="1800">
-                <a:solidFill>
-                  <a:srgbClr val="FFFFFF"/>
-                </a:solidFill>
-              </a:rPr>
-              <a:t> </a:t>
-            </a:r>
-            <a:endParaRPr sz="1800">
-              <a:solidFill>
-                <a:srgbClr val="FFFFFF"/>
-              </a:solidFill>
-            </a:endParaRPr>
-          </a:p>
-          <a:p>
-            <a:pPr indent="-342900" lvl="0" marL="457200" rtl="0" algn="just">
-              <a:lnSpc>
-                <a:spcPct val="115000"/>
-              </a:lnSpc>
-              <a:spcBef>
-                <a:spcPts val="0"/>
-              </a:spcBef>
-              <a:spcAft>
-                <a:spcPts val="0"/>
-              </a:spcAft>
-              <a:buClr>
-                <a:schemeClr val="dk1"/>
               </a:buClr>
               <a:buSzPts val="1800"/>
               <a:buChar char="●"/>
@@ -13788,32 +15056,103 @@
             <a:r>
               <a:rPr lang="en" sz="1800">
                 <a:solidFill>
-                  <a:schemeClr val="dk1"/>
+                  <a:srgbClr val="FFFFFF"/>
+                </a:solidFill>
+              </a:rPr>
+              <a:t>Whitelist</a:t>
+            </a:r>
+            <a:endParaRPr sz="1800">
+              <a:solidFill>
+                <a:srgbClr val="FFFFFF"/>
+              </a:solidFill>
+            </a:endParaRPr>
+          </a:p>
+          <a:p>
+            <a:pPr indent="-342900" lvl="1" marL="914400" rtl="0" algn="just">
+              <a:lnSpc>
+                <a:spcPct val="115000"/>
+              </a:lnSpc>
+              <a:spcBef>
+                <a:spcPts val="0"/>
+              </a:spcBef>
+              <a:spcAft>
+                <a:spcPts val="0"/>
+              </a:spcAft>
+              <a:buClr>
+                <a:srgbClr val="FFFFFF"/>
+              </a:buClr>
+              <a:buSzPts val="1800"/>
+              <a:buAutoNum type="alphaLcPeriod"/>
+            </a:pPr>
+            <a:r>
+              <a:rPr lang="en" sz="1800">
+                <a:solidFill>
+                  <a:srgbClr val="FFFFFF"/>
+                </a:solidFill>
+              </a:rPr>
+              <a:t>the domain name </a:t>
+            </a:r>
+            <a:endParaRPr sz="1800">
+              <a:solidFill>
+                <a:srgbClr val="FFFFFF"/>
+              </a:solidFill>
+            </a:endParaRPr>
+          </a:p>
+          <a:p>
+            <a:pPr indent="-342900" lvl="1" marL="914400" rtl="0" algn="just">
+              <a:lnSpc>
+                <a:spcPct val="115000"/>
+              </a:lnSpc>
+              <a:spcBef>
+                <a:spcPts val="0"/>
+              </a:spcBef>
+              <a:spcAft>
+                <a:spcPts val="0"/>
+              </a:spcAft>
+              <a:buClr>
+                <a:srgbClr val="FFFFFF"/>
+              </a:buClr>
+              <a:buSzPts val="1800"/>
+              <a:buAutoNum type="alphaLcPeriod"/>
+            </a:pPr>
+            <a:r>
+              <a:rPr lang="en" sz="1800">
+                <a:solidFill>
+                  <a:srgbClr val="FFFFFF"/>
+                </a:solidFill>
+              </a:rPr>
+              <a:t>the IP address </a:t>
+            </a:r>
+            <a:endParaRPr sz="1800">
+              <a:solidFill>
+                <a:srgbClr val="FFFFFF"/>
+              </a:solidFill>
+            </a:endParaRPr>
+          </a:p>
+          <a:p>
+            <a:pPr indent="-342900" lvl="0" marL="457200" rtl="0" algn="just">
+              <a:lnSpc>
+                <a:spcPct val="115000"/>
+              </a:lnSpc>
+              <a:spcBef>
+                <a:spcPts val="0"/>
+              </a:spcBef>
+              <a:spcAft>
+                <a:spcPts val="0"/>
+              </a:spcAft>
+              <a:buClr>
+                <a:srgbClr val="FFFFFF"/>
+              </a:buClr>
+              <a:buSzPts val="1800"/>
+              <a:buChar char="●"/>
+            </a:pPr>
+            <a:r>
+              <a:rPr lang="en" sz="1800">
+                <a:solidFill>
+                  <a:srgbClr val="FFFFFF"/>
                 </a:solidFill>
               </a:rPr>
               <a:t>Reverts to old system if not in whitelist </a:t>
-            </a:r>
-            <a:endParaRPr sz="1800">
-              <a:solidFill>
-                <a:schemeClr val="dk1"/>
-              </a:solidFill>
-            </a:endParaRPr>
-          </a:p>
-          <a:p>
-            <a:pPr indent="0" lvl="0" marL="0" rtl="0" algn="just">
-              <a:lnSpc>
-                <a:spcPct val="115000"/>
-              </a:lnSpc>
-              <a:spcBef>
-                <a:spcPts val="0"/>
-              </a:spcBef>
-              <a:spcAft>
-                <a:spcPts val="0"/>
-              </a:spcAft>
-              <a:buNone/>
-            </a:pPr>
-            <a:r>
-              <a:t/>
             </a:r>
             <a:endParaRPr sz="1800">
               <a:solidFill>
@@ -13858,8 +15197,8 @@
         </p:nvSpPr>
         <p:spPr>
           <a:xfrm>
-            <a:off x="2052475" y="685800"/>
-            <a:ext cx="4884600" cy="860700"/>
+            <a:off x="403425" y="55500"/>
+            <a:ext cx="8151600" cy="860700"/>
           </a:xfrm>
           <a:prstGeom prst="rect">
             <a:avLst/>
@@ -13889,7 +15228,7 @@
                   <a:srgbClr val="FFFFFF"/>
                 </a:solidFill>
               </a:rPr>
-              <a:t>PROPOSED SYSTEM</a:t>
+              <a:t>COMPARISON</a:t>
             </a:r>
             <a:endParaRPr sz="3000">
               <a:solidFill>
@@ -13899,185 +15238,1563 @@
           </a:p>
         </p:txBody>
       </p:sp>
-      <p:sp>
-        <p:nvSpPr>
+      <p:graphicFrame>
+        <p:nvGraphicFramePr>
           <p:cNvPr id="104" name="Google Shape;104;p21"/>
-          <p:cNvSpPr txBox="1"/>
-          <p:nvPr>
-            <p:ph idx="1" type="subTitle"/>
-          </p:nvPr>
-        </p:nvSpPr>
-        <p:spPr>
-          <a:xfrm>
-            <a:off x="2695825" y="1749050"/>
-            <a:ext cx="4055100" cy="1955700"/>
-          </a:xfrm>
-          <a:prstGeom prst="rect">
-            <a:avLst/>
-          </a:prstGeom>
-        </p:spPr>
-        <p:txBody>
-          <a:bodyPr anchorCtr="0" anchor="t" bIns="91425" lIns="91425" spcFirstLastPara="1" rIns="91425" wrap="square" tIns="91425">
-            <a:noAutofit/>
-          </a:bodyPr>
-          <a:lstStyle/>
-          <a:p>
-            <a:pPr indent="-342900" lvl="0" marL="457200" rtl="0" algn="just">
-              <a:lnSpc>
-                <a:spcPct val="115000"/>
-              </a:lnSpc>
-              <a:spcBef>
-                <a:spcPts val="0"/>
-              </a:spcBef>
-              <a:spcAft>
-                <a:spcPts val="0"/>
-              </a:spcAft>
-              <a:buClr>
-                <a:srgbClr val="FFFFFF"/>
-              </a:buClr>
-              <a:buSzPts val="1800"/>
-              <a:buChar char="●"/>
-            </a:pPr>
-            <a:r>
-              <a:rPr lang="en" sz="1800">
-                <a:solidFill>
-                  <a:srgbClr val="FFFFFF"/>
-                </a:solidFill>
-              </a:rPr>
-              <a:t>Platform independent</a:t>
-            </a:r>
-            <a:endParaRPr sz="1800">
-              <a:solidFill>
-                <a:srgbClr val="FFFFFF"/>
-              </a:solidFill>
-            </a:endParaRPr>
-          </a:p>
-          <a:p>
-            <a:pPr indent="-342900" lvl="0" marL="457200" rtl="0" algn="just">
-              <a:lnSpc>
-                <a:spcPct val="115000"/>
-              </a:lnSpc>
-              <a:spcBef>
-                <a:spcPts val="0"/>
-              </a:spcBef>
-              <a:spcAft>
-                <a:spcPts val="0"/>
-              </a:spcAft>
-              <a:buClr>
-                <a:srgbClr val="FFFFFF"/>
-              </a:buClr>
-              <a:buSzPts val="1800"/>
-              <a:buChar char="●"/>
-            </a:pPr>
-            <a:r>
-              <a:rPr lang="en" sz="1800">
-                <a:solidFill>
-                  <a:srgbClr val="FFFFFF"/>
-                </a:solidFill>
-              </a:rPr>
-              <a:t>Browser add-on</a:t>
-            </a:r>
-            <a:endParaRPr sz="1800">
-              <a:solidFill>
-                <a:srgbClr val="FFFFFF"/>
-              </a:solidFill>
-            </a:endParaRPr>
-          </a:p>
-          <a:p>
-            <a:pPr indent="-342900" lvl="0" marL="457200" rtl="0" algn="just">
-              <a:lnSpc>
-                <a:spcPct val="115000"/>
-              </a:lnSpc>
-              <a:spcBef>
-                <a:spcPts val="0"/>
-              </a:spcBef>
-              <a:spcAft>
-                <a:spcPts val="0"/>
-              </a:spcAft>
-              <a:buClr>
-                <a:srgbClr val="FFFFFF"/>
-              </a:buClr>
-              <a:buSzPts val="1800"/>
-              <a:buChar char="●"/>
-            </a:pPr>
-            <a:r>
-              <a:rPr lang="en" sz="1800">
-                <a:solidFill>
-                  <a:srgbClr val="FFFFFF"/>
-                </a:solidFill>
-              </a:rPr>
-              <a:t>Reduce false warnings</a:t>
-            </a:r>
-            <a:endParaRPr sz="1800">
-              <a:solidFill>
-                <a:srgbClr val="FFFFFF"/>
-              </a:solidFill>
-            </a:endParaRPr>
-          </a:p>
-          <a:p>
-            <a:pPr indent="-342900" lvl="0" marL="457200" rtl="0" algn="just">
-              <a:lnSpc>
-                <a:spcPct val="115000"/>
-              </a:lnSpc>
-              <a:spcBef>
-                <a:spcPts val="0"/>
-              </a:spcBef>
-              <a:spcAft>
-                <a:spcPts val="0"/>
-              </a:spcAft>
-              <a:buClr>
-                <a:srgbClr val="FFFFFF"/>
-              </a:buClr>
-              <a:buSzPts val="1800"/>
-              <a:buChar char="●"/>
-            </a:pPr>
-            <a:r>
-              <a:rPr lang="en" sz="1800">
-                <a:solidFill>
-                  <a:srgbClr val="FFFFFF"/>
-                </a:solidFill>
-              </a:rPr>
-              <a:t>Context independent detection</a:t>
-            </a:r>
-            <a:endParaRPr sz="1800">
-              <a:solidFill>
-                <a:srgbClr val="FFFFFF"/>
-              </a:solidFill>
-            </a:endParaRPr>
-          </a:p>
-          <a:p>
-            <a:pPr indent="-342900" lvl="0" marL="457200" rtl="0" algn="just">
-              <a:lnSpc>
-                <a:spcPct val="115000"/>
-              </a:lnSpc>
-              <a:spcBef>
-                <a:spcPts val="0"/>
-              </a:spcBef>
-              <a:spcAft>
-                <a:spcPts val="0"/>
-              </a:spcAft>
-              <a:buClr>
-                <a:srgbClr val="FFFFFF"/>
-              </a:buClr>
-              <a:buSzPts val="1800"/>
-              <a:buChar char="●"/>
-            </a:pPr>
-            <a:r>
-              <a:rPr lang="en" sz="1800">
-                <a:solidFill>
-                  <a:srgbClr val="FFFFFF"/>
-                </a:solidFill>
-              </a:rPr>
-              <a:t>Static observations</a:t>
-            </a:r>
-            <a:endParaRPr sz="1800">
-              <a:solidFill>
-                <a:srgbClr val="FFFFFF"/>
-              </a:solidFill>
-            </a:endParaRPr>
-          </a:p>
-        </p:txBody>
-      </p:sp>
+          <p:cNvGraphicFramePr/>
+          <p:nvPr/>
+        </p:nvGraphicFramePr>
+        <p:xfrm>
+          <a:off x="478438" y="916200"/>
+          <a:ext cx="3000000" cy="3000000"/>
+        </p:xfrm>
+        <a:graphic>
+          <a:graphicData uri="http://schemas.openxmlformats.org/drawingml/2006/table">
+            <a:tbl>
+              <a:tblPr>
+                <a:noFill/>
+                <a:tableStyleId>{AAE35A44-7B92-4141-88AB-F3AAE9C82C26}</a:tableStyleId>
+              </a:tblPr>
+              <a:tblGrid>
+                <a:gridCol w="2572325"/>
+                <a:gridCol w="1809750"/>
+                <a:gridCol w="1809750"/>
+                <a:gridCol w="1809750"/>
+              </a:tblGrid>
+              <a:tr h="381000">
+                <a:tc>
+                  <a:txBody>
+                    <a:bodyPr/>
+                    <a:lstStyle/>
+                    <a:p>
+                      <a:pPr indent="0" lvl="0" marL="0" rtl="0" algn="l">
+                        <a:spcBef>
+                          <a:spcPts val="0"/>
+                        </a:spcBef>
+                        <a:spcAft>
+                          <a:spcPts val="0"/>
+                        </a:spcAft>
+                        <a:buNone/>
+                      </a:pPr>
+                      <a:r>
+                        <a:rPr lang="en">
+                          <a:solidFill>
+                            <a:schemeClr val="dk1"/>
+                          </a:solidFill>
+                          <a:latin typeface="Times New Roman"/>
+                          <a:ea typeface="Times New Roman"/>
+                          <a:cs typeface="Times New Roman"/>
+                          <a:sym typeface="Times New Roman"/>
+                        </a:rPr>
+                        <a:t>Paper</a:t>
+                      </a:r>
+                      <a:endParaRPr>
+                        <a:solidFill>
+                          <a:schemeClr val="dk1"/>
+                        </a:solidFill>
+                        <a:latin typeface="Times New Roman"/>
+                        <a:ea typeface="Times New Roman"/>
+                        <a:cs typeface="Times New Roman"/>
+                        <a:sym typeface="Times New Roman"/>
+                      </a:endParaRPr>
+                    </a:p>
+                  </a:txBody>
+                  <a:tcPr marT="63500" marB="63500" marR="63500" marL="63500">
+                    <a:lnL cap="flat" cmpd="sng" w="12700">
+                      <a:solidFill>
+                        <a:srgbClr val="FFFFFF"/>
+                      </a:solidFill>
+                      <a:prstDash val="solid"/>
+                      <a:round/>
+                      <a:headEnd len="sm" w="sm" type="none"/>
+                      <a:tailEnd len="sm" w="sm" type="none"/>
+                    </a:lnL>
+                    <a:lnR cap="flat" cmpd="sng" w="12700">
+                      <a:solidFill>
+                        <a:srgbClr val="FFFFFF"/>
+                      </a:solidFill>
+                      <a:prstDash val="solid"/>
+                      <a:round/>
+                      <a:headEnd len="sm" w="sm" type="none"/>
+                      <a:tailEnd len="sm" w="sm" type="none"/>
+                    </a:lnR>
+                    <a:lnT cap="flat" cmpd="sng" w="12700">
+                      <a:solidFill>
+                        <a:srgbClr val="FFFFFF"/>
+                      </a:solidFill>
+                      <a:prstDash val="solid"/>
+                      <a:round/>
+                      <a:headEnd len="sm" w="sm" type="none"/>
+                      <a:tailEnd len="sm" w="sm" type="none"/>
+                    </a:lnT>
+                    <a:lnB cap="flat" cmpd="sng" w="12700">
+                      <a:solidFill>
+                        <a:srgbClr val="FFFFFF"/>
+                      </a:solidFill>
+                      <a:prstDash val="solid"/>
+                      <a:round/>
+                      <a:headEnd len="sm" w="sm" type="none"/>
+                      <a:tailEnd len="sm" w="sm" type="none"/>
+                    </a:lnB>
+                  </a:tcPr>
+                </a:tc>
+                <a:tc>
+                  <a:txBody>
+                    <a:bodyPr/>
+                    <a:lstStyle/>
+                    <a:p>
+                      <a:pPr indent="0" lvl="0" marL="0" rtl="0" algn="l">
+                        <a:spcBef>
+                          <a:spcPts val="0"/>
+                        </a:spcBef>
+                        <a:spcAft>
+                          <a:spcPts val="0"/>
+                        </a:spcAft>
+                        <a:buNone/>
+                      </a:pPr>
+                      <a:r>
+                        <a:rPr lang="en">
+                          <a:solidFill>
+                            <a:schemeClr val="dk1"/>
+                          </a:solidFill>
+                          <a:latin typeface="Times New Roman"/>
+                          <a:ea typeface="Times New Roman"/>
+                          <a:cs typeface="Times New Roman"/>
+                          <a:sym typeface="Times New Roman"/>
+                        </a:rPr>
+                        <a:t>Publication</a:t>
+                      </a:r>
+                      <a:endParaRPr>
+                        <a:solidFill>
+                          <a:schemeClr val="dk1"/>
+                        </a:solidFill>
+                        <a:latin typeface="Times New Roman"/>
+                        <a:ea typeface="Times New Roman"/>
+                        <a:cs typeface="Times New Roman"/>
+                        <a:sym typeface="Times New Roman"/>
+                      </a:endParaRPr>
+                    </a:p>
+                  </a:txBody>
+                  <a:tcPr marT="63500" marB="63500" marR="63500" marL="63500">
+                    <a:lnL cap="flat" cmpd="sng" w="12700">
+                      <a:solidFill>
+                        <a:srgbClr val="FFFFFF"/>
+                      </a:solidFill>
+                      <a:prstDash val="solid"/>
+                      <a:round/>
+                      <a:headEnd len="sm" w="sm" type="none"/>
+                      <a:tailEnd len="sm" w="sm" type="none"/>
+                    </a:lnL>
+                    <a:lnR cap="flat" cmpd="sng" w="12700">
+                      <a:solidFill>
+                        <a:srgbClr val="FFFFFF"/>
+                      </a:solidFill>
+                      <a:prstDash val="solid"/>
+                      <a:round/>
+                      <a:headEnd len="sm" w="sm" type="none"/>
+                      <a:tailEnd len="sm" w="sm" type="none"/>
+                    </a:lnR>
+                    <a:lnT cap="flat" cmpd="sng" w="12700">
+                      <a:solidFill>
+                        <a:srgbClr val="FFFFFF"/>
+                      </a:solidFill>
+                      <a:prstDash val="solid"/>
+                      <a:round/>
+                      <a:headEnd len="sm" w="sm" type="none"/>
+                      <a:tailEnd len="sm" w="sm" type="none"/>
+                    </a:lnT>
+                    <a:lnB cap="flat" cmpd="sng" w="12700">
+                      <a:solidFill>
+                        <a:srgbClr val="FFFFFF"/>
+                      </a:solidFill>
+                      <a:prstDash val="solid"/>
+                      <a:round/>
+                      <a:headEnd len="sm" w="sm" type="none"/>
+                      <a:tailEnd len="sm" w="sm" type="none"/>
+                    </a:lnB>
+                  </a:tcPr>
+                </a:tc>
+                <a:tc>
+                  <a:txBody>
+                    <a:bodyPr/>
+                    <a:lstStyle/>
+                    <a:p>
+                      <a:pPr indent="0" lvl="0" marL="0" rtl="0" algn="l">
+                        <a:spcBef>
+                          <a:spcPts val="0"/>
+                        </a:spcBef>
+                        <a:spcAft>
+                          <a:spcPts val="0"/>
+                        </a:spcAft>
+                        <a:buNone/>
+                      </a:pPr>
+                      <a:r>
+                        <a:rPr lang="en">
+                          <a:solidFill>
+                            <a:schemeClr val="dk1"/>
+                          </a:solidFill>
+                          <a:latin typeface="Times New Roman"/>
+                          <a:ea typeface="Times New Roman"/>
+                          <a:cs typeface="Times New Roman"/>
+                          <a:sym typeface="Times New Roman"/>
+                        </a:rPr>
+                        <a:t>Solved</a:t>
+                      </a:r>
+                      <a:endParaRPr>
+                        <a:solidFill>
+                          <a:schemeClr val="dk1"/>
+                        </a:solidFill>
+                        <a:latin typeface="Times New Roman"/>
+                        <a:ea typeface="Times New Roman"/>
+                        <a:cs typeface="Times New Roman"/>
+                        <a:sym typeface="Times New Roman"/>
+                      </a:endParaRPr>
+                    </a:p>
+                  </a:txBody>
+                  <a:tcPr marT="63500" marB="63500" marR="63500" marL="63500">
+                    <a:lnL cap="flat" cmpd="sng" w="12700">
+                      <a:solidFill>
+                        <a:srgbClr val="FFFFFF"/>
+                      </a:solidFill>
+                      <a:prstDash val="solid"/>
+                      <a:round/>
+                      <a:headEnd len="sm" w="sm" type="none"/>
+                      <a:tailEnd len="sm" w="sm" type="none"/>
+                    </a:lnL>
+                    <a:lnR cap="flat" cmpd="sng" w="12700">
+                      <a:solidFill>
+                        <a:srgbClr val="FFFFFF"/>
+                      </a:solidFill>
+                      <a:prstDash val="solid"/>
+                      <a:round/>
+                      <a:headEnd len="sm" w="sm" type="none"/>
+                      <a:tailEnd len="sm" w="sm" type="none"/>
+                    </a:lnR>
+                    <a:lnT cap="flat" cmpd="sng" w="12700">
+                      <a:solidFill>
+                        <a:srgbClr val="FFFFFF"/>
+                      </a:solidFill>
+                      <a:prstDash val="solid"/>
+                      <a:round/>
+                      <a:headEnd len="sm" w="sm" type="none"/>
+                      <a:tailEnd len="sm" w="sm" type="none"/>
+                    </a:lnT>
+                    <a:lnB cap="flat" cmpd="sng" w="12700">
+                      <a:solidFill>
+                        <a:srgbClr val="FFFFFF"/>
+                      </a:solidFill>
+                      <a:prstDash val="solid"/>
+                      <a:round/>
+                      <a:headEnd len="sm" w="sm" type="none"/>
+                      <a:tailEnd len="sm" w="sm" type="none"/>
+                    </a:lnB>
+                  </a:tcPr>
+                </a:tc>
+                <a:tc>
+                  <a:txBody>
+                    <a:bodyPr/>
+                    <a:lstStyle/>
+                    <a:p>
+                      <a:pPr indent="0" lvl="0" marL="0" rtl="0" algn="l">
+                        <a:spcBef>
+                          <a:spcPts val="0"/>
+                        </a:spcBef>
+                        <a:spcAft>
+                          <a:spcPts val="0"/>
+                        </a:spcAft>
+                        <a:buNone/>
+                      </a:pPr>
+                      <a:r>
+                        <a:rPr lang="en">
+                          <a:solidFill>
+                            <a:schemeClr val="dk1"/>
+                          </a:solidFill>
+                          <a:latin typeface="Times New Roman"/>
+                          <a:ea typeface="Times New Roman"/>
+                          <a:cs typeface="Times New Roman"/>
+                          <a:sym typeface="Times New Roman"/>
+                        </a:rPr>
+                        <a:t>Limitations</a:t>
+                      </a:r>
+                      <a:endParaRPr>
+                        <a:solidFill>
+                          <a:schemeClr val="dk1"/>
+                        </a:solidFill>
+                        <a:latin typeface="Times New Roman"/>
+                        <a:ea typeface="Times New Roman"/>
+                        <a:cs typeface="Times New Roman"/>
+                        <a:sym typeface="Times New Roman"/>
+                      </a:endParaRPr>
+                    </a:p>
+                  </a:txBody>
+                  <a:tcPr marT="63500" marB="63500" marR="63500" marL="63500">
+                    <a:lnL cap="flat" cmpd="sng" w="12700">
+                      <a:solidFill>
+                        <a:srgbClr val="FFFFFF"/>
+                      </a:solidFill>
+                      <a:prstDash val="solid"/>
+                      <a:round/>
+                      <a:headEnd len="sm" w="sm" type="none"/>
+                      <a:tailEnd len="sm" w="sm" type="none"/>
+                    </a:lnL>
+                    <a:lnR cap="flat" cmpd="sng" w="12700">
+                      <a:solidFill>
+                        <a:srgbClr val="FFFFFF"/>
+                      </a:solidFill>
+                      <a:prstDash val="solid"/>
+                      <a:round/>
+                      <a:headEnd len="sm" w="sm" type="none"/>
+                      <a:tailEnd len="sm" w="sm" type="none"/>
+                    </a:lnR>
+                    <a:lnT cap="flat" cmpd="sng" w="12700">
+                      <a:solidFill>
+                        <a:srgbClr val="FFFFFF"/>
+                      </a:solidFill>
+                      <a:prstDash val="solid"/>
+                      <a:round/>
+                      <a:headEnd len="sm" w="sm" type="none"/>
+                      <a:tailEnd len="sm" w="sm" type="none"/>
+                    </a:lnT>
+                    <a:lnB cap="flat" cmpd="sng" w="12700">
+                      <a:solidFill>
+                        <a:srgbClr val="FFFFFF"/>
+                      </a:solidFill>
+                      <a:prstDash val="solid"/>
+                      <a:round/>
+                      <a:headEnd len="sm" w="sm" type="none"/>
+                      <a:tailEnd len="sm" w="sm" type="none"/>
+                    </a:lnB>
+                  </a:tcPr>
+                </a:tc>
+              </a:tr>
+              <a:tr h="381000">
+                <a:tc>
+                  <a:txBody>
+                    <a:bodyPr/>
+                    <a:lstStyle/>
+                    <a:p>
+                      <a:pPr indent="0" lvl="0" marL="0" rtl="0" algn="l">
+                        <a:spcBef>
+                          <a:spcPts val="0"/>
+                        </a:spcBef>
+                        <a:spcAft>
+                          <a:spcPts val="0"/>
+                        </a:spcAft>
+                        <a:buNone/>
+                      </a:pPr>
+                      <a:r>
+                        <a:rPr lang="en">
+                          <a:solidFill>
+                            <a:schemeClr val="dk1"/>
+                          </a:solidFill>
+                          <a:latin typeface="Times New Roman"/>
+                          <a:ea typeface="Times New Roman"/>
+                          <a:cs typeface="Times New Roman"/>
+                          <a:sym typeface="Times New Roman"/>
+                        </a:rPr>
+                        <a:t>Large-Scale Automatic Classification of Phishing Pages</a:t>
+                      </a:r>
+                      <a:endParaRPr>
+                        <a:solidFill>
+                          <a:schemeClr val="dk1"/>
+                        </a:solidFill>
+                        <a:latin typeface="Times New Roman"/>
+                        <a:ea typeface="Times New Roman"/>
+                        <a:cs typeface="Times New Roman"/>
+                        <a:sym typeface="Times New Roman"/>
+                      </a:endParaRPr>
+                    </a:p>
+                  </a:txBody>
+                  <a:tcPr marT="63500" marB="63500" marR="63500" marL="63500">
+                    <a:lnL cap="flat" cmpd="sng" w="12700">
+                      <a:solidFill>
+                        <a:srgbClr val="FFFFFF"/>
+                      </a:solidFill>
+                      <a:prstDash val="solid"/>
+                      <a:round/>
+                      <a:headEnd len="sm" w="sm" type="none"/>
+                      <a:tailEnd len="sm" w="sm" type="none"/>
+                    </a:lnL>
+                    <a:lnR cap="flat" cmpd="sng" w="12700">
+                      <a:solidFill>
+                        <a:srgbClr val="FFFFFF"/>
+                      </a:solidFill>
+                      <a:prstDash val="solid"/>
+                      <a:round/>
+                      <a:headEnd len="sm" w="sm" type="none"/>
+                      <a:tailEnd len="sm" w="sm" type="none"/>
+                    </a:lnR>
+                    <a:lnT cap="flat" cmpd="sng" w="12700">
+                      <a:solidFill>
+                        <a:srgbClr val="FFFFFF"/>
+                      </a:solidFill>
+                      <a:prstDash val="solid"/>
+                      <a:round/>
+                      <a:headEnd len="sm" w="sm" type="none"/>
+                      <a:tailEnd len="sm" w="sm" type="none"/>
+                    </a:lnT>
+                    <a:lnB cap="flat" cmpd="sng" w="12700">
+                      <a:solidFill>
+                        <a:srgbClr val="FFFFFF"/>
+                      </a:solidFill>
+                      <a:prstDash val="solid"/>
+                      <a:round/>
+                      <a:headEnd len="sm" w="sm" type="none"/>
+                      <a:tailEnd len="sm" w="sm" type="none"/>
+                    </a:lnB>
+                  </a:tcPr>
+                </a:tc>
+                <a:tc>
+                  <a:txBody>
+                    <a:bodyPr/>
+                    <a:lstStyle/>
+                    <a:p>
+                      <a:pPr indent="0" lvl="0" marL="0" rtl="0" algn="l">
+                        <a:spcBef>
+                          <a:spcPts val="0"/>
+                        </a:spcBef>
+                        <a:spcAft>
+                          <a:spcPts val="0"/>
+                        </a:spcAft>
+                        <a:buNone/>
+                      </a:pPr>
+                      <a:r>
+                        <a:rPr lang="en">
+                          <a:solidFill>
+                            <a:schemeClr val="dk1"/>
+                          </a:solidFill>
+                          <a:latin typeface="Times New Roman"/>
+                          <a:ea typeface="Times New Roman"/>
+                          <a:cs typeface="Times New Roman"/>
+                          <a:sym typeface="Times New Roman"/>
+                        </a:rPr>
+                        <a:t>Proc. Netw. Distrib. Syst. Security Symp., 2010</a:t>
+                      </a:r>
+                      <a:endParaRPr>
+                        <a:solidFill>
+                          <a:schemeClr val="dk1"/>
+                        </a:solidFill>
+                        <a:latin typeface="Times New Roman"/>
+                        <a:ea typeface="Times New Roman"/>
+                        <a:cs typeface="Times New Roman"/>
+                        <a:sym typeface="Times New Roman"/>
+                      </a:endParaRPr>
+                    </a:p>
+                  </a:txBody>
+                  <a:tcPr marT="63500" marB="63500" marR="63500" marL="63500">
+                    <a:lnL cap="flat" cmpd="sng" w="12700">
+                      <a:solidFill>
+                        <a:srgbClr val="FFFFFF"/>
+                      </a:solidFill>
+                      <a:prstDash val="solid"/>
+                      <a:round/>
+                      <a:headEnd len="sm" w="sm" type="none"/>
+                      <a:tailEnd len="sm" w="sm" type="none"/>
+                    </a:lnL>
+                    <a:lnR cap="flat" cmpd="sng" w="12700">
+                      <a:solidFill>
+                        <a:srgbClr val="FFFFFF"/>
+                      </a:solidFill>
+                      <a:prstDash val="solid"/>
+                      <a:round/>
+                      <a:headEnd len="sm" w="sm" type="none"/>
+                      <a:tailEnd len="sm" w="sm" type="none"/>
+                    </a:lnR>
+                    <a:lnT cap="flat" cmpd="sng" w="12700">
+                      <a:solidFill>
+                        <a:srgbClr val="FFFFFF"/>
+                      </a:solidFill>
+                      <a:prstDash val="solid"/>
+                      <a:round/>
+                      <a:headEnd len="sm" w="sm" type="none"/>
+                      <a:tailEnd len="sm" w="sm" type="none"/>
+                    </a:lnT>
+                    <a:lnB cap="flat" cmpd="sng" w="12700">
+                      <a:solidFill>
+                        <a:srgbClr val="FFFFFF"/>
+                      </a:solidFill>
+                      <a:prstDash val="solid"/>
+                      <a:round/>
+                      <a:headEnd len="sm" w="sm" type="none"/>
+                      <a:tailEnd len="sm" w="sm" type="none"/>
+                    </a:lnB>
+                  </a:tcPr>
+                </a:tc>
+                <a:tc>
+                  <a:txBody>
+                    <a:bodyPr/>
+                    <a:lstStyle/>
+                    <a:p>
+                      <a:pPr indent="0" lvl="0" marL="0" rtl="0" algn="l">
+                        <a:spcBef>
+                          <a:spcPts val="0"/>
+                        </a:spcBef>
+                        <a:spcAft>
+                          <a:spcPts val="0"/>
+                        </a:spcAft>
+                        <a:buNone/>
+                      </a:pPr>
+                      <a:r>
+                        <a:rPr lang="en">
+                          <a:solidFill>
+                            <a:schemeClr val="dk1"/>
+                          </a:solidFill>
+                          <a:latin typeface="Times New Roman"/>
+                          <a:ea typeface="Times New Roman"/>
+                          <a:cs typeface="Times New Roman"/>
+                          <a:sym typeface="Times New Roman"/>
+                        </a:rPr>
+                        <a:t>Machine learning model can be used with reliable accuracy.</a:t>
+                      </a:r>
+                      <a:endParaRPr>
+                        <a:solidFill>
+                          <a:schemeClr val="dk1"/>
+                        </a:solidFill>
+                        <a:latin typeface="Times New Roman"/>
+                        <a:ea typeface="Times New Roman"/>
+                        <a:cs typeface="Times New Roman"/>
+                        <a:sym typeface="Times New Roman"/>
+                      </a:endParaRPr>
+                    </a:p>
+                  </a:txBody>
+                  <a:tcPr marT="63500" marB="63500" marR="63500" marL="63500">
+                    <a:lnL cap="flat" cmpd="sng" w="12700">
+                      <a:solidFill>
+                        <a:srgbClr val="FFFFFF"/>
+                      </a:solidFill>
+                      <a:prstDash val="solid"/>
+                      <a:round/>
+                      <a:headEnd len="sm" w="sm" type="none"/>
+                      <a:tailEnd len="sm" w="sm" type="none"/>
+                    </a:lnL>
+                    <a:lnR cap="flat" cmpd="sng" w="12700">
+                      <a:solidFill>
+                        <a:srgbClr val="FFFFFF"/>
+                      </a:solidFill>
+                      <a:prstDash val="solid"/>
+                      <a:round/>
+                      <a:headEnd len="sm" w="sm" type="none"/>
+                      <a:tailEnd len="sm" w="sm" type="none"/>
+                    </a:lnR>
+                    <a:lnT cap="flat" cmpd="sng" w="12700">
+                      <a:solidFill>
+                        <a:srgbClr val="FFFFFF"/>
+                      </a:solidFill>
+                      <a:prstDash val="solid"/>
+                      <a:round/>
+                      <a:headEnd len="sm" w="sm" type="none"/>
+                      <a:tailEnd len="sm" w="sm" type="none"/>
+                    </a:lnT>
+                    <a:lnB cap="flat" cmpd="sng" w="12700">
+                      <a:solidFill>
+                        <a:srgbClr val="FFFFFF"/>
+                      </a:solidFill>
+                      <a:prstDash val="solid"/>
+                      <a:round/>
+                      <a:headEnd len="sm" w="sm" type="none"/>
+                      <a:tailEnd len="sm" w="sm" type="none"/>
+                    </a:lnB>
+                  </a:tcPr>
+                </a:tc>
+                <a:tc>
+                  <a:txBody>
+                    <a:bodyPr/>
+                    <a:lstStyle/>
+                    <a:p>
+                      <a:pPr indent="0" lvl="0" marL="0" rtl="0" algn="l">
+                        <a:spcBef>
+                          <a:spcPts val="0"/>
+                        </a:spcBef>
+                        <a:spcAft>
+                          <a:spcPts val="0"/>
+                        </a:spcAft>
+                        <a:buNone/>
+                      </a:pPr>
+                      <a:r>
+                        <a:rPr lang="en">
+                          <a:solidFill>
+                            <a:schemeClr val="dk1"/>
+                          </a:solidFill>
+                          <a:latin typeface="Times New Roman"/>
+                          <a:ea typeface="Times New Roman"/>
+                          <a:cs typeface="Times New Roman"/>
+                          <a:sym typeface="Times New Roman"/>
+                        </a:rPr>
+                        <a:t>Needs blacklist for updating.</a:t>
+                      </a:r>
+                      <a:endParaRPr>
+                        <a:solidFill>
+                          <a:schemeClr val="dk1"/>
+                        </a:solidFill>
+                        <a:latin typeface="Times New Roman"/>
+                        <a:ea typeface="Times New Roman"/>
+                        <a:cs typeface="Times New Roman"/>
+                        <a:sym typeface="Times New Roman"/>
+                      </a:endParaRPr>
+                    </a:p>
+                  </a:txBody>
+                  <a:tcPr marT="63500" marB="63500" marR="63500" marL="63500">
+                    <a:lnL cap="flat" cmpd="sng" w="12700">
+                      <a:solidFill>
+                        <a:srgbClr val="FFFFFF"/>
+                      </a:solidFill>
+                      <a:prstDash val="solid"/>
+                      <a:round/>
+                      <a:headEnd len="sm" w="sm" type="none"/>
+                      <a:tailEnd len="sm" w="sm" type="none"/>
+                    </a:lnL>
+                    <a:lnR cap="flat" cmpd="sng" w="12700">
+                      <a:solidFill>
+                        <a:srgbClr val="FFFFFF"/>
+                      </a:solidFill>
+                      <a:prstDash val="solid"/>
+                      <a:round/>
+                      <a:headEnd len="sm" w="sm" type="none"/>
+                      <a:tailEnd len="sm" w="sm" type="none"/>
+                    </a:lnR>
+                    <a:lnT cap="flat" cmpd="sng" w="12700">
+                      <a:solidFill>
+                        <a:srgbClr val="FFFFFF"/>
+                      </a:solidFill>
+                      <a:prstDash val="solid"/>
+                      <a:round/>
+                      <a:headEnd len="sm" w="sm" type="none"/>
+                      <a:tailEnd len="sm" w="sm" type="none"/>
+                    </a:lnT>
+                    <a:lnB cap="flat" cmpd="sng" w="12700">
+                      <a:solidFill>
+                        <a:srgbClr val="FFFFFF"/>
+                      </a:solidFill>
+                      <a:prstDash val="solid"/>
+                      <a:round/>
+                      <a:headEnd len="sm" w="sm" type="none"/>
+                      <a:tailEnd len="sm" w="sm" type="none"/>
+                    </a:lnB>
+                  </a:tcPr>
+                </a:tc>
+              </a:tr>
+              <a:tr h="381000">
+                <a:tc>
+                  <a:txBody>
+                    <a:bodyPr/>
+                    <a:lstStyle/>
+                    <a:p>
+                      <a:pPr indent="0" lvl="0" marL="0" rtl="0" algn="l">
+                        <a:spcBef>
+                          <a:spcPts val="0"/>
+                        </a:spcBef>
+                        <a:spcAft>
+                          <a:spcPts val="0"/>
+                        </a:spcAft>
+                        <a:buNone/>
+                      </a:pPr>
+                      <a:r>
+                        <a:rPr lang="en">
+                          <a:solidFill>
+                            <a:schemeClr val="dk1"/>
+                          </a:solidFill>
+                          <a:latin typeface="Times New Roman"/>
+                          <a:ea typeface="Times New Roman"/>
+                          <a:cs typeface="Times New Roman"/>
+                          <a:sym typeface="Times New Roman"/>
+                        </a:rPr>
+                        <a:t>CANTINA: A feature-rich machine learning framework for detecting phishing Web sites</a:t>
+                      </a:r>
+                      <a:endParaRPr>
+                        <a:solidFill>
+                          <a:schemeClr val="dk1"/>
+                        </a:solidFill>
+                        <a:latin typeface="Times New Roman"/>
+                        <a:ea typeface="Times New Roman"/>
+                        <a:cs typeface="Times New Roman"/>
+                        <a:sym typeface="Times New Roman"/>
+                      </a:endParaRPr>
+                    </a:p>
+                  </a:txBody>
+                  <a:tcPr marT="63500" marB="63500" marR="63500" marL="63500">
+                    <a:lnL cap="flat" cmpd="sng" w="12700">
+                      <a:solidFill>
+                        <a:srgbClr val="FFFFFF"/>
+                      </a:solidFill>
+                      <a:prstDash val="solid"/>
+                      <a:round/>
+                      <a:headEnd len="sm" w="sm" type="none"/>
+                      <a:tailEnd len="sm" w="sm" type="none"/>
+                    </a:lnL>
+                    <a:lnR cap="flat" cmpd="sng" w="12700">
+                      <a:solidFill>
+                        <a:srgbClr val="FFFFFF"/>
+                      </a:solidFill>
+                      <a:prstDash val="solid"/>
+                      <a:round/>
+                      <a:headEnd len="sm" w="sm" type="none"/>
+                      <a:tailEnd len="sm" w="sm" type="none"/>
+                    </a:lnR>
+                    <a:lnT cap="flat" cmpd="sng" w="12700">
+                      <a:solidFill>
+                        <a:srgbClr val="FFFFFF"/>
+                      </a:solidFill>
+                      <a:prstDash val="solid"/>
+                      <a:round/>
+                      <a:headEnd len="sm" w="sm" type="none"/>
+                      <a:tailEnd len="sm" w="sm" type="none"/>
+                    </a:lnT>
+                    <a:lnB cap="flat" cmpd="sng" w="12700">
+                      <a:solidFill>
+                        <a:srgbClr val="FFFFFF"/>
+                      </a:solidFill>
+                      <a:prstDash val="solid"/>
+                      <a:round/>
+                      <a:headEnd len="sm" w="sm" type="none"/>
+                      <a:tailEnd len="sm" w="sm" type="none"/>
+                    </a:lnB>
+                  </a:tcPr>
+                </a:tc>
+                <a:tc>
+                  <a:txBody>
+                    <a:bodyPr/>
+                    <a:lstStyle/>
+                    <a:p>
+                      <a:pPr indent="0" lvl="0" marL="0" rtl="0" algn="l">
+                        <a:spcBef>
+                          <a:spcPts val="0"/>
+                        </a:spcBef>
+                        <a:spcAft>
+                          <a:spcPts val="0"/>
+                        </a:spcAft>
+                        <a:buNone/>
+                      </a:pPr>
+                      <a:r>
+                        <a:rPr lang="en">
+                          <a:solidFill>
+                            <a:schemeClr val="dk1"/>
+                          </a:solidFill>
+                          <a:latin typeface="Times New Roman"/>
+                          <a:ea typeface="Times New Roman"/>
+                          <a:cs typeface="Times New Roman"/>
+                          <a:sym typeface="Times New Roman"/>
+                        </a:rPr>
+                        <a:t>ACM Trans. Inf. Syst. Secur., 2011</a:t>
+                      </a:r>
+                      <a:endParaRPr>
+                        <a:solidFill>
+                          <a:schemeClr val="dk1"/>
+                        </a:solidFill>
+                        <a:latin typeface="Times New Roman"/>
+                        <a:ea typeface="Times New Roman"/>
+                        <a:cs typeface="Times New Roman"/>
+                        <a:sym typeface="Times New Roman"/>
+                      </a:endParaRPr>
+                    </a:p>
+                  </a:txBody>
+                  <a:tcPr marT="63500" marB="63500" marR="63500" marL="63500">
+                    <a:lnL cap="flat" cmpd="sng" w="12700">
+                      <a:solidFill>
+                        <a:srgbClr val="FFFFFF"/>
+                      </a:solidFill>
+                      <a:prstDash val="solid"/>
+                      <a:round/>
+                      <a:headEnd len="sm" w="sm" type="none"/>
+                      <a:tailEnd len="sm" w="sm" type="none"/>
+                    </a:lnL>
+                    <a:lnR cap="flat" cmpd="sng" w="12700">
+                      <a:solidFill>
+                        <a:srgbClr val="FFFFFF"/>
+                      </a:solidFill>
+                      <a:prstDash val="solid"/>
+                      <a:round/>
+                      <a:headEnd len="sm" w="sm" type="none"/>
+                      <a:tailEnd len="sm" w="sm" type="none"/>
+                    </a:lnR>
+                    <a:lnT cap="flat" cmpd="sng" w="12700">
+                      <a:solidFill>
+                        <a:srgbClr val="FFFFFF"/>
+                      </a:solidFill>
+                      <a:prstDash val="solid"/>
+                      <a:round/>
+                      <a:headEnd len="sm" w="sm" type="none"/>
+                      <a:tailEnd len="sm" w="sm" type="none"/>
+                    </a:lnT>
+                    <a:lnB cap="flat" cmpd="sng" w="12700">
+                      <a:solidFill>
+                        <a:srgbClr val="FFFFFF"/>
+                      </a:solidFill>
+                      <a:prstDash val="solid"/>
+                      <a:round/>
+                      <a:headEnd len="sm" w="sm" type="none"/>
+                      <a:tailEnd len="sm" w="sm" type="none"/>
+                    </a:lnB>
+                  </a:tcPr>
+                </a:tc>
+                <a:tc>
+                  <a:txBody>
+                    <a:bodyPr/>
+                    <a:lstStyle/>
+                    <a:p>
+                      <a:pPr indent="0" lvl="0" marL="0" rtl="0" algn="l">
+                        <a:spcBef>
+                          <a:spcPts val="0"/>
+                        </a:spcBef>
+                        <a:spcAft>
+                          <a:spcPts val="0"/>
+                        </a:spcAft>
+                        <a:buNone/>
+                      </a:pPr>
+                      <a:r>
+                        <a:rPr lang="en">
+                          <a:solidFill>
+                            <a:schemeClr val="dk1"/>
+                          </a:solidFill>
+                          <a:latin typeface="Times New Roman"/>
+                          <a:ea typeface="Times New Roman"/>
+                          <a:cs typeface="Times New Roman"/>
+                          <a:sym typeface="Times New Roman"/>
+                        </a:rPr>
+                        <a:t>SHA1 based similarity check for similar looking sites.</a:t>
+                      </a:r>
+                      <a:endParaRPr>
+                        <a:solidFill>
+                          <a:schemeClr val="dk1"/>
+                        </a:solidFill>
+                        <a:latin typeface="Times New Roman"/>
+                        <a:ea typeface="Times New Roman"/>
+                        <a:cs typeface="Times New Roman"/>
+                        <a:sym typeface="Times New Roman"/>
+                      </a:endParaRPr>
+                    </a:p>
+                  </a:txBody>
+                  <a:tcPr marT="63500" marB="63500" marR="63500" marL="63500">
+                    <a:lnL cap="flat" cmpd="sng" w="12700">
+                      <a:solidFill>
+                        <a:srgbClr val="FFFFFF"/>
+                      </a:solidFill>
+                      <a:prstDash val="solid"/>
+                      <a:round/>
+                      <a:headEnd len="sm" w="sm" type="none"/>
+                      <a:tailEnd len="sm" w="sm" type="none"/>
+                    </a:lnL>
+                    <a:lnR cap="flat" cmpd="sng" w="12700">
+                      <a:solidFill>
+                        <a:srgbClr val="FFFFFF"/>
+                      </a:solidFill>
+                      <a:prstDash val="solid"/>
+                      <a:round/>
+                      <a:headEnd len="sm" w="sm" type="none"/>
+                      <a:tailEnd len="sm" w="sm" type="none"/>
+                    </a:lnR>
+                    <a:lnT cap="flat" cmpd="sng" w="12700">
+                      <a:solidFill>
+                        <a:srgbClr val="FFFFFF"/>
+                      </a:solidFill>
+                      <a:prstDash val="solid"/>
+                      <a:round/>
+                      <a:headEnd len="sm" w="sm" type="none"/>
+                      <a:tailEnd len="sm" w="sm" type="none"/>
+                    </a:lnT>
+                    <a:lnB cap="flat" cmpd="sng" w="12700">
+                      <a:solidFill>
+                        <a:srgbClr val="FFFFFF"/>
+                      </a:solidFill>
+                      <a:prstDash val="solid"/>
+                      <a:round/>
+                      <a:headEnd len="sm" w="sm" type="none"/>
+                      <a:tailEnd len="sm" w="sm" type="none"/>
+                    </a:lnB>
+                  </a:tcPr>
+                </a:tc>
+                <a:tc>
+                  <a:txBody>
+                    <a:bodyPr/>
+                    <a:lstStyle/>
+                    <a:p>
+                      <a:pPr indent="0" lvl="0" marL="0" rtl="0" algn="l">
+                        <a:spcBef>
+                          <a:spcPts val="0"/>
+                        </a:spcBef>
+                        <a:spcAft>
+                          <a:spcPts val="0"/>
+                        </a:spcAft>
+                        <a:buNone/>
+                      </a:pPr>
+                      <a:r>
+                        <a:rPr lang="en">
+                          <a:solidFill>
+                            <a:schemeClr val="dk1"/>
+                          </a:solidFill>
+                          <a:latin typeface="Times New Roman"/>
+                          <a:ea typeface="Times New Roman"/>
+                          <a:cs typeface="Times New Roman"/>
+                          <a:sym typeface="Times New Roman"/>
+                        </a:rPr>
+                        <a:t>SHA1 could be manipulated.</a:t>
+                      </a:r>
+                      <a:endParaRPr>
+                        <a:solidFill>
+                          <a:schemeClr val="dk1"/>
+                        </a:solidFill>
+                        <a:latin typeface="Times New Roman"/>
+                        <a:ea typeface="Times New Roman"/>
+                        <a:cs typeface="Times New Roman"/>
+                        <a:sym typeface="Times New Roman"/>
+                      </a:endParaRPr>
+                    </a:p>
+                  </a:txBody>
+                  <a:tcPr marT="63500" marB="63500" marR="63500" marL="63500">
+                    <a:lnL cap="flat" cmpd="sng" w="12700">
+                      <a:solidFill>
+                        <a:srgbClr val="FFFFFF"/>
+                      </a:solidFill>
+                      <a:prstDash val="solid"/>
+                      <a:round/>
+                      <a:headEnd len="sm" w="sm" type="none"/>
+                      <a:tailEnd len="sm" w="sm" type="none"/>
+                    </a:lnL>
+                    <a:lnR cap="flat" cmpd="sng" w="12700">
+                      <a:solidFill>
+                        <a:srgbClr val="FFFFFF"/>
+                      </a:solidFill>
+                      <a:prstDash val="solid"/>
+                      <a:round/>
+                      <a:headEnd len="sm" w="sm" type="none"/>
+                      <a:tailEnd len="sm" w="sm" type="none"/>
+                    </a:lnR>
+                    <a:lnT cap="flat" cmpd="sng" w="12700">
+                      <a:solidFill>
+                        <a:srgbClr val="FFFFFF"/>
+                      </a:solidFill>
+                      <a:prstDash val="solid"/>
+                      <a:round/>
+                      <a:headEnd len="sm" w="sm" type="none"/>
+                      <a:tailEnd len="sm" w="sm" type="none"/>
+                    </a:lnT>
+                    <a:lnB cap="flat" cmpd="sng" w="12700">
+                      <a:solidFill>
+                        <a:srgbClr val="FFFFFF"/>
+                      </a:solidFill>
+                      <a:prstDash val="solid"/>
+                      <a:round/>
+                      <a:headEnd len="sm" w="sm" type="none"/>
+                      <a:tailEnd len="sm" w="sm" type="none"/>
+                    </a:lnB>
+                  </a:tcPr>
+                </a:tc>
+              </a:tr>
+              <a:tr h="381000">
+                <a:tc>
+                  <a:txBody>
+                    <a:bodyPr/>
+                    <a:lstStyle/>
+                    <a:p>
+                      <a:pPr indent="0" lvl="0" marL="0" rtl="0" algn="l">
+                        <a:spcBef>
+                          <a:spcPts val="0"/>
+                        </a:spcBef>
+                        <a:spcAft>
+                          <a:spcPts val="0"/>
+                        </a:spcAft>
+                        <a:buNone/>
+                      </a:pPr>
+                      <a:r>
+                        <a:rPr lang="en">
+                          <a:solidFill>
+                            <a:schemeClr val="dk1"/>
+                          </a:solidFill>
+                          <a:latin typeface="Times New Roman"/>
+                          <a:ea typeface="Times New Roman"/>
+                          <a:cs typeface="Times New Roman"/>
+                          <a:sym typeface="Times New Roman"/>
+                        </a:rPr>
+                        <a:t>A novel approach to protect against phishing attacks at client side using auto-updated white-list</a:t>
+                      </a:r>
+                      <a:endParaRPr>
+                        <a:solidFill>
+                          <a:schemeClr val="dk1"/>
+                        </a:solidFill>
+                        <a:latin typeface="Times New Roman"/>
+                        <a:ea typeface="Times New Roman"/>
+                        <a:cs typeface="Times New Roman"/>
+                        <a:sym typeface="Times New Roman"/>
+                      </a:endParaRPr>
+                    </a:p>
+                  </a:txBody>
+                  <a:tcPr marT="63500" marB="63500" marR="63500" marL="63500">
+                    <a:lnL cap="flat" cmpd="sng" w="12700">
+                      <a:solidFill>
+                        <a:srgbClr val="FFFFFF"/>
+                      </a:solidFill>
+                      <a:prstDash val="solid"/>
+                      <a:round/>
+                      <a:headEnd len="sm" w="sm" type="none"/>
+                      <a:tailEnd len="sm" w="sm" type="none"/>
+                    </a:lnL>
+                    <a:lnR cap="flat" cmpd="sng" w="12700">
+                      <a:solidFill>
+                        <a:srgbClr val="FFFFFF"/>
+                      </a:solidFill>
+                      <a:prstDash val="solid"/>
+                      <a:round/>
+                      <a:headEnd len="sm" w="sm" type="none"/>
+                      <a:tailEnd len="sm" w="sm" type="none"/>
+                    </a:lnR>
+                    <a:lnT cap="flat" cmpd="sng" w="12700">
+                      <a:solidFill>
+                        <a:srgbClr val="FFFFFF"/>
+                      </a:solidFill>
+                      <a:prstDash val="solid"/>
+                      <a:round/>
+                      <a:headEnd len="sm" w="sm" type="none"/>
+                      <a:tailEnd len="sm" w="sm" type="none"/>
+                    </a:lnT>
+                    <a:lnB cap="flat" cmpd="sng" w="12700">
+                      <a:solidFill>
+                        <a:srgbClr val="FFFFFF"/>
+                      </a:solidFill>
+                      <a:prstDash val="solid"/>
+                      <a:round/>
+                      <a:headEnd len="sm" w="sm" type="none"/>
+                      <a:tailEnd len="sm" w="sm" type="none"/>
+                    </a:lnB>
+                  </a:tcPr>
+                </a:tc>
+                <a:tc>
+                  <a:txBody>
+                    <a:bodyPr/>
+                    <a:lstStyle/>
+                    <a:p>
+                      <a:pPr indent="0" lvl="0" marL="0" rtl="0" algn="l">
+                        <a:spcBef>
+                          <a:spcPts val="0"/>
+                        </a:spcBef>
+                        <a:spcAft>
+                          <a:spcPts val="0"/>
+                        </a:spcAft>
+                        <a:buNone/>
+                      </a:pPr>
+                      <a:r>
+                        <a:rPr lang="en">
+                          <a:solidFill>
+                            <a:schemeClr val="dk1"/>
+                          </a:solidFill>
+                          <a:latin typeface="Times New Roman"/>
+                          <a:ea typeface="Times New Roman"/>
+                          <a:cs typeface="Times New Roman"/>
+                          <a:sym typeface="Times New Roman"/>
+                        </a:rPr>
+                        <a:t>EURASIP J. Inf. Secur., vol. 2016, no. 1, Dec. 2016</a:t>
+                      </a:r>
+                      <a:endParaRPr>
+                        <a:solidFill>
+                          <a:schemeClr val="dk1"/>
+                        </a:solidFill>
+                        <a:latin typeface="Times New Roman"/>
+                        <a:ea typeface="Times New Roman"/>
+                        <a:cs typeface="Times New Roman"/>
+                        <a:sym typeface="Times New Roman"/>
+                      </a:endParaRPr>
+                    </a:p>
+                  </a:txBody>
+                  <a:tcPr marT="63500" marB="63500" marR="63500" marL="63500">
+                    <a:lnL cap="flat" cmpd="sng" w="12700">
+                      <a:solidFill>
+                        <a:srgbClr val="FFFFFF"/>
+                      </a:solidFill>
+                      <a:prstDash val="solid"/>
+                      <a:round/>
+                      <a:headEnd len="sm" w="sm" type="none"/>
+                      <a:tailEnd len="sm" w="sm" type="none"/>
+                    </a:lnL>
+                    <a:lnR cap="flat" cmpd="sng" w="12700">
+                      <a:solidFill>
+                        <a:srgbClr val="FFFFFF"/>
+                      </a:solidFill>
+                      <a:prstDash val="solid"/>
+                      <a:round/>
+                      <a:headEnd len="sm" w="sm" type="none"/>
+                      <a:tailEnd len="sm" w="sm" type="none"/>
+                    </a:lnR>
+                    <a:lnT cap="flat" cmpd="sng" w="12700">
+                      <a:solidFill>
+                        <a:srgbClr val="FFFFFF"/>
+                      </a:solidFill>
+                      <a:prstDash val="solid"/>
+                      <a:round/>
+                      <a:headEnd len="sm" w="sm" type="none"/>
+                      <a:tailEnd len="sm" w="sm" type="none"/>
+                    </a:lnT>
+                    <a:lnB cap="flat" cmpd="sng" w="12700">
+                      <a:solidFill>
+                        <a:srgbClr val="FFFFFF"/>
+                      </a:solidFill>
+                      <a:prstDash val="solid"/>
+                      <a:round/>
+                      <a:headEnd len="sm" w="sm" type="none"/>
+                      <a:tailEnd len="sm" w="sm" type="none"/>
+                    </a:lnB>
+                  </a:tcPr>
+                </a:tc>
+                <a:tc>
+                  <a:txBody>
+                    <a:bodyPr/>
+                    <a:lstStyle/>
+                    <a:p>
+                      <a:pPr indent="0" lvl="0" marL="0" rtl="0" algn="l">
+                        <a:spcBef>
+                          <a:spcPts val="0"/>
+                        </a:spcBef>
+                        <a:spcAft>
+                          <a:spcPts val="0"/>
+                        </a:spcAft>
+                        <a:buNone/>
+                      </a:pPr>
+                      <a:r>
+                        <a:rPr lang="en">
+                          <a:solidFill>
+                            <a:schemeClr val="dk1"/>
+                          </a:solidFill>
+                          <a:latin typeface="Times New Roman"/>
+                          <a:ea typeface="Times New Roman"/>
+                          <a:cs typeface="Times New Roman"/>
+                          <a:sym typeface="Times New Roman"/>
+                        </a:rPr>
+                        <a:t>Auto-updated whitelist for faster detection of sites on average.</a:t>
+                      </a:r>
+                      <a:endParaRPr>
+                        <a:solidFill>
+                          <a:schemeClr val="dk1"/>
+                        </a:solidFill>
+                        <a:latin typeface="Times New Roman"/>
+                        <a:ea typeface="Times New Roman"/>
+                        <a:cs typeface="Times New Roman"/>
+                        <a:sym typeface="Times New Roman"/>
+                      </a:endParaRPr>
+                    </a:p>
+                  </a:txBody>
+                  <a:tcPr marT="63500" marB="63500" marR="63500" marL="63500">
+                    <a:lnL cap="flat" cmpd="sng" w="12700">
+                      <a:solidFill>
+                        <a:srgbClr val="FFFFFF"/>
+                      </a:solidFill>
+                      <a:prstDash val="solid"/>
+                      <a:round/>
+                      <a:headEnd len="sm" w="sm" type="none"/>
+                      <a:tailEnd len="sm" w="sm" type="none"/>
+                    </a:lnL>
+                    <a:lnR cap="flat" cmpd="sng" w="12700">
+                      <a:solidFill>
+                        <a:srgbClr val="FFFFFF"/>
+                      </a:solidFill>
+                      <a:prstDash val="solid"/>
+                      <a:round/>
+                      <a:headEnd len="sm" w="sm" type="none"/>
+                      <a:tailEnd len="sm" w="sm" type="none"/>
+                    </a:lnR>
+                    <a:lnT cap="flat" cmpd="sng" w="12700">
+                      <a:solidFill>
+                        <a:srgbClr val="FFFFFF"/>
+                      </a:solidFill>
+                      <a:prstDash val="solid"/>
+                      <a:round/>
+                      <a:headEnd len="sm" w="sm" type="none"/>
+                      <a:tailEnd len="sm" w="sm" type="none"/>
+                    </a:lnT>
+                    <a:lnB cap="flat" cmpd="sng" w="12700">
+                      <a:solidFill>
+                        <a:srgbClr val="FFFFFF"/>
+                      </a:solidFill>
+                      <a:prstDash val="solid"/>
+                      <a:round/>
+                      <a:headEnd len="sm" w="sm" type="none"/>
+                      <a:tailEnd len="sm" w="sm" type="none"/>
+                    </a:lnB>
+                  </a:tcPr>
+                </a:tc>
+                <a:tc>
+                  <a:txBody>
+                    <a:bodyPr/>
+                    <a:lstStyle/>
+                    <a:p>
+                      <a:pPr indent="0" lvl="0" marL="0" rtl="0" algn="l">
+                        <a:spcBef>
+                          <a:spcPts val="0"/>
+                        </a:spcBef>
+                        <a:spcAft>
+                          <a:spcPts val="0"/>
+                        </a:spcAft>
+                        <a:buNone/>
+                      </a:pPr>
+                      <a:r>
+                        <a:rPr lang="en">
+                          <a:solidFill>
+                            <a:schemeClr val="dk1"/>
+                          </a:solidFill>
+                          <a:latin typeface="Times New Roman"/>
+                          <a:ea typeface="Times New Roman"/>
+                          <a:cs typeface="Times New Roman"/>
+                          <a:sym typeface="Times New Roman"/>
+                        </a:rPr>
+                        <a:t>Not temporally resilient.</a:t>
+                      </a:r>
+                      <a:endParaRPr>
+                        <a:solidFill>
+                          <a:schemeClr val="dk1"/>
+                        </a:solidFill>
+                        <a:latin typeface="Times New Roman"/>
+                        <a:ea typeface="Times New Roman"/>
+                        <a:cs typeface="Times New Roman"/>
+                        <a:sym typeface="Times New Roman"/>
+                      </a:endParaRPr>
+                    </a:p>
+                  </a:txBody>
+                  <a:tcPr marT="63500" marB="63500" marR="63500" marL="63500">
+                    <a:lnL cap="flat" cmpd="sng" w="12700">
+                      <a:solidFill>
+                        <a:srgbClr val="FFFFFF"/>
+                      </a:solidFill>
+                      <a:prstDash val="solid"/>
+                      <a:round/>
+                      <a:headEnd len="sm" w="sm" type="none"/>
+                      <a:tailEnd len="sm" w="sm" type="none"/>
+                    </a:lnL>
+                    <a:lnR cap="flat" cmpd="sng" w="12700">
+                      <a:solidFill>
+                        <a:srgbClr val="FFFFFF"/>
+                      </a:solidFill>
+                      <a:prstDash val="solid"/>
+                      <a:round/>
+                      <a:headEnd len="sm" w="sm" type="none"/>
+                      <a:tailEnd len="sm" w="sm" type="none"/>
+                    </a:lnR>
+                    <a:lnT cap="flat" cmpd="sng" w="12700">
+                      <a:solidFill>
+                        <a:srgbClr val="FFFFFF"/>
+                      </a:solidFill>
+                      <a:prstDash val="solid"/>
+                      <a:round/>
+                      <a:headEnd len="sm" w="sm" type="none"/>
+                      <a:tailEnd len="sm" w="sm" type="none"/>
+                    </a:lnT>
+                    <a:lnB cap="flat" cmpd="sng" w="12700">
+                      <a:solidFill>
+                        <a:srgbClr val="FFFFFF"/>
+                      </a:solidFill>
+                      <a:prstDash val="solid"/>
+                      <a:round/>
+                      <a:headEnd len="sm" w="sm" type="none"/>
+                      <a:tailEnd len="sm" w="sm" type="none"/>
+                    </a:lnB>
+                  </a:tcPr>
+                </a:tc>
+              </a:tr>
+              <a:tr h="381000">
+                <a:tc>
+                  <a:txBody>
+                    <a:bodyPr/>
+                    <a:lstStyle/>
+                    <a:p>
+                      <a:pPr indent="0" lvl="0" marL="0" rtl="0" algn="l">
+                        <a:spcBef>
+                          <a:spcPts val="0"/>
+                        </a:spcBef>
+                        <a:spcAft>
+                          <a:spcPts val="0"/>
+                        </a:spcAft>
+                        <a:buNone/>
+                      </a:pPr>
+                      <a:r>
+                        <a:rPr lang="en">
+                          <a:solidFill>
+                            <a:schemeClr val="dk1"/>
+                          </a:solidFill>
+                          <a:latin typeface="Times New Roman"/>
+                          <a:ea typeface="Times New Roman"/>
+                          <a:cs typeface="Times New Roman"/>
+                          <a:sym typeface="Times New Roman"/>
+                        </a:rPr>
+                        <a:t>Off-the-hook: An efficient and usable client-side phishing prevention application</a:t>
+                      </a:r>
+                      <a:endParaRPr>
+                        <a:solidFill>
+                          <a:schemeClr val="dk1"/>
+                        </a:solidFill>
+                        <a:latin typeface="Times New Roman"/>
+                        <a:ea typeface="Times New Roman"/>
+                        <a:cs typeface="Times New Roman"/>
+                        <a:sym typeface="Times New Roman"/>
+                      </a:endParaRPr>
+                    </a:p>
+                  </a:txBody>
+                  <a:tcPr marT="63500" marB="63500" marR="63500" marL="63500">
+                    <a:lnL cap="flat" cmpd="sng" w="12700">
+                      <a:solidFill>
+                        <a:srgbClr val="FFFFFF"/>
+                      </a:solidFill>
+                      <a:prstDash val="solid"/>
+                      <a:round/>
+                      <a:headEnd len="sm" w="sm" type="none"/>
+                      <a:tailEnd len="sm" w="sm" type="none"/>
+                    </a:lnL>
+                    <a:lnR cap="flat" cmpd="sng" w="12700">
+                      <a:solidFill>
+                        <a:srgbClr val="FFFFFF"/>
+                      </a:solidFill>
+                      <a:prstDash val="solid"/>
+                      <a:round/>
+                      <a:headEnd len="sm" w="sm" type="none"/>
+                      <a:tailEnd len="sm" w="sm" type="none"/>
+                    </a:lnR>
+                    <a:lnT cap="flat" cmpd="sng" w="12700">
+                      <a:solidFill>
+                        <a:srgbClr val="FFFFFF"/>
+                      </a:solidFill>
+                      <a:prstDash val="solid"/>
+                      <a:round/>
+                      <a:headEnd len="sm" w="sm" type="none"/>
+                      <a:tailEnd len="sm" w="sm" type="none"/>
+                    </a:lnT>
+                    <a:lnB cap="flat" cmpd="sng" w="12700">
+                      <a:solidFill>
+                        <a:srgbClr val="FFFFFF"/>
+                      </a:solidFill>
+                      <a:prstDash val="solid"/>
+                      <a:round/>
+                      <a:headEnd len="sm" w="sm" type="none"/>
+                      <a:tailEnd len="sm" w="sm" type="none"/>
+                    </a:lnB>
+                  </a:tcPr>
+                </a:tc>
+                <a:tc>
+                  <a:txBody>
+                    <a:bodyPr/>
+                    <a:lstStyle/>
+                    <a:p>
+                      <a:pPr indent="0" lvl="0" marL="0" rtl="0" algn="l">
+                        <a:spcBef>
+                          <a:spcPts val="0"/>
+                        </a:spcBef>
+                        <a:spcAft>
+                          <a:spcPts val="0"/>
+                        </a:spcAft>
+                        <a:buNone/>
+                      </a:pPr>
+                      <a:r>
+                        <a:rPr lang="en">
+                          <a:solidFill>
+                            <a:schemeClr val="dk1"/>
+                          </a:solidFill>
+                          <a:latin typeface="Times New Roman"/>
+                          <a:ea typeface="Times New Roman"/>
+                          <a:cs typeface="Times New Roman"/>
+                          <a:sym typeface="Times New Roman"/>
+                        </a:rPr>
+                        <a:t>IEEE Trans. Comput., vol. 66, no. 10, pp. 1717-1733, Oct. 2017</a:t>
+                      </a:r>
+                      <a:endParaRPr>
+                        <a:solidFill>
+                          <a:schemeClr val="dk1"/>
+                        </a:solidFill>
+                        <a:latin typeface="Times New Roman"/>
+                        <a:ea typeface="Times New Roman"/>
+                        <a:cs typeface="Times New Roman"/>
+                        <a:sym typeface="Times New Roman"/>
+                      </a:endParaRPr>
+                    </a:p>
+                  </a:txBody>
+                  <a:tcPr marT="63500" marB="63500" marR="63500" marL="63500">
+                    <a:lnL cap="flat" cmpd="sng" w="12700">
+                      <a:solidFill>
+                        <a:srgbClr val="FFFFFF"/>
+                      </a:solidFill>
+                      <a:prstDash val="solid"/>
+                      <a:round/>
+                      <a:headEnd len="sm" w="sm" type="none"/>
+                      <a:tailEnd len="sm" w="sm" type="none"/>
+                    </a:lnL>
+                    <a:lnR cap="flat" cmpd="sng" w="12700">
+                      <a:solidFill>
+                        <a:srgbClr val="FFFFFF"/>
+                      </a:solidFill>
+                      <a:prstDash val="solid"/>
+                      <a:round/>
+                      <a:headEnd len="sm" w="sm" type="none"/>
+                      <a:tailEnd len="sm" w="sm" type="none"/>
+                    </a:lnR>
+                    <a:lnT cap="flat" cmpd="sng" w="12700">
+                      <a:solidFill>
+                        <a:srgbClr val="FFFFFF"/>
+                      </a:solidFill>
+                      <a:prstDash val="solid"/>
+                      <a:round/>
+                      <a:headEnd len="sm" w="sm" type="none"/>
+                      <a:tailEnd len="sm" w="sm" type="none"/>
+                    </a:lnT>
+                    <a:lnB cap="flat" cmpd="sng" w="12700">
+                      <a:solidFill>
+                        <a:srgbClr val="FFFFFF"/>
+                      </a:solidFill>
+                      <a:prstDash val="solid"/>
+                      <a:round/>
+                      <a:headEnd len="sm" w="sm" type="none"/>
+                      <a:tailEnd len="sm" w="sm" type="none"/>
+                    </a:lnB>
+                  </a:tcPr>
+                </a:tc>
+                <a:tc>
+                  <a:txBody>
+                    <a:bodyPr/>
+                    <a:lstStyle/>
+                    <a:p>
+                      <a:pPr indent="0" lvl="0" marL="0" rtl="0" algn="l">
+                        <a:spcBef>
+                          <a:spcPts val="0"/>
+                        </a:spcBef>
+                        <a:spcAft>
+                          <a:spcPts val="0"/>
+                        </a:spcAft>
+                        <a:buNone/>
+                      </a:pPr>
+                      <a:r>
+                        <a:rPr lang="en">
+                          <a:solidFill>
+                            <a:schemeClr val="dk1"/>
+                          </a:solidFill>
+                          <a:latin typeface="Times New Roman"/>
+                          <a:ea typeface="Times New Roman"/>
+                          <a:cs typeface="Times New Roman"/>
+                          <a:sym typeface="Times New Roman"/>
+                        </a:rPr>
+                        <a:t>A user oriented implementation.</a:t>
+                      </a:r>
+                      <a:endParaRPr>
+                        <a:solidFill>
+                          <a:schemeClr val="dk1"/>
+                        </a:solidFill>
+                        <a:latin typeface="Times New Roman"/>
+                        <a:ea typeface="Times New Roman"/>
+                        <a:cs typeface="Times New Roman"/>
+                        <a:sym typeface="Times New Roman"/>
+                      </a:endParaRPr>
+                    </a:p>
+                  </a:txBody>
+                  <a:tcPr marT="63500" marB="63500" marR="63500" marL="63500">
+                    <a:lnL cap="flat" cmpd="sng" w="12700">
+                      <a:solidFill>
+                        <a:srgbClr val="FFFFFF"/>
+                      </a:solidFill>
+                      <a:prstDash val="solid"/>
+                      <a:round/>
+                      <a:headEnd len="sm" w="sm" type="none"/>
+                      <a:tailEnd len="sm" w="sm" type="none"/>
+                    </a:lnL>
+                    <a:lnR cap="flat" cmpd="sng" w="12700">
+                      <a:solidFill>
+                        <a:srgbClr val="FFFFFF"/>
+                      </a:solidFill>
+                      <a:prstDash val="solid"/>
+                      <a:round/>
+                      <a:headEnd len="sm" w="sm" type="none"/>
+                      <a:tailEnd len="sm" w="sm" type="none"/>
+                    </a:lnR>
+                    <a:lnT cap="flat" cmpd="sng" w="12700">
+                      <a:solidFill>
+                        <a:srgbClr val="FFFFFF"/>
+                      </a:solidFill>
+                      <a:prstDash val="solid"/>
+                      <a:round/>
+                      <a:headEnd len="sm" w="sm" type="none"/>
+                      <a:tailEnd len="sm" w="sm" type="none"/>
+                    </a:lnT>
+                    <a:lnB cap="flat" cmpd="sng" w="12700">
+                      <a:solidFill>
+                        <a:srgbClr val="FFFFFF"/>
+                      </a:solidFill>
+                      <a:prstDash val="solid"/>
+                      <a:round/>
+                      <a:headEnd len="sm" w="sm" type="none"/>
+                      <a:tailEnd len="sm" w="sm" type="none"/>
+                    </a:lnB>
+                  </a:tcPr>
+                </a:tc>
+                <a:tc>
+                  <a:txBody>
+                    <a:bodyPr/>
+                    <a:lstStyle/>
+                    <a:p>
+                      <a:pPr indent="0" lvl="0" marL="0" rtl="0" algn="l">
+                        <a:spcBef>
+                          <a:spcPts val="0"/>
+                        </a:spcBef>
+                        <a:spcAft>
+                          <a:spcPts val="0"/>
+                        </a:spcAft>
+                        <a:buNone/>
+                      </a:pPr>
+                      <a:r>
+                        <a:rPr lang="en">
+                          <a:solidFill>
+                            <a:schemeClr val="dk1"/>
+                          </a:solidFill>
+                          <a:latin typeface="Times New Roman"/>
+                          <a:ea typeface="Times New Roman"/>
+                          <a:cs typeface="Times New Roman"/>
+                          <a:sym typeface="Times New Roman"/>
+                        </a:rPr>
+                        <a:t>Imperfect domain name string splitting.</a:t>
+                      </a:r>
+                      <a:endParaRPr>
+                        <a:solidFill>
+                          <a:schemeClr val="dk1"/>
+                        </a:solidFill>
+                        <a:latin typeface="Times New Roman"/>
+                        <a:ea typeface="Times New Roman"/>
+                        <a:cs typeface="Times New Roman"/>
+                        <a:sym typeface="Times New Roman"/>
+                      </a:endParaRPr>
+                    </a:p>
+                  </a:txBody>
+                  <a:tcPr marT="63500" marB="63500" marR="63500" marL="63500">
+                    <a:lnL cap="flat" cmpd="sng" w="12700">
+                      <a:solidFill>
+                        <a:srgbClr val="FFFFFF"/>
+                      </a:solidFill>
+                      <a:prstDash val="solid"/>
+                      <a:round/>
+                      <a:headEnd len="sm" w="sm" type="none"/>
+                      <a:tailEnd len="sm" w="sm" type="none"/>
+                    </a:lnL>
+                    <a:lnR cap="flat" cmpd="sng" w="12700">
+                      <a:solidFill>
+                        <a:srgbClr val="FFFFFF"/>
+                      </a:solidFill>
+                      <a:prstDash val="solid"/>
+                      <a:round/>
+                      <a:headEnd len="sm" w="sm" type="none"/>
+                      <a:tailEnd len="sm" w="sm" type="none"/>
+                    </a:lnR>
+                    <a:lnT cap="flat" cmpd="sng" w="12700">
+                      <a:solidFill>
+                        <a:srgbClr val="FFFFFF"/>
+                      </a:solidFill>
+                      <a:prstDash val="solid"/>
+                      <a:round/>
+                      <a:headEnd len="sm" w="sm" type="none"/>
+                      <a:tailEnd len="sm" w="sm" type="none"/>
+                    </a:lnT>
+                    <a:lnB cap="flat" cmpd="sng" w="12700">
+                      <a:solidFill>
+                        <a:srgbClr val="FFFFFF"/>
+                      </a:solidFill>
+                      <a:prstDash val="solid"/>
+                      <a:round/>
+                      <a:headEnd len="sm" w="sm" type="none"/>
+                      <a:tailEnd len="sm" w="sm" type="none"/>
+                    </a:lnB>
+                  </a:tcPr>
+                </a:tc>
+              </a:tr>
+            </a:tbl>
+          </a:graphicData>
+        </a:graphic>
+      </p:graphicFrame>
     </p:spTree>
   </p:cSld>
   <p:clrMapOvr>

--- a/mail these/first/FYP First.pptx
+++ b/mail these/first/FYP First.pptx
@@ -37,6 +37,8 @@
     <p:sldId id="282" r:id="rId33"/>
     <p:sldId id="283" r:id="rId34"/>
     <p:sldId id="284" r:id="rId35"/>
+    <p:sldId id="285" r:id="rId36"/>
+    <p:sldId id="286" r:id="rId37"/>
   </p:sldIdLst>
   <p:sldSz cy="5143500" cx="9144000"/>
   <p:notesSz cx="6858000" cy="9144000"/>
@@ -1327,7 +1329,7 @@
       </p:grpSpPr>
       <p:sp>
         <p:nvSpPr>
-          <p:cNvPr id="135" name="Google Shape;135;g6d23d0a28a_0_41:notes"/>
+          <p:cNvPr id="135" name="Google Shape;135;g6d3751fc4f_2_0:notes"/>
           <p:cNvSpPr/>
           <p:nvPr>
             <p:ph idx="2" type="sldImg"/>
@@ -1362,7 +1364,7 @@
       </p:sp>
       <p:sp>
         <p:nvSpPr>
-          <p:cNvPr id="136" name="Google Shape;136;g6d23d0a28a_0_41:notes"/>
+          <p:cNvPr id="136" name="Google Shape;136;g6d3751fc4f_2_0:notes"/>
           <p:cNvSpPr txBox="1"/>
           <p:nvPr>
             <p:ph idx="1" type="body"/>
@@ -1412,7 +1414,7 @@
   <p:cSld>
     <p:spTree>
       <p:nvGrpSpPr>
-        <p:cNvPr id="139" name="Shape 139"/>
+        <p:cNvPr id="140" name="Shape 140"/>
         <p:cNvGrpSpPr/>
         <p:nvPr/>
       </p:nvGrpSpPr>
@@ -1426,7 +1428,7 @@
       </p:grpSpPr>
       <p:sp>
         <p:nvSpPr>
-          <p:cNvPr id="140" name="Google Shape;140;g6d23d0a28a_0_46:notes"/>
+          <p:cNvPr id="141" name="Google Shape;141;g6d23d0a28a_0_41:notes"/>
           <p:cNvSpPr/>
           <p:nvPr>
             <p:ph idx="2" type="sldImg"/>
@@ -1461,7 +1463,7 @@
       </p:sp>
       <p:sp>
         <p:nvSpPr>
-          <p:cNvPr id="141" name="Google Shape;141;g6d23d0a28a_0_46:notes"/>
+          <p:cNvPr id="142" name="Google Shape;142;g6d23d0a28a_0_41:notes"/>
           <p:cNvSpPr txBox="1"/>
           <p:nvPr>
             <p:ph idx="1" type="body"/>
@@ -1511,7 +1513,7 @@
   <p:cSld>
     <p:spTree>
       <p:nvGrpSpPr>
-        <p:cNvPr id="144" name="Shape 144"/>
+        <p:cNvPr id="145" name="Shape 145"/>
         <p:cNvGrpSpPr/>
         <p:nvPr/>
       </p:nvGrpSpPr>
@@ -1525,7 +1527,7 @@
       </p:grpSpPr>
       <p:sp>
         <p:nvSpPr>
-          <p:cNvPr id="145" name="Google Shape;145;g6d23d0a28a_0_23:notes"/>
+          <p:cNvPr id="146" name="Google Shape;146;g6d3751fc4f_2_5:notes"/>
           <p:cNvSpPr/>
           <p:nvPr>
             <p:ph idx="2" type="sldImg"/>
@@ -1560,7 +1562,7 @@
       </p:sp>
       <p:sp>
         <p:nvSpPr>
-          <p:cNvPr id="146" name="Google Shape;146;g6d23d0a28a_0_23:notes"/>
+          <p:cNvPr id="147" name="Google Shape;147;g6d3751fc4f_2_5:notes"/>
           <p:cNvSpPr txBox="1"/>
           <p:nvPr>
             <p:ph idx="1" type="body"/>
@@ -1624,7 +1626,7 @@
       </p:grpSpPr>
       <p:sp>
         <p:nvSpPr>
-          <p:cNvPr id="152" name="Google Shape;152;g7bef34b28b_0_24:notes"/>
+          <p:cNvPr id="152" name="Google Shape;152;g6d23d0a28a_0_46:notes"/>
           <p:cNvSpPr/>
           <p:nvPr>
             <p:ph idx="2" type="sldImg"/>
@@ -1659,7 +1661,7 @@
       </p:sp>
       <p:sp>
         <p:nvSpPr>
-          <p:cNvPr id="153" name="Google Shape;153;g7bef34b28b_0_24:notes"/>
+          <p:cNvPr id="153" name="Google Shape;153;g6d23d0a28a_0_46:notes"/>
           <p:cNvSpPr txBox="1"/>
           <p:nvPr>
             <p:ph idx="1" type="body"/>
@@ -1709,7 +1711,7 @@
   <p:cSld>
     <p:spTree>
       <p:nvGrpSpPr>
-        <p:cNvPr id="157" name="Shape 157"/>
+        <p:cNvPr id="156" name="Shape 156"/>
         <p:cNvGrpSpPr/>
         <p:nvPr/>
       </p:nvGrpSpPr>
@@ -1723,7 +1725,7 @@
       </p:grpSpPr>
       <p:sp>
         <p:nvSpPr>
-          <p:cNvPr id="158" name="Google Shape;158;g7bef34b28b_0_31:notes"/>
+          <p:cNvPr id="157" name="Google Shape;157;g6d23d0a28a_0_23:notes"/>
           <p:cNvSpPr/>
           <p:nvPr>
             <p:ph idx="2" type="sldImg"/>
@@ -1758,7 +1760,7 @@
       </p:sp>
       <p:sp>
         <p:nvSpPr>
-          <p:cNvPr id="159" name="Google Shape;159;g7bef34b28b_0_31:notes"/>
+          <p:cNvPr id="158" name="Google Shape;158;g6d23d0a28a_0_23:notes"/>
           <p:cNvSpPr txBox="1"/>
           <p:nvPr>
             <p:ph idx="1" type="body"/>
@@ -1921,7 +1923,7 @@
       </p:grpSpPr>
       <p:sp>
         <p:nvSpPr>
-          <p:cNvPr id="164" name="Google Shape;164;g7bef34b28b_0_38:notes"/>
+          <p:cNvPr id="164" name="Google Shape;164;g7bef34b28b_0_24:notes"/>
           <p:cNvSpPr/>
           <p:nvPr>
             <p:ph idx="2" type="sldImg"/>
@@ -1956,7 +1958,7 @@
       </p:sp>
       <p:sp>
         <p:nvSpPr>
-          <p:cNvPr id="165" name="Google Shape;165;g7bef34b28b_0_38:notes"/>
+          <p:cNvPr id="165" name="Google Shape;165;g7bef34b28b_0_24:notes"/>
           <p:cNvSpPr txBox="1"/>
           <p:nvPr>
             <p:ph idx="1" type="body"/>
@@ -2006,7 +2008,7 @@
   <p:cSld>
     <p:spTree>
       <p:nvGrpSpPr>
-        <p:cNvPr id="170" name="Shape 170"/>
+        <p:cNvPr id="169" name="Shape 169"/>
         <p:cNvGrpSpPr/>
         <p:nvPr/>
       </p:nvGrpSpPr>
@@ -2020,7 +2022,7 @@
       </p:grpSpPr>
       <p:sp>
         <p:nvSpPr>
-          <p:cNvPr id="171" name="Google Shape;171;g7bef34b28b_0_46:notes"/>
+          <p:cNvPr id="170" name="Google Shape;170;g7bef34b28b_0_31:notes"/>
           <p:cNvSpPr/>
           <p:nvPr>
             <p:ph idx="2" type="sldImg"/>
@@ -2055,7 +2057,7 @@
       </p:sp>
       <p:sp>
         <p:nvSpPr>
-          <p:cNvPr id="172" name="Google Shape;172;g7bef34b28b_0_46:notes"/>
+          <p:cNvPr id="171" name="Google Shape;171;g7bef34b28b_0_31:notes"/>
           <p:cNvSpPr txBox="1"/>
           <p:nvPr>
             <p:ph idx="1" type="body"/>
@@ -2105,7 +2107,7 @@
   <p:cSld>
     <p:spTree>
       <p:nvGrpSpPr>
-        <p:cNvPr id="176" name="Shape 176"/>
+        <p:cNvPr id="175" name="Shape 175"/>
         <p:cNvGrpSpPr/>
         <p:nvPr/>
       </p:nvGrpSpPr>
@@ -2119,7 +2121,7 @@
       </p:grpSpPr>
       <p:sp>
         <p:nvSpPr>
-          <p:cNvPr id="177" name="Google Shape;177;g7bef34b28b_0_55:notes"/>
+          <p:cNvPr id="176" name="Google Shape;176;g7bef34b28b_0_38:notes"/>
           <p:cNvSpPr/>
           <p:nvPr>
             <p:ph idx="2" type="sldImg"/>
@@ -2154,7 +2156,7 @@
       </p:sp>
       <p:sp>
         <p:nvSpPr>
-          <p:cNvPr id="178" name="Google Shape;178;g7bef34b28b_0_55:notes"/>
+          <p:cNvPr id="177" name="Google Shape;177;g7bef34b28b_0_38:notes"/>
           <p:cNvSpPr txBox="1"/>
           <p:nvPr>
             <p:ph idx="1" type="body"/>
@@ -2218,7 +2220,7 @@
       </p:grpSpPr>
       <p:sp>
         <p:nvSpPr>
-          <p:cNvPr id="183" name="Google Shape;183;g7bef34b28b_0_62:notes"/>
+          <p:cNvPr id="183" name="Google Shape;183;g7bef34b28b_0_46:notes"/>
           <p:cNvSpPr/>
           <p:nvPr>
             <p:ph idx="2" type="sldImg"/>
@@ -2253,7 +2255,7 @@
       </p:sp>
       <p:sp>
         <p:nvSpPr>
-          <p:cNvPr id="184" name="Google Shape;184;g7bef34b28b_0_62:notes"/>
+          <p:cNvPr id="184" name="Google Shape;184;g7bef34b28b_0_46:notes"/>
           <p:cNvSpPr txBox="1"/>
           <p:nvPr>
             <p:ph idx="1" type="body"/>
@@ -2317,7 +2319,7 @@
       </p:grpSpPr>
       <p:sp>
         <p:nvSpPr>
-          <p:cNvPr id="189" name="Google Shape;189;g7bef34b28b_0_69:notes"/>
+          <p:cNvPr id="189" name="Google Shape;189;g7bef34b28b_0_55:notes"/>
           <p:cNvSpPr/>
           <p:nvPr>
             <p:ph idx="2" type="sldImg"/>
@@ -2352,7 +2354,7 @@
       </p:sp>
       <p:sp>
         <p:nvSpPr>
-          <p:cNvPr id="190" name="Google Shape;190;g7bef34b28b_0_69:notes"/>
+          <p:cNvPr id="190" name="Google Shape;190;g7bef34b28b_0_55:notes"/>
           <p:cNvSpPr txBox="1"/>
           <p:nvPr>
             <p:ph idx="1" type="body"/>
@@ -2416,7 +2418,7 @@
       </p:grpSpPr>
       <p:sp>
         <p:nvSpPr>
-          <p:cNvPr id="195" name="Google Shape;195;g7bef34b28b_0_76:notes"/>
+          <p:cNvPr id="195" name="Google Shape;195;g7bef34b28b_0_62:notes"/>
           <p:cNvSpPr/>
           <p:nvPr>
             <p:ph idx="2" type="sldImg"/>
@@ -2451,7 +2453,7 @@
       </p:sp>
       <p:sp>
         <p:nvSpPr>
-          <p:cNvPr id="196" name="Google Shape;196;g7bef34b28b_0_76:notes"/>
+          <p:cNvPr id="196" name="Google Shape;196;g7bef34b28b_0_62:notes"/>
           <p:cNvSpPr txBox="1"/>
           <p:nvPr>
             <p:ph idx="1" type="body"/>
@@ -2515,7 +2517,7 @@
       </p:grpSpPr>
       <p:sp>
         <p:nvSpPr>
-          <p:cNvPr id="201" name="Google Shape;201;g7bef34b28b_0_83:notes"/>
+          <p:cNvPr id="201" name="Google Shape;201;g7bef34b28b_0_69:notes"/>
           <p:cNvSpPr/>
           <p:nvPr>
             <p:ph idx="2" type="sldImg"/>
@@ -2550,7 +2552,7 @@
       </p:sp>
       <p:sp>
         <p:nvSpPr>
-          <p:cNvPr id="202" name="Google Shape;202;g7bef34b28b_0_83:notes"/>
+          <p:cNvPr id="202" name="Google Shape;202;g7bef34b28b_0_69:notes"/>
           <p:cNvSpPr txBox="1"/>
           <p:nvPr>
             <p:ph idx="1" type="body"/>
@@ -2614,7 +2616,7 @@
       </p:grpSpPr>
       <p:sp>
         <p:nvSpPr>
-          <p:cNvPr id="207" name="Google Shape;207;g7bef34b28b_0_88:notes"/>
+          <p:cNvPr id="207" name="Google Shape;207;g7bef34b28b_0_76:notes"/>
           <p:cNvSpPr/>
           <p:nvPr>
             <p:ph idx="2" type="sldImg"/>
@@ -2649,7 +2651,7 @@
       </p:sp>
       <p:sp>
         <p:nvSpPr>
-          <p:cNvPr id="208" name="Google Shape;208;g7bef34b28b_0_88:notes"/>
+          <p:cNvPr id="208" name="Google Shape;208;g7bef34b28b_0_76:notes"/>
           <p:cNvSpPr txBox="1"/>
           <p:nvPr>
             <p:ph idx="1" type="body"/>
@@ -2713,7 +2715,7 @@
       </p:grpSpPr>
       <p:sp>
         <p:nvSpPr>
-          <p:cNvPr id="213" name="Google Shape;213;g7bef34b28b_0_96:notes"/>
+          <p:cNvPr id="213" name="Google Shape;213;g7bef34b28b_0_83:notes"/>
           <p:cNvSpPr/>
           <p:nvPr>
             <p:ph idx="2" type="sldImg"/>
@@ -2748,7 +2750,7 @@
       </p:sp>
       <p:sp>
         <p:nvSpPr>
-          <p:cNvPr id="214" name="Google Shape;214;g7bef34b28b_0_96:notes"/>
+          <p:cNvPr id="214" name="Google Shape;214;g7bef34b28b_0_83:notes"/>
           <p:cNvSpPr txBox="1"/>
           <p:nvPr>
             <p:ph idx="1" type="body"/>
@@ -2812,7 +2814,7 @@
       </p:grpSpPr>
       <p:sp>
         <p:nvSpPr>
-          <p:cNvPr id="219" name="Google Shape;219;g5ff9bbdfc0_0_19:notes"/>
+          <p:cNvPr id="219" name="Google Shape;219;g7bef34b28b_0_88:notes"/>
           <p:cNvSpPr/>
           <p:nvPr>
             <p:ph idx="2" type="sldImg"/>
@@ -2847,7 +2849,7 @@
       </p:sp>
       <p:sp>
         <p:nvSpPr>
-          <p:cNvPr id="220" name="Google Shape;220;g5ff9bbdfc0_0_19:notes"/>
+          <p:cNvPr id="220" name="Google Shape;220;g7bef34b28b_0_88:notes"/>
           <p:cNvSpPr txBox="1"/>
           <p:nvPr>
             <p:ph idx="1" type="body"/>
@@ -2947,6 +2949,204 @@
       <p:sp>
         <p:nvSpPr>
           <p:cNvPr id="65" name="Google Shape;65;g5ff9bbdfc0_0_3:notes"/>
+          <p:cNvSpPr txBox="1"/>
+          <p:nvPr>
+            <p:ph idx="1" type="body"/>
+          </p:nvPr>
+        </p:nvSpPr>
+        <p:spPr>
+          <a:xfrm>
+            <a:off x="685800" y="4343400"/>
+            <a:ext cx="5486400" cy="4114800"/>
+          </a:xfrm>
+          <a:prstGeom prst="rect">
+            <a:avLst/>
+          </a:prstGeom>
+        </p:spPr>
+        <p:txBody>
+          <a:bodyPr anchorCtr="0" anchor="t" bIns="91425" lIns="91425" spcFirstLastPara="1" rIns="91425" wrap="square" tIns="91425">
+            <a:noAutofit/>
+          </a:bodyPr>
+          <a:lstStyle/>
+          <a:p>
+            <a:pPr indent="0" lvl="0" marL="0" rtl="0" algn="l">
+              <a:spcBef>
+                <a:spcPts val="0"/>
+              </a:spcBef>
+              <a:spcAft>
+                <a:spcPts val="0"/>
+              </a:spcAft>
+              <a:buNone/>
+            </a:pPr>
+            <a:r>
+              <a:t/>
+            </a:r>
+            <a:endParaRPr/>
+          </a:p>
+        </p:txBody>
+      </p:sp>
+    </p:spTree>
+  </p:cSld>
+  <p:clrMapOvr>
+    <a:masterClrMapping/>
+  </p:clrMapOvr>
+</p:notes>
+</file>
+
+<file path=ppt/notesSlides/notesSlide30.xml><?xml version="1.0" encoding="utf-8"?>
+<p:notes xmlns:a="http://schemas.openxmlformats.org/drawingml/2006/main" xmlns:r="http://schemas.openxmlformats.org/officeDocument/2006/relationships" xmlns:mc="http://schemas.openxmlformats.org/markup-compatibility/2006" xmlns:mv="urn:schemas-microsoft-com:mac:vml" xmlns:p="http://schemas.openxmlformats.org/presentationml/2006/main" xmlns:c="http://schemas.openxmlformats.org/drawingml/2006/chart" xmlns:dgm="http://schemas.openxmlformats.org/drawingml/2006/diagram" xmlns:o="urn:schemas-microsoft-com:office:office" xmlns:v="urn:schemas-microsoft-com:vml" xmlns:pvml="urn:schemas-microsoft-com:office:powerpoint" xmlns:com="http://schemas.openxmlformats.org/drawingml/2006/compatibility" xmlns:p14="http://schemas.microsoft.com/office/powerpoint/2010/main" xmlns:p15="http://schemas.microsoft.com/office/powerpoint/2012/main" showMasterPhAnim="0" showMasterSp="0">
+  <p:cSld>
+    <p:spTree>
+      <p:nvGrpSpPr>
+        <p:cNvPr id="224" name="Shape 224"/>
+        <p:cNvGrpSpPr/>
+        <p:nvPr/>
+      </p:nvGrpSpPr>
+      <p:grpSpPr>
+        <a:xfrm>
+          <a:off x="0" y="0"/>
+          <a:ext cx="0" cy="0"/>
+          <a:chOff x="0" y="0"/>
+          <a:chExt cx="0" cy="0"/>
+        </a:xfrm>
+      </p:grpSpPr>
+      <p:sp>
+        <p:nvSpPr>
+          <p:cNvPr id="225" name="Google Shape;225;g7bef34b28b_0_96:notes"/>
+          <p:cNvSpPr/>
+          <p:nvPr>
+            <p:ph idx="2" type="sldImg"/>
+          </p:nvPr>
+        </p:nvSpPr>
+        <p:spPr>
+          <a:xfrm>
+            <a:off x="381300" y="685800"/>
+            <a:ext cx="6096000" cy="3429000"/>
+          </a:xfrm>
+          <a:custGeom>
+            <a:rect b="b" l="l" r="r" t="t"/>
+            <a:pathLst>
+              <a:path extrusionOk="0" h="120000" w="120000">
+                <a:moveTo>
+                  <a:pt x="0" y="0"/>
+                </a:moveTo>
+                <a:lnTo>
+                  <a:pt x="120000" y="0"/>
+                </a:lnTo>
+                <a:lnTo>
+                  <a:pt x="120000" y="120000"/>
+                </a:lnTo>
+                <a:lnTo>
+                  <a:pt x="0" y="120000"/>
+                </a:lnTo>
+                <a:close/>
+              </a:path>
+            </a:pathLst>
+          </a:custGeom>
+        </p:spPr>
+      </p:sp>
+      <p:sp>
+        <p:nvSpPr>
+          <p:cNvPr id="226" name="Google Shape;226;g7bef34b28b_0_96:notes"/>
+          <p:cNvSpPr txBox="1"/>
+          <p:nvPr>
+            <p:ph idx="1" type="body"/>
+          </p:nvPr>
+        </p:nvSpPr>
+        <p:spPr>
+          <a:xfrm>
+            <a:off x="685800" y="4343400"/>
+            <a:ext cx="5486400" cy="4114800"/>
+          </a:xfrm>
+          <a:prstGeom prst="rect">
+            <a:avLst/>
+          </a:prstGeom>
+        </p:spPr>
+        <p:txBody>
+          <a:bodyPr anchorCtr="0" anchor="t" bIns="91425" lIns="91425" spcFirstLastPara="1" rIns="91425" wrap="square" tIns="91425">
+            <a:noAutofit/>
+          </a:bodyPr>
+          <a:lstStyle/>
+          <a:p>
+            <a:pPr indent="0" lvl="0" marL="0" rtl="0" algn="l">
+              <a:spcBef>
+                <a:spcPts val="0"/>
+              </a:spcBef>
+              <a:spcAft>
+                <a:spcPts val="0"/>
+              </a:spcAft>
+              <a:buNone/>
+            </a:pPr>
+            <a:r>
+              <a:t/>
+            </a:r>
+            <a:endParaRPr/>
+          </a:p>
+        </p:txBody>
+      </p:sp>
+    </p:spTree>
+  </p:cSld>
+  <p:clrMapOvr>
+    <a:masterClrMapping/>
+  </p:clrMapOvr>
+</p:notes>
+</file>
+
+<file path=ppt/notesSlides/notesSlide31.xml><?xml version="1.0" encoding="utf-8"?>
+<p:notes xmlns:a="http://schemas.openxmlformats.org/drawingml/2006/main" xmlns:r="http://schemas.openxmlformats.org/officeDocument/2006/relationships" xmlns:mc="http://schemas.openxmlformats.org/markup-compatibility/2006" xmlns:mv="urn:schemas-microsoft-com:mac:vml" xmlns:p="http://schemas.openxmlformats.org/presentationml/2006/main" xmlns:c="http://schemas.openxmlformats.org/drawingml/2006/chart" xmlns:dgm="http://schemas.openxmlformats.org/drawingml/2006/diagram" xmlns:o="urn:schemas-microsoft-com:office:office" xmlns:v="urn:schemas-microsoft-com:vml" xmlns:pvml="urn:schemas-microsoft-com:office:powerpoint" xmlns:com="http://schemas.openxmlformats.org/drawingml/2006/compatibility" xmlns:p14="http://schemas.microsoft.com/office/powerpoint/2010/main" xmlns:p15="http://schemas.microsoft.com/office/powerpoint/2012/main" showMasterPhAnim="0" showMasterSp="0">
+  <p:cSld>
+    <p:spTree>
+      <p:nvGrpSpPr>
+        <p:cNvPr id="230" name="Shape 230"/>
+        <p:cNvGrpSpPr/>
+        <p:nvPr/>
+      </p:nvGrpSpPr>
+      <p:grpSpPr>
+        <a:xfrm>
+          <a:off x="0" y="0"/>
+          <a:ext cx="0" cy="0"/>
+          <a:chOff x="0" y="0"/>
+          <a:chExt cx="0" cy="0"/>
+        </a:xfrm>
+      </p:grpSpPr>
+      <p:sp>
+        <p:nvSpPr>
+          <p:cNvPr id="231" name="Google Shape;231;g5ff9bbdfc0_0_19:notes"/>
+          <p:cNvSpPr/>
+          <p:nvPr>
+            <p:ph idx="2" type="sldImg"/>
+          </p:nvPr>
+        </p:nvSpPr>
+        <p:spPr>
+          <a:xfrm>
+            <a:off x="381300" y="685800"/>
+            <a:ext cx="6096000" cy="3429000"/>
+          </a:xfrm>
+          <a:custGeom>
+            <a:rect b="b" l="l" r="r" t="t"/>
+            <a:pathLst>
+              <a:path extrusionOk="0" h="120000" w="120000">
+                <a:moveTo>
+                  <a:pt x="0" y="0"/>
+                </a:moveTo>
+                <a:lnTo>
+                  <a:pt x="120000" y="0"/>
+                </a:lnTo>
+                <a:lnTo>
+                  <a:pt x="120000" y="120000"/>
+                </a:lnTo>
+                <a:lnTo>
+                  <a:pt x="0" y="120000"/>
+                </a:lnTo>
+                <a:close/>
+              </a:path>
+            </a:pathLst>
+          </a:custGeom>
+        </p:spPr>
+      </p:sp>
+      <p:sp>
+        <p:nvSpPr>
+          <p:cNvPr id="232" name="Google Shape;232;g5ff9bbdfc0_0_19:notes"/>
           <p:cNvSpPr txBox="1"/>
           <p:nvPr>
             <p:ph idx="1" type="body"/>
@@ -8925,7 +9125,7 @@
             <a:tbl>
               <a:tblPr>
                 <a:noFill/>
-                <a:tableStyleId>{B29A04C5-502E-4DCB-B572-0C4E099E525D}</a:tableStyleId>
+                <a:tableStyleId>{4E8D7F8A-5531-4F8F-B100-C7D9161E86EE}</a:tableStyleId>
               </a:tblPr>
               <a:tblGrid>
                 <a:gridCol w="2572325"/>
@@ -11035,9 +11235,140 @@
           <a:chExt cx="0" cy="0"/>
         </a:xfrm>
       </p:grpSpPr>
+      <p:sp>
+        <p:nvSpPr>
+          <p:cNvPr id="138" name="Google Shape;138;p27"/>
+          <p:cNvSpPr txBox="1"/>
+          <p:nvPr>
+            <p:ph type="ctrTitle"/>
+          </p:nvPr>
+        </p:nvSpPr>
+        <p:spPr>
+          <a:xfrm>
+            <a:off x="200800" y="726950"/>
+            <a:ext cx="4884600" cy="1844700"/>
+          </a:xfrm>
+          <a:prstGeom prst="rect">
+            <a:avLst/>
+          </a:prstGeom>
+        </p:spPr>
+        <p:txBody>
+          <a:bodyPr anchorCtr="0" anchor="b" bIns="91425" lIns="91425" spcFirstLastPara="1" rIns="91425" wrap="square" tIns="91425">
+            <a:noAutofit/>
+          </a:bodyPr>
+          <a:lstStyle/>
+          <a:p>
+            <a:pPr indent="0" lvl="0" marL="0" rtl="0" algn="ctr">
+              <a:lnSpc>
+                <a:spcPct val="115000"/>
+              </a:lnSpc>
+              <a:spcBef>
+                <a:spcPts val="0"/>
+              </a:spcBef>
+              <a:spcAft>
+                <a:spcPts val="0"/>
+              </a:spcAft>
+              <a:buNone/>
+            </a:pPr>
+            <a:r>
+              <a:rPr b="1" lang="en" sz="3000">
+                <a:solidFill>
+                  <a:srgbClr val="FFFFFF"/>
+                </a:solidFill>
+              </a:rPr>
+              <a:t>HIGH LEVEL </a:t>
+            </a:r>
+            <a:endParaRPr b="1" sz="3000">
+              <a:solidFill>
+                <a:srgbClr val="FFFFFF"/>
+              </a:solidFill>
+            </a:endParaRPr>
+          </a:p>
+          <a:p>
+            <a:pPr indent="0" lvl="0" marL="0" rtl="0" algn="ctr">
+              <a:lnSpc>
+                <a:spcPct val="115000"/>
+              </a:lnSpc>
+              <a:spcBef>
+                <a:spcPts val="0"/>
+              </a:spcBef>
+              <a:spcAft>
+                <a:spcPts val="0"/>
+              </a:spcAft>
+              <a:buNone/>
+            </a:pPr>
+            <a:r>
+              <a:rPr b="1" lang="en" sz="3000">
+                <a:solidFill>
+                  <a:srgbClr val="FFFFFF"/>
+                </a:solidFill>
+              </a:rPr>
+              <a:t>BLOCK DIAGRAM</a:t>
+            </a:r>
+            <a:endParaRPr sz="3000">
+              <a:solidFill>
+                <a:srgbClr val="FFFFFF"/>
+              </a:solidFill>
+            </a:endParaRPr>
+          </a:p>
+        </p:txBody>
+      </p:sp>
       <p:pic>
         <p:nvPicPr>
-          <p:cNvPr id="138" name="Google Shape;138;p27"/>
+          <p:cNvPr id="139" name="Google Shape;139;p27"/>
+          <p:cNvPicPr preferRelativeResize="0"/>
+          <p:nvPr/>
+        </p:nvPicPr>
+        <p:blipFill>
+          <a:blip r:embed="rId3">
+            <a:alphaModFix/>
+          </a:blip>
+          <a:stretch>
+            <a:fillRect/>
+          </a:stretch>
+        </p:blipFill>
+        <p:spPr>
+          <a:xfrm>
+            <a:off x="5513825" y="152400"/>
+            <a:ext cx="3477774" cy="5883224"/>
+          </a:xfrm>
+          <a:prstGeom prst="rect">
+            <a:avLst/>
+          </a:prstGeom>
+          <a:noFill/>
+          <a:ln>
+            <a:noFill/>
+          </a:ln>
+        </p:spPr>
+      </p:pic>
+    </p:spTree>
+  </p:cSld>
+  <p:clrMapOvr>
+    <a:masterClrMapping/>
+  </p:clrMapOvr>
+</p:sld>
+</file>
+
+<file path=ppt/slides/slide16.xml><?xml version="1.0" encoding="utf-8"?>
+<p:sld xmlns:a="http://schemas.openxmlformats.org/drawingml/2006/main" xmlns:r="http://schemas.openxmlformats.org/officeDocument/2006/relationships" xmlns:mc="http://schemas.openxmlformats.org/markup-compatibility/2006" xmlns:mv="urn:schemas-microsoft-com:mac:vml" xmlns:p="http://schemas.openxmlformats.org/presentationml/2006/main" xmlns:c="http://schemas.openxmlformats.org/drawingml/2006/chart" xmlns:dgm="http://schemas.openxmlformats.org/drawingml/2006/diagram" xmlns:o="urn:schemas-microsoft-com:office:office" xmlns:v="urn:schemas-microsoft-com:vml" xmlns:pvml="urn:schemas-microsoft-com:office:powerpoint" xmlns:com="http://schemas.openxmlformats.org/drawingml/2006/compatibility" xmlns:p14="http://schemas.microsoft.com/office/powerpoint/2010/main" xmlns:p15="http://schemas.microsoft.com/office/powerpoint/2012/main">
+  <p:cSld>
+    <p:spTree>
+      <p:nvGrpSpPr>
+        <p:cNvPr id="143" name="Shape 143"/>
+        <p:cNvGrpSpPr/>
+        <p:nvPr/>
+      </p:nvGrpSpPr>
+      <p:grpSpPr>
+        <a:xfrm>
+          <a:off x="0" y="0"/>
+          <a:ext cx="0" cy="0"/>
+          <a:chOff x="0" y="0"/>
+          <a:chExt cx="0" cy="0"/>
+        </a:xfrm>
+      </p:grpSpPr>
+      <p:pic>
+        <p:nvPicPr>
+          <p:cNvPr id="144" name="Google Shape;144;p28"/>
           <p:cNvPicPr preferRelativeResize="0"/>
           <p:nvPr/>
         </p:nvPicPr>
@@ -11071,12 +11402,143 @@
 </p:sld>
 </file>
 
-<file path=ppt/slides/slide16.xml><?xml version="1.0" encoding="utf-8"?>
+<file path=ppt/slides/slide17.xml><?xml version="1.0" encoding="utf-8"?>
 <p:sld xmlns:a="http://schemas.openxmlformats.org/drawingml/2006/main" xmlns:r="http://schemas.openxmlformats.org/officeDocument/2006/relationships" xmlns:mc="http://schemas.openxmlformats.org/markup-compatibility/2006" xmlns:mv="urn:schemas-microsoft-com:mac:vml" xmlns:p="http://schemas.openxmlformats.org/presentationml/2006/main" xmlns:c="http://schemas.openxmlformats.org/drawingml/2006/chart" xmlns:dgm="http://schemas.openxmlformats.org/drawingml/2006/diagram" xmlns:o="urn:schemas-microsoft-com:office:office" xmlns:v="urn:schemas-microsoft-com:vml" xmlns:pvml="urn:schemas-microsoft-com:office:powerpoint" xmlns:com="http://schemas.openxmlformats.org/drawingml/2006/compatibility" xmlns:p14="http://schemas.microsoft.com/office/powerpoint/2010/main" xmlns:p15="http://schemas.microsoft.com/office/powerpoint/2012/main">
   <p:cSld>
     <p:spTree>
       <p:nvGrpSpPr>
-        <p:cNvPr id="142" name="Shape 142"/>
+        <p:cNvPr id="148" name="Shape 148"/>
+        <p:cNvGrpSpPr/>
+        <p:nvPr/>
+      </p:nvGrpSpPr>
+      <p:grpSpPr>
+        <a:xfrm>
+          <a:off x="0" y="0"/>
+          <a:ext cx="0" cy="0"/>
+          <a:chOff x="0" y="0"/>
+          <a:chExt cx="0" cy="0"/>
+        </a:xfrm>
+      </p:grpSpPr>
+      <p:sp>
+        <p:nvSpPr>
+          <p:cNvPr id="149" name="Google Shape;149;p29"/>
+          <p:cNvSpPr txBox="1"/>
+          <p:nvPr>
+            <p:ph type="ctrTitle"/>
+          </p:nvPr>
+        </p:nvSpPr>
+        <p:spPr>
+          <a:xfrm>
+            <a:off x="200800" y="726950"/>
+            <a:ext cx="4884600" cy="1844700"/>
+          </a:xfrm>
+          <a:prstGeom prst="rect">
+            <a:avLst/>
+          </a:prstGeom>
+        </p:spPr>
+        <p:txBody>
+          <a:bodyPr anchorCtr="0" anchor="b" bIns="91425" lIns="91425" spcFirstLastPara="1" rIns="91425" wrap="square" tIns="91425">
+            <a:noAutofit/>
+          </a:bodyPr>
+          <a:lstStyle/>
+          <a:p>
+            <a:pPr indent="0" lvl="0" marL="0" rtl="0" algn="ctr">
+              <a:lnSpc>
+                <a:spcPct val="115000"/>
+              </a:lnSpc>
+              <a:spcBef>
+                <a:spcPts val="0"/>
+              </a:spcBef>
+              <a:spcAft>
+                <a:spcPts val="0"/>
+              </a:spcAft>
+              <a:buNone/>
+            </a:pPr>
+            <a:r>
+              <a:rPr b="1" lang="en" sz="3000">
+                <a:solidFill>
+                  <a:srgbClr val="FFFFFF"/>
+                </a:solidFill>
+              </a:rPr>
+              <a:t>HIGH LEVEL </a:t>
+            </a:r>
+            <a:endParaRPr b="1" sz="3000">
+              <a:solidFill>
+                <a:srgbClr val="FFFFFF"/>
+              </a:solidFill>
+            </a:endParaRPr>
+          </a:p>
+          <a:p>
+            <a:pPr indent="0" lvl="0" marL="0" rtl="0" algn="ctr">
+              <a:lnSpc>
+                <a:spcPct val="115000"/>
+              </a:lnSpc>
+              <a:spcBef>
+                <a:spcPts val="0"/>
+              </a:spcBef>
+              <a:spcAft>
+                <a:spcPts val="0"/>
+              </a:spcAft>
+              <a:buNone/>
+            </a:pPr>
+            <a:r>
+              <a:rPr b="1" lang="en" sz="3000">
+                <a:solidFill>
+                  <a:srgbClr val="FFFFFF"/>
+                </a:solidFill>
+              </a:rPr>
+              <a:t>BLOCK DIAGRAM</a:t>
+            </a:r>
+            <a:endParaRPr sz="3000">
+              <a:solidFill>
+                <a:srgbClr val="FFFFFF"/>
+              </a:solidFill>
+            </a:endParaRPr>
+          </a:p>
+        </p:txBody>
+      </p:sp>
+      <p:pic>
+        <p:nvPicPr>
+          <p:cNvPr id="150" name="Google Shape;150;p29"/>
+          <p:cNvPicPr preferRelativeResize="0"/>
+          <p:nvPr/>
+        </p:nvPicPr>
+        <p:blipFill>
+          <a:blip r:embed="rId3">
+            <a:alphaModFix/>
+          </a:blip>
+          <a:stretch>
+            <a:fillRect/>
+          </a:stretch>
+        </p:blipFill>
+        <p:spPr>
+          <a:xfrm>
+            <a:off x="5513825" y="152400"/>
+            <a:ext cx="3477774" cy="5883224"/>
+          </a:xfrm>
+          <a:prstGeom prst="rect">
+            <a:avLst/>
+          </a:prstGeom>
+          <a:noFill/>
+          <a:ln>
+            <a:noFill/>
+          </a:ln>
+        </p:spPr>
+      </p:pic>
+    </p:spTree>
+  </p:cSld>
+  <p:clrMapOvr>
+    <a:masterClrMapping/>
+  </p:clrMapOvr>
+</p:sld>
+</file>
+
+<file path=ppt/slides/slide18.xml><?xml version="1.0" encoding="utf-8"?>
+<p:sld xmlns:a="http://schemas.openxmlformats.org/drawingml/2006/main" xmlns:r="http://schemas.openxmlformats.org/officeDocument/2006/relationships" xmlns:mc="http://schemas.openxmlformats.org/markup-compatibility/2006" xmlns:mv="urn:schemas-microsoft-com:mac:vml" xmlns:p="http://schemas.openxmlformats.org/presentationml/2006/main" xmlns:c="http://schemas.openxmlformats.org/drawingml/2006/chart" xmlns:dgm="http://schemas.openxmlformats.org/drawingml/2006/diagram" xmlns:o="urn:schemas-microsoft-com:office:office" xmlns:v="urn:schemas-microsoft-com:vml" xmlns:pvml="urn:schemas-microsoft-com:office:powerpoint" xmlns:com="http://schemas.openxmlformats.org/drawingml/2006/compatibility" xmlns:p14="http://schemas.microsoft.com/office/powerpoint/2010/main" xmlns:p15="http://schemas.microsoft.com/office/powerpoint/2012/main">
+  <p:cSld>
+    <p:spTree>
+      <p:nvGrpSpPr>
+        <p:cNvPr id="154" name="Shape 154"/>
         <p:cNvGrpSpPr/>
         <p:nvPr/>
       </p:nvGrpSpPr>
@@ -11090,7 +11552,7 @@
       </p:grpSpPr>
       <p:pic>
         <p:nvPicPr>
-          <p:cNvPr id="143" name="Google Shape;143;p28"/>
+          <p:cNvPr id="155" name="Google Shape;155;p30"/>
           <p:cNvPicPr preferRelativeResize="0"/>
           <p:nvPr/>
         </p:nvPicPr>
@@ -11123,12 +11585,12 @@
 </p:sld>
 </file>
 
-<file path=ppt/slides/slide17.xml><?xml version="1.0" encoding="utf-8"?>
+<file path=ppt/slides/slide19.xml><?xml version="1.0" encoding="utf-8"?>
 <p:sld xmlns:a="http://schemas.openxmlformats.org/drawingml/2006/main" xmlns:r="http://schemas.openxmlformats.org/officeDocument/2006/relationships" xmlns:mc="http://schemas.openxmlformats.org/markup-compatibility/2006" xmlns:mv="urn:schemas-microsoft-com:mac:vml" xmlns:p="http://schemas.openxmlformats.org/presentationml/2006/main" xmlns:c="http://schemas.openxmlformats.org/drawingml/2006/chart" xmlns:dgm="http://schemas.openxmlformats.org/drawingml/2006/diagram" xmlns:o="urn:schemas-microsoft-com:office:office" xmlns:v="urn:schemas-microsoft-com:vml" xmlns:pvml="urn:schemas-microsoft-com:office:powerpoint" xmlns:com="http://schemas.openxmlformats.org/drawingml/2006/compatibility" xmlns:p14="http://schemas.microsoft.com/office/powerpoint/2010/main" xmlns:p15="http://schemas.microsoft.com/office/powerpoint/2012/main">
   <p:cSld>
     <p:spTree>
       <p:nvGrpSpPr>
-        <p:cNvPr id="147" name="Shape 147"/>
+        <p:cNvPr id="159" name="Shape 159"/>
         <p:cNvGrpSpPr/>
         <p:nvPr/>
       </p:nvGrpSpPr>
@@ -11142,7 +11604,7 @@
       </p:grpSpPr>
       <p:sp>
         <p:nvSpPr>
-          <p:cNvPr id="148" name="Google Shape;148;p29"/>
+          <p:cNvPr id="160" name="Google Shape;160;p31"/>
           <p:cNvSpPr txBox="1"/>
           <p:nvPr>
             <p:ph type="ctrTitle"/>
@@ -11193,7 +11655,7 @@
       </p:sp>
       <p:sp>
         <p:nvSpPr>
-          <p:cNvPr id="149" name="Google Shape;149;p29"/>
+          <p:cNvPr id="161" name="Google Shape;161;p31"/>
           <p:cNvSpPr txBox="1"/>
           <p:nvPr>
             <p:ph idx="1" type="subTitle"/>
@@ -11434,7 +11896,7 @@
       </p:sp>
       <p:sp>
         <p:nvSpPr>
-          <p:cNvPr id="150" name="Google Shape;150;p29"/>
+          <p:cNvPr id="162" name="Google Shape;162;p31"/>
           <p:cNvSpPr txBox="1"/>
           <p:nvPr>
             <p:ph idx="1" type="subTitle"/>
@@ -11544,709 +12006,6 @@
             <a:endParaRPr sz="1800">
               <a:solidFill>
                 <a:schemeClr val="dk1"/>
-              </a:solidFill>
-            </a:endParaRPr>
-          </a:p>
-        </p:txBody>
-      </p:sp>
-    </p:spTree>
-  </p:cSld>
-  <p:clrMapOvr>
-    <a:masterClrMapping/>
-  </p:clrMapOvr>
-</p:sld>
-</file>
-
-<file path=ppt/slides/slide18.xml><?xml version="1.0" encoding="utf-8"?>
-<p:sld xmlns:a="http://schemas.openxmlformats.org/drawingml/2006/main" xmlns:r="http://schemas.openxmlformats.org/officeDocument/2006/relationships" xmlns:mc="http://schemas.openxmlformats.org/markup-compatibility/2006" xmlns:mv="urn:schemas-microsoft-com:mac:vml" xmlns:p="http://schemas.openxmlformats.org/presentationml/2006/main" xmlns:c="http://schemas.openxmlformats.org/drawingml/2006/chart" xmlns:dgm="http://schemas.openxmlformats.org/drawingml/2006/diagram" xmlns:o="urn:schemas-microsoft-com:office:office" xmlns:v="urn:schemas-microsoft-com:vml" xmlns:pvml="urn:schemas-microsoft-com:office:powerpoint" xmlns:com="http://schemas.openxmlformats.org/drawingml/2006/compatibility" xmlns:p14="http://schemas.microsoft.com/office/powerpoint/2010/main" xmlns:p15="http://schemas.microsoft.com/office/powerpoint/2012/main">
-  <p:cSld>
-    <p:spTree>
-      <p:nvGrpSpPr>
-        <p:cNvPr id="154" name="Shape 154"/>
-        <p:cNvGrpSpPr/>
-        <p:nvPr/>
-      </p:nvGrpSpPr>
-      <p:grpSpPr>
-        <a:xfrm>
-          <a:off x="0" y="0"/>
-          <a:ext cx="0" cy="0"/>
-          <a:chOff x="0" y="0"/>
-          <a:chExt cx="0" cy="0"/>
-        </a:xfrm>
-      </p:grpSpPr>
-      <p:sp>
-        <p:nvSpPr>
-          <p:cNvPr id="155" name="Google Shape;155;p30"/>
-          <p:cNvSpPr txBox="1"/>
-          <p:nvPr>
-            <p:ph type="ctrTitle"/>
-          </p:nvPr>
-        </p:nvSpPr>
-        <p:spPr>
-          <a:xfrm>
-            <a:off x="2060275" y="382325"/>
-            <a:ext cx="4884600" cy="860700"/>
-          </a:xfrm>
-          <a:prstGeom prst="rect">
-            <a:avLst/>
-          </a:prstGeom>
-        </p:spPr>
-        <p:txBody>
-          <a:bodyPr anchorCtr="0" anchor="b" bIns="91425" lIns="91425" spcFirstLastPara="1" rIns="91425" wrap="square" tIns="91425">
-            <a:noAutofit/>
-          </a:bodyPr>
-          <a:lstStyle/>
-          <a:p>
-            <a:pPr indent="0" lvl="0" marL="0" rtl="0" algn="ctr">
-              <a:lnSpc>
-                <a:spcPct val="115000"/>
-              </a:lnSpc>
-              <a:spcBef>
-                <a:spcPts val="0"/>
-              </a:spcBef>
-              <a:spcAft>
-                <a:spcPts val="0"/>
-              </a:spcAft>
-              <a:buNone/>
-            </a:pPr>
-            <a:r>
-              <a:rPr b="1" lang="en" sz="3000">
-                <a:solidFill>
-                  <a:srgbClr val="FFFFFF"/>
-                </a:solidFill>
-              </a:rPr>
-              <a:t>BACKGROUND SCRIPT</a:t>
-            </a:r>
-            <a:endParaRPr sz="3000">
-              <a:solidFill>
-                <a:srgbClr val="FFFFFF"/>
-              </a:solidFill>
-            </a:endParaRPr>
-          </a:p>
-        </p:txBody>
-      </p:sp>
-      <p:sp>
-        <p:nvSpPr>
-          <p:cNvPr id="156" name="Google Shape;156;p30"/>
-          <p:cNvSpPr txBox="1"/>
-          <p:nvPr>
-            <p:ph idx="1" type="subTitle"/>
-          </p:nvPr>
-        </p:nvSpPr>
-        <p:spPr>
-          <a:xfrm>
-            <a:off x="1027500" y="1367525"/>
-            <a:ext cx="7089000" cy="3259500"/>
-          </a:xfrm>
-          <a:prstGeom prst="rect">
-            <a:avLst/>
-          </a:prstGeom>
-        </p:spPr>
-        <p:txBody>
-          <a:bodyPr anchorCtr="0" anchor="t" bIns="91425" lIns="91425" spcFirstLastPara="1" rIns="91425" wrap="square" tIns="91425">
-            <a:noAutofit/>
-          </a:bodyPr>
-          <a:lstStyle/>
-          <a:p>
-            <a:pPr indent="0" lvl="0" marL="457200" rtl="0" algn="just">
-              <a:lnSpc>
-                <a:spcPct val="115000"/>
-              </a:lnSpc>
-              <a:spcBef>
-                <a:spcPts val="0"/>
-              </a:spcBef>
-              <a:spcAft>
-                <a:spcPts val="0"/>
-              </a:spcAft>
-              <a:buNone/>
-            </a:pPr>
-            <a:r>
-              <a:rPr i="1" lang="en" sz="1800">
-                <a:solidFill>
-                  <a:srgbClr val="FFFFFF"/>
-                </a:solidFill>
-              </a:rPr>
-              <a:t>Begin</a:t>
-            </a:r>
-            <a:endParaRPr i="1" sz="1800">
-              <a:solidFill>
-                <a:srgbClr val="FFFFFF"/>
-              </a:solidFill>
-            </a:endParaRPr>
-          </a:p>
-          <a:p>
-            <a:pPr indent="457200" lvl="0" marL="457200" rtl="0" algn="just">
-              <a:lnSpc>
-                <a:spcPct val="115000"/>
-              </a:lnSpc>
-              <a:spcBef>
-                <a:spcPts val="0"/>
-              </a:spcBef>
-              <a:spcAft>
-                <a:spcPts val="0"/>
-              </a:spcAft>
-              <a:buNone/>
-            </a:pPr>
-            <a:r>
-              <a:rPr i="1" lang="en" sz="1800">
-                <a:solidFill>
-                  <a:srgbClr val="FFFFFF"/>
-                </a:solidFill>
-              </a:rPr>
-              <a:t>For each page load redirect</a:t>
-            </a:r>
-            <a:endParaRPr i="1" sz="1800">
-              <a:solidFill>
-                <a:srgbClr val="FFFFFF"/>
-              </a:solidFill>
-            </a:endParaRPr>
-          </a:p>
-          <a:p>
-            <a:pPr indent="457200" lvl="0" marL="914400" rtl="0" algn="just">
-              <a:lnSpc>
-                <a:spcPct val="115000"/>
-              </a:lnSpc>
-              <a:spcBef>
-                <a:spcPts val="0"/>
-              </a:spcBef>
-              <a:spcAft>
-                <a:spcPts val="0"/>
-              </a:spcAft>
-              <a:buNone/>
-            </a:pPr>
-            <a:r>
-              <a:rPr i="1" lang="en" sz="1800">
-                <a:solidFill>
-                  <a:srgbClr val="FFFFFF"/>
-                </a:solidFill>
-              </a:rPr>
-              <a:t>Add listener to that event</a:t>
-            </a:r>
-            <a:endParaRPr i="1" sz="1800">
-              <a:solidFill>
-                <a:srgbClr val="FFFFFF"/>
-              </a:solidFill>
-            </a:endParaRPr>
-          </a:p>
-          <a:p>
-            <a:pPr indent="457200" lvl="0" marL="914400" rtl="0" algn="just">
-              <a:lnSpc>
-                <a:spcPct val="115000"/>
-              </a:lnSpc>
-              <a:spcBef>
-                <a:spcPts val="0"/>
-              </a:spcBef>
-              <a:spcAft>
-                <a:spcPts val="0"/>
-              </a:spcAft>
-              <a:buNone/>
-            </a:pPr>
-            <a:r>
-              <a:rPr i="1" lang="en" sz="1800">
-                <a:solidFill>
-                  <a:srgbClr val="FFFFFF"/>
-                </a:solidFill>
-              </a:rPr>
-              <a:t>Get the list of redirects from listener</a:t>
-            </a:r>
-            <a:endParaRPr i="1" sz="1800">
-              <a:solidFill>
-                <a:srgbClr val="FFFFFF"/>
-              </a:solidFill>
-            </a:endParaRPr>
-          </a:p>
-          <a:p>
-            <a:pPr indent="457200" lvl="0" marL="914400" rtl="0" algn="just">
-              <a:lnSpc>
-                <a:spcPct val="115000"/>
-              </a:lnSpc>
-              <a:spcBef>
-                <a:spcPts val="0"/>
-              </a:spcBef>
-              <a:spcAft>
-                <a:spcPts val="0"/>
-              </a:spcAft>
-              <a:buNone/>
-            </a:pPr>
-            <a:r>
-              <a:rPr i="1" lang="en" sz="1800">
-                <a:solidFill>
-                  <a:srgbClr val="FFFFFF"/>
-                </a:solidFill>
-              </a:rPr>
-              <a:t>If page is fully loaded </a:t>
-            </a:r>
-            <a:endParaRPr i="1" sz="1800">
-              <a:solidFill>
-                <a:srgbClr val="FFFFFF"/>
-              </a:solidFill>
-            </a:endParaRPr>
-          </a:p>
-          <a:p>
-            <a:pPr indent="0" lvl="0" marL="457200" rtl="0" algn="just">
-              <a:lnSpc>
-                <a:spcPct val="115000"/>
-              </a:lnSpc>
-              <a:spcBef>
-                <a:spcPts val="0"/>
-              </a:spcBef>
-              <a:spcAft>
-                <a:spcPts val="0"/>
-              </a:spcAft>
-              <a:buNone/>
-            </a:pPr>
-            <a:r>
-              <a:rPr i="1" lang="en" sz="1800">
-                <a:solidFill>
-                  <a:srgbClr val="FFFFFF"/>
-                </a:solidFill>
-              </a:rPr>
-              <a:t>			Send the list of redirects to content script</a:t>
-            </a:r>
-            <a:endParaRPr i="1" sz="1800">
-              <a:solidFill>
-                <a:srgbClr val="FFFFFF"/>
-              </a:solidFill>
-            </a:endParaRPr>
-          </a:p>
-          <a:p>
-            <a:pPr indent="457200" lvl="0" marL="457200" rtl="0" algn="just">
-              <a:lnSpc>
-                <a:spcPct val="115000"/>
-              </a:lnSpc>
-              <a:spcBef>
-                <a:spcPts val="0"/>
-              </a:spcBef>
-              <a:spcAft>
-                <a:spcPts val="0"/>
-              </a:spcAft>
-              <a:buNone/>
-            </a:pPr>
-            <a:r>
-              <a:rPr i="1" lang="en" sz="1800">
-                <a:solidFill>
-                  <a:srgbClr val="FFFFFF"/>
-                </a:solidFill>
-              </a:rPr>
-              <a:t>Done</a:t>
-            </a:r>
-            <a:endParaRPr i="1" sz="1800">
-              <a:solidFill>
-                <a:srgbClr val="FFFFFF"/>
-              </a:solidFill>
-            </a:endParaRPr>
-          </a:p>
-          <a:p>
-            <a:pPr indent="0" lvl="0" marL="457200" rtl="0" algn="just">
-              <a:lnSpc>
-                <a:spcPct val="115000"/>
-              </a:lnSpc>
-              <a:spcBef>
-                <a:spcPts val="0"/>
-              </a:spcBef>
-              <a:spcAft>
-                <a:spcPts val="0"/>
-              </a:spcAft>
-              <a:buNone/>
-            </a:pPr>
-            <a:r>
-              <a:rPr i="1" lang="en" sz="1800">
-                <a:solidFill>
-                  <a:srgbClr val="FFFFFF"/>
-                </a:solidFill>
-              </a:rPr>
-              <a:t>End</a:t>
-            </a:r>
-            <a:endParaRPr i="1" sz="1800">
-              <a:solidFill>
-                <a:srgbClr val="FFFFFF"/>
-              </a:solidFill>
-            </a:endParaRPr>
-          </a:p>
-          <a:p>
-            <a:pPr indent="0" lvl="0" marL="457200" rtl="0" algn="just">
-              <a:lnSpc>
-                <a:spcPct val="115000"/>
-              </a:lnSpc>
-              <a:spcBef>
-                <a:spcPts val="0"/>
-              </a:spcBef>
-              <a:spcAft>
-                <a:spcPts val="0"/>
-              </a:spcAft>
-              <a:buNone/>
-            </a:pPr>
-            <a:r>
-              <a:t/>
-            </a:r>
-            <a:endParaRPr i="1" sz="1800">
-              <a:solidFill>
-                <a:srgbClr val="FFFFFF"/>
-              </a:solidFill>
-            </a:endParaRPr>
-          </a:p>
-          <a:p>
-            <a:pPr indent="0" lvl="0" marL="457200" rtl="0" algn="just">
-              <a:lnSpc>
-                <a:spcPct val="115000"/>
-              </a:lnSpc>
-              <a:spcBef>
-                <a:spcPts val="0"/>
-              </a:spcBef>
-              <a:spcAft>
-                <a:spcPts val="0"/>
-              </a:spcAft>
-              <a:buNone/>
-            </a:pPr>
-            <a:r>
-              <a:t/>
-            </a:r>
-            <a:endParaRPr i="1" sz="1800">
-              <a:solidFill>
-                <a:srgbClr val="FFFFFF"/>
-              </a:solidFill>
-            </a:endParaRPr>
-          </a:p>
-        </p:txBody>
-      </p:sp>
-    </p:spTree>
-  </p:cSld>
-  <p:clrMapOvr>
-    <a:masterClrMapping/>
-  </p:clrMapOvr>
-</p:sld>
-</file>
-
-<file path=ppt/slides/slide19.xml><?xml version="1.0" encoding="utf-8"?>
-<p:sld xmlns:a="http://schemas.openxmlformats.org/drawingml/2006/main" xmlns:r="http://schemas.openxmlformats.org/officeDocument/2006/relationships" xmlns:mc="http://schemas.openxmlformats.org/markup-compatibility/2006" xmlns:mv="urn:schemas-microsoft-com:mac:vml" xmlns:p="http://schemas.openxmlformats.org/presentationml/2006/main" xmlns:c="http://schemas.openxmlformats.org/drawingml/2006/chart" xmlns:dgm="http://schemas.openxmlformats.org/drawingml/2006/diagram" xmlns:o="urn:schemas-microsoft-com:office:office" xmlns:v="urn:schemas-microsoft-com:vml" xmlns:pvml="urn:schemas-microsoft-com:office:powerpoint" xmlns:com="http://schemas.openxmlformats.org/drawingml/2006/compatibility" xmlns:p14="http://schemas.microsoft.com/office/powerpoint/2010/main" xmlns:p15="http://schemas.microsoft.com/office/powerpoint/2012/main">
-  <p:cSld>
-    <p:spTree>
-      <p:nvGrpSpPr>
-        <p:cNvPr id="160" name="Shape 160"/>
-        <p:cNvGrpSpPr/>
-        <p:nvPr/>
-      </p:nvGrpSpPr>
-      <p:grpSpPr>
-        <a:xfrm>
-          <a:off x="0" y="0"/>
-          <a:ext cx="0" cy="0"/>
-          <a:chOff x="0" y="0"/>
-          <a:chExt cx="0" cy="0"/>
-        </a:xfrm>
-      </p:grpSpPr>
-      <p:sp>
-        <p:nvSpPr>
-          <p:cNvPr id="161" name="Google Shape;161;p31"/>
-          <p:cNvSpPr txBox="1"/>
-          <p:nvPr>
-            <p:ph type="ctrTitle"/>
-          </p:nvPr>
-        </p:nvSpPr>
-        <p:spPr>
-          <a:xfrm>
-            <a:off x="2060275" y="382325"/>
-            <a:ext cx="4884600" cy="860700"/>
-          </a:xfrm>
-          <a:prstGeom prst="rect">
-            <a:avLst/>
-          </a:prstGeom>
-        </p:spPr>
-        <p:txBody>
-          <a:bodyPr anchorCtr="0" anchor="b" bIns="91425" lIns="91425" spcFirstLastPara="1" rIns="91425" wrap="square" tIns="91425">
-            <a:noAutofit/>
-          </a:bodyPr>
-          <a:lstStyle/>
-          <a:p>
-            <a:pPr indent="0" lvl="0" marL="0" rtl="0" algn="ctr">
-              <a:lnSpc>
-                <a:spcPct val="115000"/>
-              </a:lnSpc>
-              <a:spcBef>
-                <a:spcPts val="0"/>
-              </a:spcBef>
-              <a:spcAft>
-                <a:spcPts val="0"/>
-              </a:spcAft>
-              <a:buNone/>
-            </a:pPr>
-            <a:r>
-              <a:rPr b="1" lang="en" sz="3000">
-                <a:solidFill>
-                  <a:srgbClr val="FFFFFF"/>
-                </a:solidFill>
-              </a:rPr>
-              <a:t>CONTENT SCRIPT</a:t>
-            </a:r>
-            <a:endParaRPr sz="3000">
-              <a:solidFill>
-                <a:srgbClr val="FFFFFF"/>
-              </a:solidFill>
-            </a:endParaRPr>
-          </a:p>
-        </p:txBody>
-      </p:sp>
-      <p:sp>
-        <p:nvSpPr>
-          <p:cNvPr id="162" name="Google Shape;162;p31"/>
-          <p:cNvSpPr txBox="1"/>
-          <p:nvPr>
-            <p:ph idx="1" type="subTitle"/>
-          </p:nvPr>
-        </p:nvSpPr>
-        <p:spPr>
-          <a:xfrm>
-            <a:off x="1027500" y="1367525"/>
-            <a:ext cx="7089000" cy="3259500"/>
-          </a:xfrm>
-          <a:prstGeom prst="rect">
-            <a:avLst/>
-          </a:prstGeom>
-        </p:spPr>
-        <p:txBody>
-          <a:bodyPr anchorCtr="0" anchor="t" bIns="91425" lIns="91425" spcFirstLastPara="1" rIns="91425" wrap="square" tIns="91425">
-            <a:noAutofit/>
-          </a:bodyPr>
-          <a:lstStyle/>
-          <a:p>
-            <a:pPr indent="0" lvl="0" marL="457200" rtl="0" algn="just">
-              <a:lnSpc>
-                <a:spcPct val="115000"/>
-              </a:lnSpc>
-              <a:spcBef>
-                <a:spcPts val="0"/>
-              </a:spcBef>
-              <a:spcAft>
-                <a:spcPts val="0"/>
-              </a:spcAft>
-              <a:buNone/>
-            </a:pPr>
-            <a:r>
-              <a:rPr i="1" lang="en" sz="1800">
-                <a:solidFill>
-                  <a:srgbClr val="FFFFFF"/>
-                </a:solidFill>
-              </a:rPr>
-              <a:t>Begin</a:t>
-            </a:r>
-            <a:endParaRPr i="1" sz="1800">
-              <a:solidFill>
-                <a:srgbClr val="FFFFFF"/>
-              </a:solidFill>
-            </a:endParaRPr>
-          </a:p>
-          <a:p>
-            <a:pPr indent="0" lvl="0" marL="914400" rtl="0" algn="just">
-              <a:lnSpc>
-                <a:spcPct val="115000"/>
-              </a:lnSpc>
-              <a:spcBef>
-                <a:spcPts val="0"/>
-              </a:spcBef>
-              <a:spcAft>
-                <a:spcPts val="0"/>
-              </a:spcAft>
-              <a:buNone/>
-            </a:pPr>
-            <a:r>
-              <a:rPr i="1" lang="en" sz="1800">
-                <a:solidFill>
-                  <a:srgbClr val="FFFFFF"/>
-                </a:solidFill>
-              </a:rPr>
-              <a:t>For each page load redirect</a:t>
-            </a:r>
-            <a:endParaRPr i="1" sz="1800">
-              <a:solidFill>
-                <a:srgbClr val="FFFFFF"/>
-              </a:solidFill>
-            </a:endParaRPr>
-          </a:p>
-          <a:p>
-            <a:pPr indent="0" lvl="0" marL="1371600" rtl="0" algn="just">
-              <a:lnSpc>
-                <a:spcPct val="115000"/>
-              </a:lnSpc>
-              <a:spcBef>
-                <a:spcPts val="0"/>
-              </a:spcBef>
-              <a:spcAft>
-                <a:spcPts val="0"/>
-              </a:spcAft>
-              <a:buNone/>
-            </a:pPr>
-            <a:r>
-              <a:rPr i="1" lang="en" sz="1800">
-                <a:solidFill>
-                  <a:srgbClr val="FFFFFF"/>
-                </a:solidFill>
-              </a:rPr>
-              <a:t>If page is fully loaded </a:t>
-            </a:r>
-            <a:endParaRPr i="1" sz="1800">
-              <a:solidFill>
-                <a:srgbClr val="FFFFFF"/>
-              </a:solidFill>
-            </a:endParaRPr>
-          </a:p>
-          <a:p>
-            <a:pPr indent="0" lvl="0" marL="1371600" rtl="0" algn="just">
-              <a:lnSpc>
-                <a:spcPct val="115000"/>
-              </a:lnSpc>
-              <a:spcBef>
-                <a:spcPts val="0"/>
-              </a:spcBef>
-              <a:spcAft>
-                <a:spcPts val="0"/>
-              </a:spcAft>
-              <a:buNone/>
-            </a:pPr>
-            <a:r>
-              <a:rPr i="1" lang="en" sz="1800">
-                <a:solidFill>
-                  <a:srgbClr val="FFFFFF"/>
-                </a:solidFill>
-              </a:rPr>
-              <a:t>	Get the URL from the tab</a:t>
-            </a:r>
-            <a:endParaRPr i="1" sz="1800">
-              <a:solidFill>
-                <a:srgbClr val="FFFFFF"/>
-              </a:solidFill>
-            </a:endParaRPr>
-          </a:p>
-          <a:p>
-            <a:pPr indent="0" lvl="0" marL="1371600" rtl="0" algn="just">
-              <a:lnSpc>
-                <a:spcPct val="115000"/>
-              </a:lnSpc>
-              <a:spcBef>
-                <a:spcPts val="0"/>
-              </a:spcBef>
-              <a:spcAft>
-                <a:spcPts val="0"/>
-              </a:spcAft>
-              <a:buNone/>
-            </a:pPr>
-            <a:r>
-              <a:rPr i="1" lang="en" sz="1800">
-                <a:solidFill>
-                  <a:srgbClr val="FFFFFF"/>
-                </a:solidFill>
-              </a:rPr>
-              <a:t>	Get the HTML content from innerHTML tag</a:t>
-            </a:r>
-            <a:endParaRPr i="1" sz="1800">
-              <a:solidFill>
-                <a:srgbClr val="FFFFFF"/>
-              </a:solidFill>
-            </a:endParaRPr>
-          </a:p>
-          <a:p>
-            <a:pPr indent="0" lvl="0" marL="1371600" rtl="0" algn="just">
-              <a:lnSpc>
-                <a:spcPct val="115000"/>
-              </a:lnSpc>
-              <a:spcBef>
-                <a:spcPts val="0"/>
-              </a:spcBef>
-              <a:spcAft>
-                <a:spcPts val="0"/>
-              </a:spcAft>
-              <a:buNone/>
-            </a:pPr>
-            <a:r>
-              <a:rPr i="1" lang="en" sz="1800">
-                <a:solidFill>
-                  <a:srgbClr val="FFFFFF"/>
-                </a:solidFill>
-              </a:rPr>
-              <a:t>	Get redirection list from background script</a:t>
-            </a:r>
-            <a:endParaRPr i="1" sz="1800">
-              <a:solidFill>
-                <a:srgbClr val="FFFFFF"/>
-              </a:solidFill>
-            </a:endParaRPr>
-          </a:p>
-          <a:p>
-            <a:pPr indent="0" lvl="0" marL="1371600" rtl="0" algn="just">
-              <a:lnSpc>
-                <a:spcPct val="115000"/>
-              </a:lnSpc>
-              <a:spcBef>
-                <a:spcPts val="0"/>
-              </a:spcBef>
-              <a:spcAft>
-                <a:spcPts val="0"/>
-              </a:spcAft>
-              <a:buNone/>
-            </a:pPr>
-            <a:r>
-              <a:rPr i="1" lang="en" sz="1800">
-                <a:solidFill>
-                  <a:srgbClr val="FFFFFF"/>
-                </a:solidFill>
-              </a:rPr>
-              <a:t>Send them to the background process</a:t>
-            </a:r>
-            <a:endParaRPr i="1" sz="1800">
-              <a:solidFill>
-                <a:srgbClr val="FFFFFF"/>
-              </a:solidFill>
-            </a:endParaRPr>
-          </a:p>
-          <a:p>
-            <a:pPr indent="0" lvl="0" marL="914400" rtl="0" algn="just">
-              <a:lnSpc>
-                <a:spcPct val="115000"/>
-              </a:lnSpc>
-              <a:spcBef>
-                <a:spcPts val="0"/>
-              </a:spcBef>
-              <a:spcAft>
-                <a:spcPts val="0"/>
-              </a:spcAft>
-              <a:buNone/>
-            </a:pPr>
-            <a:r>
-              <a:rPr i="1" lang="en" sz="1800">
-                <a:solidFill>
-                  <a:srgbClr val="FFFFFF"/>
-                </a:solidFill>
-              </a:rPr>
-              <a:t>Done</a:t>
-            </a:r>
-            <a:endParaRPr i="1" sz="1800">
-              <a:solidFill>
-                <a:srgbClr val="FFFFFF"/>
-              </a:solidFill>
-            </a:endParaRPr>
-          </a:p>
-          <a:p>
-            <a:pPr indent="0" lvl="0" marL="457200" rtl="0" algn="just">
-              <a:lnSpc>
-                <a:spcPct val="115000"/>
-              </a:lnSpc>
-              <a:spcBef>
-                <a:spcPts val="0"/>
-              </a:spcBef>
-              <a:spcAft>
-                <a:spcPts val="0"/>
-              </a:spcAft>
-              <a:buNone/>
-            </a:pPr>
-            <a:r>
-              <a:rPr i="1" lang="en" sz="1800">
-                <a:solidFill>
-                  <a:srgbClr val="FFFFFF"/>
-                </a:solidFill>
-              </a:rPr>
-              <a:t>End</a:t>
-            </a:r>
-            <a:endParaRPr i="1" sz="1800">
-              <a:solidFill>
-                <a:srgbClr val="FFFFFF"/>
               </a:solidFill>
             </a:endParaRPr>
           </a:p>
@@ -12666,7 +12425,7 @@
                   <a:srgbClr val="FFFFFF"/>
                 </a:solidFill>
               </a:rPr>
-              <a:t>DISPATCHER</a:t>
+              <a:t>BACKGROUND SCRIPT</a:t>
             </a:r>
             <a:endParaRPr sz="3000">
               <a:solidFill>
@@ -12679,6 +12438,709 @@
       <p:sp>
         <p:nvSpPr>
           <p:cNvPr id="168" name="Google Shape;168;p32"/>
+          <p:cNvSpPr txBox="1"/>
+          <p:nvPr>
+            <p:ph idx="1" type="subTitle"/>
+          </p:nvPr>
+        </p:nvSpPr>
+        <p:spPr>
+          <a:xfrm>
+            <a:off x="1027500" y="1367525"/>
+            <a:ext cx="7089000" cy="3259500"/>
+          </a:xfrm>
+          <a:prstGeom prst="rect">
+            <a:avLst/>
+          </a:prstGeom>
+        </p:spPr>
+        <p:txBody>
+          <a:bodyPr anchorCtr="0" anchor="t" bIns="91425" lIns="91425" spcFirstLastPara="1" rIns="91425" wrap="square" tIns="91425">
+            <a:noAutofit/>
+          </a:bodyPr>
+          <a:lstStyle/>
+          <a:p>
+            <a:pPr indent="0" lvl="0" marL="457200" rtl="0" algn="just">
+              <a:lnSpc>
+                <a:spcPct val="115000"/>
+              </a:lnSpc>
+              <a:spcBef>
+                <a:spcPts val="0"/>
+              </a:spcBef>
+              <a:spcAft>
+                <a:spcPts val="0"/>
+              </a:spcAft>
+              <a:buNone/>
+            </a:pPr>
+            <a:r>
+              <a:rPr i="1" lang="en" sz="1800">
+                <a:solidFill>
+                  <a:srgbClr val="FFFFFF"/>
+                </a:solidFill>
+              </a:rPr>
+              <a:t>Begin</a:t>
+            </a:r>
+            <a:endParaRPr i="1" sz="1800">
+              <a:solidFill>
+                <a:srgbClr val="FFFFFF"/>
+              </a:solidFill>
+            </a:endParaRPr>
+          </a:p>
+          <a:p>
+            <a:pPr indent="457200" lvl="0" marL="457200" rtl="0" algn="just">
+              <a:lnSpc>
+                <a:spcPct val="115000"/>
+              </a:lnSpc>
+              <a:spcBef>
+                <a:spcPts val="0"/>
+              </a:spcBef>
+              <a:spcAft>
+                <a:spcPts val="0"/>
+              </a:spcAft>
+              <a:buNone/>
+            </a:pPr>
+            <a:r>
+              <a:rPr i="1" lang="en" sz="1800">
+                <a:solidFill>
+                  <a:srgbClr val="FFFFFF"/>
+                </a:solidFill>
+              </a:rPr>
+              <a:t>For each page load redirect</a:t>
+            </a:r>
+            <a:endParaRPr i="1" sz="1800">
+              <a:solidFill>
+                <a:srgbClr val="FFFFFF"/>
+              </a:solidFill>
+            </a:endParaRPr>
+          </a:p>
+          <a:p>
+            <a:pPr indent="457200" lvl="0" marL="914400" rtl="0" algn="just">
+              <a:lnSpc>
+                <a:spcPct val="115000"/>
+              </a:lnSpc>
+              <a:spcBef>
+                <a:spcPts val="0"/>
+              </a:spcBef>
+              <a:spcAft>
+                <a:spcPts val="0"/>
+              </a:spcAft>
+              <a:buNone/>
+            </a:pPr>
+            <a:r>
+              <a:rPr i="1" lang="en" sz="1800">
+                <a:solidFill>
+                  <a:srgbClr val="FFFFFF"/>
+                </a:solidFill>
+              </a:rPr>
+              <a:t>Add listener to that event</a:t>
+            </a:r>
+            <a:endParaRPr i="1" sz="1800">
+              <a:solidFill>
+                <a:srgbClr val="FFFFFF"/>
+              </a:solidFill>
+            </a:endParaRPr>
+          </a:p>
+          <a:p>
+            <a:pPr indent="457200" lvl="0" marL="914400" rtl="0" algn="just">
+              <a:lnSpc>
+                <a:spcPct val="115000"/>
+              </a:lnSpc>
+              <a:spcBef>
+                <a:spcPts val="0"/>
+              </a:spcBef>
+              <a:spcAft>
+                <a:spcPts val="0"/>
+              </a:spcAft>
+              <a:buNone/>
+            </a:pPr>
+            <a:r>
+              <a:rPr i="1" lang="en" sz="1800">
+                <a:solidFill>
+                  <a:srgbClr val="FFFFFF"/>
+                </a:solidFill>
+              </a:rPr>
+              <a:t>Get the list of redirects from listener</a:t>
+            </a:r>
+            <a:endParaRPr i="1" sz="1800">
+              <a:solidFill>
+                <a:srgbClr val="FFFFFF"/>
+              </a:solidFill>
+            </a:endParaRPr>
+          </a:p>
+          <a:p>
+            <a:pPr indent="457200" lvl="0" marL="914400" rtl="0" algn="just">
+              <a:lnSpc>
+                <a:spcPct val="115000"/>
+              </a:lnSpc>
+              <a:spcBef>
+                <a:spcPts val="0"/>
+              </a:spcBef>
+              <a:spcAft>
+                <a:spcPts val="0"/>
+              </a:spcAft>
+              <a:buNone/>
+            </a:pPr>
+            <a:r>
+              <a:rPr i="1" lang="en" sz="1800">
+                <a:solidFill>
+                  <a:srgbClr val="FFFFFF"/>
+                </a:solidFill>
+              </a:rPr>
+              <a:t>If page is fully loaded </a:t>
+            </a:r>
+            <a:endParaRPr i="1" sz="1800">
+              <a:solidFill>
+                <a:srgbClr val="FFFFFF"/>
+              </a:solidFill>
+            </a:endParaRPr>
+          </a:p>
+          <a:p>
+            <a:pPr indent="0" lvl="0" marL="457200" rtl="0" algn="just">
+              <a:lnSpc>
+                <a:spcPct val="115000"/>
+              </a:lnSpc>
+              <a:spcBef>
+                <a:spcPts val="0"/>
+              </a:spcBef>
+              <a:spcAft>
+                <a:spcPts val="0"/>
+              </a:spcAft>
+              <a:buNone/>
+            </a:pPr>
+            <a:r>
+              <a:rPr i="1" lang="en" sz="1800">
+                <a:solidFill>
+                  <a:srgbClr val="FFFFFF"/>
+                </a:solidFill>
+              </a:rPr>
+              <a:t>			Send the list of redirects to content script</a:t>
+            </a:r>
+            <a:endParaRPr i="1" sz="1800">
+              <a:solidFill>
+                <a:srgbClr val="FFFFFF"/>
+              </a:solidFill>
+            </a:endParaRPr>
+          </a:p>
+          <a:p>
+            <a:pPr indent="457200" lvl="0" marL="457200" rtl="0" algn="just">
+              <a:lnSpc>
+                <a:spcPct val="115000"/>
+              </a:lnSpc>
+              <a:spcBef>
+                <a:spcPts val="0"/>
+              </a:spcBef>
+              <a:spcAft>
+                <a:spcPts val="0"/>
+              </a:spcAft>
+              <a:buNone/>
+            </a:pPr>
+            <a:r>
+              <a:rPr i="1" lang="en" sz="1800">
+                <a:solidFill>
+                  <a:srgbClr val="FFFFFF"/>
+                </a:solidFill>
+              </a:rPr>
+              <a:t>Done</a:t>
+            </a:r>
+            <a:endParaRPr i="1" sz="1800">
+              <a:solidFill>
+                <a:srgbClr val="FFFFFF"/>
+              </a:solidFill>
+            </a:endParaRPr>
+          </a:p>
+          <a:p>
+            <a:pPr indent="0" lvl="0" marL="457200" rtl="0" algn="just">
+              <a:lnSpc>
+                <a:spcPct val="115000"/>
+              </a:lnSpc>
+              <a:spcBef>
+                <a:spcPts val="0"/>
+              </a:spcBef>
+              <a:spcAft>
+                <a:spcPts val="0"/>
+              </a:spcAft>
+              <a:buNone/>
+            </a:pPr>
+            <a:r>
+              <a:rPr i="1" lang="en" sz="1800">
+                <a:solidFill>
+                  <a:srgbClr val="FFFFFF"/>
+                </a:solidFill>
+              </a:rPr>
+              <a:t>End</a:t>
+            </a:r>
+            <a:endParaRPr i="1" sz="1800">
+              <a:solidFill>
+                <a:srgbClr val="FFFFFF"/>
+              </a:solidFill>
+            </a:endParaRPr>
+          </a:p>
+          <a:p>
+            <a:pPr indent="0" lvl="0" marL="457200" rtl="0" algn="just">
+              <a:lnSpc>
+                <a:spcPct val="115000"/>
+              </a:lnSpc>
+              <a:spcBef>
+                <a:spcPts val="0"/>
+              </a:spcBef>
+              <a:spcAft>
+                <a:spcPts val="0"/>
+              </a:spcAft>
+              <a:buNone/>
+            </a:pPr>
+            <a:r>
+              <a:t/>
+            </a:r>
+            <a:endParaRPr i="1" sz="1800">
+              <a:solidFill>
+                <a:srgbClr val="FFFFFF"/>
+              </a:solidFill>
+            </a:endParaRPr>
+          </a:p>
+          <a:p>
+            <a:pPr indent="0" lvl="0" marL="457200" rtl="0" algn="just">
+              <a:lnSpc>
+                <a:spcPct val="115000"/>
+              </a:lnSpc>
+              <a:spcBef>
+                <a:spcPts val="0"/>
+              </a:spcBef>
+              <a:spcAft>
+                <a:spcPts val="0"/>
+              </a:spcAft>
+              <a:buNone/>
+            </a:pPr>
+            <a:r>
+              <a:t/>
+            </a:r>
+            <a:endParaRPr i="1" sz="1800">
+              <a:solidFill>
+                <a:srgbClr val="FFFFFF"/>
+              </a:solidFill>
+            </a:endParaRPr>
+          </a:p>
+        </p:txBody>
+      </p:sp>
+    </p:spTree>
+  </p:cSld>
+  <p:clrMapOvr>
+    <a:masterClrMapping/>
+  </p:clrMapOvr>
+</p:sld>
+</file>
+
+<file path=ppt/slides/slide21.xml><?xml version="1.0" encoding="utf-8"?>
+<p:sld xmlns:a="http://schemas.openxmlformats.org/drawingml/2006/main" xmlns:r="http://schemas.openxmlformats.org/officeDocument/2006/relationships" xmlns:mc="http://schemas.openxmlformats.org/markup-compatibility/2006" xmlns:mv="urn:schemas-microsoft-com:mac:vml" xmlns:p="http://schemas.openxmlformats.org/presentationml/2006/main" xmlns:c="http://schemas.openxmlformats.org/drawingml/2006/chart" xmlns:dgm="http://schemas.openxmlformats.org/drawingml/2006/diagram" xmlns:o="urn:schemas-microsoft-com:office:office" xmlns:v="urn:schemas-microsoft-com:vml" xmlns:pvml="urn:schemas-microsoft-com:office:powerpoint" xmlns:com="http://schemas.openxmlformats.org/drawingml/2006/compatibility" xmlns:p14="http://schemas.microsoft.com/office/powerpoint/2010/main" xmlns:p15="http://schemas.microsoft.com/office/powerpoint/2012/main">
+  <p:cSld>
+    <p:spTree>
+      <p:nvGrpSpPr>
+        <p:cNvPr id="172" name="Shape 172"/>
+        <p:cNvGrpSpPr/>
+        <p:nvPr/>
+      </p:nvGrpSpPr>
+      <p:grpSpPr>
+        <a:xfrm>
+          <a:off x="0" y="0"/>
+          <a:ext cx="0" cy="0"/>
+          <a:chOff x="0" y="0"/>
+          <a:chExt cx="0" cy="0"/>
+        </a:xfrm>
+      </p:grpSpPr>
+      <p:sp>
+        <p:nvSpPr>
+          <p:cNvPr id="173" name="Google Shape;173;p33"/>
+          <p:cNvSpPr txBox="1"/>
+          <p:nvPr>
+            <p:ph type="ctrTitle"/>
+          </p:nvPr>
+        </p:nvSpPr>
+        <p:spPr>
+          <a:xfrm>
+            <a:off x="2060275" y="382325"/>
+            <a:ext cx="4884600" cy="860700"/>
+          </a:xfrm>
+          <a:prstGeom prst="rect">
+            <a:avLst/>
+          </a:prstGeom>
+        </p:spPr>
+        <p:txBody>
+          <a:bodyPr anchorCtr="0" anchor="b" bIns="91425" lIns="91425" spcFirstLastPara="1" rIns="91425" wrap="square" tIns="91425">
+            <a:noAutofit/>
+          </a:bodyPr>
+          <a:lstStyle/>
+          <a:p>
+            <a:pPr indent="0" lvl="0" marL="0" rtl="0" algn="ctr">
+              <a:lnSpc>
+                <a:spcPct val="115000"/>
+              </a:lnSpc>
+              <a:spcBef>
+                <a:spcPts val="0"/>
+              </a:spcBef>
+              <a:spcAft>
+                <a:spcPts val="0"/>
+              </a:spcAft>
+              <a:buNone/>
+            </a:pPr>
+            <a:r>
+              <a:rPr b="1" lang="en" sz="3000">
+                <a:solidFill>
+                  <a:srgbClr val="FFFFFF"/>
+                </a:solidFill>
+              </a:rPr>
+              <a:t>CONTENT SCRIPT</a:t>
+            </a:r>
+            <a:endParaRPr sz="3000">
+              <a:solidFill>
+                <a:srgbClr val="FFFFFF"/>
+              </a:solidFill>
+            </a:endParaRPr>
+          </a:p>
+        </p:txBody>
+      </p:sp>
+      <p:sp>
+        <p:nvSpPr>
+          <p:cNvPr id="174" name="Google Shape;174;p33"/>
+          <p:cNvSpPr txBox="1"/>
+          <p:nvPr>
+            <p:ph idx="1" type="subTitle"/>
+          </p:nvPr>
+        </p:nvSpPr>
+        <p:spPr>
+          <a:xfrm>
+            <a:off x="1027500" y="1367525"/>
+            <a:ext cx="7089000" cy="3259500"/>
+          </a:xfrm>
+          <a:prstGeom prst="rect">
+            <a:avLst/>
+          </a:prstGeom>
+        </p:spPr>
+        <p:txBody>
+          <a:bodyPr anchorCtr="0" anchor="t" bIns="91425" lIns="91425" spcFirstLastPara="1" rIns="91425" wrap="square" tIns="91425">
+            <a:noAutofit/>
+          </a:bodyPr>
+          <a:lstStyle/>
+          <a:p>
+            <a:pPr indent="0" lvl="0" marL="457200" rtl="0" algn="just">
+              <a:lnSpc>
+                <a:spcPct val="115000"/>
+              </a:lnSpc>
+              <a:spcBef>
+                <a:spcPts val="0"/>
+              </a:spcBef>
+              <a:spcAft>
+                <a:spcPts val="0"/>
+              </a:spcAft>
+              <a:buNone/>
+            </a:pPr>
+            <a:r>
+              <a:rPr i="1" lang="en" sz="1800">
+                <a:solidFill>
+                  <a:srgbClr val="FFFFFF"/>
+                </a:solidFill>
+              </a:rPr>
+              <a:t>Begin</a:t>
+            </a:r>
+            <a:endParaRPr i="1" sz="1800">
+              <a:solidFill>
+                <a:srgbClr val="FFFFFF"/>
+              </a:solidFill>
+            </a:endParaRPr>
+          </a:p>
+          <a:p>
+            <a:pPr indent="0" lvl="0" marL="914400" rtl="0" algn="just">
+              <a:lnSpc>
+                <a:spcPct val="115000"/>
+              </a:lnSpc>
+              <a:spcBef>
+                <a:spcPts val="0"/>
+              </a:spcBef>
+              <a:spcAft>
+                <a:spcPts val="0"/>
+              </a:spcAft>
+              <a:buNone/>
+            </a:pPr>
+            <a:r>
+              <a:rPr i="1" lang="en" sz="1800">
+                <a:solidFill>
+                  <a:srgbClr val="FFFFFF"/>
+                </a:solidFill>
+              </a:rPr>
+              <a:t>For each page load redirect</a:t>
+            </a:r>
+            <a:endParaRPr i="1" sz="1800">
+              <a:solidFill>
+                <a:srgbClr val="FFFFFF"/>
+              </a:solidFill>
+            </a:endParaRPr>
+          </a:p>
+          <a:p>
+            <a:pPr indent="0" lvl="0" marL="1371600" rtl="0" algn="just">
+              <a:lnSpc>
+                <a:spcPct val="115000"/>
+              </a:lnSpc>
+              <a:spcBef>
+                <a:spcPts val="0"/>
+              </a:spcBef>
+              <a:spcAft>
+                <a:spcPts val="0"/>
+              </a:spcAft>
+              <a:buNone/>
+            </a:pPr>
+            <a:r>
+              <a:rPr i="1" lang="en" sz="1800">
+                <a:solidFill>
+                  <a:srgbClr val="FFFFFF"/>
+                </a:solidFill>
+              </a:rPr>
+              <a:t>If page is fully loaded </a:t>
+            </a:r>
+            <a:endParaRPr i="1" sz="1800">
+              <a:solidFill>
+                <a:srgbClr val="FFFFFF"/>
+              </a:solidFill>
+            </a:endParaRPr>
+          </a:p>
+          <a:p>
+            <a:pPr indent="0" lvl="0" marL="1371600" rtl="0" algn="just">
+              <a:lnSpc>
+                <a:spcPct val="115000"/>
+              </a:lnSpc>
+              <a:spcBef>
+                <a:spcPts val="0"/>
+              </a:spcBef>
+              <a:spcAft>
+                <a:spcPts val="0"/>
+              </a:spcAft>
+              <a:buNone/>
+            </a:pPr>
+            <a:r>
+              <a:rPr i="1" lang="en" sz="1800">
+                <a:solidFill>
+                  <a:srgbClr val="FFFFFF"/>
+                </a:solidFill>
+              </a:rPr>
+              <a:t>	Get the URL from the tab</a:t>
+            </a:r>
+            <a:endParaRPr i="1" sz="1800">
+              <a:solidFill>
+                <a:srgbClr val="FFFFFF"/>
+              </a:solidFill>
+            </a:endParaRPr>
+          </a:p>
+          <a:p>
+            <a:pPr indent="0" lvl="0" marL="1371600" rtl="0" algn="just">
+              <a:lnSpc>
+                <a:spcPct val="115000"/>
+              </a:lnSpc>
+              <a:spcBef>
+                <a:spcPts val="0"/>
+              </a:spcBef>
+              <a:spcAft>
+                <a:spcPts val="0"/>
+              </a:spcAft>
+              <a:buNone/>
+            </a:pPr>
+            <a:r>
+              <a:rPr i="1" lang="en" sz="1800">
+                <a:solidFill>
+                  <a:srgbClr val="FFFFFF"/>
+                </a:solidFill>
+              </a:rPr>
+              <a:t>	Get the HTML content from innerHTML tag</a:t>
+            </a:r>
+            <a:endParaRPr i="1" sz="1800">
+              <a:solidFill>
+                <a:srgbClr val="FFFFFF"/>
+              </a:solidFill>
+            </a:endParaRPr>
+          </a:p>
+          <a:p>
+            <a:pPr indent="0" lvl="0" marL="1371600" rtl="0" algn="just">
+              <a:lnSpc>
+                <a:spcPct val="115000"/>
+              </a:lnSpc>
+              <a:spcBef>
+                <a:spcPts val="0"/>
+              </a:spcBef>
+              <a:spcAft>
+                <a:spcPts val="0"/>
+              </a:spcAft>
+              <a:buNone/>
+            </a:pPr>
+            <a:r>
+              <a:rPr i="1" lang="en" sz="1800">
+                <a:solidFill>
+                  <a:srgbClr val="FFFFFF"/>
+                </a:solidFill>
+              </a:rPr>
+              <a:t>	Get redirection list from background script</a:t>
+            </a:r>
+            <a:endParaRPr i="1" sz="1800">
+              <a:solidFill>
+                <a:srgbClr val="FFFFFF"/>
+              </a:solidFill>
+            </a:endParaRPr>
+          </a:p>
+          <a:p>
+            <a:pPr indent="0" lvl="0" marL="1371600" rtl="0" algn="just">
+              <a:lnSpc>
+                <a:spcPct val="115000"/>
+              </a:lnSpc>
+              <a:spcBef>
+                <a:spcPts val="0"/>
+              </a:spcBef>
+              <a:spcAft>
+                <a:spcPts val="0"/>
+              </a:spcAft>
+              <a:buNone/>
+            </a:pPr>
+            <a:r>
+              <a:rPr i="1" lang="en" sz="1800">
+                <a:solidFill>
+                  <a:srgbClr val="FFFFFF"/>
+                </a:solidFill>
+              </a:rPr>
+              <a:t>Send them to the background process</a:t>
+            </a:r>
+            <a:endParaRPr i="1" sz="1800">
+              <a:solidFill>
+                <a:srgbClr val="FFFFFF"/>
+              </a:solidFill>
+            </a:endParaRPr>
+          </a:p>
+          <a:p>
+            <a:pPr indent="0" lvl="0" marL="914400" rtl="0" algn="just">
+              <a:lnSpc>
+                <a:spcPct val="115000"/>
+              </a:lnSpc>
+              <a:spcBef>
+                <a:spcPts val="0"/>
+              </a:spcBef>
+              <a:spcAft>
+                <a:spcPts val="0"/>
+              </a:spcAft>
+              <a:buNone/>
+            </a:pPr>
+            <a:r>
+              <a:rPr i="1" lang="en" sz="1800">
+                <a:solidFill>
+                  <a:srgbClr val="FFFFFF"/>
+                </a:solidFill>
+              </a:rPr>
+              <a:t>Done</a:t>
+            </a:r>
+            <a:endParaRPr i="1" sz="1800">
+              <a:solidFill>
+                <a:srgbClr val="FFFFFF"/>
+              </a:solidFill>
+            </a:endParaRPr>
+          </a:p>
+          <a:p>
+            <a:pPr indent="0" lvl="0" marL="457200" rtl="0" algn="just">
+              <a:lnSpc>
+                <a:spcPct val="115000"/>
+              </a:lnSpc>
+              <a:spcBef>
+                <a:spcPts val="0"/>
+              </a:spcBef>
+              <a:spcAft>
+                <a:spcPts val="0"/>
+              </a:spcAft>
+              <a:buNone/>
+            </a:pPr>
+            <a:r>
+              <a:rPr i="1" lang="en" sz="1800">
+                <a:solidFill>
+                  <a:srgbClr val="FFFFFF"/>
+                </a:solidFill>
+              </a:rPr>
+              <a:t>End</a:t>
+            </a:r>
+            <a:endParaRPr i="1" sz="1800">
+              <a:solidFill>
+                <a:srgbClr val="FFFFFF"/>
+              </a:solidFill>
+            </a:endParaRPr>
+          </a:p>
+        </p:txBody>
+      </p:sp>
+    </p:spTree>
+  </p:cSld>
+  <p:clrMapOvr>
+    <a:masterClrMapping/>
+  </p:clrMapOvr>
+</p:sld>
+</file>
+
+<file path=ppt/slides/slide22.xml><?xml version="1.0" encoding="utf-8"?>
+<p:sld xmlns:a="http://schemas.openxmlformats.org/drawingml/2006/main" xmlns:r="http://schemas.openxmlformats.org/officeDocument/2006/relationships" xmlns:mc="http://schemas.openxmlformats.org/markup-compatibility/2006" xmlns:mv="urn:schemas-microsoft-com:mac:vml" xmlns:p="http://schemas.openxmlformats.org/presentationml/2006/main" xmlns:c="http://schemas.openxmlformats.org/drawingml/2006/chart" xmlns:dgm="http://schemas.openxmlformats.org/drawingml/2006/diagram" xmlns:o="urn:schemas-microsoft-com:office:office" xmlns:v="urn:schemas-microsoft-com:vml" xmlns:pvml="urn:schemas-microsoft-com:office:powerpoint" xmlns:com="http://schemas.openxmlformats.org/drawingml/2006/compatibility" xmlns:p14="http://schemas.microsoft.com/office/powerpoint/2010/main" xmlns:p15="http://schemas.microsoft.com/office/powerpoint/2012/main">
+  <p:cSld>
+    <p:spTree>
+      <p:nvGrpSpPr>
+        <p:cNvPr id="178" name="Shape 178"/>
+        <p:cNvGrpSpPr/>
+        <p:nvPr/>
+      </p:nvGrpSpPr>
+      <p:grpSpPr>
+        <a:xfrm>
+          <a:off x="0" y="0"/>
+          <a:ext cx="0" cy="0"/>
+          <a:chOff x="0" y="0"/>
+          <a:chExt cx="0" cy="0"/>
+        </a:xfrm>
+      </p:grpSpPr>
+      <p:sp>
+        <p:nvSpPr>
+          <p:cNvPr id="179" name="Google Shape;179;p34"/>
+          <p:cNvSpPr txBox="1"/>
+          <p:nvPr>
+            <p:ph type="ctrTitle"/>
+          </p:nvPr>
+        </p:nvSpPr>
+        <p:spPr>
+          <a:xfrm>
+            <a:off x="2060275" y="382325"/>
+            <a:ext cx="4884600" cy="860700"/>
+          </a:xfrm>
+          <a:prstGeom prst="rect">
+            <a:avLst/>
+          </a:prstGeom>
+        </p:spPr>
+        <p:txBody>
+          <a:bodyPr anchorCtr="0" anchor="b" bIns="91425" lIns="91425" spcFirstLastPara="1" rIns="91425" wrap="square" tIns="91425">
+            <a:noAutofit/>
+          </a:bodyPr>
+          <a:lstStyle/>
+          <a:p>
+            <a:pPr indent="0" lvl="0" marL="0" rtl="0" algn="ctr">
+              <a:lnSpc>
+                <a:spcPct val="115000"/>
+              </a:lnSpc>
+              <a:spcBef>
+                <a:spcPts val="0"/>
+              </a:spcBef>
+              <a:spcAft>
+                <a:spcPts val="0"/>
+              </a:spcAft>
+              <a:buNone/>
+            </a:pPr>
+            <a:r>
+              <a:rPr b="1" lang="en" sz="3000">
+                <a:solidFill>
+                  <a:srgbClr val="FFFFFF"/>
+                </a:solidFill>
+              </a:rPr>
+              <a:t>DISPATCHER</a:t>
+            </a:r>
+            <a:endParaRPr sz="3000">
+              <a:solidFill>
+                <a:srgbClr val="FFFFFF"/>
+              </a:solidFill>
+            </a:endParaRPr>
+          </a:p>
+        </p:txBody>
+      </p:sp>
+      <p:sp>
+        <p:nvSpPr>
+          <p:cNvPr id="180" name="Google Shape;180;p34"/>
           <p:cNvSpPr txBox="1"/>
           <p:nvPr>
             <p:ph idx="1" type="subTitle"/>
@@ -12940,7 +13402,7 @@
       </p:sp>
       <p:sp>
         <p:nvSpPr>
-          <p:cNvPr id="169" name="Google Shape;169;p32"/>
+          <p:cNvPr id="181" name="Google Shape;181;p34"/>
           <p:cNvSpPr txBox="1"/>
           <p:nvPr>
             <p:ph idx="1" type="subTitle"/>
@@ -13213,611 +13675,6 @@
             </a:pPr>
             <a:r>
               <a:t/>
-            </a:r>
-            <a:endParaRPr i="1" sz="1800">
-              <a:solidFill>
-                <a:srgbClr val="FFFFFF"/>
-              </a:solidFill>
-            </a:endParaRPr>
-          </a:p>
-        </p:txBody>
-      </p:sp>
-    </p:spTree>
-  </p:cSld>
-  <p:clrMapOvr>
-    <a:masterClrMapping/>
-  </p:clrMapOvr>
-</p:sld>
-</file>
-
-<file path=ppt/slides/slide21.xml><?xml version="1.0" encoding="utf-8"?>
-<p:sld xmlns:a="http://schemas.openxmlformats.org/drawingml/2006/main" xmlns:r="http://schemas.openxmlformats.org/officeDocument/2006/relationships" xmlns:mc="http://schemas.openxmlformats.org/markup-compatibility/2006" xmlns:mv="urn:schemas-microsoft-com:mac:vml" xmlns:p="http://schemas.openxmlformats.org/presentationml/2006/main" xmlns:c="http://schemas.openxmlformats.org/drawingml/2006/chart" xmlns:dgm="http://schemas.openxmlformats.org/drawingml/2006/diagram" xmlns:o="urn:schemas-microsoft-com:office:office" xmlns:v="urn:schemas-microsoft-com:vml" xmlns:pvml="urn:schemas-microsoft-com:office:powerpoint" xmlns:com="http://schemas.openxmlformats.org/drawingml/2006/compatibility" xmlns:p14="http://schemas.microsoft.com/office/powerpoint/2010/main" xmlns:p15="http://schemas.microsoft.com/office/powerpoint/2012/main">
-  <p:cSld>
-    <p:spTree>
-      <p:nvGrpSpPr>
-        <p:cNvPr id="173" name="Shape 173"/>
-        <p:cNvGrpSpPr/>
-        <p:nvPr/>
-      </p:nvGrpSpPr>
-      <p:grpSpPr>
-        <a:xfrm>
-          <a:off x="0" y="0"/>
-          <a:ext cx="0" cy="0"/>
-          <a:chOff x="0" y="0"/>
-          <a:chExt cx="0" cy="0"/>
-        </a:xfrm>
-      </p:grpSpPr>
-      <p:sp>
-        <p:nvSpPr>
-          <p:cNvPr id="174" name="Google Shape;174;p33"/>
-          <p:cNvSpPr txBox="1"/>
-          <p:nvPr>
-            <p:ph type="ctrTitle"/>
-          </p:nvPr>
-        </p:nvSpPr>
-        <p:spPr>
-          <a:xfrm>
-            <a:off x="2060275" y="382325"/>
-            <a:ext cx="4884600" cy="860700"/>
-          </a:xfrm>
-          <a:prstGeom prst="rect">
-            <a:avLst/>
-          </a:prstGeom>
-        </p:spPr>
-        <p:txBody>
-          <a:bodyPr anchorCtr="0" anchor="b" bIns="91425" lIns="91425" spcFirstLastPara="1" rIns="91425" wrap="square" tIns="91425">
-            <a:noAutofit/>
-          </a:bodyPr>
-          <a:lstStyle/>
-          <a:p>
-            <a:pPr indent="0" lvl="0" marL="0" rtl="0" algn="ctr">
-              <a:lnSpc>
-                <a:spcPct val="115000"/>
-              </a:lnSpc>
-              <a:spcBef>
-                <a:spcPts val="0"/>
-              </a:spcBef>
-              <a:spcAft>
-                <a:spcPts val="0"/>
-              </a:spcAft>
-              <a:buNone/>
-            </a:pPr>
-            <a:r>
-              <a:rPr b="1" lang="en" sz="3000">
-                <a:solidFill>
-                  <a:srgbClr val="FFFFFF"/>
-                </a:solidFill>
-              </a:rPr>
-              <a:t>PHISH DETECTOR</a:t>
-            </a:r>
-            <a:endParaRPr sz="3000">
-              <a:solidFill>
-                <a:srgbClr val="FFFFFF"/>
-              </a:solidFill>
-            </a:endParaRPr>
-          </a:p>
-        </p:txBody>
-      </p:sp>
-      <p:sp>
-        <p:nvSpPr>
-          <p:cNvPr id="175" name="Google Shape;175;p33"/>
-          <p:cNvSpPr txBox="1"/>
-          <p:nvPr>
-            <p:ph idx="1" type="subTitle"/>
-          </p:nvPr>
-        </p:nvSpPr>
-        <p:spPr>
-          <a:xfrm>
-            <a:off x="1027500" y="1367525"/>
-            <a:ext cx="7089000" cy="3259500"/>
-          </a:xfrm>
-          <a:prstGeom prst="rect">
-            <a:avLst/>
-          </a:prstGeom>
-        </p:spPr>
-        <p:txBody>
-          <a:bodyPr anchorCtr="0" anchor="t" bIns="91425" lIns="91425" spcFirstLastPara="1" rIns="91425" wrap="square" tIns="91425">
-            <a:noAutofit/>
-          </a:bodyPr>
-          <a:lstStyle/>
-          <a:p>
-            <a:pPr indent="0" lvl="0" marL="457200" rtl="0" algn="just">
-              <a:lnSpc>
-                <a:spcPct val="115000"/>
-              </a:lnSpc>
-              <a:spcBef>
-                <a:spcPts val="0"/>
-              </a:spcBef>
-              <a:spcAft>
-                <a:spcPts val="0"/>
-              </a:spcAft>
-              <a:buNone/>
-            </a:pPr>
-            <a:r>
-              <a:rPr i="1" lang="en" sz="1800">
-                <a:solidFill>
-                  <a:srgbClr val="FFFFFF"/>
-                </a:solidFill>
-              </a:rPr>
-              <a:t>Begin</a:t>
-            </a:r>
-            <a:endParaRPr i="1" sz="1800">
-              <a:solidFill>
-                <a:srgbClr val="FFFFFF"/>
-              </a:solidFill>
-            </a:endParaRPr>
-          </a:p>
-          <a:p>
-            <a:pPr indent="0" lvl="0" marL="914400" rtl="0" algn="just">
-              <a:lnSpc>
-                <a:spcPct val="115000"/>
-              </a:lnSpc>
-              <a:spcBef>
-                <a:spcPts val="0"/>
-              </a:spcBef>
-              <a:spcAft>
-                <a:spcPts val="0"/>
-              </a:spcAft>
-              <a:buNone/>
-            </a:pPr>
-            <a:r>
-              <a:rPr i="1" lang="en" sz="1800">
-                <a:solidFill>
-                  <a:srgbClr val="FFFFFF"/>
-                </a:solidFill>
-              </a:rPr>
-              <a:t>For each page URL</a:t>
-            </a:r>
-            <a:endParaRPr i="1" sz="1800">
-              <a:solidFill>
-                <a:srgbClr val="FFFFFF"/>
-              </a:solidFill>
-            </a:endParaRPr>
-          </a:p>
-          <a:p>
-            <a:pPr indent="0" lvl="0" marL="914400" rtl="0" algn="just">
-              <a:lnSpc>
-                <a:spcPct val="115000"/>
-              </a:lnSpc>
-              <a:spcBef>
-                <a:spcPts val="0"/>
-              </a:spcBef>
-              <a:spcAft>
-                <a:spcPts val="0"/>
-              </a:spcAft>
-              <a:buNone/>
-            </a:pPr>
-            <a:r>
-              <a:rPr i="1" lang="en" sz="1800">
-                <a:solidFill>
-                  <a:srgbClr val="FFFFFF"/>
-                </a:solidFill>
-              </a:rPr>
-              <a:t>	Get the feature values for the URL</a:t>
-            </a:r>
-            <a:endParaRPr i="1" sz="1800">
-              <a:solidFill>
-                <a:srgbClr val="FFFFFF"/>
-              </a:solidFill>
-            </a:endParaRPr>
-          </a:p>
-          <a:p>
-            <a:pPr indent="0" lvl="0" marL="914400" rtl="0" algn="just">
-              <a:lnSpc>
-                <a:spcPct val="115000"/>
-              </a:lnSpc>
-              <a:spcBef>
-                <a:spcPts val="0"/>
-              </a:spcBef>
-              <a:spcAft>
-                <a:spcPts val="0"/>
-              </a:spcAft>
-              <a:buNone/>
-            </a:pPr>
-            <a:r>
-              <a:rPr i="1" lang="en" sz="1800">
-                <a:solidFill>
-                  <a:srgbClr val="FFFFFF"/>
-                </a:solidFill>
-              </a:rPr>
-              <a:t>	Load the saved model</a:t>
-            </a:r>
-            <a:endParaRPr i="1" sz="1800">
-              <a:solidFill>
-                <a:srgbClr val="FFFFFF"/>
-              </a:solidFill>
-            </a:endParaRPr>
-          </a:p>
-          <a:p>
-            <a:pPr indent="0" lvl="0" marL="914400" rtl="0" algn="just">
-              <a:lnSpc>
-                <a:spcPct val="115000"/>
-              </a:lnSpc>
-              <a:spcBef>
-                <a:spcPts val="0"/>
-              </a:spcBef>
-              <a:spcAft>
-                <a:spcPts val="0"/>
-              </a:spcAft>
-              <a:buNone/>
-            </a:pPr>
-            <a:r>
-              <a:rPr i="1" lang="en" sz="1800">
-                <a:solidFill>
-                  <a:srgbClr val="FFFFFF"/>
-                </a:solidFill>
-              </a:rPr>
-              <a:t>	Publish the result</a:t>
-            </a:r>
-            <a:endParaRPr i="1" sz="1800">
-              <a:solidFill>
-                <a:srgbClr val="FFFFFF"/>
-              </a:solidFill>
-            </a:endParaRPr>
-          </a:p>
-          <a:p>
-            <a:pPr indent="0" lvl="0" marL="914400" rtl="0" algn="just">
-              <a:lnSpc>
-                <a:spcPct val="115000"/>
-              </a:lnSpc>
-              <a:spcBef>
-                <a:spcPts val="0"/>
-              </a:spcBef>
-              <a:spcAft>
-                <a:spcPts val="0"/>
-              </a:spcAft>
-              <a:buNone/>
-            </a:pPr>
-            <a:r>
-              <a:rPr i="1" lang="en" sz="1800">
-                <a:solidFill>
-                  <a:srgbClr val="FFFFFF"/>
-                </a:solidFill>
-              </a:rPr>
-              <a:t>Done</a:t>
-            </a:r>
-            <a:endParaRPr i="1" sz="1800">
-              <a:solidFill>
-                <a:srgbClr val="FFFFFF"/>
-              </a:solidFill>
-            </a:endParaRPr>
-          </a:p>
-          <a:p>
-            <a:pPr indent="0" lvl="0" marL="457200" rtl="0" algn="just">
-              <a:lnSpc>
-                <a:spcPct val="115000"/>
-              </a:lnSpc>
-              <a:spcBef>
-                <a:spcPts val="0"/>
-              </a:spcBef>
-              <a:spcAft>
-                <a:spcPts val="0"/>
-              </a:spcAft>
-              <a:buNone/>
-            </a:pPr>
-            <a:r>
-              <a:rPr i="1" lang="en" sz="1800">
-                <a:solidFill>
-                  <a:srgbClr val="FFFFFF"/>
-                </a:solidFill>
-              </a:rPr>
-              <a:t>End</a:t>
-            </a:r>
-            <a:endParaRPr i="1" sz="1800">
-              <a:solidFill>
-                <a:srgbClr val="FFFFFF"/>
-              </a:solidFill>
-            </a:endParaRPr>
-          </a:p>
-        </p:txBody>
-      </p:sp>
-    </p:spTree>
-  </p:cSld>
-  <p:clrMapOvr>
-    <a:masterClrMapping/>
-  </p:clrMapOvr>
-</p:sld>
-</file>
-
-<file path=ppt/slides/slide22.xml><?xml version="1.0" encoding="utf-8"?>
-<p:sld xmlns:a="http://schemas.openxmlformats.org/drawingml/2006/main" xmlns:r="http://schemas.openxmlformats.org/officeDocument/2006/relationships" xmlns:mc="http://schemas.openxmlformats.org/markup-compatibility/2006" xmlns:mv="urn:schemas-microsoft-com:mac:vml" xmlns:p="http://schemas.openxmlformats.org/presentationml/2006/main" xmlns:c="http://schemas.openxmlformats.org/drawingml/2006/chart" xmlns:dgm="http://schemas.openxmlformats.org/drawingml/2006/diagram" xmlns:o="urn:schemas-microsoft-com:office:office" xmlns:v="urn:schemas-microsoft-com:vml" xmlns:pvml="urn:schemas-microsoft-com:office:powerpoint" xmlns:com="http://schemas.openxmlformats.org/drawingml/2006/compatibility" xmlns:p14="http://schemas.microsoft.com/office/powerpoint/2010/main" xmlns:p15="http://schemas.microsoft.com/office/powerpoint/2012/main">
-  <p:cSld>
-    <p:spTree>
-      <p:nvGrpSpPr>
-        <p:cNvPr id="179" name="Shape 179"/>
-        <p:cNvGrpSpPr/>
-        <p:nvPr/>
-      </p:nvGrpSpPr>
-      <p:grpSpPr>
-        <a:xfrm>
-          <a:off x="0" y="0"/>
-          <a:ext cx="0" cy="0"/>
-          <a:chOff x="0" y="0"/>
-          <a:chExt cx="0" cy="0"/>
-        </a:xfrm>
-      </p:grpSpPr>
-      <p:sp>
-        <p:nvSpPr>
-          <p:cNvPr id="180" name="Google Shape;180;p34"/>
-          <p:cNvSpPr txBox="1"/>
-          <p:nvPr>
-            <p:ph type="ctrTitle"/>
-          </p:nvPr>
-        </p:nvSpPr>
-        <p:spPr>
-          <a:xfrm>
-            <a:off x="2060275" y="382325"/>
-            <a:ext cx="4884600" cy="860700"/>
-          </a:xfrm>
-          <a:prstGeom prst="rect">
-            <a:avLst/>
-          </a:prstGeom>
-        </p:spPr>
-        <p:txBody>
-          <a:bodyPr anchorCtr="0" anchor="b" bIns="91425" lIns="91425" spcFirstLastPara="1" rIns="91425" wrap="square" tIns="91425">
-            <a:noAutofit/>
-          </a:bodyPr>
-          <a:lstStyle/>
-          <a:p>
-            <a:pPr indent="0" lvl="0" marL="0" rtl="0" algn="ctr">
-              <a:lnSpc>
-                <a:spcPct val="115000"/>
-              </a:lnSpc>
-              <a:spcBef>
-                <a:spcPts val="0"/>
-              </a:spcBef>
-              <a:spcAft>
-                <a:spcPts val="0"/>
-              </a:spcAft>
-              <a:buNone/>
-            </a:pPr>
-            <a:r>
-              <a:rPr b="1" lang="en" sz="3000">
-                <a:solidFill>
-                  <a:srgbClr val="FFFFFF"/>
-                </a:solidFill>
-              </a:rPr>
-              <a:t>TARGET IDENTIFIER</a:t>
-            </a:r>
-            <a:endParaRPr sz="3000">
-              <a:solidFill>
-                <a:srgbClr val="FFFFFF"/>
-              </a:solidFill>
-            </a:endParaRPr>
-          </a:p>
-        </p:txBody>
-      </p:sp>
-      <p:sp>
-        <p:nvSpPr>
-          <p:cNvPr id="181" name="Google Shape;181;p34"/>
-          <p:cNvSpPr txBox="1"/>
-          <p:nvPr>
-            <p:ph idx="1" type="subTitle"/>
-          </p:nvPr>
-        </p:nvSpPr>
-        <p:spPr>
-          <a:xfrm>
-            <a:off x="1027500" y="1367525"/>
-            <a:ext cx="7089000" cy="3259500"/>
-          </a:xfrm>
-          <a:prstGeom prst="rect">
-            <a:avLst/>
-          </a:prstGeom>
-        </p:spPr>
-        <p:txBody>
-          <a:bodyPr anchorCtr="0" anchor="t" bIns="91425" lIns="91425" spcFirstLastPara="1" rIns="91425" wrap="square" tIns="91425">
-            <a:noAutofit/>
-          </a:bodyPr>
-          <a:lstStyle/>
-          <a:p>
-            <a:pPr indent="0" lvl="0" marL="457200" rtl="0" algn="just">
-              <a:lnSpc>
-                <a:spcPct val="115000"/>
-              </a:lnSpc>
-              <a:spcBef>
-                <a:spcPts val="0"/>
-              </a:spcBef>
-              <a:spcAft>
-                <a:spcPts val="0"/>
-              </a:spcAft>
-              <a:buNone/>
-            </a:pPr>
-            <a:r>
-              <a:rPr i="1" lang="en" sz="1800">
-                <a:solidFill>
-                  <a:srgbClr val="FFFFFF"/>
-                </a:solidFill>
-              </a:rPr>
-              <a:t>Begin</a:t>
-            </a:r>
-            <a:endParaRPr i="1" sz="1800">
-              <a:solidFill>
-                <a:srgbClr val="FFFFFF"/>
-              </a:solidFill>
-            </a:endParaRPr>
-          </a:p>
-          <a:p>
-            <a:pPr indent="0" lvl="0" marL="457200" rtl="0" algn="just">
-              <a:lnSpc>
-                <a:spcPct val="115000"/>
-              </a:lnSpc>
-              <a:spcBef>
-                <a:spcPts val="0"/>
-              </a:spcBef>
-              <a:spcAft>
-                <a:spcPts val="0"/>
-              </a:spcAft>
-              <a:buNone/>
-            </a:pPr>
-            <a:r>
-              <a:rPr i="1" lang="en" sz="1800">
-                <a:solidFill>
-                  <a:srgbClr val="FFFFFF"/>
-                </a:solidFill>
-              </a:rPr>
-              <a:t>	Get the hash value for page content </a:t>
-            </a:r>
-            <a:endParaRPr i="1" sz="1800">
-              <a:solidFill>
-                <a:srgbClr val="FFFFFF"/>
-              </a:solidFill>
-            </a:endParaRPr>
-          </a:p>
-          <a:p>
-            <a:pPr indent="0" lvl="0" marL="457200" rtl="0" algn="just">
-              <a:lnSpc>
-                <a:spcPct val="115000"/>
-              </a:lnSpc>
-              <a:spcBef>
-                <a:spcPts val="0"/>
-              </a:spcBef>
-              <a:spcAft>
-                <a:spcPts val="0"/>
-              </a:spcAft>
-              <a:buNone/>
-            </a:pPr>
-            <a:r>
-              <a:rPr i="1" lang="en" sz="1800">
-                <a:solidFill>
-                  <a:srgbClr val="FFFFFF"/>
-                </a:solidFill>
-              </a:rPr>
-              <a:t>	Compare with values in hash list</a:t>
-            </a:r>
-            <a:endParaRPr i="1" sz="1800">
-              <a:solidFill>
-                <a:srgbClr val="FFFFFF"/>
-              </a:solidFill>
-            </a:endParaRPr>
-          </a:p>
-          <a:p>
-            <a:pPr indent="0" lvl="0" marL="457200" rtl="0" algn="just">
-              <a:lnSpc>
-                <a:spcPct val="115000"/>
-              </a:lnSpc>
-              <a:spcBef>
-                <a:spcPts val="0"/>
-              </a:spcBef>
-              <a:spcAft>
-                <a:spcPts val="0"/>
-              </a:spcAft>
-              <a:buNone/>
-            </a:pPr>
-            <a:r>
-              <a:rPr i="1" lang="en" sz="1800">
-                <a:solidFill>
-                  <a:srgbClr val="FFFFFF"/>
-                </a:solidFill>
-              </a:rPr>
-              <a:t>	If match</a:t>
-            </a:r>
-            <a:endParaRPr i="1" sz="1800">
-              <a:solidFill>
-                <a:srgbClr val="FFFFFF"/>
-              </a:solidFill>
-            </a:endParaRPr>
-          </a:p>
-          <a:p>
-            <a:pPr indent="0" lvl="0" marL="457200" rtl="0" algn="just">
-              <a:lnSpc>
-                <a:spcPct val="115000"/>
-              </a:lnSpc>
-              <a:spcBef>
-                <a:spcPts val="0"/>
-              </a:spcBef>
-              <a:spcAft>
-                <a:spcPts val="0"/>
-              </a:spcAft>
-              <a:buNone/>
-            </a:pPr>
-            <a:r>
-              <a:rPr i="1" lang="en" sz="1800">
-                <a:solidFill>
-                  <a:srgbClr val="FFFFFF"/>
-                </a:solidFill>
-              </a:rPr>
-              <a:t>		Display target</a:t>
-            </a:r>
-            <a:endParaRPr i="1" sz="1800">
-              <a:solidFill>
-                <a:srgbClr val="FFFFFF"/>
-              </a:solidFill>
-            </a:endParaRPr>
-          </a:p>
-          <a:p>
-            <a:pPr indent="0" lvl="0" marL="457200" rtl="0" algn="just">
-              <a:lnSpc>
-                <a:spcPct val="115000"/>
-              </a:lnSpc>
-              <a:spcBef>
-                <a:spcPts val="0"/>
-              </a:spcBef>
-              <a:spcAft>
-                <a:spcPts val="0"/>
-              </a:spcAft>
-              <a:buNone/>
-            </a:pPr>
-            <a:r>
-              <a:rPr i="1" lang="en" sz="1800">
-                <a:solidFill>
-                  <a:srgbClr val="FFFFFF"/>
-                </a:solidFill>
-              </a:rPr>
-              <a:t>	Else</a:t>
-            </a:r>
-            <a:endParaRPr i="1" sz="1800">
-              <a:solidFill>
-                <a:srgbClr val="FFFFFF"/>
-              </a:solidFill>
-            </a:endParaRPr>
-          </a:p>
-          <a:p>
-            <a:pPr indent="0" lvl="0" marL="457200" rtl="0" algn="just">
-              <a:lnSpc>
-                <a:spcPct val="115000"/>
-              </a:lnSpc>
-              <a:spcBef>
-                <a:spcPts val="0"/>
-              </a:spcBef>
-              <a:spcAft>
-                <a:spcPts val="0"/>
-              </a:spcAft>
-              <a:buNone/>
-            </a:pPr>
-            <a:r>
-              <a:rPr i="1" lang="en" sz="1800">
-                <a:solidFill>
-                  <a:srgbClr val="FFFFFF"/>
-                </a:solidFill>
-              </a:rPr>
-              <a:t>		No target found</a:t>
-            </a:r>
-            <a:endParaRPr i="1" sz="1800">
-              <a:solidFill>
-                <a:srgbClr val="FFFFFF"/>
-              </a:solidFill>
-            </a:endParaRPr>
-          </a:p>
-          <a:p>
-            <a:pPr indent="0" lvl="0" marL="457200" rtl="0" algn="just">
-              <a:lnSpc>
-                <a:spcPct val="115000"/>
-              </a:lnSpc>
-              <a:spcBef>
-                <a:spcPts val="0"/>
-              </a:spcBef>
-              <a:spcAft>
-                <a:spcPts val="0"/>
-              </a:spcAft>
-              <a:buNone/>
-            </a:pPr>
-            <a:r>
-              <a:rPr i="1" lang="en" sz="1800">
-                <a:solidFill>
-                  <a:srgbClr val="FFFFFF"/>
-                </a:solidFill>
-              </a:rPr>
-              <a:t>End</a:t>
             </a:r>
             <a:endParaRPr i="1" sz="1800">
               <a:solidFill>
@@ -13862,7 +13719,7 @@
         </p:nvSpPr>
         <p:spPr>
           <a:xfrm>
-            <a:off x="2052475" y="685800"/>
+            <a:off x="2060275" y="382325"/>
             <a:ext cx="4884600" cy="860700"/>
           </a:xfrm>
           <a:prstGeom prst="rect">
@@ -13893,7 +13750,7 @@
                   <a:srgbClr val="FFFFFF"/>
                 </a:solidFill>
               </a:rPr>
-              <a:t>IMPLEMENTATION</a:t>
+              <a:t>PHISH DETECTOR</a:t>
             </a:r>
             <a:endParaRPr sz="3000">
               <a:solidFill>
@@ -13913,8 +13770,8 @@
         </p:nvSpPr>
         <p:spPr>
           <a:xfrm>
-            <a:off x="2478775" y="1853875"/>
-            <a:ext cx="4032000" cy="1142700"/>
+            <a:off x="1027500" y="1367525"/>
+            <a:ext cx="7089000" cy="3259500"/>
           </a:xfrm>
           <a:prstGeom prst="rect">
             <a:avLst/>
@@ -13926,62 +13783,189 @@
           </a:bodyPr>
           <a:lstStyle/>
           <a:p>
-            <a:pPr indent="-342900" lvl="0" marL="457200" rtl="0" algn="just">
-              <a:lnSpc>
-                <a:spcPct val="115000"/>
-              </a:lnSpc>
-              <a:spcBef>
-                <a:spcPts val="0"/>
-              </a:spcBef>
-              <a:spcAft>
-                <a:spcPts val="0"/>
-              </a:spcAft>
-              <a:buClr>
-                <a:srgbClr val="FFFFFF"/>
-              </a:buClr>
-              <a:buSzPts val="1800"/>
-              <a:buChar char="●"/>
-            </a:pPr>
-            <a:r>
-              <a:rPr lang="en" sz="1800">
+            <a:pPr indent="0" lvl="0" marL="457200" rtl="0" algn="just">
+              <a:lnSpc>
+                <a:spcPct val="115000"/>
+              </a:lnSpc>
+              <a:spcBef>
+                <a:spcPts val="0"/>
+              </a:spcBef>
+              <a:spcAft>
+                <a:spcPts val="0"/>
+              </a:spcAft>
+              <a:buNone/>
+            </a:pPr>
+            <a:r>
+              <a:rPr i="1" lang="en" sz="1800">
                 <a:solidFill>
                   <a:srgbClr val="FFFFFF"/>
                 </a:solidFill>
               </a:rPr>
-              <a:t>CONTENT SCRIPT</a:t>
-            </a:r>
-            <a:endParaRPr sz="1800">
-              <a:solidFill>
-                <a:srgbClr val="FFFFFF"/>
-              </a:solidFill>
-            </a:endParaRPr>
-          </a:p>
-          <a:p>
-            <a:pPr indent="-342900" lvl="0" marL="457200" rtl="0" algn="just">
-              <a:lnSpc>
-                <a:spcPct val="115000"/>
-              </a:lnSpc>
-              <a:spcBef>
-                <a:spcPts val="0"/>
-              </a:spcBef>
-              <a:spcAft>
-                <a:spcPts val="0"/>
-              </a:spcAft>
-              <a:buClr>
-                <a:srgbClr val="FFFFFF"/>
-              </a:buClr>
-              <a:buSzPts val="1800"/>
-              <a:buChar char="●"/>
-            </a:pPr>
-            <a:r>
-              <a:rPr lang="en" sz="1800">
+              <a:t>Begin</a:t>
+            </a:r>
+            <a:endParaRPr i="1" sz="1800">
+              <a:solidFill>
+                <a:srgbClr val="FFFFFF"/>
+              </a:solidFill>
+            </a:endParaRPr>
+          </a:p>
+          <a:p>
+            <a:pPr indent="0" lvl="0" marL="914400" rtl="0" algn="just">
+              <a:lnSpc>
+                <a:spcPct val="115000"/>
+              </a:lnSpc>
+              <a:spcBef>
+                <a:spcPts val="0"/>
+              </a:spcBef>
+              <a:spcAft>
+                <a:spcPts val="0"/>
+              </a:spcAft>
+              <a:buNone/>
+            </a:pPr>
+            <a:r>
+              <a:rPr i="1" lang="en" sz="1800">
                 <a:solidFill>
                   <a:srgbClr val="FFFFFF"/>
                 </a:solidFill>
               </a:rPr>
-              <a:t>BACKGROUND SCRIPT</a:t>
-            </a:r>
-            <a:endParaRPr sz="1800">
+              <a:t>For each page URL</a:t>
+            </a:r>
+            <a:endParaRPr i="1" sz="1800">
+              <a:solidFill>
+                <a:srgbClr val="FFFFFF"/>
+              </a:solidFill>
+            </a:endParaRPr>
+          </a:p>
+          <a:p>
+            <a:pPr indent="0" lvl="0" marL="914400" rtl="0" algn="just">
+              <a:lnSpc>
+                <a:spcPct val="115000"/>
+              </a:lnSpc>
+              <a:spcBef>
+                <a:spcPts val="0"/>
+              </a:spcBef>
+              <a:spcAft>
+                <a:spcPts val="0"/>
+              </a:spcAft>
+              <a:buNone/>
+            </a:pPr>
+            <a:r>
+              <a:rPr i="1" lang="en" sz="1800">
+                <a:solidFill>
+                  <a:srgbClr val="FFFFFF"/>
+                </a:solidFill>
+              </a:rPr>
+              <a:t>	Get the feature values for the URL</a:t>
+            </a:r>
+            <a:endParaRPr i="1" sz="1800">
+              <a:solidFill>
+                <a:srgbClr val="FFFFFF"/>
+              </a:solidFill>
+            </a:endParaRPr>
+          </a:p>
+          <a:p>
+            <a:pPr indent="0" lvl="0" marL="914400" rtl="0" algn="just">
+              <a:lnSpc>
+                <a:spcPct val="115000"/>
+              </a:lnSpc>
+              <a:spcBef>
+                <a:spcPts val="0"/>
+              </a:spcBef>
+              <a:spcAft>
+                <a:spcPts val="0"/>
+              </a:spcAft>
+              <a:buNone/>
+            </a:pPr>
+            <a:r>
+              <a:rPr i="1" lang="en" sz="1800">
+                <a:solidFill>
+                  <a:srgbClr val="FFFFFF"/>
+                </a:solidFill>
+              </a:rPr>
+              <a:t>	Load the saved model</a:t>
+            </a:r>
+            <a:endParaRPr i="1" sz="1800">
+              <a:solidFill>
+                <a:srgbClr val="FFFFFF"/>
+              </a:solidFill>
+            </a:endParaRPr>
+          </a:p>
+          <a:p>
+            <a:pPr indent="0" lvl="0" marL="914400" rtl="0" algn="just">
+              <a:lnSpc>
+                <a:spcPct val="115000"/>
+              </a:lnSpc>
+              <a:spcBef>
+                <a:spcPts val="0"/>
+              </a:spcBef>
+              <a:spcAft>
+                <a:spcPts val="0"/>
+              </a:spcAft>
+              <a:buNone/>
+            </a:pPr>
+            <a:r>
+              <a:rPr i="1" lang="en" sz="1800">
+                <a:solidFill>
+                  <a:srgbClr val="FFFFFF"/>
+                </a:solidFill>
+              </a:rPr>
+              <a:t>	Publish the result</a:t>
+            </a:r>
+            <a:endParaRPr i="1" sz="1800">
+              <a:solidFill>
+                <a:srgbClr val="FFFFFF"/>
+              </a:solidFill>
+            </a:endParaRPr>
+          </a:p>
+          <a:p>
+            <a:pPr indent="0" lvl="0" marL="914400" rtl="0" algn="just">
+              <a:lnSpc>
+                <a:spcPct val="115000"/>
+              </a:lnSpc>
+              <a:spcBef>
+                <a:spcPts val="0"/>
+              </a:spcBef>
+              <a:spcAft>
+                <a:spcPts val="0"/>
+              </a:spcAft>
+              <a:buNone/>
+            </a:pPr>
+            <a:r>
+              <a:rPr i="1" lang="en" sz="1800">
+                <a:solidFill>
+                  <a:srgbClr val="FFFFFF"/>
+                </a:solidFill>
+              </a:rPr>
+              <a:t>Done</a:t>
+            </a:r>
+            <a:endParaRPr i="1" sz="1800">
+              <a:solidFill>
+                <a:srgbClr val="FFFFFF"/>
+              </a:solidFill>
+            </a:endParaRPr>
+          </a:p>
+          <a:p>
+            <a:pPr indent="0" lvl="0" marL="457200" rtl="0" algn="just">
+              <a:lnSpc>
+                <a:spcPct val="115000"/>
+              </a:lnSpc>
+              <a:spcBef>
+                <a:spcPts val="0"/>
+              </a:spcBef>
+              <a:spcAft>
+                <a:spcPts val="0"/>
+              </a:spcAft>
+              <a:buNone/>
+            </a:pPr>
+            <a:r>
+              <a:rPr i="1" lang="en" sz="1800">
+                <a:solidFill>
+                  <a:srgbClr val="FFFFFF"/>
+                </a:solidFill>
+              </a:rPr>
+              <a:t>End</a:t>
+            </a:r>
+            <a:endParaRPr i="1" sz="1800">
               <a:solidFill>
                 <a:srgbClr val="FFFFFF"/>
               </a:solidFill>
@@ -14024,7 +14008,7 @@
         </p:nvSpPr>
         <p:spPr>
           <a:xfrm>
-            <a:off x="2070500" y="208400"/>
+            <a:off x="2060275" y="382325"/>
             <a:ext cx="4884600" cy="860700"/>
           </a:xfrm>
           <a:prstGeom prst="rect">
@@ -14055,7 +14039,7 @@
                   <a:srgbClr val="FFFFFF"/>
                 </a:solidFill>
               </a:rPr>
-              <a:t>CONTENT SCRIPT</a:t>
+              <a:t>TARGET IDENTIFIER</a:t>
             </a:r>
             <a:endParaRPr sz="3000">
               <a:solidFill>
@@ -14065,34 +14049,246 @@
           </a:p>
         </p:txBody>
       </p:sp>
-      <p:pic>
-        <p:nvPicPr>
+      <p:sp>
+        <p:nvSpPr>
           <p:cNvPr id="193" name="Google Shape;193;p36"/>
-          <p:cNvPicPr preferRelativeResize="0"/>
-          <p:nvPr/>
-        </p:nvPicPr>
-        <p:blipFill>
-          <a:blip r:embed="rId3">
-            <a:alphaModFix/>
-          </a:blip>
-          <a:stretch>
-            <a:fillRect/>
-          </a:stretch>
-        </p:blipFill>
+          <p:cNvSpPr txBox="1"/>
+          <p:nvPr>
+            <p:ph idx="1" type="subTitle"/>
+          </p:nvPr>
+        </p:nvSpPr>
         <p:spPr>
           <a:xfrm>
-            <a:off x="1434875" y="1069100"/>
-            <a:ext cx="6155851" cy="3846249"/>
+            <a:off x="1027500" y="1367525"/>
+            <a:ext cx="7089000" cy="3259500"/>
           </a:xfrm>
           <a:prstGeom prst="rect">
             <a:avLst/>
           </a:prstGeom>
-          <a:noFill/>
-          <a:ln>
-            <a:noFill/>
-          </a:ln>
         </p:spPr>
-      </p:pic>
+        <p:txBody>
+          <a:bodyPr anchorCtr="0" anchor="t" bIns="91425" lIns="91425" spcFirstLastPara="1" rIns="91425" wrap="square" tIns="91425">
+            <a:noAutofit/>
+          </a:bodyPr>
+          <a:lstStyle/>
+          <a:p>
+            <a:pPr indent="0" lvl="0" marL="457200" rtl="0" algn="just">
+              <a:lnSpc>
+                <a:spcPct val="115000"/>
+              </a:lnSpc>
+              <a:spcBef>
+                <a:spcPts val="0"/>
+              </a:spcBef>
+              <a:spcAft>
+                <a:spcPts val="0"/>
+              </a:spcAft>
+              <a:buNone/>
+            </a:pPr>
+            <a:r>
+              <a:rPr i="1" lang="en" sz="1800">
+                <a:solidFill>
+                  <a:srgbClr val="FFFFFF"/>
+                </a:solidFill>
+              </a:rPr>
+              <a:t>Begin</a:t>
+            </a:r>
+            <a:endParaRPr i="1" sz="1800">
+              <a:solidFill>
+                <a:srgbClr val="FFFFFF"/>
+              </a:solidFill>
+            </a:endParaRPr>
+          </a:p>
+          <a:p>
+            <a:pPr indent="0" lvl="0" marL="457200" rtl="0" algn="just">
+              <a:lnSpc>
+                <a:spcPct val="115000"/>
+              </a:lnSpc>
+              <a:spcBef>
+                <a:spcPts val="0"/>
+              </a:spcBef>
+              <a:spcAft>
+                <a:spcPts val="0"/>
+              </a:spcAft>
+              <a:buNone/>
+            </a:pPr>
+            <a:r>
+              <a:rPr i="1" lang="en" sz="1800">
+                <a:solidFill>
+                  <a:srgbClr val="FFFFFF"/>
+                </a:solidFill>
+              </a:rPr>
+              <a:t>	Get the hash value for page content </a:t>
+            </a:r>
+            <a:endParaRPr i="1" sz="1800">
+              <a:solidFill>
+                <a:srgbClr val="FFFFFF"/>
+              </a:solidFill>
+            </a:endParaRPr>
+          </a:p>
+          <a:p>
+            <a:pPr indent="0" lvl="0" marL="457200" rtl="0" algn="just">
+              <a:lnSpc>
+                <a:spcPct val="115000"/>
+              </a:lnSpc>
+              <a:spcBef>
+                <a:spcPts val="0"/>
+              </a:spcBef>
+              <a:spcAft>
+                <a:spcPts val="0"/>
+              </a:spcAft>
+              <a:buNone/>
+            </a:pPr>
+            <a:r>
+              <a:rPr i="1" lang="en" sz="1800">
+                <a:solidFill>
+                  <a:srgbClr val="FFFFFF"/>
+                </a:solidFill>
+              </a:rPr>
+              <a:t>	Compare with values in hash list</a:t>
+            </a:r>
+            <a:endParaRPr i="1" sz="1800">
+              <a:solidFill>
+                <a:srgbClr val="FFFFFF"/>
+              </a:solidFill>
+            </a:endParaRPr>
+          </a:p>
+          <a:p>
+            <a:pPr indent="0" lvl="0" marL="457200" rtl="0" algn="just">
+              <a:lnSpc>
+                <a:spcPct val="115000"/>
+              </a:lnSpc>
+              <a:spcBef>
+                <a:spcPts val="0"/>
+              </a:spcBef>
+              <a:spcAft>
+                <a:spcPts val="0"/>
+              </a:spcAft>
+              <a:buNone/>
+            </a:pPr>
+            <a:r>
+              <a:rPr i="1" lang="en" sz="1800">
+                <a:solidFill>
+                  <a:srgbClr val="FFFFFF"/>
+                </a:solidFill>
+              </a:rPr>
+              <a:t>	If match</a:t>
+            </a:r>
+            <a:endParaRPr i="1" sz="1800">
+              <a:solidFill>
+                <a:srgbClr val="FFFFFF"/>
+              </a:solidFill>
+            </a:endParaRPr>
+          </a:p>
+          <a:p>
+            <a:pPr indent="0" lvl="0" marL="457200" rtl="0" algn="just">
+              <a:lnSpc>
+                <a:spcPct val="115000"/>
+              </a:lnSpc>
+              <a:spcBef>
+                <a:spcPts val="0"/>
+              </a:spcBef>
+              <a:spcAft>
+                <a:spcPts val="0"/>
+              </a:spcAft>
+              <a:buNone/>
+            </a:pPr>
+            <a:r>
+              <a:rPr i="1" lang="en" sz="1800">
+                <a:solidFill>
+                  <a:srgbClr val="FFFFFF"/>
+                </a:solidFill>
+              </a:rPr>
+              <a:t>		Display target</a:t>
+            </a:r>
+            <a:endParaRPr i="1" sz="1800">
+              <a:solidFill>
+                <a:srgbClr val="FFFFFF"/>
+              </a:solidFill>
+            </a:endParaRPr>
+          </a:p>
+          <a:p>
+            <a:pPr indent="0" lvl="0" marL="457200" rtl="0" algn="just">
+              <a:lnSpc>
+                <a:spcPct val="115000"/>
+              </a:lnSpc>
+              <a:spcBef>
+                <a:spcPts val="0"/>
+              </a:spcBef>
+              <a:spcAft>
+                <a:spcPts val="0"/>
+              </a:spcAft>
+              <a:buNone/>
+            </a:pPr>
+            <a:r>
+              <a:rPr i="1" lang="en" sz="1800">
+                <a:solidFill>
+                  <a:srgbClr val="FFFFFF"/>
+                </a:solidFill>
+              </a:rPr>
+              <a:t>	Else</a:t>
+            </a:r>
+            <a:endParaRPr i="1" sz="1800">
+              <a:solidFill>
+                <a:srgbClr val="FFFFFF"/>
+              </a:solidFill>
+            </a:endParaRPr>
+          </a:p>
+          <a:p>
+            <a:pPr indent="0" lvl="0" marL="457200" rtl="0" algn="just">
+              <a:lnSpc>
+                <a:spcPct val="115000"/>
+              </a:lnSpc>
+              <a:spcBef>
+                <a:spcPts val="0"/>
+              </a:spcBef>
+              <a:spcAft>
+                <a:spcPts val="0"/>
+              </a:spcAft>
+              <a:buNone/>
+            </a:pPr>
+            <a:r>
+              <a:rPr i="1" lang="en" sz="1800">
+                <a:solidFill>
+                  <a:srgbClr val="FFFFFF"/>
+                </a:solidFill>
+              </a:rPr>
+              <a:t>		No target found</a:t>
+            </a:r>
+            <a:endParaRPr i="1" sz="1800">
+              <a:solidFill>
+                <a:srgbClr val="FFFFFF"/>
+              </a:solidFill>
+            </a:endParaRPr>
+          </a:p>
+          <a:p>
+            <a:pPr indent="0" lvl="0" marL="457200" rtl="0" algn="just">
+              <a:lnSpc>
+                <a:spcPct val="115000"/>
+              </a:lnSpc>
+              <a:spcBef>
+                <a:spcPts val="0"/>
+              </a:spcBef>
+              <a:spcAft>
+                <a:spcPts val="0"/>
+              </a:spcAft>
+              <a:buNone/>
+            </a:pPr>
+            <a:r>
+              <a:rPr i="1" lang="en" sz="1800">
+                <a:solidFill>
+                  <a:srgbClr val="FFFFFF"/>
+                </a:solidFill>
+              </a:rPr>
+              <a:t>End</a:t>
+            </a:r>
+            <a:endParaRPr i="1" sz="1800">
+              <a:solidFill>
+                <a:srgbClr val="FFFFFF"/>
+              </a:solidFill>
+            </a:endParaRPr>
+          </a:p>
+        </p:txBody>
+      </p:sp>
     </p:spTree>
   </p:cSld>
   <p:clrMapOvr>
@@ -14128,7 +14324,7 @@
         </p:nvSpPr>
         <p:spPr>
           <a:xfrm>
-            <a:off x="2070500" y="208400"/>
+            <a:off x="2052475" y="685800"/>
             <a:ext cx="4884600" cy="860700"/>
           </a:xfrm>
           <a:prstGeom prst="rect">
@@ -14159,7 +14355,7 @@
                   <a:srgbClr val="FFFFFF"/>
                 </a:solidFill>
               </a:rPr>
-              <a:t>CONTENT SCRIPT</a:t>
+              <a:t>IMPLEMENTATION</a:t>
             </a:r>
             <a:endParaRPr sz="3000">
               <a:solidFill>
@@ -14179,8 +14375,8 @@
         </p:nvSpPr>
         <p:spPr>
           <a:xfrm>
-            <a:off x="1027500" y="1367525"/>
-            <a:ext cx="7089000" cy="3259500"/>
+            <a:off x="2478775" y="1853875"/>
+            <a:ext cx="4032000" cy="1142700"/>
           </a:xfrm>
           <a:prstGeom prst="rect">
             <a:avLst/>
@@ -14192,157 +14388,62 @@
           </a:bodyPr>
           <a:lstStyle/>
           <a:p>
-            <a:pPr indent="0" lvl="0" marL="457200" rtl="0" algn="just">
-              <a:lnSpc>
-                <a:spcPct val="115000"/>
-              </a:lnSpc>
-              <a:spcBef>
-                <a:spcPts val="0"/>
-              </a:spcBef>
-              <a:spcAft>
-                <a:spcPts val="0"/>
-              </a:spcAft>
-              <a:buNone/>
-            </a:pPr>
-            <a:r>
-              <a:rPr i="1" lang="en" sz="1800">
+            <a:pPr indent="-342900" lvl="0" marL="457200" rtl="0" algn="just">
+              <a:lnSpc>
+                <a:spcPct val="115000"/>
+              </a:lnSpc>
+              <a:spcBef>
+                <a:spcPts val="0"/>
+              </a:spcBef>
+              <a:spcAft>
+                <a:spcPts val="0"/>
+              </a:spcAft>
+              <a:buClr>
+                <a:srgbClr val="FFFFFF"/>
+              </a:buClr>
+              <a:buSzPts val="1800"/>
+              <a:buChar char="●"/>
+            </a:pPr>
+            <a:r>
+              <a:rPr lang="en" sz="1800">
                 <a:solidFill>
                   <a:srgbClr val="FFFFFF"/>
                 </a:solidFill>
               </a:rPr>
-              <a:t>//Retrieve URL JS</a:t>
-            </a:r>
-            <a:endParaRPr i="1" sz="1800">
-              <a:solidFill>
-                <a:srgbClr val="FFFFFF"/>
-              </a:solidFill>
-            </a:endParaRPr>
-          </a:p>
-          <a:p>
-            <a:pPr indent="0" lvl="0" marL="457200" rtl="0" algn="just">
-              <a:lnSpc>
-                <a:spcPct val="115000"/>
-              </a:lnSpc>
-              <a:spcBef>
-                <a:spcPts val="0"/>
-              </a:spcBef>
-              <a:spcAft>
-                <a:spcPts val="0"/>
-              </a:spcAft>
-              <a:buNone/>
-            </a:pPr>
-            <a:r>
-              <a:rPr i="1" lang="en" sz="1800">
+              <a:t>CONTENT SCRIPT</a:t>
+            </a:r>
+            <a:endParaRPr sz="1800">
+              <a:solidFill>
+                <a:srgbClr val="FFFFFF"/>
+              </a:solidFill>
+            </a:endParaRPr>
+          </a:p>
+          <a:p>
+            <a:pPr indent="-342900" lvl="0" marL="457200" rtl="0" algn="just">
+              <a:lnSpc>
+                <a:spcPct val="115000"/>
+              </a:lnSpc>
+              <a:spcBef>
+                <a:spcPts val="0"/>
+              </a:spcBef>
+              <a:spcAft>
+                <a:spcPts val="0"/>
+              </a:spcAft>
+              <a:buClr>
+                <a:srgbClr val="FFFFFF"/>
+              </a:buClr>
+              <a:buSzPts val="1800"/>
+              <a:buChar char="●"/>
+            </a:pPr>
+            <a:r>
+              <a:rPr lang="en" sz="1800">
                 <a:solidFill>
                   <a:srgbClr val="FFFFFF"/>
                 </a:solidFill>
               </a:rPr>
-              <a:t>tablink = tab.url;</a:t>
-            </a:r>
-            <a:endParaRPr i="1" sz="1800">
-              <a:solidFill>
-                <a:srgbClr val="FFFFFF"/>
-              </a:solidFill>
-            </a:endParaRPr>
-          </a:p>
-          <a:p>
-            <a:pPr indent="0" lvl="0" marL="457200" rtl="0" algn="just">
-              <a:lnSpc>
-                <a:spcPct val="115000"/>
-              </a:lnSpc>
-              <a:spcBef>
-                <a:spcPts val="0"/>
-              </a:spcBef>
-              <a:spcAft>
-                <a:spcPts val="0"/>
-              </a:spcAft>
-              <a:buNone/>
-            </a:pPr>
-            <a:r>
-              <a:t/>
-            </a:r>
-            <a:endParaRPr i="1" sz="1800">
-              <a:solidFill>
-                <a:srgbClr val="FFFFFF"/>
-              </a:solidFill>
-            </a:endParaRPr>
-          </a:p>
-          <a:p>
-            <a:pPr indent="0" lvl="0" marL="457200" rtl="0" algn="just">
-              <a:lnSpc>
-                <a:spcPct val="115000"/>
-              </a:lnSpc>
-              <a:spcBef>
-                <a:spcPts val="0"/>
-              </a:spcBef>
-              <a:spcAft>
-                <a:spcPts val="0"/>
-              </a:spcAft>
-              <a:buNone/>
-            </a:pPr>
-            <a:r>
-              <a:rPr i="1" lang="en" sz="1800">
-                <a:solidFill>
-                  <a:srgbClr val="FFFFFF"/>
-                </a:solidFill>
-              </a:rPr>
-              <a:t>//Retrieve Page content PHP</a:t>
-            </a:r>
-            <a:endParaRPr i="1" sz="1800">
-              <a:solidFill>
-                <a:srgbClr val="FFFFFF"/>
-              </a:solidFill>
-            </a:endParaRPr>
-          </a:p>
-          <a:p>
-            <a:pPr indent="0" lvl="0" marL="457200" rtl="0" algn="just">
-              <a:lnSpc>
-                <a:spcPct val="115000"/>
-              </a:lnSpc>
-              <a:spcBef>
-                <a:spcPts val="0"/>
-              </a:spcBef>
-              <a:spcAft>
-                <a:spcPts val="0"/>
-              </a:spcAft>
-              <a:buNone/>
-            </a:pPr>
-            <a:r>
-              <a:rPr i="1" lang="en" sz="1800">
-                <a:solidFill>
-                  <a:srgbClr val="FFFFFF"/>
-                </a:solidFill>
-              </a:rPr>
-              <a:t>$site=$_POST['url'];</a:t>
-            </a:r>
-            <a:endParaRPr i="1" sz="1800">
-              <a:solidFill>
-                <a:srgbClr val="FFFFFF"/>
-              </a:solidFill>
-            </a:endParaRPr>
-          </a:p>
-          <a:p>
-            <a:pPr indent="0" lvl="0" marL="457200" rtl="0" algn="just">
-              <a:lnSpc>
-                <a:spcPct val="115000"/>
-              </a:lnSpc>
-              <a:spcBef>
-                <a:spcPts val="0"/>
-              </a:spcBef>
-              <a:spcAft>
-                <a:spcPts val="0"/>
-              </a:spcAft>
-              <a:buNone/>
-            </a:pPr>
-            <a:r>
-              <a:rPr i="1" lang="en" sz="1800">
-                <a:solidFill>
-                  <a:srgbClr val="FFFFFF"/>
-                </a:solidFill>
-              </a:rPr>
-              <a:t>$html = file_get_contents($site);</a:t>
-            </a:r>
-            <a:endParaRPr i="1" sz="1800">
+              <a:t>BACKGROUND SCRIPT</a:t>
+            </a:r>
+            <a:endParaRPr sz="1800">
               <a:solidFill>
                 <a:srgbClr val="FFFFFF"/>
               </a:solidFill>
@@ -14416,15 +14517,7 @@
                   <a:srgbClr val="FFFFFF"/>
                 </a:solidFill>
               </a:rPr>
-              <a:t>BACKGROUND</a:t>
-            </a:r>
-            <a:r>
-              <a:rPr b="1" lang="en" sz="3000">
-                <a:solidFill>
-                  <a:srgbClr val="FFFFFF"/>
-                </a:solidFill>
-              </a:rPr>
-              <a:t> SCRIPT</a:t>
+              <a:t>CONTENT SCRIPT</a:t>
             </a:r>
             <a:endParaRPr sz="3000">
               <a:solidFill>
@@ -14440,12 +14533,13 @@
           <p:cNvPicPr preferRelativeResize="0"/>
           <p:nvPr/>
         </p:nvPicPr>
-        <p:blipFill rotWithShape="1">
+        <p:blipFill>
           <a:blip r:embed="rId3">
             <a:alphaModFix/>
           </a:blip>
-          <a:srcRect b="0" l="0" r="0" t="0"/>
-          <a:stretch/>
+          <a:stretch>
+            <a:fillRect/>
+          </a:stretch>
         </p:blipFill>
         <p:spPr>
           <a:xfrm>
@@ -14527,15 +14621,7 @@
                   <a:srgbClr val="FFFFFF"/>
                 </a:solidFill>
               </a:rPr>
-              <a:t>BACKGROUND</a:t>
-            </a:r>
-            <a:r>
-              <a:rPr b="1" lang="en" sz="3000">
-                <a:solidFill>
-                  <a:srgbClr val="FFFFFF"/>
-                </a:solidFill>
-              </a:rPr>
-              <a:t> SCRIPT</a:t>
+              <a:t>CONTENT SCRIPT</a:t>
             </a:r>
             <a:endParaRPr sz="3000">
               <a:solidFill>
@@ -14586,7 +14672,7 @@
                   <a:srgbClr val="FFFFFF"/>
                 </a:solidFill>
               </a:rPr>
-              <a:t>//URL path item</a:t>
+              <a:t>//Retrieve URL JS</a:t>
             </a:r>
             <a:endParaRPr i="1" sz="1800">
               <a:solidFill>
@@ -14613,7 +14699,7 @@
                   <a:srgbClr val="FFFFFF"/>
                 </a:solidFill>
               </a:rPr>
-              <a:t>url: pathItem.url,</a:t>
+              <a:t>tablink = tab.url;</a:t>
             </a:r>
             <a:endParaRPr i="1" sz="1800">
               <a:solidFill>
@@ -14635,12 +14721,34 @@
               <a:buNone/>
             </a:pPr>
             <a:r>
+              <a:t/>
+            </a:r>
+            <a:endParaRPr i="1" sz="1800">
+              <a:solidFill>
+                <a:srgbClr val="FFFFFF"/>
+              </a:solidFill>
+            </a:endParaRPr>
+          </a:p>
+          <a:p>
+            <a:pPr indent="0" lvl="0" marL="457200" rtl="0" algn="just">
+              <a:lnSpc>
+                <a:spcPct val="115000"/>
+              </a:lnSpc>
+              <a:spcBef>
+                <a:spcPts val="0"/>
+              </a:spcBef>
+              <a:spcAft>
+                <a:spcPts val="0"/>
+              </a:spcAft>
+              <a:buNone/>
+            </a:pPr>
+            <a:r>
               <a:rPr i="1" lang="en" sz="1800">
                 <a:solidFill>
                   <a:srgbClr val="FFFFFF"/>
                 </a:solidFill>
               </a:rPr>
-              <a:t>status: pathItem.status_line,</a:t>
+              <a:t>//Retrieve Page content PHP</a:t>
             </a:r>
             <a:endParaRPr i="1" sz="1800">
               <a:solidFill>
@@ -14667,7 +14775,7 @@
                   <a:srgbClr val="FFFFFF"/>
                 </a:solidFill>
               </a:rPr>
-              <a:t>redirect_type: pathItem.redirect_type,</a:t>
+              <a:t>$site=$_POST['url'];</a:t>
             </a:r>
             <a:endParaRPr i="1" sz="1800">
               <a:solidFill>
@@ -14694,34 +14802,7 @@
                   <a:srgbClr val="FFFFFF"/>
                 </a:solidFill>
               </a:rPr>
-              <a:t>redirect_url: pathItem.redirect_url,</a:t>
-            </a:r>
-            <a:endParaRPr i="1" sz="1800">
-              <a:solidFill>
-                <a:srgbClr val="FFFFFF"/>
-              </a:solidFill>
-            </a:endParaRPr>
-          </a:p>
-          <a:p>
-            <a:pPr indent="0" lvl="0" marL="457200" rtl="0" algn="just">
-              <a:lnSpc>
-                <a:spcPct val="115000"/>
-              </a:lnSpc>
-              <a:spcBef>
-                <a:spcPts val="0"/>
-              </a:spcBef>
-              <a:spcAft>
-                <a:spcPts val="0"/>
-              </a:spcAft>
-              <a:buNone/>
-            </a:pPr>
-            <a:r>
-              <a:rPr i="1" lang="en" sz="1800">
-                <a:solidFill>
-                  <a:srgbClr val="FFFFFF"/>
-                </a:solidFill>
-              </a:rPr>
-              <a:t>meta_timer: pathItem.meta_timer</a:t>
+              <a:t>$html = file_get_contents($site);</a:t>
             </a:r>
             <a:endParaRPr i="1" sz="1800">
               <a:solidFill>
@@ -14766,8 +14847,8 @@
         </p:nvSpPr>
         <p:spPr>
           <a:xfrm>
-            <a:off x="2314950" y="618800"/>
-            <a:ext cx="4514100" cy="860700"/>
+            <a:off x="2070500" y="208400"/>
+            <a:ext cx="4884600" cy="860700"/>
           </a:xfrm>
           <a:prstGeom prst="rect">
             <a:avLst/>
@@ -14779,7 +14860,7 @@
           </a:bodyPr>
           <a:lstStyle/>
           <a:p>
-            <a:pPr indent="0" lvl="0" marL="0" rtl="0" algn="l">
+            <a:pPr indent="0" lvl="0" marL="0" rtl="0" algn="ctr">
               <a:lnSpc>
                 <a:spcPct val="115000"/>
               </a:lnSpc>
@@ -14797,9 +14878,17 @@
                   <a:srgbClr val="FFFFFF"/>
                 </a:solidFill>
               </a:rPr>
-              <a:t>EVALUATION METRICS</a:t>
-            </a:r>
-            <a:endParaRPr b="1" sz="3000">
+              <a:t>BACKGROUND</a:t>
+            </a:r>
+            <a:r>
+              <a:rPr b="1" lang="en" sz="3000">
+                <a:solidFill>
+                  <a:srgbClr val="FFFFFF"/>
+                </a:solidFill>
+              </a:rPr>
+              <a:t> SCRIPT</a:t>
+            </a:r>
+            <a:endParaRPr sz="3000">
               <a:solidFill>
                 <a:srgbClr val="FFFFFF"/>
               </a:solidFill>
@@ -14807,185 +14896,33 @@
           </a:p>
         </p:txBody>
       </p:sp>
-      <p:sp>
-        <p:nvSpPr>
+      <p:pic>
+        <p:nvPicPr>
           <p:cNvPr id="217" name="Google Shape;217;p40"/>
-          <p:cNvSpPr txBox="1"/>
-          <p:nvPr>
-            <p:ph idx="1" type="subTitle"/>
-          </p:nvPr>
-        </p:nvSpPr>
+          <p:cNvPicPr preferRelativeResize="0"/>
+          <p:nvPr/>
+        </p:nvPicPr>
+        <p:blipFill rotWithShape="1">
+          <a:blip r:embed="rId3">
+            <a:alphaModFix/>
+          </a:blip>
+          <a:srcRect b="0" l="0" r="0" t="0"/>
+          <a:stretch/>
+        </p:blipFill>
         <p:spPr>
           <a:xfrm>
-            <a:off x="2409300" y="1462800"/>
-            <a:ext cx="4325400" cy="2217900"/>
+            <a:off x="1434875" y="1069100"/>
+            <a:ext cx="6155851" cy="3846249"/>
           </a:xfrm>
           <a:prstGeom prst="rect">
             <a:avLst/>
           </a:prstGeom>
+          <a:noFill/>
+          <a:ln>
+            <a:noFill/>
+          </a:ln>
         </p:spPr>
-        <p:txBody>
-          <a:bodyPr anchorCtr="0" anchor="t" bIns="91425" lIns="91425" spcFirstLastPara="1" rIns="91425" wrap="square" tIns="91425">
-            <a:noAutofit/>
-          </a:bodyPr>
-          <a:lstStyle/>
-          <a:p>
-            <a:pPr indent="-342900" lvl="0" marL="457200" rtl="0" algn="just">
-              <a:lnSpc>
-                <a:spcPct val="115000"/>
-              </a:lnSpc>
-              <a:spcBef>
-                <a:spcPts val="0"/>
-              </a:spcBef>
-              <a:spcAft>
-                <a:spcPts val="0"/>
-              </a:spcAft>
-              <a:buClr>
-                <a:srgbClr val="FFFFFF"/>
-              </a:buClr>
-              <a:buSzPts val="1800"/>
-              <a:buAutoNum type="arabicPeriod"/>
-            </a:pPr>
-            <a:r>
-              <a:rPr lang="en" sz="1800">
-                <a:solidFill>
-                  <a:srgbClr val="FFFFFF"/>
-                </a:solidFill>
-              </a:rPr>
-              <a:t>Phish detection accuracy</a:t>
-            </a:r>
-            <a:endParaRPr sz="1800">
-              <a:solidFill>
-                <a:srgbClr val="FFFFFF"/>
-              </a:solidFill>
-            </a:endParaRPr>
-          </a:p>
-          <a:p>
-            <a:pPr indent="-342900" lvl="0" marL="457200" rtl="0" algn="just">
-              <a:lnSpc>
-                <a:spcPct val="115000"/>
-              </a:lnSpc>
-              <a:spcBef>
-                <a:spcPts val="0"/>
-              </a:spcBef>
-              <a:spcAft>
-                <a:spcPts val="0"/>
-              </a:spcAft>
-              <a:buClr>
-                <a:srgbClr val="FFFFFF"/>
-              </a:buClr>
-              <a:buSzPts val="1800"/>
-              <a:buAutoNum type="arabicPeriod"/>
-            </a:pPr>
-            <a:r>
-              <a:rPr lang="en" sz="1800">
-                <a:solidFill>
-                  <a:srgbClr val="FFFFFF"/>
-                </a:solidFill>
-              </a:rPr>
-              <a:t>Target detection ratio</a:t>
-            </a:r>
-            <a:endParaRPr sz="1800">
-              <a:solidFill>
-                <a:srgbClr val="FFFFFF"/>
-              </a:solidFill>
-            </a:endParaRPr>
-          </a:p>
-          <a:p>
-            <a:pPr indent="-342900" lvl="0" marL="457200" rtl="0" algn="just">
-              <a:lnSpc>
-                <a:spcPct val="115000"/>
-              </a:lnSpc>
-              <a:spcBef>
-                <a:spcPts val="0"/>
-              </a:spcBef>
-              <a:spcAft>
-                <a:spcPts val="0"/>
-              </a:spcAft>
-              <a:buClr>
-                <a:srgbClr val="FFFFFF"/>
-              </a:buClr>
-              <a:buSzPts val="1800"/>
-              <a:buAutoNum type="arabicPeriod"/>
-            </a:pPr>
-            <a:r>
-              <a:rPr lang="en" sz="1800">
-                <a:solidFill>
-                  <a:srgbClr val="FFFFFF"/>
-                </a:solidFill>
-              </a:rPr>
-              <a:t>Memory usage profiling</a:t>
-            </a:r>
-            <a:endParaRPr sz="1800">
-              <a:solidFill>
-                <a:srgbClr val="FFFFFF"/>
-              </a:solidFill>
-            </a:endParaRPr>
-          </a:p>
-          <a:p>
-            <a:pPr indent="-342900" lvl="0" marL="457200" rtl="0" algn="just">
-              <a:lnSpc>
-                <a:spcPct val="115000"/>
-              </a:lnSpc>
-              <a:spcBef>
-                <a:spcPts val="0"/>
-              </a:spcBef>
-              <a:spcAft>
-                <a:spcPts val="0"/>
-              </a:spcAft>
-              <a:buClr>
-                <a:srgbClr val="FFFFFF"/>
-              </a:buClr>
-              <a:buSzPts val="1800"/>
-              <a:buAutoNum type="arabicPeriod"/>
-            </a:pPr>
-            <a:r>
-              <a:rPr lang="en" sz="1800">
-                <a:solidFill>
-                  <a:srgbClr val="FFFFFF"/>
-                </a:solidFill>
-              </a:rPr>
-              <a:t>Addon rendering time</a:t>
-            </a:r>
-            <a:endParaRPr sz="1800">
-              <a:solidFill>
-                <a:srgbClr val="FFFFFF"/>
-              </a:solidFill>
-            </a:endParaRPr>
-          </a:p>
-          <a:p>
-            <a:pPr indent="-342900" lvl="0" marL="457200" rtl="0" algn="just">
-              <a:lnSpc>
-                <a:spcPct val="115000"/>
-              </a:lnSpc>
-              <a:spcBef>
-                <a:spcPts val="0"/>
-              </a:spcBef>
-              <a:spcAft>
-                <a:spcPts val="0"/>
-              </a:spcAft>
-              <a:buClr>
-                <a:srgbClr val="FFFFFF"/>
-              </a:buClr>
-              <a:buSzPts val="1800"/>
-              <a:buAutoNum type="arabicPeriod"/>
-            </a:pPr>
-            <a:r>
-              <a:rPr lang="en" sz="1800">
-                <a:solidFill>
-                  <a:srgbClr val="FFFFFF"/>
-                </a:solidFill>
-              </a:rPr>
-              <a:t>Temporal resilience accuracy</a:t>
-            </a:r>
-            <a:endParaRPr sz="1800">
-              <a:solidFill>
-                <a:srgbClr val="FFFFFF"/>
-              </a:solidFill>
-            </a:endParaRPr>
-          </a:p>
-        </p:txBody>
-      </p:sp>
+      </p:pic>
     </p:spTree>
   </p:cSld>
   <p:clrMapOvr>
@@ -15021,7 +14958,7 @@
         </p:nvSpPr>
         <p:spPr>
           <a:xfrm>
-            <a:off x="2052475" y="381000"/>
+            <a:off x="2070500" y="208400"/>
             <a:ext cx="4884600" cy="860700"/>
           </a:xfrm>
           <a:prstGeom prst="rect">
@@ -15052,7 +14989,15 @@
                   <a:srgbClr val="FFFFFF"/>
                 </a:solidFill>
               </a:rPr>
-              <a:t>REFERENCES</a:t>
+              <a:t>BACKGROUND</a:t>
+            </a:r>
+            <a:r>
+              <a:rPr b="1" lang="en" sz="3000">
+                <a:solidFill>
+                  <a:srgbClr val="FFFFFF"/>
+                </a:solidFill>
+              </a:rPr>
+              <a:t> SCRIPT</a:t>
             </a:r>
             <a:endParaRPr sz="3000">
               <a:solidFill>
@@ -15072,199 +15017,175 @@
         </p:nvSpPr>
         <p:spPr>
           <a:xfrm>
-            <a:off x="406650" y="1196700"/>
-            <a:ext cx="8330700" cy="3164400"/>
+            <a:off x="1027500" y="1367525"/>
+            <a:ext cx="7089000" cy="3259500"/>
           </a:xfrm>
           <a:prstGeom prst="rect">
             <a:avLst/>
           </a:prstGeom>
         </p:spPr>
         <p:txBody>
-          <a:bodyPr anchorCtr="0" anchor="ctr" bIns="91425" lIns="91425" spcFirstLastPara="1" rIns="91425" wrap="square" tIns="91425">
+          <a:bodyPr anchorCtr="0" anchor="t" bIns="91425" lIns="91425" spcFirstLastPara="1" rIns="91425" wrap="square" tIns="91425">
             <a:noAutofit/>
           </a:bodyPr>
           <a:lstStyle/>
           <a:p>
-            <a:pPr indent="-317500" lvl="0" marL="457200" rtl="0" algn="just">
-              <a:lnSpc>
-                <a:spcPct val="115000"/>
-              </a:lnSpc>
-              <a:spcBef>
-                <a:spcPts val="0"/>
-              </a:spcBef>
-              <a:spcAft>
-                <a:spcPts val="0"/>
-              </a:spcAft>
-              <a:buClr>
-                <a:srgbClr val="FFFFFF"/>
-              </a:buClr>
-              <a:buSzPts val="1400"/>
-              <a:buAutoNum type="arabicPeriod"/>
-            </a:pPr>
-            <a:r>
-              <a:rPr lang="en" sz="1400">
+            <a:pPr indent="0" lvl="0" marL="457200" rtl="0" algn="just">
+              <a:lnSpc>
+                <a:spcPct val="115000"/>
+              </a:lnSpc>
+              <a:spcBef>
+                <a:spcPts val="0"/>
+              </a:spcBef>
+              <a:spcAft>
+                <a:spcPts val="0"/>
+              </a:spcAft>
+              <a:buNone/>
+            </a:pPr>
+            <a:r>
+              <a:rPr i="1" lang="en" sz="1800">
                 <a:solidFill>
                   <a:srgbClr val="FFFFFF"/>
                 </a:solidFill>
               </a:rPr>
-              <a:t>Mahdieh Zabihimayvan and Derek Doran, "Fuzzy Rough Set Feature Selection to Enhance Phishing Attack Detection", IEEE International Conference on Fuzzy Systems, June 2019.</a:t>
-            </a:r>
-            <a:endParaRPr sz="1400">
-              <a:solidFill>
-                <a:srgbClr val="FFFFFF"/>
-              </a:solidFill>
-            </a:endParaRPr>
-          </a:p>
-          <a:p>
-            <a:pPr indent="-317500" lvl="0" marL="457200" rtl="0" algn="just">
-              <a:lnSpc>
-                <a:spcPct val="115000"/>
-              </a:lnSpc>
-              <a:spcBef>
-                <a:spcPts val="0"/>
-              </a:spcBef>
-              <a:spcAft>
-                <a:spcPts val="0"/>
-              </a:spcAft>
-              <a:buClr>
-                <a:srgbClr val="FFFFFF"/>
-              </a:buClr>
-              <a:buSzPts val="1400"/>
-              <a:buAutoNum type="arabicPeriod"/>
-            </a:pPr>
-            <a:r>
-              <a:rPr lang="en" sz="1400">
+              <a:t>//URL path item</a:t>
+            </a:r>
+            <a:endParaRPr i="1" sz="1800">
+              <a:solidFill>
+                <a:srgbClr val="FFFFFF"/>
+              </a:solidFill>
+            </a:endParaRPr>
+          </a:p>
+          <a:p>
+            <a:pPr indent="0" lvl="0" marL="457200" rtl="0" algn="just">
+              <a:lnSpc>
+                <a:spcPct val="115000"/>
+              </a:lnSpc>
+              <a:spcBef>
+                <a:spcPts val="0"/>
+              </a:spcBef>
+              <a:spcAft>
+                <a:spcPts val="0"/>
+              </a:spcAft>
+              <a:buNone/>
+            </a:pPr>
+            <a:r>
+              <a:rPr i="1" lang="en" sz="1800">
                 <a:solidFill>
                   <a:srgbClr val="FFFFFF"/>
                 </a:solidFill>
               </a:rPr>
-              <a:t>S. Marchal, G. Armano, T. Gröndahl, K. Saari, N. Singh, N. Asokan, "Off-the-hook: An efficient and usable client-side phishing prevention application", IEEE Trans. Comput., vol. 66, no. 10, pp. 1717-1733, Oct. 2017.</a:t>
-            </a:r>
-            <a:endParaRPr sz="1400">
-              <a:solidFill>
-                <a:srgbClr val="FFFFFF"/>
-              </a:solidFill>
-            </a:endParaRPr>
-          </a:p>
-          <a:p>
-            <a:pPr indent="-317500" lvl="0" marL="457200" rtl="0" algn="just">
-              <a:lnSpc>
-                <a:spcPct val="115000"/>
-              </a:lnSpc>
-              <a:spcBef>
-                <a:spcPts val="0"/>
-              </a:spcBef>
-              <a:spcAft>
-                <a:spcPts val="0"/>
-              </a:spcAft>
-              <a:buClr>
-                <a:srgbClr val="FFFFFF"/>
-              </a:buClr>
-              <a:buSzPts val="1400"/>
-              <a:buAutoNum type="arabicPeriod"/>
-            </a:pPr>
-            <a:r>
-              <a:rPr lang="en" sz="1400">
+              <a:t>url: pathItem.url,</a:t>
+            </a:r>
+            <a:endParaRPr i="1" sz="1800">
+              <a:solidFill>
+                <a:srgbClr val="FFFFFF"/>
+              </a:solidFill>
+            </a:endParaRPr>
+          </a:p>
+          <a:p>
+            <a:pPr indent="0" lvl="0" marL="457200" rtl="0" algn="just">
+              <a:lnSpc>
+                <a:spcPct val="115000"/>
+              </a:lnSpc>
+              <a:spcBef>
+                <a:spcPts val="0"/>
+              </a:spcBef>
+              <a:spcAft>
+                <a:spcPts val="0"/>
+              </a:spcAft>
+              <a:buNone/>
+            </a:pPr>
+            <a:r>
+              <a:rPr i="1" lang="en" sz="1800">
                 <a:solidFill>
                   <a:srgbClr val="FFFFFF"/>
                 </a:solidFill>
               </a:rPr>
-              <a:t>A. K. Jain, B. B. Gupta, "A novel approach to protect against phishing attacks at client side using auto-updated white-list", EURASIP J. Inf. Secur., vol. 2016, no. 1, Dec. 2016.</a:t>
-            </a:r>
-            <a:endParaRPr sz="1400">
-              <a:solidFill>
-                <a:srgbClr val="FFFFFF"/>
-              </a:solidFill>
-            </a:endParaRPr>
-          </a:p>
-          <a:p>
-            <a:pPr indent="-317500" lvl="0" marL="457200" rtl="0" algn="just">
-              <a:lnSpc>
-                <a:spcPct val="115000"/>
-              </a:lnSpc>
-              <a:spcBef>
-                <a:spcPts val="0"/>
-              </a:spcBef>
-              <a:spcAft>
-                <a:spcPts val="0"/>
-              </a:spcAft>
-              <a:buClr>
-                <a:srgbClr val="FFFFFF"/>
-              </a:buClr>
-              <a:buSzPts val="1400"/>
-              <a:buAutoNum type="arabicPeriod"/>
-            </a:pPr>
-            <a:r>
-              <a:rPr lang="en" sz="1400">
+              <a:t>status: pathItem.status_line,</a:t>
+            </a:r>
+            <a:endParaRPr i="1" sz="1800">
+              <a:solidFill>
+                <a:srgbClr val="FFFFFF"/>
+              </a:solidFill>
+            </a:endParaRPr>
+          </a:p>
+          <a:p>
+            <a:pPr indent="0" lvl="0" marL="457200" rtl="0" algn="just">
+              <a:lnSpc>
+                <a:spcPct val="115000"/>
+              </a:lnSpc>
+              <a:spcBef>
+                <a:spcPts val="0"/>
+              </a:spcBef>
+              <a:spcAft>
+                <a:spcPts val="0"/>
+              </a:spcAft>
+              <a:buNone/>
+            </a:pPr>
+            <a:r>
+              <a:rPr i="1" lang="en" sz="1800">
                 <a:solidFill>
                   <a:srgbClr val="FFFFFF"/>
                 </a:solidFill>
               </a:rPr>
-              <a:t>G. Xiang, J. Hong, C. P. Rosé, L. Cranor, "CANTINA: A feature-rich machine learning framework for detecting phishing Web sites", ACM Trans. Inf. Syst. Secur., vol. 14, no. 2, 2011.</a:t>
-            </a:r>
-            <a:endParaRPr sz="1400">
-              <a:solidFill>
-                <a:srgbClr val="FFFFFF"/>
-              </a:solidFill>
-            </a:endParaRPr>
-          </a:p>
-          <a:p>
-            <a:pPr indent="-317500" lvl="0" marL="457200" rtl="0" algn="just">
-              <a:lnSpc>
-                <a:spcPct val="115000"/>
-              </a:lnSpc>
-              <a:spcBef>
-                <a:spcPts val="0"/>
-              </a:spcBef>
-              <a:spcAft>
-                <a:spcPts val="0"/>
-              </a:spcAft>
-              <a:buClr>
-                <a:srgbClr val="FFFFFF"/>
-              </a:buClr>
-              <a:buSzPts val="1400"/>
-              <a:buAutoNum type="arabicPeriod"/>
-            </a:pPr>
-            <a:r>
-              <a:rPr lang="en" sz="1400">
+              <a:t>redirect_type: pathItem.redirect_type,</a:t>
+            </a:r>
+            <a:endParaRPr i="1" sz="1800">
+              <a:solidFill>
+                <a:srgbClr val="FFFFFF"/>
+              </a:solidFill>
+            </a:endParaRPr>
+          </a:p>
+          <a:p>
+            <a:pPr indent="0" lvl="0" marL="457200" rtl="0" algn="just">
+              <a:lnSpc>
+                <a:spcPct val="115000"/>
+              </a:lnSpc>
+              <a:spcBef>
+                <a:spcPts val="0"/>
+              </a:spcBef>
+              <a:spcAft>
+                <a:spcPts val="0"/>
+              </a:spcAft>
+              <a:buNone/>
+            </a:pPr>
+            <a:r>
+              <a:rPr i="1" lang="en" sz="1800">
                 <a:solidFill>
                   <a:srgbClr val="FFFFFF"/>
                 </a:solidFill>
               </a:rPr>
-              <a:t>Implementation for the Usage of Google Safe Browsing APIs (v4), 2019, [online] Available: https://github.com/google/safebrowsing.</a:t>
-            </a:r>
-            <a:endParaRPr sz="1400">
-              <a:solidFill>
-                <a:srgbClr val="FFFFFF"/>
-              </a:solidFill>
-            </a:endParaRPr>
-          </a:p>
-          <a:p>
-            <a:pPr indent="-317500" lvl="0" marL="457200" rtl="0" algn="just">
-              <a:lnSpc>
-                <a:spcPct val="115000"/>
-              </a:lnSpc>
-              <a:spcBef>
-                <a:spcPts val="0"/>
-              </a:spcBef>
-              <a:spcAft>
-                <a:spcPts val="0"/>
-              </a:spcAft>
-              <a:buClr>
-                <a:srgbClr val="FFFFFF"/>
-              </a:buClr>
-              <a:buSzPts val="1400"/>
-              <a:buAutoNum type="arabicPeriod"/>
-            </a:pPr>
-            <a:r>
-              <a:rPr lang="en" sz="1400">
+              <a:t>redirect_url: pathItem.redirect_url,</a:t>
+            </a:r>
+            <a:endParaRPr i="1" sz="1800">
+              <a:solidFill>
+                <a:srgbClr val="FFFFFF"/>
+              </a:solidFill>
+            </a:endParaRPr>
+          </a:p>
+          <a:p>
+            <a:pPr indent="0" lvl="0" marL="457200" rtl="0" algn="just">
+              <a:lnSpc>
+                <a:spcPct val="115000"/>
+              </a:lnSpc>
+              <a:spcBef>
+                <a:spcPts val="0"/>
+              </a:spcBef>
+              <a:spcAft>
+                <a:spcPts val="0"/>
+              </a:spcAft>
+              <a:buNone/>
+            </a:pPr>
+            <a:r>
+              <a:rPr i="1" lang="en" sz="1800">
                 <a:solidFill>
                   <a:srgbClr val="FFFFFF"/>
                 </a:solidFill>
               </a:rPr>
-              <a:t>C. Whittaker, B. Ryner, and M. Nazif, “Large-scale automatic classification of phishing pages,” in Proc. Netw. Distrib. Syst. Security Symp., 2010, pp. 1–14.</a:t>
-            </a:r>
-            <a:endParaRPr sz="1400">
+              <a:t>meta_timer: pathItem.meta_timer</a:t>
+            </a:r>
+            <a:endParaRPr i="1" sz="1800">
               <a:solidFill>
                 <a:srgbClr val="FFFFFF"/>
               </a:solidFill>
@@ -15551,6 +15472,547 @@
               <a:t>Cross platform</a:t>
             </a:r>
             <a:endParaRPr sz="1800">
+              <a:solidFill>
+                <a:srgbClr val="FFFFFF"/>
+              </a:solidFill>
+            </a:endParaRPr>
+          </a:p>
+        </p:txBody>
+      </p:sp>
+    </p:spTree>
+  </p:cSld>
+  <p:clrMapOvr>
+    <a:masterClrMapping/>
+  </p:clrMapOvr>
+</p:sld>
+</file>
+
+<file path=ppt/slides/slide30.xml><?xml version="1.0" encoding="utf-8"?>
+<p:sld xmlns:a="http://schemas.openxmlformats.org/drawingml/2006/main" xmlns:r="http://schemas.openxmlformats.org/officeDocument/2006/relationships" xmlns:mc="http://schemas.openxmlformats.org/markup-compatibility/2006" xmlns:mv="urn:schemas-microsoft-com:mac:vml" xmlns:p="http://schemas.openxmlformats.org/presentationml/2006/main" xmlns:c="http://schemas.openxmlformats.org/drawingml/2006/chart" xmlns:dgm="http://schemas.openxmlformats.org/drawingml/2006/diagram" xmlns:o="urn:schemas-microsoft-com:office:office" xmlns:v="urn:schemas-microsoft-com:vml" xmlns:pvml="urn:schemas-microsoft-com:office:powerpoint" xmlns:com="http://schemas.openxmlformats.org/drawingml/2006/compatibility" xmlns:p14="http://schemas.microsoft.com/office/powerpoint/2010/main" xmlns:p15="http://schemas.microsoft.com/office/powerpoint/2012/main">
+  <p:cSld>
+    <p:spTree>
+      <p:nvGrpSpPr>
+        <p:cNvPr id="227" name="Shape 227"/>
+        <p:cNvGrpSpPr/>
+        <p:nvPr/>
+      </p:nvGrpSpPr>
+      <p:grpSpPr>
+        <a:xfrm>
+          <a:off x="0" y="0"/>
+          <a:ext cx="0" cy="0"/>
+          <a:chOff x="0" y="0"/>
+          <a:chExt cx="0" cy="0"/>
+        </a:xfrm>
+      </p:grpSpPr>
+      <p:sp>
+        <p:nvSpPr>
+          <p:cNvPr id="228" name="Google Shape;228;p42"/>
+          <p:cNvSpPr txBox="1"/>
+          <p:nvPr>
+            <p:ph type="ctrTitle"/>
+          </p:nvPr>
+        </p:nvSpPr>
+        <p:spPr>
+          <a:xfrm>
+            <a:off x="2314950" y="618800"/>
+            <a:ext cx="4514100" cy="860700"/>
+          </a:xfrm>
+          <a:prstGeom prst="rect">
+            <a:avLst/>
+          </a:prstGeom>
+        </p:spPr>
+        <p:txBody>
+          <a:bodyPr anchorCtr="0" anchor="b" bIns="91425" lIns="91425" spcFirstLastPara="1" rIns="91425" wrap="square" tIns="91425">
+            <a:noAutofit/>
+          </a:bodyPr>
+          <a:lstStyle/>
+          <a:p>
+            <a:pPr indent="0" lvl="0" marL="0" rtl="0" algn="l">
+              <a:lnSpc>
+                <a:spcPct val="115000"/>
+              </a:lnSpc>
+              <a:spcBef>
+                <a:spcPts val="0"/>
+              </a:spcBef>
+              <a:spcAft>
+                <a:spcPts val="0"/>
+              </a:spcAft>
+              <a:buNone/>
+            </a:pPr>
+            <a:r>
+              <a:rPr b="1" lang="en" sz="3000">
+                <a:solidFill>
+                  <a:srgbClr val="FFFFFF"/>
+                </a:solidFill>
+              </a:rPr>
+              <a:t>EVALUATION METRICS</a:t>
+            </a:r>
+            <a:endParaRPr b="1" sz="3000">
+              <a:solidFill>
+                <a:srgbClr val="FFFFFF"/>
+              </a:solidFill>
+            </a:endParaRPr>
+          </a:p>
+        </p:txBody>
+      </p:sp>
+      <p:sp>
+        <p:nvSpPr>
+          <p:cNvPr id="229" name="Google Shape;229;p42"/>
+          <p:cNvSpPr txBox="1"/>
+          <p:nvPr>
+            <p:ph idx="1" type="subTitle"/>
+          </p:nvPr>
+        </p:nvSpPr>
+        <p:spPr>
+          <a:xfrm>
+            <a:off x="2409300" y="1462800"/>
+            <a:ext cx="4325400" cy="2217900"/>
+          </a:xfrm>
+          <a:prstGeom prst="rect">
+            <a:avLst/>
+          </a:prstGeom>
+        </p:spPr>
+        <p:txBody>
+          <a:bodyPr anchorCtr="0" anchor="t" bIns="91425" lIns="91425" spcFirstLastPara="1" rIns="91425" wrap="square" tIns="91425">
+            <a:noAutofit/>
+          </a:bodyPr>
+          <a:lstStyle/>
+          <a:p>
+            <a:pPr indent="-342900" lvl="0" marL="457200" rtl="0" algn="just">
+              <a:lnSpc>
+                <a:spcPct val="115000"/>
+              </a:lnSpc>
+              <a:spcBef>
+                <a:spcPts val="0"/>
+              </a:spcBef>
+              <a:spcAft>
+                <a:spcPts val="0"/>
+              </a:spcAft>
+              <a:buClr>
+                <a:srgbClr val="FFFFFF"/>
+              </a:buClr>
+              <a:buSzPts val="1800"/>
+              <a:buAutoNum type="arabicPeriod"/>
+            </a:pPr>
+            <a:r>
+              <a:rPr lang="en" sz="1800">
+                <a:solidFill>
+                  <a:srgbClr val="FFFFFF"/>
+                </a:solidFill>
+              </a:rPr>
+              <a:t>Phish detection accuracy</a:t>
+            </a:r>
+            <a:endParaRPr sz="1800">
+              <a:solidFill>
+                <a:srgbClr val="FFFFFF"/>
+              </a:solidFill>
+            </a:endParaRPr>
+          </a:p>
+          <a:p>
+            <a:pPr indent="-342900" lvl="0" marL="457200" rtl="0" algn="just">
+              <a:lnSpc>
+                <a:spcPct val="115000"/>
+              </a:lnSpc>
+              <a:spcBef>
+                <a:spcPts val="0"/>
+              </a:spcBef>
+              <a:spcAft>
+                <a:spcPts val="0"/>
+              </a:spcAft>
+              <a:buClr>
+                <a:srgbClr val="FFFFFF"/>
+              </a:buClr>
+              <a:buSzPts val="1800"/>
+              <a:buAutoNum type="arabicPeriod"/>
+            </a:pPr>
+            <a:r>
+              <a:rPr lang="en" sz="1800">
+                <a:solidFill>
+                  <a:srgbClr val="FFFFFF"/>
+                </a:solidFill>
+              </a:rPr>
+              <a:t>Target detection ratio</a:t>
+            </a:r>
+            <a:endParaRPr sz="1800">
+              <a:solidFill>
+                <a:srgbClr val="FFFFFF"/>
+              </a:solidFill>
+            </a:endParaRPr>
+          </a:p>
+          <a:p>
+            <a:pPr indent="-342900" lvl="0" marL="457200" rtl="0" algn="just">
+              <a:lnSpc>
+                <a:spcPct val="115000"/>
+              </a:lnSpc>
+              <a:spcBef>
+                <a:spcPts val="0"/>
+              </a:spcBef>
+              <a:spcAft>
+                <a:spcPts val="0"/>
+              </a:spcAft>
+              <a:buClr>
+                <a:srgbClr val="FFFFFF"/>
+              </a:buClr>
+              <a:buSzPts val="1800"/>
+              <a:buAutoNum type="arabicPeriod"/>
+            </a:pPr>
+            <a:r>
+              <a:rPr lang="en" sz="1800">
+                <a:solidFill>
+                  <a:srgbClr val="FFFFFF"/>
+                </a:solidFill>
+              </a:rPr>
+              <a:t>Memory usage profiling</a:t>
+            </a:r>
+            <a:endParaRPr sz="1800">
+              <a:solidFill>
+                <a:srgbClr val="FFFFFF"/>
+              </a:solidFill>
+            </a:endParaRPr>
+          </a:p>
+          <a:p>
+            <a:pPr indent="-342900" lvl="0" marL="457200" rtl="0" algn="just">
+              <a:lnSpc>
+                <a:spcPct val="115000"/>
+              </a:lnSpc>
+              <a:spcBef>
+                <a:spcPts val="0"/>
+              </a:spcBef>
+              <a:spcAft>
+                <a:spcPts val="0"/>
+              </a:spcAft>
+              <a:buClr>
+                <a:srgbClr val="FFFFFF"/>
+              </a:buClr>
+              <a:buSzPts val="1800"/>
+              <a:buAutoNum type="arabicPeriod"/>
+            </a:pPr>
+            <a:r>
+              <a:rPr lang="en" sz="1800">
+                <a:solidFill>
+                  <a:srgbClr val="FFFFFF"/>
+                </a:solidFill>
+              </a:rPr>
+              <a:t>Addon rendering time</a:t>
+            </a:r>
+            <a:endParaRPr sz="1800">
+              <a:solidFill>
+                <a:srgbClr val="FFFFFF"/>
+              </a:solidFill>
+            </a:endParaRPr>
+          </a:p>
+          <a:p>
+            <a:pPr indent="-342900" lvl="0" marL="457200" rtl="0" algn="just">
+              <a:lnSpc>
+                <a:spcPct val="115000"/>
+              </a:lnSpc>
+              <a:spcBef>
+                <a:spcPts val="0"/>
+              </a:spcBef>
+              <a:spcAft>
+                <a:spcPts val="0"/>
+              </a:spcAft>
+              <a:buClr>
+                <a:srgbClr val="FFFFFF"/>
+              </a:buClr>
+              <a:buSzPts val="1800"/>
+              <a:buAutoNum type="arabicPeriod"/>
+            </a:pPr>
+            <a:r>
+              <a:rPr lang="en" sz="1800">
+                <a:solidFill>
+                  <a:srgbClr val="FFFFFF"/>
+                </a:solidFill>
+              </a:rPr>
+              <a:t>Temporal resilience accuracy</a:t>
+            </a:r>
+            <a:endParaRPr sz="1800">
+              <a:solidFill>
+                <a:srgbClr val="FFFFFF"/>
+              </a:solidFill>
+            </a:endParaRPr>
+          </a:p>
+        </p:txBody>
+      </p:sp>
+    </p:spTree>
+  </p:cSld>
+  <p:clrMapOvr>
+    <a:masterClrMapping/>
+  </p:clrMapOvr>
+</p:sld>
+</file>
+
+<file path=ppt/slides/slide31.xml><?xml version="1.0" encoding="utf-8"?>
+<p:sld xmlns:a="http://schemas.openxmlformats.org/drawingml/2006/main" xmlns:r="http://schemas.openxmlformats.org/officeDocument/2006/relationships" xmlns:mc="http://schemas.openxmlformats.org/markup-compatibility/2006" xmlns:mv="urn:schemas-microsoft-com:mac:vml" xmlns:p="http://schemas.openxmlformats.org/presentationml/2006/main" xmlns:c="http://schemas.openxmlformats.org/drawingml/2006/chart" xmlns:dgm="http://schemas.openxmlformats.org/drawingml/2006/diagram" xmlns:o="urn:schemas-microsoft-com:office:office" xmlns:v="urn:schemas-microsoft-com:vml" xmlns:pvml="urn:schemas-microsoft-com:office:powerpoint" xmlns:com="http://schemas.openxmlformats.org/drawingml/2006/compatibility" xmlns:p14="http://schemas.microsoft.com/office/powerpoint/2010/main" xmlns:p15="http://schemas.microsoft.com/office/powerpoint/2012/main">
+  <p:cSld>
+    <p:spTree>
+      <p:nvGrpSpPr>
+        <p:cNvPr id="233" name="Shape 233"/>
+        <p:cNvGrpSpPr/>
+        <p:nvPr/>
+      </p:nvGrpSpPr>
+      <p:grpSpPr>
+        <a:xfrm>
+          <a:off x="0" y="0"/>
+          <a:ext cx="0" cy="0"/>
+          <a:chOff x="0" y="0"/>
+          <a:chExt cx="0" cy="0"/>
+        </a:xfrm>
+      </p:grpSpPr>
+      <p:sp>
+        <p:nvSpPr>
+          <p:cNvPr id="234" name="Google Shape;234;p43"/>
+          <p:cNvSpPr txBox="1"/>
+          <p:nvPr>
+            <p:ph type="ctrTitle"/>
+          </p:nvPr>
+        </p:nvSpPr>
+        <p:spPr>
+          <a:xfrm>
+            <a:off x="2052475" y="381000"/>
+            <a:ext cx="4884600" cy="860700"/>
+          </a:xfrm>
+          <a:prstGeom prst="rect">
+            <a:avLst/>
+          </a:prstGeom>
+        </p:spPr>
+        <p:txBody>
+          <a:bodyPr anchorCtr="0" anchor="b" bIns="91425" lIns="91425" spcFirstLastPara="1" rIns="91425" wrap="square" tIns="91425">
+            <a:noAutofit/>
+          </a:bodyPr>
+          <a:lstStyle/>
+          <a:p>
+            <a:pPr indent="0" lvl="0" marL="0" rtl="0" algn="ctr">
+              <a:lnSpc>
+                <a:spcPct val="115000"/>
+              </a:lnSpc>
+              <a:spcBef>
+                <a:spcPts val="0"/>
+              </a:spcBef>
+              <a:spcAft>
+                <a:spcPts val="0"/>
+              </a:spcAft>
+              <a:buNone/>
+            </a:pPr>
+            <a:r>
+              <a:rPr b="1" lang="en" sz="3000">
+                <a:solidFill>
+                  <a:srgbClr val="FFFFFF"/>
+                </a:solidFill>
+              </a:rPr>
+              <a:t>REFERENCES</a:t>
+            </a:r>
+            <a:endParaRPr sz="3000">
+              <a:solidFill>
+                <a:srgbClr val="FFFFFF"/>
+              </a:solidFill>
+            </a:endParaRPr>
+          </a:p>
+        </p:txBody>
+      </p:sp>
+      <p:sp>
+        <p:nvSpPr>
+          <p:cNvPr id="235" name="Google Shape;235;p43"/>
+          <p:cNvSpPr txBox="1"/>
+          <p:nvPr>
+            <p:ph idx="1" type="subTitle"/>
+          </p:nvPr>
+        </p:nvSpPr>
+        <p:spPr>
+          <a:xfrm>
+            <a:off x="406650" y="1196700"/>
+            <a:ext cx="8330700" cy="3164400"/>
+          </a:xfrm>
+          <a:prstGeom prst="rect">
+            <a:avLst/>
+          </a:prstGeom>
+        </p:spPr>
+        <p:txBody>
+          <a:bodyPr anchorCtr="0" anchor="ctr" bIns="91425" lIns="91425" spcFirstLastPara="1" rIns="91425" wrap="square" tIns="91425">
+            <a:noAutofit/>
+          </a:bodyPr>
+          <a:lstStyle/>
+          <a:p>
+            <a:pPr indent="-317500" lvl="0" marL="457200" rtl="0" algn="just">
+              <a:lnSpc>
+                <a:spcPct val="115000"/>
+              </a:lnSpc>
+              <a:spcBef>
+                <a:spcPts val="0"/>
+              </a:spcBef>
+              <a:spcAft>
+                <a:spcPts val="0"/>
+              </a:spcAft>
+              <a:buClr>
+                <a:srgbClr val="FFFFFF"/>
+              </a:buClr>
+              <a:buSzPts val="1400"/>
+              <a:buAutoNum type="arabicPeriod"/>
+            </a:pPr>
+            <a:r>
+              <a:rPr lang="en" sz="1400">
+                <a:solidFill>
+                  <a:srgbClr val="FFFFFF"/>
+                </a:solidFill>
+              </a:rPr>
+              <a:t>Mahdieh Zabihimayvan and Derek Doran, "Fuzzy Rough Set Feature Selection to Enhance Phishing Attack Detection", IEEE International Conference on Fuzzy Systems, June 2019.</a:t>
+            </a:r>
+            <a:endParaRPr sz="1400">
+              <a:solidFill>
+                <a:srgbClr val="FFFFFF"/>
+              </a:solidFill>
+            </a:endParaRPr>
+          </a:p>
+          <a:p>
+            <a:pPr indent="-317500" lvl="0" marL="457200" rtl="0" algn="just">
+              <a:lnSpc>
+                <a:spcPct val="115000"/>
+              </a:lnSpc>
+              <a:spcBef>
+                <a:spcPts val="0"/>
+              </a:spcBef>
+              <a:spcAft>
+                <a:spcPts val="0"/>
+              </a:spcAft>
+              <a:buClr>
+                <a:srgbClr val="FFFFFF"/>
+              </a:buClr>
+              <a:buSzPts val="1400"/>
+              <a:buAutoNum type="arabicPeriod"/>
+            </a:pPr>
+            <a:r>
+              <a:rPr lang="en" sz="1400">
+                <a:solidFill>
+                  <a:srgbClr val="FFFFFF"/>
+                </a:solidFill>
+              </a:rPr>
+              <a:t>S. Marchal, G. Armano, T. Gröndahl, K. Saari, N. Singh, N. Asokan, "Off-the-hook: An efficient and usable client-side phishing prevention application", IEEE Trans. Comput., vol. 66, no. 10, pp. 1717-1733, Oct. 2017.</a:t>
+            </a:r>
+            <a:endParaRPr sz="1400">
+              <a:solidFill>
+                <a:srgbClr val="FFFFFF"/>
+              </a:solidFill>
+            </a:endParaRPr>
+          </a:p>
+          <a:p>
+            <a:pPr indent="-317500" lvl="0" marL="457200" rtl="0" algn="just">
+              <a:lnSpc>
+                <a:spcPct val="115000"/>
+              </a:lnSpc>
+              <a:spcBef>
+                <a:spcPts val="0"/>
+              </a:spcBef>
+              <a:spcAft>
+                <a:spcPts val="0"/>
+              </a:spcAft>
+              <a:buClr>
+                <a:srgbClr val="FFFFFF"/>
+              </a:buClr>
+              <a:buSzPts val="1400"/>
+              <a:buAutoNum type="arabicPeriod"/>
+            </a:pPr>
+            <a:r>
+              <a:rPr lang="en" sz="1400">
+                <a:solidFill>
+                  <a:srgbClr val="FFFFFF"/>
+                </a:solidFill>
+              </a:rPr>
+              <a:t>A. K. Jain, B. B. Gupta, "A novel approach to protect against phishing attacks at client side using auto-updated white-list", EURASIP J. Inf. Secur., vol. 2016, no. 1, Dec. 2016.</a:t>
+            </a:r>
+            <a:endParaRPr sz="1400">
+              <a:solidFill>
+                <a:srgbClr val="FFFFFF"/>
+              </a:solidFill>
+            </a:endParaRPr>
+          </a:p>
+          <a:p>
+            <a:pPr indent="-317500" lvl="0" marL="457200" rtl="0" algn="just">
+              <a:lnSpc>
+                <a:spcPct val="115000"/>
+              </a:lnSpc>
+              <a:spcBef>
+                <a:spcPts val="0"/>
+              </a:spcBef>
+              <a:spcAft>
+                <a:spcPts val="0"/>
+              </a:spcAft>
+              <a:buClr>
+                <a:srgbClr val="FFFFFF"/>
+              </a:buClr>
+              <a:buSzPts val="1400"/>
+              <a:buAutoNum type="arabicPeriod"/>
+            </a:pPr>
+            <a:r>
+              <a:rPr lang="en" sz="1400">
+                <a:solidFill>
+                  <a:srgbClr val="FFFFFF"/>
+                </a:solidFill>
+              </a:rPr>
+              <a:t>G. Xiang, J. Hong, C. P. Rosé, L. Cranor, "CANTINA: A feature-rich machine learning framework for detecting phishing Web sites", ACM Trans. Inf. Syst. Secur., vol. 14, no. 2, 2011.</a:t>
+            </a:r>
+            <a:endParaRPr sz="1400">
+              <a:solidFill>
+                <a:srgbClr val="FFFFFF"/>
+              </a:solidFill>
+            </a:endParaRPr>
+          </a:p>
+          <a:p>
+            <a:pPr indent="-317500" lvl="0" marL="457200" rtl="0" algn="just">
+              <a:lnSpc>
+                <a:spcPct val="115000"/>
+              </a:lnSpc>
+              <a:spcBef>
+                <a:spcPts val="0"/>
+              </a:spcBef>
+              <a:spcAft>
+                <a:spcPts val="0"/>
+              </a:spcAft>
+              <a:buClr>
+                <a:srgbClr val="FFFFFF"/>
+              </a:buClr>
+              <a:buSzPts val="1400"/>
+              <a:buAutoNum type="arabicPeriod"/>
+            </a:pPr>
+            <a:r>
+              <a:rPr lang="en" sz="1400">
+                <a:solidFill>
+                  <a:srgbClr val="FFFFFF"/>
+                </a:solidFill>
+              </a:rPr>
+              <a:t>Implementation for the Usage of Google Safe Browsing APIs (v4), 2019, [online] Available: https://github.com/google/safebrowsing.</a:t>
+            </a:r>
+            <a:endParaRPr sz="1400">
+              <a:solidFill>
+                <a:srgbClr val="FFFFFF"/>
+              </a:solidFill>
+            </a:endParaRPr>
+          </a:p>
+          <a:p>
+            <a:pPr indent="-317500" lvl="0" marL="457200" rtl="0" algn="just">
+              <a:lnSpc>
+                <a:spcPct val="115000"/>
+              </a:lnSpc>
+              <a:spcBef>
+                <a:spcPts val="0"/>
+              </a:spcBef>
+              <a:spcAft>
+                <a:spcPts val="0"/>
+              </a:spcAft>
+              <a:buClr>
+                <a:srgbClr val="FFFFFF"/>
+              </a:buClr>
+              <a:buSzPts val="1400"/>
+              <a:buAutoNum type="arabicPeriod"/>
+            </a:pPr>
+            <a:r>
+              <a:rPr lang="en" sz="1400">
+                <a:solidFill>
+                  <a:srgbClr val="FFFFFF"/>
+                </a:solidFill>
+              </a:rPr>
+              <a:t>C. Whittaker, B. Ryner, and M. Nazif, “Large-scale automatic classification of phishing pages,” in Proc. Netw. Distrib. Syst. Security Symp., 2010, pp. 1–14.</a:t>
+            </a:r>
+            <a:endParaRPr sz="1400">
               <a:solidFill>
                 <a:srgbClr val="FFFFFF"/>
               </a:solidFill>

--- a/mail these/first/FYP First.pptx
+++ b/mail these/first/FYP First.pptx
@@ -919,7 +919,7 @@
   <p:cSld>
     <p:spTree>
       <p:nvGrpSpPr>
-        <p:cNvPr id="111" name="Shape 111"/>
+        <p:cNvPr id="110" name="Shape 110"/>
         <p:cNvGrpSpPr/>
         <p:nvPr/>
       </p:nvGrpSpPr>
@@ -933,7 +933,7 @@
       </p:grpSpPr>
       <p:sp>
         <p:nvSpPr>
-          <p:cNvPr id="112" name="Google Shape;112;g5ff9bbdfc0_0_35:notes"/>
+          <p:cNvPr id="111" name="Google Shape;111;g5ff9bbdfc0_0_35:notes"/>
           <p:cNvSpPr/>
           <p:nvPr>
             <p:ph idx="2" type="sldImg"/>
@@ -968,7 +968,7 @@
       </p:sp>
       <p:sp>
         <p:nvSpPr>
-          <p:cNvPr id="113" name="Google Shape;113;g5ff9bbdfc0_0_35:notes"/>
+          <p:cNvPr id="112" name="Google Shape;112;g5ff9bbdfc0_0_35:notes"/>
           <p:cNvSpPr txBox="1"/>
           <p:nvPr>
             <p:ph idx="1" type="body"/>
@@ -1018,7 +1018,7 @@
   <p:cSld>
     <p:spTree>
       <p:nvGrpSpPr>
-        <p:cNvPr id="117" name="Shape 117"/>
+        <p:cNvPr id="116" name="Shape 116"/>
         <p:cNvGrpSpPr/>
         <p:nvPr/>
       </p:nvGrpSpPr>
@@ -1032,7 +1032,7 @@
       </p:grpSpPr>
       <p:sp>
         <p:nvSpPr>
-          <p:cNvPr id="118" name="Google Shape;118;g5ff9bbdfc0_0_13:notes"/>
+          <p:cNvPr id="117" name="Google Shape;117;g5ff9bbdfc0_0_13:notes"/>
           <p:cNvSpPr/>
           <p:nvPr>
             <p:ph idx="2" type="sldImg"/>
@@ -1067,7 +1067,7 @@
       </p:sp>
       <p:sp>
         <p:nvSpPr>
-          <p:cNvPr id="119" name="Google Shape;119;g5ff9bbdfc0_0_13:notes"/>
+          <p:cNvPr id="118" name="Google Shape;118;g5ff9bbdfc0_0_13:notes"/>
           <p:cNvSpPr txBox="1"/>
           <p:nvPr>
             <p:ph idx="1" type="body"/>
@@ -1117,7 +1117,7 @@
   <p:cSld>
     <p:spTree>
       <p:nvGrpSpPr>
-        <p:cNvPr id="123" name="Shape 123"/>
+        <p:cNvPr id="122" name="Shape 122"/>
         <p:cNvGrpSpPr/>
         <p:nvPr/>
       </p:nvGrpSpPr>
@@ -1131,7 +1131,7 @@
       </p:grpSpPr>
       <p:sp>
         <p:nvSpPr>
-          <p:cNvPr id="124" name="Google Shape;124;g64565aa07b_0_1:notes"/>
+          <p:cNvPr id="123" name="Google Shape;123;g64565aa07b_0_1:notes"/>
           <p:cNvSpPr/>
           <p:nvPr>
             <p:ph idx="2" type="sldImg"/>
@@ -1166,7 +1166,7 @@
       </p:sp>
       <p:sp>
         <p:nvSpPr>
-          <p:cNvPr id="125" name="Google Shape;125;g64565aa07b_0_1:notes"/>
+          <p:cNvPr id="124" name="Google Shape;124;g64565aa07b_0_1:notes"/>
           <p:cNvSpPr txBox="1"/>
           <p:nvPr>
             <p:ph idx="1" type="body"/>
@@ -1216,7 +1216,7 @@
   <p:cSld>
     <p:spTree>
       <p:nvGrpSpPr>
-        <p:cNvPr id="129" name="Shape 129"/>
+        <p:cNvPr id="128" name="Shape 128"/>
         <p:cNvGrpSpPr/>
         <p:nvPr/>
       </p:nvGrpSpPr>
@@ -1230,7 +1230,7 @@
       </p:grpSpPr>
       <p:sp>
         <p:nvSpPr>
-          <p:cNvPr id="130" name="Google Shape;130;g6d23d0a28a_0_33:notes"/>
+          <p:cNvPr id="129" name="Google Shape;129;g6d23d0a28a_0_23:notes"/>
           <p:cNvSpPr/>
           <p:nvPr>
             <p:ph idx="2" type="sldImg"/>
@@ -1265,7 +1265,7 @@
       </p:sp>
       <p:sp>
         <p:nvSpPr>
-          <p:cNvPr id="131" name="Google Shape;131;g6d23d0a28a_0_33:notes"/>
+          <p:cNvPr id="130" name="Google Shape;130;g6d23d0a28a_0_23:notes"/>
           <p:cNvSpPr txBox="1"/>
           <p:nvPr>
             <p:ph idx="1" type="body"/>
@@ -1315,7 +1315,7 @@
   <p:cSld>
     <p:spTree>
       <p:nvGrpSpPr>
-        <p:cNvPr id="134" name="Shape 134"/>
+        <p:cNvPr id="135" name="Shape 135"/>
         <p:cNvGrpSpPr/>
         <p:nvPr/>
       </p:nvGrpSpPr>
@@ -1329,7 +1329,7 @@
       </p:grpSpPr>
       <p:sp>
         <p:nvSpPr>
-          <p:cNvPr id="135" name="Google Shape;135;g6d3751fc4f_2_0:notes"/>
+          <p:cNvPr id="136" name="Google Shape;136;g6d23d0a28a_0_41:notes"/>
           <p:cNvSpPr/>
           <p:nvPr>
             <p:ph idx="2" type="sldImg"/>
@@ -1364,7 +1364,7 @@
       </p:sp>
       <p:sp>
         <p:nvSpPr>
-          <p:cNvPr id="136" name="Google Shape;136;g6d3751fc4f_2_0:notes"/>
+          <p:cNvPr id="137" name="Google Shape;137;g6d23d0a28a_0_41:notes"/>
           <p:cNvSpPr txBox="1"/>
           <p:nvPr>
             <p:ph idx="1" type="body"/>
@@ -1414,7 +1414,7 @@
   <p:cSld>
     <p:spTree>
       <p:nvGrpSpPr>
-        <p:cNvPr id="140" name="Shape 140"/>
+        <p:cNvPr id="141" name="Shape 141"/>
         <p:cNvGrpSpPr/>
         <p:nvPr/>
       </p:nvGrpSpPr>
@@ -1428,7 +1428,7 @@
       </p:grpSpPr>
       <p:sp>
         <p:nvSpPr>
-          <p:cNvPr id="141" name="Google Shape;141;g6d23d0a28a_0_41:notes"/>
+          <p:cNvPr id="142" name="Google Shape;142;g7bef34b28b_0_24:notes"/>
           <p:cNvSpPr/>
           <p:nvPr>
             <p:ph idx="2" type="sldImg"/>
@@ -1463,7 +1463,7 @@
       </p:sp>
       <p:sp>
         <p:nvSpPr>
-          <p:cNvPr id="142" name="Google Shape;142;g6d23d0a28a_0_41:notes"/>
+          <p:cNvPr id="143" name="Google Shape;143;g7bef34b28b_0_24:notes"/>
           <p:cNvSpPr txBox="1"/>
           <p:nvPr>
             <p:ph idx="1" type="body"/>
@@ -1513,7 +1513,7 @@
   <p:cSld>
     <p:spTree>
       <p:nvGrpSpPr>
-        <p:cNvPr id="145" name="Shape 145"/>
+        <p:cNvPr id="147" name="Shape 147"/>
         <p:cNvGrpSpPr/>
         <p:nvPr/>
       </p:nvGrpSpPr>
@@ -1527,7 +1527,7 @@
       </p:grpSpPr>
       <p:sp>
         <p:nvSpPr>
-          <p:cNvPr id="146" name="Google Shape;146;g6d3751fc4f_2_5:notes"/>
+          <p:cNvPr id="148" name="Google Shape;148;g7bef34b28b_0_31:notes"/>
           <p:cNvSpPr/>
           <p:nvPr>
             <p:ph idx="2" type="sldImg"/>
@@ -1562,7 +1562,7 @@
       </p:sp>
       <p:sp>
         <p:nvSpPr>
-          <p:cNvPr id="147" name="Google Shape;147;g6d3751fc4f_2_5:notes"/>
+          <p:cNvPr id="149" name="Google Shape;149;g7bef34b28b_0_31:notes"/>
           <p:cNvSpPr txBox="1"/>
           <p:nvPr>
             <p:ph idx="1" type="body"/>
@@ -1612,7 +1612,7 @@
   <p:cSld>
     <p:spTree>
       <p:nvGrpSpPr>
-        <p:cNvPr id="151" name="Shape 151"/>
+        <p:cNvPr id="153" name="Shape 153"/>
         <p:cNvGrpSpPr/>
         <p:nvPr/>
       </p:nvGrpSpPr>
@@ -1626,7 +1626,7 @@
       </p:grpSpPr>
       <p:sp>
         <p:nvSpPr>
-          <p:cNvPr id="152" name="Google Shape;152;g6d23d0a28a_0_46:notes"/>
+          <p:cNvPr id="154" name="Google Shape;154;g6d23d0a28a_0_46:notes"/>
           <p:cNvSpPr/>
           <p:nvPr>
             <p:ph idx="2" type="sldImg"/>
@@ -1661,7 +1661,7 @@
       </p:sp>
       <p:sp>
         <p:nvSpPr>
-          <p:cNvPr id="153" name="Google Shape;153;g6d23d0a28a_0_46:notes"/>
+          <p:cNvPr id="155" name="Google Shape;155;g6d23d0a28a_0_46:notes"/>
           <p:cNvSpPr txBox="1"/>
           <p:nvPr>
             <p:ph idx="1" type="body"/>
@@ -1711,7 +1711,7 @@
   <p:cSld>
     <p:spTree>
       <p:nvGrpSpPr>
-        <p:cNvPr id="156" name="Shape 156"/>
+        <p:cNvPr id="159" name="Shape 159"/>
         <p:cNvGrpSpPr/>
         <p:nvPr/>
       </p:nvGrpSpPr>
@@ -1725,7 +1725,7 @@
       </p:grpSpPr>
       <p:sp>
         <p:nvSpPr>
-          <p:cNvPr id="157" name="Google Shape;157;g6d23d0a28a_0_23:notes"/>
+          <p:cNvPr id="160" name="Google Shape;160;g7bef34b28b_0_38:notes"/>
           <p:cNvSpPr/>
           <p:nvPr>
             <p:ph idx="2" type="sldImg"/>
@@ -1760,7 +1760,7 @@
       </p:sp>
       <p:sp>
         <p:nvSpPr>
-          <p:cNvPr id="158" name="Google Shape;158;g6d23d0a28a_0_23:notes"/>
+          <p:cNvPr id="161" name="Google Shape;161;g7bef34b28b_0_38:notes"/>
           <p:cNvSpPr txBox="1"/>
           <p:nvPr>
             <p:ph idx="1" type="body"/>
@@ -1909,7 +1909,7 @@
   <p:cSld>
     <p:spTree>
       <p:nvGrpSpPr>
-        <p:cNvPr id="163" name="Shape 163"/>
+        <p:cNvPr id="166" name="Shape 166"/>
         <p:cNvGrpSpPr/>
         <p:nvPr/>
       </p:nvGrpSpPr>
@@ -1923,7 +1923,7 @@
       </p:grpSpPr>
       <p:sp>
         <p:nvSpPr>
-          <p:cNvPr id="164" name="Google Shape;164;g7bef34b28b_0_24:notes"/>
+          <p:cNvPr id="167" name="Google Shape;167;g7bef34b28b_0_46:notes"/>
           <p:cNvSpPr/>
           <p:nvPr>
             <p:ph idx="2" type="sldImg"/>
@@ -1958,7 +1958,7 @@
       </p:sp>
       <p:sp>
         <p:nvSpPr>
-          <p:cNvPr id="165" name="Google Shape;165;g7bef34b28b_0_24:notes"/>
+          <p:cNvPr id="168" name="Google Shape;168;g7bef34b28b_0_46:notes"/>
           <p:cNvSpPr txBox="1"/>
           <p:nvPr>
             <p:ph idx="1" type="body"/>
@@ -2008,7 +2008,7 @@
   <p:cSld>
     <p:spTree>
       <p:nvGrpSpPr>
-        <p:cNvPr id="169" name="Shape 169"/>
+        <p:cNvPr id="172" name="Shape 172"/>
         <p:cNvGrpSpPr/>
         <p:nvPr/>
       </p:nvGrpSpPr>
@@ -2022,7 +2022,7 @@
       </p:grpSpPr>
       <p:sp>
         <p:nvSpPr>
-          <p:cNvPr id="170" name="Google Shape;170;g7bef34b28b_0_31:notes"/>
+          <p:cNvPr id="173" name="Google Shape;173;g6d41a4ce98_0_6:notes"/>
           <p:cNvSpPr/>
           <p:nvPr>
             <p:ph idx="2" type="sldImg"/>
@@ -2057,7 +2057,7 @@
       </p:sp>
       <p:sp>
         <p:nvSpPr>
-          <p:cNvPr id="171" name="Google Shape;171;g7bef34b28b_0_31:notes"/>
+          <p:cNvPr id="174" name="Google Shape;174;g6d41a4ce98_0_6:notes"/>
           <p:cNvSpPr txBox="1"/>
           <p:nvPr>
             <p:ph idx="1" type="body"/>
@@ -2107,7 +2107,7 @@
   <p:cSld>
     <p:spTree>
       <p:nvGrpSpPr>
-        <p:cNvPr id="175" name="Shape 175"/>
+        <p:cNvPr id="178" name="Shape 178"/>
         <p:cNvGrpSpPr/>
         <p:nvPr/>
       </p:nvGrpSpPr>
@@ -2121,7 +2121,7 @@
       </p:grpSpPr>
       <p:sp>
         <p:nvSpPr>
-          <p:cNvPr id="176" name="Google Shape;176;g7bef34b28b_0_38:notes"/>
+          <p:cNvPr id="179" name="Google Shape;179;g7bef34b28b_0_55:notes"/>
           <p:cNvSpPr/>
           <p:nvPr>
             <p:ph idx="2" type="sldImg"/>
@@ -2156,7 +2156,7 @@
       </p:sp>
       <p:sp>
         <p:nvSpPr>
-          <p:cNvPr id="177" name="Google Shape;177;g7bef34b28b_0_38:notes"/>
+          <p:cNvPr id="180" name="Google Shape;180;g7bef34b28b_0_55:notes"/>
           <p:cNvSpPr txBox="1"/>
           <p:nvPr>
             <p:ph idx="1" type="body"/>
@@ -2206,7 +2206,7 @@
   <p:cSld>
     <p:spTree>
       <p:nvGrpSpPr>
-        <p:cNvPr id="182" name="Shape 182"/>
+        <p:cNvPr id="184" name="Shape 184"/>
         <p:cNvGrpSpPr/>
         <p:nvPr/>
       </p:nvGrpSpPr>
@@ -2220,7 +2220,7 @@
       </p:grpSpPr>
       <p:sp>
         <p:nvSpPr>
-          <p:cNvPr id="183" name="Google Shape;183;g7bef34b28b_0_46:notes"/>
+          <p:cNvPr id="185" name="Google Shape;185;g6d23d0a28a_0_33:notes"/>
           <p:cNvSpPr/>
           <p:nvPr>
             <p:ph idx="2" type="sldImg"/>
@@ -2255,7 +2255,7 @@
       </p:sp>
       <p:sp>
         <p:nvSpPr>
-          <p:cNvPr id="184" name="Google Shape;184;g7bef34b28b_0_46:notes"/>
+          <p:cNvPr id="186" name="Google Shape;186;g6d23d0a28a_0_33:notes"/>
           <p:cNvSpPr txBox="1"/>
           <p:nvPr>
             <p:ph idx="1" type="body"/>
@@ -2305,7 +2305,7 @@
   <p:cSld>
     <p:spTree>
       <p:nvGrpSpPr>
-        <p:cNvPr id="188" name="Shape 188"/>
+        <p:cNvPr id="190" name="Shape 190"/>
         <p:cNvGrpSpPr/>
         <p:nvPr/>
       </p:nvGrpSpPr>
@@ -2319,7 +2319,7 @@
       </p:grpSpPr>
       <p:sp>
         <p:nvSpPr>
-          <p:cNvPr id="189" name="Google Shape;189;g7bef34b28b_0_55:notes"/>
+          <p:cNvPr id="191" name="Google Shape;191;g6d3cdee944_0_4:notes"/>
           <p:cNvSpPr/>
           <p:nvPr>
             <p:ph idx="2" type="sldImg"/>
@@ -2354,7 +2354,7 @@
       </p:sp>
       <p:sp>
         <p:nvSpPr>
-          <p:cNvPr id="190" name="Google Shape;190;g7bef34b28b_0_55:notes"/>
+          <p:cNvPr id="192" name="Google Shape;192;g6d3cdee944_0_4:notes"/>
           <p:cNvSpPr txBox="1"/>
           <p:nvPr>
             <p:ph idx="1" type="body"/>
@@ -2404,7 +2404,7 @@
   <p:cSld>
     <p:spTree>
       <p:nvGrpSpPr>
-        <p:cNvPr id="194" name="Shape 194"/>
+        <p:cNvPr id="196" name="Shape 196"/>
         <p:cNvGrpSpPr/>
         <p:nvPr/>
       </p:nvGrpSpPr>
@@ -2418,7 +2418,7 @@
       </p:grpSpPr>
       <p:sp>
         <p:nvSpPr>
-          <p:cNvPr id="195" name="Google Shape;195;g7bef34b28b_0_62:notes"/>
+          <p:cNvPr id="197" name="Google Shape;197;g7bef34b28b_0_62:notes"/>
           <p:cNvSpPr/>
           <p:nvPr>
             <p:ph idx="2" type="sldImg"/>
@@ -2453,7 +2453,7 @@
       </p:sp>
       <p:sp>
         <p:nvSpPr>
-          <p:cNvPr id="196" name="Google Shape;196;g7bef34b28b_0_62:notes"/>
+          <p:cNvPr id="198" name="Google Shape;198;g7bef34b28b_0_62:notes"/>
           <p:cNvSpPr txBox="1"/>
           <p:nvPr>
             <p:ph idx="1" type="body"/>
@@ -2503,7 +2503,7 @@
   <p:cSld>
     <p:spTree>
       <p:nvGrpSpPr>
-        <p:cNvPr id="200" name="Shape 200"/>
+        <p:cNvPr id="202" name="Shape 202"/>
         <p:cNvGrpSpPr/>
         <p:nvPr/>
       </p:nvGrpSpPr>
@@ -2517,7 +2517,7 @@
       </p:grpSpPr>
       <p:sp>
         <p:nvSpPr>
-          <p:cNvPr id="201" name="Google Shape;201;g7bef34b28b_0_69:notes"/>
+          <p:cNvPr id="203" name="Google Shape;203;g7bef34b28b_0_69:notes"/>
           <p:cNvSpPr/>
           <p:nvPr>
             <p:ph idx="2" type="sldImg"/>
@@ -2552,7 +2552,7 @@
       </p:sp>
       <p:sp>
         <p:nvSpPr>
-          <p:cNvPr id="202" name="Google Shape;202;g7bef34b28b_0_69:notes"/>
+          <p:cNvPr id="204" name="Google Shape;204;g7bef34b28b_0_69:notes"/>
           <p:cNvSpPr txBox="1"/>
           <p:nvPr>
             <p:ph idx="1" type="body"/>
@@ -2602,7 +2602,7 @@
   <p:cSld>
     <p:spTree>
       <p:nvGrpSpPr>
-        <p:cNvPr id="206" name="Shape 206"/>
+        <p:cNvPr id="208" name="Shape 208"/>
         <p:cNvGrpSpPr/>
         <p:nvPr/>
       </p:nvGrpSpPr>
@@ -2616,7 +2616,7 @@
       </p:grpSpPr>
       <p:sp>
         <p:nvSpPr>
-          <p:cNvPr id="207" name="Google Shape;207;g7bef34b28b_0_76:notes"/>
+          <p:cNvPr id="209" name="Google Shape;209;g7bef34b28b_0_76:notes"/>
           <p:cNvSpPr/>
           <p:nvPr>
             <p:ph idx="2" type="sldImg"/>
@@ -2651,7 +2651,7 @@
       </p:sp>
       <p:sp>
         <p:nvSpPr>
-          <p:cNvPr id="208" name="Google Shape;208;g7bef34b28b_0_76:notes"/>
+          <p:cNvPr id="210" name="Google Shape;210;g7bef34b28b_0_76:notes"/>
           <p:cNvSpPr txBox="1"/>
           <p:nvPr>
             <p:ph idx="1" type="body"/>
@@ -2701,7 +2701,7 @@
   <p:cSld>
     <p:spTree>
       <p:nvGrpSpPr>
-        <p:cNvPr id="212" name="Shape 212"/>
+        <p:cNvPr id="214" name="Shape 214"/>
         <p:cNvGrpSpPr/>
         <p:nvPr/>
       </p:nvGrpSpPr>
@@ -2715,7 +2715,7 @@
       </p:grpSpPr>
       <p:sp>
         <p:nvSpPr>
-          <p:cNvPr id="213" name="Google Shape;213;g7bef34b28b_0_83:notes"/>
+          <p:cNvPr id="215" name="Google Shape;215;g7bef34b28b_0_83:notes"/>
           <p:cNvSpPr/>
           <p:nvPr>
             <p:ph idx="2" type="sldImg"/>
@@ -2750,7 +2750,7 @@
       </p:sp>
       <p:sp>
         <p:nvSpPr>
-          <p:cNvPr id="214" name="Google Shape;214;g7bef34b28b_0_83:notes"/>
+          <p:cNvPr id="216" name="Google Shape;216;g7bef34b28b_0_83:notes"/>
           <p:cNvSpPr txBox="1"/>
           <p:nvPr>
             <p:ph idx="1" type="body"/>
@@ -2800,7 +2800,7 @@
   <p:cSld>
     <p:spTree>
       <p:nvGrpSpPr>
-        <p:cNvPr id="218" name="Shape 218"/>
+        <p:cNvPr id="220" name="Shape 220"/>
         <p:cNvGrpSpPr/>
         <p:nvPr/>
       </p:nvGrpSpPr>
@@ -2814,7 +2814,7 @@
       </p:grpSpPr>
       <p:sp>
         <p:nvSpPr>
-          <p:cNvPr id="219" name="Google Shape;219;g7bef34b28b_0_88:notes"/>
+          <p:cNvPr id="221" name="Google Shape;221;g7bef34b28b_0_88:notes"/>
           <p:cNvSpPr/>
           <p:nvPr>
             <p:ph idx="2" type="sldImg"/>
@@ -2849,7 +2849,7 @@
       </p:sp>
       <p:sp>
         <p:nvSpPr>
-          <p:cNvPr id="220" name="Google Shape;220;g7bef34b28b_0_88:notes"/>
+          <p:cNvPr id="222" name="Google Shape;222;g7bef34b28b_0_88:notes"/>
           <p:cNvSpPr txBox="1"/>
           <p:nvPr>
             <p:ph idx="1" type="body"/>
@@ -2998,7 +2998,7 @@
   <p:cSld>
     <p:spTree>
       <p:nvGrpSpPr>
-        <p:cNvPr id="224" name="Shape 224"/>
+        <p:cNvPr id="226" name="Shape 226"/>
         <p:cNvGrpSpPr/>
         <p:nvPr/>
       </p:nvGrpSpPr>
@@ -3012,7 +3012,7 @@
       </p:grpSpPr>
       <p:sp>
         <p:nvSpPr>
-          <p:cNvPr id="225" name="Google Shape;225;g7bef34b28b_0_96:notes"/>
+          <p:cNvPr id="227" name="Google Shape;227;g7bef34b28b_0_96:notes"/>
           <p:cNvSpPr/>
           <p:nvPr>
             <p:ph idx="2" type="sldImg"/>
@@ -3047,7 +3047,7 @@
       </p:sp>
       <p:sp>
         <p:nvSpPr>
-          <p:cNvPr id="226" name="Google Shape;226;g7bef34b28b_0_96:notes"/>
+          <p:cNvPr id="228" name="Google Shape;228;g7bef34b28b_0_96:notes"/>
           <p:cNvSpPr txBox="1"/>
           <p:nvPr>
             <p:ph idx="1" type="body"/>
@@ -3097,7 +3097,7 @@
   <p:cSld>
     <p:spTree>
       <p:nvGrpSpPr>
-        <p:cNvPr id="230" name="Shape 230"/>
+        <p:cNvPr id="232" name="Shape 232"/>
         <p:cNvGrpSpPr/>
         <p:nvPr/>
       </p:nvGrpSpPr>
@@ -3111,7 +3111,7 @@
       </p:grpSpPr>
       <p:sp>
         <p:nvSpPr>
-          <p:cNvPr id="231" name="Google Shape;231;g5ff9bbdfc0_0_19:notes"/>
+          <p:cNvPr id="233" name="Google Shape;233;g5ff9bbdfc0_0_19:notes"/>
           <p:cNvSpPr/>
           <p:nvPr>
             <p:ph idx="2" type="sldImg"/>
@@ -3146,7 +3146,7 @@
       </p:sp>
       <p:sp>
         <p:nvSpPr>
-          <p:cNvPr id="232" name="Google Shape;232;g5ff9bbdfc0_0_19:notes"/>
+          <p:cNvPr id="234" name="Google Shape;234;g5ff9bbdfc0_0_19:notes"/>
           <p:cNvSpPr txBox="1"/>
           <p:nvPr>
             <p:ph idx="1" type="body"/>
@@ -8604,7 +8604,7 @@
                   <a:srgbClr val="FFFFFF"/>
                 </a:solidFill>
               </a:rPr>
-              <a:t>FINAL YEAR PROJECT REPORT</a:t>
+              <a:t>FIRST REVIEW</a:t>
             </a:r>
             <a:endParaRPr b="1" sz="1800">
               <a:solidFill>
@@ -9059,60 +9059,9 @@
           <a:chExt cx="0" cy="0"/>
         </a:xfrm>
       </p:grpSpPr>
-      <p:sp>
-        <p:nvSpPr>
-          <p:cNvPr id="109" name="Google Shape;109;p22"/>
-          <p:cNvSpPr txBox="1"/>
-          <p:nvPr>
-            <p:ph type="ctrTitle"/>
-          </p:nvPr>
-        </p:nvSpPr>
-        <p:spPr>
-          <a:xfrm>
-            <a:off x="403425" y="55500"/>
-            <a:ext cx="8151600" cy="860700"/>
-          </a:xfrm>
-          <a:prstGeom prst="rect">
-            <a:avLst/>
-          </a:prstGeom>
-        </p:spPr>
-        <p:txBody>
-          <a:bodyPr anchorCtr="0" anchor="b" bIns="91425" lIns="91425" spcFirstLastPara="1" rIns="91425" wrap="square" tIns="91425">
-            <a:noAutofit/>
-          </a:bodyPr>
-          <a:lstStyle/>
-          <a:p>
-            <a:pPr indent="0" lvl="0" marL="0" rtl="0" algn="ctr">
-              <a:lnSpc>
-                <a:spcPct val="115000"/>
-              </a:lnSpc>
-              <a:spcBef>
-                <a:spcPts val="0"/>
-              </a:spcBef>
-              <a:spcAft>
-                <a:spcPts val="0"/>
-              </a:spcAft>
-              <a:buNone/>
-            </a:pPr>
-            <a:r>
-              <a:rPr b="1" lang="en" sz="3000">
-                <a:solidFill>
-                  <a:srgbClr val="FFFFFF"/>
-                </a:solidFill>
-              </a:rPr>
-              <a:t>COMPARISON</a:t>
-            </a:r>
-            <a:endParaRPr sz="3000">
-              <a:solidFill>
-                <a:srgbClr val="FFFFFF"/>
-              </a:solidFill>
-            </a:endParaRPr>
-          </a:p>
-        </p:txBody>
-      </p:sp>
       <p:graphicFrame>
         <p:nvGraphicFramePr>
-          <p:cNvPr id="110" name="Google Shape;110;p22"/>
+          <p:cNvPr id="109" name="Google Shape;109;p22"/>
           <p:cNvGraphicFramePr/>
           <p:nvPr/>
         </p:nvGraphicFramePr>
@@ -9125,7 +9074,7 @@
             <a:tbl>
               <a:tblPr>
                 <a:noFill/>
-                <a:tableStyleId>{4E8D7F8A-5531-4F8F-B100-C7D9161E86EE}</a:tableStyleId>
+                <a:tableStyleId>{300B024C-DA80-425C-B835-981DE29D16D6}</a:tableStyleId>
               </a:tblPr>
               <a:tblGrid>
                 <a:gridCol w="2572325"/>
@@ -9234,7 +9183,7 @@
                           <a:cs typeface="Times New Roman"/>
                           <a:sym typeface="Times New Roman"/>
                         </a:rPr>
-                        <a:t>Publication</a:t>
+                        <a:t>Journal/Conf. , Year</a:t>
                       </a:r>
                       <a:endParaRPr>
                         <a:solidFill>
@@ -9310,7 +9259,7 @@
                           <a:cs typeface="Times New Roman"/>
                           <a:sym typeface="Times New Roman"/>
                         </a:rPr>
-                        <a:t>Solved</a:t>
+                        <a:t>Contributions</a:t>
                       </a:r>
                       <a:endParaRPr>
                         <a:solidFill>
@@ -10680,7 +10629,7 @@
   <p:cSld>
     <p:spTree>
       <p:nvGrpSpPr>
-        <p:cNvPr id="114" name="Shape 114"/>
+        <p:cNvPr id="113" name="Shape 113"/>
         <p:cNvGrpSpPr/>
         <p:nvPr/>
       </p:nvGrpSpPr>
@@ -10694,7 +10643,7 @@
       </p:grpSpPr>
       <p:sp>
         <p:nvSpPr>
-          <p:cNvPr id="115" name="Google Shape;115;p23"/>
+          <p:cNvPr id="114" name="Google Shape;114;p23"/>
           <p:cNvSpPr txBox="1"/>
           <p:nvPr>
             <p:ph type="ctrTitle"/>
@@ -10745,7 +10694,7 @@
       </p:sp>
       <p:sp>
         <p:nvSpPr>
-          <p:cNvPr id="116" name="Google Shape;116;p23"/>
+          <p:cNvPr id="115" name="Google Shape;115;p23"/>
           <p:cNvSpPr txBox="1"/>
           <p:nvPr>
             <p:ph idx="1" type="subTitle"/>
@@ -10935,7 +10884,7 @@
   <p:cSld>
     <p:spTree>
       <p:nvGrpSpPr>
-        <p:cNvPr id="120" name="Shape 120"/>
+        <p:cNvPr id="119" name="Shape 119"/>
         <p:cNvGrpSpPr/>
         <p:nvPr/>
       </p:nvGrpSpPr>
@@ -10949,7 +10898,7 @@
       </p:grpSpPr>
       <p:sp>
         <p:nvSpPr>
-          <p:cNvPr id="121" name="Google Shape;121;p24"/>
+          <p:cNvPr id="120" name="Google Shape;120;p24"/>
           <p:cNvSpPr txBox="1"/>
           <p:nvPr>
             <p:ph type="ctrTitle"/>
@@ -11000,7 +10949,7 @@
       </p:sp>
       <p:pic>
         <p:nvPicPr>
-          <p:cNvPr id="122" name="Google Shape;122;p24"/>
+          <p:cNvPr id="121" name="Google Shape;121;p24"/>
           <p:cNvPicPr preferRelativeResize="0"/>
           <p:nvPr/>
         </p:nvPicPr>
@@ -11039,7 +10988,7 @@
   <p:cSld>
     <p:spTree>
       <p:nvGrpSpPr>
-        <p:cNvPr id="126" name="Shape 126"/>
+        <p:cNvPr id="125" name="Shape 125"/>
         <p:cNvGrpSpPr/>
         <p:nvPr/>
       </p:nvGrpSpPr>
@@ -11053,7 +11002,7 @@
       </p:grpSpPr>
       <p:sp>
         <p:nvSpPr>
-          <p:cNvPr id="127" name="Google Shape;127;p25"/>
+          <p:cNvPr id="126" name="Google Shape;126;p25"/>
           <p:cNvSpPr txBox="1"/>
           <p:nvPr>
             <p:ph type="ctrTitle"/>
@@ -11131,7 +11080,7 @@
       </p:sp>
       <p:pic>
         <p:nvPicPr>
-          <p:cNvPr id="128" name="Google Shape;128;p25"/>
+          <p:cNvPr id="127" name="Google Shape;127;p25"/>
           <p:cNvPicPr preferRelativeResize="0"/>
           <p:nvPr/>
         </p:nvPicPr>
@@ -11145,8 +11094,8 @@
         </p:blipFill>
         <p:spPr>
           <a:xfrm>
-            <a:off x="5513825" y="152400"/>
-            <a:ext cx="3477774" cy="5883224"/>
+            <a:off x="5163525" y="101100"/>
+            <a:ext cx="3458050" cy="4941299"/>
           </a:xfrm>
           <a:prstGeom prst="rect">
             <a:avLst/>
@@ -11170,7 +11119,7 @@
   <p:cSld>
     <p:spTree>
       <p:nvGrpSpPr>
-        <p:cNvPr id="132" name="Shape 132"/>
+        <p:cNvPr id="131" name="Shape 131"/>
         <p:cNvGrpSpPr/>
         <p:nvPr/>
       </p:nvGrpSpPr>
@@ -11182,34 +11131,415 @@
           <a:chExt cx="0" cy="0"/>
         </a:xfrm>
       </p:grpSpPr>
-      <p:pic>
-        <p:nvPicPr>
-          <p:cNvPr id="133" name="Google Shape;133;p26"/>
-          <p:cNvPicPr preferRelativeResize="0"/>
-          <p:nvPr/>
-        </p:nvPicPr>
-        <p:blipFill>
-          <a:blip r:embed="rId3">
-            <a:alphaModFix/>
-          </a:blip>
-          <a:stretch>
-            <a:fillRect/>
-          </a:stretch>
-        </p:blipFill>
+      <p:sp>
+        <p:nvSpPr>
+          <p:cNvPr id="132" name="Google Shape;132;p26"/>
+          <p:cNvSpPr txBox="1"/>
+          <p:nvPr>
+            <p:ph type="ctrTitle"/>
+          </p:nvPr>
+        </p:nvSpPr>
         <p:spPr>
           <a:xfrm>
-            <a:off x="987875" y="782388"/>
-            <a:ext cx="7168250" cy="3578725"/>
+            <a:off x="217025" y="471300"/>
+            <a:ext cx="8544900" cy="705000"/>
           </a:xfrm>
           <a:prstGeom prst="rect">
             <a:avLst/>
           </a:prstGeom>
-          <a:noFill/>
-          <a:ln>
-            <a:noFill/>
-          </a:ln>
         </p:spPr>
-      </p:pic>
+        <p:txBody>
+          <a:bodyPr anchorCtr="0" anchor="b" bIns="91425" lIns="91425" spcFirstLastPara="1" rIns="91425" wrap="square" tIns="91425">
+            <a:noAutofit/>
+          </a:bodyPr>
+          <a:lstStyle/>
+          <a:p>
+            <a:pPr indent="0" lvl="0" marL="0" rtl="0" algn="ctr">
+              <a:lnSpc>
+                <a:spcPct val="115000"/>
+              </a:lnSpc>
+              <a:spcBef>
+                <a:spcPts val="0"/>
+              </a:spcBef>
+              <a:spcAft>
+                <a:spcPts val="0"/>
+              </a:spcAft>
+              <a:buNone/>
+            </a:pPr>
+            <a:r>
+              <a:rPr b="1" lang="en" sz="3000">
+                <a:solidFill>
+                  <a:srgbClr val="FFFFFF"/>
+                </a:solidFill>
+              </a:rPr>
+              <a:t>MODULE LIST</a:t>
+            </a:r>
+            <a:endParaRPr sz="3000">
+              <a:solidFill>
+                <a:srgbClr val="FFFFFF"/>
+              </a:solidFill>
+            </a:endParaRPr>
+          </a:p>
+        </p:txBody>
+      </p:sp>
+      <p:sp>
+        <p:nvSpPr>
+          <p:cNvPr id="133" name="Google Shape;133;p26"/>
+          <p:cNvSpPr txBox="1"/>
+          <p:nvPr>
+            <p:ph idx="1" type="subTitle"/>
+          </p:nvPr>
+        </p:nvSpPr>
+        <p:spPr>
+          <a:xfrm>
+            <a:off x="1627050" y="1343425"/>
+            <a:ext cx="4068300" cy="1955700"/>
+          </a:xfrm>
+          <a:prstGeom prst="rect">
+            <a:avLst/>
+          </a:prstGeom>
+        </p:spPr>
+        <p:txBody>
+          <a:bodyPr anchorCtr="0" anchor="t" bIns="91425" lIns="91425" spcFirstLastPara="1" rIns="91425" wrap="square" tIns="91425">
+            <a:noAutofit/>
+          </a:bodyPr>
+          <a:lstStyle/>
+          <a:p>
+            <a:pPr indent="-342900" lvl="0" marL="457200" rtl="0" algn="just">
+              <a:lnSpc>
+                <a:spcPct val="115000"/>
+              </a:lnSpc>
+              <a:spcBef>
+                <a:spcPts val="1100"/>
+              </a:spcBef>
+              <a:spcAft>
+                <a:spcPts val="0"/>
+              </a:spcAft>
+              <a:buClr>
+                <a:schemeClr val="dk1"/>
+              </a:buClr>
+              <a:buSzPts val="1800"/>
+              <a:buChar char="●"/>
+            </a:pPr>
+            <a:r>
+              <a:rPr lang="en" sz="1800">
+                <a:solidFill>
+                  <a:schemeClr val="dk1"/>
+                </a:solidFill>
+              </a:rPr>
+              <a:t>Add on</a:t>
+            </a:r>
+            <a:endParaRPr sz="1800">
+              <a:solidFill>
+                <a:schemeClr val="dk1"/>
+              </a:solidFill>
+            </a:endParaRPr>
+          </a:p>
+          <a:p>
+            <a:pPr indent="-342900" lvl="0" marL="914400" rtl="0" algn="just">
+              <a:lnSpc>
+                <a:spcPct val="115000"/>
+              </a:lnSpc>
+              <a:spcBef>
+                <a:spcPts val="0"/>
+              </a:spcBef>
+              <a:spcAft>
+                <a:spcPts val="0"/>
+              </a:spcAft>
+              <a:buClr>
+                <a:schemeClr val="dk1"/>
+              </a:buClr>
+              <a:buSzPts val="1800"/>
+              <a:buAutoNum type="alphaLcPeriod"/>
+            </a:pPr>
+            <a:r>
+              <a:rPr lang="en" sz="1800">
+                <a:solidFill>
+                  <a:schemeClr val="dk1"/>
+                </a:solidFill>
+              </a:rPr>
+              <a:t>Background script</a:t>
+            </a:r>
+            <a:endParaRPr sz="1800">
+              <a:solidFill>
+                <a:schemeClr val="dk1"/>
+              </a:solidFill>
+            </a:endParaRPr>
+          </a:p>
+          <a:p>
+            <a:pPr indent="-342900" lvl="0" marL="914400" rtl="0" algn="just">
+              <a:lnSpc>
+                <a:spcPct val="115000"/>
+              </a:lnSpc>
+              <a:spcBef>
+                <a:spcPts val="0"/>
+              </a:spcBef>
+              <a:spcAft>
+                <a:spcPts val="0"/>
+              </a:spcAft>
+              <a:buClr>
+                <a:schemeClr val="dk1"/>
+              </a:buClr>
+              <a:buSzPts val="1800"/>
+              <a:buAutoNum type="alphaLcPeriod"/>
+            </a:pPr>
+            <a:r>
+              <a:rPr lang="en" sz="1800">
+                <a:solidFill>
+                  <a:schemeClr val="dk1"/>
+                </a:solidFill>
+              </a:rPr>
+              <a:t>Content script</a:t>
+            </a:r>
+            <a:endParaRPr sz="1800">
+              <a:solidFill>
+                <a:schemeClr val="dk1"/>
+              </a:solidFill>
+            </a:endParaRPr>
+          </a:p>
+          <a:p>
+            <a:pPr indent="-342900" lvl="0" marL="457200" rtl="0" algn="just">
+              <a:lnSpc>
+                <a:spcPct val="115000"/>
+              </a:lnSpc>
+              <a:spcBef>
+                <a:spcPts val="0"/>
+              </a:spcBef>
+              <a:spcAft>
+                <a:spcPts val="0"/>
+              </a:spcAft>
+              <a:buClr>
+                <a:schemeClr val="dk1"/>
+              </a:buClr>
+              <a:buSzPts val="1800"/>
+              <a:buChar char="●"/>
+            </a:pPr>
+            <a:r>
+              <a:rPr lang="en" sz="1800">
+                <a:solidFill>
+                  <a:schemeClr val="dk1"/>
+                </a:solidFill>
+              </a:rPr>
+              <a:t>Background process</a:t>
+            </a:r>
+            <a:endParaRPr sz="1800">
+              <a:solidFill>
+                <a:schemeClr val="dk1"/>
+              </a:solidFill>
+            </a:endParaRPr>
+          </a:p>
+          <a:p>
+            <a:pPr indent="-342900" lvl="0" marL="914400" rtl="0" algn="just">
+              <a:lnSpc>
+                <a:spcPct val="115000"/>
+              </a:lnSpc>
+              <a:spcBef>
+                <a:spcPts val="0"/>
+              </a:spcBef>
+              <a:spcAft>
+                <a:spcPts val="0"/>
+              </a:spcAft>
+              <a:buClr>
+                <a:schemeClr val="dk1"/>
+              </a:buClr>
+              <a:buSzPts val="1800"/>
+              <a:buAutoNum type="alphaLcPeriod"/>
+            </a:pPr>
+            <a:r>
+              <a:rPr lang="en" sz="1800">
+                <a:solidFill>
+                  <a:schemeClr val="dk1"/>
+                </a:solidFill>
+              </a:rPr>
+              <a:t>Dispatcher</a:t>
+            </a:r>
+            <a:endParaRPr sz="1800">
+              <a:solidFill>
+                <a:schemeClr val="dk1"/>
+              </a:solidFill>
+            </a:endParaRPr>
+          </a:p>
+          <a:p>
+            <a:pPr indent="-342900" lvl="0" marL="914400" rtl="0" algn="just">
+              <a:lnSpc>
+                <a:spcPct val="115000"/>
+              </a:lnSpc>
+              <a:spcBef>
+                <a:spcPts val="0"/>
+              </a:spcBef>
+              <a:spcAft>
+                <a:spcPts val="0"/>
+              </a:spcAft>
+              <a:buClr>
+                <a:schemeClr val="dk1"/>
+              </a:buClr>
+              <a:buSzPts val="1800"/>
+              <a:buAutoNum type="alphaLcPeriod"/>
+            </a:pPr>
+            <a:r>
+              <a:rPr lang="en" sz="1800">
+                <a:solidFill>
+                  <a:schemeClr val="dk1"/>
+                </a:solidFill>
+              </a:rPr>
+              <a:t>Phish Detector</a:t>
+            </a:r>
+            <a:endParaRPr sz="1800">
+              <a:solidFill>
+                <a:schemeClr val="dk1"/>
+              </a:solidFill>
+            </a:endParaRPr>
+          </a:p>
+          <a:p>
+            <a:pPr indent="-342900" lvl="0" marL="914400" rtl="0" algn="just">
+              <a:lnSpc>
+                <a:spcPct val="115000"/>
+              </a:lnSpc>
+              <a:spcBef>
+                <a:spcPts val="0"/>
+              </a:spcBef>
+              <a:spcAft>
+                <a:spcPts val="0"/>
+              </a:spcAft>
+              <a:buClr>
+                <a:schemeClr val="dk1"/>
+              </a:buClr>
+              <a:buSzPts val="1800"/>
+              <a:buAutoNum type="alphaLcPeriod"/>
+            </a:pPr>
+            <a:r>
+              <a:rPr lang="en" sz="1800">
+                <a:solidFill>
+                  <a:schemeClr val="dk1"/>
+                </a:solidFill>
+              </a:rPr>
+              <a:t>Target Identifier</a:t>
+            </a:r>
+            <a:endParaRPr sz="1800">
+              <a:solidFill>
+                <a:schemeClr val="dk1"/>
+              </a:solidFill>
+            </a:endParaRPr>
+          </a:p>
+        </p:txBody>
+      </p:sp>
+      <p:sp>
+        <p:nvSpPr>
+          <p:cNvPr id="134" name="Google Shape;134;p26"/>
+          <p:cNvSpPr txBox="1"/>
+          <p:nvPr>
+            <p:ph idx="1" type="subTitle"/>
+          </p:nvPr>
+        </p:nvSpPr>
+        <p:spPr>
+          <a:xfrm>
+            <a:off x="4847825" y="1343425"/>
+            <a:ext cx="4068300" cy="1955700"/>
+          </a:xfrm>
+          <a:prstGeom prst="rect">
+            <a:avLst/>
+          </a:prstGeom>
+        </p:spPr>
+        <p:txBody>
+          <a:bodyPr anchorCtr="0" anchor="t" bIns="91425" lIns="91425" spcFirstLastPara="1" rIns="91425" wrap="square" tIns="91425">
+            <a:noAutofit/>
+          </a:bodyPr>
+          <a:lstStyle/>
+          <a:p>
+            <a:pPr indent="-342900" lvl="0" marL="457200" rtl="0" algn="just">
+              <a:lnSpc>
+                <a:spcPct val="115000"/>
+              </a:lnSpc>
+              <a:spcBef>
+                <a:spcPts val="1100"/>
+              </a:spcBef>
+              <a:spcAft>
+                <a:spcPts val="0"/>
+              </a:spcAft>
+              <a:buClr>
+                <a:schemeClr val="dk1"/>
+              </a:buClr>
+              <a:buSzPts val="1800"/>
+              <a:buChar char="●"/>
+            </a:pPr>
+            <a:r>
+              <a:rPr lang="en" sz="1800">
+                <a:solidFill>
+                  <a:schemeClr val="dk1"/>
+                </a:solidFill>
+              </a:rPr>
+              <a:t>Web Browser</a:t>
+            </a:r>
+            <a:endParaRPr sz="1800">
+              <a:solidFill>
+                <a:schemeClr val="dk1"/>
+              </a:solidFill>
+            </a:endParaRPr>
+          </a:p>
+          <a:p>
+            <a:pPr indent="-342900" lvl="0" marL="914400" rtl="0" algn="just">
+              <a:lnSpc>
+                <a:spcPct val="115000"/>
+              </a:lnSpc>
+              <a:spcBef>
+                <a:spcPts val="0"/>
+              </a:spcBef>
+              <a:spcAft>
+                <a:spcPts val="0"/>
+              </a:spcAft>
+              <a:buClr>
+                <a:schemeClr val="dk1"/>
+              </a:buClr>
+              <a:buSzPts val="1800"/>
+              <a:buAutoNum type="alphaLcPeriod"/>
+            </a:pPr>
+            <a:r>
+              <a:rPr lang="en" sz="1800">
+                <a:solidFill>
+                  <a:schemeClr val="dk1"/>
+                </a:solidFill>
+              </a:rPr>
+              <a:t>HTML content</a:t>
+            </a:r>
+            <a:endParaRPr sz="1800">
+              <a:solidFill>
+                <a:schemeClr val="dk1"/>
+              </a:solidFill>
+            </a:endParaRPr>
+          </a:p>
+          <a:p>
+            <a:pPr indent="-342900" lvl="0" marL="914400" rtl="0" algn="just">
+              <a:lnSpc>
+                <a:spcPct val="115000"/>
+              </a:lnSpc>
+              <a:spcBef>
+                <a:spcPts val="0"/>
+              </a:spcBef>
+              <a:spcAft>
+                <a:spcPts val="0"/>
+              </a:spcAft>
+              <a:buClr>
+                <a:schemeClr val="dk1"/>
+              </a:buClr>
+              <a:buSzPts val="1800"/>
+              <a:buAutoNum type="alphaLcPeriod"/>
+            </a:pPr>
+            <a:r>
+              <a:rPr lang="en" sz="1800">
+                <a:solidFill>
+                  <a:schemeClr val="dk1"/>
+                </a:solidFill>
+              </a:rPr>
+              <a:t>Output UI</a:t>
+            </a:r>
+            <a:endParaRPr sz="1800">
+              <a:solidFill>
+                <a:schemeClr val="dk1"/>
+              </a:solidFill>
+            </a:endParaRPr>
+          </a:p>
+        </p:txBody>
+      </p:sp>
     </p:spTree>
   </p:cSld>
   <p:clrMapOvr>
@@ -11223,7 +11553,7 @@
   <p:cSld>
     <p:spTree>
       <p:nvGrpSpPr>
-        <p:cNvPr id="137" name="Shape 137"/>
+        <p:cNvPr id="138" name="Shape 138"/>
         <p:cNvGrpSpPr/>
         <p:nvPr/>
       </p:nvGrpSpPr>
@@ -11235,84 +11565,6 @@
           <a:chExt cx="0" cy="0"/>
         </a:xfrm>
       </p:grpSpPr>
-      <p:sp>
-        <p:nvSpPr>
-          <p:cNvPr id="138" name="Google Shape;138;p27"/>
-          <p:cNvSpPr txBox="1"/>
-          <p:nvPr>
-            <p:ph type="ctrTitle"/>
-          </p:nvPr>
-        </p:nvSpPr>
-        <p:spPr>
-          <a:xfrm>
-            <a:off x="200800" y="726950"/>
-            <a:ext cx="4884600" cy="1844700"/>
-          </a:xfrm>
-          <a:prstGeom prst="rect">
-            <a:avLst/>
-          </a:prstGeom>
-        </p:spPr>
-        <p:txBody>
-          <a:bodyPr anchorCtr="0" anchor="b" bIns="91425" lIns="91425" spcFirstLastPara="1" rIns="91425" wrap="square" tIns="91425">
-            <a:noAutofit/>
-          </a:bodyPr>
-          <a:lstStyle/>
-          <a:p>
-            <a:pPr indent="0" lvl="0" marL="0" rtl="0" algn="ctr">
-              <a:lnSpc>
-                <a:spcPct val="115000"/>
-              </a:lnSpc>
-              <a:spcBef>
-                <a:spcPts val="0"/>
-              </a:spcBef>
-              <a:spcAft>
-                <a:spcPts val="0"/>
-              </a:spcAft>
-              <a:buNone/>
-            </a:pPr>
-            <a:r>
-              <a:rPr b="1" lang="en" sz="3000">
-                <a:solidFill>
-                  <a:srgbClr val="FFFFFF"/>
-                </a:solidFill>
-              </a:rPr>
-              <a:t>HIGH LEVEL </a:t>
-            </a:r>
-            <a:endParaRPr b="1" sz="3000">
-              <a:solidFill>
-                <a:srgbClr val="FFFFFF"/>
-              </a:solidFill>
-            </a:endParaRPr>
-          </a:p>
-          <a:p>
-            <a:pPr indent="0" lvl="0" marL="0" rtl="0" algn="ctr">
-              <a:lnSpc>
-                <a:spcPct val="115000"/>
-              </a:lnSpc>
-              <a:spcBef>
-                <a:spcPts val="0"/>
-              </a:spcBef>
-              <a:spcAft>
-                <a:spcPts val="0"/>
-              </a:spcAft>
-              <a:buNone/>
-            </a:pPr>
-            <a:r>
-              <a:rPr b="1" lang="en" sz="3000">
-                <a:solidFill>
-                  <a:srgbClr val="FFFFFF"/>
-                </a:solidFill>
-              </a:rPr>
-              <a:t>BLOCK DIAGRAM</a:t>
-            </a:r>
-            <a:endParaRPr sz="3000">
-              <a:solidFill>
-                <a:srgbClr val="FFFFFF"/>
-              </a:solidFill>
-            </a:endParaRPr>
-          </a:p>
-        </p:txBody>
-      </p:sp>
       <p:pic>
         <p:nvPicPr>
           <p:cNvPr id="139" name="Google Shape;139;p27"/>
@@ -11329,8 +11581,8 @@
         </p:blipFill>
         <p:spPr>
           <a:xfrm>
-            <a:off x="5513825" y="152400"/>
-            <a:ext cx="3477774" cy="5883224"/>
+            <a:off x="450050" y="1276988"/>
+            <a:ext cx="8243901" cy="3190825"/>
           </a:xfrm>
           <a:prstGeom prst="rect">
             <a:avLst/>
@@ -11341,6 +11593,57 @@
           </a:ln>
         </p:spPr>
       </p:pic>
+      <p:sp>
+        <p:nvSpPr>
+          <p:cNvPr id="140" name="Google Shape;140;p27"/>
+          <p:cNvSpPr txBox="1"/>
+          <p:nvPr>
+            <p:ph type="ctrTitle"/>
+          </p:nvPr>
+        </p:nvSpPr>
+        <p:spPr>
+          <a:xfrm>
+            <a:off x="217025" y="471300"/>
+            <a:ext cx="8544900" cy="705000"/>
+          </a:xfrm>
+          <a:prstGeom prst="rect">
+            <a:avLst/>
+          </a:prstGeom>
+        </p:spPr>
+        <p:txBody>
+          <a:bodyPr anchorCtr="0" anchor="b" bIns="91425" lIns="91425" spcFirstLastPara="1" rIns="91425" wrap="square" tIns="91425">
+            <a:noAutofit/>
+          </a:bodyPr>
+          <a:lstStyle/>
+          <a:p>
+            <a:pPr indent="0" lvl="0" marL="0" rtl="0" algn="ctr">
+              <a:lnSpc>
+                <a:spcPct val="115000"/>
+              </a:lnSpc>
+              <a:spcBef>
+                <a:spcPts val="0"/>
+              </a:spcBef>
+              <a:spcAft>
+                <a:spcPts val="0"/>
+              </a:spcAft>
+              <a:buNone/>
+            </a:pPr>
+            <a:r>
+              <a:rPr b="1" lang="en" sz="3000">
+                <a:solidFill>
+                  <a:srgbClr val="FFFFFF"/>
+                </a:solidFill>
+              </a:rPr>
+              <a:t>ADD-ON</a:t>
+            </a:r>
+            <a:endParaRPr sz="3000">
+              <a:solidFill>
+                <a:srgbClr val="FFFFFF"/>
+              </a:solidFill>
+            </a:endParaRPr>
+          </a:p>
+        </p:txBody>
+      </p:sp>
     </p:spTree>
   </p:cSld>
   <p:clrMapOvr>
@@ -11354,7 +11657,7 @@
   <p:cSld>
     <p:spTree>
       <p:nvGrpSpPr>
-        <p:cNvPr id="143" name="Shape 143"/>
+        <p:cNvPr id="144" name="Shape 144"/>
         <p:cNvGrpSpPr/>
         <p:nvPr/>
       </p:nvGrpSpPr>
@@ -11366,34 +11669,341 @@
           <a:chExt cx="0" cy="0"/>
         </a:xfrm>
       </p:grpSpPr>
-      <p:pic>
-        <p:nvPicPr>
-          <p:cNvPr id="144" name="Google Shape;144;p28"/>
-          <p:cNvPicPr preferRelativeResize="0"/>
-          <p:nvPr/>
-        </p:nvPicPr>
-        <p:blipFill>
-          <a:blip r:embed="rId3">
-            <a:alphaModFix/>
-          </a:blip>
-          <a:stretch>
-            <a:fillRect/>
-          </a:stretch>
-        </p:blipFill>
+      <p:sp>
+        <p:nvSpPr>
+          <p:cNvPr id="145" name="Google Shape;145;p28"/>
+          <p:cNvSpPr txBox="1"/>
+          <p:nvPr>
+            <p:ph type="ctrTitle"/>
+          </p:nvPr>
+        </p:nvSpPr>
         <p:spPr>
           <a:xfrm>
-            <a:off x="450050" y="976338"/>
-            <a:ext cx="8243901" cy="3190825"/>
+            <a:off x="2060275" y="382325"/>
+            <a:ext cx="4884600" cy="860700"/>
           </a:xfrm>
           <a:prstGeom prst="rect">
             <a:avLst/>
           </a:prstGeom>
-          <a:noFill/>
-          <a:ln>
-            <a:noFill/>
-          </a:ln>
         </p:spPr>
-      </p:pic>
+        <p:txBody>
+          <a:bodyPr anchorCtr="0" anchor="b" bIns="91425" lIns="91425" spcFirstLastPara="1" rIns="91425" wrap="square" tIns="91425">
+            <a:noAutofit/>
+          </a:bodyPr>
+          <a:lstStyle/>
+          <a:p>
+            <a:pPr indent="0" lvl="0" marL="0" rtl="0" algn="ctr">
+              <a:lnSpc>
+                <a:spcPct val="115000"/>
+              </a:lnSpc>
+              <a:spcBef>
+                <a:spcPts val="0"/>
+              </a:spcBef>
+              <a:spcAft>
+                <a:spcPts val="0"/>
+              </a:spcAft>
+              <a:buNone/>
+            </a:pPr>
+            <a:r>
+              <a:rPr b="1" lang="en" sz="3000">
+                <a:solidFill>
+                  <a:srgbClr val="FFFFFF"/>
+                </a:solidFill>
+              </a:rPr>
+              <a:t>BACKGROUND SCRIPT</a:t>
+            </a:r>
+            <a:endParaRPr sz="3000">
+              <a:solidFill>
+                <a:srgbClr val="FFFFFF"/>
+              </a:solidFill>
+            </a:endParaRPr>
+          </a:p>
+        </p:txBody>
+      </p:sp>
+      <p:sp>
+        <p:nvSpPr>
+          <p:cNvPr id="146" name="Google Shape;146;p28"/>
+          <p:cNvSpPr txBox="1"/>
+          <p:nvPr>
+            <p:ph idx="1" type="subTitle"/>
+          </p:nvPr>
+        </p:nvSpPr>
+        <p:spPr>
+          <a:xfrm>
+            <a:off x="1027500" y="1367525"/>
+            <a:ext cx="7089000" cy="3259500"/>
+          </a:xfrm>
+          <a:prstGeom prst="rect">
+            <a:avLst/>
+          </a:prstGeom>
+        </p:spPr>
+        <p:txBody>
+          <a:bodyPr anchorCtr="0" anchor="t" bIns="91425" lIns="91425" spcFirstLastPara="1" rIns="91425" wrap="square" tIns="91425">
+            <a:noAutofit/>
+          </a:bodyPr>
+          <a:lstStyle/>
+          <a:p>
+            <a:pPr indent="0" lvl="0" marL="457200" rtl="0" algn="just">
+              <a:lnSpc>
+                <a:spcPct val="115000"/>
+              </a:lnSpc>
+              <a:spcBef>
+                <a:spcPts val="0"/>
+              </a:spcBef>
+              <a:spcAft>
+                <a:spcPts val="0"/>
+              </a:spcAft>
+              <a:buNone/>
+            </a:pPr>
+            <a:r>
+              <a:rPr i="1" lang="en" sz="1800">
+                <a:solidFill>
+                  <a:srgbClr val="FFFFFF"/>
+                </a:solidFill>
+              </a:rPr>
+              <a:t>Begin</a:t>
+            </a:r>
+            <a:endParaRPr i="1" sz="1800">
+              <a:solidFill>
+                <a:srgbClr val="FFFFFF"/>
+              </a:solidFill>
+            </a:endParaRPr>
+          </a:p>
+          <a:p>
+            <a:pPr indent="457200" lvl="0" marL="457200" rtl="0" algn="just">
+              <a:lnSpc>
+                <a:spcPct val="115000"/>
+              </a:lnSpc>
+              <a:spcBef>
+                <a:spcPts val="0"/>
+              </a:spcBef>
+              <a:spcAft>
+                <a:spcPts val="0"/>
+              </a:spcAft>
+              <a:buNone/>
+            </a:pPr>
+            <a:r>
+              <a:rPr i="1" lang="en" sz="1800">
+                <a:solidFill>
+                  <a:srgbClr val="FFFFFF"/>
+                </a:solidFill>
+              </a:rPr>
+              <a:t>For each page load redirect</a:t>
+            </a:r>
+            <a:endParaRPr i="1" sz="1800">
+              <a:solidFill>
+                <a:srgbClr val="FFFFFF"/>
+              </a:solidFill>
+            </a:endParaRPr>
+          </a:p>
+          <a:p>
+            <a:pPr indent="457200" lvl="0" marL="914400" rtl="0" algn="just">
+              <a:lnSpc>
+                <a:spcPct val="115000"/>
+              </a:lnSpc>
+              <a:spcBef>
+                <a:spcPts val="0"/>
+              </a:spcBef>
+              <a:spcAft>
+                <a:spcPts val="0"/>
+              </a:spcAft>
+              <a:buNone/>
+            </a:pPr>
+            <a:r>
+              <a:rPr i="1" lang="en" sz="1800">
+                <a:solidFill>
+                  <a:srgbClr val="FFFFFF"/>
+                </a:solidFill>
+              </a:rPr>
+              <a:t>Add listener to that event</a:t>
+            </a:r>
+            <a:endParaRPr i="1" sz="1800">
+              <a:solidFill>
+                <a:srgbClr val="FFFFFF"/>
+              </a:solidFill>
+            </a:endParaRPr>
+          </a:p>
+          <a:p>
+            <a:pPr indent="457200" lvl="0" marL="914400" rtl="0" algn="just">
+              <a:lnSpc>
+                <a:spcPct val="115000"/>
+              </a:lnSpc>
+              <a:spcBef>
+                <a:spcPts val="0"/>
+              </a:spcBef>
+              <a:spcAft>
+                <a:spcPts val="0"/>
+              </a:spcAft>
+              <a:buNone/>
+            </a:pPr>
+            <a:r>
+              <a:rPr i="1" lang="en" sz="1800">
+                <a:solidFill>
+                  <a:srgbClr val="FFFFFF"/>
+                </a:solidFill>
+              </a:rPr>
+              <a:t>Get the list of redirects from listener</a:t>
+            </a:r>
+            <a:endParaRPr i="1" sz="1800">
+              <a:solidFill>
+                <a:srgbClr val="FFFFFF"/>
+              </a:solidFill>
+            </a:endParaRPr>
+          </a:p>
+          <a:p>
+            <a:pPr indent="457200" lvl="0" marL="914400" rtl="0" algn="just">
+              <a:lnSpc>
+                <a:spcPct val="115000"/>
+              </a:lnSpc>
+              <a:spcBef>
+                <a:spcPts val="0"/>
+              </a:spcBef>
+              <a:spcAft>
+                <a:spcPts val="0"/>
+              </a:spcAft>
+              <a:buNone/>
+            </a:pPr>
+            <a:r>
+              <a:rPr i="1" lang="en" sz="1800">
+                <a:solidFill>
+                  <a:srgbClr val="FFFFFF"/>
+                </a:solidFill>
+              </a:rPr>
+              <a:t>If page is fully loaded </a:t>
+            </a:r>
+            <a:endParaRPr i="1" sz="1800">
+              <a:solidFill>
+                <a:srgbClr val="FFFFFF"/>
+              </a:solidFill>
+            </a:endParaRPr>
+          </a:p>
+          <a:p>
+            <a:pPr indent="0" lvl="0" marL="457200" rtl="0" algn="just">
+              <a:lnSpc>
+                <a:spcPct val="115000"/>
+              </a:lnSpc>
+              <a:spcBef>
+                <a:spcPts val="0"/>
+              </a:spcBef>
+              <a:spcAft>
+                <a:spcPts val="0"/>
+              </a:spcAft>
+              <a:buNone/>
+            </a:pPr>
+            <a:r>
+              <a:rPr i="1" lang="en" sz="1800">
+                <a:solidFill>
+                  <a:srgbClr val="FFFFFF"/>
+                </a:solidFill>
+              </a:rPr>
+              <a:t>			Send the list of redirects to content script</a:t>
+            </a:r>
+            <a:endParaRPr i="1" sz="1800">
+              <a:solidFill>
+                <a:srgbClr val="FFFFFF"/>
+              </a:solidFill>
+            </a:endParaRPr>
+          </a:p>
+          <a:p>
+            <a:pPr indent="457200" lvl="0" marL="457200" rtl="0" algn="just">
+              <a:lnSpc>
+                <a:spcPct val="115000"/>
+              </a:lnSpc>
+              <a:spcBef>
+                <a:spcPts val="0"/>
+              </a:spcBef>
+              <a:spcAft>
+                <a:spcPts val="0"/>
+              </a:spcAft>
+              <a:buNone/>
+            </a:pPr>
+            <a:r>
+              <a:rPr i="1" lang="en" sz="1800">
+                <a:solidFill>
+                  <a:srgbClr val="FFFFFF"/>
+                </a:solidFill>
+              </a:rPr>
+              <a:t>Done</a:t>
+            </a:r>
+            <a:endParaRPr i="1" sz="1800">
+              <a:solidFill>
+                <a:srgbClr val="FFFFFF"/>
+              </a:solidFill>
+            </a:endParaRPr>
+          </a:p>
+          <a:p>
+            <a:pPr indent="0" lvl="0" marL="457200" rtl="0" algn="just">
+              <a:lnSpc>
+                <a:spcPct val="115000"/>
+              </a:lnSpc>
+              <a:spcBef>
+                <a:spcPts val="0"/>
+              </a:spcBef>
+              <a:spcAft>
+                <a:spcPts val="0"/>
+              </a:spcAft>
+              <a:buNone/>
+            </a:pPr>
+            <a:r>
+              <a:rPr i="1" lang="en" sz="1800">
+                <a:solidFill>
+                  <a:srgbClr val="FFFFFF"/>
+                </a:solidFill>
+              </a:rPr>
+              <a:t>End</a:t>
+            </a:r>
+            <a:endParaRPr i="1" sz="1800">
+              <a:solidFill>
+                <a:srgbClr val="FFFFFF"/>
+              </a:solidFill>
+            </a:endParaRPr>
+          </a:p>
+          <a:p>
+            <a:pPr indent="0" lvl="0" marL="457200" rtl="0" algn="just">
+              <a:lnSpc>
+                <a:spcPct val="115000"/>
+              </a:lnSpc>
+              <a:spcBef>
+                <a:spcPts val="0"/>
+              </a:spcBef>
+              <a:spcAft>
+                <a:spcPts val="0"/>
+              </a:spcAft>
+              <a:buNone/>
+            </a:pPr>
+            <a:r>
+              <a:t/>
+            </a:r>
+            <a:endParaRPr i="1" sz="1800">
+              <a:solidFill>
+                <a:srgbClr val="FFFFFF"/>
+              </a:solidFill>
+            </a:endParaRPr>
+          </a:p>
+          <a:p>
+            <a:pPr indent="0" lvl="0" marL="457200" rtl="0" algn="just">
+              <a:lnSpc>
+                <a:spcPct val="115000"/>
+              </a:lnSpc>
+              <a:spcBef>
+                <a:spcPts val="0"/>
+              </a:spcBef>
+              <a:spcAft>
+                <a:spcPts val="0"/>
+              </a:spcAft>
+              <a:buNone/>
+            </a:pPr>
+            <a:r>
+              <a:t/>
+            </a:r>
+            <a:endParaRPr i="1" sz="1800">
+              <a:solidFill>
+                <a:srgbClr val="FFFFFF"/>
+              </a:solidFill>
+            </a:endParaRPr>
+          </a:p>
+        </p:txBody>
+      </p:sp>
     </p:spTree>
   </p:cSld>
   <p:clrMapOvr>
@@ -11407,7 +12017,7 @@
   <p:cSld>
     <p:spTree>
       <p:nvGrpSpPr>
-        <p:cNvPr id="148" name="Shape 148"/>
+        <p:cNvPr id="150" name="Shape 150"/>
         <p:cNvGrpSpPr/>
         <p:nvPr/>
       </p:nvGrpSpPr>
@@ -11421,7 +12031,7 @@
       </p:grpSpPr>
       <p:sp>
         <p:nvSpPr>
-          <p:cNvPr id="149" name="Google Shape;149;p29"/>
+          <p:cNvPr id="151" name="Google Shape;151;p29"/>
           <p:cNvSpPr txBox="1"/>
           <p:nvPr>
             <p:ph type="ctrTitle"/>
@@ -11429,8 +12039,8 @@
         </p:nvSpPr>
         <p:spPr>
           <a:xfrm>
-            <a:off x="200800" y="726950"/>
-            <a:ext cx="4884600" cy="1844700"/>
+            <a:off x="2060275" y="382325"/>
+            <a:ext cx="4884600" cy="860700"/>
           </a:xfrm>
           <a:prstGeom prst="rect">
             <a:avLst/>
@@ -11460,34 +12070,7 @@
                   <a:srgbClr val="FFFFFF"/>
                 </a:solidFill>
               </a:rPr>
-              <a:t>HIGH LEVEL </a:t>
-            </a:r>
-            <a:endParaRPr b="1" sz="3000">
-              <a:solidFill>
-                <a:srgbClr val="FFFFFF"/>
-              </a:solidFill>
-            </a:endParaRPr>
-          </a:p>
-          <a:p>
-            <a:pPr indent="0" lvl="0" marL="0" rtl="0" algn="ctr">
-              <a:lnSpc>
-                <a:spcPct val="115000"/>
-              </a:lnSpc>
-              <a:spcBef>
-                <a:spcPts val="0"/>
-              </a:spcBef>
-              <a:spcAft>
-                <a:spcPts val="0"/>
-              </a:spcAft>
-              <a:buNone/>
-            </a:pPr>
-            <a:r>
-              <a:rPr b="1" lang="en" sz="3000">
-                <a:solidFill>
-                  <a:srgbClr val="FFFFFF"/>
-                </a:solidFill>
-              </a:rPr>
-              <a:t>BLOCK DIAGRAM</a:t>
+              <a:t>CONTENT SCRIPT</a:t>
             </a:r>
             <a:endParaRPr sz="3000">
               <a:solidFill>
@@ -11497,34 +12080,273 @@
           </a:p>
         </p:txBody>
       </p:sp>
-      <p:pic>
-        <p:nvPicPr>
-          <p:cNvPr id="150" name="Google Shape;150;p29"/>
-          <p:cNvPicPr preferRelativeResize="0"/>
-          <p:nvPr/>
-        </p:nvPicPr>
-        <p:blipFill>
-          <a:blip r:embed="rId3">
-            <a:alphaModFix/>
-          </a:blip>
-          <a:stretch>
-            <a:fillRect/>
-          </a:stretch>
-        </p:blipFill>
+      <p:sp>
+        <p:nvSpPr>
+          <p:cNvPr id="152" name="Google Shape;152;p29"/>
+          <p:cNvSpPr txBox="1"/>
+          <p:nvPr>
+            <p:ph idx="1" type="subTitle"/>
+          </p:nvPr>
+        </p:nvSpPr>
         <p:spPr>
           <a:xfrm>
-            <a:off x="5513825" y="152400"/>
-            <a:ext cx="3477774" cy="5883224"/>
+            <a:off x="1027500" y="1367525"/>
+            <a:ext cx="7089000" cy="3259500"/>
           </a:xfrm>
           <a:prstGeom prst="rect">
             <a:avLst/>
           </a:prstGeom>
-          <a:noFill/>
-          <a:ln>
-            <a:noFill/>
-          </a:ln>
         </p:spPr>
-      </p:pic>
+        <p:txBody>
+          <a:bodyPr anchorCtr="0" anchor="t" bIns="91425" lIns="91425" spcFirstLastPara="1" rIns="91425" wrap="square" tIns="91425">
+            <a:noAutofit/>
+          </a:bodyPr>
+          <a:lstStyle/>
+          <a:p>
+            <a:pPr indent="0" lvl="0" marL="457200" rtl="0" algn="just">
+              <a:lnSpc>
+                <a:spcPct val="115000"/>
+              </a:lnSpc>
+              <a:spcBef>
+                <a:spcPts val="0"/>
+              </a:spcBef>
+              <a:spcAft>
+                <a:spcPts val="0"/>
+              </a:spcAft>
+              <a:buNone/>
+            </a:pPr>
+            <a:r>
+              <a:rPr i="1" lang="en" sz="1800">
+                <a:solidFill>
+                  <a:srgbClr val="FFFFFF"/>
+                </a:solidFill>
+              </a:rPr>
+              <a:t>Begin</a:t>
+            </a:r>
+            <a:endParaRPr i="1" sz="1800">
+              <a:solidFill>
+                <a:srgbClr val="FFFFFF"/>
+              </a:solidFill>
+            </a:endParaRPr>
+          </a:p>
+          <a:p>
+            <a:pPr indent="0" lvl="0" marL="914400" rtl="0" algn="just">
+              <a:lnSpc>
+                <a:spcPct val="115000"/>
+              </a:lnSpc>
+              <a:spcBef>
+                <a:spcPts val="0"/>
+              </a:spcBef>
+              <a:spcAft>
+                <a:spcPts val="0"/>
+              </a:spcAft>
+              <a:buNone/>
+            </a:pPr>
+            <a:r>
+              <a:rPr i="1" lang="en" sz="1800">
+                <a:solidFill>
+                  <a:srgbClr val="FFFFFF"/>
+                </a:solidFill>
+              </a:rPr>
+              <a:t>For each page load redirect</a:t>
+            </a:r>
+            <a:endParaRPr i="1" sz="1800">
+              <a:solidFill>
+                <a:srgbClr val="FFFFFF"/>
+              </a:solidFill>
+            </a:endParaRPr>
+          </a:p>
+          <a:p>
+            <a:pPr indent="0" lvl="0" marL="1371600" rtl="0" algn="just">
+              <a:lnSpc>
+                <a:spcPct val="115000"/>
+              </a:lnSpc>
+              <a:spcBef>
+                <a:spcPts val="0"/>
+              </a:spcBef>
+              <a:spcAft>
+                <a:spcPts val="0"/>
+              </a:spcAft>
+              <a:buNone/>
+            </a:pPr>
+            <a:r>
+              <a:rPr i="1" lang="en" sz="1800">
+                <a:solidFill>
+                  <a:srgbClr val="FFFFFF"/>
+                </a:solidFill>
+              </a:rPr>
+              <a:t>If page is fully loaded </a:t>
+            </a:r>
+            <a:endParaRPr i="1" sz="1800">
+              <a:solidFill>
+                <a:srgbClr val="FFFFFF"/>
+              </a:solidFill>
+            </a:endParaRPr>
+          </a:p>
+          <a:p>
+            <a:pPr indent="0" lvl="0" marL="1371600" rtl="0" algn="just">
+              <a:lnSpc>
+                <a:spcPct val="115000"/>
+              </a:lnSpc>
+              <a:spcBef>
+                <a:spcPts val="0"/>
+              </a:spcBef>
+              <a:spcAft>
+                <a:spcPts val="0"/>
+              </a:spcAft>
+              <a:buNone/>
+            </a:pPr>
+            <a:r>
+              <a:rPr i="1" lang="en" sz="1800">
+                <a:solidFill>
+                  <a:srgbClr val="FFFFFF"/>
+                </a:solidFill>
+              </a:rPr>
+              <a:t>	Get the URL from the tab</a:t>
+            </a:r>
+            <a:endParaRPr i="1" sz="1800">
+              <a:solidFill>
+                <a:srgbClr val="FFFFFF"/>
+              </a:solidFill>
+            </a:endParaRPr>
+          </a:p>
+          <a:p>
+            <a:pPr indent="0" lvl="0" marL="1371600" rtl="0" algn="just">
+              <a:lnSpc>
+                <a:spcPct val="115000"/>
+              </a:lnSpc>
+              <a:spcBef>
+                <a:spcPts val="0"/>
+              </a:spcBef>
+              <a:spcAft>
+                <a:spcPts val="0"/>
+              </a:spcAft>
+              <a:buNone/>
+            </a:pPr>
+            <a:r>
+              <a:rPr i="1" lang="en" sz="1800">
+                <a:solidFill>
+                  <a:srgbClr val="FFFFFF"/>
+                </a:solidFill>
+              </a:rPr>
+              <a:t>	Get the HTML content from innerHTML tag</a:t>
+            </a:r>
+            <a:endParaRPr i="1" sz="1800">
+              <a:solidFill>
+                <a:srgbClr val="FFFFFF"/>
+              </a:solidFill>
+            </a:endParaRPr>
+          </a:p>
+          <a:p>
+            <a:pPr indent="0" lvl="0" marL="1371600" rtl="0" algn="just">
+              <a:lnSpc>
+                <a:spcPct val="115000"/>
+              </a:lnSpc>
+              <a:spcBef>
+                <a:spcPts val="0"/>
+              </a:spcBef>
+              <a:spcAft>
+                <a:spcPts val="0"/>
+              </a:spcAft>
+              <a:buNone/>
+            </a:pPr>
+            <a:r>
+              <a:rPr i="1" lang="en" sz="1800">
+                <a:solidFill>
+                  <a:srgbClr val="FFFFFF"/>
+                </a:solidFill>
+              </a:rPr>
+              <a:t>	Get redirection list from background script</a:t>
+            </a:r>
+            <a:endParaRPr i="1" sz="1800">
+              <a:solidFill>
+                <a:srgbClr val="FFFFFF"/>
+              </a:solidFill>
+            </a:endParaRPr>
+          </a:p>
+          <a:p>
+            <a:pPr indent="0" lvl="0" marL="1371600" rtl="0" algn="just">
+              <a:lnSpc>
+                <a:spcPct val="115000"/>
+              </a:lnSpc>
+              <a:spcBef>
+                <a:spcPts val="0"/>
+              </a:spcBef>
+              <a:spcAft>
+                <a:spcPts val="0"/>
+              </a:spcAft>
+              <a:buNone/>
+            </a:pPr>
+            <a:r>
+              <a:rPr i="1" lang="en" sz="1800">
+                <a:solidFill>
+                  <a:srgbClr val="FFFFFF"/>
+                </a:solidFill>
+              </a:rPr>
+              <a:t>Send them to the background process</a:t>
+            </a:r>
+            <a:endParaRPr i="1" sz="1800">
+              <a:solidFill>
+                <a:srgbClr val="FFFFFF"/>
+              </a:solidFill>
+            </a:endParaRPr>
+          </a:p>
+          <a:p>
+            <a:pPr indent="0" lvl="0" marL="914400" rtl="0" algn="just">
+              <a:lnSpc>
+                <a:spcPct val="115000"/>
+              </a:lnSpc>
+              <a:spcBef>
+                <a:spcPts val="0"/>
+              </a:spcBef>
+              <a:spcAft>
+                <a:spcPts val="0"/>
+              </a:spcAft>
+              <a:buNone/>
+            </a:pPr>
+            <a:r>
+              <a:rPr i="1" lang="en" sz="1800">
+                <a:solidFill>
+                  <a:srgbClr val="FFFFFF"/>
+                </a:solidFill>
+              </a:rPr>
+              <a:t>Done</a:t>
+            </a:r>
+            <a:endParaRPr i="1" sz="1800">
+              <a:solidFill>
+                <a:srgbClr val="FFFFFF"/>
+              </a:solidFill>
+            </a:endParaRPr>
+          </a:p>
+          <a:p>
+            <a:pPr indent="0" lvl="0" marL="457200" rtl="0" algn="just">
+              <a:lnSpc>
+                <a:spcPct val="115000"/>
+              </a:lnSpc>
+              <a:spcBef>
+                <a:spcPts val="0"/>
+              </a:spcBef>
+              <a:spcAft>
+                <a:spcPts val="0"/>
+              </a:spcAft>
+              <a:buNone/>
+            </a:pPr>
+            <a:r>
+              <a:rPr i="1" lang="en" sz="1800">
+                <a:solidFill>
+                  <a:srgbClr val="FFFFFF"/>
+                </a:solidFill>
+              </a:rPr>
+              <a:t>End</a:t>
+            </a:r>
+            <a:endParaRPr i="1" sz="1800">
+              <a:solidFill>
+                <a:srgbClr val="FFFFFF"/>
+              </a:solidFill>
+            </a:endParaRPr>
+          </a:p>
+        </p:txBody>
+      </p:sp>
     </p:spTree>
   </p:cSld>
   <p:clrMapOvr>
@@ -11538,7 +12360,7 @@
   <p:cSld>
     <p:spTree>
       <p:nvGrpSpPr>
-        <p:cNvPr id="154" name="Shape 154"/>
+        <p:cNvPr id="156" name="Shape 156"/>
         <p:cNvGrpSpPr/>
         <p:nvPr/>
       </p:nvGrpSpPr>
@@ -11550,9 +12372,60 @@
           <a:chExt cx="0" cy="0"/>
         </a:xfrm>
       </p:grpSpPr>
+      <p:sp>
+        <p:nvSpPr>
+          <p:cNvPr id="157" name="Google Shape;157;p30"/>
+          <p:cNvSpPr txBox="1"/>
+          <p:nvPr>
+            <p:ph type="ctrTitle"/>
+          </p:nvPr>
+        </p:nvSpPr>
+        <p:spPr>
+          <a:xfrm>
+            <a:off x="217025" y="471300"/>
+            <a:ext cx="8544900" cy="705000"/>
+          </a:xfrm>
+          <a:prstGeom prst="rect">
+            <a:avLst/>
+          </a:prstGeom>
+        </p:spPr>
+        <p:txBody>
+          <a:bodyPr anchorCtr="0" anchor="b" bIns="91425" lIns="91425" spcFirstLastPara="1" rIns="91425" wrap="square" tIns="91425">
+            <a:noAutofit/>
+          </a:bodyPr>
+          <a:lstStyle/>
+          <a:p>
+            <a:pPr indent="0" lvl="0" marL="0" rtl="0" algn="ctr">
+              <a:lnSpc>
+                <a:spcPct val="115000"/>
+              </a:lnSpc>
+              <a:spcBef>
+                <a:spcPts val="0"/>
+              </a:spcBef>
+              <a:spcAft>
+                <a:spcPts val="0"/>
+              </a:spcAft>
+              <a:buNone/>
+            </a:pPr>
+            <a:r>
+              <a:rPr b="1" lang="en" sz="3000">
+                <a:solidFill>
+                  <a:srgbClr val="FFFFFF"/>
+                </a:solidFill>
+              </a:rPr>
+              <a:t>BACKGROUND PROCESS</a:t>
+            </a:r>
+            <a:endParaRPr sz="3000">
+              <a:solidFill>
+                <a:srgbClr val="FFFFFF"/>
+              </a:solidFill>
+            </a:endParaRPr>
+          </a:p>
+        </p:txBody>
+      </p:sp>
       <p:pic>
         <p:nvPicPr>
-          <p:cNvPr id="155" name="Google Shape;155;p30"/>
+          <p:cNvPr id="158" name="Google Shape;158;p30"/>
           <p:cNvPicPr preferRelativeResize="0"/>
           <p:nvPr/>
         </p:nvPicPr>
@@ -11560,13 +12433,13 @@
           <a:blip r:embed="rId3">
             <a:alphaModFix/>
           </a:blip>
-          <a:srcRect b="22488" l="0" r="0" t="21679"/>
+          <a:srcRect b="21396" l="0" r="0" t="20946"/>
           <a:stretch/>
         </p:blipFill>
         <p:spPr>
           <a:xfrm>
-            <a:off x="1715300" y="348488"/>
-            <a:ext cx="5713400" cy="4446526"/>
+            <a:off x="2155775" y="1046725"/>
+            <a:ext cx="4667400" cy="3751099"/>
           </a:xfrm>
           <a:prstGeom prst="rect">
             <a:avLst/>
@@ -11590,7 +12463,7 @@
   <p:cSld>
     <p:spTree>
       <p:nvGrpSpPr>
-        <p:cNvPr id="159" name="Shape 159"/>
+        <p:cNvPr id="162" name="Shape 162"/>
         <p:cNvGrpSpPr/>
         <p:nvPr/>
       </p:nvGrpSpPr>
@@ -11604,7 +12477,7 @@
       </p:grpSpPr>
       <p:sp>
         <p:nvSpPr>
-          <p:cNvPr id="160" name="Google Shape;160;p31"/>
+          <p:cNvPr id="163" name="Google Shape;163;p31"/>
           <p:cNvSpPr txBox="1"/>
           <p:nvPr>
             <p:ph type="ctrTitle"/>
@@ -11612,8 +12485,8 @@
         </p:nvSpPr>
         <p:spPr>
           <a:xfrm>
-            <a:off x="217025" y="471300"/>
-            <a:ext cx="8544900" cy="705000"/>
+            <a:off x="2060275" y="382325"/>
+            <a:ext cx="4884600" cy="860700"/>
           </a:xfrm>
           <a:prstGeom prst="rect">
             <a:avLst/>
@@ -11643,7 +12516,7 @@
                   <a:srgbClr val="FFFFFF"/>
                 </a:solidFill>
               </a:rPr>
-              <a:t>MODULE LIST</a:t>
+              <a:t>DISPATCHER</a:t>
             </a:r>
             <a:endParaRPr sz="3000">
               <a:solidFill>
@@ -11655,7 +12528,7 @@
       </p:sp>
       <p:sp>
         <p:nvSpPr>
-          <p:cNvPr id="161" name="Google Shape;161;p31"/>
+          <p:cNvPr id="164" name="Google Shape;164;p31"/>
           <p:cNvSpPr txBox="1"/>
           <p:nvPr>
             <p:ph idx="1" type="subTitle"/>
@@ -11663,8 +12536,8 @@
         </p:nvSpPr>
         <p:spPr>
           <a:xfrm>
-            <a:off x="1627050" y="1343425"/>
-            <a:ext cx="4068300" cy="1955700"/>
+            <a:off x="506150" y="1375300"/>
+            <a:ext cx="4544100" cy="3259500"/>
           </a:xfrm>
           <a:prstGeom prst="rect">
             <a:avLst/>
@@ -11676,219 +12549,240 @@
           </a:bodyPr>
           <a:lstStyle/>
           <a:p>
-            <a:pPr indent="-342900" lvl="0" marL="457200" rtl="0" algn="just">
-              <a:lnSpc>
-                <a:spcPct val="115000"/>
-              </a:lnSpc>
-              <a:spcBef>
-                <a:spcPts val="1100"/>
-              </a:spcBef>
-              <a:spcAft>
-                <a:spcPts val="0"/>
-              </a:spcAft>
-              <a:buClr>
-                <a:schemeClr val="dk1"/>
-              </a:buClr>
-              <a:buSzPts val="1800"/>
-              <a:buChar char="●"/>
-            </a:pPr>
-            <a:r>
-              <a:rPr lang="en" sz="1800">
-                <a:solidFill>
-                  <a:schemeClr val="dk1"/>
-                </a:solidFill>
-              </a:rPr>
-              <a:t>Add on</a:t>
-            </a:r>
-            <a:endParaRPr sz="1800">
-              <a:solidFill>
-                <a:schemeClr val="dk1"/>
-              </a:solidFill>
-            </a:endParaRPr>
-          </a:p>
-          <a:p>
-            <a:pPr indent="-342900" lvl="0" marL="914400" rtl="0" algn="just">
-              <a:lnSpc>
-                <a:spcPct val="115000"/>
-              </a:lnSpc>
-              <a:spcBef>
-                <a:spcPts val="0"/>
-              </a:spcBef>
-              <a:spcAft>
-                <a:spcPts val="0"/>
-              </a:spcAft>
-              <a:buClr>
-                <a:schemeClr val="dk1"/>
-              </a:buClr>
-              <a:buSzPts val="1800"/>
-              <a:buAutoNum type="alphaLcPeriod"/>
-            </a:pPr>
-            <a:r>
-              <a:rPr lang="en" sz="1800">
-                <a:solidFill>
-                  <a:schemeClr val="dk1"/>
-                </a:solidFill>
-              </a:rPr>
-              <a:t>Background script</a:t>
-            </a:r>
-            <a:endParaRPr sz="1800">
-              <a:solidFill>
-                <a:schemeClr val="dk1"/>
-              </a:solidFill>
-            </a:endParaRPr>
-          </a:p>
-          <a:p>
-            <a:pPr indent="-342900" lvl="0" marL="914400" rtl="0" algn="just">
-              <a:lnSpc>
-                <a:spcPct val="115000"/>
-              </a:lnSpc>
-              <a:spcBef>
-                <a:spcPts val="0"/>
-              </a:spcBef>
-              <a:spcAft>
-                <a:spcPts val="0"/>
-              </a:spcAft>
-              <a:buClr>
-                <a:schemeClr val="dk1"/>
-              </a:buClr>
-              <a:buSzPts val="1800"/>
-              <a:buAutoNum type="alphaLcPeriod"/>
-            </a:pPr>
-            <a:r>
-              <a:rPr lang="en" sz="1800">
-                <a:solidFill>
-                  <a:schemeClr val="dk1"/>
-                </a:solidFill>
-              </a:rPr>
-              <a:t>Content script</a:t>
-            </a:r>
-            <a:endParaRPr sz="1800">
-              <a:solidFill>
-                <a:schemeClr val="dk1"/>
-              </a:solidFill>
-            </a:endParaRPr>
-          </a:p>
-          <a:p>
-            <a:pPr indent="-342900" lvl="0" marL="457200" rtl="0" algn="just">
-              <a:lnSpc>
-                <a:spcPct val="115000"/>
-              </a:lnSpc>
-              <a:spcBef>
-                <a:spcPts val="0"/>
-              </a:spcBef>
-              <a:spcAft>
-                <a:spcPts val="0"/>
-              </a:spcAft>
-              <a:buClr>
-                <a:schemeClr val="dk1"/>
-              </a:buClr>
-              <a:buSzPts val="1800"/>
-              <a:buChar char="●"/>
-            </a:pPr>
-            <a:r>
-              <a:rPr lang="en" sz="1800">
-                <a:solidFill>
-                  <a:schemeClr val="dk1"/>
-                </a:solidFill>
-              </a:rPr>
-              <a:t>Background process</a:t>
-            </a:r>
-            <a:endParaRPr sz="1800">
-              <a:solidFill>
-                <a:schemeClr val="dk1"/>
-              </a:solidFill>
-            </a:endParaRPr>
-          </a:p>
-          <a:p>
-            <a:pPr indent="-342900" lvl="0" marL="914400" rtl="0" algn="just">
-              <a:lnSpc>
-                <a:spcPct val="115000"/>
-              </a:lnSpc>
-              <a:spcBef>
-                <a:spcPts val="0"/>
-              </a:spcBef>
-              <a:spcAft>
-                <a:spcPts val="0"/>
-              </a:spcAft>
-              <a:buClr>
-                <a:schemeClr val="dk1"/>
-              </a:buClr>
-              <a:buSzPts val="1800"/>
-              <a:buAutoNum type="alphaLcPeriod"/>
-            </a:pPr>
-            <a:r>
-              <a:rPr lang="en" sz="1800">
-                <a:solidFill>
-                  <a:schemeClr val="dk1"/>
-                </a:solidFill>
-              </a:rPr>
-              <a:t>Dispatcher</a:t>
-            </a:r>
-            <a:endParaRPr sz="1800">
-              <a:solidFill>
-                <a:schemeClr val="dk1"/>
-              </a:solidFill>
-            </a:endParaRPr>
-          </a:p>
-          <a:p>
-            <a:pPr indent="-342900" lvl="0" marL="914400" rtl="0" algn="just">
-              <a:lnSpc>
-                <a:spcPct val="115000"/>
-              </a:lnSpc>
-              <a:spcBef>
-                <a:spcPts val="0"/>
-              </a:spcBef>
-              <a:spcAft>
-                <a:spcPts val="0"/>
-              </a:spcAft>
-              <a:buClr>
-                <a:schemeClr val="dk1"/>
-              </a:buClr>
-              <a:buSzPts val="1800"/>
-              <a:buAutoNum type="alphaLcPeriod"/>
-            </a:pPr>
-            <a:r>
-              <a:rPr lang="en" sz="1800">
-                <a:solidFill>
-                  <a:schemeClr val="dk1"/>
-                </a:solidFill>
-              </a:rPr>
-              <a:t>Phish Detector</a:t>
-            </a:r>
-            <a:endParaRPr sz="1800">
-              <a:solidFill>
-                <a:schemeClr val="dk1"/>
-              </a:solidFill>
-            </a:endParaRPr>
-          </a:p>
-          <a:p>
-            <a:pPr indent="-342900" lvl="0" marL="914400" rtl="0" algn="just">
-              <a:lnSpc>
-                <a:spcPct val="115000"/>
-              </a:lnSpc>
-              <a:spcBef>
-                <a:spcPts val="0"/>
-              </a:spcBef>
-              <a:spcAft>
-                <a:spcPts val="0"/>
-              </a:spcAft>
-              <a:buClr>
-                <a:schemeClr val="dk1"/>
-              </a:buClr>
-              <a:buSzPts val="1800"/>
-              <a:buAutoNum type="alphaLcPeriod"/>
-            </a:pPr>
-            <a:r>
-              <a:rPr lang="en" sz="1800">
-                <a:solidFill>
-                  <a:schemeClr val="dk1"/>
-                </a:solidFill>
-              </a:rPr>
-              <a:t>Target Identifier</a:t>
-            </a:r>
-            <a:endParaRPr sz="1800">
-              <a:solidFill>
-                <a:schemeClr val="dk1"/>
+            <a:pPr indent="0" lvl="0" marL="457200" rtl="0" algn="just">
+              <a:lnSpc>
+                <a:spcPct val="115000"/>
+              </a:lnSpc>
+              <a:spcBef>
+                <a:spcPts val="0"/>
+              </a:spcBef>
+              <a:spcAft>
+                <a:spcPts val="0"/>
+              </a:spcAft>
+              <a:buNone/>
+            </a:pPr>
+            <a:r>
+              <a:rPr i="1" lang="en" sz="1800">
+                <a:solidFill>
+                  <a:srgbClr val="FFFFFF"/>
+                </a:solidFill>
+              </a:rPr>
+              <a:t>Begin</a:t>
+            </a:r>
+            <a:endParaRPr i="1" sz="1800">
+              <a:solidFill>
+                <a:srgbClr val="FFFFFF"/>
+              </a:solidFill>
+            </a:endParaRPr>
+          </a:p>
+          <a:p>
+            <a:pPr indent="0" lvl="0" marL="457200" rtl="0" algn="just">
+              <a:lnSpc>
+                <a:spcPct val="115000"/>
+              </a:lnSpc>
+              <a:spcBef>
+                <a:spcPts val="0"/>
+              </a:spcBef>
+              <a:spcAft>
+                <a:spcPts val="0"/>
+              </a:spcAft>
+              <a:buNone/>
+            </a:pPr>
+            <a:r>
+              <a:rPr i="1" lang="en" sz="1800">
+                <a:solidFill>
+                  <a:srgbClr val="FFFFFF"/>
+                </a:solidFill>
+              </a:rPr>
+              <a:t>If page address is in whitelist</a:t>
+            </a:r>
+            <a:endParaRPr i="1" sz="1800">
+              <a:solidFill>
+                <a:srgbClr val="FFFFFF"/>
+              </a:solidFill>
+            </a:endParaRPr>
+          </a:p>
+          <a:p>
+            <a:pPr indent="0" lvl="0" marL="457200" rtl="0" algn="just">
+              <a:lnSpc>
+                <a:spcPct val="115000"/>
+              </a:lnSpc>
+              <a:spcBef>
+                <a:spcPts val="0"/>
+              </a:spcBef>
+              <a:spcAft>
+                <a:spcPts val="0"/>
+              </a:spcAft>
+              <a:buNone/>
+            </a:pPr>
+            <a:r>
+              <a:rPr i="1" lang="en" sz="1800">
+                <a:solidFill>
+                  <a:srgbClr val="FFFFFF"/>
+                </a:solidFill>
+              </a:rPr>
+              <a:t>	Send the GREEN signal</a:t>
+            </a:r>
+            <a:endParaRPr i="1" sz="1800">
+              <a:solidFill>
+                <a:srgbClr val="FFFFFF"/>
+              </a:solidFill>
+            </a:endParaRPr>
+          </a:p>
+          <a:p>
+            <a:pPr indent="0" lvl="0" marL="457200" rtl="0" algn="just">
+              <a:lnSpc>
+                <a:spcPct val="115000"/>
+              </a:lnSpc>
+              <a:spcBef>
+                <a:spcPts val="0"/>
+              </a:spcBef>
+              <a:spcAft>
+                <a:spcPts val="0"/>
+              </a:spcAft>
+              <a:buNone/>
+            </a:pPr>
+            <a:r>
+              <a:rPr i="1" lang="en" sz="1800">
+                <a:solidFill>
+                  <a:srgbClr val="FFFFFF"/>
+                </a:solidFill>
+              </a:rPr>
+              <a:t>Else</a:t>
+            </a:r>
+            <a:endParaRPr i="1" sz="1800">
+              <a:solidFill>
+                <a:srgbClr val="FFFFFF"/>
+              </a:solidFill>
+            </a:endParaRPr>
+          </a:p>
+          <a:p>
+            <a:pPr indent="0" lvl="0" marL="457200" rtl="0" algn="just">
+              <a:lnSpc>
+                <a:spcPct val="115000"/>
+              </a:lnSpc>
+              <a:spcBef>
+                <a:spcPts val="0"/>
+              </a:spcBef>
+              <a:spcAft>
+                <a:spcPts val="0"/>
+              </a:spcAft>
+              <a:buNone/>
+            </a:pPr>
+            <a:r>
+              <a:rPr i="1" lang="en" sz="1800">
+                <a:solidFill>
+                  <a:srgbClr val="FFFFFF"/>
+                </a:solidFill>
+              </a:rPr>
+              <a:t>	Send content to phish detector</a:t>
+            </a:r>
+            <a:endParaRPr i="1" sz="1800">
+              <a:solidFill>
+                <a:srgbClr val="FFFFFF"/>
+              </a:solidFill>
+            </a:endParaRPr>
+          </a:p>
+          <a:p>
+            <a:pPr indent="0" lvl="0" marL="457200" rtl="0" algn="just">
+              <a:lnSpc>
+                <a:spcPct val="115000"/>
+              </a:lnSpc>
+              <a:spcBef>
+                <a:spcPts val="0"/>
+              </a:spcBef>
+              <a:spcAft>
+                <a:spcPts val="0"/>
+              </a:spcAft>
+              <a:buNone/>
+            </a:pPr>
+            <a:r>
+              <a:rPr i="1" lang="en" sz="1800">
+                <a:solidFill>
+                  <a:srgbClr val="FFFFFF"/>
+                </a:solidFill>
+              </a:rPr>
+              <a:t>	Get results from phish detector</a:t>
+            </a:r>
+            <a:endParaRPr i="1" sz="1800">
+              <a:solidFill>
+                <a:srgbClr val="FFFFFF"/>
+              </a:solidFill>
+            </a:endParaRPr>
+          </a:p>
+          <a:p>
+            <a:pPr indent="0" lvl="0" marL="457200" rtl="0" algn="just">
+              <a:lnSpc>
+                <a:spcPct val="115000"/>
+              </a:lnSpc>
+              <a:spcBef>
+                <a:spcPts val="0"/>
+              </a:spcBef>
+              <a:spcAft>
+                <a:spcPts val="0"/>
+              </a:spcAft>
+              <a:buNone/>
+            </a:pPr>
+            <a:r>
+              <a:rPr i="1" lang="en" sz="1800">
+                <a:solidFill>
+                  <a:srgbClr val="FFFFFF"/>
+                </a:solidFill>
+              </a:rPr>
+              <a:t>	If phish is FALSE</a:t>
+            </a:r>
+            <a:endParaRPr i="1" sz="1800">
+              <a:solidFill>
+                <a:srgbClr val="FFFFFF"/>
+              </a:solidFill>
+            </a:endParaRPr>
+          </a:p>
+          <a:p>
+            <a:pPr indent="457200" lvl="0" marL="914400" rtl="0" algn="just">
+              <a:lnSpc>
+                <a:spcPct val="115000"/>
+              </a:lnSpc>
+              <a:spcBef>
+                <a:spcPts val="0"/>
+              </a:spcBef>
+              <a:spcAft>
+                <a:spcPts val="0"/>
+              </a:spcAft>
+              <a:buNone/>
+            </a:pPr>
+            <a:r>
+              <a:rPr i="1" lang="en" sz="1800">
+                <a:solidFill>
+                  <a:srgbClr val="FFFFFF"/>
+                </a:solidFill>
+              </a:rPr>
+              <a:t>Send the GREEN signal</a:t>
+            </a:r>
+            <a:endParaRPr i="1" sz="1800">
+              <a:solidFill>
+                <a:srgbClr val="FFFFFF"/>
+              </a:solidFill>
+            </a:endParaRPr>
+          </a:p>
+          <a:p>
+            <a:pPr indent="0" lvl="0" marL="457200" rtl="0" algn="just">
+              <a:lnSpc>
+                <a:spcPct val="115000"/>
+              </a:lnSpc>
+              <a:spcBef>
+                <a:spcPts val="0"/>
+              </a:spcBef>
+              <a:spcAft>
+                <a:spcPts val="0"/>
+              </a:spcAft>
+              <a:buNone/>
+            </a:pPr>
+            <a:r>
+              <a:t/>
+            </a:r>
+            <a:endParaRPr i="1" sz="1800">
+              <a:solidFill>
+                <a:srgbClr val="FFFFFF"/>
               </a:solidFill>
             </a:endParaRPr>
           </a:p>
@@ -11896,7 +12790,7 @@
       </p:sp>
       <p:sp>
         <p:nvSpPr>
-          <p:cNvPr id="162" name="Google Shape;162;p31"/>
+          <p:cNvPr id="165" name="Google Shape;165;p31"/>
           <p:cNvSpPr txBox="1"/>
           <p:nvPr>
             <p:ph idx="1" type="subTitle"/>
@@ -11904,8 +12798,8 @@
         </p:nvSpPr>
         <p:spPr>
           <a:xfrm>
-            <a:off x="4847825" y="1343425"/>
-            <a:ext cx="4068300" cy="1955700"/>
+            <a:off x="4525900" y="1449875"/>
+            <a:ext cx="4544100" cy="3259500"/>
           </a:xfrm>
           <a:prstGeom prst="rect">
             <a:avLst/>
@@ -11917,95 +12811,262 @@
           </a:bodyPr>
           <a:lstStyle/>
           <a:p>
-            <a:pPr indent="-342900" lvl="0" marL="457200" rtl="0" algn="just">
-              <a:lnSpc>
-                <a:spcPct val="115000"/>
-              </a:lnSpc>
-              <a:spcBef>
-                <a:spcPts val="1100"/>
-              </a:spcBef>
-              <a:spcAft>
-                <a:spcPts val="0"/>
-              </a:spcAft>
-              <a:buClr>
-                <a:schemeClr val="dk1"/>
-              </a:buClr>
-              <a:buSzPts val="1800"/>
-              <a:buChar char="●"/>
-            </a:pPr>
-            <a:r>
-              <a:rPr lang="en" sz="1800">
-                <a:solidFill>
-                  <a:schemeClr val="dk1"/>
-                </a:solidFill>
-              </a:rPr>
-              <a:t>Web Browser</a:t>
-            </a:r>
-            <a:endParaRPr sz="1800">
-              <a:solidFill>
-                <a:schemeClr val="dk1"/>
-              </a:solidFill>
-            </a:endParaRPr>
-          </a:p>
-          <a:p>
-            <a:pPr indent="-342900" lvl="0" marL="914400" rtl="0" algn="just">
-              <a:lnSpc>
-                <a:spcPct val="115000"/>
-              </a:lnSpc>
-              <a:spcBef>
-                <a:spcPts val="0"/>
-              </a:spcBef>
-              <a:spcAft>
-                <a:spcPts val="0"/>
-              </a:spcAft>
-              <a:buClr>
-                <a:schemeClr val="dk1"/>
-              </a:buClr>
-              <a:buSzPts val="1800"/>
-              <a:buAutoNum type="alphaLcPeriod"/>
-            </a:pPr>
-            <a:r>
-              <a:rPr lang="en" sz="1800">
-                <a:solidFill>
-                  <a:schemeClr val="dk1"/>
-                </a:solidFill>
-              </a:rPr>
-              <a:t>HTML content</a:t>
-            </a:r>
-            <a:endParaRPr sz="1800">
-              <a:solidFill>
-                <a:schemeClr val="dk1"/>
-              </a:solidFill>
-            </a:endParaRPr>
-          </a:p>
-          <a:p>
-            <a:pPr indent="-342900" lvl="0" marL="914400" rtl="0" algn="just">
-              <a:lnSpc>
-                <a:spcPct val="115000"/>
-              </a:lnSpc>
-              <a:spcBef>
-                <a:spcPts val="0"/>
-              </a:spcBef>
-              <a:spcAft>
-                <a:spcPts val="0"/>
-              </a:spcAft>
-              <a:buClr>
-                <a:schemeClr val="dk1"/>
-              </a:buClr>
-              <a:buSzPts val="1800"/>
-              <a:buAutoNum type="alphaLcPeriod"/>
-            </a:pPr>
-            <a:r>
-              <a:rPr lang="en" sz="1800">
-                <a:solidFill>
-                  <a:schemeClr val="dk1"/>
-                </a:solidFill>
-              </a:rPr>
-              <a:t>Output UI</a:t>
-            </a:r>
-            <a:endParaRPr sz="1800">
-              <a:solidFill>
-                <a:schemeClr val="dk1"/>
+            <a:pPr indent="0" lvl="0" marL="457200" rtl="0" algn="just">
+              <a:lnSpc>
+                <a:spcPct val="115000"/>
+              </a:lnSpc>
+              <a:spcBef>
+                <a:spcPts val="0"/>
+              </a:spcBef>
+              <a:spcAft>
+                <a:spcPts val="0"/>
+              </a:spcAft>
+              <a:buNone/>
+            </a:pPr>
+            <a:r>
+              <a:rPr i="1" lang="en" sz="1800">
+                <a:solidFill>
+                  <a:srgbClr val="FFFFFF"/>
+                </a:solidFill>
+              </a:rPr>
+              <a:t>Else</a:t>
+            </a:r>
+            <a:endParaRPr i="1" sz="1800">
+              <a:solidFill>
+                <a:srgbClr val="FFFFFF"/>
+              </a:solidFill>
+            </a:endParaRPr>
+          </a:p>
+          <a:p>
+            <a:pPr indent="0" lvl="0" marL="457200" rtl="0" algn="just">
+              <a:lnSpc>
+                <a:spcPct val="115000"/>
+              </a:lnSpc>
+              <a:spcBef>
+                <a:spcPts val="0"/>
+              </a:spcBef>
+              <a:spcAft>
+                <a:spcPts val="0"/>
+              </a:spcAft>
+              <a:buNone/>
+            </a:pPr>
+            <a:r>
+              <a:rPr i="1" lang="en" sz="1800">
+                <a:solidFill>
+                  <a:srgbClr val="FFFFFF"/>
+                </a:solidFill>
+              </a:rPr>
+              <a:t>	Send the RED signal</a:t>
+            </a:r>
+            <a:endParaRPr i="1" sz="1800">
+              <a:solidFill>
+                <a:srgbClr val="FFFFFF"/>
+              </a:solidFill>
+            </a:endParaRPr>
+          </a:p>
+          <a:p>
+            <a:pPr indent="457200" lvl="0" marL="457200" rtl="0" algn="just">
+              <a:lnSpc>
+                <a:spcPct val="115000"/>
+              </a:lnSpc>
+              <a:spcBef>
+                <a:spcPts val="0"/>
+              </a:spcBef>
+              <a:spcAft>
+                <a:spcPts val="0"/>
+              </a:spcAft>
+              <a:buNone/>
+            </a:pPr>
+            <a:r>
+              <a:rPr i="1" lang="en" sz="1800">
+                <a:solidFill>
+                  <a:srgbClr val="FFFFFF"/>
+                </a:solidFill>
+              </a:rPr>
+              <a:t>Send  content to target identifier</a:t>
+            </a:r>
+            <a:endParaRPr i="1" sz="1800">
+              <a:solidFill>
+                <a:srgbClr val="FFFFFF"/>
+              </a:solidFill>
+            </a:endParaRPr>
+          </a:p>
+          <a:p>
+            <a:pPr indent="0" lvl="0" marL="914400" rtl="0" algn="just">
+              <a:lnSpc>
+                <a:spcPct val="115000"/>
+              </a:lnSpc>
+              <a:spcBef>
+                <a:spcPts val="0"/>
+              </a:spcBef>
+              <a:spcAft>
+                <a:spcPts val="0"/>
+              </a:spcAft>
+              <a:buNone/>
+            </a:pPr>
+            <a:r>
+              <a:rPr i="1" lang="en" sz="1800">
+                <a:solidFill>
+                  <a:srgbClr val="FFFFFF"/>
+                </a:solidFill>
+              </a:rPr>
+              <a:t>If target is found</a:t>
+            </a:r>
+            <a:endParaRPr i="1" sz="1800">
+              <a:solidFill>
+                <a:srgbClr val="FFFFFF"/>
+              </a:solidFill>
+            </a:endParaRPr>
+          </a:p>
+          <a:p>
+            <a:pPr indent="0" lvl="0" marL="914400" rtl="0" algn="just">
+              <a:lnSpc>
+                <a:spcPct val="115000"/>
+              </a:lnSpc>
+              <a:spcBef>
+                <a:spcPts val="0"/>
+              </a:spcBef>
+              <a:spcAft>
+                <a:spcPts val="0"/>
+              </a:spcAft>
+              <a:buNone/>
+            </a:pPr>
+            <a:r>
+              <a:rPr i="1" lang="en" sz="1800">
+                <a:solidFill>
+                  <a:srgbClr val="FFFFFF"/>
+                </a:solidFill>
+              </a:rPr>
+              <a:t>	Publish target</a:t>
+            </a:r>
+            <a:endParaRPr i="1" sz="1800">
+              <a:solidFill>
+                <a:srgbClr val="FFFFFF"/>
+              </a:solidFill>
+            </a:endParaRPr>
+          </a:p>
+          <a:p>
+            <a:pPr indent="0" lvl="0" marL="914400" rtl="0" algn="just">
+              <a:lnSpc>
+                <a:spcPct val="115000"/>
+              </a:lnSpc>
+              <a:spcBef>
+                <a:spcPts val="0"/>
+              </a:spcBef>
+              <a:spcAft>
+                <a:spcPts val="0"/>
+              </a:spcAft>
+              <a:buNone/>
+            </a:pPr>
+            <a:r>
+              <a:rPr i="1" lang="en" sz="1800">
+                <a:solidFill>
+                  <a:srgbClr val="FFFFFF"/>
+                </a:solidFill>
+              </a:rPr>
+              <a:t>Else</a:t>
+            </a:r>
+            <a:endParaRPr i="1" sz="1800">
+              <a:solidFill>
+                <a:srgbClr val="FFFFFF"/>
+              </a:solidFill>
+            </a:endParaRPr>
+          </a:p>
+          <a:p>
+            <a:pPr indent="0" lvl="0" marL="914400" rtl="0" algn="just">
+              <a:lnSpc>
+                <a:spcPct val="115000"/>
+              </a:lnSpc>
+              <a:spcBef>
+                <a:spcPts val="0"/>
+              </a:spcBef>
+              <a:spcAft>
+                <a:spcPts val="0"/>
+              </a:spcAft>
+              <a:buNone/>
+            </a:pPr>
+            <a:r>
+              <a:rPr i="1" lang="en" sz="1800">
+                <a:solidFill>
+                  <a:srgbClr val="FFFFFF"/>
+                </a:solidFill>
+              </a:rPr>
+              <a:t>	No target matched</a:t>
+            </a:r>
+            <a:endParaRPr i="1" sz="1800">
+              <a:solidFill>
+                <a:srgbClr val="FFFFFF"/>
+              </a:solidFill>
+            </a:endParaRPr>
+          </a:p>
+          <a:p>
+            <a:pPr indent="0" lvl="0" marL="457200" rtl="0" algn="just">
+              <a:lnSpc>
+                <a:spcPct val="115000"/>
+              </a:lnSpc>
+              <a:spcBef>
+                <a:spcPts val="0"/>
+              </a:spcBef>
+              <a:spcAft>
+                <a:spcPts val="0"/>
+              </a:spcAft>
+              <a:buNone/>
+            </a:pPr>
+            <a:r>
+              <a:rPr i="1" lang="en" sz="1800">
+                <a:solidFill>
+                  <a:srgbClr val="FFFFFF"/>
+                </a:solidFill>
+              </a:rPr>
+              <a:t>End</a:t>
+            </a:r>
+            <a:endParaRPr i="1" sz="1800">
+              <a:solidFill>
+                <a:srgbClr val="FFFFFF"/>
+              </a:solidFill>
+            </a:endParaRPr>
+          </a:p>
+          <a:p>
+            <a:pPr indent="0" lvl="0" marL="457200" rtl="0" algn="just">
+              <a:lnSpc>
+                <a:spcPct val="115000"/>
+              </a:lnSpc>
+              <a:spcBef>
+                <a:spcPts val="0"/>
+              </a:spcBef>
+              <a:spcAft>
+                <a:spcPts val="0"/>
+              </a:spcAft>
+              <a:buNone/>
+            </a:pPr>
+            <a:r>
+              <a:t/>
+            </a:r>
+            <a:endParaRPr i="1" sz="1800">
+              <a:solidFill>
+                <a:srgbClr val="FFFFFF"/>
+              </a:solidFill>
+            </a:endParaRPr>
+          </a:p>
+          <a:p>
+            <a:pPr indent="0" lvl="0" marL="457200" rtl="0" algn="just">
+              <a:lnSpc>
+                <a:spcPct val="115000"/>
+              </a:lnSpc>
+              <a:spcBef>
+                <a:spcPts val="0"/>
+              </a:spcBef>
+              <a:spcAft>
+                <a:spcPts val="0"/>
+              </a:spcAft>
+              <a:buNone/>
+            </a:pPr>
+            <a:r>
+              <a:t/>
+            </a:r>
+            <a:endParaRPr i="1" sz="1800">
+              <a:solidFill>
+                <a:srgbClr val="FFFFFF"/>
               </a:solidFill>
             </a:endParaRPr>
           </a:p>
@@ -12287,6 +13348,37 @@
                   <a:srgbClr val="FFFFFF"/>
                 </a:solidFill>
               </a:rPr>
+              <a:t>MODULE LIST</a:t>
+            </a:r>
+            <a:endParaRPr sz="1800">
+              <a:solidFill>
+                <a:srgbClr val="FFFFFF"/>
+              </a:solidFill>
+            </a:endParaRPr>
+          </a:p>
+          <a:p>
+            <a:pPr indent="-342900" lvl="0" marL="457200" rtl="0" algn="just">
+              <a:lnSpc>
+                <a:spcPct val="115000"/>
+              </a:lnSpc>
+              <a:spcBef>
+                <a:spcPts val="0"/>
+              </a:spcBef>
+              <a:spcAft>
+                <a:spcPts val="0"/>
+              </a:spcAft>
+              <a:buClr>
+                <a:srgbClr val="FFFFFF"/>
+              </a:buClr>
+              <a:buSzPts val="1800"/>
+              <a:buAutoNum type="arabicPeriod"/>
+            </a:pPr>
+            <a:r>
+              <a:rPr lang="en" sz="1800">
+                <a:solidFill>
+                  <a:srgbClr val="FFFFFF"/>
+                </a:solidFill>
+              </a:rPr>
               <a:t>IMPLEMENTATION</a:t>
             </a:r>
             <a:endParaRPr sz="1800">
@@ -12372,7 +13464,7 @@
   <p:cSld>
     <p:spTree>
       <p:nvGrpSpPr>
-        <p:cNvPr id="166" name="Shape 166"/>
+        <p:cNvPr id="169" name="Shape 169"/>
         <p:cNvGrpSpPr/>
         <p:nvPr/>
       </p:nvGrpSpPr>
@@ -12386,7 +13478,7 @@
       </p:grpSpPr>
       <p:sp>
         <p:nvSpPr>
-          <p:cNvPr id="167" name="Google Shape;167;p32"/>
+          <p:cNvPr id="170" name="Google Shape;170;p32"/>
           <p:cNvSpPr txBox="1"/>
           <p:nvPr>
             <p:ph type="ctrTitle"/>
@@ -12425,7 +13517,7 @@
                   <a:srgbClr val="FFFFFF"/>
                 </a:solidFill>
               </a:rPr>
-              <a:t>BACKGROUND SCRIPT</a:t>
+              <a:t>PHISH DETECTOR</a:t>
             </a:r>
             <a:endParaRPr sz="3000">
               <a:solidFill>
@@ -12437,7 +13529,7 @@
       </p:sp>
       <p:sp>
         <p:nvSpPr>
-          <p:cNvPr id="168" name="Google Shape;168;p32"/>
+          <p:cNvPr id="171" name="Google Shape;171;p32"/>
           <p:cNvSpPr txBox="1"/>
           <p:nvPr>
             <p:ph idx="1" type="subTitle"/>
@@ -12485,7 +13577,7 @@
             </a:endParaRPr>
           </a:p>
           <a:p>
-            <a:pPr indent="457200" lvl="0" marL="457200" rtl="0" algn="just">
+            <a:pPr indent="0" lvl="0" marL="457200" rtl="0" algn="just">
               <a:lnSpc>
                 <a:spcPct val="115000"/>
               </a:lnSpc>
@@ -12503,7 +13595,7 @@
                   <a:srgbClr val="FFFFFF"/>
                 </a:solidFill>
               </a:rPr>
-              <a:t>For each page load redirect</a:t>
+              <a:t>For each page URL</a:t>
             </a:r>
             <a:endParaRPr i="1" sz="1800">
               <a:solidFill>
@@ -12512,7 +13604,7 @@
             </a:endParaRPr>
           </a:p>
           <a:p>
-            <a:pPr indent="457200" lvl="0" marL="914400" rtl="0" algn="just">
+            <a:pPr indent="0" lvl="0" marL="457200" rtl="0" algn="just">
               <a:lnSpc>
                 <a:spcPct val="115000"/>
               </a:lnSpc>
@@ -12530,7 +13622,7 @@
                   <a:srgbClr val="FFFFFF"/>
                 </a:solidFill>
               </a:rPr>
-              <a:t>Add listener to that event</a:t>
+              <a:t>	Get the fuzzy set feature values for the URL</a:t>
             </a:r>
             <a:endParaRPr i="1" sz="1800">
               <a:solidFill>
@@ -12539,7 +13631,7 @@
             </a:endParaRPr>
           </a:p>
           <a:p>
-            <a:pPr indent="457200" lvl="0" marL="914400" rtl="0" algn="just">
+            <a:pPr indent="0" lvl="0" marL="457200" rtl="0" algn="just">
               <a:lnSpc>
                 <a:spcPct val="115000"/>
               </a:lnSpc>
@@ -12557,7 +13649,7 @@
                   <a:srgbClr val="FFFFFF"/>
                 </a:solidFill>
               </a:rPr>
-              <a:t>Get the list of redirects from listener</a:t>
+              <a:t>	Load the saved random forest model</a:t>
             </a:r>
             <a:endParaRPr i="1" sz="1800">
               <a:solidFill>
@@ -12566,7 +13658,7 @@
             </a:endParaRPr>
           </a:p>
           <a:p>
-            <a:pPr indent="457200" lvl="0" marL="914400" rtl="0" algn="just">
+            <a:pPr indent="0" lvl="0" marL="457200" rtl="0" algn="just">
               <a:lnSpc>
                 <a:spcPct val="115000"/>
               </a:lnSpc>
@@ -12584,7 +13676,7 @@
                   <a:srgbClr val="FFFFFF"/>
                 </a:solidFill>
               </a:rPr>
-              <a:t>If page is fully loaded </a:t>
+              <a:t>	Publish the result</a:t>
             </a:r>
             <a:endParaRPr i="1" sz="1800">
               <a:solidFill>
@@ -12594,33 +13686,6 @@
           </a:p>
           <a:p>
             <a:pPr indent="0" lvl="0" marL="457200" rtl="0" algn="just">
-              <a:lnSpc>
-                <a:spcPct val="115000"/>
-              </a:lnSpc>
-              <a:spcBef>
-                <a:spcPts val="0"/>
-              </a:spcBef>
-              <a:spcAft>
-                <a:spcPts val="0"/>
-              </a:spcAft>
-              <a:buNone/>
-            </a:pPr>
-            <a:r>
-              <a:rPr i="1" lang="en" sz="1800">
-                <a:solidFill>
-                  <a:srgbClr val="FFFFFF"/>
-                </a:solidFill>
-              </a:rPr>
-              <a:t>			Send the list of redirects to content script</a:t>
-            </a:r>
-            <a:endParaRPr i="1" sz="1800">
-              <a:solidFill>
-                <a:srgbClr val="FFFFFF"/>
-              </a:solidFill>
-            </a:endParaRPr>
-          </a:p>
-          <a:p>
-            <a:pPr indent="457200" lvl="0" marL="457200" rtl="0" algn="just">
               <a:lnSpc>
                 <a:spcPct val="115000"/>
               </a:lnSpc>
@@ -12732,7 +13797,7 @@
   <p:cSld>
     <p:spTree>
       <p:nvGrpSpPr>
-        <p:cNvPr id="172" name="Shape 172"/>
+        <p:cNvPr id="175" name="Shape 175"/>
         <p:cNvGrpSpPr/>
         <p:nvPr/>
       </p:nvGrpSpPr>
@@ -12746,7 +13811,411 @@
       </p:grpSpPr>
       <p:sp>
         <p:nvSpPr>
-          <p:cNvPr id="173" name="Google Shape;173;p33"/>
+          <p:cNvPr id="176" name="Google Shape;176;p33"/>
+          <p:cNvSpPr txBox="1"/>
+          <p:nvPr>
+            <p:ph type="ctrTitle"/>
+          </p:nvPr>
+        </p:nvSpPr>
+        <p:spPr>
+          <a:xfrm>
+            <a:off x="1956150" y="369700"/>
+            <a:ext cx="5231700" cy="860700"/>
+          </a:xfrm>
+          <a:prstGeom prst="rect">
+            <a:avLst/>
+          </a:prstGeom>
+        </p:spPr>
+        <p:txBody>
+          <a:bodyPr anchorCtr="0" anchor="b" bIns="91425" lIns="91425" spcFirstLastPara="1" rIns="91425" wrap="square" tIns="91425">
+            <a:noAutofit/>
+          </a:bodyPr>
+          <a:lstStyle/>
+          <a:p>
+            <a:pPr indent="0" lvl="0" marL="0" rtl="0" algn="ctr">
+              <a:lnSpc>
+                <a:spcPct val="115000"/>
+              </a:lnSpc>
+              <a:spcBef>
+                <a:spcPts val="0"/>
+              </a:spcBef>
+              <a:spcAft>
+                <a:spcPts val="0"/>
+              </a:spcAft>
+              <a:buNone/>
+            </a:pPr>
+            <a:r>
+              <a:rPr b="1" lang="en" sz="3000">
+                <a:solidFill>
+                  <a:srgbClr val="FFFFFF"/>
+                </a:solidFill>
+              </a:rPr>
+              <a:t>RANDOM FOREST MODEL</a:t>
+            </a:r>
+            <a:endParaRPr sz="3000">
+              <a:solidFill>
+                <a:srgbClr val="FFFFFF"/>
+              </a:solidFill>
+            </a:endParaRPr>
+          </a:p>
+        </p:txBody>
+      </p:sp>
+      <p:sp>
+        <p:nvSpPr>
+          <p:cNvPr id="177" name="Google Shape;177;p33"/>
+          <p:cNvSpPr txBox="1"/>
+          <p:nvPr>
+            <p:ph idx="1" type="subTitle"/>
+          </p:nvPr>
+        </p:nvSpPr>
+        <p:spPr>
+          <a:xfrm>
+            <a:off x="1027500" y="1367525"/>
+            <a:ext cx="7089000" cy="3259500"/>
+          </a:xfrm>
+          <a:prstGeom prst="rect">
+            <a:avLst/>
+          </a:prstGeom>
+        </p:spPr>
+        <p:txBody>
+          <a:bodyPr anchorCtr="0" anchor="t" bIns="91425" lIns="91425" spcFirstLastPara="1" rIns="91425" wrap="square" tIns="91425">
+            <a:noAutofit/>
+          </a:bodyPr>
+          <a:lstStyle/>
+          <a:p>
+            <a:pPr indent="0" lvl="0" marL="457200" rtl="0" algn="just">
+              <a:lnSpc>
+                <a:spcPct val="115000"/>
+              </a:lnSpc>
+              <a:spcBef>
+                <a:spcPts val="0"/>
+              </a:spcBef>
+              <a:spcAft>
+                <a:spcPts val="0"/>
+              </a:spcAft>
+              <a:buNone/>
+            </a:pPr>
+            <a:r>
+              <a:rPr i="1" lang="en" sz="1800">
+                <a:solidFill>
+                  <a:srgbClr val="FFFFFF"/>
+                </a:solidFill>
+              </a:rPr>
+              <a:t>Begin</a:t>
+            </a:r>
+            <a:endParaRPr i="1" sz="1800">
+              <a:solidFill>
+                <a:srgbClr val="FFFFFF"/>
+              </a:solidFill>
+            </a:endParaRPr>
+          </a:p>
+          <a:p>
+            <a:pPr indent="0" lvl="0" marL="914400" rtl="0" algn="just">
+              <a:lnSpc>
+                <a:spcPct val="115000"/>
+              </a:lnSpc>
+              <a:spcBef>
+                <a:spcPts val="0"/>
+              </a:spcBef>
+              <a:spcAft>
+                <a:spcPts val="0"/>
+              </a:spcAft>
+              <a:buNone/>
+            </a:pPr>
+            <a:r>
+              <a:rPr i="1" lang="en" sz="1800">
+                <a:solidFill>
+                  <a:srgbClr val="FFFFFF"/>
+                </a:solidFill>
+              </a:rPr>
+              <a:t>For each record in dataset</a:t>
+            </a:r>
+            <a:endParaRPr i="1" sz="1800">
+              <a:solidFill>
+                <a:srgbClr val="FFFFFF"/>
+              </a:solidFill>
+            </a:endParaRPr>
+          </a:p>
+          <a:p>
+            <a:pPr indent="0" lvl="0" marL="914400" rtl="0" algn="just">
+              <a:lnSpc>
+                <a:spcPct val="115000"/>
+              </a:lnSpc>
+              <a:spcBef>
+                <a:spcPts val="0"/>
+              </a:spcBef>
+              <a:spcAft>
+                <a:spcPts val="0"/>
+              </a:spcAft>
+              <a:buNone/>
+            </a:pPr>
+            <a:r>
+              <a:rPr i="1" lang="en" sz="1800">
+                <a:solidFill>
+                  <a:srgbClr val="FFFFFF"/>
+                </a:solidFill>
+              </a:rPr>
+              <a:t>	Get the fuzzy set feature values </a:t>
+            </a:r>
+            <a:endParaRPr i="1" sz="1800">
+              <a:solidFill>
+                <a:srgbClr val="FFFFFF"/>
+              </a:solidFill>
+            </a:endParaRPr>
+          </a:p>
+          <a:p>
+            <a:pPr indent="0" lvl="0" marL="914400" rtl="0" algn="just">
+              <a:lnSpc>
+                <a:spcPct val="115000"/>
+              </a:lnSpc>
+              <a:spcBef>
+                <a:spcPts val="0"/>
+              </a:spcBef>
+              <a:spcAft>
+                <a:spcPts val="0"/>
+              </a:spcAft>
+              <a:buNone/>
+            </a:pPr>
+            <a:r>
+              <a:rPr i="1" lang="en" sz="1800">
+                <a:solidFill>
+                  <a:srgbClr val="FFFFFF"/>
+                </a:solidFill>
+              </a:rPr>
+              <a:t>	Create an arff file to save results</a:t>
+            </a:r>
+            <a:endParaRPr i="1" sz="1800">
+              <a:solidFill>
+                <a:srgbClr val="FFFFFF"/>
+              </a:solidFill>
+            </a:endParaRPr>
+          </a:p>
+          <a:p>
+            <a:pPr indent="0" lvl="0" marL="914400" rtl="0" algn="just">
+              <a:lnSpc>
+                <a:spcPct val="115000"/>
+              </a:lnSpc>
+              <a:spcBef>
+                <a:spcPts val="0"/>
+              </a:spcBef>
+              <a:spcAft>
+                <a:spcPts val="0"/>
+              </a:spcAft>
+              <a:buNone/>
+            </a:pPr>
+            <a:r>
+              <a:rPr i="1" lang="en" sz="1800">
+                <a:solidFill>
+                  <a:srgbClr val="FFFFFF"/>
+                </a:solidFill>
+              </a:rPr>
+              <a:t>Done</a:t>
+            </a:r>
+            <a:endParaRPr i="1" sz="1800">
+              <a:solidFill>
+                <a:srgbClr val="FFFFFF"/>
+              </a:solidFill>
+            </a:endParaRPr>
+          </a:p>
+          <a:p>
+            <a:pPr indent="0" lvl="0" marL="914400" rtl="0" algn="just">
+              <a:lnSpc>
+                <a:spcPct val="115000"/>
+              </a:lnSpc>
+              <a:spcBef>
+                <a:spcPts val="0"/>
+              </a:spcBef>
+              <a:spcAft>
+                <a:spcPts val="0"/>
+              </a:spcAft>
+              <a:buNone/>
+            </a:pPr>
+            <a:r>
+              <a:rPr i="1" lang="en" sz="1800">
+                <a:solidFill>
+                  <a:srgbClr val="FFFFFF"/>
+                </a:solidFill>
+              </a:rPr>
+              <a:t>Train the dataset with at least 7 splits as random forest</a:t>
+            </a:r>
+            <a:endParaRPr i="1" sz="1800">
+              <a:solidFill>
+                <a:srgbClr val="FFFFFF"/>
+              </a:solidFill>
+            </a:endParaRPr>
+          </a:p>
+          <a:p>
+            <a:pPr indent="0" lvl="0" marL="914400" rtl="0" algn="just">
+              <a:lnSpc>
+                <a:spcPct val="115000"/>
+              </a:lnSpc>
+              <a:spcBef>
+                <a:spcPts val="0"/>
+              </a:spcBef>
+              <a:spcAft>
+                <a:spcPts val="0"/>
+              </a:spcAft>
+              <a:buNone/>
+            </a:pPr>
+            <a:r>
+              <a:rPr i="1" lang="en" sz="1800">
+                <a:solidFill>
+                  <a:srgbClr val="FFFFFF"/>
+                </a:solidFill>
+              </a:rPr>
+              <a:t>Save the model as pkl file</a:t>
+            </a:r>
+            <a:endParaRPr i="1" sz="1800">
+              <a:solidFill>
+                <a:srgbClr val="FFFFFF"/>
+              </a:solidFill>
+            </a:endParaRPr>
+          </a:p>
+          <a:p>
+            <a:pPr indent="0" lvl="0" marL="457200" rtl="0" algn="just">
+              <a:lnSpc>
+                <a:spcPct val="115000"/>
+              </a:lnSpc>
+              <a:spcBef>
+                <a:spcPts val="0"/>
+              </a:spcBef>
+              <a:spcAft>
+                <a:spcPts val="0"/>
+              </a:spcAft>
+              <a:buNone/>
+            </a:pPr>
+            <a:r>
+              <a:rPr i="1" lang="en" sz="1800">
+                <a:solidFill>
+                  <a:srgbClr val="FFFFFF"/>
+                </a:solidFill>
+              </a:rPr>
+              <a:t>End</a:t>
+            </a:r>
+            <a:endParaRPr i="1" sz="1800">
+              <a:solidFill>
+                <a:srgbClr val="FFFFFF"/>
+              </a:solidFill>
+            </a:endParaRPr>
+          </a:p>
+          <a:p>
+            <a:pPr indent="0" lvl="0" marL="457200" rtl="0" algn="just">
+              <a:lnSpc>
+                <a:spcPct val="115000"/>
+              </a:lnSpc>
+              <a:spcBef>
+                <a:spcPts val="0"/>
+              </a:spcBef>
+              <a:spcAft>
+                <a:spcPts val="0"/>
+              </a:spcAft>
+              <a:buNone/>
+            </a:pPr>
+            <a:r>
+              <a:t/>
+            </a:r>
+            <a:endParaRPr i="1" sz="1800">
+              <a:solidFill>
+                <a:srgbClr val="FFFFFF"/>
+              </a:solidFill>
+            </a:endParaRPr>
+          </a:p>
+          <a:p>
+            <a:pPr indent="0" lvl="0" marL="457200" rtl="0" algn="just">
+              <a:lnSpc>
+                <a:spcPct val="115000"/>
+              </a:lnSpc>
+              <a:spcBef>
+                <a:spcPts val="0"/>
+              </a:spcBef>
+              <a:spcAft>
+                <a:spcPts val="0"/>
+              </a:spcAft>
+              <a:buNone/>
+            </a:pPr>
+            <a:r>
+              <a:t/>
+            </a:r>
+            <a:endParaRPr i="1" sz="1800">
+              <a:solidFill>
+                <a:srgbClr val="FFFFFF"/>
+              </a:solidFill>
+            </a:endParaRPr>
+          </a:p>
+          <a:p>
+            <a:pPr indent="0" lvl="0" marL="457200" rtl="0" algn="just">
+              <a:lnSpc>
+                <a:spcPct val="115000"/>
+              </a:lnSpc>
+              <a:spcBef>
+                <a:spcPts val="0"/>
+              </a:spcBef>
+              <a:spcAft>
+                <a:spcPts val="0"/>
+              </a:spcAft>
+              <a:buNone/>
+            </a:pPr>
+            <a:r>
+              <a:t/>
+            </a:r>
+            <a:endParaRPr i="1" sz="1800">
+              <a:solidFill>
+                <a:srgbClr val="FFFFFF"/>
+              </a:solidFill>
+            </a:endParaRPr>
+          </a:p>
+          <a:p>
+            <a:pPr indent="0" lvl="0" marL="457200" rtl="0" algn="just">
+              <a:lnSpc>
+                <a:spcPct val="115000"/>
+              </a:lnSpc>
+              <a:spcBef>
+                <a:spcPts val="0"/>
+              </a:spcBef>
+              <a:spcAft>
+                <a:spcPts val="0"/>
+              </a:spcAft>
+              <a:buNone/>
+            </a:pPr>
+            <a:r>
+              <a:t/>
+            </a:r>
+            <a:endParaRPr i="1" sz="1800">
+              <a:solidFill>
+                <a:srgbClr val="FFFFFF"/>
+              </a:solidFill>
+            </a:endParaRPr>
+          </a:p>
+        </p:txBody>
+      </p:sp>
+    </p:spTree>
+  </p:cSld>
+  <p:clrMapOvr>
+    <a:masterClrMapping/>
+  </p:clrMapOvr>
+</p:sld>
+</file>
+
+<file path=ppt/slides/slide22.xml><?xml version="1.0" encoding="utf-8"?>
+<p:sld xmlns:a="http://schemas.openxmlformats.org/drawingml/2006/main" xmlns:r="http://schemas.openxmlformats.org/officeDocument/2006/relationships" xmlns:mc="http://schemas.openxmlformats.org/markup-compatibility/2006" xmlns:mv="urn:schemas-microsoft-com:mac:vml" xmlns:p="http://schemas.openxmlformats.org/presentationml/2006/main" xmlns:c="http://schemas.openxmlformats.org/drawingml/2006/chart" xmlns:dgm="http://schemas.openxmlformats.org/drawingml/2006/diagram" xmlns:o="urn:schemas-microsoft-com:office:office" xmlns:v="urn:schemas-microsoft-com:vml" xmlns:pvml="urn:schemas-microsoft-com:office:powerpoint" xmlns:com="http://schemas.openxmlformats.org/drawingml/2006/compatibility" xmlns:p14="http://schemas.microsoft.com/office/powerpoint/2010/main" xmlns:p15="http://schemas.microsoft.com/office/powerpoint/2012/main">
+  <p:cSld>
+    <p:spTree>
+      <p:nvGrpSpPr>
+        <p:cNvPr id="181" name="Shape 181"/>
+        <p:cNvGrpSpPr/>
+        <p:nvPr/>
+      </p:nvGrpSpPr>
+      <p:grpSpPr>
+        <a:xfrm>
+          <a:off x="0" y="0"/>
+          <a:ext cx="0" cy="0"/>
+          <a:chOff x="0" y="0"/>
+          <a:chExt cx="0" cy="0"/>
+        </a:xfrm>
+      </p:grpSpPr>
+      <p:sp>
+        <p:nvSpPr>
+          <p:cNvPr id="182" name="Google Shape;182;p34"/>
           <p:cNvSpPr txBox="1"/>
           <p:nvPr>
             <p:ph type="ctrTitle"/>
@@ -12785,7 +14254,7 @@
                   <a:srgbClr val="FFFFFF"/>
                 </a:solidFill>
               </a:rPr>
-              <a:t>CONTENT SCRIPT</a:t>
+              <a:t>TARGET IDENTIFIER</a:t>
             </a:r>
             <a:endParaRPr sz="3000">
               <a:solidFill>
@@ -12797,7 +14266,7 @@
       </p:sp>
       <p:sp>
         <p:nvSpPr>
-          <p:cNvPr id="174" name="Google Shape;174;p33"/>
+          <p:cNvPr id="183" name="Google Shape;183;p34"/>
           <p:cNvSpPr txBox="1"/>
           <p:nvPr>
             <p:ph idx="1" type="subTitle"/>
@@ -12845,7 +14314,7 @@
             </a:endParaRPr>
           </a:p>
           <a:p>
-            <a:pPr indent="0" lvl="0" marL="914400" rtl="0" algn="just">
+            <a:pPr indent="0" lvl="0" marL="457200" rtl="0" algn="just">
               <a:lnSpc>
                 <a:spcPct val="115000"/>
               </a:lnSpc>
@@ -12863,7 +14332,7 @@
                   <a:srgbClr val="FFFFFF"/>
                 </a:solidFill>
               </a:rPr>
-              <a:t>For each page load redirect</a:t>
+              <a:t>	Get the hash value for page content </a:t>
             </a:r>
             <a:endParaRPr i="1" sz="1800">
               <a:solidFill>
@@ -12872,7 +14341,7 @@
             </a:endParaRPr>
           </a:p>
           <a:p>
-            <a:pPr indent="0" lvl="0" marL="1371600" rtl="0" algn="just">
+            <a:pPr indent="0" lvl="0" marL="457200" rtl="0" algn="just">
               <a:lnSpc>
                 <a:spcPct val="115000"/>
               </a:lnSpc>
@@ -12890,7 +14359,7 @@
                   <a:srgbClr val="FFFFFF"/>
                 </a:solidFill>
               </a:rPr>
-              <a:t>If page is fully loaded </a:t>
+              <a:t>	Compare with values in hash list</a:t>
             </a:r>
             <a:endParaRPr i="1" sz="1800">
               <a:solidFill>
@@ -12899,7 +14368,7 @@
             </a:endParaRPr>
           </a:p>
           <a:p>
-            <a:pPr indent="0" lvl="0" marL="1371600" rtl="0" algn="just">
+            <a:pPr indent="0" lvl="0" marL="457200" rtl="0" algn="just">
               <a:lnSpc>
                 <a:spcPct val="115000"/>
               </a:lnSpc>
@@ -12917,7 +14386,7 @@
                   <a:srgbClr val="FFFFFF"/>
                 </a:solidFill>
               </a:rPr>
-              <a:t>	Get the URL from the tab</a:t>
+              <a:t>	If match</a:t>
             </a:r>
             <a:endParaRPr i="1" sz="1800">
               <a:solidFill>
@@ -12926,7 +14395,7 @@
             </a:endParaRPr>
           </a:p>
           <a:p>
-            <a:pPr indent="0" lvl="0" marL="1371600" rtl="0" algn="just">
+            <a:pPr indent="0" lvl="0" marL="457200" rtl="0" algn="just">
               <a:lnSpc>
                 <a:spcPct val="115000"/>
               </a:lnSpc>
@@ -12944,7 +14413,7 @@
                   <a:srgbClr val="FFFFFF"/>
                 </a:solidFill>
               </a:rPr>
-              <a:t>	Get the HTML content from innerHTML tag</a:t>
+              <a:t>		Display target</a:t>
             </a:r>
             <a:endParaRPr i="1" sz="1800">
               <a:solidFill>
@@ -12953,7 +14422,7 @@
             </a:endParaRPr>
           </a:p>
           <a:p>
-            <a:pPr indent="0" lvl="0" marL="1371600" rtl="0" algn="just">
+            <a:pPr indent="0" lvl="0" marL="457200" rtl="0" algn="just">
               <a:lnSpc>
                 <a:spcPct val="115000"/>
               </a:lnSpc>
@@ -12971,7 +14440,7 @@
                   <a:srgbClr val="FFFFFF"/>
                 </a:solidFill>
               </a:rPr>
-              <a:t>	Get redirection list from background script</a:t>
+              <a:t>	Else</a:t>
             </a:r>
             <a:endParaRPr i="1" sz="1800">
               <a:solidFill>
@@ -12980,7 +14449,7 @@
             </a:endParaRPr>
           </a:p>
           <a:p>
-            <a:pPr indent="0" lvl="0" marL="1371600" rtl="0" algn="just">
+            <a:pPr indent="0" lvl="0" marL="457200" rtl="0" algn="just">
               <a:lnSpc>
                 <a:spcPct val="115000"/>
               </a:lnSpc>
@@ -12998,7 +14467,7 @@
                   <a:srgbClr val="FFFFFF"/>
                 </a:solidFill>
               </a:rPr>
-              <a:t>Send them to the background process</a:t>
+              <a:t>		No target found</a:t>
             </a:r>
             <a:endParaRPr i="1" sz="1800">
               <a:solidFill>
@@ -13007,7 +14476,7 @@
             </a:endParaRPr>
           </a:p>
           <a:p>
-            <a:pPr indent="0" lvl="0" marL="914400" rtl="0" algn="just">
+            <a:pPr indent="0" lvl="0" marL="457200" rtl="0" algn="just">
               <a:lnSpc>
                 <a:spcPct val="115000"/>
               </a:lnSpc>
@@ -13025,656 +14494,7 @@
                   <a:srgbClr val="FFFFFF"/>
                 </a:solidFill>
               </a:rPr>
-              <a:t>Done</a:t>
-            </a:r>
-            <a:endParaRPr i="1" sz="1800">
-              <a:solidFill>
-                <a:srgbClr val="FFFFFF"/>
-              </a:solidFill>
-            </a:endParaRPr>
-          </a:p>
-          <a:p>
-            <a:pPr indent="0" lvl="0" marL="457200" rtl="0" algn="just">
-              <a:lnSpc>
-                <a:spcPct val="115000"/>
-              </a:lnSpc>
-              <a:spcBef>
-                <a:spcPts val="0"/>
-              </a:spcBef>
-              <a:spcAft>
-                <a:spcPts val="0"/>
-              </a:spcAft>
-              <a:buNone/>
-            </a:pPr>
-            <a:r>
-              <a:rPr i="1" lang="en" sz="1800">
-                <a:solidFill>
-                  <a:srgbClr val="FFFFFF"/>
-                </a:solidFill>
-              </a:rPr>
               <a:t>End</a:t>
-            </a:r>
-            <a:endParaRPr i="1" sz="1800">
-              <a:solidFill>
-                <a:srgbClr val="FFFFFF"/>
-              </a:solidFill>
-            </a:endParaRPr>
-          </a:p>
-        </p:txBody>
-      </p:sp>
-    </p:spTree>
-  </p:cSld>
-  <p:clrMapOvr>
-    <a:masterClrMapping/>
-  </p:clrMapOvr>
-</p:sld>
-</file>
-
-<file path=ppt/slides/slide22.xml><?xml version="1.0" encoding="utf-8"?>
-<p:sld xmlns:a="http://schemas.openxmlformats.org/drawingml/2006/main" xmlns:r="http://schemas.openxmlformats.org/officeDocument/2006/relationships" xmlns:mc="http://schemas.openxmlformats.org/markup-compatibility/2006" xmlns:mv="urn:schemas-microsoft-com:mac:vml" xmlns:p="http://schemas.openxmlformats.org/presentationml/2006/main" xmlns:c="http://schemas.openxmlformats.org/drawingml/2006/chart" xmlns:dgm="http://schemas.openxmlformats.org/drawingml/2006/diagram" xmlns:o="urn:schemas-microsoft-com:office:office" xmlns:v="urn:schemas-microsoft-com:vml" xmlns:pvml="urn:schemas-microsoft-com:office:powerpoint" xmlns:com="http://schemas.openxmlformats.org/drawingml/2006/compatibility" xmlns:p14="http://schemas.microsoft.com/office/powerpoint/2010/main" xmlns:p15="http://schemas.microsoft.com/office/powerpoint/2012/main">
-  <p:cSld>
-    <p:spTree>
-      <p:nvGrpSpPr>
-        <p:cNvPr id="178" name="Shape 178"/>
-        <p:cNvGrpSpPr/>
-        <p:nvPr/>
-      </p:nvGrpSpPr>
-      <p:grpSpPr>
-        <a:xfrm>
-          <a:off x="0" y="0"/>
-          <a:ext cx="0" cy="0"/>
-          <a:chOff x="0" y="0"/>
-          <a:chExt cx="0" cy="0"/>
-        </a:xfrm>
-      </p:grpSpPr>
-      <p:sp>
-        <p:nvSpPr>
-          <p:cNvPr id="179" name="Google Shape;179;p34"/>
-          <p:cNvSpPr txBox="1"/>
-          <p:nvPr>
-            <p:ph type="ctrTitle"/>
-          </p:nvPr>
-        </p:nvSpPr>
-        <p:spPr>
-          <a:xfrm>
-            <a:off x="2060275" y="382325"/>
-            <a:ext cx="4884600" cy="860700"/>
-          </a:xfrm>
-          <a:prstGeom prst="rect">
-            <a:avLst/>
-          </a:prstGeom>
-        </p:spPr>
-        <p:txBody>
-          <a:bodyPr anchorCtr="0" anchor="b" bIns="91425" lIns="91425" spcFirstLastPara="1" rIns="91425" wrap="square" tIns="91425">
-            <a:noAutofit/>
-          </a:bodyPr>
-          <a:lstStyle/>
-          <a:p>
-            <a:pPr indent="0" lvl="0" marL="0" rtl="0" algn="ctr">
-              <a:lnSpc>
-                <a:spcPct val="115000"/>
-              </a:lnSpc>
-              <a:spcBef>
-                <a:spcPts val="0"/>
-              </a:spcBef>
-              <a:spcAft>
-                <a:spcPts val="0"/>
-              </a:spcAft>
-              <a:buNone/>
-            </a:pPr>
-            <a:r>
-              <a:rPr b="1" lang="en" sz="3000">
-                <a:solidFill>
-                  <a:srgbClr val="FFFFFF"/>
-                </a:solidFill>
-              </a:rPr>
-              <a:t>DISPATCHER</a:t>
-            </a:r>
-            <a:endParaRPr sz="3000">
-              <a:solidFill>
-                <a:srgbClr val="FFFFFF"/>
-              </a:solidFill>
-            </a:endParaRPr>
-          </a:p>
-        </p:txBody>
-      </p:sp>
-      <p:sp>
-        <p:nvSpPr>
-          <p:cNvPr id="180" name="Google Shape;180;p34"/>
-          <p:cNvSpPr txBox="1"/>
-          <p:nvPr>
-            <p:ph idx="1" type="subTitle"/>
-          </p:nvPr>
-        </p:nvSpPr>
-        <p:spPr>
-          <a:xfrm>
-            <a:off x="506150" y="1375300"/>
-            <a:ext cx="4544100" cy="3259500"/>
-          </a:xfrm>
-          <a:prstGeom prst="rect">
-            <a:avLst/>
-          </a:prstGeom>
-        </p:spPr>
-        <p:txBody>
-          <a:bodyPr anchorCtr="0" anchor="t" bIns="91425" lIns="91425" spcFirstLastPara="1" rIns="91425" wrap="square" tIns="91425">
-            <a:noAutofit/>
-          </a:bodyPr>
-          <a:lstStyle/>
-          <a:p>
-            <a:pPr indent="0" lvl="0" marL="457200" rtl="0" algn="just">
-              <a:lnSpc>
-                <a:spcPct val="115000"/>
-              </a:lnSpc>
-              <a:spcBef>
-                <a:spcPts val="0"/>
-              </a:spcBef>
-              <a:spcAft>
-                <a:spcPts val="0"/>
-              </a:spcAft>
-              <a:buNone/>
-            </a:pPr>
-            <a:r>
-              <a:rPr i="1" lang="en" sz="1800">
-                <a:solidFill>
-                  <a:srgbClr val="FFFFFF"/>
-                </a:solidFill>
-              </a:rPr>
-              <a:t>Begin</a:t>
-            </a:r>
-            <a:endParaRPr i="1" sz="1800">
-              <a:solidFill>
-                <a:srgbClr val="FFFFFF"/>
-              </a:solidFill>
-            </a:endParaRPr>
-          </a:p>
-          <a:p>
-            <a:pPr indent="0" lvl="0" marL="457200" rtl="0" algn="just">
-              <a:lnSpc>
-                <a:spcPct val="115000"/>
-              </a:lnSpc>
-              <a:spcBef>
-                <a:spcPts val="0"/>
-              </a:spcBef>
-              <a:spcAft>
-                <a:spcPts val="0"/>
-              </a:spcAft>
-              <a:buNone/>
-            </a:pPr>
-            <a:r>
-              <a:rPr i="1" lang="en" sz="1800">
-                <a:solidFill>
-                  <a:srgbClr val="FFFFFF"/>
-                </a:solidFill>
-              </a:rPr>
-              <a:t>If page address is in whitelist</a:t>
-            </a:r>
-            <a:endParaRPr i="1" sz="1800">
-              <a:solidFill>
-                <a:srgbClr val="FFFFFF"/>
-              </a:solidFill>
-            </a:endParaRPr>
-          </a:p>
-          <a:p>
-            <a:pPr indent="0" lvl="0" marL="457200" rtl="0" algn="just">
-              <a:lnSpc>
-                <a:spcPct val="115000"/>
-              </a:lnSpc>
-              <a:spcBef>
-                <a:spcPts val="0"/>
-              </a:spcBef>
-              <a:spcAft>
-                <a:spcPts val="0"/>
-              </a:spcAft>
-              <a:buNone/>
-            </a:pPr>
-            <a:r>
-              <a:rPr i="1" lang="en" sz="1800">
-                <a:solidFill>
-                  <a:srgbClr val="FFFFFF"/>
-                </a:solidFill>
-              </a:rPr>
-              <a:t>	Send the GREEN signal</a:t>
-            </a:r>
-            <a:endParaRPr i="1" sz="1800">
-              <a:solidFill>
-                <a:srgbClr val="FFFFFF"/>
-              </a:solidFill>
-            </a:endParaRPr>
-          </a:p>
-          <a:p>
-            <a:pPr indent="0" lvl="0" marL="457200" rtl="0" algn="just">
-              <a:lnSpc>
-                <a:spcPct val="115000"/>
-              </a:lnSpc>
-              <a:spcBef>
-                <a:spcPts val="0"/>
-              </a:spcBef>
-              <a:spcAft>
-                <a:spcPts val="0"/>
-              </a:spcAft>
-              <a:buNone/>
-            </a:pPr>
-            <a:r>
-              <a:rPr i="1" lang="en" sz="1800">
-                <a:solidFill>
-                  <a:srgbClr val="FFFFFF"/>
-                </a:solidFill>
-              </a:rPr>
-              <a:t>Else</a:t>
-            </a:r>
-            <a:endParaRPr i="1" sz="1800">
-              <a:solidFill>
-                <a:srgbClr val="FFFFFF"/>
-              </a:solidFill>
-            </a:endParaRPr>
-          </a:p>
-          <a:p>
-            <a:pPr indent="0" lvl="0" marL="457200" rtl="0" algn="just">
-              <a:lnSpc>
-                <a:spcPct val="115000"/>
-              </a:lnSpc>
-              <a:spcBef>
-                <a:spcPts val="0"/>
-              </a:spcBef>
-              <a:spcAft>
-                <a:spcPts val="0"/>
-              </a:spcAft>
-              <a:buNone/>
-            </a:pPr>
-            <a:r>
-              <a:rPr i="1" lang="en" sz="1800">
-                <a:solidFill>
-                  <a:srgbClr val="FFFFFF"/>
-                </a:solidFill>
-              </a:rPr>
-              <a:t>	Send content to phish detector</a:t>
-            </a:r>
-            <a:endParaRPr i="1" sz="1800">
-              <a:solidFill>
-                <a:srgbClr val="FFFFFF"/>
-              </a:solidFill>
-            </a:endParaRPr>
-          </a:p>
-          <a:p>
-            <a:pPr indent="0" lvl="0" marL="457200" rtl="0" algn="just">
-              <a:lnSpc>
-                <a:spcPct val="115000"/>
-              </a:lnSpc>
-              <a:spcBef>
-                <a:spcPts val="0"/>
-              </a:spcBef>
-              <a:spcAft>
-                <a:spcPts val="0"/>
-              </a:spcAft>
-              <a:buNone/>
-            </a:pPr>
-            <a:r>
-              <a:rPr i="1" lang="en" sz="1800">
-                <a:solidFill>
-                  <a:srgbClr val="FFFFFF"/>
-                </a:solidFill>
-              </a:rPr>
-              <a:t>	Get results from phish detector</a:t>
-            </a:r>
-            <a:endParaRPr i="1" sz="1800">
-              <a:solidFill>
-                <a:srgbClr val="FFFFFF"/>
-              </a:solidFill>
-            </a:endParaRPr>
-          </a:p>
-          <a:p>
-            <a:pPr indent="0" lvl="0" marL="457200" rtl="0" algn="just">
-              <a:lnSpc>
-                <a:spcPct val="115000"/>
-              </a:lnSpc>
-              <a:spcBef>
-                <a:spcPts val="0"/>
-              </a:spcBef>
-              <a:spcAft>
-                <a:spcPts val="0"/>
-              </a:spcAft>
-              <a:buNone/>
-            </a:pPr>
-            <a:r>
-              <a:rPr i="1" lang="en" sz="1800">
-                <a:solidFill>
-                  <a:srgbClr val="FFFFFF"/>
-                </a:solidFill>
-              </a:rPr>
-              <a:t>	If phish is FALSE</a:t>
-            </a:r>
-            <a:endParaRPr i="1" sz="1800">
-              <a:solidFill>
-                <a:srgbClr val="FFFFFF"/>
-              </a:solidFill>
-            </a:endParaRPr>
-          </a:p>
-          <a:p>
-            <a:pPr indent="457200" lvl="0" marL="914400" rtl="0" algn="just">
-              <a:lnSpc>
-                <a:spcPct val="115000"/>
-              </a:lnSpc>
-              <a:spcBef>
-                <a:spcPts val="0"/>
-              </a:spcBef>
-              <a:spcAft>
-                <a:spcPts val="0"/>
-              </a:spcAft>
-              <a:buNone/>
-            </a:pPr>
-            <a:r>
-              <a:rPr i="1" lang="en" sz="1800">
-                <a:solidFill>
-                  <a:srgbClr val="FFFFFF"/>
-                </a:solidFill>
-              </a:rPr>
-              <a:t>Send the GREEN signal</a:t>
-            </a:r>
-            <a:endParaRPr i="1" sz="1800">
-              <a:solidFill>
-                <a:srgbClr val="FFFFFF"/>
-              </a:solidFill>
-            </a:endParaRPr>
-          </a:p>
-          <a:p>
-            <a:pPr indent="0" lvl="0" marL="457200" rtl="0" algn="just">
-              <a:lnSpc>
-                <a:spcPct val="115000"/>
-              </a:lnSpc>
-              <a:spcBef>
-                <a:spcPts val="0"/>
-              </a:spcBef>
-              <a:spcAft>
-                <a:spcPts val="0"/>
-              </a:spcAft>
-              <a:buNone/>
-            </a:pPr>
-            <a:r>
-              <a:t/>
-            </a:r>
-            <a:endParaRPr i="1" sz="1800">
-              <a:solidFill>
-                <a:srgbClr val="FFFFFF"/>
-              </a:solidFill>
-            </a:endParaRPr>
-          </a:p>
-        </p:txBody>
-      </p:sp>
-      <p:sp>
-        <p:nvSpPr>
-          <p:cNvPr id="181" name="Google Shape;181;p34"/>
-          <p:cNvSpPr txBox="1"/>
-          <p:nvPr>
-            <p:ph idx="1" type="subTitle"/>
-          </p:nvPr>
-        </p:nvSpPr>
-        <p:spPr>
-          <a:xfrm>
-            <a:off x="4525900" y="1449875"/>
-            <a:ext cx="4544100" cy="3259500"/>
-          </a:xfrm>
-          <a:prstGeom prst="rect">
-            <a:avLst/>
-          </a:prstGeom>
-        </p:spPr>
-        <p:txBody>
-          <a:bodyPr anchorCtr="0" anchor="t" bIns="91425" lIns="91425" spcFirstLastPara="1" rIns="91425" wrap="square" tIns="91425">
-            <a:noAutofit/>
-          </a:bodyPr>
-          <a:lstStyle/>
-          <a:p>
-            <a:pPr indent="0" lvl="0" marL="457200" rtl="0" algn="just">
-              <a:lnSpc>
-                <a:spcPct val="115000"/>
-              </a:lnSpc>
-              <a:spcBef>
-                <a:spcPts val="0"/>
-              </a:spcBef>
-              <a:spcAft>
-                <a:spcPts val="0"/>
-              </a:spcAft>
-              <a:buNone/>
-            </a:pPr>
-            <a:r>
-              <a:rPr i="1" lang="en" sz="1800">
-                <a:solidFill>
-                  <a:srgbClr val="FFFFFF"/>
-                </a:solidFill>
-              </a:rPr>
-              <a:t>Else</a:t>
-            </a:r>
-            <a:endParaRPr i="1" sz="1800">
-              <a:solidFill>
-                <a:srgbClr val="FFFFFF"/>
-              </a:solidFill>
-            </a:endParaRPr>
-          </a:p>
-          <a:p>
-            <a:pPr indent="0" lvl="0" marL="457200" rtl="0" algn="just">
-              <a:lnSpc>
-                <a:spcPct val="115000"/>
-              </a:lnSpc>
-              <a:spcBef>
-                <a:spcPts val="0"/>
-              </a:spcBef>
-              <a:spcAft>
-                <a:spcPts val="0"/>
-              </a:spcAft>
-              <a:buNone/>
-            </a:pPr>
-            <a:r>
-              <a:rPr i="1" lang="en" sz="1800">
-                <a:solidFill>
-                  <a:srgbClr val="FFFFFF"/>
-                </a:solidFill>
-              </a:rPr>
-              <a:t>	Send the RED signal</a:t>
-            </a:r>
-            <a:endParaRPr i="1" sz="1800">
-              <a:solidFill>
-                <a:srgbClr val="FFFFFF"/>
-              </a:solidFill>
-            </a:endParaRPr>
-          </a:p>
-          <a:p>
-            <a:pPr indent="457200" lvl="0" marL="457200" rtl="0" algn="just">
-              <a:lnSpc>
-                <a:spcPct val="115000"/>
-              </a:lnSpc>
-              <a:spcBef>
-                <a:spcPts val="0"/>
-              </a:spcBef>
-              <a:spcAft>
-                <a:spcPts val="0"/>
-              </a:spcAft>
-              <a:buNone/>
-            </a:pPr>
-            <a:r>
-              <a:rPr i="1" lang="en" sz="1800">
-                <a:solidFill>
-                  <a:srgbClr val="FFFFFF"/>
-                </a:solidFill>
-              </a:rPr>
-              <a:t>Send  content to target identifier</a:t>
-            </a:r>
-            <a:endParaRPr i="1" sz="1800">
-              <a:solidFill>
-                <a:srgbClr val="FFFFFF"/>
-              </a:solidFill>
-            </a:endParaRPr>
-          </a:p>
-          <a:p>
-            <a:pPr indent="0" lvl="0" marL="914400" rtl="0" algn="just">
-              <a:lnSpc>
-                <a:spcPct val="115000"/>
-              </a:lnSpc>
-              <a:spcBef>
-                <a:spcPts val="0"/>
-              </a:spcBef>
-              <a:spcAft>
-                <a:spcPts val="0"/>
-              </a:spcAft>
-              <a:buNone/>
-            </a:pPr>
-            <a:r>
-              <a:rPr i="1" lang="en" sz="1800">
-                <a:solidFill>
-                  <a:srgbClr val="FFFFFF"/>
-                </a:solidFill>
-              </a:rPr>
-              <a:t>If target is found</a:t>
-            </a:r>
-            <a:endParaRPr i="1" sz="1800">
-              <a:solidFill>
-                <a:srgbClr val="FFFFFF"/>
-              </a:solidFill>
-            </a:endParaRPr>
-          </a:p>
-          <a:p>
-            <a:pPr indent="0" lvl="0" marL="914400" rtl="0" algn="just">
-              <a:lnSpc>
-                <a:spcPct val="115000"/>
-              </a:lnSpc>
-              <a:spcBef>
-                <a:spcPts val="0"/>
-              </a:spcBef>
-              <a:spcAft>
-                <a:spcPts val="0"/>
-              </a:spcAft>
-              <a:buNone/>
-            </a:pPr>
-            <a:r>
-              <a:rPr i="1" lang="en" sz="1800">
-                <a:solidFill>
-                  <a:srgbClr val="FFFFFF"/>
-                </a:solidFill>
-              </a:rPr>
-              <a:t>	Publish target</a:t>
-            </a:r>
-            <a:endParaRPr i="1" sz="1800">
-              <a:solidFill>
-                <a:srgbClr val="FFFFFF"/>
-              </a:solidFill>
-            </a:endParaRPr>
-          </a:p>
-          <a:p>
-            <a:pPr indent="0" lvl="0" marL="914400" rtl="0" algn="just">
-              <a:lnSpc>
-                <a:spcPct val="115000"/>
-              </a:lnSpc>
-              <a:spcBef>
-                <a:spcPts val="0"/>
-              </a:spcBef>
-              <a:spcAft>
-                <a:spcPts val="0"/>
-              </a:spcAft>
-              <a:buNone/>
-            </a:pPr>
-            <a:r>
-              <a:rPr i="1" lang="en" sz="1800">
-                <a:solidFill>
-                  <a:srgbClr val="FFFFFF"/>
-                </a:solidFill>
-              </a:rPr>
-              <a:t>Else</a:t>
-            </a:r>
-            <a:endParaRPr i="1" sz="1800">
-              <a:solidFill>
-                <a:srgbClr val="FFFFFF"/>
-              </a:solidFill>
-            </a:endParaRPr>
-          </a:p>
-          <a:p>
-            <a:pPr indent="0" lvl="0" marL="914400" rtl="0" algn="just">
-              <a:lnSpc>
-                <a:spcPct val="115000"/>
-              </a:lnSpc>
-              <a:spcBef>
-                <a:spcPts val="0"/>
-              </a:spcBef>
-              <a:spcAft>
-                <a:spcPts val="0"/>
-              </a:spcAft>
-              <a:buNone/>
-            </a:pPr>
-            <a:r>
-              <a:rPr i="1" lang="en" sz="1800">
-                <a:solidFill>
-                  <a:srgbClr val="FFFFFF"/>
-                </a:solidFill>
-              </a:rPr>
-              <a:t>	No target matched</a:t>
-            </a:r>
-            <a:endParaRPr i="1" sz="1800">
-              <a:solidFill>
-                <a:srgbClr val="FFFFFF"/>
-              </a:solidFill>
-            </a:endParaRPr>
-          </a:p>
-          <a:p>
-            <a:pPr indent="0" lvl="0" marL="457200" rtl="0" algn="just">
-              <a:lnSpc>
-                <a:spcPct val="115000"/>
-              </a:lnSpc>
-              <a:spcBef>
-                <a:spcPts val="0"/>
-              </a:spcBef>
-              <a:spcAft>
-                <a:spcPts val="0"/>
-              </a:spcAft>
-              <a:buNone/>
-            </a:pPr>
-            <a:r>
-              <a:rPr i="1" lang="en" sz="1800">
-                <a:solidFill>
-                  <a:srgbClr val="FFFFFF"/>
-                </a:solidFill>
-              </a:rPr>
-              <a:t>End</a:t>
-            </a:r>
-            <a:endParaRPr i="1" sz="1800">
-              <a:solidFill>
-                <a:srgbClr val="FFFFFF"/>
-              </a:solidFill>
-            </a:endParaRPr>
-          </a:p>
-          <a:p>
-            <a:pPr indent="0" lvl="0" marL="457200" rtl="0" algn="just">
-              <a:lnSpc>
-                <a:spcPct val="115000"/>
-              </a:lnSpc>
-              <a:spcBef>
-                <a:spcPts val="0"/>
-              </a:spcBef>
-              <a:spcAft>
-                <a:spcPts val="0"/>
-              </a:spcAft>
-              <a:buNone/>
-            </a:pPr>
-            <a:r>
-              <a:t/>
-            </a:r>
-            <a:endParaRPr i="1" sz="1800">
-              <a:solidFill>
-                <a:srgbClr val="FFFFFF"/>
-              </a:solidFill>
-            </a:endParaRPr>
-          </a:p>
-          <a:p>
-            <a:pPr indent="0" lvl="0" marL="457200" rtl="0" algn="just">
-              <a:lnSpc>
-                <a:spcPct val="115000"/>
-              </a:lnSpc>
-              <a:spcBef>
-                <a:spcPts val="0"/>
-              </a:spcBef>
-              <a:spcAft>
-                <a:spcPts val="0"/>
-              </a:spcAft>
-              <a:buNone/>
-            </a:pPr>
-            <a:r>
-              <a:t/>
             </a:r>
             <a:endParaRPr i="1" sz="1800">
               <a:solidFill>
@@ -13697,7 +14517,7 @@
   <p:cSld>
     <p:spTree>
       <p:nvGrpSpPr>
-        <p:cNvPr id="185" name="Shape 185"/>
+        <p:cNvPr id="187" name="Shape 187"/>
         <p:cNvGrpSpPr/>
         <p:nvPr/>
       </p:nvGrpSpPr>
@@ -13709,9 +14529,37 @@
           <a:chExt cx="0" cy="0"/>
         </a:xfrm>
       </p:grpSpPr>
+      <p:pic>
+        <p:nvPicPr>
+          <p:cNvPr id="188" name="Google Shape;188;p35"/>
+          <p:cNvPicPr preferRelativeResize="0"/>
+          <p:nvPr/>
+        </p:nvPicPr>
+        <p:blipFill>
+          <a:blip r:embed="rId3">
+            <a:alphaModFix/>
+          </a:blip>
+          <a:stretch>
+            <a:fillRect/>
+          </a:stretch>
+        </p:blipFill>
+        <p:spPr>
+          <a:xfrm>
+            <a:off x="987875" y="1131788"/>
+            <a:ext cx="7168250" cy="3578725"/>
+          </a:xfrm>
+          <a:prstGeom prst="rect">
+            <a:avLst/>
+          </a:prstGeom>
+          <a:noFill/>
+          <a:ln>
+            <a:noFill/>
+          </a:ln>
+        </p:spPr>
+      </p:pic>
       <p:sp>
         <p:nvSpPr>
-          <p:cNvPr id="186" name="Google Shape;186;p35"/>
+          <p:cNvPr id="189" name="Google Shape;189;p35"/>
           <p:cNvSpPr txBox="1"/>
           <p:nvPr>
             <p:ph type="ctrTitle"/>
@@ -13719,8 +14567,8 @@
         </p:nvSpPr>
         <p:spPr>
           <a:xfrm>
-            <a:off x="2060275" y="382325"/>
-            <a:ext cx="4884600" cy="860700"/>
+            <a:off x="217025" y="471300"/>
+            <a:ext cx="8544900" cy="705000"/>
           </a:xfrm>
           <a:prstGeom prst="rect">
             <a:avLst/>
@@ -13750,222 +14598,9 @@
                   <a:srgbClr val="FFFFFF"/>
                 </a:solidFill>
               </a:rPr>
-              <a:t>PHISH DETECTOR</a:t>
+              <a:t>WEB BROWSER</a:t>
             </a:r>
             <a:endParaRPr sz="3000">
-              <a:solidFill>
-                <a:srgbClr val="FFFFFF"/>
-              </a:solidFill>
-            </a:endParaRPr>
-          </a:p>
-        </p:txBody>
-      </p:sp>
-      <p:sp>
-        <p:nvSpPr>
-          <p:cNvPr id="187" name="Google Shape;187;p35"/>
-          <p:cNvSpPr txBox="1"/>
-          <p:nvPr>
-            <p:ph idx="1" type="subTitle"/>
-          </p:nvPr>
-        </p:nvSpPr>
-        <p:spPr>
-          <a:xfrm>
-            <a:off x="1027500" y="1367525"/>
-            <a:ext cx="7089000" cy="3259500"/>
-          </a:xfrm>
-          <a:prstGeom prst="rect">
-            <a:avLst/>
-          </a:prstGeom>
-        </p:spPr>
-        <p:txBody>
-          <a:bodyPr anchorCtr="0" anchor="t" bIns="91425" lIns="91425" spcFirstLastPara="1" rIns="91425" wrap="square" tIns="91425">
-            <a:noAutofit/>
-          </a:bodyPr>
-          <a:lstStyle/>
-          <a:p>
-            <a:pPr indent="0" lvl="0" marL="457200" rtl="0" algn="just">
-              <a:lnSpc>
-                <a:spcPct val="115000"/>
-              </a:lnSpc>
-              <a:spcBef>
-                <a:spcPts val="0"/>
-              </a:spcBef>
-              <a:spcAft>
-                <a:spcPts val="0"/>
-              </a:spcAft>
-              <a:buNone/>
-            </a:pPr>
-            <a:r>
-              <a:rPr i="1" lang="en" sz="1800">
-                <a:solidFill>
-                  <a:srgbClr val="FFFFFF"/>
-                </a:solidFill>
-              </a:rPr>
-              <a:t>Begin</a:t>
-            </a:r>
-            <a:endParaRPr i="1" sz="1800">
-              <a:solidFill>
-                <a:srgbClr val="FFFFFF"/>
-              </a:solidFill>
-            </a:endParaRPr>
-          </a:p>
-          <a:p>
-            <a:pPr indent="0" lvl="0" marL="914400" rtl="0" algn="just">
-              <a:lnSpc>
-                <a:spcPct val="115000"/>
-              </a:lnSpc>
-              <a:spcBef>
-                <a:spcPts val="0"/>
-              </a:spcBef>
-              <a:spcAft>
-                <a:spcPts val="0"/>
-              </a:spcAft>
-              <a:buNone/>
-            </a:pPr>
-            <a:r>
-              <a:rPr i="1" lang="en" sz="1800">
-                <a:solidFill>
-                  <a:srgbClr val="FFFFFF"/>
-                </a:solidFill>
-              </a:rPr>
-              <a:t>For each page URL</a:t>
-            </a:r>
-            <a:endParaRPr i="1" sz="1800">
-              <a:solidFill>
-                <a:srgbClr val="FFFFFF"/>
-              </a:solidFill>
-            </a:endParaRPr>
-          </a:p>
-          <a:p>
-            <a:pPr indent="0" lvl="0" marL="914400" rtl="0" algn="just">
-              <a:lnSpc>
-                <a:spcPct val="115000"/>
-              </a:lnSpc>
-              <a:spcBef>
-                <a:spcPts val="0"/>
-              </a:spcBef>
-              <a:spcAft>
-                <a:spcPts val="0"/>
-              </a:spcAft>
-              <a:buNone/>
-            </a:pPr>
-            <a:r>
-              <a:rPr i="1" lang="en" sz="1800">
-                <a:solidFill>
-                  <a:srgbClr val="FFFFFF"/>
-                </a:solidFill>
-              </a:rPr>
-              <a:t>	Get the feature values for the URL</a:t>
-            </a:r>
-            <a:endParaRPr i="1" sz="1800">
-              <a:solidFill>
-                <a:srgbClr val="FFFFFF"/>
-              </a:solidFill>
-            </a:endParaRPr>
-          </a:p>
-          <a:p>
-            <a:pPr indent="0" lvl="0" marL="914400" rtl="0" algn="just">
-              <a:lnSpc>
-                <a:spcPct val="115000"/>
-              </a:lnSpc>
-              <a:spcBef>
-                <a:spcPts val="0"/>
-              </a:spcBef>
-              <a:spcAft>
-                <a:spcPts val="0"/>
-              </a:spcAft>
-              <a:buNone/>
-            </a:pPr>
-            <a:r>
-              <a:rPr i="1" lang="en" sz="1800">
-                <a:solidFill>
-                  <a:srgbClr val="FFFFFF"/>
-                </a:solidFill>
-              </a:rPr>
-              <a:t>	Load the saved model</a:t>
-            </a:r>
-            <a:endParaRPr i="1" sz="1800">
-              <a:solidFill>
-                <a:srgbClr val="FFFFFF"/>
-              </a:solidFill>
-            </a:endParaRPr>
-          </a:p>
-          <a:p>
-            <a:pPr indent="0" lvl="0" marL="914400" rtl="0" algn="just">
-              <a:lnSpc>
-                <a:spcPct val="115000"/>
-              </a:lnSpc>
-              <a:spcBef>
-                <a:spcPts val="0"/>
-              </a:spcBef>
-              <a:spcAft>
-                <a:spcPts val="0"/>
-              </a:spcAft>
-              <a:buNone/>
-            </a:pPr>
-            <a:r>
-              <a:rPr i="1" lang="en" sz="1800">
-                <a:solidFill>
-                  <a:srgbClr val="FFFFFF"/>
-                </a:solidFill>
-              </a:rPr>
-              <a:t>	Publish the result</a:t>
-            </a:r>
-            <a:endParaRPr i="1" sz="1800">
-              <a:solidFill>
-                <a:srgbClr val="FFFFFF"/>
-              </a:solidFill>
-            </a:endParaRPr>
-          </a:p>
-          <a:p>
-            <a:pPr indent="0" lvl="0" marL="914400" rtl="0" algn="just">
-              <a:lnSpc>
-                <a:spcPct val="115000"/>
-              </a:lnSpc>
-              <a:spcBef>
-                <a:spcPts val="0"/>
-              </a:spcBef>
-              <a:spcAft>
-                <a:spcPts val="0"/>
-              </a:spcAft>
-              <a:buNone/>
-            </a:pPr>
-            <a:r>
-              <a:rPr i="1" lang="en" sz="1800">
-                <a:solidFill>
-                  <a:srgbClr val="FFFFFF"/>
-                </a:solidFill>
-              </a:rPr>
-              <a:t>Done</a:t>
-            </a:r>
-            <a:endParaRPr i="1" sz="1800">
-              <a:solidFill>
-                <a:srgbClr val="FFFFFF"/>
-              </a:solidFill>
-            </a:endParaRPr>
-          </a:p>
-          <a:p>
-            <a:pPr indent="0" lvl="0" marL="457200" rtl="0" algn="just">
-              <a:lnSpc>
-                <a:spcPct val="115000"/>
-              </a:lnSpc>
-              <a:spcBef>
-                <a:spcPts val="0"/>
-              </a:spcBef>
-              <a:spcAft>
-                <a:spcPts val="0"/>
-              </a:spcAft>
-              <a:buNone/>
-            </a:pPr>
-            <a:r>
-              <a:rPr i="1" lang="en" sz="1800">
-                <a:solidFill>
-                  <a:srgbClr val="FFFFFF"/>
-                </a:solidFill>
-              </a:rPr>
-              <a:t>End</a:t>
-            </a:r>
-            <a:endParaRPr i="1" sz="1800">
               <a:solidFill>
                 <a:srgbClr val="FFFFFF"/>
               </a:solidFill>
@@ -13986,7 +14621,7 @@
   <p:cSld>
     <p:spTree>
       <p:nvGrpSpPr>
-        <p:cNvPr id="191" name="Shape 191"/>
+        <p:cNvPr id="193" name="Shape 193"/>
         <p:cNvGrpSpPr/>
         <p:nvPr/>
       </p:nvGrpSpPr>
@@ -14000,7 +14635,7 @@
       </p:grpSpPr>
       <p:sp>
         <p:nvSpPr>
-          <p:cNvPr id="192" name="Google Shape;192;p36"/>
+          <p:cNvPr id="194" name="Google Shape;194;p36"/>
           <p:cNvSpPr txBox="1"/>
           <p:nvPr>
             <p:ph type="ctrTitle"/>
@@ -14008,7 +14643,7 @@
         </p:nvSpPr>
         <p:spPr>
           <a:xfrm>
-            <a:off x="2060275" y="382325"/>
+            <a:off x="2060275" y="252325"/>
             <a:ext cx="4884600" cy="860700"/>
           </a:xfrm>
           <a:prstGeom prst="rect">
@@ -14039,7 +14674,7 @@
                   <a:srgbClr val="FFFFFF"/>
                 </a:solidFill>
               </a:rPr>
-              <a:t>TARGET IDENTIFIER</a:t>
+              <a:t>OUTPUT UI</a:t>
             </a:r>
             <a:endParaRPr sz="3000">
               <a:solidFill>
@@ -14051,7 +14686,7 @@
       </p:sp>
       <p:sp>
         <p:nvSpPr>
-          <p:cNvPr id="193" name="Google Shape;193;p36"/>
+          <p:cNvPr id="195" name="Google Shape;195;p36"/>
           <p:cNvSpPr txBox="1"/>
           <p:nvPr>
             <p:ph idx="1" type="subTitle"/>
@@ -14059,7 +14694,7 @@
         </p:nvSpPr>
         <p:spPr>
           <a:xfrm>
-            <a:off x="1027500" y="1367525"/>
+            <a:off x="1027500" y="1001900"/>
             <a:ext cx="7089000" cy="3259500"/>
           </a:xfrm>
           <a:prstGeom prst="rect">
@@ -14085,14 +14720,14 @@
               <a:buNone/>
             </a:pPr>
             <a:r>
-              <a:rPr i="1" lang="en" sz="1800">
+              <a:rPr i="1" lang="en" sz="1700">
                 <a:solidFill>
                   <a:srgbClr val="FFFFFF"/>
                 </a:solidFill>
               </a:rPr>
               <a:t>Begin</a:t>
             </a:r>
-            <a:endParaRPr i="1" sz="1800">
+            <a:endParaRPr i="1" sz="1700">
               <a:solidFill>
                 <a:srgbClr val="FFFFFF"/>
               </a:solidFill>
@@ -14112,14 +14747,14 @@
               <a:buNone/>
             </a:pPr>
             <a:r>
-              <a:rPr i="1" lang="en" sz="1800">
+              <a:rPr i="1" lang="en" sz="1700">
                 <a:solidFill>
                   <a:srgbClr val="FFFFFF"/>
                 </a:solidFill>
               </a:rPr>
-              <a:t>	Get the hash value for page content </a:t>
-            </a:r>
-            <a:endParaRPr i="1" sz="1800">
+              <a:t>	If site is phish</a:t>
+            </a:r>
+            <a:endParaRPr i="1" sz="1700">
               <a:solidFill>
                 <a:srgbClr val="FFFFFF"/>
               </a:solidFill>
@@ -14139,14 +14774,14 @@
               <a:buNone/>
             </a:pPr>
             <a:r>
-              <a:rPr i="1" lang="en" sz="1800">
+              <a:rPr i="1" lang="en" sz="1700">
                 <a:solidFill>
                   <a:srgbClr val="FFFFFF"/>
                 </a:solidFill>
               </a:rPr>
-              <a:t>	Compare with values in hash list</a:t>
-            </a:r>
-            <a:endParaRPr i="1" sz="1800">
+              <a:t>		Change icon to red</a:t>
+            </a:r>
+            <a:endParaRPr i="1" sz="1700">
               <a:solidFill>
                 <a:srgbClr val="FFFFFF"/>
               </a:solidFill>
@@ -14166,14 +14801,203 @@
               <a:buNone/>
             </a:pPr>
             <a:r>
-              <a:rPr i="1" lang="en" sz="1800">
+              <a:rPr i="1" lang="en" sz="1700">
                 <a:solidFill>
                   <a:srgbClr val="FFFFFF"/>
                 </a:solidFill>
               </a:rPr>
-              <a:t>	If match</a:t>
-            </a:r>
-            <a:endParaRPr i="1" sz="1800">
+              <a:t>		Display warning message</a:t>
+            </a:r>
+            <a:endParaRPr i="1" sz="1700">
+              <a:solidFill>
+                <a:srgbClr val="FFFFFF"/>
+              </a:solidFill>
+            </a:endParaRPr>
+          </a:p>
+          <a:p>
+            <a:pPr indent="0" lvl="0" marL="914400" rtl="0" algn="just">
+              <a:lnSpc>
+                <a:spcPct val="115000"/>
+              </a:lnSpc>
+              <a:spcBef>
+                <a:spcPts val="0"/>
+              </a:spcBef>
+              <a:spcAft>
+                <a:spcPts val="0"/>
+              </a:spcAft>
+              <a:buNone/>
+            </a:pPr>
+            <a:r>
+              <a:rPr i="1" lang="en" sz="1700">
+                <a:solidFill>
+                  <a:srgbClr val="FFFFFF"/>
+                </a:solidFill>
+              </a:rPr>
+              <a:t>	If site has target</a:t>
+            </a:r>
+            <a:endParaRPr i="1" sz="1700">
+              <a:solidFill>
+                <a:srgbClr val="FFFFFF"/>
+              </a:solidFill>
+            </a:endParaRPr>
+          </a:p>
+          <a:p>
+            <a:pPr indent="0" lvl="0" marL="914400" rtl="0" algn="just">
+              <a:lnSpc>
+                <a:spcPct val="115000"/>
+              </a:lnSpc>
+              <a:spcBef>
+                <a:spcPts val="0"/>
+              </a:spcBef>
+              <a:spcAft>
+                <a:spcPts val="0"/>
+              </a:spcAft>
+              <a:buNone/>
+            </a:pPr>
+            <a:r>
+              <a:rPr i="1" lang="en" sz="1700">
+                <a:solidFill>
+                  <a:srgbClr val="FFFFFF"/>
+                </a:solidFill>
+              </a:rPr>
+              <a:t>		Display target link</a:t>
+            </a:r>
+            <a:endParaRPr i="1" sz="1700">
+              <a:solidFill>
+                <a:srgbClr val="FFFFFF"/>
+              </a:solidFill>
+            </a:endParaRPr>
+          </a:p>
+          <a:p>
+            <a:pPr indent="0" lvl="0" marL="914400" rtl="0" algn="just">
+              <a:lnSpc>
+                <a:spcPct val="115000"/>
+              </a:lnSpc>
+              <a:spcBef>
+                <a:spcPts val="0"/>
+              </a:spcBef>
+              <a:spcAft>
+                <a:spcPts val="0"/>
+              </a:spcAft>
+              <a:buNone/>
+            </a:pPr>
+            <a:r>
+              <a:rPr i="1" lang="en" sz="1700">
+                <a:solidFill>
+                  <a:srgbClr val="FFFFFF"/>
+                </a:solidFill>
+              </a:rPr>
+              <a:t>	Else</a:t>
+            </a:r>
+            <a:endParaRPr i="1" sz="1700">
+              <a:solidFill>
+                <a:srgbClr val="FFFFFF"/>
+              </a:solidFill>
+            </a:endParaRPr>
+          </a:p>
+          <a:p>
+            <a:pPr indent="0" lvl="0" marL="914400" rtl="0" algn="just">
+              <a:lnSpc>
+                <a:spcPct val="115000"/>
+              </a:lnSpc>
+              <a:spcBef>
+                <a:spcPts val="0"/>
+              </a:spcBef>
+              <a:spcAft>
+                <a:spcPts val="0"/>
+              </a:spcAft>
+              <a:buNone/>
+            </a:pPr>
+            <a:r>
+              <a:rPr i="1" lang="en" sz="1700">
+                <a:solidFill>
+                  <a:srgbClr val="FFFFFF"/>
+                </a:solidFill>
+              </a:rPr>
+              <a:t>		Display no target</a:t>
+            </a:r>
+            <a:endParaRPr i="1" sz="1700">
+              <a:solidFill>
+                <a:srgbClr val="FFFFFF"/>
+              </a:solidFill>
+            </a:endParaRPr>
+          </a:p>
+          <a:p>
+            <a:pPr indent="0" lvl="0" marL="914400" rtl="0" algn="just">
+              <a:lnSpc>
+                <a:spcPct val="115000"/>
+              </a:lnSpc>
+              <a:spcBef>
+                <a:spcPts val="0"/>
+              </a:spcBef>
+              <a:spcAft>
+                <a:spcPts val="0"/>
+              </a:spcAft>
+              <a:buNone/>
+            </a:pPr>
+            <a:r>
+              <a:rPr i="1" lang="en" sz="1700">
+                <a:solidFill>
+                  <a:srgbClr val="FFFFFF"/>
+                </a:solidFill>
+              </a:rPr>
+              <a:t>Else</a:t>
+            </a:r>
+            <a:endParaRPr i="1" sz="1700">
+              <a:solidFill>
+                <a:srgbClr val="FFFFFF"/>
+              </a:solidFill>
+            </a:endParaRPr>
+          </a:p>
+          <a:p>
+            <a:pPr indent="0" lvl="0" marL="914400" rtl="0" algn="just">
+              <a:lnSpc>
+                <a:spcPct val="115000"/>
+              </a:lnSpc>
+              <a:spcBef>
+                <a:spcPts val="0"/>
+              </a:spcBef>
+              <a:spcAft>
+                <a:spcPts val="0"/>
+              </a:spcAft>
+              <a:buNone/>
+            </a:pPr>
+            <a:r>
+              <a:rPr i="1" lang="en" sz="1700">
+                <a:solidFill>
+                  <a:srgbClr val="FFFFFF"/>
+                </a:solidFill>
+              </a:rPr>
+              <a:t>	Change icon to green</a:t>
+            </a:r>
+            <a:endParaRPr i="1" sz="1700">
+              <a:solidFill>
+                <a:srgbClr val="FFFFFF"/>
+              </a:solidFill>
+            </a:endParaRPr>
+          </a:p>
+          <a:p>
+            <a:pPr indent="0" lvl="0" marL="914400" rtl="0" algn="just">
+              <a:lnSpc>
+                <a:spcPct val="115000"/>
+              </a:lnSpc>
+              <a:spcBef>
+                <a:spcPts val="0"/>
+              </a:spcBef>
+              <a:spcAft>
+                <a:spcPts val="0"/>
+              </a:spcAft>
+              <a:buNone/>
+            </a:pPr>
+            <a:r>
+              <a:rPr i="1" lang="en" sz="1700">
+                <a:solidFill>
+                  <a:srgbClr val="FFFFFF"/>
+                </a:solidFill>
+              </a:rPr>
+              <a:t>	Display safe to proceed message</a:t>
+            </a:r>
+            <a:endParaRPr i="1" sz="1700">
               <a:solidFill>
                 <a:srgbClr val="FFFFFF"/>
               </a:solidFill>
@@ -14193,14 +15017,14 @@
               <a:buNone/>
             </a:pPr>
             <a:r>
-              <a:rPr i="1" lang="en" sz="1800">
+              <a:rPr i="1" lang="en" sz="1700">
                 <a:solidFill>
                   <a:srgbClr val="FFFFFF"/>
                 </a:solidFill>
               </a:rPr>
-              <a:t>		Display target</a:t>
-            </a:r>
-            <a:endParaRPr i="1" sz="1800">
+              <a:t>End</a:t>
+            </a:r>
+            <a:endParaRPr i="1" sz="1700">
               <a:solidFill>
                 <a:srgbClr val="FFFFFF"/>
               </a:solidFill>
@@ -14220,14 +15044,9 @@
               <a:buNone/>
             </a:pPr>
             <a:r>
-              <a:rPr i="1" lang="en" sz="1800">
-                <a:solidFill>
-                  <a:srgbClr val="FFFFFF"/>
-                </a:solidFill>
-              </a:rPr>
-              <a:t>	Else</a:t>
-            </a:r>
-            <a:endParaRPr i="1" sz="1800">
+              <a:t/>
+            </a:r>
+            <a:endParaRPr i="1" sz="1700">
               <a:solidFill>
                 <a:srgbClr val="FFFFFF"/>
               </a:solidFill>
@@ -14247,41 +15066,9 @@
               <a:buNone/>
             </a:pPr>
             <a:r>
-              <a:rPr i="1" lang="en" sz="1800">
-                <a:solidFill>
-                  <a:srgbClr val="FFFFFF"/>
-                </a:solidFill>
-              </a:rPr>
-              <a:t>		No target found</a:t>
-            </a:r>
-            <a:endParaRPr i="1" sz="1800">
-              <a:solidFill>
-                <a:srgbClr val="FFFFFF"/>
-              </a:solidFill>
-            </a:endParaRPr>
-          </a:p>
-          <a:p>
-            <a:pPr indent="0" lvl="0" marL="457200" rtl="0" algn="just">
-              <a:lnSpc>
-                <a:spcPct val="115000"/>
-              </a:lnSpc>
-              <a:spcBef>
-                <a:spcPts val="0"/>
-              </a:spcBef>
-              <a:spcAft>
-                <a:spcPts val="0"/>
-              </a:spcAft>
-              <a:buNone/>
-            </a:pPr>
-            <a:r>
-              <a:rPr i="1" lang="en" sz="1800">
-                <a:solidFill>
-                  <a:srgbClr val="FFFFFF"/>
-                </a:solidFill>
-              </a:rPr>
-              <a:t>End</a:t>
-            </a:r>
-            <a:endParaRPr i="1" sz="1800">
+              <a:t/>
+            </a:r>
+            <a:endParaRPr i="1" sz="1700">
               <a:solidFill>
                 <a:srgbClr val="FFFFFF"/>
               </a:solidFill>
@@ -14302,7 +15089,7 @@
   <p:cSld>
     <p:spTree>
       <p:nvGrpSpPr>
-        <p:cNvPr id="197" name="Shape 197"/>
+        <p:cNvPr id="199" name="Shape 199"/>
         <p:cNvGrpSpPr/>
         <p:nvPr/>
       </p:nvGrpSpPr>
@@ -14316,7 +15103,7 @@
       </p:grpSpPr>
       <p:sp>
         <p:nvSpPr>
-          <p:cNvPr id="198" name="Google Shape;198;p37"/>
+          <p:cNvPr id="200" name="Google Shape;200;p37"/>
           <p:cNvSpPr txBox="1"/>
           <p:nvPr>
             <p:ph type="ctrTitle"/>
@@ -14367,7 +15154,7 @@
       </p:sp>
       <p:sp>
         <p:nvSpPr>
-          <p:cNvPr id="199" name="Google Shape;199;p37"/>
+          <p:cNvPr id="201" name="Google Shape;201;p37"/>
           <p:cNvSpPr txBox="1"/>
           <p:nvPr>
             <p:ph idx="1" type="subTitle"/>
@@ -14464,7 +15251,7 @@
   <p:cSld>
     <p:spTree>
       <p:nvGrpSpPr>
-        <p:cNvPr id="203" name="Shape 203"/>
+        <p:cNvPr id="205" name="Shape 205"/>
         <p:cNvGrpSpPr/>
         <p:nvPr/>
       </p:nvGrpSpPr>
@@ -14478,7 +15265,7 @@
       </p:grpSpPr>
       <p:sp>
         <p:nvSpPr>
-          <p:cNvPr id="204" name="Google Shape;204;p38"/>
+          <p:cNvPr id="206" name="Google Shape;206;p38"/>
           <p:cNvSpPr txBox="1"/>
           <p:nvPr>
             <p:ph type="ctrTitle"/>
@@ -14529,7 +15316,7 @@
       </p:sp>
       <p:pic>
         <p:nvPicPr>
-          <p:cNvPr id="205" name="Google Shape;205;p38"/>
+          <p:cNvPr id="207" name="Google Shape;207;p38"/>
           <p:cNvPicPr preferRelativeResize="0"/>
           <p:nvPr/>
         </p:nvPicPr>
@@ -14568,7 +15355,7 @@
   <p:cSld>
     <p:spTree>
       <p:nvGrpSpPr>
-        <p:cNvPr id="209" name="Shape 209"/>
+        <p:cNvPr id="211" name="Shape 211"/>
         <p:cNvGrpSpPr/>
         <p:nvPr/>
       </p:nvGrpSpPr>
@@ -14582,7 +15369,7 @@
       </p:grpSpPr>
       <p:sp>
         <p:nvSpPr>
-          <p:cNvPr id="210" name="Google Shape;210;p39"/>
+          <p:cNvPr id="212" name="Google Shape;212;p39"/>
           <p:cNvSpPr txBox="1"/>
           <p:nvPr>
             <p:ph type="ctrTitle"/>
@@ -14633,7 +15420,7 @@
       </p:sp>
       <p:sp>
         <p:nvSpPr>
-          <p:cNvPr id="211" name="Google Shape;211;p39"/>
+          <p:cNvPr id="213" name="Google Shape;213;p39"/>
           <p:cNvSpPr txBox="1"/>
           <p:nvPr>
             <p:ph idx="1" type="subTitle"/>
@@ -14825,7 +15612,7 @@
   <p:cSld>
     <p:spTree>
       <p:nvGrpSpPr>
-        <p:cNvPr id="215" name="Shape 215"/>
+        <p:cNvPr id="217" name="Shape 217"/>
         <p:cNvGrpSpPr/>
         <p:nvPr/>
       </p:nvGrpSpPr>
@@ -14839,7 +15626,7 @@
       </p:grpSpPr>
       <p:sp>
         <p:nvSpPr>
-          <p:cNvPr id="216" name="Google Shape;216;p40"/>
+          <p:cNvPr id="218" name="Google Shape;218;p40"/>
           <p:cNvSpPr txBox="1"/>
           <p:nvPr>
             <p:ph type="ctrTitle"/>
@@ -14898,7 +15685,7 @@
       </p:sp>
       <p:pic>
         <p:nvPicPr>
-          <p:cNvPr id="217" name="Google Shape;217;p40"/>
+          <p:cNvPr id="219" name="Google Shape;219;p40"/>
           <p:cNvPicPr preferRelativeResize="0"/>
           <p:nvPr/>
         </p:nvPicPr>
@@ -14936,7 +15723,7 @@
   <p:cSld>
     <p:spTree>
       <p:nvGrpSpPr>
-        <p:cNvPr id="221" name="Shape 221"/>
+        <p:cNvPr id="223" name="Shape 223"/>
         <p:cNvGrpSpPr/>
         <p:nvPr/>
       </p:nvGrpSpPr>
@@ -14950,7 +15737,7 @@
       </p:grpSpPr>
       <p:sp>
         <p:nvSpPr>
-          <p:cNvPr id="222" name="Google Shape;222;p41"/>
+          <p:cNvPr id="224" name="Google Shape;224;p41"/>
           <p:cNvSpPr txBox="1"/>
           <p:nvPr>
             <p:ph type="ctrTitle"/>
@@ -15009,7 +15796,7 @@
       </p:sp>
       <p:sp>
         <p:nvSpPr>
-          <p:cNvPr id="223" name="Google Shape;223;p41"/>
+          <p:cNvPr id="225" name="Google Shape;225;p41"/>
           <p:cNvSpPr txBox="1"/>
           <p:nvPr>
             <p:ph idx="1" type="subTitle"/>
@@ -15492,7 +16279,7 @@
   <p:cSld>
     <p:spTree>
       <p:nvGrpSpPr>
-        <p:cNvPr id="227" name="Shape 227"/>
+        <p:cNvPr id="229" name="Shape 229"/>
         <p:cNvGrpSpPr/>
         <p:nvPr/>
       </p:nvGrpSpPr>
@@ -15506,7 +16293,7 @@
       </p:grpSpPr>
       <p:sp>
         <p:nvSpPr>
-          <p:cNvPr id="228" name="Google Shape;228;p42"/>
+          <p:cNvPr id="230" name="Google Shape;230;p42"/>
           <p:cNvSpPr txBox="1"/>
           <p:nvPr>
             <p:ph type="ctrTitle"/>
@@ -15557,7 +16344,7 @@
       </p:sp>
       <p:sp>
         <p:nvSpPr>
-          <p:cNvPr id="229" name="Google Shape;229;p42"/>
+          <p:cNvPr id="231" name="Google Shape;231;p42"/>
           <p:cNvSpPr txBox="1"/>
           <p:nvPr>
             <p:ph idx="1" type="subTitle"/>
@@ -15565,8 +16352,8 @@
         </p:nvSpPr>
         <p:spPr>
           <a:xfrm>
-            <a:off x="2409300" y="1462800"/>
-            <a:ext cx="4325400" cy="2217900"/>
+            <a:off x="721900" y="1462800"/>
+            <a:ext cx="7952100" cy="3195600"/>
           </a:xfrm>
           <a:prstGeom prst="rect">
             <a:avLst/>
@@ -15609,6 +16396,33 @@
             </a:endParaRPr>
           </a:p>
           <a:p>
+            <a:pPr indent="0" lvl="0" marL="0" rtl="0" algn="just">
+              <a:lnSpc>
+                <a:spcPct val="115000"/>
+              </a:lnSpc>
+              <a:spcBef>
+                <a:spcPts val="0"/>
+              </a:spcBef>
+              <a:spcAft>
+                <a:spcPts val="0"/>
+              </a:spcAft>
+              <a:buNone/>
+            </a:pPr>
+            <a:r>
+              <a:rPr lang="en" sz="1800">
+                <a:solidFill>
+                  <a:srgbClr val="FFFFFF"/>
+                </a:solidFill>
+              </a:rPr>
+              <a:t>Accuracy = (TP+TN)/(TP+TN+FP+FN)</a:t>
+            </a:r>
+            <a:endParaRPr sz="1800">
+              <a:solidFill>
+                <a:srgbClr val="FFFFFF"/>
+              </a:solidFill>
+            </a:endParaRPr>
+          </a:p>
+          <a:p>
             <a:pPr indent="-342900" lvl="0" marL="457200" rtl="0" algn="just">
               <a:lnSpc>
                 <a:spcPct val="115000"/>
@@ -15640,6 +16454,33 @@
             </a:endParaRPr>
           </a:p>
           <a:p>
+            <a:pPr indent="0" lvl="0" marL="0" rtl="0" algn="just">
+              <a:lnSpc>
+                <a:spcPct val="115000"/>
+              </a:lnSpc>
+              <a:spcBef>
+                <a:spcPts val="0"/>
+              </a:spcBef>
+              <a:spcAft>
+                <a:spcPts val="0"/>
+              </a:spcAft>
+              <a:buNone/>
+            </a:pPr>
+            <a:r>
+              <a:rPr lang="en" sz="1800">
+                <a:solidFill>
+                  <a:schemeClr val="dk1"/>
+                </a:solidFill>
+              </a:rPr>
+              <a:t>Detection Ratio = (TP)/(TP+TN+FP+FN)</a:t>
+            </a:r>
+            <a:endParaRPr sz="1800">
+              <a:solidFill>
+                <a:srgbClr val="FFFFFF"/>
+              </a:solidFill>
+            </a:endParaRPr>
+          </a:p>
+          <a:p>
             <a:pPr indent="-342900" lvl="0" marL="457200" rtl="0" algn="just">
               <a:lnSpc>
                 <a:spcPct val="115000"/>
@@ -15671,6 +16512,41 @@
             </a:endParaRPr>
           </a:p>
           <a:p>
+            <a:pPr indent="0" lvl="0" marL="0" rtl="0" algn="just">
+              <a:lnSpc>
+                <a:spcPct val="115000"/>
+              </a:lnSpc>
+              <a:spcBef>
+                <a:spcPts val="0"/>
+              </a:spcBef>
+              <a:spcAft>
+                <a:spcPts val="0"/>
+              </a:spcAft>
+              <a:buNone/>
+            </a:pPr>
+            <a:r>
+              <a:rPr lang="en" sz="1800">
+                <a:solidFill>
+                  <a:schemeClr val="dk1"/>
+                </a:solidFill>
+              </a:rPr>
+              <a:t>Current total memory usage = </a:t>
+            </a:r>
+            <a:r>
+              <a:rPr lang="en" sz="1800">
+                <a:solidFill>
+                  <a:srgbClr val="FFFFFF"/>
+                </a:solidFill>
+              </a:rPr>
+              <a:t>Total Memory - (Free + Buffers + Cached)</a:t>
+            </a:r>
+            <a:endParaRPr sz="1800">
+              <a:solidFill>
+                <a:srgbClr val="FFFFFF"/>
+              </a:solidFill>
+            </a:endParaRPr>
+          </a:p>
+          <a:p>
             <a:pPr indent="-342900" lvl="0" marL="457200" rtl="0" algn="just">
               <a:lnSpc>
                 <a:spcPct val="115000"/>
@@ -15702,6 +16578,33 @@
             </a:endParaRPr>
           </a:p>
           <a:p>
+            <a:pPr indent="0" lvl="0" marL="0" rtl="0" algn="just">
+              <a:lnSpc>
+                <a:spcPct val="115000"/>
+              </a:lnSpc>
+              <a:spcBef>
+                <a:spcPts val="0"/>
+              </a:spcBef>
+              <a:spcAft>
+                <a:spcPts val="0"/>
+              </a:spcAft>
+              <a:buNone/>
+            </a:pPr>
+            <a:r>
+              <a:rPr lang="en" sz="1800">
+                <a:solidFill>
+                  <a:schemeClr val="dk1"/>
+                </a:solidFill>
+              </a:rPr>
+              <a:t>Rendering Time = End time - Start time</a:t>
+            </a:r>
+            <a:endParaRPr sz="1800">
+              <a:solidFill>
+                <a:srgbClr val="FFFFFF"/>
+              </a:solidFill>
+            </a:endParaRPr>
+          </a:p>
+          <a:p>
             <a:pPr indent="-342900" lvl="0" marL="457200" rtl="0" algn="just">
               <a:lnSpc>
                 <a:spcPct val="115000"/>
@@ -15725,6 +16628,33 @@
                 </a:solidFill>
               </a:rPr>
               <a:t>Temporal resilience accuracy</a:t>
+            </a:r>
+            <a:endParaRPr sz="1800">
+              <a:solidFill>
+                <a:srgbClr val="FFFFFF"/>
+              </a:solidFill>
+            </a:endParaRPr>
+          </a:p>
+          <a:p>
+            <a:pPr indent="0" lvl="0" marL="0" rtl="0" algn="just">
+              <a:lnSpc>
+                <a:spcPct val="115000"/>
+              </a:lnSpc>
+              <a:spcBef>
+                <a:spcPts val="0"/>
+              </a:spcBef>
+              <a:spcAft>
+                <a:spcPts val="0"/>
+              </a:spcAft>
+              <a:buNone/>
+            </a:pPr>
+            <a:r>
+              <a:rPr lang="en" sz="1800">
+                <a:solidFill>
+                  <a:schemeClr val="dk1"/>
+                </a:solidFill>
+              </a:rPr>
+              <a:t>Accuracy = (TP+TN)/(TP+TN+FP+FN)</a:t>
             </a:r>
             <a:endParaRPr sz="1800">
               <a:solidFill>
@@ -15747,7 +16677,7 @@
   <p:cSld>
     <p:spTree>
       <p:nvGrpSpPr>
-        <p:cNvPr id="233" name="Shape 233"/>
+        <p:cNvPr id="235" name="Shape 235"/>
         <p:cNvGrpSpPr/>
         <p:nvPr/>
       </p:nvGrpSpPr>
@@ -15761,7 +16691,7 @@
       </p:grpSpPr>
       <p:sp>
         <p:nvSpPr>
-          <p:cNvPr id="234" name="Google Shape;234;p43"/>
+          <p:cNvPr id="236" name="Google Shape;236;p43"/>
           <p:cNvSpPr txBox="1"/>
           <p:nvPr>
             <p:ph type="ctrTitle"/>
@@ -15812,7 +16742,7 @@
       </p:sp>
       <p:sp>
         <p:nvSpPr>
-          <p:cNvPr id="235" name="Google Shape;235;p43"/>
+          <p:cNvPr id="237" name="Google Shape;237;p43"/>
           <p:cNvSpPr txBox="1"/>
           <p:nvPr>
             <p:ph idx="1" type="subTitle"/>
@@ -16397,6 +17327,37 @@
                 </a:solidFill>
               </a:rPr>
               <a:t>Previous work by Samuel Marchal, Giovanni Armano, Tommi Grondahl, Kalle Saari, Nidhi Singh, and N. Asokan </a:t>
+            </a:r>
+            <a:endParaRPr sz="1800">
+              <a:solidFill>
+                <a:srgbClr val="FFFFFF"/>
+              </a:solidFill>
+            </a:endParaRPr>
+          </a:p>
+          <a:p>
+            <a:pPr indent="-342900" lvl="0" marL="457200" rtl="0" algn="just">
+              <a:lnSpc>
+                <a:spcPct val="115000"/>
+              </a:lnSpc>
+              <a:spcBef>
+                <a:spcPts val="0"/>
+              </a:spcBef>
+              <a:spcAft>
+                <a:spcPts val="0"/>
+              </a:spcAft>
+              <a:buClr>
+                <a:srgbClr val="FFFFFF"/>
+              </a:buClr>
+              <a:buSzPts val="1800"/>
+              <a:buChar char="●"/>
+            </a:pPr>
+            <a:r>
+              <a:rPr lang="en" sz="1800">
+                <a:solidFill>
+                  <a:srgbClr val="FFFFFF"/>
+                </a:solidFill>
+              </a:rPr>
+              <a:t>IEEE Trans. Comput., vol. 66, no. 10, pp. 1717-1733, Oct. 2017</a:t>
             </a:r>
             <a:endParaRPr sz="1800">
               <a:solidFill>

--- a/mail these/first/FYP First.pptx
+++ b/mail these/first/FYP First.pptx
@@ -39,6 +39,8 @@
     <p:sldId id="284" r:id="rId35"/>
     <p:sldId id="285" r:id="rId36"/>
     <p:sldId id="286" r:id="rId37"/>
+    <p:sldId id="287" r:id="rId38"/>
+    <p:sldId id="288" r:id="rId39"/>
   </p:sldIdLst>
   <p:sldSz cy="5143500" cx="9144000"/>
   <p:notesSz cx="6858000" cy="9144000"/>
@@ -2022,7 +2024,7 @@
       </p:grpSpPr>
       <p:sp>
         <p:nvSpPr>
-          <p:cNvPr id="173" name="Google Shape;173;g6d41a4ce98_0_6:notes"/>
+          <p:cNvPr id="173" name="Google Shape;173;g6d4a9d55ca_0_0:notes"/>
           <p:cNvSpPr/>
           <p:nvPr>
             <p:ph idx="2" type="sldImg"/>
@@ -2057,7 +2059,7 @@
       </p:sp>
       <p:sp>
         <p:nvSpPr>
-          <p:cNvPr id="174" name="Google Shape;174;g6d41a4ce98_0_6:notes"/>
+          <p:cNvPr id="174" name="Google Shape;174;g6d4a9d55ca_0_0:notes"/>
           <p:cNvSpPr txBox="1"/>
           <p:nvPr>
             <p:ph idx="1" type="body"/>
@@ -2121,7 +2123,7 @@
       </p:grpSpPr>
       <p:sp>
         <p:nvSpPr>
-          <p:cNvPr id="179" name="Google Shape;179;g7bef34b28b_0_55:notes"/>
+          <p:cNvPr id="179" name="Google Shape;179;g6d41a4ce98_0_6:notes"/>
           <p:cNvSpPr/>
           <p:nvPr>
             <p:ph idx="2" type="sldImg"/>
@@ -2156,7 +2158,7 @@
       </p:sp>
       <p:sp>
         <p:nvSpPr>
-          <p:cNvPr id="180" name="Google Shape;180;g7bef34b28b_0_55:notes"/>
+          <p:cNvPr id="180" name="Google Shape;180;g6d41a4ce98_0_6:notes"/>
           <p:cNvSpPr txBox="1"/>
           <p:nvPr>
             <p:ph idx="1" type="body"/>
@@ -2220,7 +2222,7 @@
       </p:grpSpPr>
       <p:sp>
         <p:nvSpPr>
-          <p:cNvPr id="185" name="Google Shape;185;g6d23d0a28a_0_33:notes"/>
+          <p:cNvPr id="185" name="Google Shape;185;g7bef34b28b_0_55:notes"/>
           <p:cNvSpPr/>
           <p:nvPr>
             <p:ph idx="2" type="sldImg"/>
@@ -2255,7 +2257,7 @@
       </p:sp>
       <p:sp>
         <p:nvSpPr>
-          <p:cNvPr id="186" name="Google Shape;186;g6d23d0a28a_0_33:notes"/>
+          <p:cNvPr id="186" name="Google Shape;186;g7bef34b28b_0_55:notes"/>
           <p:cNvSpPr txBox="1"/>
           <p:nvPr>
             <p:ph idx="1" type="body"/>
@@ -2319,7 +2321,7 @@
       </p:grpSpPr>
       <p:sp>
         <p:nvSpPr>
-          <p:cNvPr id="191" name="Google Shape;191;g6d3cdee944_0_4:notes"/>
+          <p:cNvPr id="191" name="Google Shape;191;g6d4a9d55ca_0_9:notes"/>
           <p:cNvSpPr/>
           <p:nvPr>
             <p:ph idx="2" type="sldImg"/>
@@ -2354,7 +2356,7 @@
       </p:sp>
       <p:sp>
         <p:nvSpPr>
-          <p:cNvPr id="192" name="Google Shape;192;g6d3cdee944_0_4:notes"/>
+          <p:cNvPr id="192" name="Google Shape;192;g6d4a9d55ca_0_9:notes"/>
           <p:cNvSpPr txBox="1"/>
           <p:nvPr>
             <p:ph idx="1" type="body"/>
@@ -2418,7 +2420,7 @@
       </p:grpSpPr>
       <p:sp>
         <p:nvSpPr>
-          <p:cNvPr id="197" name="Google Shape;197;g7bef34b28b_0_62:notes"/>
+          <p:cNvPr id="197" name="Google Shape;197;g6d23d0a28a_0_33:notes"/>
           <p:cNvSpPr/>
           <p:nvPr>
             <p:ph idx="2" type="sldImg"/>
@@ -2453,7 +2455,7 @@
       </p:sp>
       <p:sp>
         <p:nvSpPr>
-          <p:cNvPr id="198" name="Google Shape;198;g7bef34b28b_0_62:notes"/>
+          <p:cNvPr id="198" name="Google Shape;198;g6d23d0a28a_0_33:notes"/>
           <p:cNvSpPr txBox="1"/>
           <p:nvPr>
             <p:ph idx="1" type="body"/>
@@ -2517,7 +2519,7 @@
       </p:grpSpPr>
       <p:sp>
         <p:nvSpPr>
-          <p:cNvPr id="203" name="Google Shape;203;g7bef34b28b_0_69:notes"/>
+          <p:cNvPr id="203" name="Google Shape;203;g6d3cdee944_0_4:notes"/>
           <p:cNvSpPr/>
           <p:nvPr>
             <p:ph idx="2" type="sldImg"/>
@@ -2552,7 +2554,7 @@
       </p:sp>
       <p:sp>
         <p:nvSpPr>
-          <p:cNvPr id="204" name="Google Shape;204;g7bef34b28b_0_69:notes"/>
+          <p:cNvPr id="204" name="Google Shape;204;g6d3cdee944_0_4:notes"/>
           <p:cNvSpPr txBox="1"/>
           <p:nvPr>
             <p:ph idx="1" type="body"/>
@@ -2616,7 +2618,7 @@
       </p:grpSpPr>
       <p:sp>
         <p:nvSpPr>
-          <p:cNvPr id="209" name="Google Shape;209;g7bef34b28b_0_76:notes"/>
+          <p:cNvPr id="209" name="Google Shape;209;g7bef34b28b_0_62:notes"/>
           <p:cNvSpPr/>
           <p:nvPr>
             <p:ph idx="2" type="sldImg"/>
@@ -2651,7 +2653,7 @@
       </p:sp>
       <p:sp>
         <p:nvSpPr>
-          <p:cNvPr id="210" name="Google Shape;210;g7bef34b28b_0_76:notes"/>
+          <p:cNvPr id="210" name="Google Shape;210;g7bef34b28b_0_62:notes"/>
           <p:cNvSpPr txBox="1"/>
           <p:nvPr>
             <p:ph idx="1" type="body"/>
@@ -2715,7 +2717,7 @@
       </p:grpSpPr>
       <p:sp>
         <p:nvSpPr>
-          <p:cNvPr id="215" name="Google Shape;215;g7bef34b28b_0_83:notes"/>
+          <p:cNvPr id="215" name="Google Shape;215;g7bef34b28b_0_69:notes"/>
           <p:cNvSpPr/>
           <p:nvPr>
             <p:ph idx="2" type="sldImg"/>
@@ -2750,7 +2752,7 @@
       </p:sp>
       <p:sp>
         <p:nvSpPr>
-          <p:cNvPr id="216" name="Google Shape;216;g7bef34b28b_0_83:notes"/>
+          <p:cNvPr id="216" name="Google Shape;216;g7bef34b28b_0_69:notes"/>
           <p:cNvSpPr txBox="1"/>
           <p:nvPr>
             <p:ph idx="1" type="body"/>
@@ -2814,7 +2816,7 @@
       </p:grpSpPr>
       <p:sp>
         <p:nvSpPr>
-          <p:cNvPr id="221" name="Google Shape;221;g7bef34b28b_0_88:notes"/>
+          <p:cNvPr id="221" name="Google Shape;221;g7bef34b28b_0_76:notes"/>
           <p:cNvSpPr/>
           <p:nvPr>
             <p:ph idx="2" type="sldImg"/>
@@ -2849,7 +2851,7 @@
       </p:sp>
       <p:sp>
         <p:nvSpPr>
-          <p:cNvPr id="222" name="Google Shape;222;g7bef34b28b_0_88:notes"/>
+          <p:cNvPr id="222" name="Google Shape;222;g7bef34b28b_0_76:notes"/>
           <p:cNvSpPr txBox="1"/>
           <p:nvPr>
             <p:ph idx="1" type="body"/>
@@ -3012,7 +3014,7 @@
       </p:grpSpPr>
       <p:sp>
         <p:nvSpPr>
-          <p:cNvPr id="227" name="Google Shape;227;g7bef34b28b_0_96:notes"/>
+          <p:cNvPr id="227" name="Google Shape;227;g7bef34b28b_0_83:notes"/>
           <p:cNvSpPr/>
           <p:nvPr>
             <p:ph idx="2" type="sldImg"/>
@@ -3047,7 +3049,7 @@
       </p:sp>
       <p:sp>
         <p:nvSpPr>
-          <p:cNvPr id="228" name="Google Shape;228;g7bef34b28b_0_96:notes"/>
+          <p:cNvPr id="228" name="Google Shape;228;g7bef34b28b_0_83:notes"/>
           <p:cNvSpPr txBox="1"/>
           <p:nvPr>
             <p:ph idx="1" type="body"/>
@@ -3111,7 +3113,7 @@
       </p:grpSpPr>
       <p:sp>
         <p:nvSpPr>
-          <p:cNvPr id="233" name="Google Shape;233;g5ff9bbdfc0_0_19:notes"/>
+          <p:cNvPr id="233" name="Google Shape;233;g7bef34b28b_0_88:notes"/>
           <p:cNvSpPr/>
           <p:nvPr>
             <p:ph idx="2" type="sldImg"/>
@@ -3146,7 +3148,205 @@
       </p:sp>
       <p:sp>
         <p:nvSpPr>
-          <p:cNvPr id="234" name="Google Shape;234;g5ff9bbdfc0_0_19:notes"/>
+          <p:cNvPr id="234" name="Google Shape;234;g7bef34b28b_0_88:notes"/>
+          <p:cNvSpPr txBox="1"/>
+          <p:nvPr>
+            <p:ph idx="1" type="body"/>
+          </p:nvPr>
+        </p:nvSpPr>
+        <p:spPr>
+          <a:xfrm>
+            <a:off x="685800" y="4343400"/>
+            <a:ext cx="5486400" cy="4114800"/>
+          </a:xfrm>
+          <a:prstGeom prst="rect">
+            <a:avLst/>
+          </a:prstGeom>
+        </p:spPr>
+        <p:txBody>
+          <a:bodyPr anchorCtr="0" anchor="t" bIns="91425" lIns="91425" spcFirstLastPara="1" rIns="91425" wrap="square" tIns="91425">
+            <a:noAutofit/>
+          </a:bodyPr>
+          <a:lstStyle/>
+          <a:p>
+            <a:pPr indent="0" lvl="0" marL="0" rtl="0" algn="l">
+              <a:spcBef>
+                <a:spcPts val="0"/>
+              </a:spcBef>
+              <a:spcAft>
+                <a:spcPts val="0"/>
+              </a:spcAft>
+              <a:buNone/>
+            </a:pPr>
+            <a:r>
+              <a:t/>
+            </a:r>
+            <a:endParaRPr/>
+          </a:p>
+        </p:txBody>
+      </p:sp>
+    </p:spTree>
+  </p:cSld>
+  <p:clrMapOvr>
+    <a:masterClrMapping/>
+  </p:clrMapOvr>
+</p:notes>
+</file>
+
+<file path=ppt/notesSlides/notesSlide32.xml><?xml version="1.0" encoding="utf-8"?>
+<p:notes xmlns:a="http://schemas.openxmlformats.org/drawingml/2006/main" xmlns:r="http://schemas.openxmlformats.org/officeDocument/2006/relationships" xmlns:mc="http://schemas.openxmlformats.org/markup-compatibility/2006" xmlns:mv="urn:schemas-microsoft-com:mac:vml" xmlns:p="http://schemas.openxmlformats.org/presentationml/2006/main" xmlns:c="http://schemas.openxmlformats.org/drawingml/2006/chart" xmlns:dgm="http://schemas.openxmlformats.org/drawingml/2006/diagram" xmlns:o="urn:schemas-microsoft-com:office:office" xmlns:v="urn:schemas-microsoft-com:vml" xmlns:pvml="urn:schemas-microsoft-com:office:powerpoint" xmlns:com="http://schemas.openxmlformats.org/drawingml/2006/compatibility" xmlns:p14="http://schemas.microsoft.com/office/powerpoint/2010/main" xmlns:p15="http://schemas.microsoft.com/office/powerpoint/2012/main" showMasterPhAnim="0" showMasterSp="0">
+  <p:cSld>
+    <p:spTree>
+      <p:nvGrpSpPr>
+        <p:cNvPr id="238" name="Shape 238"/>
+        <p:cNvGrpSpPr/>
+        <p:nvPr/>
+      </p:nvGrpSpPr>
+      <p:grpSpPr>
+        <a:xfrm>
+          <a:off x="0" y="0"/>
+          <a:ext cx="0" cy="0"/>
+          <a:chOff x="0" y="0"/>
+          <a:chExt cx="0" cy="0"/>
+        </a:xfrm>
+      </p:grpSpPr>
+      <p:sp>
+        <p:nvSpPr>
+          <p:cNvPr id="239" name="Google Shape;239;g7bef34b28b_0_96:notes"/>
+          <p:cNvSpPr/>
+          <p:nvPr>
+            <p:ph idx="2" type="sldImg"/>
+          </p:nvPr>
+        </p:nvSpPr>
+        <p:spPr>
+          <a:xfrm>
+            <a:off x="381300" y="685800"/>
+            <a:ext cx="6096000" cy="3429000"/>
+          </a:xfrm>
+          <a:custGeom>
+            <a:rect b="b" l="l" r="r" t="t"/>
+            <a:pathLst>
+              <a:path extrusionOk="0" h="120000" w="120000">
+                <a:moveTo>
+                  <a:pt x="0" y="0"/>
+                </a:moveTo>
+                <a:lnTo>
+                  <a:pt x="120000" y="0"/>
+                </a:lnTo>
+                <a:lnTo>
+                  <a:pt x="120000" y="120000"/>
+                </a:lnTo>
+                <a:lnTo>
+                  <a:pt x="0" y="120000"/>
+                </a:lnTo>
+                <a:close/>
+              </a:path>
+            </a:pathLst>
+          </a:custGeom>
+        </p:spPr>
+      </p:sp>
+      <p:sp>
+        <p:nvSpPr>
+          <p:cNvPr id="240" name="Google Shape;240;g7bef34b28b_0_96:notes"/>
+          <p:cNvSpPr txBox="1"/>
+          <p:nvPr>
+            <p:ph idx="1" type="body"/>
+          </p:nvPr>
+        </p:nvSpPr>
+        <p:spPr>
+          <a:xfrm>
+            <a:off x="685800" y="4343400"/>
+            <a:ext cx="5486400" cy="4114800"/>
+          </a:xfrm>
+          <a:prstGeom prst="rect">
+            <a:avLst/>
+          </a:prstGeom>
+        </p:spPr>
+        <p:txBody>
+          <a:bodyPr anchorCtr="0" anchor="t" bIns="91425" lIns="91425" spcFirstLastPara="1" rIns="91425" wrap="square" tIns="91425">
+            <a:noAutofit/>
+          </a:bodyPr>
+          <a:lstStyle/>
+          <a:p>
+            <a:pPr indent="0" lvl="0" marL="0" rtl="0" algn="l">
+              <a:spcBef>
+                <a:spcPts val="0"/>
+              </a:spcBef>
+              <a:spcAft>
+                <a:spcPts val="0"/>
+              </a:spcAft>
+              <a:buNone/>
+            </a:pPr>
+            <a:r>
+              <a:t/>
+            </a:r>
+            <a:endParaRPr/>
+          </a:p>
+        </p:txBody>
+      </p:sp>
+    </p:spTree>
+  </p:cSld>
+  <p:clrMapOvr>
+    <a:masterClrMapping/>
+  </p:clrMapOvr>
+</p:notes>
+</file>
+
+<file path=ppt/notesSlides/notesSlide33.xml><?xml version="1.0" encoding="utf-8"?>
+<p:notes xmlns:a="http://schemas.openxmlformats.org/drawingml/2006/main" xmlns:r="http://schemas.openxmlformats.org/officeDocument/2006/relationships" xmlns:mc="http://schemas.openxmlformats.org/markup-compatibility/2006" xmlns:mv="urn:schemas-microsoft-com:mac:vml" xmlns:p="http://schemas.openxmlformats.org/presentationml/2006/main" xmlns:c="http://schemas.openxmlformats.org/drawingml/2006/chart" xmlns:dgm="http://schemas.openxmlformats.org/drawingml/2006/diagram" xmlns:o="urn:schemas-microsoft-com:office:office" xmlns:v="urn:schemas-microsoft-com:vml" xmlns:pvml="urn:schemas-microsoft-com:office:powerpoint" xmlns:com="http://schemas.openxmlformats.org/drawingml/2006/compatibility" xmlns:p14="http://schemas.microsoft.com/office/powerpoint/2010/main" xmlns:p15="http://schemas.microsoft.com/office/powerpoint/2012/main" showMasterPhAnim="0" showMasterSp="0">
+  <p:cSld>
+    <p:spTree>
+      <p:nvGrpSpPr>
+        <p:cNvPr id="244" name="Shape 244"/>
+        <p:cNvGrpSpPr/>
+        <p:nvPr/>
+      </p:nvGrpSpPr>
+      <p:grpSpPr>
+        <a:xfrm>
+          <a:off x="0" y="0"/>
+          <a:ext cx="0" cy="0"/>
+          <a:chOff x="0" y="0"/>
+          <a:chExt cx="0" cy="0"/>
+        </a:xfrm>
+      </p:grpSpPr>
+      <p:sp>
+        <p:nvSpPr>
+          <p:cNvPr id="245" name="Google Shape;245;g5ff9bbdfc0_0_19:notes"/>
+          <p:cNvSpPr/>
+          <p:nvPr>
+            <p:ph idx="2" type="sldImg"/>
+          </p:nvPr>
+        </p:nvSpPr>
+        <p:spPr>
+          <a:xfrm>
+            <a:off x="381300" y="685800"/>
+            <a:ext cx="6096000" cy="3429000"/>
+          </a:xfrm>
+          <a:custGeom>
+            <a:rect b="b" l="l" r="r" t="t"/>
+            <a:pathLst>
+              <a:path extrusionOk="0" h="120000" w="120000">
+                <a:moveTo>
+                  <a:pt x="0" y="0"/>
+                </a:moveTo>
+                <a:lnTo>
+                  <a:pt x="120000" y="0"/>
+                </a:lnTo>
+                <a:lnTo>
+                  <a:pt x="120000" y="120000"/>
+                </a:lnTo>
+                <a:lnTo>
+                  <a:pt x="0" y="120000"/>
+                </a:lnTo>
+                <a:close/>
+              </a:path>
+            </a:pathLst>
+          </a:custGeom>
+        </p:spPr>
+      </p:sp>
+      <p:sp>
+        <p:nvSpPr>
+          <p:cNvPr id="246" name="Google Shape;246;g5ff9bbdfc0_0_19:notes"/>
           <p:cNvSpPr txBox="1"/>
           <p:nvPr>
             <p:ph idx="1" type="body"/>
@@ -9074,7 +9274,7 @@
             <a:tbl>
               <a:tblPr>
                 <a:noFill/>
-                <a:tableStyleId>{300B024C-DA80-425C-B835-981DE29D16D6}</a:tableStyleId>
+                <a:tableStyleId>{C6A740FC-4BFE-4BA4-965E-3D0D757B52C8}</a:tableStyleId>
               </a:tblPr>
               <a:tblGrid>
                 <a:gridCol w="2572325"/>
@@ -11010,8 +11210,8 @@
         </p:nvSpPr>
         <p:spPr>
           <a:xfrm>
-            <a:off x="200800" y="726950"/>
-            <a:ext cx="4884600" cy="1844700"/>
+            <a:off x="634650" y="290675"/>
+            <a:ext cx="7874700" cy="827700"/>
           </a:xfrm>
           <a:prstGeom prst="rect">
             <a:avLst/>
@@ -11041,34 +11241,7 @@
                   <a:srgbClr val="FFFFFF"/>
                 </a:solidFill>
               </a:rPr>
-              <a:t>HIGH LEVEL </a:t>
-            </a:r>
-            <a:endParaRPr b="1" sz="3000">
-              <a:solidFill>
-                <a:srgbClr val="FFFFFF"/>
-              </a:solidFill>
-            </a:endParaRPr>
-          </a:p>
-          <a:p>
-            <a:pPr indent="0" lvl="0" marL="0" rtl="0" algn="ctr">
-              <a:lnSpc>
-                <a:spcPct val="115000"/>
-              </a:lnSpc>
-              <a:spcBef>
-                <a:spcPts val="0"/>
-              </a:spcBef>
-              <a:spcAft>
-                <a:spcPts val="0"/>
-              </a:spcAft>
-              <a:buNone/>
-            </a:pPr>
-            <a:r>
-              <a:rPr b="1" lang="en" sz="3000">
-                <a:solidFill>
-                  <a:srgbClr val="FFFFFF"/>
-                </a:solidFill>
-              </a:rPr>
-              <a:t>BLOCK DIAGRAM</a:t>
+              <a:t>HIGH LEVEL BLOCK DIAGRAM</a:t>
             </a:r>
             <a:endParaRPr sz="3000">
               <a:solidFill>
@@ -11084,18 +11257,17 @@
           <p:cNvPicPr preferRelativeResize="0"/>
           <p:nvPr/>
         </p:nvPicPr>
-        <p:blipFill>
+        <p:blipFill rotWithShape="1">
           <a:blip r:embed="rId3">
             <a:alphaModFix/>
           </a:blip>
-          <a:stretch>
-            <a:fillRect/>
-          </a:stretch>
+          <a:srcRect b="12732" l="0" r="0" t="22171"/>
+          <a:stretch/>
         </p:blipFill>
         <p:spPr>
           <a:xfrm>
-            <a:off x="5163525" y="101100"/>
-            <a:ext cx="3458050" cy="4941299"/>
+            <a:off x="435525" y="1118376"/>
+            <a:ext cx="8521374" cy="3829201"/>
           </a:xfrm>
           <a:prstGeom prst="rect">
             <a:avLst/>
@@ -13819,8 +13991,8 @@
         </p:nvSpPr>
         <p:spPr>
           <a:xfrm>
-            <a:off x="1956150" y="369700"/>
-            <a:ext cx="5231700" cy="860700"/>
+            <a:off x="2060275" y="382325"/>
+            <a:ext cx="4884600" cy="860700"/>
           </a:xfrm>
           <a:prstGeom prst="rect">
             <a:avLst/>
@@ -13850,7 +14022,7 @@
                   <a:srgbClr val="FFFFFF"/>
                 </a:solidFill>
               </a:rPr>
-              <a:t>RANDOM FOREST MODEL</a:t>
+              <a:t>FUZZY ROUGH SET</a:t>
             </a:r>
             <a:endParaRPr sz="3000">
               <a:solidFill>
@@ -13928,7 +14100,7 @@
                   <a:srgbClr val="FFFFFF"/>
                 </a:solidFill>
               </a:rPr>
-              <a:t>For each record in dataset</a:t>
+              <a:t>Compute indiscernibility matrix M(A)</a:t>
             </a:r>
             <a:endParaRPr i="1" sz="1800">
               <a:solidFill>
@@ -13955,7 +14127,7 @@
                   <a:srgbClr val="FFFFFF"/>
                 </a:solidFill>
               </a:rPr>
-              <a:t>	Get the fuzzy set feature values </a:t>
+              <a:t>Reduce M using absorption laws</a:t>
             </a:r>
             <a:endParaRPr i="1" sz="1800">
               <a:solidFill>
@@ -13982,7 +14154,7 @@
                   <a:srgbClr val="FFFFFF"/>
                 </a:solidFill>
               </a:rPr>
-              <a:t>	Create an arff file to save results</a:t>
+              <a:t>d - number of non-empty fields</a:t>
             </a:r>
             <a:endParaRPr i="1" sz="1800">
               <a:solidFill>
@@ -14009,6 +14181,87 @@
                   <a:srgbClr val="FFFFFF"/>
                 </a:solidFill>
               </a:rPr>
+              <a:t>Initialise all fields</a:t>
+            </a:r>
+            <a:endParaRPr i="1" sz="1800">
+              <a:solidFill>
+                <a:srgbClr val="FFFFFF"/>
+              </a:solidFill>
+            </a:endParaRPr>
+          </a:p>
+          <a:p>
+            <a:pPr indent="0" lvl="0" marL="914400" rtl="0" algn="just">
+              <a:lnSpc>
+                <a:spcPct val="115000"/>
+              </a:lnSpc>
+              <a:spcBef>
+                <a:spcPts val="0"/>
+              </a:spcBef>
+              <a:spcAft>
+                <a:spcPts val="0"/>
+              </a:spcAft>
+              <a:buNone/>
+            </a:pPr>
+            <a:r>
+              <a:rPr i="1" lang="en" sz="1800">
+                <a:solidFill>
+                  <a:srgbClr val="FFFFFF"/>
+                </a:solidFill>
+              </a:rPr>
+              <a:t>For all fields</a:t>
+            </a:r>
+            <a:endParaRPr i="1" sz="1800">
+              <a:solidFill>
+                <a:srgbClr val="FFFFFF"/>
+              </a:solidFill>
+            </a:endParaRPr>
+          </a:p>
+          <a:p>
+            <a:pPr indent="457200" lvl="0" marL="914400" rtl="0" algn="just">
+              <a:lnSpc>
+                <a:spcPct val="115000"/>
+              </a:lnSpc>
+              <a:spcBef>
+                <a:spcPts val="0"/>
+              </a:spcBef>
+              <a:spcAft>
+                <a:spcPts val="0"/>
+              </a:spcAft>
+              <a:buNone/>
+            </a:pPr>
+            <a:r>
+              <a:rPr i="1" lang="en" sz="1800">
+                <a:solidFill>
+                  <a:srgbClr val="FFFFFF"/>
+                </a:solidFill>
+              </a:rPr>
+              <a:t>Compute fields using formulas R=SUT</a:t>
+            </a:r>
+            <a:endParaRPr i="1" sz="1800">
+              <a:solidFill>
+                <a:srgbClr val="FFFFFF"/>
+              </a:solidFill>
+            </a:endParaRPr>
+          </a:p>
+          <a:p>
+            <a:pPr indent="0" lvl="0" marL="914400" rtl="0" algn="just">
+              <a:lnSpc>
+                <a:spcPct val="115000"/>
+              </a:lnSpc>
+              <a:spcBef>
+                <a:spcPts val="0"/>
+              </a:spcBef>
+              <a:spcAft>
+                <a:spcPts val="0"/>
+              </a:spcAft>
+              <a:buNone/>
+            </a:pPr>
+            <a:r>
+              <a:rPr i="1" lang="en" sz="1800">
+                <a:solidFill>
+                  <a:srgbClr val="FFFFFF"/>
+                </a:solidFill>
+              </a:rPr>
               <a:t>Done</a:t>
             </a:r>
             <a:endParaRPr i="1" sz="1800">
@@ -14018,7 +14271,7 @@
             </a:endParaRPr>
           </a:p>
           <a:p>
-            <a:pPr indent="0" lvl="0" marL="914400" rtl="0" algn="just">
+            <a:pPr indent="0" lvl="0" marL="457200" rtl="0" algn="just">
               <a:lnSpc>
                 <a:spcPct val="115000"/>
               </a:lnSpc>
@@ -14036,149 +14289,7 @@
                   <a:srgbClr val="FFFFFF"/>
                 </a:solidFill>
               </a:rPr>
-              <a:t>Train the dataset with at least 7 splits as random forest</a:t>
-            </a:r>
-            <a:endParaRPr i="1" sz="1800">
-              <a:solidFill>
-                <a:srgbClr val="FFFFFF"/>
-              </a:solidFill>
-            </a:endParaRPr>
-          </a:p>
-          <a:p>
-            <a:pPr indent="0" lvl="0" marL="914400" rtl="0" algn="just">
-              <a:lnSpc>
-                <a:spcPct val="115000"/>
-              </a:lnSpc>
-              <a:spcBef>
-                <a:spcPts val="0"/>
-              </a:spcBef>
-              <a:spcAft>
-                <a:spcPts val="0"/>
-              </a:spcAft>
-              <a:buNone/>
-            </a:pPr>
-            <a:r>
-              <a:rPr i="1" lang="en" sz="1800">
-                <a:solidFill>
-                  <a:srgbClr val="FFFFFF"/>
-                </a:solidFill>
-              </a:rPr>
-              <a:t>Save the model as pkl file</a:t>
-            </a:r>
-            <a:endParaRPr i="1" sz="1800">
-              <a:solidFill>
-                <a:srgbClr val="FFFFFF"/>
-              </a:solidFill>
-            </a:endParaRPr>
-          </a:p>
-          <a:p>
-            <a:pPr indent="0" lvl="0" marL="457200" rtl="0" algn="just">
-              <a:lnSpc>
-                <a:spcPct val="115000"/>
-              </a:lnSpc>
-              <a:spcBef>
-                <a:spcPts val="0"/>
-              </a:spcBef>
-              <a:spcAft>
-                <a:spcPts val="0"/>
-              </a:spcAft>
-              <a:buNone/>
-            </a:pPr>
-            <a:r>
-              <a:rPr i="1" lang="en" sz="1800">
-                <a:solidFill>
-                  <a:srgbClr val="FFFFFF"/>
-                </a:solidFill>
-              </a:rPr>
               <a:t>End</a:t>
-            </a:r>
-            <a:endParaRPr i="1" sz="1800">
-              <a:solidFill>
-                <a:srgbClr val="FFFFFF"/>
-              </a:solidFill>
-            </a:endParaRPr>
-          </a:p>
-          <a:p>
-            <a:pPr indent="0" lvl="0" marL="457200" rtl="0" algn="just">
-              <a:lnSpc>
-                <a:spcPct val="115000"/>
-              </a:lnSpc>
-              <a:spcBef>
-                <a:spcPts val="0"/>
-              </a:spcBef>
-              <a:spcAft>
-                <a:spcPts val="0"/>
-              </a:spcAft>
-              <a:buNone/>
-            </a:pPr>
-            <a:r>
-              <a:t/>
-            </a:r>
-            <a:endParaRPr i="1" sz="1800">
-              <a:solidFill>
-                <a:srgbClr val="FFFFFF"/>
-              </a:solidFill>
-            </a:endParaRPr>
-          </a:p>
-          <a:p>
-            <a:pPr indent="0" lvl="0" marL="457200" rtl="0" algn="just">
-              <a:lnSpc>
-                <a:spcPct val="115000"/>
-              </a:lnSpc>
-              <a:spcBef>
-                <a:spcPts val="0"/>
-              </a:spcBef>
-              <a:spcAft>
-                <a:spcPts val="0"/>
-              </a:spcAft>
-              <a:buNone/>
-            </a:pPr>
-            <a:r>
-              <a:t/>
-            </a:r>
-            <a:endParaRPr i="1" sz="1800">
-              <a:solidFill>
-                <a:srgbClr val="FFFFFF"/>
-              </a:solidFill>
-            </a:endParaRPr>
-          </a:p>
-          <a:p>
-            <a:pPr indent="0" lvl="0" marL="457200" rtl="0" algn="just">
-              <a:lnSpc>
-                <a:spcPct val="115000"/>
-              </a:lnSpc>
-              <a:spcBef>
-                <a:spcPts val="0"/>
-              </a:spcBef>
-              <a:spcAft>
-                <a:spcPts val="0"/>
-              </a:spcAft>
-              <a:buNone/>
-            </a:pPr>
-            <a:r>
-              <a:t/>
-            </a:r>
-            <a:endParaRPr i="1" sz="1800">
-              <a:solidFill>
-                <a:srgbClr val="FFFFFF"/>
-              </a:solidFill>
-            </a:endParaRPr>
-          </a:p>
-          <a:p>
-            <a:pPr indent="0" lvl="0" marL="457200" rtl="0" algn="just">
-              <a:lnSpc>
-                <a:spcPct val="115000"/>
-              </a:lnSpc>
-              <a:spcBef>
-                <a:spcPts val="0"/>
-              </a:spcBef>
-              <a:spcAft>
-                <a:spcPts val="0"/>
-              </a:spcAft>
-              <a:buNone/>
-            </a:pPr>
-            <a:r>
-              <a:t/>
             </a:r>
             <a:endParaRPr i="1" sz="1800">
               <a:solidFill>
@@ -14223,8 +14334,8 @@
         </p:nvSpPr>
         <p:spPr>
           <a:xfrm>
-            <a:off x="2060275" y="382325"/>
-            <a:ext cx="4884600" cy="860700"/>
+            <a:off x="1956150" y="369700"/>
+            <a:ext cx="5231700" cy="860700"/>
           </a:xfrm>
           <a:prstGeom prst="rect">
             <a:avLst/>
@@ -14254,7 +14365,7 @@
                   <a:srgbClr val="FFFFFF"/>
                 </a:solidFill>
               </a:rPr>
-              <a:t>TARGET IDENTIFIER</a:t>
+              <a:t>RANDOM FOREST MODEL</a:t>
             </a:r>
             <a:endParaRPr sz="3000">
               <a:solidFill>
@@ -14314,6 +14425,168 @@
             </a:endParaRPr>
           </a:p>
           <a:p>
+            <a:pPr indent="0" lvl="0" marL="914400" rtl="0" algn="just">
+              <a:lnSpc>
+                <a:spcPct val="115000"/>
+              </a:lnSpc>
+              <a:spcBef>
+                <a:spcPts val="0"/>
+              </a:spcBef>
+              <a:spcAft>
+                <a:spcPts val="0"/>
+              </a:spcAft>
+              <a:buNone/>
+            </a:pPr>
+            <a:r>
+              <a:rPr i="1" lang="en" sz="1800">
+                <a:solidFill>
+                  <a:srgbClr val="FFFFFF"/>
+                </a:solidFill>
+              </a:rPr>
+              <a:t>For each record in dataset</a:t>
+            </a:r>
+            <a:endParaRPr i="1" sz="1800">
+              <a:solidFill>
+                <a:srgbClr val="FFFFFF"/>
+              </a:solidFill>
+            </a:endParaRPr>
+          </a:p>
+          <a:p>
+            <a:pPr indent="0" lvl="0" marL="914400" rtl="0" algn="just">
+              <a:lnSpc>
+                <a:spcPct val="115000"/>
+              </a:lnSpc>
+              <a:spcBef>
+                <a:spcPts val="0"/>
+              </a:spcBef>
+              <a:spcAft>
+                <a:spcPts val="0"/>
+              </a:spcAft>
+              <a:buNone/>
+            </a:pPr>
+            <a:r>
+              <a:rPr i="1" lang="en" sz="1800">
+                <a:solidFill>
+                  <a:srgbClr val="FFFFFF"/>
+                </a:solidFill>
+              </a:rPr>
+              <a:t>	Get the fuzzy set feature values </a:t>
+            </a:r>
+            <a:endParaRPr i="1" sz="1800">
+              <a:solidFill>
+                <a:srgbClr val="FFFFFF"/>
+              </a:solidFill>
+            </a:endParaRPr>
+          </a:p>
+          <a:p>
+            <a:pPr indent="0" lvl="0" marL="914400" rtl="0" algn="just">
+              <a:lnSpc>
+                <a:spcPct val="115000"/>
+              </a:lnSpc>
+              <a:spcBef>
+                <a:spcPts val="0"/>
+              </a:spcBef>
+              <a:spcAft>
+                <a:spcPts val="0"/>
+              </a:spcAft>
+              <a:buNone/>
+            </a:pPr>
+            <a:r>
+              <a:rPr i="1" lang="en" sz="1800">
+                <a:solidFill>
+                  <a:srgbClr val="FFFFFF"/>
+                </a:solidFill>
+              </a:rPr>
+              <a:t>	Create an arff file to save results</a:t>
+            </a:r>
+            <a:endParaRPr i="1" sz="1800">
+              <a:solidFill>
+                <a:srgbClr val="FFFFFF"/>
+              </a:solidFill>
+            </a:endParaRPr>
+          </a:p>
+          <a:p>
+            <a:pPr indent="0" lvl="0" marL="914400" rtl="0" algn="just">
+              <a:lnSpc>
+                <a:spcPct val="115000"/>
+              </a:lnSpc>
+              <a:spcBef>
+                <a:spcPts val="0"/>
+              </a:spcBef>
+              <a:spcAft>
+                <a:spcPts val="0"/>
+              </a:spcAft>
+              <a:buNone/>
+            </a:pPr>
+            <a:r>
+              <a:rPr i="1" lang="en" sz="1800">
+                <a:solidFill>
+                  <a:srgbClr val="FFFFFF"/>
+                </a:solidFill>
+              </a:rPr>
+              <a:t>Done</a:t>
+            </a:r>
+            <a:endParaRPr i="1" sz="1800">
+              <a:solidFill>
+                <a:srgbClr val="FFFFFF"/>
+              </a:solidFill>
+            </a:endParaRPr>
+          </a:p>
+          <a:p>
+            <a:pPr indent="0" lvl="0" marL="914400" rtl="0" algn="just">
+              <a:lnSpc>
+                <a:spcPct val="115000"/>
+              </a:lnSpc>
+              <a:spcBef>
+                <a:spcPts val="0"/>
+              </a:spcBef>
+              <a:spcAft>
+                <a:spcPts val="0"/>
+              </a:spcAft>
+              <a:buNone/>
+            </a:pPr>
+            <a:r>
+              <a:rPr i="1" lang="en" sz="1800">
+                <a:solidFill>
+                  <a:srgbClr val="FFFFFF"/>
+                </a:solidFill>
+              </a:rPr>
+              <a:t>Train the dataset with at least 7 splits as random forest</a:t>
+            </a:r>
+            <a:endParaRPr i="1" sz="1800">
+              <a:solidFill>
+                <a:srgbClr val="FFFFFF"/>
+              </a:solidFill>
+            </a:endParaRPr>
+          </a:p>
+          <a:p>
+            <a:pPr indent="0" lvl="0" marL="914400" rtl="0" algn="just">
+              <a:lnSpc>
+                <a:spcPct val="115000"/>
+              </a:lnSpc>
+              <a:spcBef>
+                <a:spcPts val="0"/>
+              </a:spcBef>
+              <a:spcAft>
+                <a:spcPts val="0"/>
+              </a:spcAft>
+              <a:buNone/>
+            </a:pPr>
+            <a:r>
+              <a:rPr i="1" lang="en" sz="1800">
+                <a:solidFill>
+                  <a:srgbClr val="FFFFFF"/>
+                </a:solidFill>
+              </a:rPr>
+              <a:t>Save the model as pkl file</a:t>
+            </a:r>
+            <a:endParaRPr i="1" sz="1800">
+              <a:solidFill>
+                <a:srgbClr val="FFFFFF"/>
+              </a:solidFill>
+            </a:endParaRPr>
+          </a:p>
+          <a:p>
             <a:pPr indent="0" lvl="0" marL="457200" rtl="0" algn="just">
               <a:lnSpc>
                 <a:spcPct val="115000"/>
@@ -14332,7 +14605,7 @@
                   <a:srgbClr val="FFFFFF"/>
                 </a:solidFill>
               </a:rPr>
-              <a:t>	Get the hash value for page content </a:t>
+              <a:t>End</a:t>
             </a:r>
             <a:endParaRPr i="1" sz="1800">
               <a:solidFill>
@@ -14354,12 +14627,7 @@
               <a:buNone/>
             </a:pPr>
             <a:r>
-              <a:rPr i="1" lang="en" sz="1800">
-                <a:solidFill>
-                  <a:srgbClr val="FFFFFF"/>
-                </a:solidFill>
-              </a:rPr>
-              <a:t>	Compare with values in hash list</a:t>
+              <a:t/>
             </a:r>
             <a:endParaRPr i="1" sz="1800">
               <a:solidFill>
@@ -14381,12 +14649,7 @@
               <a:buNone/>
             </a:pPr>
             <a:r>
-              <a:rPr i="1" lang="en" sz="1800">
-                <a:solidFill>
-                  <a:srgbClr val="FFFFFF"/>
-                </a:solidFill>
-              </a:rPr>
-              <a:t>	If match</a:t>
+              <a:t/>
             </a:r>
             <a:endParaRPr i="1" sz="1800">
               <a:solidFill>
@@ -14408,12 +14671,7 @@
               <a:buNone/>
             </a:pPr>
             <a:r>
-              <a:rPr i="1" lang="en" sz="1800">
-                <a:solidFill>
-                  <a:srgbClr val="FFFFFF"/>
-                </a:solidFill>
-              </a:rPr>
-              <a:t>		Display target</a:t>
+              <a:t/>
             </a:r>
             <a:endParaRPr i="1" sz="1800">
               <a:solidFill>
@@ -14435,66 +14693,7 @@
               <a:buNone/>
             </a:pPr>
             <a:r>
-              <a:rPr i="1" lang="en" sz="1800">
-                <a:solidFill>
-                  <a:srgbClr val="FFFFFF"/>
-                </a:solidFill>
-              </a:rPr>
-              <a:t>	Else</a:t>
-            </a:r>
-            <a:endParaRPr i="1" sz="1800">
-              <a:solidFill>
-                <a:srgbClr val="FFFFFF"/>
-              </a:solidFill>
-            </a:endParaRPr>
-          </a:p>
-          <a:p>
-            <a:pPr indent="0" lvl="0" marL="457200" rtl="0" algn="just">
-              <a:lnSpc>
-                <a:spcPct val="115000"/>
-              </a:lnSpc>
-              <a:spcBef>
-                <a:spcPts val="0"/>
-              </a:spcBef>
-              <a:spcAft>
-                <a:spcPts val="0"/>
-              </a:spcAft>
-              <a:buNone/>
-            </a:pPr>
-            <a:r>
-              <a:rPr i="1" lang="en" sz="1800">
-                <a:solidFill>
-                  <a:srgbClr val="FFFFFF"/>
-                </a:solidFill>
-              </a:rPr>
-              <a:t>		No target found</a:t>
-            </a:r>
-            <a:endParaRPr i="1" sz="1800">
-              <a:solidFill>
-                <a:srgbClr val="FFFFFF"/>
-              </a:solidFill>
-            </a:endParaRPr>
-          </a:p>
-          <a:p>
-            <a:pPr indent="0" lvl="0" marL="457200" rtl="0" algn="just">
-              <a:lnSpc>
-                <a:spcPct val="115000"/>
-              </a:lnSpc>
-              <a:spcBef>
-                <a:spcPts val="0"/>
-              </a:spcBef>
-              <a:spcAft>
-                <a:spcPts val="0"/>
-              </a:spcAft>
-              <a:buNone/>
-            </a:pPr>
-            <a:r>
-              <a:rPr i="1" lang="en" sz="1800">
-                <a:solidFill>
-                  <a:srgbClr val="FFFFFF"/>
-                </a:solidFill>
-              </a:rPr>
-              <a:t>End</a:t>
+              <a:t/>
             </a:r>
             <a:endParaRPr i="1" sz="1800">
               <a:solidFill>
@@ -14529,37 +14728,9 @@
           <a:chExt cx="0" cy="0"/>
         </a:xfrm>
       </p:grpSpPr>
-      <p:pic>
-        <p:nvPicPr>
-          <p:cNvPr id="188" name="Google Shape;188;p35"/>
-          <p:cNvPicPr preferRelativeResize="0"/>
-          <p:nvPr/>
-        </p:nvPicPr>
-        <p:blipFill>
-          <a:blip r:embed="rId3">
-            <a:alphaModFix/>
-          </a:blip>
-          <a:stretch>
-            <a:fillRect/>
-          </a:stretch>
-        </p:blipFill>
-        <p:spPr>
-          <a:xfrm>
-            <a:off x="987875" y="1131788"/>
-            <a:ext cx="7168250" cy="3578725"/>
-          </a:xfrm>
-          <a:prstGeom prst="rect">
-            <a:avLst/>
-          </a:prstGeom>
-          <a:noFill/>
-          <a:ln>
-            <a:noFill/>
-          </a:ln>
-        </p:spPr>
-      </p:pic>
       <p:sp>
         <p:nvSpPr>
-          <p:cNvPr id="189" name="Google Shape;189;p35"/>
+          <p:cNvPr id="188" name="Google Shape;188;p35"/>
           <p:cNvSpPr txBox="1"/>
           <p:nvPr>
             <p:ph type="ctrTitle"/>
@@ -14567,8 +14738,8 @@
         </p:nvSpPr>
         <p:spPr>
           <a:xfrm>
-            <a:off x="217025" y="471300"/>
-            <a:ext cx="8544900" cy="705000"/>
+            <a:off x="2060275" y="382325"/>
+            <a:ext cx="4884600" cy="860700"/>
           </a:xfrm>
           <a:prstGeom prst="rect">
             <a:avLst/>
@@ -14598,9 +14769,276 @@
                   <a:srgbClr val="FFFFFF"/>
                 </a:solidFill>
               </a:rPr>
-              <a:t>WEB BROWSER</a:t>
+              <a:t>TARGET IDENTIFIER</a:t>
             </a:r>
             <a:endParaRPr sz="3000">
+              <a:solidFill>
+                <a:srgbClr val="FFFFFF"/>
+              </a:solidFill>
+            </a:endParaRPr>
+          </a:p>
+        </p:txBody>
+      </p:sp>
+      <p:sp>
+        <p:nvSpPr>
+          <p:cNvPr id="189" name="Google Shape;189;p35"/>
+          <p:cNvSpPr txBox="1"/>
+          <p:nvPr>
+            <p:ph idx="1" type="subTitle"/>
+          </p:nvPr>
+        </p:nvSpPr>
+        <p:spPr>
+          <a:xfrm>
+            <a:off x="1027500" y="1367525"/>
+            <a:ext cx="7089000" cy="3259500"/>
+          </a:xfrm>
+          <a:prstGeom prst="rect">
+            <a:avLst/>
+          </a:prstGeom>
+        </p:spPr>
+        <p:txBody>
+          <a:bodyPr anchorCtr="0" anchor="t" bIns="91425" lIns="91425" spcFirstLastPara="1" rIns="91425" wrap="square" tIns="91425">
+            <a:noAutofit/>
+          </a:bodyPr>
+          <a:lstStyle/>
+          <a:p>
+            <a:pPr indent="0" lvl="0" marL="457200" rtl="0" algn="just">
+              <a:lnSpc>
+                <a:spcPct val="115000"/>
+              </a:lnSpc>
+              <a:spcBef>
+                <a:spcPts val="0"/>
+              </a:spcBef>
+              <a:spcAft>
+                <a:spcPts val="0"/>
+              </a:spcAft>
+              <a:buNone/>
+            </a:pPr>
+            <a:r>
+              <a:rPr i="1" lang="en" sz="1800">
+                <a:solidFill>
+                  <a:srgbClr val="FFFFFF"/>
+                </a:solidFill>
+              </a:rPr>
+              <a:t>Begin</a:t>
+            </a:r>
+            <a:endParaRPr i="1" sz="1800">
+              <a:solidFill>
+                <a:srgbClr val="FFFFFF"/>
+              </a:solidFill>
+            </a:endParaRPr>
+          </a:p>
+          <a:p>
+            <a:pPr indent="0" lvl="0" marL="457200" rtl="0" algn="just">
+              <a:lnSpc>
+                <a:spcPct val="115000"/>
+              </a:lnSpc>
+              <a:spcBef>
+                <a:spcPts val="0"/>
+              </a:spcBef>
+              <a:spcAft>
+                <a:spcPts val="0"/>
+              </a:spcAft>
+              <a:buNone/>
+            </a:pPr>
+            <a:r>
+              <a:rPr i="1" lang="en" sz="1800">
+                <a:solidFill>
+                  <a:srgbClr val="FFFFFF"/>
+                </a:solidFill>
+              </a:rPr>
+              <a:t>	Remove all href tags in page</a:t>
+            </a:r>
+            <a:endParaRPr i="1" sz="1800">
+              <a:solidFill>
+                <a:srgbClr val="FFFFFF"/>
+              </a:solidFill>
+            </a:endParaRPr>
+          </a:p>
+          <a:p>
+            <a:pPr indent="0" lvl="0" marL="457200" rtl="0" algn="just">
+              <a:lnSpc>
+                <a:spcPct val="115000"/>
+              </a:lnSpc>
+              <a:spcBef>
+                <a:spcPts val="0"/>
+              </a:spcBef>
+              <a:spcAft>
+                <a:spcPts val="0"/>
+              </a:spcAft>
+              <a:buNone/>
+            </a:pPr>
+            <a:r>
+              <a:rPr i="1" lang="en" sz="1800">
+                <a:solidFill>
+                  <a:srgbClr val="FFFFFF"/>
+                </a:solidFill>
+              </a:rPr>
+              <a:t>	Get the hash value for page content </a:t>
+            </a:r>
+            <a:endParaRPr i="1" sz="1800">
+              <a:solidFill>
+                <a:srgbClr val="FFFFFF"/>
+              </a:solidFill>
+            </a:endParaRPr>
+          </a:p>
+          <a:p>
+            <a:pPr indent="0" lvl="0" marL="457200" rtl="0" algn="just">
+              <a:lnSpc>
+                <a:spcPct val="115000"/>
+              </a:lnSpc>
+              <a:spcBef>
+                <a:spcPts val="0"/>
+              </a:spcBef>
+              <a:spcAft>
+                <a:spcPts val="0"/>
+              </a:spcAft>
+              <a:buNone/>
+            </a:pPr>
+            <a:r>
+              <a:rPr i="1" lang="en" sz="1800">
+                <a:solidFill>
+                  <a:srgbClr val="FFFFFF"/>
+                </a:solidFill>
+              </a:rPr>
+              <a:t>	Compare with values in hash list</a:t>
+            </a:r>
+            <a:endParaRPr i="1" sz="1800">
+              <a:solidFill>
+                <a:srgbClr val="FFFFFF"/>
+              </a:solidFill>
+            </a:endParaRPr>
+          </a:p>
+          <a:p>
+            <a:pPr indent="0" lvl="0" marL="457200" rtl="0" algn="just">
+              <a:lnSpc>
+                <a:spcPct val="115000"/>
+              </a:lnSpc>
+              <a:spcBef>
+                <a:spcPts val="0"/>
+              </a:spcBef>
+              <a:spcAft>
+                <a:spcPts val="0"/>
+              </a:spcAft>
+              <a:buNone/>
+            </a:pPr>
+            <a:r>
+              <a:rPr i="1" lang="en" sz="1800">
+                <a:solidFill>
+                  <a:srgbClr val="FFFFFF"/>
+                </a:solidFill>
+              </a:rPr>
+              <a:t>	If match</a:t>
+            </a:r>
+            <a:endParaRPr i="1" sz="1800">
+              <a:solidFill>
+                <a:srgbClr val="FFFFFF"/>
+              </a:solidFill>
+            </a:endParaRPr>
+          </a:p>
+          <a:p>
+            <a:pPr indent="0" lvl="0" marL="457200" rtl="0" algn="just">
+              <a:lnSpc>
+                <a:spcPct val="115000"/>
+              </a:lnSpc>
+              <a:spcBef>
+                <a:spcPts val="0"/>
+              </a:spcBef>
+              <a:spcAft>
+                <a:spcPts val="0"/>
+              </a:spcAft>
+              <a:buNone/>
+            </a:pPr>
+            <a:r>
+              <a:rPr i="1" lang="en" sz="1800">
+                <a:solidFill>
+                  <a:srgbClr val="FFFFFF"/>
+                </a:solidFill>
+              </a:rPr>
+              <a:t>		Display target</a:t>
+            </a:r>
+            <a:endParaRPr i="1" sz="1800">
+              <a:solidFill>
+                <a:srgbClr val="FFFFFF"/>
+              </a:solidFill>
+            </a:endParaRPr>
+          </a:p>
+          <a:p>
+            <a:pPr indent="0" lvl="0" marL="457200" rtl="0" algn="just">
+              <a:lnSpc>
+                <a:spcPct val="115000"/>
+              </a:lnSpc>
+              <a:spcBef>
+                <a:spcPts val="0"/>
+              </a:spcBef>
+              <a:spcAft>
+                <a:spcPts val="0"/>
+              </a:spcAft>
+              <a:buNone/>
+            </a:pPr>
+            <a:r>
+              <a:rPr i="1" lang="en" sz="1800">
+                <a:solidFill>
+                  <a:srgbClr val="FFFFFF"/>
+                </a:solidFill>
+              </a:rPr>
+              <a:t>	Else</a:t>
+            </a:r>
+            <a:endParaRPr i="1" sz="1800">
+              <a:solidFill>
+                <a:srgbClr val="FFFFFF"/>
+              </a:solidFill>
+            </a:endParaRPr>
+          </a:p>
+          <a:p>
+            <a:pPr indent="0" lvl="0" marL="457200" rtl="0" algn="just">
+              <a:lnSpc>
+                <a:spcPct val="115000"/>
+              </a:lnSpc>
+              <a:spcBef>
+                <a:spcPts val="0"/>
+              </a:spcBef>
+              <a:spcAft>
+                <a:spcPts val="0"/>
+              </a:spcAft>
+              <a:buNone/>
+            </a:pPr>
+            <a:r>
+              <a:rPr i="1" lang="en" sz="1800">
+                <a:solidFill>
+                  <a:srgbClr val="FFFFFF"/>
+                </a:solidFill>
+              </a:rPr>
+              <a:t>		No target found</a:t>
+            </a:r>
+            <a:endParaRPr i="1" sz="1800">
+              <a:solidFill>
+                <a:srgbClr val="FFFFFF"/>
+              </a:solidFill>
+            </a:endParaRPr>
+          </a:p>
+          <a:p>
+            <a:pPr indent="0" lvl="0" marL="457200" rtl="0" algn="just">
+              <a:lnSpc>
+                <a:spcPct val="115000"/>
+              </a:lnSpc>
+              <a:spcBef>
+                <a:spcPts val="0"/>
+              </a:spcBef>
+              <a:spcAft>
+                <a:spcPts val="0"/>
+              </a:spcAft>
+              <a:buNone/>
+            </a:pPr>
+            <a:r>
+              <a:rPr i="1" lang="en" sz="1800">
+                <a:solidFill>
+                  <a:srgbClr val="FFFFFF"/>
+                </a:solidFill>
+              </a:rPr>
+              <a:t>End</a:t>
+            </a:r>
+            <a:endParaRPr i="1" sz="1800">
               <a:solidFill>
                 <a:srgbClr val="FFFFFF"/>
               </a:solidFill>
@@ -14643,7 +15081,7 @@
         </p:nvSpPr>
         <p:spPr>
           <a:xfrm>
-            <a:off x="2060275" y="252325"/>
+            <a:off x="2060275" y="66500"/>
             <a:ext cx="4884600" cy="860700"/>
           </a:xfrm>
           <a:prstGeom prst="rect">
@@ -14674,7 +15112,7 @@
                   <a:srgbClr val="FFFFFF"/>
                 </a:solidFill>
               </a:rPr>
-              <a:t>OUTPUT UI</a:t>
+              <a:t>SHA</a:t>
             </a:r>
             <a:endParaRPr sz="3000">
               <a:solidFill>
@@ -14694,8 +15132,8 @@
         </p:nvSpPr>
         <p:spPr>
           <a:xfrm>
-            <a:off x="1027500" y="1001900"/>
-            <a:ext cx="7089000" cy="3259500"/>
+            <a:off x="1027500" y="826100"/>
+            <a:ext cx="7089000" cy="4154400"/>
           </a:xfrm>
           <a:prstGeom prst="rect">
             <a:avLst/>
@@ -14720,14 +15158,284 @@
               <a:buNone/>
             </a:pPr>
             <a:r>
-              <a:rPr i="1" lang="en" sz="1700">
+              <a:rPr i="1" lang="en" sz="1800">
                 <a:solidFill>
                   <a:srgbClr val="FFFFFF"/>
                 </a:solidFill>
               </a:rPr>
               <a:t>Begin</a:t>
             </a:r>
-            <a:endParaRPr i="1" sz="1700">
+            <a:endParaRPr i="1" sz="1800">
+              <a:solidFill>
+                <a:srgbClr val="FFFFFF"/>
+              </a:solidFill>
+            </a:endParaRPr>
+          </a:p>
+          <a:p>
+            <a:pPr indent="0" lvl="0" marL="914400" rtl="0" algn="just">
+              <a:lnSpc>
+                <a:spcPct val="115000"/>
+              </a:lnSpc>
+              <a:spcBef>
+                <a:spcPts val="0"/>
+              </a:spcBef>
+              <a:spcAft>
+                <a:spcPts val="0"/>
+              </a:spcAft>
+              <a:buNone/>
+            </a:pPr>
+            <a:r>
+              <a:rPr i="1" lang="en" sz="1800">
+                <a:solidFill>
+                  <a:srgbClr val="FFFFFF"/>
+                </a:solidFill>
+              </a:rPr>
+              <a:t>Input is an array 8 items long where each item is 32 bits.</a:t>
+            </a:r>
+            <a:endParaRPr i="1" sz="1800">
+              <a:solidFill>
+                <a:srgbClr val="FFFFFF"/>
+              </a:solidFill>
+            </a:endParaRPr>
+          </a:p>
+          <a:p>
+            <a:pPr indent="0" lvl="0" marL="914400" rtl="0" algn="just">
+              <a:lnSpc>
+                <a:spcPct val="115000"/>
+              </a:lnSpc>
+              <a:spcBef>
+                <a:spcPts val="0"/>
+              </a:spcBef>
+              <a:spcAft>
+                <a:spcPts val="0"/>
+              </a:spcAft>
+              <a:buNone/>
+            </a:pPr>
+            <a:r>
+              <a:rPr i="1" lang="en" sz="1800">
+                <a:solidFill>
+                  <a:srgbClr val="FFFFFF"/>
+                </a:solidFill>
+              </a:rPr>
+              <a:t>Calculate all the function boxes and store those values. </a:t>
+            </a:r>
+            <a:endParaRPr i="1" sz="1800">
+              <a:solidFill>
+                <a:srgbClr val="FFFFFF"/>
+              </a:solidFill>
+            </a:endParaRPr>
+          </a:p>
+          <a:p>
+            <a:pPr indent="0" lvl="0" marL="914400" rtl="0" algn="just">
+              <a:lnSpc>
+                <a:spcPct val="115000"/>
+              </a:lnSpc>
+              <a:spcBef>
+                <a:spcPts val="0"/>
+              </a:spcBef>
+              <a:spcAft>
+                <a:spcPts val="0"/>
+              </a:spcAft>
+              <a:buNone/>
+            </a:pPr>
+            <a:r>
+              <a:rPr i="1" lang="en" sz="1800">
+                <a:solidFill>
+                  <a:srgbClr val="FFFFFF"/>
+                </a:solidFill>
+              </a:rPr>
+              <a:t>Store input, right shifted by 32 bits, into output. </a:t>
+            </a:r>
+            <a:endParaRPr i="1" sz="1800">
+              <a:solidFill>
+                <a:srgbClr val="FFFFFF"/>
+              </a:solidFill>
+            </a:endParaRPr>
+          </a:p>
+          <a:p>
+            <a:pPr indent="0" lvl="0" marL="914400" rtl="0" algn="just">
+              <a:lnSpc>
+                <a:spcPct val="115000"/>
+              </a:lnSpc>
+              <a:spcBef>
+                <a:spcPts val="0"/>
+              </a:spcBef>
+              <a:spcAft>
+                <a:spcPts val="0"/>
+              </a:spcAft>
+              <a:buNone/>
+            </a:pPr>
+            <a:r>
+              <a:rPr i="1" lang="en" sz="1800">
+                <a:solidFill>
+                  <a:srgbClr val="FFFFFF"/>
+                </a:solidFill>
+              </a:rPr>
+              <a:t>Store the function boxes.</a:t>
+            </a:r>
+            <a:endParaRPr i="1" sz="1800">
+              <a:solidFill>
+                <a:srgbClr val="FFFFFF"/>
+              </a:solidFill>
+            </a:endParaRPr>
+          </a:p>
+          <a:p>
+            <a:pPr indent="0" lvl="0" marL="914400" rtl="0" algn="just">
+              <a:lnSpc>
+                <a:spcPct val="115000"/>
+              </a:lnSpc>
+              <a:spcBef>
+                <a:spcPts val="0"/>
+              </a:spcBef>
+              <a:spcAft>
+                <a:spcPts val="0"/>
+              </a:spcAft>
+              <a:buNone/>
+            </a:pPr>
+            <a:r>
+              <a:rPr i="1" lang="en" sz="1800">
+                <a:solidFill>
+                  <a:srgbClr val="FFFFFF"/>
+                </a:solidFill>
+              </a:rPr>
+              <a:t>Store (Input H + Ch + ( (Wt+Kt) AND 2^31 ) ) AND 2^31 As mod1</a:t>
+            </a:r>
+            <a:endParaRPr i="1" sz="1800">
+              <a:solidFill>
+                <a:srgbClr val="FFFFFF"/>
+              </a:solidFill>
+            </a:endParaRPr>
+          </a:p>
+          <a:p>
+            <a:pPr indent="0" lvl="0" marL="914400" rtl="0" algn="just">
+              <a:lnSpc>
+                <a:spcPct val="115000"/>
+              </a:lnSpc>
+              <a:spcBef>
+                <a:spcPts val="0"/>
+              </a:spcBef>
+              <a:spcAft>
+                <a:spcPts val="0"/>
+              </a:spcAft>
+              <a:buNone/>
+            </a:pPr>
+            <a:r>
+              <a:rPr i="1" lang="en" sz="1800">
+                <a:solidFill>
+                  <a:srgbClr val="FFFFFF"/>
+                </a:solidFill>
+              </a:rPr>
+              <a:t>Store (sum1 + mod1) AND 2^31 as mod2</a:t>
+            </a:r>
+            <a:endParaRPr i="1" sz="1800">
+              <a:solidFill>
+                <a:srgbClr val="FFFFFF"/>
+              </a:solidFill>
+            </a:endParaRPr>
+          </a:p>
+          <a:p>
+            <a:pPr indent="0" lvl="0" marL="914400" rtl="0" algn="just">
+              <a:lnSpc>
+                <a:spcPct val="115000"/>
+              </a:lnSpc>
+              <a:spcBef>
+                <a:spcPts val="0"/>
+              </a:spcBef>
+              <a:spcAft>
+                <a:spcPts val="0"/>
+              </a:spcAft>
+              <a:buNone/>
+            </a:pPr>
+            <a:r>
+              <a:rPr i="1" lang="en" sz="1800">
+                <a:solidFill>
+                  <a:srgbClr val="FFFFFF"/>
+                </a:solidFill>
+              </a:rPr>
+              <a:t>Store (d + mod2) AND 2^31 into output E </a:t>
+            </a:r>
+            <a:endParaRPr i="1" sz="1800">
+              <a:solidFill>
+                <a:srgbClr val="FFFFFF"/>
+              </a:solidFill>
+            </a:endParaRPr>
+          </a:p>
+          <a:p>
+            <a:pPr indent="0" lvl="0" marL="914400" rtl="0" algn="just">
+              <a:lnSpc>
+                <a:spcPct val="115000"/>
+              </a:lnSpc>
+              <a:spcBef>
+                <a:spcPts val="0"/>
+              </a:spcBef>
+              <a:spcAft>
+                <a:spcPts val="0"/>
+              </a:spcAft>
+              <a:buNone/>
+            </a:pPr>
+            <a:r>
+              <a:rPr i="1" lang="en" sz="1800">
+                <a:solidFill>
+                  <a:srgbClr val="FFFFFF"/>
+                </a:solidFill>
+              </a:rPr>
+              <a:t>Store (MA + mod2) AND 2^31 as mod3</a:t>
+            </a:r>
+            <a:endParaRPr i="1" sz="1800">
+              <a:solidFill>
+                <a:srgbClr val="FFFFFF"/>
+              </a:solidFill>
+            </a:endParaRPr>
+          </a:p>
+          <a:p>
+            <a:pPr indent="0" lvl="0" marL="914400" rtl="0" algn="just">
+              <a:lnSpc>
+                <a:spcPct val="115000"/>
+              </a:lnSpc>
+              <a:spcBef>
+                <a:spcPts val="0"/>
+              </a:spcBef>
+              <a:spcAft>
+                <a:spcPts val="0"/>
+              </a:spcAft>
+              <a:buNone/>
+            </a:pPr>
+            <a:r>
+              <a:rPr i="1" lang="en" sz="1800">
+                <a:solidFill>
+                  <a:srgbClr val="FFFFFF"/>
+                </a:solidFill>
+              </a:rPr>
+              <a:t>Store (sum0 + mod3) AND 2^31 into output A</a:t>
+            </a:r>
+            <a:endParaRPr i="1" sz="1800">
+              <a:solidFill>
+                <a:srgbClr val="FFFFFF"/>
+              </a:solidFill>
+            </a:endParaRPr>
+          </a:p>
+          <a:p>
+            <a:pPr indent="0" lvl="0" marL="914400" rtl="0" algn="just">
+              <a:lnSpc>
+                <a:spcPct val="115000"/>
+              </a:lnSpc>
+              <a:spcBef>
+                <a:spcPts val="0"/>
+              </a:spcBef>
+              <a:spcAft>
+                <a:spcPts val="0"/>
+              </a:spcAft>
+              <a:buNone/>
+            </a:pPr>
+            <a:r>
+              <a:rPr i="1" lang="en" sz="1800">
+                <a:solidFill>
+                  <a:srgbClr val="FFFFFF"/>
+                </a:solidFill>
+              </a:rPr>
+              <a:t>Output is an array 8 items long where each item is 32 bits.</a:t>
+            </a:r>
+            <a:endParaRPr i="1" sz="1800">
               <a:solidFill>
                 <a:srgbClr val="FFFFFF"/>
               </a:solidFill>
@@ -14747,14 +15455,14 @@
               <a:buNone/>
             </a:pPr>
             <a:r>
-              <a:rPr i="1" lang="en" sz="1700">
-                <a:solidFill>
-                  <a:srgbClr val="FFFFFF"/>
-                </a:solidFill>
-              </a:rPr>
-              <a:t>	If site is phish</a:t>
-            </a:r>
-            <a:endParaRPr i="1" sz="1700">
+              <a:rPr i="1" lang="en" sz="1800">
+                <a:solidFill>
+                  <a:srgbClr val="FFFFFF"/>
+                </a:solidFill>
+              </a:rPr>
+              <a:t>End</a:t>
+            </a:r>
+            <a:endParaRPr i="1" sz="1800">
               <a:solidFill>
                 <a:srgbClr val="FFFFFF"/>
               </a:solidFill>
@@ -14774,14 +15482,9 @@
               <a:buNone/>
             </a:pPr>
             <a:r>
-              <a:rPr i="1" lang="en" sz="1700">
-                <a:solidFill>
-                  <a:srgbClr val="FFFFFF"/>
-                </a:solidFill>
-              </a:rPr>
-              <a:t>		Change icon to red</a:t>
-            </a:r>
-            <a:endParaRPr i="1" sz="1700">
+              <a:t/>
+            </a:r>
+            <a:endParaRPr i="1" sz="1800">
               <a:solidFill>
                 <a:srgbClr val="FFFFFF"/>
               </a:solidFill>
@@ -14801,274 +15504,9 @@
               <a:buNone/>
             </a:pPr>
             <a:r>
-              <a:rPr i="1" lang="en" sz="1700">
-                <a:solidFill>
-                  <a:srgbClr val="FFFFFF"/>
-                </a:solidFill>
-              </a:rPr>
-              <a:t>		Display warning message</a:t>
-            </a:r>
-            <a:endParaRPr i="1" sz="1700">
-              <a:solidFill>
-                <a:srgbClr val="FFFFFF"/>
-              </a:solidFill>
-            </a:endParaRPr>
-          </a:p>
-          <a:p>
-            <a:pPr indent="0" lvl="0" marL="914400" rtl="0" algn="just">
-              <a:lnSpc>
-                <a:spcPct val="115000"/>
-              </a:lnSpc>
-              <a:spcBef>
-                <a:spcPts val="0"/>
-              </a:spcBef>
-              <a:spcAft>
-                <a:spcPts val="0"/>
-              </a:spcAft>
-              <a:buNone/>
-            </a:pPr>
-            <a:r>
-              <a:rPr i="1" lang="en" sz="1700">
-                <a:solidFill>
-                  <a:srgbClr val="FFFFFF"/>
-                </a:solidFill>
-              </a:rPr>
-              <a:t>	If site has target</a:t>
-            </a:r>
-            <a:endParaRPr i="1" sz="1700">
-              <a:solidFill>
-                <a:srgbClr val="FFFFFF"/>
-              </a:solidFill>
-            </a:endParaRPr>
-          </a:p>
-          <a:p>
-            <a:pPr indent="0" lvl="0" marL="914400" rtl="0" algn="just">
-              <a:lnSpc>
-                <a:spcPct val="115000"/>
-              </a:lnSpc>
-              <a:spcBef>
-                <a:spcPts val="0"/>
-              </a:spcBef>
-              <a:spcAft>
-                <a:spcPts val="0"/>
-              </a:spcAft>
-              <a:buNone/>
-            </a:pPr>
-            <a:r>
-              <a:rPr i="1" lang="en" sz="1700">
-                <a:solidFill>
-                  <a:srgbClr val="FFFFFF"/>
-                </a:solidFill>
-              </a:rPr>
-              <a:t>		Display target link</a:t>
-            </a:r>
-            <a:endParaRPr i="1" sz="1700">
-              <a:solidFill>
-                <a:srgbClr val="FFFFFF"/>
-              </a:solidFill>
-            </a:endParaRPr>
-          </a:p>
-          <a:p>
-            <a:pPr indent="0" lvl="0" marL="914400" rtl="0" algn="just">
-              <a:lnSpc>
-                <a:spcPct val="115000"/>
-              </a:lnSpc>
-              <a:spcBef>
-                <a:spcPts val="0"/>
-              </a:spcBef>
-              <a:spcAft>
-                <a:spcPts val="0"/>
-              </a:spcAft>
-              <a:buNone/>
-            </a:pPr>
-            <a:r>
-              <a:rPr i="1" lang="en" sz="1700">
-                <a:solidFill>
-                  <a:srgbClr val="FFFFFF"/>
-                </a:solidFill>
-              </a:rPr>
-              <a:t>	Else</a:t>
-            </a:r>
-            <a:endParaRPr i="1" sz="1700">
-              <a:solidFill>
-                <a:srgbClr val="FFFFFF"/>
-              </a:solidFill>
-            </a:endParaRPr>
-          </a:p>
-          <a:p>
-            <a:pPr indent="0" lvl="0" marL="914400" rtl="0" algn="just">
-              <a:lnSpc>
-                <a:spcPct val="115000"/>
-              </a:lnSpc>
-              <a:spcBef>
-                <a:spcPts val="0"/>
-              </a:spcBef>
-              <a:spcAft>
-                <a:spcPts val="0"/>
-              </a:spcAft>
-              <a:buNone/>
-            </a:pPr>
-            <a:r>
-              <a:rPr i="1" lang="en" sz="1700">
-                <a:solidFill>
-                  <a:srgbClr val="FFFFFF"/>
-                </a:solidFill>
-              </a:rPr>
-              <a:t>		Display no target</a:t>
-            </a:r>
-            <a:endParaRPr i="1" sz="1700">
-              <a:solidFill>
-                <a:srgbClr val="FFFFFF"/>
-              </a:solidFill>
-            </a:endParaRPr>
-          </a:p>
-          <a:p>
-            <a:pPr indent="0" lvl="0" marL="914400" rtl="0" algn="just">
-              <a:lnSpc>
-                <a:spcPct val="115000"/>
-              </a:lnSpc>
-              <a:spcBef>
-                <a:spcPts val="0"/>
-              </a:spcBef>
-              <a:spcAft>
-                <a:spcPts val="0"/>
-              </a:spcAft>
-              <a:buNone/>
-            </a:pPr>
-            <a:r>
-              <a:rPr i="1" lang="en" sz="1700">
-                <a:solidFill>
-                  <a:srgbClr val="FFFFFF"/>
-                </a:solidFill>
-              </a:rPr>
-              <a:t>Else</a:t>
-            </a:r>
-            <a:endParaRPr i="1" sz="1700">
-              <a:solidFill>
-                <a:srgbClr val="FFFFFF"/>
-              </a:solidFill>
-            </a:endParaRPr>
-          </a:p>
-          <a:p>
-            <a:pPr indent="0" lvl="0" marL="914400" rtl="0" algn="just">
-              <a:lnSpc>
-                <a:spcPct val="115000"/>
-              </a:lnSpc>
-              <a:spcBef>
-                <a:spcPts val="0"/>
-              </a:spcBef>
-              <a:spcAft>
-                <a:spcPts val="0"/>
-              </a:spcAft>
-              <a:buNone/>
-            </a:pPr>
-            <a:r>
-              <a:rPr i="1" lang="en" sz="1700">
-                <a:solidFill>
-                  <a:srgbClr val="FFFFFF"/>
-                </a:solidFill>
-              </a:rPr>
-              <a:t>	Change icon to green</a:t>
-            </a:r>
-            <a:endParaRPr i="1" sz="1700">
-              <a:solidFill>
-                <a:srgbClr val="FFFFFF"/>
-              </a:solidFill>
-            </a:endParaRPr>
-          </a:p>
-          <a:p>
-            <a:pPr indent="0" lvl="0" marL="914400" rtl="0" algn="just">
-              <a:lnSpc>
-                <a:spcPct val="115000"/>
-              </a:lnSpc>
-              <a:spcBef>
-                <a:spcPts val="0"/>
-              </a:spcBef>
-              <a:spcAft>
-                <a:spcPts val="0"/>
-              </a:spcAft>
-              <a:buNone/>
-            </a:pPr>
-            <a:r>
-              <a:rPr i="1" lang="en" sz="1700">
-                <a:solidFill>
-                  <a:srgbClr val="FFFFFF"/>
-                </a:solidFill>
-              </a:rPr>
-              <a:t>	Display safe to proceed message</a:t>
-            </a:r>
-            <a:endParaRPr i="1" sz="1700">
-              <a:solidFill>
-                <a:srgbClr val="FFFFFF"/>
-              </a:solidFill>
-            </a:endParaRPr>
-          </a:p>
-          <a:p>
-            <a:pPr indent="0" lvl="0" marL="457200" rtl="0" algn="just">
-              <a:lnSpc>
-                <a:spcPct val="115000"/>
-              </a:lnSpc>
-              <a:spcBef>
-                <a:spcPts val="0"/>
-              </a:spcBef>
-              <a:spcAft>
-                <a:spcPts val="0"/>
-              </a:spcAft>
-              <a:buNone/>
-            </a:pPr>
-            <a:r>
-              <a:rPr i="1" lang="en" sz="1700">
-                <a:solidFill>
-                  <a:srgbClr val="FFFFFF"/>
-                </a:solidFill>
-              </a:rPr>
-              <a:t>End</a:t>
-            </a:r>
-            <a:endParaRPr i="1" sz="1700">
-              <a:solidFill>
-                <a:srgbClr val="FFFFFF"/>
-              </a:solidFill>
-            </a:endParaRPr>
-          </a:p>
-          <a:p>
-            <a:pPr indent="0" lvl="0" marL="457200" rtl="0" algn="just">
-              <a:lnSpc>
-                <a:spcPct val="115000"/>
-              </a:lnSpc>
-              <a:spcBef>
-                <a:spcPts val="0"/>
-              </a:spcBef>
-              <a:spcAft>
-                <a:spcPts val="0"/>
-              </a:spcAft>
-              <a:buNone/>
-            </a:pPr>
-            <a:r>
               <a:t/>
             </a:r>
-            <a:endParaRPr i="1" sz="1700">
-              <a:solidFill>
-                <a:srgbClr val="FFFFFF"/>
-              </a:solidFill>
-            </a:endParaRPr>
-          </a:p>
-          <a:p>
-            <a:pPr indent="0" lvl="0" marL="457200" rtl="0" algn="just">
-              <a:lnSpc>
-                <a:spcPct val="115000"/>
-              </a:lnSpc>
-              <a:spcBef>
-                <a:spcPts val="0"/>
-              </a:spcBef>
-              <a:spcAft>
-                <a:spcPts val="0"/>
-              </a:spcAft>
-              <a:buNone/>
-            </a:pPr>
-            <a:r>
-              <a:t/>
-            </a:r>
-            <a:endParaRPr i="1" sz="1700">
+            <a:endParaRPr i="1" sz="1800">
               <a:solidFill>
                 <a:srgbClr val="FFFFFF"/>
               </a:solidFill>
@@ -15101,9 +15539,37 @@
           <a:chExt cx="0" cy="0"/>
         </a:xfrm>
       </p:grpSpPr>
+      <p:pic>
+        <p:nvPicPr>
+          <p:cNvPr id="200" name="Google Shape;200;p37"/>
+          <p:cNvPicPr preferRelativeResize="0"/>
+          <p:nvPr/>
+        </p:nvPicPr>
+        <p:blipFill>
+          <a:blip r:embed="rId3">
+            <a:alphaModFix/>
+          </a:blip>
+          <a:stretch>
+            <a:fillRect/>
+          </a:stretch>
+        </p:blipFill>
+        <p:spPr>
+          <a:xfrm>
+            <a:off x="987875" y="1131788"/>
+            <a:ext cx="7168250" cy="3578725"/>
+          </a:xfrm>
+          <a:prstGeom prst="rect">
+            <a:avLst/>
+          </a:prstGeom>
+          <a:noFill/>
+          <a:ln>
+            <a:noFill/>
+          </a:ln>
+        </p:spPr>
+      </p:pic>
       <p:sp>
         <p:nvSpPr>
-          <p:cNvPr id="200" name="Google Shape;200;p37"/>
+          <p:cNvPr id="201" name="Google Shape;201;p37"/>
           <p:cNvSpPr txBox="1"/>
           <p:nvPr>
             <p:ph type="ctrTitle"/>
@@ -15111,8 +15577,8 @@
         </p:nvSpPr>
         <p:spPr>
           <a:xfrm>
-            <a:off x="2052475" y="685800"/>
-            <a:ext cx="4884600" cy="860700"/>
+            <a:off x="217025" y="471300"/>
+            <a:ext cx="8544900" cy="705000"/>
           </a:xfrm>
           <a:prstGeom prst="rect">
             <a:avLst/>
@@ -15142,95 +15608,9 @@
                   <a:srgbClr val="FFFFFF"/>
                 </a:solidFill>
               </a:rPr>
-              <a:t>IMPLEMENTATION</a:t>
+              <a:t>WEB BROWSER</a:t>
             </a:r>
             <a:endParaRPr sz="3000">
-              <a:solidFill>
-                <a:srgbClr val="FFFFFF"/>
-              </a:solidFill>
-            </a:endParaRPr>
-          </a:p>
-        </p:txBody>
-      </p:sp>
-      <p:sp>
-        <p:nvSpPr>
-          <p:cNvPr id="201" name="Google Shape;201;p37"/>
-          <p:cNvSpPr txBox="1"/>
-          <p:nvPr>
-            <p:ph idx="1" type="subTitle"/>
-          </p:nvPr>
-        </p:nvSpPr>
-        <p:spPr>
-          <a:xfrm>
-            <a:off x="2478775" y="1853875"/>
-            <a:ext cx="4032000" cy="1142700"/>
-          </a:xfrm>
-          <a:prstGeom prst="rect">
-            <a:avLst/>
-          </a:prstGeom>
-        </p:spPr>
-        <p:txBody>
-          <a:bodyPr anchorCtr="0" anchor="t" bIns="91425" lIns="91425" spcFirstLastPara="1" rIns="91425" wrap="square" tIns="91425">
-            <a:noAutofit/>
-          </a:bodyPr>
-          <a:lstStyle/>
-          <a:p>
-            <a:pPr indent="-342900" lvl="0" marL="457200" rtl="0" algn="just">
-              <a:lnSpc>
-                <a:spcPct val="115000"/>
-              </a:lnSpc>
-              <a:spcBef>
-                <a:spcPts val="0"/>
-              </a:spcBef>
-              <a:spcAft>
-                <a:spcPts val="0"/>
-              </a:spcAft>
-              <a:buClr>
-                <a:srgbClr val="FFFFFF"/>
-              </a:buClr>
-              <a:buSzPts val="1800"/>
-              <a:buChar char="●"/>
-            </a:pPr>
-            <a:r>
-              <a:rPr lang="en" sz="1800">
-                <a:solidFill>
-                  <a:srgbClr val="FFFFFF"/>
-                </a:solidFill>
-              </a:rPr>
-              <a:t>CONTENT SCRIPT</a:t>
-            </a:r>
-            <a:endParaRPr sz="1800">
-              <a:solidFill>
-                <a:srgbClr val="FFFFFF"/>
-              </a:solidFill>
-            </a:endParaRPr>
-          </a:p>
-          <a:p>
-            <a:pPr indent="-342900" lvl="0" marL="457200" rtl="0" algn="just">
-              <a:lnSpc>
-                <a:spcPct val="115000"/>
-              </a:lnSpc>
-              <a:spcBef>
-                <a:spcPts val="0"/>
-              </a:spcBef>
-              <a:spcAft>
-                <a:spcPts val="0"/>
-              </a:spcAft>
-              <a:buClr>
-                <a:srgbClr val="FFFFFF"/>
-              </a:buClr>
-              <a:buSzPts val="1800"/>
-              <a:buChar char="●"/>
-            </a:pPr>
-            <a:r>
-              <a:rPr lang="en" sz="1800">
-                <a:solidFill>
-                  <a:srgbClr val="FFFFFF"/>
-                </a:solidFill>
-              </a:rPr>
-              <a:t>BACKGROUND SCRIPT</a:t>
-            </a:r>
-            <a:endParaRPr sz="1800">
               <a:solidFill>
                 <a:srgbClr val="FFFFFF"/>
               </a:solidFill>
@@ -15273,7 +15653,7 @@
         </p:nvSpPr>
         <p:spPr>
           <a:xfrm>
-            <a:off x="2070500" y="208400"/>
+            <a:off x="2060275" y="252325"/>
             <a:ext cx="4884600" cy="860700"/>
           </a:xfrm>
           <a:prstGeom prst="rect">
@@ -15304,7 +15684,7 @@
                   <a:srgbClr val="FFFFFF"/>
                 </a:solidFill>
               </a:rPr>
-              <a:t>CONTENT SCRIPT</a:t>
+              <a:t>OUTPUT UI</a:t>
             </a:r>
             <a:endParaRPr sz="3000">
               <a:solidFill>
@@ -15314,34 +15694,398 @@
           </a:p>
         </p:txBody>
       </p:sp>
-      <p:pic>
-        <p:nvPicPr>
+      <p:sp>
+        <p:nvSpPr>
           <p:cNvPr id="207" name="Google Shape;207;p38"/>
-          <p:cNvPicPr preferRelativeResize="0"/>
-          <p:nvPr/>
-        </p:nvPicPr>
-        <p:blipFill>
-          <a:blip r:embed="rId3">
-            <a:alphaModFix/>
-          </a:blip>
-          <a:stretch>
-            <a:fillRect/>
-          </a:stretch>
-        </p:blipFill>
+          <p:cNvSpPr txBox="1"/>
+          <p:nvPr>
+            <p:ph idx="1" type="subTitle"/>
+          </p:nvPr>
+        </p:nvSpPr>
         <p:spPr>
           <a:xfrm>
-            <a:off x="1434875" y="1069100"/>
-            <a:ext cx="6155851" cy="3846249"/>
+            <a:off x="1027500" y="1001900"/>
+            <a:ext cx="7089000" cy="3259500"/>
           </a:xfrm>
           <a:prstGeom prst="rect">
             <a:avLst/>
           </a:prstGeom>
-          <a:noFill/>
-          <a:ln>
-            <a:noFill/>
-          </a:ln>
         </p:spPr>
-      </p:pic>
+        <p:txBody>
+          <a:bodyPr anchorCtr="0" anchor="t" bIns="91425" lIns="91425" spcFirstLastPara="1" rIns="91425" wrap="square" tIns="91425">
+            <a:noAutofit/>
+          </a:bodyPr>
+          <a:lstStyle/>
+          <a:p>
+            <a:pPr indent="0" lvl="0" marL="457200" rtl="0" algn="just">
+              <a:lnSpc>
+                <a:spcPct val="115000"/>
+              </a:lnSpc>
+              <a:spcBef>
+                <a:spcPts val="0"/>
+              </a:spcBef>
+              <a:spcAft>
+                <a:spcPts val="0"/>
+              </a:spcAft>
+              <a:buNone/>
+            </a:pPr>
+            <a:r>
+              <a:rPr i="1" lang="en" sz="1700">
+                <a:solidFill>
+                  <a:srgbClr val="FFFFFF"/>
+                </a:solidFill>
+              </a:rPr>
+              <a:t>Begin</a:t>
+            </a:r>
+            <a:endParaRPr i="1" sz="1700">
+              <a:solidFill>
+                <a:srgbClr val="FFFFFF"/>
+              </a:solidFill>
+            </a:endParaRPr>
+          </a:p>
+          <a:p>
+            <a:pPr indent="0" lvl="0" marL="457200" rtl="0" algn="just">
+              <a:lnSpc>
+                <a:spcPct val="115000"/>
+              </a:lnSpc>
+              <a:spcBef>
+                <a:spcPts val="0"/>
+              </a:spcBef>
+              <a:spcAft>
+                <a:spcPts val="0"/>
+              </a:spcAft>
+              <a:buNone/>
+            </a:pPr>
+            <a:r>
+              <a:rPr i="1" lang="en" sz="1700">
+                <a:solidFill>
+                  <a:srgbClr val="FFFFFF"/>
+                </a:solidFill>
+              </a:rPr>
+              <a:t>	If site is phish</a:t>
+            </a:r>
+            <a:endParaRPr i="1" sz="1700">
+              <a:solidFill>
+                <a:srgbClr val="FFFFFF"/>
+              </a:solidFill>
+            </a:endParaRPr>
+          </a:p>
+          <a:p>
+            <a:pPr indent="0" lvl="0" marL="457200" rtl="0" algn="just">
+              <a:lnSpc>
+                <a:spcPct val="115000"/>
+              </a:lnSpc>
+              <a:spcBef>
+                <a:spcPts val="0"/>
+              </a:spcBef>
+              <a:spcAft>
+                <a:spcPts val="0"/>
+              </a:spcAft>
+              <a:buNone/>
+            </a:pPr>
+            <a:r>
+              <a:rPr i="1" lang="en" sz="1700">
+                <a:solidFill>
+                  <a:srgbClr val="FFFFFF"/>
+                </a:solidFill>
+              </a:rPr>
+              <a:t>		Change icon to red</a:t>
+            </a:r>
+            <a:endParaRPr i="1" sz="1700">
+              <a:solidFill>
+                <a:srgbClr val="FFFFFF"/>
+              </a:solidFill>
+            </a:endParaRPr>
+          </a:p>
+          <a:p>
+            <a:pPr indent="0" lvl="0" marL="457200" rtl="0" algn="just">
+              <a:lnSpc>
+                <a:spcPct val="115000"/>
+              </a:lnSpc>
+              <a:spcBef>
+                <a:spcPts val="0"/>
+              </a:spcBef>
+              <a:spcAft>
+                <a:spcPts val="0"/>
+              </a:spcAft>
+              <a:buNone/>
+            </a:pPr>
+            <a:r>
+              <a:rPr i="1" lang="en" sz="1700">
+                <a:solidFill>
+                  <a:srgbClr val="FFFFFF"/>
+                </a:solidFill>
+              </a:rPr>
+              <a:t>		Display warning message</a:t>
+            </a:r>
+            <a:endParaRPr i="1" sz="1700">
+              <a:solidFill>
+                <a:srgbClr val="FFFFFF"/>
+              </a:solidFill>
+            </a:endParaRPr>
+          </a:p>
+          <a:p>
+            <a:pPr indent="0" lvl="0" marL="914400" rtl="0" algn="just">
+              <a:lnSpc>
+                <a:spcPct val="115000"/>
+              </a:lnSpc>
+              <a:spcBef>
+                <a:spcPts val="0"/>
+              </a:spcBef>
+              <a:spcAft>
+                <a:spcPts val="0"/>
+              </a:spcAft>
+              <a:buNone/>
+            </a:pPr>
+            <a:r>
+              <a:rPr i="1" lang="en" sz="1700">
+                <a:solidFill>
+                  <a:srgbClr val="FFFFFF"/>
+                </a:solidFill>
+              </a:rPr>
+              <a:t>	If site has target</a:t>
+            </a:r>
+            <a:endParaRPr i="1" sz="1700">
+              <a:solidFill>
+                <a:srgbClr val="FFFFFF"/>
+              </a:solidFill>
+            </a:endParaRPr>
+          </a:p>
+          <a:p>
+            <a:pPr indent="0" lvl="0" marL="914400" rtl="0" algn="just">
+              <a:lnSpc>
+                <a:spcPct val="115000"/>
+              </a:lnSpc>
+              <a:spcBef>
+                <a:spcPts val="0"/>
+              </a:spcBef>
+              <a:spcAft>
+                <a:spcPts val="0"/>
+              </a:spcAft>
+              <a:buNone/>
+            </a:pPr>
+            <a:r>
+              <a:rPr i="1" lang="en" sz="1700">
+                <a:solidFill>
+                  <a:srgbClr val="FFFFFF"/>
+                </a:solidFill>
+              </a:rPr>
+              <a:t>		Display target link</a:t>
+            </a:r>
+            <a:endParaRPr i="1" sz="1700">
+              <a:solidFill>
+                <a:srgbClr val="FFFFFF"/>
+              </a:solidFill>
+            </a:endParaRPr>
+          </a:p>
+          <a:p>
+            <a:pPr indent="0" lvl="0" marL="914400" rtl="0" algn="just">
+              <a:lnSpc>
+                <a:spcPct val="115000"/>
+              </a:lnSpc>
+              <a:spcBef>
+                <a:spcPts val="0"/>
+              </a:spcBef>
+              <a:spcAft>
+                <a:spcPts val="0"/>
+              </a:spcAft>
+              <a:buNone/>
+            </a:pPr>
+            <a:r>
+              <a:rPr i="1" lang="en" sz="1700">
+                <a:solidFill>
+                  <a:srgbClr val="FFFFFF"/>
+                </a:solidFill>
+              </a:rPr>
+              <a:t>	Else</a:t>
+            </a:r>
+            <a:endParaRPr i="1" sz="1700">
+              <a:solidFill>
+                <a:srgbClr val="FFFFFF"/>
+              </a:solidFill>
+            </a:endParaRPr>
+          </a:p>
+          <a:p>
+            <a:pPr indent="0" lvl="0" marL="914400" rtl="0" algn="just">
+              <a:lnSpc>
+                <a:spcPct val="115000"/>
+              </a:lnSpc>
+              <a:spcBef>
+                <a:spcPts val="0"/>
+              </a:spcBef>
+              <a:spcAft>
+                <a:spcPts val="0"/>
+              </a:spcAft>
+              <a:buNone/>
+            </a:pPr>
+            <a:r>
+              <a:rPr i="1" lang="en" sz="1700">
+                <a:solidFill>
+                  <a:srgbClr val="FFFFFF"/>
+                </a:solidFill>
+              </a:rPr>
+              <a:t>		Display no target</a:t>
+            </a:r>
+            <a:endParaRPr i="1" sz="1700">
+              <a:solidFill>
+                <a:srgbClr val="FFFFFF"/>
+              </a:solidFill>
+            </a:endParaRPr>
+          </a:p>
+          <a:p>
+            <a:pPr indent="0" lvl="0" marL="914400" rtl="0" algn="just">
+              <a:lnSpc>
+                <a:spcPct val="115000"/>
+              </a:lnSpc>
+              <a:spcBef>
+                <a:spcPts val="0"/>
+              </a:spcBef>
+              <a:spcAft>
+                <a:spcPts val="0"/>
+              </a:spcAft>
+              <a:buNone/>
+            </a:pPr>
+            <a:r>
+              <a:rPr i="1" lang="en" sz="1700">
+                <a:solidFill>
+                  <a:srgbClr val="FFFFFF"/>
+                </a:solidFill>
+              </a:rPr>
+              <a:t>Else</a:t>
+            </a:r>
+            <a:endParaRPr i="1" sz="1700">
+              <a:solidFill>
+                <a:srgbClr val="FFFFFF"/>
+              </a:solidFill>
+            </a:endParaRPr>
+          </a:p>
+          <a:p>
+            <a:pPr indent="0" lvl="0" marL="914400" rtl="0" algn="just">
+              <a:lnSpc>
+                <a:spcPct val="115000"/>
+              </a:lnSpc>
+              <a:spcBef>
+                <a:spcPts val="0"/>
+              </a:spcBef>
+              <a:spcAft>
+                <a:spcPts val="0"/>
+              </a:spcAft>
+              <a:buNone/>
+            </a:pPr>
+            <a:r>
+              <a:rPr i="1" lang="en" sz="1700">
+                <a:solidFill>
+                  <a:srgbClr val="FFFFFF"/>
+                </a:solidFill>
+              </a:rPr>
+              <a:t>	Change icon to green</a:t>
+            </a:r>
+            <a:endParaRPr i="1" sz="1700">
+              <a:solidFill>
+                <a:srgbClr val="FFFFFF"/>
+              </a:solidFill>
+            </a:endParaRPr>
+          </a:p>
+          <a:p>
+            <a:pPr indent="0" lvl="0" marL="914400" rtl="0" algn="just">
+              <a:lnSpc>
+                <a:spcPct val="115000"/>
+              </a:lnSpc>
+              <a:spcBef>
+                <a:spcPts val="0"/>
+              </a:spcBef>
+              <a:spcAft>
+                <a:spcPts val="0"/>
+              </a:spcAft>
+              <a:buNone/>
+            </a:pPr>
+            <a:r>
+              <a:rPr i="1" lang="en" sz="1700">
+                <a:solidFill>
+                  <a:srgbClr val="FFFFFF"/>
+                </a:solidFill>
+              </a:rPr>
+              <a:t>	Display safe to proceed message</a:t>
+            </a:r>
+            <a:endParaRPr i="1" sz="1700">
+              <a:solidFill>
+                <a:srgbClr val="FFFFFF"/>
+              </a:solidFill>
+            </a:endParaRPr>
+          </a:p>
+          <a:p>
+            <a:pPr indent="0" lvl="0" marL="457200" rtl="0" algn="just">
+              <a:lnSpc>
+                <a:spcPct val="115000"/>
+              </a:lnSpc>
+              <a:spcBef>
+                <a:spcPts val="0"/>
+              </a:spcBef>
+              <a:spcAft>
+                <a:spcPts val="0"/>
+              </a:spcAft>
+              <a:buNone/>
+            </a:pPr>
+            <a:r>
+              <a:rPr i="1" lang="en" sz="1700">
+                <a:solidFill>
+                  <a:srgbClr val="FFFFFF"/>
+                </a:solidFill>
+              </a:rPr>
+              <a:t>End</a:t>
+            </a:r>
+            <a:endParaRPr i="1" sz="1700">
+              <a:solidFill>
+                <a:srgbClr val="FFFFFF"/>
+              </a:solidFill>
+            </a:endParaRPr>
+          </a:p>
+          <a:p>
+            <a:pPr indent="0" lvl="0" marL="457200" rtl="0" algn="just">
+              <a:lnSpc>
+                <a:spcPct val="115000"/>
+              </a:lnSpc>
+              <a:spcBef>
+                <a:spcPts val="0"/>
+              </a:spcBef>
+              <a:spcAft>
+                <a:spcPts val="0"/>
+              </a:spcAft>
+              <a:buNone/>
+            </a:pPr>
+            <a:r>
+              <a:t/>
+            </a:r>
+            <a:endParaRPr i="1" sz="1700">
+              <a:solidFill>
+                <a:srgbClr val="FFFFFF"/>
+              </a:solidFill>
+            </a:endParaRPr>
+          </a:p>
+          <a:p>
+            <a:pPr indent="0" lvl="0" marL="457200" rtl="0" algn="just">
+              <a:lnSpc>
+                <a:spcPct val="115000"/>
+              </a:lnSpc>
+              <a:spcBef>
+                <a:spcPts val="0"/>
+              </a:spcBef>
+              <a:spcAft>
+                <a:spcPts val="0"/>
+              </a:spcAft>
+              <a:buNone/>
+            </a:pPr>
+            <a:r>
+              <a:t/>
+            </a:r>
+            <a:endParaRPr i="1" sz="1700">
+              <a:solidFill>
+                <a:srgbClr val="FFFFFF"/>
+              </a:solidFill>
+            </a:endParaRPr>
+          </a:p>
+        </p:txBody>
+      </p:sp>
     </p:spTree>
   </p:cSld>
   <p:clrMapOvr>
@@ -15377,7 +16121,7 @@
         </p:nvSpPr>
         <p:spPr>
           <a:xfrm>
-            <a:off x="2070500" y="208400"/>
+            <a:off x="2052475" y="685800"/>
             <a:ext cx="4884600" cy="860700"/>
           </a:xfrm>
           <a:prstGeom prst="rect">
@@ -15408,7 +16152,7 @@
                   <a:srgbClr val="FFFFFF"/>
                 </a:solidFill>
               </a:rPr>
-              <a:t>CONTENT SCRIPT</a:t>
+              <a:t>IMPLEMENTATION</a:t>
             </a:r>
             <a:endParaRPr sz="3000">
               <a:solidFill>
@@ -15428,8 +16172,8 @@
         </p:nvSpPr>
         <p:spPr>
           <a:xfrm>
-            <a:off x="1027500" y="1367525"/>
-            <a:ext cx="7089000" cy="3259500"/>
+            <a:off x="2478775" y="1853875"/>
+            <a:ext cx="4032000" cy="1142700"/>
           </a:xfrm>
           <a:prstGeom prst="rect">
             <a:avLst/>
@@ -15441,157 +16185,62 @@
           </a:bodyPr>
           <a:lstStyle/>
           <a:p>
-            <a:pPr indent="0" lvl="0" marL="457200" rtl="0" algn="just">
-              <a:lnSpc>
-                <a:spcPct val="115000"/>
-              </a:lnSpc>
-              <a:spcBef>
-                <a:spcPts val="0"/>
-              </a:spcBef>
-              <a:spcAft>
-                <a:spcPts val="0"/>
-              </a:spcAft>
-              <a:buNone/>
-            </a:pPr>
-            <a:r>
-              <a:rPr i="1" lang="en" sz="1800">
-                <a:solidFill>
-                  <a:srgbClr val="FFFFFF"/>
-                </a:solidFill>
-              </a:rPr>
-              <a:t>//Retrieve URL JS</a:t>
-            </a:r>
-            <a:endParaRPr i="1" sz="1800">
-              <a:solidFill>
-                <a:srgbClr val="FFFFFF"/>
-              </a:solidFill>
-            </a:endParaRPr>
-          </a:p>
-          <a:p>
-            <a:pPr indent="0" lvl="0" marL="457200" rtl="0" algn="just">
-              <a:lnSpc>
-                <a:spcPct val="115000"/>
-              </a:lnSpc>
-              <a:spcBef>
-                <a:spcPts val="0"/>
-              </a:spcBef>
-              <a:spcAft>
-                <a:spcPts val="0"/>
-              </a:spcAft>
-              <a:buNone/>
-            </a:pPr>
-            <a:r>
-              <a:rPr i="1" lang="en" sz="1800">
-                <a:solidFill>
-                  <a:srgbClr val="FFFFFF"/>
-                </a:solidFill>
-              </a:rPr>
-              <a:t>tablink = tab.url;</a:t>
-            </a:r>
-            <a:endParaRPr i="1" sz="1800">
-              <a:solidFill>
-                <a:srgbClr val="FFFFFF"/>
-              </a:solidFill>
-            </a:endParaRPr>
-          </a:p>
-          <a:p>
-            <a:pPr indent="0" lvl="0" marL="457200" rtl="0" algn="just">
-              <a:lnSpc>
-                <a:spcPct val="115000"/>
-              </a:lnSpc>
-              <a:spcBef>
-                <a:spcPts val="0"/>
-              </a:spcBef>
-              <a:spcAft>
-                <a:spcPts val="0"/>
-              </a:spcAft>
-              <a:buNone/>
-            </a:pPr>
-            <a:r>
-              <a:t/>
-            </a:r>
-            <a:endParaRPr i="1" sz="1800">
-              <a:solidFill>
-                <a:srgbClr val="FFFFFF"/>
-              </a:solidFill>
-            </a:endParaRPr>
-          </a:p>
-          <a:p>
-            <a:pPr indent="0" lvl="0" marL="457200" rtl="0" algn="just">
-              <a:lnSpc>
-                <a:spcPct val="115000"/>
-              </a:lnSpc>
-              <a:spcBef>
-                <a:spcPts val="0"/>
-              </a:spcBef>
-              <a:spcAft>
-                <a:spcPts val="0"/>
-              </a:spcAft>
-              <a:buNone/>
-            </a:pPr>
-            <a:r>
-              <a:rPr i="1" lang="en" sz="1800">
-                <a:solidFill>
-                  <a:srgbClr val="FFFFFF"/>
-                </a:solidFill>
-              </a:rPr>
-              <a:t>//Retrieve Page content PHP</a:t>
-            </a:r>
-            <a:endParaRPr i="1" sz="1800">
-              <a:solidFill>
-                <a:srgbClr val="FFFFFF"/>
-              </a:solidFill>
-            </a:endParaRPr>
-          </a:p>
-          <a:p>
-            <a:pPr indent="0" lvl="0" marL="457200" rtl="0" algn="just">
-              <a:lnSpc>
-                <a:spcPct val="115000"/>
-              </a:lnSpc>
-              <a:spcBef>
-                <a:spcPts val="0"/>
-              </a:spcBef>
-              <a:spcAft>
-                <a:spcPts val="0"/>
-              </a:spcAft>
-              <a:buNone/>
-            </a:pPr>
-            <a:r>
-              <a:rPr i="1" lang="en" sz="1800">
-                <a:solidFill>
-                  <a:srgbClr val="FFFFFF"/>
-                </a:solidFill>
-              </a:rPr>
-              <a:t>$site=$_POST['url'];</a:t>
-            </a:r>
-            <a:endParaRPr i="1" sz="1800">
-              <a:solidFill>
-                <a:srgbClr val="FFFFFF"/>
-              </a:solidFill>
-            </a:endParaRPr>
-          </a:p>
-          <a:p>
-            <a:pPr indent="0" lvl="0" marL="457200" rtl="0" algn="just">
-              <a:lnSpc>
-                <a:spcPct val="115000"/>
-              </a:lnSpc>
-              <a:spcBef>
-                <a:spcPts val="0"/>
-              </a:spcBef>
-              <a:spcAft>
-                <a:spcPts val="0"/>
-              </a:spcAft>
-              <a:buNone/>
-            </a:pPr>
-            <a:r>
-              <a:rPr i="1" lang="en" sz="1800">
-                <a:solidFill>
-                  <a:srgbClr val="FFFFFF"/>
-                </a:solidFill>
-              </a:rPr>
-              <a:t>$html = file_get_contents($site);</a:t>
-            </a:r>
-            <a:endParaRPr i="1" sz="1800">
+            <a:pPr indent="-342900" lvl="0" marL="457200" rtl="0" algn="just">
+              <a:lnSpc>
+                <a:spcPct val="115000"/>
+              </a:lnSpc>
+              <a:spcBef>
+                <a:spcPts val="0"/>
+              </a:spcBef>
+              <a:spcAft>
+                <a:spcPts val="0"/>
+              </a:spcAft>
+              <a:buClr>
+                <a:srgbClr val="FFFFFF"/>
+              </a:buClr>
+              <a:buSzPts val="1800"/>
+              <a:buChar char="●"/>
+            </a:pPr>
+            <a:r>
+              <a:rPr lang="en" sz="1800">
+                <a:solidFill>
+                  <a:srgbClr val="FFFFFF"/>
+                </a:solidFill>
+              </a:rPr>
+              <a:t>CONTENT SCRIPT</a:t>
+            </a:r>
+            <a:endParaRPr sz="1800">
+              <a:solidFill>
+                <a:srgbClr val="FFFFFF"/>
+              </a:solidFill>
+            </a:endParaRPr>
+          </a:p>
+          <a:p>
+            <a:pPr indent="-342900" lvl="0" marL="457200" rtl="0" algn="just">
+              <a:lnSpc>
+                <a:spcPct val="115000"/>
+              </a:lnSpc>
+              <a:spcBef>
+                <a:spcPts val="0"/>
+              </a:spcBef>
+              <a:spcAft>
+                <a:spcPts val="0"/>
+              </a:spcAft>
+              <a:buClr>
+                <a:srgbClr val="FFFFFF"/>
+              </a:buClr>
+              <a:buSzPts val="1800"/>
+              <a:buChar char="●"/>
+            </a:pPr>
+            <a:r>
+              <a:rPr lang="en" sz="1800">
+                <a:solidFill>
+                  <a:srgbClr val="FFFFFF"/>
+                </a:solidFill>
+              </a:rPr>
+              <a:t>BACKGROUND SCRIPT</a:t>
+            </a:r>
+            <a:endParaRPr sz="1800">
               <a:solidFill>
                 <a:srgbClr val="FFFFFF"/>
               </a:solidFill>
@@ -15665,15 +16314,7 @@
                   <a:srgbClr val="FFFFFF"/>
                 </a:solidFill>
               </a:rPr>
-              <a:t>BACKGROUND</a:t>
-            </a:r>
-            <a:r>
-              <a:rPr b="1" lang="en" sz="3000">
-                <a:solidFill>
-                  <a:srgbClr val="FFFFFF"/>
-                </a:solidFill>
-              </a:rPr>
-              <a:t> SCRIPT</a:t>
+              <a:t>CONTENT SCRIPT</a:t>
             </a:r>
             <a:endParaRPr sz="3000">
               <a:solidFill>
@@ -15689,12 +16330,13 @@
           <p:cNvPicPr preferRelativeResize="0"/>
           <p:nvPr/>
         </p:nvPicPr>
-        <p:blipFill rotWithShape="1">
+        <p:blipFill>
           <a:blip r:embed="rId3">
             <a:alphaModFix/>
           </a:blip>
-          <a:srcRect b="0" l="0" r="0" t="0"/>
-          <a:stretch/>
+          <a:stretch>
+            <a:fillRect/>
+          </a:stretch>
         </p:blipFill>
         <p:spPr>
           <a:xfrm>
@@ -15776,15 +16418,7 @@
                   <a:srgbClr val="FFFFFF"/>
                 </a:solidFill>
               </a:rPr>
-              <a:t>BACKGROUND</a:t>
-            </a:r>
-            <a:r>
-              <a:rPr b="1" lang="en" sz="3000">
-                <a:solidFill>
-                  <a:srgbClr val="FFFFFF"/>
-                </a:solidFill>
-              </a:rPr>
-              <a:t> SCRIPT</a:t>
+              <a:t>CONTENT SCRIPT</a:t>
             </a:r>
             <a:endParaRPr sz="3000">
               <a:solidFill>
@@ -15835,7 +16469,7 @@
                   <a:srgbClr val="FFFFFF"/>
                 </a:solidFill>
               </a:rPr>
-              <a:t>//URL path item</a:t>
+              <a:t>//Retrieve URL JS</a:t>
             </a:r>
             <a:endParaRPr i="1" sz="1800">
               <a:solidFill>
@@ -15862,7 +16496,7 @@
                   <a:srgbClr val="FFFFFF"/>
                 </a:solidFill>
               </a:rPr>
-              <a:t>url: pathItem.url,</a:t>
+              <a:t>tablink = tab.url;</a:t>
             </a:r>
             <a:endParaRPr i="1" sz="1800">
               <a:solidFill>
@@ -15884,12 +16518,34 @@
               <a:buNone/>
             </a:pPr>
             <a:r>
+              <a:t/>
+            </a:r>
+            <a:endParaRPr i="1" sz="1800">
+              <a:solidFill>
+                <a:srgbClr val="FFFFFF"/>
+              </a:solidFill>
+            </a:endParaRPr>
+          </a:p>
+          <a:p>
+            <a:pPr indent="0" lvl="0" marL="457200" rtl="0" algn="just">
+              <a:lnSpc>
+                <a:spcPct val="115000"/>
+              </a:lnSpc>
+              <a:spcBef>
+                <a:spcPts val="0"/>
+              </a:spcBef>
+              <a:spcAft>
+                <a:spcPts val="0"/>
+              </a:spcAft>
+              <a:buNone/>
+            </a:pPr>
+            <a:r>
               <a:rPr i="1" lang="en" sz="1800">
                 <a:solidFill>
                   <a:srgbClr val="FFFFFF"/>
                 </a:solidFill>
               </a:rPr>
-              <a:t>status: pathItem.status_line,</a:t>
+              <a:t>//Retrieve Page content PHP</a:t>
             </a:r>
             <a:endParaRPr i="1" sz="1800">
               <a:solidFill>
@@ -15916,7 +16572,7 @@
                   <a:srgbClr val="FFFFFF"/>
                 </a:solidFill>
               </a:rPr>
-              <a:t>redirect_type: pathItem.redirect_type,</a:t>
+              <a:t>$site=$_POST['url'];</a:t>
             </a:r>
             <a:endParaRPr i="1" sz="1800">
               <a:solidFill>
@@ -15943,34 +16599,7 @@
                   <a:srgbClr val="FFFFFF"/>
                 </a:solidFill>
               </a:rPr>
-              <a:t>redirect_url: pathItem.redirect_url,</a:t>
-            </a:r>
-            <a:endParaRPr i="1" sz="1800">
-              <a:solidFill>
-                <a:srgbClr val="FFFFFF"/>
-              </a:solidFill>
-            </a:endParaRPr>
-          </a:p>
-          <a:p>
-            <a:pPr indent="0" lvl="0" marL="457200" rtl="0" algn="just">
-              <a:lnSpc>
-                <a:spcPct val="115000"/>
-              </a:lnSpc>
-              <a:spcBef>
-                <a:spcPts val="0"/>
-              </a:spcBef>
-              <a:spcAft>
-                <a:spcPts val="0"/>
-              </a:spcAft>
-              <a:buNone/>
-            </a:pPr>
-            <a:r>
-              <a:rPr i="1" lang="en" sz="1800">
-                <a:solidFill>
-                  <a:srgbClr val="FFFFFF"/>
-                </a:solidFill>
-              </a:rPr>
-              <a:t>meta_timer: pathItem.meta_timer</a:t>
+              <a:t>$html = file_get_contents($site);</a:t>
             </a:r>
             <a:endParaRPr i="1" sz="1800">
               <a:solidFill>
@@ -16301,8 +16930,8 @@
         </p:nvSpPr>
         <p:spPr>
           <a:xfrm>
-            <a:off x="2314950" y="618800"/>
-            <a:ext cx="4514100" cy="860700"/>
+            <a:off x="2070500" y="208400"/>
+            <a:ext cx="4884600" cy="860700"/>
           </a:xfrm>
           <a:prstGeom prst="rect">
             <a:avLst/>
@@ -16314,7 +16943,7 @@
           </a:bodyPr>
           <a:lstStyle/>
           <a:p>
-            <a:pPr indent="0" lvl="0" marL="0" rtl="0" algn="l">
+            <a:pPr indent="0" lvl="0" marL="0" rtl="0" algn="ctr">
               <a:lnSpc>
                 <a:spcPct val="115000"/>
               </a:lnSpc>
@@ -16332,9 +16961,17 @@
                   <a:srgbClr val="FFFFFF"/>
                 </a:solidFill>
               </a:rPr>
-              <a:t>EVALUATION METRICS</a:t>
-            </a:r>
-            <a:endParaRPr b="1" sz="3000">
+              <a:t>BACKGROUND</a:t>
+            </a:r>
+            <a:r>
+              <a:rPr b="1" lang="en" sz="3000">
+                <a:solidFill>
+                  <a:srgbClr val="FFFFFF"/>
+                </a:solidFill>
+              </a:rPr>
+              <a:t> SCRIPT</a:t>
+            </a:r>
+            <a:endParaRPr sz="3000">
               <a:solidFill>
                 <a:srgbClr val="FFFFFF"/>
               </a:solidFill>
@@ -16342,328 +16979,33 @@
           </a:p>
         </p:txBody>
       </p:sp>
-      <p:sp>
-        <p:nvSpPr>
+      <p:pic>
+        <p:nvPicPr>
           <p:cNvPr id="231" name="Google Shape;231;p42"/>
-          <p:cNvSpPr txBox="1"/>
-          <p:nvPr>
-            <p:ph idx="1" type="subTitle"/>
-          </p:nvPr>
-        </p:nvSpPr>
+          <p:cNvPicPr preferRelativeResize="0"/>
+          <p:nvPr/>
+        </p:nvPicPr>
+        <p:blipFill rotWithShape="1">
+          <a:blip r:embed="rId3">
+            <a:alphaModFix/>
+          </a:blip>
+          <a:srcRect b="0" l="0" r="0" t="0"/>
+          <a:stretch/>
+        </p:blipFill>
         <p:spPr>
           <a:xfrm>
-            <a:off x="721900" y="1462800"/>
-            <a:ext cx="7952100" cy="3195600"/>
+            <a:off x="1434875" y="1069100"/>
+            <a:ext cx="6155851" cy="3846249"/>
           </a:xfrm>
           <a:prstGeom prst="rect">
             <a:avLst/>
           </a:prstGeom>
+          <a:noFill/>
+          <a:ln>
+            <a:noFill/>
+          </a:ln>
         </p:spPr>
-        <p:txBody>
-          <a:bodyPr anchorCtr="0" anchor="t" bIns="91425" lIns="91425" spcFirstLastPara="1" rIns="91425" wrap="square" tIns="91425">
-            <a:noAutofit/>
-          </a:bodyPr>
-          <a:lstStyle/>
-          <a:p>
-            <a:pPr indent="-342900" lvl="0" marL="457200" rtl="0" algn="just">
-              <a:lnSpc>
-                <a:spcPct val="115000"/>
-              </a:lnSpc>
-              <a:spcBef>
-                <a:spcPts val="0"/>
-              </a:spcBef>
-              <a:spcAft>
-                <a:spcPts val="0"/>
-              </a:spcAft>
-              <a:buClr>
-                <a:srgbClr val="FFFFFF"/>
-              </a:buClr>
-              <a:buSzPts val="1800"/>
-              <a:buAutoNum type="arabicPeriod"/>
-            </a:pPr>
-            <a:r>
-              <a:rPr lang="en" sz="1800">
-                <a:solidFill>
-                  <a:srgbClr val="FFFFFF"/>
-                </a:solidFill>
-              </a:rPr>
-              <a:t>Phish detection accuracy</a:t>
-            </a:r>
-            <a:endParaRPr sz="1800">
-              <a:solidFill>
-                <a:srgbClr val="FFFFFF"/>
-              </a:solidFill>
-            </a:endParaRPr>
-          </a:p>
-          <a:p>
-            <a:pPr indent="0" lvl="0" marL="0" rtl="0" algn="just">
-              <a:lnSpc>
-                <a:spcPct val="115000"/>
-              </a:lnSpc>
-              <a:spcBef>
-                <a:spcPts val="0"/>
-              </a:spcBef>
-              <a:spcAft>
-                <a:spcPts val="0"/>
-              </a:spcAft>
-              <a:buNone/>
-            </a:pPr>
-            <a:r>
-              <a:rPr lang="en" sz="1800">
-                <a:solidFill>
-                  <a:srgbClr val="FFFFFF"/>
-                </a:solidFill>
-              </a:rPr>
-              <a:t>Accuracy = (TP+TN)/(TP+TN+FP+FN)</a:t>
-            </a:r>
-            <a:endParaRPr sz="1800">
-              <a:solidFill>
-                <a:srgbClr val="FFFFFF"/>
-              </a:solidFill>
-            </a:endParaRPr>
-          </a:p>
-          <a:p>
-            <a:pPr indent="-342900" lvl="0" marL="457200" rtl="0" algn="just">
-              <a:lnSpc>
-                <a:spcPct val="115000"/>
-              </a:lnSpc>
-              <a:spcBef>
-                <a:spcPts val="0"/>
-              </a:spcBef>
-              <a:spcAft>
-                <a:spcPts val="0"/>
-              </a:spcAft>
-              <a:buClr>
-                <a:srgbClr val="FFFFFF"/>
-              </a:buClr>
-              <a:buSzPts val="1800"/>
-              <a:buAutoNum type="arabicPeriod"/>
-            </a:pPr>
-            <a:r>
-              <a:rPr lang="en" sz="1800">
-                <a:solidFill>
-                  <a:srgbClr val="FFFFFF"/>
-                </a:solidFill>
-              </a:rPr>
-              <a:t>Target detection ratio</a:t>
-            </a:r>
-            <a:endParaRPr sz="1800">
-              <a:solidFill>
-                <a:srgbClr val="FFFFFF"/>
-              </a:solidFill>
-            </a:endParaRPr>
-          </a:p>
-          <a:p>
-            <a:pPr indent="0" lvl="0" marL="0" rtl="0" algn="just">
-              <a:lnSpc>
-                <a:spcPct val="115000"/>
-              </a:lnSpc>
-              <a:spcBef>
-                <a:spcPts val="0"/>
-              </a:spcBef>
-              <a:spcAft>
-                <a:spcPts val="0"/>
-              </a:spcAft>
-              <a:buNone/>
-            </a:pPr>
-            <a:r>
-              <a:rPr lang="en" sz="1800">
-                <a:solidFill>
-                  <a:schemeClr val="dk1"/>
-                </a:solidFill>
-              </a:rPr>
-              <a:t>Detection Ratio = (TP)/(TP+TN+FP+FN)</a:t>
-            </a:r>
-            <a:endParaRPr sz="1800">
-              <a:solidFill>
-                <a:srgbClr val="FFFFFF"/>
-              </a:solidFill>
-            </a:endParaRPr>
-          </a:p>
-          <a:p>
-            <a:pPr indent="-342900" lvl="0" marL="457200" rtl="0" algn="just">
-              <a:lnSpc>
-                <a:spcPct val="115000"/>
-              </a:lnSpc>
-              <a:spcBef>
-                <a:spcPts val="0"/>
-              </a:spcBef>
-              <a:spcAft>
-                <a:spcPts val="0"/>
-              </a:spcAft>
-              <a:buClr>
-                <a:srgbClr val="FFFFFF"/>
-              </a:buClr>
-              <a:buSzPts val="1800"/>
-              <a:buAutoNum type="arabicPeriod"/>
-            </a:pPr>
-            <a:r>
-              <a:rPr lang="en" sz="1800">
-                <a:solidFill>
-                  <a:srgbClr val="FFFFFF"/>
-                </a:solidFill>
-              </a:rPr>
-              <a:t>Memory usage profiling</a:t>
-            </a:r>
-            <a:endParaRPr sz="1800">
-              <a:solidFill>
-                <a:srgbClr val="FFFFFF"/>
-              </a:solidFill>
-            </a:endParaRPr>
-          </a:p>
-          <a:p>
-            <a:pPr indent="0" lvl="0" marL="0" rtl="0" algn="just">
-              <a:lnSpc>
-                <a:spcPct val="115000"/>
-              </a:lnSpc>
-              <a:spcBef>
-                <a:spcPts val="0"/>
-              </a:spcBef>
-              <a:spcAft>
-                <a:spcPts val="0"/>
-              </a:spcAft>
-              <a:buNone/>
-            </a:pPr>
-            <a:r>
-              <a:rPr lang="en" sz="1800">
-                <a:solidFill>
-                  <a:schemeClr val="dk1"/>
-                </a:solidFill>
-              </a:rPr>
-              <a:t>Current total memory usage = </a:t>
-            </a:r>
-            <a:r>
-              <a:rPr lang="en" sz="1800">
-                <a:solidFill>
-                  <a:srgbClr val="FFFFFF"/>
-                </a:solidFill>
-              </a:rPr>
-              <a:t>Total Memory - (Free + Buffers + Cached)</a:t>
-            </a:r>
-            <a:endParaRPr sz="1800">
-              <a:solidFill>
-                <a:srgbClr val="FFFFFF"/>
-              </a:solidFill>
-            </a:endParaRPr>
-          </a:p>
-          <a:p>
-            <a:pPr indent="-342900" lvl="0" marL="457200" rtl="0" algn="just">
-              <a:lnSpc>
-                <a:spcPct val="115000"/>
-              </a:lnSpc>
-              <a:spcBef>
-                <a:spcPts val="0"/>
-              </a:spcBef>
-              <a:spcAft>
-                <a:spcPts val="0"/>
-              </a:spcAft>
-              <a:buClr>
-                <a:srgbClr val="FFFFFF"/>
-              </a:buClr>
-              <a:buSzPts val="1800"/>
-              <a:buAutoNum type="arabicPeriod"/>
-            </a:pPr>
-            <a:r>
-              <a:rPr lang="en" sz="1800">
-                <a:solidFill>
-                  <a:srgbClr val="FFFFFF"/>
-                </a:solidFill>
-              </a:rPr>
-              <a:t>Addon rendering time</a:t>
-            </a:r>
-            <a:endParaRPr sz="1800">
-              <a:solidFill>
-                <a:srgbClr val="FFFFFF"/>
-              </a:solidFill>
-            </a:endParaRPr>
-          </a:p>
-          <a:p>
-            <a:pPr indent="0" lvl="0" marL="0" rtl="0" algn="just">
-              <a:lnSpc>
-                <a:spcPct val="115000"/>
-              </a:lnSpc>
-              <a:spcBef>
-                <a:spcPts val="0"/>
-              </a:spcBef>
-              <a:spcAft>
-                <a:spcPts val="0"/>
-              </a:spcAft>
-              <a:buNone/>
-            </a:pPr>
-            <a:r>
-              <a:rPr lang="en" sz="1800">
-                <a:solidFill>
-                  <a:schemeClr val="dk1"/>
-                </a:solidFill>
-              </a:rPr>
-              <a:t>Rendering Time = End time - Start time</a:t>
-            </a:r>
-            <a:endParaRPr sz="1800">
-              <a:solidFill>
-                <a:srgbClr val="FFFFFF"/>
-              </a:solidFill>
-            </a:endParaRPr>
-          </a:p>
-          <a:p>
-            <a:pPr indent="-342900" lvl="0" marL="457200" rtl="0" algn="just">
-              <a:lnSpc>
-                <a:spcPct val="115000"/>
-              </a:lnSpc>
-              <a:spcBef>
-                <a:spcPts val="0"/>
-              </a:spcBef>
-              <a:spcAft>
-                <a:spcPts val="0"/>
-              </a:spcAft>
-              <a:buClr>
-                <a:srgbClr val="FFFFFF"/>
-              </a:buClr>
-              <a:buSzPts val="1800"/>
-              <a:buAutoNum type="arabicPeriod"/>
-            </a:pPr>
-            <a:r>
-              <a:rPr lang="en" sz="1800">
-                <a:solidFill>
-                  <a:srgbClr val="FFFFFF"/>
-                </a:solidFill>
-              </a:rPr>
-              <a:t>Temporal resilience accuracy</a:t>
-            </a:r>
-            <a:endParaRPr sz="1800">
-              <a:solidFill>
-                <a:srgbClr val="FFFFFF"/>
-              </a:solidFill>
-            </a:endParaRPr>
-          </a:p>
-          <a:p>
-            <a:pPr indent="0" lvl="0" marL="0" rtl="0" algn="just">
-              <a:lnSpc>
-                <a:spcPct val="115000"/>
-              </a:lnSpc>
-              <a:spcBef>
-                <a:spcPts val="0"/>
-              </a:spcBef>
-              <a:spcAft>
-                <a:spcPts val="0"/>
-              </a:spcAft>
-              <a:buNone/>
-            </a:pPr>
-            <a:r>
-              <a:rPr lang="en" sz="1800">
-                <a:solidFill>
-                  <a:schemeClr val="dk1"/>
-                </a:solidFill>
-              </a:rPr>
-              <a:t>Accuracy = (TP+TN)/(TP+TN+FP+FN)</a:t>
-            </a:r>
-            <a:endParaRPr sz="1800">
-              <a:solidFill>
-                <a:srgbClr val="FFFFFF"/>
-              </a:solidFill>
-            </a:endParaRPr>
-          </a:p>
-        </p:txBody>
-      </p:sp>
+      </p:pic>
     </p:spTree>
   </p:cSld>
   <p:clrMapOvr>
@@ -16699,6 +17041,674 @@
         </p:nvSpPr>
         <p:spPr>
           <a:xfrm>
+            <a:off x="2070500" y="208400"/>
+            <a:ext cx="4884600" cy="860700"/>
+          </a:xfrm>
+          <a:prstGeom prst="rect">
+            <a:avLst/>
+          </a:prstGeom>
+        </p:spPr>
+        <p:txBody>
+          <a:bodyPr anchorCtr="0" anchor="b" bIns="91425" lIns="91425" spcFirstLastPara="1" rIns="91425" wrap="square" tIns="91425">
+            <a:noAutofit/>
+          </a:bodyPr>
+          <a:lstStyle/>
+          <a:p>
+            <a:pPr indent="0" lvl="0" marL="0" rtl="0" algn="ctr">
+              <a:lnSpc>
+                <a:spcPct val="115000"/>
+              </a:lnSpc>
+              <a:spcBef>
+                <a:spcPts val="0"/>
+              </a:spcBef>
+              <a:spcAft>
+                <a:spcPts val="0"/>
+              </a:spcAft>
+              <a:buNone/>
+            </a:pPr>
+            <a:r>
+              <a:rPr b="1" lang="en" sz="3000">
+                <a:solidFill>
+                  <a:srgbClr val="FFFFFF"/>
+                </a:solidFill>
+              </a:rPr>
+              <a:t>BACKGROUND</a:t>
+            </a:r>
+            <a:r>
+              <a:rPr b="1" lang="en" sz="3000">
+                <a:solidFill>
+                  <a:srgbClr val="FFFFFF"/>
+                </a:solidFill>
+              </a:rPr>
+              <a:t> SCRIPT</a:t>
+            </a:r>
+            <a:endParaRPr sz="3000">
+              <a:solidFill>
+                <a:srgbClr val="FFFFFF"/>
+              </a:solidFill>
+            </a:endParaRPr>
+          </a:p>
+        </p:txBody>
+      </p:sp>
+      <p:sp>
+        <p:nvSpPr>
+          <p:cNvPr id="237" name="Google Shape;237;p43"/>
+          <p:cNvSpPr txBox="1"/>
+          <p:nvPr>
+            <p:ph idx="1" type="subTitle"/>
+          </p:nvPr>
+        </p:nvSpPr>
+        <p:spPr>
+          <a:xfrm>
+            <a:off x="1027500" y="1367525"/>
+            <a:ext cx="7089000" cy="3259500"/>
+          </a:xfrm>
+          <a:prstGeom prst="rect">
+            <a:avLst/>
+          </a:prstGeom>
+        </p:spPr>
+        <p:txBody>
+          <a:bodyPr anchorCtr="0" anchor="t" bIns="91425" lIns="91425" spcFirstLastPara="1" rIns="91425" wrap="square" tIns="91425">
+            <a:noAutofit/>
+          </a:bodyPr>
+          <a:lstStyle/>
+          <a:p>
+            <a:pPr indent="0" lvl="0" marL="457200" rtl="0" algn="just">
+              <a:lnSpc>
+                <a:spcPct val="115000"/>
+              </a:lnSpc>
+              <a:spcBef>
+                <a:spcPts val="0"/>
+              </a:spcBef>
+              <a:spcAft>
+                <a:spcPts val="0"/>
+              </a:spcAft>
+              <a:buNone/>
+            </a:pPr>
+            <a:r>
+              <a:rPr i="1" lang="en" sz="1800">
+                <a:solidFill>
+                  <a:srgbClr val="FFFFFF"/>
+                </a:solidFill>
+              </a:rPr>
+              <a:t>//URL path item</a:t>
+            </a:r>
+            <a:endParaRPr i="1" sz="1800">
+              <a:solidFill>
+                <a:srgbClr val="FFFFFF"/>
+              </a:solidFill>
+            </a:endParaRPr>
+          </a:p>
+          <a:p>
+            <a:pPr indent="0" lvl="0" marL="457200" rtl="0" algn="just">
+              <a:lnSpc>
+                <a:spcPct val="115000"/>
+              </a:lnSpc>
+              <a:spcBef>
+                <a:spcPts val="0"/>
+              </a:spcBef>
+              <a:spcAft>
+                <a:spcPts val="0"/>
+              </a:spcAft>
+              <a:buNone/>
+            </a:pPr>
+            <a:r>
+              <a:rPr i="1" lang="en" sz="1800">
+                <a:solidFill>
+                  <a:srgbClr val="FFFFFF"/>
+                </a:solidFill>
+              </a:rPr>
+              <a:t>url: pathItem.url,</a:t>
+            </a:r>
+            <a:endParaRPr i="1" sz="1800">
+              <a:solidFill>
+                <a:srgbClr val="FFFFFF"/>
+              </a:solidFill>
+            </a:endParaRPr>
+          </a:p>
+          <a:p>
+            <a:pPr indent="0" lvl="0" marL="457200" rtl="0" algn="just">
+              <a:lnSpc>
+                <a:spcPct val="115000"/>
+              </a:lnSpc>
+              <a:spcBef>
+                <a:spcPts val="0"/>
+              </a:spcBef>
+              <a:spcAft>
+                <a:spcPts val="0"/>
+              </a:spcAft>
+              <a:buNone/>
+            </a:pPr>
+            <a:r>
+              <a:rPr i="1" lang="en" sz="1800">
+                <a:solidFill>
+                  <a:srgbClr val="FFFFFF"/>
+                </a:solidFill>
+              </a:rPr>
+              <a:t>status: pathItem.status_line,</a:t>
+            </a:r>
+            <a:endParaRPr i="1" sz="1800">
+              <a:solidFill>
+                <a:srgbClr val="FFFFFF"/>
+              </a:solidFill>
+            </a:endParaRPr>
+          </a:p>
+          <a:p>
+            <a:pPr indent="0" lvl="0" marL="457200" rtl="0" algn="just">
+              <a:lnSpc>
+                <a:spcPct val="115000"/>
+              </a:lnSpc>
+              <a:spcBef>
+                <a:spcPts val="0"/>
+              </a:spcBef>
+              <a:spcAft>
+                <a:spcPts val="0"/>
+              </a:spcAft>
+              <a:buNone/>
+            </a:pPr>
+            <a:r>
+              <a:rPr i="1" lang="en" sz="1800">
+                <a:solidFill>
+                  <a:srgbClr val="FFFFFF"/>
+                </a:solidFill>
+              </a:rPr>
+              <a:t>redirect_type: pathItem.redirect_type,</a:t>
+            </a:r>
+            <a:endParaRPr i="1" sz="1800">
+              <a:solidFill>
+                <a:srgbClr val="FFFFFF"/>
+              </a:solidFill>
+            </a:endParaRPr>
+          </a:p>
+          <a:p>
+            <a:pPr indent="0" lvl="0" marL="457200" rtl="0" algn="just">
+              <a:lnSpc>
+                <a:spcPct val="115000"/>
+              </a:lnSpc>
+              <a:spcBef>
+                <a:spcPts val="0"/>
+              </a:spcBef>
+              <a:spcAft>
+                <a:spcPts val="0"/>
+              </a:spcAft>
+              <a:buNone/>
+            </a:pPr>
+            <a:r>
+              <a:rPr i="1" lang="en" sz="1800">
+                <a:solidFill>
+                  <a:srgbClr val="FFFFFF"/>
+                </a:solidFill>
+              </a:rPr>
+              <a:t>redirect_url: pathItem.redirect_url,</a:t>
+            </a:r>
+            <a:endParaRPr i="1" sz="1800">
+              <a:solidFill>
+                <a:srgbClr val="FFFFFF"/>
+              </a:solidFill>
+            </a:endParaRPr>
+          </a:p>
+          <a:p>
+            <a:pPr indent="0" lvl="0" marL="457200" rtl="0" algn="just">
+              <a:lnSpc>
+                <a:spcPct val="115000"/>
+              </a:lnSpc>
+              <a:spcBef>
+                <a:spcPts val="0"/>
+              </a:spcBef>
+              <a:spcAft>
+                <a:spcPts val="0"/>
+              </a:spcAft>
+              <a:buNone/>
+            </a:pPr>
+            <a:r>
+              <a:rPr i="1" lang="en" sz="1800">
+                <a:solidFill>
+                  <a:srgbClr val="FFFFFF"/>
+                </a:solidFill>
+              </a:rPr>
+              <a:t>meta_timer: pathItem.meta_timer</a:t>
+            </a:r>
+            <a:endParaRPr i="1" sz="1800">
+              <a:solidFill>
+                <a:srgbClr val="FFFFFF"/>
+              </a:solidFill>
+            </a:endParaRPr>
+          </a:p>
+        </p:txBody>
+      </p:sp>
+    </p:spTree>
+  </p:cSld>
+  <p:clrMapOvr>
+    <a:masterClrMapping/>
+  </p:clrMapOvr>
+</p:sld>
+</file>
+
+<file path=ppt/slides/slide32.xml><?xml version="1.0" encoding="utf-8"?>
+<p:sld xmlns:a="http://schemas.openxmlformats.org/drawingml/2006/main" xmlns:r="http://schemas.openxmlformats.org/officeDocument/2006/relationships" xmlns:mc="http://schemas.openxmlformats.org/markup-compatibility/2006" xmlns:mv="urn:schemas-microsoft-com:mac:vml" xmlns:p="http://schemas.openxmlformats.org/presentationml/2006/main" xmlns:c="http://schemas.openxmlformats.org/drawingml/2006/chart" xmlns:dgm="http://schemas.openxmlformats.org/drawingml/2006/diagram" xmlns:o="urn:schemas-microsoft-com:office:office" xmlns:v="urn:schemas-microsoft-com:vml" xmlns:pvml="urn:schemas-microsoft-com:office:powerpoint" xmlns:com="http://schemas.openxmlformats.org/drawingml/2006/compatibility" xmlns:p14="http://schemas.microsoft.com/office/powerpoint/2010/main" xmlns:p15="http://schemas.microsoft.com/office/powerpoint/2012/main">
+  <p:cSld>
+    <p:spTree>
+      <p:nvGrpSpPr>
+        <p:cNvPr id="241" name="Shape 241"/>
+        <p:cNvGrpSpPr/>
+        <p:nvPr/>
+      </p:nvGrpSpPr>
+      <p:grpSpPr>
+        <a:xfrm>
+          <a:off x="0" y="0"/>
+          <a:ext cx="0" cy="0"/>
+          <a:chOff x="0" y="0"/>
+          <a:chExt cx="0" cy="0"/>
+        </a:xfrm>
+      </p:grpSpPr>
+      <p:sp>
+        <p:nvSpPr>
+          <p:cNvPr id="242" name="Google Shape;242;p44"/>
+          <p:cNvSpPr txBox="1"/>
+          <p:nvPr>
+            <p:ph type="ctrTitle"/>
+          </p:nvPr>
+        </p:nvSpPr>
+        <p:spPr>
+          <a:xfrm>
+            <a:off x="2314950" y="618800"/>
+            <a:ext cx="4514100" cy="860700"/>
+          </a:xfrm>
+          <a:prstGeom prst="rect">
+            <a:avLst/>
+          </a:prstGeom>
+        </p:spPr>
+        <p:txBody>
+          <a:bodyPr anchorCtr="0" anchor="b" bIns="91425" lIns="91425" spcFirstLastPara="1" rIns="91425" wrap="square" tIns="91425">
+            <a:noAutofit/>
+          </a:bodyPr>
+          <a:lstStyle/>
+          <a:p>
+            <a:pPr indent="0" lvl="0" marL="0" rtl="0" algn="l">
+              <a:lnSpc>
+                <a:spcPct val="115000"/>
+              </a:lnSpc>
+              <a:spcBef>
+                <a:spcPts val="0"/>
+              </a:spcBef>
+              <a:spcAft>
+                <a:spcPts val="0"/>
+              </a:spcAft>
+              <a:buNone/>
+            </a:pPr>
+            <a:r>
+              <a:rPr b="1" lang="en" sz="3000">
+                <a:solidFill>
+                  <a:srgbClr val="FFFFFF"/>
+                </a:solidFill>
+              </a:rPr>
+              <a:t>EVALUATION METRICS</a:t>
+            </a:r>
+            <a:endParaRPr b="1" sz="3000">
+              <a:solidFill>
+                <a:srgbClr val="FFFFFF"/>
+              </a:solidFill>
+            </a:endParaRPr>
+          </a:p>
+        </p:txBody>
+      </p:sp>
+      <p:sp>
+        <p:nvSpPr>
+          <p:cNvPr id="243" name="Google Shape;243;p44"/>
+          <p:cNvSpPr txBox="1"/>
+          <p:nvPr>
+            <p:ph idx="1" type="subTitle"/>
+          </p:nvPr>
+        </p:nvSpPr>
+        <p:spPr>
+          <a:xfrm>
+            <a:off x="721900" y="1462800"/>
+            <a:ext cx="7952100" cy="3195600"/>
+          </a:xfrm>
+          <a:prstGeom prst="rect">
+            <a:avLst/>
+          </a:prstGeom>
+        </p:spPr>
+        <p:txBody>
+          <a:bodyPr anchorCtr="0" anchor="t" bIns="91425" lIns="91425" spcFirstLastPara="1" rIns="91425" wrap="square" tIns="91425">
+            <a:noAutofit/>
+          </a:bodyPr>
+          <a:lstStyle/>
+          <a:p>
+            <a:pPr indent="-342900" lvl="0" marL="457200" rtl="0" algn="just">
+              <a:lnSpc>
+                <a:spcPct val="115000"/>
+              </a:lnSpc>
+              <a:spcBef>
+                <a:spcPts val="0"/>
+              </a:spcBef>
+              <a:spcAft>
+                <a:spcPts val="0"/>
+              </a:spcAft>
+              <a:buClr>
+                <a:srgbClr val="FFFFFF"/>
+              </a:buClr>
+              <a:buSzPts val="1800"/>
+              <a:buAutoNum type="arabicPeriod"/>
+            </a:pPr>
+            <a:r>
+              <a:rPr lang="en" sz="1800">
+                <a:solidFill>
+                  <a:srgbClr val="FFFFFF"/>
+                </a:solidFill>
+              </a:rPr>
+              <a:t>Phish detection accuracy</a:t>
+            </a:r>
+            <a:endParaRPr sz="1800">
+              <a:solidFill>
+                <a:srgbClr val="FFFFFF"/>
+              </a:solidFill>
+            </a:endParaRPr>
+          </a:p>
+          <a:p>
+            <a:pPr indent="0" lvl="0" marL="0" rtl="0" algn="just">
+              <a:lnSpc>
+                <a:spcPct val="115000"/>
+              </a:lnSpc>
+              <a:spcBef>
+                <a:spcPts val="0"/>
+              </a:spcBef>
+              <a:spcAft>
+                <a:spcPts val="0"/>
+              </a:spcAft>
+              <a:buNone/>
+            </a:pPr>
+            <a:r>
+              <a:rPr lang="en" sz="1800">
+                <a:solidFill>
+                  <a:srgbClr val="FFFFFF"/>
+                </a:solidFill>
+              </a:rPr>
+              <a:t>Accuracy = (TP+TN)/(TP+TN+FP+FN)</a:t>
+            </a:r>
+            <a:endParaRPr sz="1800">
+              <a:solidFill>
+                <a:srgbClr val="FFFFFF"/>
+              </a:solidFill>
+            </a:endParaRPr>
+          </a:p>
+          <a:p>
+            <a:pPr indent="-342900" lvl="0" marL="457200" rtl="0" algn="just">
+              <a:lnSpc>
+                <a:spcPct val="115000"/>
+              </a:lnSpc>
+              <a:spcBef>
+                <a:spcPts val="0"/>
+              </a:spcBef>
+              <a:spcAft>
+                <a:spcPts val="0"/>
+              </a:spcAft>
+              <a:buClr>
+                <a:srgbClr val="FFFFFF"/>
+              </a:buClr>
+              <a:buSzPts val="1800"/>
+              <a:buAutoNum type="arabicPeriod"/>
+            </a:pPr>
+            <a:r>
+              <a:rPr lang="en" sz="1800">
+                <a:solidFill>
+                  <a:srgbClr val="FFFFFF"/>
+                </a:solidFill>
+              </a:rPr>
+              <a:t>Target detection ratio</a:t>
+            </a:r>
+            <a:endParaRPr sz="1800">
+              <a:solidFill>
+                <a:srgbClr val="FFFFFF"/>
+              </a:solidFill>
+            </a:endParaRPr>
+          </a:p>
+          <a:p>
+            <a:pPr indent="0" lvl="0" marL="0" rtl="0" algn="just">
+              <a:lnSpc>
+                <a:spcPct val="115000"/>
+              </a:lnSpc>
+              <a:spcBef>
+                <a:spcPts val="0"/>
+              </a:spcBef>
+              <a:spcAft>
+                <a:spcPts val="0"/>
+              </a:spcAft>
+              <a:buNone/>
+            </a:pPr>
+            <a:r>
+              <a:rPr lang="en" sz="1800">
+                <a:solidFill>
+                  <a:schemeClr val="dk1"/>
+                </a:solidFill>
+              </a:rPr>
+              <a:t>Detection Ratio = (TP)/(TP+TN+FP+FN)</a:t>
+            </a:r>
+            <a:endParaRPr sz="1800">
+              <a:solidFill>
+                <a:srgbClr val="FFFFFF"/>
+              </a:solidFill>
+            </a:endParaRPr>
+          </a:p>
+          <a:p>
+            <a:pPr indent="-342900" lvl="0" marL="457200" rtl="0" algn="just">
+              <a:lnSpc>
+                <a:spcPct val="115000"/>
+              </a:lnSpc>
+              <a:spcBef>
+                <a:spcPts val="0"/>
+              </a:spcBef>
+              <a:spcAft>
+                <a:spcPts val="0"/>
+              </a:spcAft>
+              <a:buClr>
+                <a:srgbClr val="FFFFFF"/>
+              </a:buClr>
+              <a:buSzPts val="1800"/>
+              <a:buAutoNum type="arabicPeriod"/>
+            </a:pPr>
+            <a:r>
+              <a:rPr lang="en" sz="1800">
+                <a:solidFill>
+                  <a:srgbClr val="FFFFFF"/>
+                </a:solidFill>
+              </a:rPr>
+              <a:t>Memory usage profiling</a:t>
+            </a:r>
+            <a:endParaRPr sz="1800">
+              <a:solidFill>
+                <a:srgbClr val="FFFFFF"/>
+              </a:solidFill>
+            </a:endParaRPr>
+          </a:p>
+          <a:p>
+            <a:pPr indent="0" lvl="0" marL="0" rtl="0" algn="just">
+              <a:lnSpc>
+                <a:spcPct val="115000"/>
+              </a:lnSpc>
+              <a:spcBef>
+                <a:spcPts val="0"/>
+              </a:spcBef>
+              <a:spcAft>
+                <a:spcPts val="0"/>
+              </a:spcAft>
+              <a:buNone/>
+            </a:pPr>
+            <a:r>
+              <a:rPr lang="en" sz="1800">
+                <a:solidFill>
+                  <a:schemeClr val="dk1"/>
+                </a:solidFill>
+              </a:rPr>
+              <a:t>Current total memory usage = </a:t>
+            </a:r>
+            <a:r>
+              <a:rPr lang="en" sz="1800">
+                <a:solidFill>
+                  <a:srgbClr val="FFFFFF"/>
+                </a:solidFill>
+              </a:rPr>
+              <a:t>Total Memory - (Free + Buffers + Cached)</a:t>
+            </a:r>
+            <a:endParaRPr sz="1800">
+              <a:solidFill>
+                <a:srgbClr val="FFFFFF"/>
+              </a:solidFill>
+            </a:endParaRPr>
+          </a:p>
+          <a:p>
+            <a:pPr indent="-342900" lvl="0" marL="457200" rtl="0" algn="just">
+              <a:lnSpc>
+                <a:spcPct val="115000"/>
+              </a:lnSpc>
+              <a:spcBef>
+                <a:spcPts val="0"/>
+              </a:spcBef>
+              <a:spcAft>
+                <a:spcPts val="0"/>
+              </a:spcAft>
+              <a:buClr>
+                <a:srgbClr val="FFFFFF"/>
+              </a:buClr>
+              <a:buSzPts val="1800"/>
+              <a:buAutoNum type="arabicPeriod"/>
+            </a:pPr>
+            <a:r>
+              <a:rPr lang="en" sz="1800">
+                <a:solidFill>
+                  <a:srgbClr val="FFFFFF"/>
+                </a:solidFill>
+              </a:rPr>
+              <a:t>Addon rendering time</a:t>
+            </a:r>
+            <a:endParaRPr sz="1800">
+              <a:solidFill>
+                <a:srgbClr val="FFFFFF"/>
+              </a:solidFill>
+            </a:endParaRPr>
+          </a:p>
+          <a:p>
+            <a:pPr indent="0" lvl="0" marL="0" rtl="0" algn="just">
+              <a:lnSpc>
+                <a:spcPct val="115000"/>
+              </a:lnSpc>
+              <a:spcBef>
+                <a:spcPts val="0"/>
+              </a:spcBef>
+              <a:spcAft>
+                <a:spcPts val="0"/>
+              </a:spcAft>
+              <a:buNone/>
+            </a:pPr>
+            <a:r>
+              <a:rPr lang="en" sz="1800">
+                <a:solidFill>
+                  <a:schemeClr val="dk1"/>
+                </a:solidFill>
+              </a:rPr>
+              <a:t>Rendering Time = End time - Start time</a:t>
+            </a:r>
+            <a:endParaRPr sz="1800">
+              <a:solidFill>
+                <a:srgbClr val="FFFFFF"/>
+              </a:solidFill>
+            </a:endParaRPr>
+          </a:p>
+          <a:p>
+            <a:pPr indent="-342900" lvl="0" marL="457200" rtl="0" algn="just">
+              <a:lnSpc>
+                <a:spcPct val="115000"/>
+              </a:lnSpc>
+              <a:spcBef>
+                <a:spcPts val="0"/>
+              </a:spcBef>
+              <a:spcAft>
+                <a:spcPts val="0"/>
+              </a:spcAft>
+              <a:buClr>
+                <a:srgbClr val="FFFFFF"/>
+              </a:buClr>
+              <a:buSzPts val="1800"/>
+              <a:buAutoNum type="arabicPeriod"/>
+            </a:pPr>
+            <a:r>
+              <a:rPr lang="en" sz="1800">
+                <a:solidFill>
+                  <a:srgbClr val="FFFFFF"/>
+                </a:solidFill>
+              </a:rPr>
+              <a:t>Temporal resilience accuracy</a:t>
+            </a:r>
+            <a:endParaRPr sz="1800">
+              <a:solidFill>
+                <a:srgbClr val="FFFFFF"/>
+              </a:solidFill>
+            </a:endParaRPr>
+          </a:p>
+          <a:p>
+            <a:pPr indent="0" lvl="0" marL="0" rtl="0" algn="just">
+              <a:lnSpc>
+                <a:spcPct val="115000"/>
+              </a:lnSpc>
+              <a:spcBef>
+                <a:spcPts val="0"/>
+              </a:spcBef>
+              <a:spcAft>
+                <a:spcPts val="0"/>
+              </a:spcAft>
+              <a:buNone/>
+            </a:pPr>
+            <a:r>
+              <a:rPr lang="en" sz="1800">
+                <a:solidFill>
+                  <a:schemeClr val="dk1"/>
+                </a:solidFill>
+              </a:rPr>
+              <a:t>Accuracy = (TP+TN)/(TP+TN+FP+FN)</a:t>
+            </a:r>
+            <a:endParaRPr sz="1800">
+              <a:solidFill>
+                <a:srgbClr val="FFFFFF"/>
+              </a:solidFill>
+            </a:endParaRPr>
+          </a:p>
+        </p:txBody>
+      </p:sp>
+    </p:spTree>
+  </p:cSld>
+  <p:clrMapOvr>
+    <a:masterClrMapping/>
+  </p:clrMapOvr>
+</p:sld>
+</file>
+
+<file path=ppt/slides/slide33.xml><?xml version="1.0" encoding="utf-8"?>
+<p:sld xmlns:a="http://schemas.openxmlformats.org/drawingml/2006/main" xmlns:r="http://schemas.openxmlformats.org/officeDocument/2006/relationships" xmlns:mc="http://schemas.openxmlformats.org/markup-compatibility/2006" xmlns:mv="urn:schemas-microsoft-com:mac:vml" xmlns:p="http://schemas.openxmlformats.org/presentationml/2006/main" xmlns:c="http://schemas.openxmlformats.org/drawingml/2006/chart" xmlns:dgm="http://schemas.openxmlformats.org/drawingml/2006/diagram" xmlns:o="urn:schemas-microsoft-com:office:office" xmlns:v="urn:schemas-microsoft-com:vml" xmlns:pvml="urn:schemas-microsoft-com:office:powerpoint" xmlns:com="http://schemas.openxmlformats.org/drawingml/2006/compatibility" xmlns:p14="http://schemas.microsoft.com/office/powerpoint/2010/main" xmlns:p15="http://schemas.microsoft.com/office/powerpoint/2012/main">
+  <p:cSld>
+    <p:spTree>
+      <p:nvGrpSpPr>
+        <p:cNvPr id="247" name="Shape 247"/>
+        <p:cNvGrpSpPr/>
+        <p:nvPr/>
+      </p:nvGrpSpPr>
+      <p:grpSpPr>
+        <a:xfrm>
+          <a:off x="0" y="0"/>
+          <a:ext cx="0" cy="0"/>
+          <a:chOff x="0" y="0"/>
+          <a:chExt cx="0" cy="0"/>
+        </a:xfrm>
+      </p:grpSpPr>
+      <p:sp>
+        <p:nvSpPr>
+          <p:cNvPr id="248" name="Google Shape;248;p45"/>
+          <p:cNvSpPr txBox="1"/>
+          <p:nvPr>
+            <p:ph type="ctrTitle"/>
+          </p:nvPr>
+        </p:nvSpPr>
+        <p:spPr>
+          <a:xfrm>
             <a:off x="2052475" y="381000"/>
             <a:ext cx="4884600" cy="860700"/>
           </a:xfrm>
@@ -16742,7 +17752,7 @@
       </p:sp>
       <p:sp>
         <p:nvSpPr>
-          <p:cNvPr id="237" name="Google Shape;237;p43"/>
+          <p:cNvPr id="249" name="Google Shape;249;p45"/>
           <p:cNvSpPr txBox="1"/>
           <p:nvPr>
             <p:ph idx="1" type="subTitle"/>
